--- a/Lectures/Lecture5/lesson5.pptx
+++ b/Lectures/Lecture5/lesson5.pptx
@@ -2,22 +2,27 @@
 <file path=ppt/presentation.xml><?xml version="1.0" encoding="utf-8"?>
 <p:presentation xmlns:a="http://schemas.openxmlformats.org/drawingml/2006/main" xmlns:r="http://schemas.openxmlformats.org/officeDocument/2006/relationships" xmlns:p="http://schemas.openxmlformats.org/presentationml/2006/main">
   <p:sldMasterIdLst>
-    <p:sldMasterId id="2147483648" r:id="rId5"/>
+    <p:sldMasterId id="2147483648" r:id="rId1"/>
   </p:sldMasterIdLst>
   <p:notesMasterIdLst>
-    <p:notesMasterId r:id="rId7"/>
+    <p:notesMasterId r:id="rId17"/>
   </p:notesMasterIdLst>
   <p:sldIdLst>
-    <p:sldId id="256" r:id="rId8"/>
-    <p:sldId id="257" r:id="rId9"/>
-    <p:sldId id="258" r:id="rId10"/>
-    <p:sldId id="259" r:id="rId11"/>
-    <p:sldId id="260" r:id="rId12"/>
-    <p:sldId id="261" r:id="rId13"/>
-    <p:sldId id="262" r:id="rId14"/>
-    <p:sldId id="263" r:id="rId15"/>
-    <p:sldId id="264" r:id="rId16"/>
-    <p:sldId id="265" r:id="rId17"/>
+    <p:sldId id="256" r:id="rId2"/>
+    <p:sldId id="257" r:id="rId3"/>
+    <p:sldId id="258" r:id="rId4"/>
+    <p:sldId id="259" r:id="rId5"/>
+    <p:sldId id="266" r:id="rId6"/>
+    <p:sldId id="267" r:id="rId7"/>
+    <p:sldId id="268" r:id="rId8"/>
+    <p:sldId id="269" r:id="rId9"/>
+    <p:sldId id="270" r:id="rId10"/>
+    <p:sldId id="260" r:id="rId11"/>
+    <p:sldId id="261" r:id="rId12"/>
+    <p:sldId id="262" r:id="rId13"/>
+    <p:sldId id="263" r:id="rId14"/>
+    <p:sldId id="264" r:id="rId15"/>
+    <p:sldId id="265" r:id="rId16"/>
   </p:sldIdLst>
   <p:sldSz cx="13004800" cy="9753600"/>
   <p:notesSz cx="6858000" cy="9144000"/>
@@ -37,7 +42,7 @@
       <a:buFontTx/>
       <a:buNone/>
       <a:tabLst/>
-      <a:defRPr b="0" baseline="0" cap="none" i="0" spc="0" strike="noStrike" sz="1800" u="none" kumimoji="0" normalizeH="0">
+      <a:defRPr kumimoji="0" sz="1800" b="0" i="0" u="none" strike="noStrike" cap="none" spc="0" normalizeH="0" baseline="0">
         <a:ln>
           <a:noFill/>
         </a:ln>
@@ -63,7 +68,7 @@
       <a:buFontTx/>
       <a:buNone/>
       <a:tabLst/>
-      <a:defRPr b="1" baseline="0" cap="none" i="0" spc="0" strike="noStrike" sz="2400" u="none" kumimoji="0" normalizeH="0">
+      <a:defRPr kumimoji="0" sz="2400" b="1" i="0" u="none" strike="noStrike" cap="none" spc="0" normalizeH="0" baseline="0">
         <a:ln>
           <a:noFill/>
         </a:ln>
@@ -93,7 +98,7 @@
       <a:buFontTx/>
       <a:buNone/>
       <a:tabLst/>
-      <a:defRPr b="1" baseline="0" cap="none" i="0" spc="0" strike="noStrike" sz="2400" u="none" kumimoji="0" normalizeH="0">
+      <a:defRPr kumimoji="0" sz="2400" b="1" i="0" u="none" strike="noStrike" cap="none" spc="0" normalizeH="0" baseline="0">
         <a:ln>
           <a:noFill/>
         </a:ln>
@@ -123,7 +128,7 @@
       <a:buFontTx/>
       <a:buNone/>
       <a:tabLst/>
-      <a:defRPr b="1" baseline="0" cap="none" i="0" spc="0" strike="noStrike" sz="2400" u="none" kumimoji="0" normalizeH="0">
+      <a:defRPr kumimoji="0" sz="2400" b="1" i="0" u="none" strike="noStrike" cap="none" spc="0" normalizeH="0" baseline="0">
         <a:ln>
           <a:noFill/>
         </a:ln>
@@ -153,7 +158,7 @@
       <a:buFontTx/>
       <a:buNone/>
       <a:tabLst/>
-      <a:defRPr b="1" baseline="0" cap="none" i="0" spc="0" strike="noStrike" sz="2400" u="none" kumimoji="0" normalizeH="0">
+      <a:defRPr kumimoji="0" sz="2400" b="1" i="0" u="none" strike="noStrike" cap="none" spc="0" normalizeH="0" baseline="0">
         <a:ln>
           <a:noFill/>
         </a:ln>
@@ -183,7 +188,7 @@
       <a:buFontTx/>
       <a:buNone/>
       <a:tabLst/>
-      <a:defRPr b="1" baseline="0" cap="none" i="0" spc="0" strike="noStrike" sz="2400" u="none" kumimoji="0" normalizeH="0">
+      <a:defRPr kumimoji="0" sz="2400" b="1" i="0" u="none" strike="noStrike" cap="none" spc="0" normalizeH="0" baseline="0">
         <a:ln>
           <a:noFill/>
         </a:ln>
@@ -213,7 +218,7 @@
       <a:buFontTx/>
       <a:buNone/>
       <a:tabLst/>
-      <a:defRPr b="1" baseline="0" cap="none" i="0" spc="0" strike="noStrike" sz="2400" u="none" kumimoji="0" normalizeH="0">
+      <a:defRPr kumimoji="0" sz="2400" b="1" i="0" u="none" strike="noStrike" cap="none" spc="0" normalizeH="0" baseline="0">
         <a:ln>
           <a:noFill/>
         </a:ln>
@@ -243,7 +248,7 @@
       <a:buFontTx/>
       <a:buNone/>
       <a:tabLst/>
-      <a:defRPr b="1" baseline="0" cap="none" i="0" spc="0" strike="noStrike" sz="2400" u="none" kumimoji="0" normalizeH="0">
+      <a:defRPr kumimoji="0" sz="2400" b="1" i="0" u="none" strike="noStrike" cap="none" spc="0" normalizeH="0" baseline="0">
         <a:ln>
           <a:noFill/>
         </a:ln>
@@ -273,7 +278,7 @@
       <a:buFontTx/>
       <a:buNone/>
       <a:tabLst/>
-      <a:defRPr b="1" baseline="0" cap="none" i="0" spc="0" strike="noStrike" sz="2400" u="none" kumimoji="0" normalizeH="0">
+      <a:defRPr kumimoji="0" sz="2400" b="1" i="0" u="none" strike="noStrike" cap="none" spc="0" normalizeH="0" baseline="0">
         <a:ln>
           <a:noFill/>
         </a:ln>
@@ -303,7 +308,7 @@
       <a:buFontTx/>
       <a:buNone/>
       <a:tabLst/>
-      <a:defRPr b="1" baseline="0" cap="none" i="0" spc="0" strike="noStrike" sz="2400" u="none" kumimoji="0" normalizeH="0">
+      <a:defRPr kumimoji="0" sz="2400" b="1" i="0" u="none" strike="noStrike" cap="none" spc="0" normalizeH="0" baseline="0">
         <a:ln>
           <a:noFill/>
         </a:ln>
@@ -319,16 +324,22 @@
       </a:defRPr>
     </a:lvl9pPr>
   </p:defaultTextStyle>
+  <p:extLst>
+    <p:ext uri="{EFAFB233-063F-42B5-8137-9DF3F51BA10A}">
+      <p15:sldGuideLst xmlns:p15="http://schemas.microsoft.com/office/powerpoint/2012/main"/>
+    </p:ext>
+  </p:extLst>
 </p:presentation>
-</file>
-
-<file path=ppt/commentAuthors.xml><?xml version="1.0" encoding="utf-8"?>
-<p:cmAuthorLst xmlns:a="http://schemas.openxmlformats.org/drawingml/2006/main" xmlns:r="http://schemas.openxmlformats.org/officeDocument/2006/relationships" xmlns:p="http://schemas.openxmlformats.org/presentationml/2006/main"/>
 </file>
 
 <file path=ppt/notesMasters/notesMaster1.xml><?xml version="1.0" encoding="utf-8"?>
 <p:notesMaster xmlns:a="http://schemas.openxmlformats.org/drawingml/2006/main" xmlns:r="http://schemas.openxmlformats.org/officeDocument/2006/relationships" xmlns:p="http://schemas.openxmlformats.org/presentationml/2006/main">
   <p:cSld>
+    <p:bg>
+      <p:bgRef idx="1001">
+        <a:schemeClr val="bg1"/>
+      </p:bgRef>
+    </p:bg>
     <p:spTree>
       <p:nvGrpSpPr>
         <p:cNvPr id="1" name=""/>
@@ -346,7 +357,9 @@
       <p:sp>
         <p:nvSpPr>
           <p:cNvPr id="116" name="Shape 116"/>
-          <p:cNvSpPr/>
+          <p:cNvSpPr>
+            <a:spLocks noGrp="1" noRot="1" noChangeAspect="1"/>
+          </p:cNvSpPr>
           <p:nvPr>
             <p:ph type="sldImg"/>
           </p:nvPr>
@@ -364,14 +377,16 @@
           <a:bodyPr/>
           <a:lstStyle/>
           <a:p>
-            <a:pPr/>
+            <a:endParaRPr/>
           </a:p>
         </p:txBody>
       </p:sp>
       <p:sp>
         <p:nvSpPr>
           <p:cNvPr id="117" name="Shape 117"/>
-          <p:cNvSpPr/>
+          <p:cNvSpPr>
+            <a:spLocks noGrp="1"/>
+          </p:cNvSpPr>
           <p:nvPr>
             <p:ph type="body" sz="quarter" idx="1"/>
           </p:nvPr>
@@ -389,7 +404,7 @@
           <a:bodyPr/>
           <a:lstStyle/>
           <a:p>
-            <a:pPr/>
+            <a:endParaRPr/>
           </a:p>
         </p:txBody>
       </p:sp>
@@ -501,7 +516,7 @@
 </file>
 
 <file path=ppt/slideLayouts/slideLayout1.xml><?xml version="1.0" encoding="utf-8"?>
-<p:sldLayout xmlns:a="http://schemas.openxmlformats.org/drawingml/2006/main" xmlns:r="http://schemas.openxmlformats.org/officeDocument/2006/relationships" xmlns:p="http://schemas.openxmlformats.org/presentationml/2006/main" type="title" showMasterSp="1" showMasterPhAnim="1">
+<p:sldLayout xmlns:a="http://schemas.openxmlformats.org/drawingml/2006/main" xmlns:r="http://schemas.openxmlformats.org/officeDocument/2006/relationships" xmlns:p="http://schemas.openxmlformats.org/presentationml/2006/main" type="title">
   <p:cSld name="Title &amp; Subtitle">
     <p:spTree>
       <p:nvGrpSpPr>
@@ -520,7 +535,9 @@
       <p:sp>
         <p:nvSpPr>
           <p:cNvPr id="11" name="Title Text"/>
-          <p:cNvSpPr txBox="1"/>
+          <p:cNvSpPr txBox="1">
+            <a:spLocks noGrp="1"/>
+          </p:cNvSpPr>
           <p:nvPr>
             <p:ph type="title"/>
           </p:nvPr>
@@ -538,7 +555,6 @@
           <a:bodyPr anchor="b"/>
           <a:lstStyle/>
           <a:p>
-            <a:pPr/>
             <a:r>
               <a:t>Title Text</a:t>
             </a:r>
@@ -548,7 +564,9 @@
       <p:sp>
         <p:nvSpPr>
           <p:cNvPr id="12" name="Body Level One…"/>
-          <p:cNvSpPr txBox="1"/>
+          <p:cNvSpPr txBox="1">
+            <a:spLocks noGrp="1"/>
+          </p:cNvSpPr>
           <p:nvPr>
             <p:ph type="body" sz="quarter" idx="1"/>
           </p:nvPr>
@@ -607,7 +625,6 @@
             </a:lvl5pPr>
           </a:lstStyle>
           <a:p>
-            <a:pPr/>
             <a:r>
               <a:t>Body Level One</a:t>
             </a:r>
@@ -641,7 +658,9 @@
       <p:sp>
         <p:nvSpPr>
           <p:cNvPr id="13" name="Slide Number"/>
-          <p:cNvSpPr txBox="1"/>
+          <p:cNvSpPr txBox="1">
+            <a:spLocks noGrp="1"/>
+          </p:cNvSpPr>
           <p:nvPr>
             <p:ph type="sldNum" sz="quarter" idx="2"/>
           </p:nvPr>
@@ -664,8 +683,10 @@
             </a:lvl1pPr>
           </a:lstStyle>
           <a:p>
-            <a:pPr/>
-            <a:fld id="{86CB4B4D-7CA3-9044-876B-883B54F8677D}" type="slidenum"/>
+            <a:fld id="{86CB4B4D-7CA3-9044-876B-883B54F8677D}" type="slidenum">
+              <a:t>‹#›</a:t>
+            </a:fld>
+            <a:endParaRPr/>
           </a:p>
         </p:txBody>
       </p:sp>
@@ -674,12 +695,12 @@
   <p:clrMapOvr>
     <a:masterClrMapping/>
   </p:clrMapOvr>
-  <p:transition xmlns:p14="http://schemas.microsoft.com/office/powerpoint/2010/main" spd="med" advClick="1"/>
+  <p:transition spd="med"/>
 </p:sldLayout>
 </file>
 
 <file path=ppt/slideLayouts/slideLayout10.xml><?xml version="1.0" encoding="utf-8"?>
-<p:sldLayout xmlns:a="http://schemas.openxmlformats.org/drawingml/2006/main" xmlns:r="http://schemas.openxmlformats.org/officeDocument/2006/relationships" xmlns:p="http://schemas.openxmlformats.org/presentationml/2006/main" type="tx" showMasterSp="1" showMasterPhAnim="1">
+<p:sldLayout xmlns:a="http://schemas.openxmlformats.org/drawingml/2006/main" xmlns:r="http://schemas.openxmlformats.org/officeDocument/2006/relationships" xmlns:p="http://schemas.openxmlformats.org/presentationml/2006/main" type="tx">
   <p:cSld name="Quote">
     <p:spTree>
       <p:nvGrpSpPr>
@@ -698,7 +719,9 @@
       <p:sp>
         <p:nvSpPr>
           <p:cNvPr id="93" name="–Johnny Appleseed"/>
-          <p:cNvSpPr txBox="1"/>
+          <p:cNvSpPr txBox="1">
+            <a:spLocks noGrp="1"/>
+          </p:cNvSpPr>
           <p:nvPr>
             <p:ph type="body" sz="quarter" idx="13"/>
           </p:nvPr>
@@ -723,11 +746,10 @@
               </a:spcBef>
               <a:buSzTx/>
               <a:buNone/>
-              <a:defRPr i="1" sz="2400"/>
+              <a:defRPr sz="2400" i="1"/>
             </a:lvl1pPr>
           </a:lstStyle>
           <a:p>
-            <a:pPr/>
             <a:r>
               <a:t>–Johnny Appleseed</a:t>
             </a:r>
@@ -737,7 +759,9 @@
       <p:sp>
         <p:nvSpPr>
           <p:cNvPr id="94" name="“Type a quote here.”"/>
-          <p:cNvSpPr txBox="1"/>
+          <p:cNvSpPr txBox="1">
+            <a:spLocks noGrp="1"/>
+          </p:cNvSpPr>
           <p:nvPr>
             <p:ph type="body" sz="quarter" idx="14"/>
           </p:nvPr>
@@ -771,7 +795,6 @@
             </a:lvl1pPr>
           </a:lstStyle>
           <a:p>
-            <a:pPr/>
             <a:r>
               <a:t>“Type a quote here.” </a:t>
             </a:r>
@@ -781,7 +804,9 @@
       <p:sp>
         <p:nvSpPr>
           <p:cNvPr id="95" name="Slide Number"/>
-          <p:cNvSpPr txBox="1"/>
+          <p:cNvSpPr txBox="1">
+            <a:spLocks noGrp="1"/>
+          </p:cNvSpPr>
           <p:nvPr>
             <p:ph type="sldNum" sz="quarter" idx="2"/>
           </p:nvPr>
@@ -795,8 +820,10 @@
           <a:bodyPr/>
           <a:lstStyle/>
           <a:p>
-            <a:pPr/>
-            <a:fld id="{86CB4B4D-7CA3-9044-876B-883B54F8677D}" type="slidenum"/>
+            <a:fld id="{86CB4B4D-7CA3-9044-876B-883B54F8677D}" type="slidenum">
+              <a:t>‹#›</a:t>
+            </a:fld>
+            <a:endParaRPr/>
           </a:p>
         </p:txBody>
       </p:sp>
@@ -805,12 +832,12 @@
   <p:clrMapOvr>
     <a:masterClrMapping/>
   </p:clrMapOvr>
-  <p:transition xmlns:p14="http://schemas.microsoft.com/office/powerpoint/2010/main" spd="med" advClick="1"/>
+  <p:transition spd="med"/>
 </p:sldLayout>
 </file>
 
 <file path=ppt/slideLayouts/slideLayout11.xml><?xml version="1.0" encoding="utf-8"?>
-<p:sldLayout xmlns:a="http://schemas.openxmlformats.org/drawingml/2006/main" xmlns:r="http://schemas.openxmlformats.org/officeDocument/2006/relationships" xmlns:p="http://schemas.openxmlformats.org/presentationml/2006/main" type="tx" showMasterSp="1" showMasterPhAnim="1">
+<p:sldLayout xmlns:a="http://schemas.openxmlformats.org/drawingml/2006/main" xmlns:r="http://schemas.openxmlformats.org/officeDocument/2006/relationships" xmlns:p="http://schemas.openxmlformats.org/presentationml/2006/main" type="tx">
   <p:cSld name="Photo">
     <p:spTree>
       <p:nvGrpSpPr>
@@ -829,7 +856,9 @@
       <p:sp>
         <p:nvSpPr>
           <p:cNvPr id="102" name="Image"/>
-          <p:cNvSpPr/>
+          <p:cNvSpPr>
+            <a:spLocks noGrp="1"/>
+          </p:cNvSpPr>
           <p:nvPr>
             <p:ph type="pic" idx="13"/>
           </p:nvPr>
@@ -849,14 +878,16 @@
           </a:bodyPr>
           <a:lstStyle/>
           <a:p>
-            <a:pPr/>
+            <a:endParaRPr/>
           </a:p>
         </p:txBody>
       </p:sp>
       <p:sp>
         <p:nvSpPr>
           <p:cNvPr id="103" name="Slide Number"/>
-          <p:cNvSpPr txBox="1"/>
+          <p:cNvSpPr txBox="1">
+            <a:spLocks noGrp="1"/>
+          </p:cNvSpPr>
           <p:nvPr>
             <p:ph type="sldNum" sz="quarter" idx="2"/>
           </p:nvPr>
@@ -870,8 +901,10 @@
           <a:bodyPr/>
           <a:lstStyle/>
           <a:p>
-            <a:pPr/>
-            <a:fld id="{86CB4B4D-7CA3-9044-876B-883B54F8677D}" type="slidenum"/>
+            <a:fld id="{86CB4B4D-7CA3-9044-876B-883B54F8677D}" type="slidenum">
+              <a:t>‹#›</a:t>
+            </a:fld>
+            <a:endParaRPr/>
           </a:p>
         </p:txBody>
       </p:sp>
@@ -880,12 +913,12 @@
   <p:clrMapOvr>
     <a:masterClrMapping/>
   </p:clrMapOvr>
-  <p:transition xmlns:p14="http://schemas.microsoft.com/office/powerpoint/2010/main" spd="med" advClick="1"/>
+  <p:transition spd="med"/>
 </p:sldLayout>
 </file>
 
 <file path=ppt/slideLayouts/slideLayout12.xml><?xml version="1.0" encoding="utf-8"?>
-<p:sldLayout xmlns:a="http://schemas.openxmlformats.org/drawingml/2006/main" xmlns:r="http://schemas.openxmlformats.org/officeDocument/2006/relationships" xmlns:p="http://schemas.openxmlformats.org/presentationml/2006/main" type="tx" showMasterSp="1" showMasterPhAnim="1">
+<p:sldLayout xmlns:a="http://schemas.openxmlformats.org/drawingml/2006/main" xmlns:r="http://schemas.openxmlformats.org/officeDocument/2006/relationships" xmlns:p="http://schemas.openxmlformats.org/presentationml/2006/main" type="tx">
   <p:cSld name="Blank">
     <p:spTree>
       <p:nvGrpSpPr>
@@ -904,7 +937,9 @@
       <p:sp>
         <p:nvSpPr>
           <p:cNvPr id="110" name="Slide Number"/>
-          <p:cNvSpPr txBox="1"/>
+          <p:cNvSpPr txBox="1">
+            <a:spLocks noGrp="1"/>
+          </p:cNvSpPr>
           <p:nvPr>
             <p:ph type="sldNum" sz="quarter" idx="2"/>
           </p:nvPr>
@@ -918,8 +953,10 @@
           <a:bodyPr/>
           <a:lstStyle/>
           <a:p>
-            <a:pPr/>
-            <a:fld id="{86CB4B4D-7CA3-9044-876B-883B54F8677D}" type="slidenum"/>
+            <a:fld id="{86CB4B4D-7CA3-9044-876B-883B54F8677D}" type="slidenum">
+              <a:t>‹#›</a:t>
+            </a:fld>
+            <a:endParaRPr/>
           </a:p>
         </p:txBody>
       </p:sp>
@@ -928,12 +965,12 @@
   <p:clrMapOvr>
     <a:masterClrMapping/>
   </p:clrMapOvr>
-  <p:transition xmlns:p14="http://schemas.microsoft.com/office/powerpoint/2010/main" spd="med" advClick="1"/>
+  <p:transition spd="med"/>
 </p:sldLayout>
 </file>
 
 <file path=ppt/slideLayouts/slideLayout2.xml><?xml version="1.0" encoding="utf-8"?>
-<p:sldLayout xmlns:a="http://schemas.openxmlformats.org/drawingml/2006/main" xmlns:r="http://schemas.openxmlformats.org/officeDocument/2006/relationships" xmlns:p="http://schemas.openxmlformats.org/presentationml/2006/main" type="tx" showMasterSp="1" showMasterPhAnim="1">
+<p:sldLayout xmlns:a="http://schemas.openxmlformats.org/drawingml/2006/main" xmlns:r="http://schemas.openxmlformats.org/officeDocument/2006/relationships" xmlns:p="http://schemas.openxmlformats.org/presentationml/2006/main" type="tx">
   <p:cSld name="Photo - Horizontal">
     <p:spTree>
       <p:nvGrpSpPr>
@@ -952,7 +989,9 @@
       <p:sp>
         <p:nvSpPr>
           <p:cNvPr id="20" name="Image"/>
-          <p:cNvSpPr/>
+          <p:cNvSpPr>
+            <a:spLocks noGrp="1"/>
+          </p:cNvSpPr>
           <p:nvPr>
             <p:ph type="pic" idx="13"/>
           </p:nvPr>
@@ -972,14 +1011,16 @@
           </a:bodyPr>
           <a:lstStyle/>
           <a:p>
-            <a:pPr/>
+            <a:endParaRPr/>
           </a:p>
         </p:txBody>
       </p:sp>
       <p:sp>
         <p:nvSpPr>
           <p:cNvPr id="21" name="Title Text"/>
-          <p:cNvSpPr txBox="1"/>
+          <p:cNvSpPr txBox="1">
+            <a:spLocks noGrp="1"/>
+          </p:cNvSpPr>
           <p:nvPr>
             <p:ph type="title"/>
           </p:nvPr>
@@ -997,7 +1038,6 @@
           <a:bodyPr anchor="b"/>
           <a:lstStyle/>
           <a:p>
-            <a:pPr/>
             <a:r>
               <a:t>Title Text</a:t>
             </a:r>
@@ -1007,7 +1047,9 @@
       <p:sp>
         <p:nvSpPr>
           <p:cNvPr id="22" name="Body Level One…"/>
-          <p:cNvSpPr txBox="1"/>
+          <p:cNvSpPr txBox="1">
+            <a:spLocks noGrp="1"/>
+          </p:cNvSpPr>
           <p:nvPr>
             <p:ph type="body" sz="quarter" idx="1"/>
           </p:nvPr>
@@ -1066,7 +1108,6 @@
             </a:lvl5pPr>
           </a:lstStyle>
           <a:p>
-            <a:pPr/>
             <a:r>
               <a:t>Body Level One</a:t>
             </a:r>
@@ -1100,7 +1141,9 @@
       <p:sp>
         <p:nvSpPr>
           <p:cNvPr id="23" name="Slide Number"/>
-          <p:cNvSpPr txBox="1"/>
+          <p:cNvSpPr txBox="1">
+            <a:spLocks noGrp="1"/>
+          </p:cNvSpPr>
           <p:nvPr>
             <p:ph type="sldNum" sz="quarter" idx="2"/>
           </p:nvPr>
@@ -1114,8 +1157,10 @@
           <a:bodyPr/>
           <a:lstStyle/>
           <a:p>
-            <a:pPr/>
-            <a:fld id="{86CB4B4D-7CA3-9044-876B-883B54F8677D}" type="slidenum"/>
+            <a:fld id="{86CB4B4D-7CA3-9044-876B-883B54F8677D}" type="slidenum">
+              <a:t>‹#›</a:t>
+            </a:fld>
+            <a:endParaRPr/>
           </a:p>
         </p:txBody>
       </p:sp>
@@ -1124,12 +1169,12 @@
   <p:clrMapOvr>
     <a:masterClrMapping/>
   </p:clrMapOvr>
-  <p:transition xmlns:p14="http://schemas.microsoft.com/office/powerpoint/2010/main" spd="med" advClick="1"/>
+  <p:transition spd="med"/>
 </p:sldLayout>
 </file>
 
 <file path=ppt/slideLayouts/slideLayout3.xml><?xml version="1.0" encoding="utf-8"?>
-<p:sldLayout xmlns:a="http://schemas.openxmlformats.org/drawingml/2006/main" xmlns:r="http://schemas.openxmlformats.org/officeDocument/2006/relationships" xmlns:p="http://schemas.openxmlformats.org/presentationml/2006/main" type="tx" showMasterSp="1" showMasterPhAnim="1">
+<p:sldLayout xmlns:a="http://schemas.openxmlformats.org/drawingml/2006/main" xmlns:r="http://schemas.openxmlformats.org/officeDocument/2006/relationships" xmlns:p="http://schemas.openxmlformats.org/presentationml/2006/main" type="tx">
   <p:cSld name="Title - Center">
     <p:spTree>
       <p:nvGrpSpPr>
@@ -1148,7 +1193,9 @@
       <p:sp>
         <p:nvSpPr>
           <p:cNvPr id="30" name="Title Text"/>
-          <p:cNvSpPr txBox="1"/>
+          <p:cNvSpPr txBox="1">
+            <a:spLocks noGrp="1"/>
+          </p:cNvSpPr>
           <p:nvPr>
             <p:ph type="title"/>
           </p:nvPr>
@@ -1166,7 +1213,6 @@
           <a:bodyPr/>
           <a:lstStyle/>
           <a:p>
-            <a:pPr/>
             <a:r>
               <a:t>Title Text</a:t>
             </a:r>
@@ -1176,7 +1222,9 @@
       <p:sp>
         <p:nvSpPr>
           <p:cNvPr id="31" name="Slide Number"/>
-          <p:cNvSpPr txBox="1"/>
+          <p:cNvSpPr txBox="1">
+            <a:spLocks noGrp="1"/>
+          </p:cNvSpPr>
           <p:nvPr>
             <p:ph type="sldNum" sz="quarter" idx="2"/>
           </p:nvPr>
@@ -1190,8 +1238,10 @@
           <a:bodyPr/>
           <a:lstStyle/>
           <a:p>
-            <a:pPr/>
-            <a:fld id="{86CB4B4D-7CA3-9044-876B-883B54F8677D}" type="slidenum"/>
+            <a:fld id="{86CB4B4D-7CA3-9044-876B-883B54F8677D}" type="slidenum">
+              <a:t>‹#›</a:t>
+            </a:fld>
+            <a:endParaRPr/>
           </a:p>
         </p:txBody>
       </p:sp>
@@ -1200,12 +1250,12 @@
   <p:clrMapOvr>
     <a:masterClrMapping/>
   </p:clrMapOvr>
-  <p:transition xmlns:p14="http://schemas.microsoft.com/office/powerpoint/2010/main" spd="med" advClick="1"/>
+  <p:transition spd="med"/>
 </p:sldLayout>
 </file>
 
 <file path=ppt/slideLayouts/slideLayout4.xml><?xml version="1.0" encoding="utf-8"?>
-<p:sldLayout xmlns:a="http://schemas.openxmlformats.org/drawingml/2006/main" xmlns:r="http://schemas.openxmlformats.org/officeDocument/2006/relationships" xmlns:p="http://schemas.openxmlformats.org/presentationml/2006/main" type="tx" showMasterSp="1" showMasterPhAnim="1">
+<p:sldLayout xmlns:a="http://schemas.openxmlformats.org/drawingml/2006/main" xmlns:r="http://schemas.openxmlformats.org/officeDocument/2006/relationships" xmlns:p="http://schemas.openxmlformats.org/presentationml/2006/main" type="tx">
   <p:cSld name="Photo - Vertical">
     <p:spTree>
       <p:nvGrpSpPr>
@@ -1224,7 +1274,9 @@
       <p:sp>
         <p:nvSpPr>
           <p:cNvPr id="38" name="Image"/>
-          <p:cNvSpPr/>
+          <p:cNvSpPr>
+            <a:spLocks noGrp="1"/>
+          </p:cNvSpPr>
           <p:nvPr>
             <p:ph type="pic" sz="half" idx="13"/>
           </p:nvPr>
@@ -1244,14 +1296,16 @@
           </a:bodyPr>
           <a:lstStyle/>
           <a:p>
-            <a:pPr/>
+            <a:endParaRPr/>
           </a:p>
         </p:txBody>
       </p:sp>
       <p:sp>
         <p:nvSpPr>
           <p:cNvPr id="39" name="Title Text"/>
-          <p:cNvSpPr txBox="1"/>
+          <p:cNvSpPr txBox="1">
+            <a:spLocks noGrp="1"/>
+          </p:cNvSpPr>
           <p:nvPr>
             <p:ph type="title"/>
           </p:nvPr>
@@ -1273,7 +1327,6 @@
             </a:lvl1pPr>
           </a:lstStyle>
           <a:p>
-            <a:pPr/>
             <a:r>
               <a:t>Title Text</a:t>
             </a:r>
@@ -1283,7 +1336,9 @@
       <p:sp>
         <p:nvSpPr>
           <p:cNvPr id="40" name="Body Level One…"/>
-          <p:cNvSpPr txBox="1"/>
+          <p:cNvSpPr txBox="1">
+            <a:spLocks noGrp="1"/>
+          </p:cNvSpPr>
           <p:nvPr>
             <p:ph type="body" sz="quarter" idx="1"/>
           </p:nvPr>
@@ -1342,7 +1397,6 @@
             </a:lvl5pPr>
           </a:lstStyle>
           <a:p>
-            <a:pPr/>
             <a:r>
               <a:t>Body Level One</a:t>
             </a:r>
@@ -1376,7 +1430,9 @@
       <p:sp>
         <p:nvSpPr>
           <p:cNvPr id="41" name="Slide Number"/>
-          <p:cNvSpPr txBox="1"/>
+          <p:cNvSpPr txBox="1">
+            <a:spLocks noGrp="1"/>
+          </p:cNvSpPr>
           <p:nvPr>
             <p:ph type="sldNum" sz="quarter" idx="2"/>
           </p:nvPr>
@@ -1390,8 +1446,10 @@
           <a:bodyPr/>
           <a:lstStyle/>
           <a:p>
-            <a:pPr/>
-            <a:fld id="{86CB4B4D-7CA3-9044-876B-883B54F8677D}" type="slidenum"/>
+            <a:fld id="{86CB4B4D-7CA3-9044-876B-883B54F8677D}" type="slidenum">
+              <a:t>‹#›</a:t>
+            </a:fld>
+            <a:endParaRPr/>
           </a:p>
         </p:txBody>
       </p:sp>
@@ -1400,12 +1458,12 @@
   <p:clrMapOvr>
     <a:masterClrMapping/>
   </p:clrMapOvr>
-  <p:transition xmlns:p14="http://schemas.microsoft.com/office/powerpoint/2010/main" spd="med" advClick="1"/>
+  <p:transition spd="med"/>
 </p:sldLayout>
 </file>
 
 <file path=ppt/slideLayouts/slideLayout5.xml><?xml version="1.0" encoding="utf-8"?>
-<p:sldLayout xmlns:a="http://schemas.openxmlformats.org/drawingml/2006/main" xmlns:r="http://schemas.openxmlformats.org/officeDocument/2006/relationships" xmlns:p="http://schemas.openxmlformats.org/presentationml/2006/main" type="tx" showMasterSp="1" showMasterPhAnim="1">
+<p:sldLayout xmlns:a="http://schemas.openxmlformats.org/drawingml/2006/main" xmlns:r="http://schemas.openxmlformats.org/officeDocument/2006/relationships" xmlns:p="http://schemas.openxmlformats.org/presentationml/2006/main" type="tx">
   <p:cSld name="Title - Top">
     <p:spTree>
       <p:nvGrpSpPr>
@@ -1424,7 +1482,9 @@
       <p:sp>
         <p:nvSpPr>
           <p:cNvPr id="48" name="Title Text"/>
-          <p:cNvSpPr txBox="1"/>
+          <p:cNvSpPr txBox="1">
+            <a:spLocks noGrp="1"/>
+          </p:cNvSpPr>
           <p:nvPr>
             <p:ph type="title"/>
           </p:nvPr>
@@ -1438,7 +1498,6 @@
           <a:bodyPr/>
           <a:lstStyle/>
           <a:p>
-            <a:pPr/>
             <a:r>
               <a:t>Title Text</a:t>
             </a:r>
@@ -1448,7 +1507,9 @@
       <p:sp>
         <p:nvSpPr>
           <p:cNvPr id="49" name="Slide Number"/>
-          <p:cNvSpPr txBox="1"/>
+          <p:cNvSpPr txBox="1">
+            <a:spLocks noGrp="1"/>
+          </p:cNvSpPr>
           <p:nvPr>
             <p:ph type="sldNum" sz="quarter" idx="2"/>
           </p:nvPr>
@@ -1462,8 +1523,10 @@
           <a:bodyPr/>
           <a:lstStyle/>
           <a:p>
-            <a:pPr/>
-            <a:fld id="{86CB4B4D-7CA3-9044-876B-883B54F8677D}" type="slidenum"/>
+            <a:fld id="{86CB4B4D-7CA3-9044-876B-883B54F8677D}" type="slidenum">
+              <a:t>‹#›</a:t>
+            </a:fld>
+            <a:endParaRPr/>
           </a:p>
         </p:txBody>
       </p:sp>
@@ -1472,12 +1535,12 @@
   <p:clrMapOvr>
     <a:masterClrMapping/>
   </p:clrMapOvr>
-  <p:transition xmlns:p14="http://schemas.microsoft.com/office/powerpoint/2010/main" spd="med" advClick="1"/>
+  <p:transition spd="med"/>
 </p:sldLayout>
 </file>
 
 <file path=ppt/slideLayouts/slideLayout6.xml><?xml version="1.0" encoding="utf-8"?>
-<p:sldLayout xmlns:a="http://schemas.openxmlformats.org/drawingml/2006/main" xmlns:r="http://schemas.openxmlformats.org/officeDocument/2006/relationships" xmlns:p="http://schemas.openxmlformats.org/presentationml/2006/main" type="tx" showMasterSp="1" showMasterPhAnim="1">
+<p:sldLayout xmlns:a="http://schemas.openxmlformats.org/drawingml/2006/main" xmlns:r="http://schemas.openxmlformats.org/officeDocument/2006/relationships" xmlns:p="http://schemas.openxmlformats.org/presentationml/2006/main" type="tx">
   <p:cSld name="Title &amp; Bullets">
     <p:spTree>
       <p:nvGrpSpPr>
@@ -1496,7 +1559,9 @@
       <p:sp>
         <p:nvSpPr>
           <p:cNvPr id="56" name="Title Text"/>
-          <p:cNvSpPr txBox="1"/>
+          <p:cNvSpPr txBox="1">
+            <a:spLocks noGrp="1"/>
+          </p:cNvSpPr>
           <p:nvPr>
             <p:ph type="title"/>
           </p:nvPr>
@@ -1510,7 +1575,6 @@
           <a:bodyPr/>
           <a:lstStyle/>
           <a:p>
-            <a:pPr/>
             <a:r>
               <a:t>Title Text</a:t>
             </a:r>
@@ -1520,7 +1584,9 @@
       <p:sp>
         <p:nvSpPr>
           <p:cNvPr id="57" name="Body Level One…"/>
-          <p:cNvSpPr txBox="1"/>
+          <p:cNvSpPr txBox="1">
+            <a:spLocks noGrp="1"/>
+          </p:cNvSpPr>
           <p:nvPr>
             <p:ph type="body" idx="1"/>
           </p:nvPr>
@@ -1534,7 +1600,6 @@
           <a:bodyPr/>
           <a:lstStyle/>
           <a:p>
-            <a:pPr/>
             <a:r>
               <a:t>Body Level One</a:t>
             </a:r>
@@ -1568,7 +1633,9 @@
       <p:sp>
         <p:nvSpPr>
           <p:cNvPr id="58" name="Slide Number"/>
-          <p:cNvSpPr txBox="1"/>
+          <p:cNvSpPr txBox="1">
+            <a:spLocks noGrp="1"/>
+          </p:cNvSpPr>
           <p:nvPr>
             <p:ph type="sldNum" sz="quarter" idx="2"/>
           </p:nvPr>
@@ -1582,8 +1649,10 @@
           <a:bodyPr/>
           <a:lstStyle/>
           <a:p>
-            <a:pPr/>
-            <a:fld id="{86CB4B4D-7CA3-9044-876B-883B54F8677D}" type="slidenum"/>
+            <a:fld id="{86CB4B4D-7CA3-9044-876B-883B54F8677D}" type="slidenum">
+              <a:t>‹#›</a:t>
+            </a:fld>
+            <a:endParaRPr/>
           </a:p>
         </p:txBody>
       </p:sp>
@@ -1592,12 +1661,12 @@
   <p:clrMapOvr>
     <a:masterClrMapping/>
   </p:clrMapOvr>
-  <p:transition xmlns:p14="http://schemas.microsoft.com/office/powerpoint/2010/main" spd="med" advClick="1"/>
+  <p:transition spd="med"/>
 </p:sldLayout>
 </file>
 
 <file path=ppt/slideLayouts/slideLayout7.xml><?xml version="1.0" encoding="utf-8"?>
-<p:sldLayout xmlns:a="http://schemas.openxmlformats.org/drawingml/2006/main" xmlns:r="http://schemas.openxmlformats.org/officeDocument/2006/relationships" xmlns:p="http://schemas.openxmlformats.org/presentationml/2006/main" type="tx" showMasterSp="1" showMasterPhAnim="1">
+<p:sldLayout xmlns:a="http://schemas.openxmlformats.org/drawingml/2006/main" xmlns:r="http://schemas.openxmlformats.org/officeDocument/2006/relationships" xmlns:p="http://schemas.openxmlformats.org/presentationml/2006/main" type="tx">
   <p:cSld name="Title, Bullets &amp; Photo">
     <p:spTree>
       <p:nvGrpSpPr>
@@ -1616,7 +1685,9 @@
       <p:sp>
         <p:nvSpPr>
           <p:cNvPr id="65" name="Image"/>
-          <p:cNvSpPr/>
+          <p:cNvSpPr>
+            <a:spLocks noGrp="1"/>
+          </p:cNvSpPr>
           <p:nvPr>
             <p:ph type="pic" sz="half" idx="13"/>
           </p:nvPr>
@@ -1636,14 +1707,16 @@
           </a:bodyPr>
           <a:lstStyle/>
           <a:p>
-            <a:pPr/>
+            <a:endParaRPr/>
           </a:p>
         </p:txBody>
       </p:sp>
       <p:sp>
         <p:nvSpPr>
           <p:cNvPr id="66" name="Title Text"/>
-          <p:cNvSpPr txBox="1"/>
+          <p:cNvSpPr txBox="1">
+            <a:spLocks noGrp="1"/>
+          </p:cNvSpPr>
           <p:nvPr>
             <p:ph type="title"/>
           </p:nvPr>
@@ -1657,7 +1730,6 @@
           <a:bodyPr/>
           <a:lstStyle/>
           <a:p>
-            <a:pPr/>
             <a:r>
               <a:t>Title Text</a:t>
             </a:r>
@@ -1667,7 +1739,9 @@
       <p:sp>
         <p:nvSpPr>
           <p:cNvPr id="67" name="Body Level One…"/>
-          <p:cNvSpPr txBox="1"/>
+          <p:cNvSpPr txBox="1">
+            <a:spLocks noGrp="1"/>
+          </p:cNvSpPr>
           <p:nvPr>
             <p:ph type="body" sz="half" idx="1"/>
           </p:nvPr>
@@ -1716,7 +1790,6 @@
             </a:lvl5pPr>
           </a:lstStyle>
           <a:p>
-            <a:pPr/>
             <a:r>
               <a:t>Body Level One</a:t>
             </a:r>
@@ -1750,7 +1823,9 @@
       <p:sp>
         <p:nvSpPr>
           <p:cNvPr id="68" name="Slide Number"/>
-          <p:cNvSpPr txBox="1"/>
+          <p:cNvSpPr txBox="1">
+            <a:spLocks noGrp="1"/>
+          </p:cNvSpPr>
           <p:nvPr>
             <p:ph type="sldNum" sz="quarter" idx="2"/>
           </p:nvPr>
@@ -1777,8 +1852,10 @@
             </a:lvl1pPr>
           </a:lstStyle>
           <a:p>
-            <a:pPr/>
-            <a:fld id="{86CB4B4D-7CA3-9044-876B-883B54F8677D}" type="slidenum"/>
+            <a:fld id="{86CB4B4D-7CA3-9044-876B-883B54F8677D}" type="slidenum">
+              <a:t>‹#›</a:t>
+            </a:fld>
+            <a:endParaRPr/>
           </a:p>
         </p:txBody>
       </p:sp>
@@ -1787,12 +1864,12 @@
   <p:clrMapOvr>
     <a:masterClrMapping/>
   </p:clrMapOvr>
-  <p:transition xmlns:p14="http://schemas.microsoft.com/office/powerpoint/2010/main" spd="med" advClick="1"/>
+  <p:transition spd="med"/>
 </p:sldLayout>
 </file>
 
 <file path=ppt/slideLayouts/slideLayout8.xml><?xml version="1.0" encoding="utf-8"?>
-<p:sldLayout xmlns:a="http://schemas.openxmlformats.org/drawingml/2006/main" xmlns:r="http://schemas.openxmlformats.org/officeDocument/2006/relationships" xmlns:p="http://schemas.openxmlformats.org/presentationml/2006/main" type="tx" showMasterSp="1" showMasterPhAnim="1">
+<p:sldLayout xmlns:a="http://schemas.openxmlformats.org/drawingml/2006/main" xmlns:r="http://schemas.openxmlformats.org/officeDocument/2006/relationships" xmlns:p="http://schemas.openxmlformats.org/presentationml/2006/main" type="tx">
   <p:cSld name="Bullets">
     <p:spTree>
       <p:nvGrpSpPr>
@@ -1811,7 +1888,9 @@
       <p:sp>
         <p:nvSpPr>
           <p:cNvPr id="75" name="Body Level One…"/>
-          <p:cNvSpPr txBox="1"/>
+          <p:cNvSpPr txBox="1">
+            <a:spLocks noGrp="1"/>
+          </p:cNvSpPr>
           <p:nvPr>
             <p:ph type="body" idx="1"/>
           </p:nvPr>
@@ -1829,7 +1908,6 @@
           <a:bodyPr/>
           <a:lstStyle/>
           <a:p>
-            <a:pPr/>
             <a:r>
               <a:t>Body Level One</a:t>
             </a:r>
@@ -1863,7 +1941,9 @@
       <p:sp>
         <p:nvSpPr>
           <p:cNvPr id="76" name="Slide Number"/>
-          <p:cNvSpPr txBox="1"/>
+          <p:cNvSpPr txBox="1">
+            <a:spLocks noGrp="1"/>
+          </p:cNvSpPr>
           <p:nvPr>
             <p:ph type="sldNum" sz="quarter" idx="2"/>
           </p:nvPr>
@@ -1877,8 +1957,10 @@
           <a:bodyPr/>
           <a:lstStyle/>
           <a:p>
-            <a:pPr/>
-            <a:fld id="{86CB4B4D-7CA3-9044-876B-883B54F8677D}" type="slidenum"/>
+            <a:fld id="{86CB4B4D-7CA3-9044-876B-883B54F8677D}" type="slidenum">
+              <a:t>‹#›</a:t>
+            </a:fld>
+            <a:endParaRPr/>
           </a:p>
         </p:txBody>
       </p:sp>
@@ -1887,12 +1969,12 @@
   <p:clrMapOvr>
     <a:masterClrMapping/>
   </p:clrMapOvr>
-  <p:transition xmlns:p14="http://schemas.microsoft.com/office/powerpoint/2010/main" spd="med" advClick="1"/>
+  <p:transition spd="med"/>
 </p:sldLayout>
 </file>
 
 <file path=ppt/slideLayouts/slideLayout9.xml><?xml version="1.0" encoding="utf-8"?>
-<p:sldLayout xmlns:a="http://schemas.openxmlformats.org/drawingml/2006/main" xmlns:r="http://schemas.openxmlformats.org/officeDocument/2006/relationships" xmlns:p="http://schemas.openxmlformats.org/presentationml/2006/main" type="tx" showMasterSp="1" showMasterPhAnim="1">
+<p:sldLayout xmlns:a="http://schemas.openxmlformats.org/drawingml/2006/main" xmlns:r="http://schemas.openxmlformats.org/officeDocument/2006/relationships" xmlns:p="http://schemas.openxmlformats.org/presentationml/2006/main" type="tx">
   <p:cSld name="Photo - 3 Up">
     <p:spTree>
       <p:nvGrpSpPr>
@@ -1911,7 +1993,9 @@
       <p:sp>
         <p:nvSpPr>
           <p:cNvPr id="83" name="Image"/>
-          <p:cNvSpPr/>
+          <p:cNvSpPr>
+            <a:spLocks noGrp="1"/>
+          </p:cNvSpPr>
           <p:nvPr>
             <p:ph type="pic" sz="quarter" idx="13"/>
           </p:nvPr>
@@ -1931,14 +2015,16 @@
           </a:bodyPr>
           <a:lstStyle/>
           <a:p>
-            <a:pPr/>
+            <a:endParaRPr/>
           </a:p>
         </p:txBody>
       </p:sp>
       <p:sp>
         <p:nvSpPr>
           <p:cNvPr id="84" name="Image"/>
-          <p:cNvSpPr/>
+          <p:cNvSpPr>
+            <a:spLocks noGrp="1"/>
+          </p:cNvSpPr>
           <p:nvPr>
             <p:ph type="pic" sz="quarter" idx="14"/>
           </p:nvPr>
@@ -1958,14 +2044,16 @@
           </a:bodyPr>
           <a:lstStyle/>
           <a:p>
-            <a:pPr/>
+            <a:endParaRPr/>
           </a:p>
         </p:txBody>
       </p:sp>
       <p:sp>
         <p:nvSpPr>
           <p:cNvPr id="85" name="Image"/>
-          <p:cNvSpPr/>
+          <p:cNvSpPr>
+            <a:spLocks noGrp="1"/>
+          </p:cNvSpPr>
           <p:nvPr>
             <p:ph type="pic" sz="half" idx="15"/>
           </p:nvPr>
@@ -1985,14 +2073,16 @@
           </a:bodyPr>
           <a:lstStyle/>
           <a:p>
-            <a:pPr/>
+            <a:endParaRPr/>
           </a:p>
         </p:txBody>
       </p:sp>
       <p:sp>
         <p:nvSpPr>
           <p:cNvPr id="86" name="Slide Number"/>
-          <p:cNvSpPr txBox="1"/>
+          <p:cNvSpPr txBox="1">
+            <a:spLocks noGrp="1"/>
+          </p:cNvSpPr>
           <p:nvPr>
             <p:ph type="sldNum" sz="quarter" idx="2"/>
           </p:nvPr>
@@ -2006,8 +2096,10 @@
           <a:bodyPr/>
           <a:lstStyle/>
           <a:p>
-            <a:pPr/>
-            <a:fld id="{86CB4B4D-7CA3-9044-876B-883B54F8677D}" type="slidenum"/>
+            <a:fld id="{86CB4B4D-7CA3-9044-876B-883B54F8677D}" type="slidenum">
+              <a:t>‹#›</a:t>
+            </a:fld>
+            <a:endParaRPr/>
           </a:p>
         </p:txBody>
       </p:sp>
@@ -2016,7 +2108,7 @@
   <p:clrMapOvr>
     <a:masterClrMapping/>
   </p:clrMapOvr>
-  <p:transition xmlns:p14="http://schemas.microsoft.com/office/powerpoint/2010/main" spd="med" advClick="1"/>
+  <p:transition spd="med"/>
 </p:sldLayout>
 </file>
 
@@ -2028,6 +2120,7 @@
         <a:solidFill>
           <a:srgbClr val="FFFFFF"/>
         </a:solidFill>
+        <a:effectLst/>
       </p:bgPr>
     </p:bg>
     <p:spTree>
@@ -2047,7 +2140,9 @@
       <p:sp>
         <p:nvSpPr>
           <p:cNvPr id="2" name="Title Text"/>
-          <p:cNvSpPr txBox="1"/>
+          <p:cNvSpPr txBox="1">
+            <a:spLocks noGrp="1"/>
+          </p:cNvSpPr>
           <p:nvPr>
             <p:ph type="title"/>
           </p:nvPr>
@@ -2065,17 +2160,16 @@
           </a:ln>
           <a:extLst>
             <a:ext uri="{C572A759-6A51-4108-AA02-DFA0A04FC94B}">
-              <ma14:wrappingTextBoxFlag xmlns:ma14="http://schemas.microsoft.com/office/mac/drawingml/2011/main" val="1"/>
+              <ma14:wrappingTextBoxFlag xmlns:ma14="http://schemas.microsoft.com/office/mac/drawingml/2011/main" xmlns="" val="1"/>
             </a:ext>
           </a:extLst>
         </p:spPr>
         <p:txBody>
           <a:bodyPr lIns="50800" tIns="50800" rIns="50800" bIns="50800" anchor="ctr">
-            <a:normAutofit fontScale="100000" lnSpcReduction="0"/>
+            <a:normAutofit/>
           </a:bodyPr>
           <a:lstStyle/>
           <a:p>
-            <a:pPr/>
             <a:r>
               <a:t>Title Text</a:t>
             </a:r>
@@ -2085,7 +2179,9 @@
       <p:sp>
         <p:nvSpPr>
           <p:cNvPr id="3" name="Body Level One…"/>
-          <p:cNvSpPr txBox="1"/>
+          <p:cNvSpPr txBox="1">
+            <a:spLocks noGrp="1"/>
+          </p:cNvSpPr>
           <p:nvPr>
             <p:ph type="body" idx="1"/>
           </p:nvPr>
@@ -2103,17 +2199,16 @@
           </a:ln>
           <a:extLst>
             <a:ext uri="{C572A759-6A51-4108-AA02-DFA0A04FC94B}">
-              <ma14:wrappingTextBoxFlag xmlns:ma14="http://schemas.microsoft.com/office/mac/drawingml/2011/main" val="1"/>
+              <ma14:wrappingTextBoxFlag xmlns:ma14="http://schemas.microsoft.com/office/mac/drawingml/2011/main" xmlns="" val="1"/>
             </a:ext>
           </a:extLst>
         </p:spPr>
         <p:txBody>
           <a:bodyPr lIns="50800" tIns="50800" rIns="50800" bIns="50800" anchor="ctr">
-            <a:normAutofit fontScale="100000" lnSpcReduction="0"/>
+            <a:normAutofit/>
           </a:bodyPr>
           <a:lstStyle/>
           <a:p>
-            <a:pPr/>
             <a:r>
               <a:t>Body Level One</a:t>
             </a:r>
@@ -2147,7 +2242,9 @@
       <p:sp>
         <p:nvSpPr>
           <p:cNvPr id="4" name="Slide Number"/>
-          <p:cNvSpPr txBox="1"/>
+          <p:cNvSpPr txBox="1">
+            <a:spLocks noGrp="1"/>
+          </p:cNvSpPr>
           <p:nvPr>
             <p:ph type="sldNum" sz="quarter" idx="2"/>
           </p:nvPr>
@@ -2170,7 +2267,7 @@
           </a:bodyPr>
           <a:lstStyle>
             <a:lvl1pPr>
-              <a:defRPr b="0" sz="1600">
+              <a:defRPr sz="1600" b="0">
                 <a:latin typeface="Helvetica Neue Light"/>
                 <a:ea typeface="Helvetica Neue Light"/>
                 <a:cs typeface="Helvetica Neue Light"/>
@@ -2179,8 +2276,10 @@
             </a:lvl1pPr>
           </a:lstStyle>
           <a:p>
-            <a:pPr/>
-            <a:fld id="{86CB4B4D-7CA3-9044-876B-883B54F8677D}" type="slidenum"/>
+            <a:fld id="{86CB4B4D-7CA3-9044-876B-883B54F8677D}" type="slidenum">
+              <a:t>‹#›</a:t>
+            </a:fld>
+            <a:endParaRPr/>
           </a:p>
         </p:txBody>
       </p:sp>
@@ -2188,20 +2287,20 @@
   </p:cSld>
   <p:clrMap bg1="lt1" tx1="dk1" bg2="lt2" tx2="dk2" accent1="accent1" accent2="accent2" accent3="accent3" accent4="accent4" accent5="accent5" accent6="accent6" hlink="hlink" folHlink="folHlink"/>
   <p:sldLayoutIdLst>
-    <p:sldLayoutId id="2147483649" r:id="rId2"/>
-    <p:sldLayoutId id="2147483650" r:id="rId3"/>
-    <p:sldLayoutId id="2147483651" r:id="rId4"/>
-    <p:sldLayoutId id="2147483652" r:id="rId5"/>
-    <p:sldLayoutId id="2147483653" r:id="rId6"/>
-    <p:sldLayoutId id="2147483654" r:id="rId7"/>
-    <p:sldLayoutId id="2147483655" r:id="rId8"/>
-    <p:sldLayoutId id="2147483656" r:id="rId9"/>
-    <p:sldLayoutId id="2147483657" r:id="rId10"/>
-    <p:sldLayoutId id="2147483658" r:id="rId11"/>
-    <p:sldLayoutId id="2147483659" r:id="rId12"/>
-    <p:sldLayoutId id="2147483660" r:id="rId13"/>
+    <p:sldLayoutId id="2147483649" r:id="rId1"/>
+    <p:sldLayoutId id="2147483650" r:id="rId2"/>
+    <p:sldLayoutId id="2147483651" r:id="rId3"/>
+    <p:sldLayoutId id="2147483652" r:id="rId4"/>
+    <p:sldLayoutId id="2147483653" r:id="rId5"/>
+    <p:sldLayoutId id="2147483654" r:id="rId6"/>
+    <p:sldLayoutId id="2147483655" r:id="rId7"/>
+    <p:sldLayoutId id="2147483656" r:id="rId8"/>
+    <p:sldLayoutId id="2147483657" r:id="rId9"/>
+    <p:sldLayoutId id="2147483658" r:id="rId10"/>
+    <p:sldLayoutId id="2147483659" r:id="rId11"/>
+    <p:sldLayoutId id="2147483660" r:id="rId12"/>
   </p:sldLayoutIdLst>
-  <p:transition xmlns:p14="http://schemas.microsoft.com/office/powerpoint/2010/main" spd="med" advClick="1"/>
+  <p:transition spd="med"/>
   <p:txStyles>
     <p:titleStyle>
       <a:lvl1pPr marL="0" marR="0" indent="0" algn="ctr" defTabSz="584200" rtl="0" latinLnBrk="0">
@@ -2219,7 +2318,7 @@
         <a:buFontTx/>
         <a:buNone/>
         <a:tabLst/>
-        <a:defRPr b="0" baseline="0" cap="none" i="0" spc="0" strike="noStrike" sz="8000" u="none">
+        <a:defRPr sz="8000" b="0" i="0" u="none" strike="noStrike" cap="none" spc="0" baseline="0">
           <a:ln>
             <a:noFill/>
           </a:ln>
@@ -2248,7 +2347,7 @@
         <a:buFontTx/>
         <a:buNone/>
         <a:tabLst/>
-        <a:defRPr b="0" baseline="0" cap="none" i="0" spc="0" strike="noStrike" sz="8000" u="none">
+        <a:defRPr sz="8000" b="0" i="0" u="none" strike="noStrike" cap="none" spc="0" baseline="0">
           <a:ln>
             <a:noFill/>
           </a:ln>
@@ -2277,7 +2376,7 @@
         <a:buFontTx/>
         <a:buNone/>
         <a:tabLst/>
-        <a:defRPr b="0" baseline="0" cap="none" i="0" spc="0" strike="noStrike" sz="8000" u="none">
+        <a:defRPr sz="8000" b="0" i="0" u="none" strike="noStrike" cap="none" spc="0" baseline="0">
           <a:ln>
             <a:noFill/>
           </a:ln>
@@ -2306,7 +2405,7 @@
         <a:buFontTx/>
         <a:buNone/>
         <a:tabLst/>
-        <a:defRPr b="0" baseline="0" cap="none" i="0" spc="0" strike="noStrike" sz="8000" u="none">
+        <a:defRPr sz="8000" b="0" i="0" u="none" strike="noStrike" cap="none" spc="0" baseline="0">
           <a:ln>
             <a:noFill/>
           </a:ln>
@@ -2335,7 +2434,7 @@
         <a:buFontTx/>
         <a:buNone/>
         <a:tabLst/>
-        <a:defRPr b="0" baseline="0" cap="none" i="0" spc="0" strike="noStrike" sz="8000" u="none">
+        <a:defRPr sz="8000" b="0" i="0" u="none" strike="noStrike" cap="none" spc="0" baseline="0">
           <a:ln>
             <a:noFill/>
           </a:ln>
@@ -2364,7 +2463,7 @@
         <a:buFontTx/>
         <a:buNone/>
         <a:tabLst/>
-        <a:defRPr b="0" baseline="0" cap="none" i="0" spc="0" strike="noStrike" sz="8000" u="none">
+        <a:defRPr sz="8000" b="0" i="0" u="none" strike="noStrike" cap="none" spc="0" baseline="0">
           <a:ln>
             <a:noFill/>
           </a:ln>
@@ -2393,7 +2492,7 @@
         <a:buFontTx/>
         <a:buNone/>
         <a:tabLst/>
-        <a:defRPr b="0" baseline="0" cap="none" i="0" spc="0" strike="noStrike" sz="8000" u="none">
+        <a:defRPr sz="8000" b="0" i="0" u="none" strike="noStrike" cap="none" spc="0" baseline="0">
           <a:ln>
             <a:noFill/>
           </a:ln>
@@ -2422,7 +2521,7 @@
         <a:buFontTx/>
         <a:buNone/>
         <a:tabLst/>
-        <a:defRPr b="0" baseline="0" cap="none" i="0" spc="0" strike="noStrike" sz="8000" u="none">
+        <a:defRPr sz="8000" b="0" i="0" u="none" strike="noStrike" cap="none" spc="0" baseline="0">
           <a:ln>
             <a:noFill/>
           </a:ln>
@@ -2451,7 +2550,7 @@
         <a:buFontTx/>
         <a:buNone/>
         <a:tabLst/>
-        <a:defRPr b="0" baseline="0" cap="none" i="0" spc="0" strike="noStrike" sz="8000" u="none">
+        <a:defRPr sz="8000" b="0" i="0" u="none" strike="noStrike" cap="none" spc="0" baseline="0">
           <a:ln>
             <a:noFill/>
           </a:ln>
@@ -2482,7 +2581,7 @@
         <a:buFontTx/>
         <a:buChar char="•"/>
         <a:tabLst/>
-        <a:defRPr b="0" baseline="0" cap="none" i="0" spc="0" strike="noStrike" sz="3200" u="none">
+        <a:defRPr sz="3200" b="0" i="0" u="none" strike="noStrike" cap="none" spc="0" baseline="0">
           <a:ln>
             <a:noFill/>
           </a:ln>
@@ -2511,7 +2610,7 @@
         <a:buFontTx/>
         <a:buChar char="•"/>
         <a:tabLst/>
-        <a:defRPr b="0" baseline="0" cap="none" i="0" spc="0" strike="noStrike" sz="3200" u="none">
+        <a:defRPr sz="3200" b="0" i="0" u="none" strike="noStrike" cap="none" spc="0" baseline="0">
           <a:ln>
             <a:noFill/>
           </a:ln>
@@ -2540,7 +2639,7 @@
         <a:buFontTx/>
         <a:buChar char="•"/>
         <a:tabLst/>
-        <a:defRPr b="0" baseline="0" cap="none" i="0" spc="0" strike="noStrike" sz="3200" u="none">
+        <a:defRPr sz="3200" b="0" i="0" u="none" strike="noStrike" cap="none" spc="0" baseline="0">
           <a:ln>
             <a:noFill/>
           </a:ln>
@@ -2569,7 +2668,7 @@
         <a:buFontTx/>
         <a:buChar char="•"/>
         <a:tabLst/>
-        <a:defRPr b="0" baseline="0" cap="none" i="0" spc="0" strike="noStrike" sz="3200" u="none">
+        <a:defRPr sz="3200" b="0" i="0" u="none" strike="noStrike" cap="none" spc="0" baseline="0">
           <a:ln>
             <a:noFill/>
           </a:ln>
@@ -2598,7 +2697,7 @@
         <a:buFontTx/>
         <a:buChar char="•"/>
         <a:tabLst/>
-        <a:defRPr b="0" baseline="0" cap="none" i="0" spc="0" strike="noStrike" sz="3200" u="none">
+        <a:defRPr sz="3200" b="0" i="0" u="none" strike="noStrike" cap="none" spc="0" baseline="0">
           <a:ln>
             <a:noFill/>
           </a:ln>
@@ -2627,7 +2726,7 @@
         <a:buFontTx/>
         <a:buChar char="•"/>
         <a:tabLst/>
-        <a:defRPr b="0" baseline="0" cap="none" i="0" spc="0" strike="noStrike" sz="3200" u="none">
+        <a:defRPr sz="3200" b="0" i="0" u="none" strike="noStrike" cap="none" spc="0" baseline="0">
           <a:ln>
             <a:noFill/>
           </a:ln>
@@ -2656,7 +2755,7 @@
         <a:buFontTx/>
         <a:buChar char="•"/>
         <a:tabLst/>
-        <a:defRPr b="0" baseline="0" cap="none" i="0" spc="0" strike="noStrike" sz="3200" u="none">
+        <a:defRPr sz="3200" b="0" i="0" u="none" strike="noStrike" cap="none" spc="0" baseline="0">
           <a:ln>
             <a:noFill/>
           </a:ln>
@@ -2685,7 +2784,7 @@
         <a:buFontTx/>
         <a:buChar char="•"/>
         <a:tabLst/>
-        <a:defRPr b="0" baseline="0" cap="none" i="0" spc="0" strike="noStrike" sz="3200" u="none">
+        <a:defRPr sz="3200" b="0" i="0" u="none" strike="noStrike" cap="none" spc="0" baseline="0">
           <a:ln>
             <a:noFill/>
           </a:ln>
@@ -2714,7 +2813,7 @@
         <a:buFontTx/>
         <a:buChar char="•"/>
         <a:tabLst/>
-        <a:defRPr b="0" baseline="0" cap="none" i="0" spc="0" strike="noStrike" sz="3200" u="none">
+        <a:defRPr sz="3200" b="0" i="0" u="none" strike="noStrike" cap="none" spc="0" baseline="0">
           <a:ln>
             <a:noFill/>
           </a:ln>
@@ -2745,7 +2844,7 @@
         <a:buFontTx/>
         <a:buNone/>
         <a:tabLst/>
-        <a:defRPr b="0" baseline="0" cap="none" i="0" spc="0" strike="noStrike" sz="1600" u="none">
+        <a:defRPr sz="1600" b="0" i="0" u="none" strike="noStrike" cap="none" spc="0" baseline="0">
           <a:ln>
             <a:noFill/>
           </a:ln>
@@ -2774,7 +2873,7 @@
         <a:buFontTx/>
         <a:buNone/>
         <a:tabLst/>
-        <a:defRPr b="0" baseline="0" cap="none" i="0" spc="0" strike="noStrike" sz="1600" u="none">
+        <a:defRPr sz="1600" b="0" i="0" u="none" strike="noStrike" cap="none" spc="0" baseline="0">
           <a:ln>
             <a:noFill/>
           </a:ln>
@@ -2803,7 +2902,7 @@
         <a:buFontTx/>
         <a:buNone/>
         <a:tabLst/>
-        <a:defRPr b="0" baseline="0" cap="none" i="0" spc="0" strike="noStrike" sz="1600" u="none">
+        <a:defRPr sz="1600" b="0" i="0" u="none" strike="noStrike" cap="none" spc="0" baseline="0">
           <a:ln>
             <a:noFill/>
           </a:ln>
@@ -2832,7 +2931,7 @@
         <a:buFontTx/>
         <a:buNone/>
         <a:tabLst/>
-        <a:defRPr b="0" baseline="0" cap="none" i="0" spc="0" strike="noStrike" sz="1600" u="none">
+        <a:defRPr sz="1600" b="0" i="0" u="none" strike="noStrike" cap="none" spc="0" baseline="0">
           <a:ln>
             <a:noFill/>
           </a:ln>
@@ -2861,7 +2960,7 @@
         <a:buFontTx/>
         <a:buNone/>
         <a:tabLst/>
-        <a:defRPr b="0" baseline="0" cap="none" i="0" spc="0" strike="noStrike" sz="1600" u="none">
+        <a:defRPr sz="1600" b="0" i="0" u="none" strike="noStrike" cap="none" spc="0" baseline="0">
           <a:ln>
             <a:noFill/>
           </a:ln>
@@ -2890,7 +2989,7 @@
         <a:buFontTx/>
         <a:buNone/>
         <a:tabLst/>
-        <a:defRPr b="0" baseline="0" cap="none" i="0" spc="0" strike="noStrike" sz="1600" u="none">
+        <a:defRPr sz="1600" b="0" i="0" u="none" strike="noStrike" cap="none" spc="0" baseline="0">
           <a:ln>
             <a:noFill/>
           </a:ln>
@@ -2919,7 +3018,7 @@
         <a:buFontTx/>
         <a:buNone/>
         <a:tabLst/>
-        <a:defRPr b="0" baseline="0" cap="none" i="0" spc="0" strike="noStrike" sz="1600" u="none">
+        <a:defRPr sz="1600" b="0" i="0" u="none" strike="noStrike" cap="none" spc="0" baseline="0">
           <a:ln>
             <a:noFill/>
           </a:ln>
@@ -2948,7 +3047,7 @@
         <a:buFontTx/>
         <a:buNone/>
         <a:tabLst/>
-        <a:defRPr b="0" baseline="0" cap="none" i="0" spc="0" strike="noStrike" sz="1600" u="none">
+        <a:defRPr sz="1600" b="0" i="0" u="none" strike="noStrike" cap="none" spc="0" baseline="0">
           <a:ln>
             <a:noFill/>
           </a:ln>
@@ -2977,7 +3076,7 @@
         <a:buFontTx/>
         <a:buNone/>
         <a:tabLst/>
-        <a:defRPr b="0" baseline="0" cap="none" i="0" spc="0" strike="noStrike" sz="1600" u="none">
+        <a:defRPr sz="1600" b="0" i="0" u="none" strike="noStrike" cap="none" spc="0" baseline="0">
           <a:ln>
             <a:noFill/>
           </a:ln>
@@ -2997,7 +3096,7 @@
 </file>
 
 <file path=ppt/slides/slide1.xml><?xml version="1.0" encoding="utf-8"?>
-<p:sld xmlns:a="http://schemas.openxmlformats.org/drawingml/2006/main" xmlns:r="http://schemas.openxmlformats.org/officeDocument/2006/relationships" xmlns:p="http://schemas.openxmlformats.org/presentationml/2006/main" showMasterSp="1" showMasterPhAnim="1">
+<p:sld xmlns:a="http://schemas.openxmlformats.org/drawingml/2006/main" xmlns:r="http://schemas.openxmlformats.org/officeDocument/2006/relationships" xmlns:p="http://schemas.openxmlformats.org/presentationml/2006/main">
   <p:cSld>
     <p:spTree>
       <p:nvGrpSpPr>
@@ -3016,7 +3115,9 @@
       <p:sp>
         <p:nvSpPr>
           <p:cNvPr id="119" name="Lesson 5"/>
-          <p:cNvSpPr txBox="1"/>
+          <p:cNvSpPr txBox="1">
+            <a:spLocks noGrp="1"/>
+          </p:cNvSpPr>
           <p:nvPr>
             <p:ph type="ctrTitle"/>
           </p:nvPr>
@@ -3027,13 +3128,120 @@
           </a:prstGeom>
         </p:spPr>
         <p:txBody>
-          <a:bodyPr/>
+          <a:bodyPr>
+            <a:normAutofit/>
+          </a:bodyPr>
           <a:lstStyle/>
           <a:p>
-            <a:pPr/>
-            <a:r>
-              <a:t>Lesson 5</a:t>
-            </a:r>
+            <a:r>
+              <a:rPr lang="en-US" sz="4400" dirty="0">
+                <a:latin typeface="Calibri" panose="020F0502020204030204" pitchFamily="34" charset="0"/>
+                <a:cs typeface="Calibri" panose="020F0502020204030204" pitchFamily="34" charset="0"/>
+              </a:rPr>
+              <a:t>Document Object Model (DOM)</a:t>
+            </a:r>
+            <a:br>
+              <a:rPr lang="en-US" sz="4400" dirty="0">
+                <a:latin typeface="Calibri" panose="020F0502020204030204" pitchFamily="34" charset="0"/>
+                <a:cs typeface="Calibri" panose="020F0502020204030204" pitchFamily="34" charset="0"/>
+              </a:rPr>
+            </a:br>
+            <a:r>
+              <a:rPr lang="en-US" sz="4400" dirty="0">
+                <a:latin typeface="Calibri" panose="020F0502020204030204" pitchFamily="34" charset="0"/>
+                <a:cs typeface="Calibri" panose="020F0502020204030204" pitchFamily="34" charset="0"/>
+              </a:rPr>
+              <a:t>TypeScript</a:t>
+            </a:r>
+            <a:endParaRPr sz="4400" dirty="0">
+              <a:latin typeface="Calibri" panose="020F0502020204030204" pitchFamily="34" charset="0"/>
+              <a:cs typeface="Calibri" panose="020F0502020204030204" pitchFamily="34" charset="0"/>
+            </a:endParaRPr>
+          </a:p>
+        </p:txBody>
+      </p:sp>
+      <p:sp>
+        <p:nvSpPr>
+          <p:cNvPr id="3" name="TextBox 2">
+            <a:extLst>
+              <a:ext uri="{FF2B5EF4-FFF2-40B4-BE49-F238E27FC236}">
+                <a16:creationId xmlns:a16="http://schemas.microsoft.com/office/drawing/2014/main" id="{1EE73E9A-86B6-E841-940E-2DFF264FD47D}"/>
+              </a:ext>
+            </a:extLst>
+          </p:cNvPr>
+          <p:cNvSpPr txBox="1"/>
+          <p:nvPr/>
+        </p:nvSpPr>
+        <p:spPr>
+          <a:xfrm>
+            <a:off x="5704906" y="5059245"/>
+            <a:ext cx="1594987" cy="471924"/>
+          </a:xfrm>
+          <a:prstGeom prst="rect">
+            <a:avLst/>
+          </a:prstGeom>
+          <a:noFill/>
+          <a:ln w="12700" cap="flat">
+            <a:noFill/>
+            <a:miter lim="400000"/>
+          </a:ln>
+          <a:effectLst/>
+          <a:sp3d/>
+        </p:spPr>
+        <p:style>
+          <a:lnRef idx="0">
+            <a:scrgbClr r="0" g="0" b="0"/>
+          </a:lnRef>
+          <a:fillRef idx="0">
+            <a:scrgbClr r="0" g="0" b="0"/>
+          </a:fillRef>
+          <a:effectRef idx="0">
+            <a:scrgbClr r="0" g="0" b="0"/>
+          </a:effectRef>
+          <a:fontRef idx="none"/>
+        </p:style>
+        <p:txBody>
+          <a:bodyPr rot="0" spcFirstLastPara="1" vertOverflow="overflow" horzOverflow="overflow" vert="horz" wrap="none" lIns="50800" tIns="50800" rIns="50800" bIns="50800" numCol="1" spcCol="38100" rtlCol="0" anchor="ctr">
+            <a:spAutoFit/>
+          </a:bodyPr>
+          <a:lstStyle/>
+          <a:p>
+            <a:pPr marL="0" marR="0" indent="0" algn="ctr" defTabSz="584200" rtl="0" fontAlgn="auto" latinLnBrk="0" hangingPunct="0">
+              <a:lnSpc>
+                <a:spcPct val="100000"/>
+              </a:lnSpc>
+              <a:spcBef>
+                <a:spcPts val="0"/>
+              </a:spcBef>
+              <a:spcAft>
+                <a:spcPts val="0"/>
+              </a:spcAft>
+              <a:buClrTx/>
+              <a:buSzTx/>
+              <a:buFontTx/>
+              <a:buNone/>
+              <a:tabLst/>
+            </a:pPr>
+            <a:r>
+              <a:rPr lang="en-US" b="0" dirty="0">
+                <a:latin typeface="Calibri" panose="020F0502020204030204" pitchFamily="34" charset="0"/>
+                <a:cs typeface="Calibri" panose="020F0502020204030204" pitchFamily="34" charset="0"/>
+              </a:rPr>
+              <a:t>INFDEV04-5</a:t>
+            </a:r>
+            <a:endParaRPr kumimoji="0" lang="en-US" sz="2400" b="0" i="0" u="none" strike="noStrike" cap="none" spc="0" normalizeH="0" baseline="0" dirty="0">
+              <a:ln>
+                <a:noFill/>
+              </a:ln>
+              <a:solidFill>
+                <a:srgbClr val="000000"/>
+              </a:solidFill>
+              <a:effectLst/>
+              <a:uFillTx/>
+              <a:latin typeface="Calibri" panose="020F0502020204030204" pitchFamily="34" charset="0"/>
+              <a:cs typeface="Calibri" panose="020F0502020204030204" pitchFamily="34" charset="0"/>
+              <a:sym typeface="Helvetica Neue"/>
+            </a:endParaRPr>
           </a:p>
         </p:txBody>
       </p:sp>
@@ -3042,12 +3250,1506 @@
   <p:clrMapOvr>
     <a:masterClrMapping/>
   </p:clrMapOvr>
-  <p:transition xmlns:p14="http://schemas.microsoft.com/office/powerpoint/2010/main" spd="med" advClick="1"/>
+  <p:transition spd="med"/>
 </p:sld>
 </file>
 
 <file path=ppt/slides/slide10.xml><?xml version="1.0" encoding="utf-8"?>
-<p:sld xmlns:a="http://schemas.openxmlformats.org/drawingml/2006/main" xmlns:r="http://schemas.openxmlformats.org/officeDocument/2006/relationships" xmlns:p="http://schemas.openxmlformats.org/presentationml/2006/main" showMasterSp="1" showMasterPhAnim="1">
+<p:sld xmlns:a="http://schemas.openxmlformats.org/drawingml/2006/main" xmlns:r="http://schemas.openxmlformats.org/officeDocument/2006/relationships" xmlns:p="http://schemas.openxmlformats.org/presentationml/2006/main">
+  <p:cSld>
+    <p:spTree>
+      <p:nvGrpSpPr>
+        <p:cNvPr id="1" name=""/>
+        <p:cNvGrpSpPr/>
+        <p:nvPr/>
+      </p:nvGrpSpPr>
+      <p:grpSpPr>
+        <a:xfrm>
+          <a:off x="0" y="0"/>
+          <a:ext cx="0" cy="0"/>
+          <a:chOff x="0" y="0"/>
+          <a:chExt cx="0" cy="0"/>
+        </a:xfrm>
+      </p:grpSpPr>
+      <p:sp>
+        <p:nvSpPr>
+          <p:cNvPr id="135" name="Typescript"/>
+          <p:cNvSpPr txBox="1">
+            <a:spLocks noGrp="1"/>
+          </p:cNvSpPr>
+          <p:nvPr>
+            <p:ph type="title"/>
+          </p:nvPr>
+        </p:nvSpPr>
+        <p:spPr>
+          <a:prstGeom prst="rect">
+            <a:avLst/>
+          </a:prstGeom>
+        </p:spPr>
+        <p:txBody>
+          <a:bodyPr>
+            <a:normAutofit/>
+          </a:bodyPr>
+          <a:lstStyle/>
+          <a:p>
+            <a:r>
+              <a:rPr sz="4000" dirty="0">
+                <a:latin typeface="Calibri" panose="020F0502020204030204" pitchFamily="34" charset="0"/>
+                <a:cs typeface="Calibri" panose="020F0502020204030204" pitchFamily="34" charset="0"/>
+              </a:rPr>
+              <a:t>Typescript </a:t>
+            </a:r>
+          </a:p>
+        </p:txBody>
+      </p:sp>
+      <p:sp>
+        <p:nvSpPr>
+          <p:cNvPr id="136" name="TypeScript is a typed superset of Javascript…"/>
+          <p:cNvSpPr txBox="1">
+            <a:spLocks noGrp="1"/>
+          </p:cNvSpPr>
+          <p:nvPr>
+            <p:ph type="body" idx="1"/>
+          </p:nvPr>
+        </p:nvSpPr>
+        <p:spPr>
+          <a:prstGeom prst="rect">
+            <a:avLst/>
+          </a:prstGeom>
+        </p:spPr>
+        <p:txBody>
+          <a:bodyPr anchor="t">
+            <a:normAutofit/>
+          </a:bodyPr>
+          <a:lstStyle/>
+          <a:p>
+            <a:pPr defTabSz="457200">
+              <a:lnSpc>
+                <a:spcPct val="150000"/>
+              </a:lnSpc>
+              <a:spcBef>
+                <a:spcPts val="0"/>
+              </a:spcBef>
+              <a:defRPr>
+                <a:solidFill>
+                  <a:srgbClr val="333333"/>
+                </a:solidFill>
+              </a:defRPr>
+            </a:pPr>
+            <a:r>
+              <a:rPr lang="en-US" sz="2000" dirty="0">
+                <a:latin typeface="Calibri" panose="020F0502020204030204" pitchFamily="34" charset="0"/>
+                <a:cs typeface="Calibri" panose="020F0502020204030204" pitchFamily="34" charset="0"/>
+              </a:rPr>
+              <a:t>TypeScript is a typed superset of </a:t>
+            </a:r>
+            <a:r>
+              <a:rPr lang="en-US" sz="2000" dirty="0" err="1">
+                <a:latin typeface="Calibri" panose="020F0502020204030204" pitchFamily="34" charset="0"/>
+                <a:cs typeface="Calibri" panose="020F0502020204030204" pitchFamily="34" charset="0"/>
+              </a:rPr>
+              <a:t>Javascript</a:t>
+            </a:r>
+            <a:endParaRPr lang="en-US" sz="2000" dirty="0">
+              <a:latin typeface="Calibri" panose="020F0502020204030204" pitchFamily="34" charset="0"/>
+              <a:cs typeface="Calibri" panose="020F0502020204030204" pitchFamily="34" charset="0"/>
+            </a:endParaRPr>
+          </a:p>
+          <a:p>
+            <a:pPr defTabSz="457200">
+              <a:lnSpc>
+                <a:spcPct val="150000"/>
+              </a:lnSpc>
+              <a:spcBef>
+                <a:spcPts val="0"/>
+              </a:spcBef>
+              <a:defRPr>
+                <a:solidFill>
+                  <a:srgbClr val="333333"/>
+                </a:solidFill>
+              </a:defRPr>
+            </a:pPr>
+            <a:r>
+              <a:rPr lang="en-US" sz="2000" dirty="0">
+                <a:latin typeface="Calibri" panose="020F0502020204030204" pitchFamily="34" charset="0"/>
+                <a:cs typeface="Calibri" panose="020F0502020204030204" pitchFamily="34" charset="0"/>
+              </a:rPr>
+              <a:t>TypeScript compiles into JavaScript</a:t>
+            </a:r>
+          </a:p>
+          <a:p>
+            <a:pPr defTabSz="457200">
+              <a:lnSpc>
+                <a:spcPct val="150000"/>
+              </a:lnSpc>
+              <a:spcBef>
+                <a:spcPts val="0"/>
+              </a:spcBef>
+              <a:defRPr>
+                <a:solidFill>
+                  <a:srgbClr val="333333"/>
+                </a:solidFill>
+              </a:defRPr>
+            </a:pPr>
+            <a:r>
+              <a:rPr lang="en-US" sz="2000" dirty="0">
+                <a:latin typeface="Calibri" panose="020F0502020204030204" pitchFamily="34" charset="0"/>
+                <a:cs typeface="Calibri" panose="020F0502020204030204" pitchFamily="34" charset="0"/>
+              </a:rPr>
+              <a:t>JavaScript is what you are actually going to execute (either in the browser or on the server)</a:t>
+            </a:r>
+          </a:p>
+          <a:p>
+            <a:pPr marL="0" indent="0" defTabSz="457200">
+              <a:lnSpc>
+                <a:spcPct val="150000"/>
+              </a:lnSpc>
+              <a:spcBef>
+                <a:spcPts val="1300"/>
+              </a:spcBef>
+              <a:buSzTx/>
+              <a:buNone/>
+              <a:defRPr>
+                <a:solidFill>
+                  <a:srgbClr val="333333"/>
+                </a:solidFill>
+              </a:defRPr>
+            </a:pPr>
+            <a:r>
+              <a:rPr lang="en-US" sz="2000" dirty="0">
+                <a:latin typeface="Calibri" panose="020F0502020204030204" pitchFamily="34" charset="0"/>
+                <a:cs typeface="Calibri" panose="020F0502020204030204" pitchFamily="34" charset="0"/>
+              </a:rPr>
+              <a:t>There are two main goals of TypeScript:</a:t>
+            </a:r>
+          </a:p>
+          <a:p>
+            <a:pPr marL="457200" indent="-457200" defTabSz="457200">
+              <a:lnSpc>
+                <a:spcPct val="150000"/>
+              </a:lnSpc>
+              <a:spcBef>
+                <a:spcPts val="0"/>
+              </a:spcBef>
+              <a:buSzTx/>
+              <a:buNone/>
+              <a:tabLst>
+                <a:tab pos="139700" algn="l"/>
+                <a:tab pos="457200" algn="l"/>
+              </a:tabLst>
+              <a:defRPr i="1">
+                <a:solidFill>
+                  <a:srgbClr val="333333"/>
+                </a:solidFill>
+              </a:defRPr>
+            </a:pPr>
+            <a:r>
+              <a:rPr lang="en-US" sz="2000" i="0" dirty="0">
+                <a:latin typeface="Calibri" panose="020F0502020204030204" pitchFamily="34" charset="0"/>
+                <a:cs typeface="Calibri" panose="020F0502020204030204" pitchFamily="34" charset="0"/>
+              </a:rPr>
+              <a:t>	•	Provide an </a:t>
+            </a:r>
+            <a:r>
+              <a:rPr lang="en-US" sz="2000" dirty="0">
+                <a:latin typeface="Calibri" panose="020F0502020204030204" pitchFamily="34" charset="0"/>
+                <a:cs typeface="Calibri" panose="020F0502020204030204" pitchFamily="34" charset="0"/>
+              </a:rPr>
+              <a:t>optional type system</a:t>
+            </a:r>
+            <a:r>
+              <a:rPr lang="en-US" sz="2000" i="0" dirty="0">
+                <a:latin typeface="Calibri" panose="020F0502020204030204" pitchFamily="34" charset="0"/>
+                <a:cs typeface="Calibri" panose="020F0502020204030204" pitchFamily="34" charset="0"/>
+              </a:rPr>
+              <a:t> for JavaScript.</a:t>
+            </a:r>
+          </a:p>
+          <a:p>
+            <a:pPr marL="457200" indent="-457200" defTabSz="457200">
+              <a:lnSpc>
+                <a:spcPct val="150000"/>
+              </a:lnSpc>
+              <a:spcBef>
+                <a:spcPts val="0"/>
+              </a:spcBef>
+              <a:buSzTx/>
+              <a:buNone/>
+              <a:tabLst>
+                <a:tab pos="139700" algn="l"/>
+                <a:tab pos="457200" algn="l"/>
+              </a:tabLst>
+              <a:defRPr>
+                <a:solidFill>
+                  <a:srgbClr val="333333"/>
+                </a:solidFill>
+              </a:defRPr>
+            </a:pPr>
+            <a:r>
+              <a:rPr lang="en-US" sz="2000" dirty="0">
+                <a:latin typeface="Calibri" panose="020F0502020204030204" pitchFamily="34" charset="0"/>
+                <a:cs typeface="Calibri" panose="020F0502020204030204" pitchFamily="34" charset="0"/>
+              </a:rPr>
+              <a:t>	•	Provide planned features from future JavaScript editions to current JavaScript engines</a:t>
+            </a:r>
+          </a:p>
+        </p:txBody>
+      </p:sp>
+    </p:spTree>
+  </p:cSld>
+  <p:clrMapOvr>
+    <a:masterClrMapping/>
+  </p:clrMapOvr>
+  <p:transition spd="med"/>
+</p:sld>
+</file>
+
+<file path=ppt/slides/slide11.xml><?xml version="1.0" encoding="utf-8"?>
+<p:sld xmlns:a="http://schemas.openxmlformats.org/drawingml/2006/main" xmlns:r="http://schemas.openxmlformats.org/officeDocument/2006/relationships" xmlns:p="http://schemas.openxmlformats.org/presentationml/2006/main">
+  <p:cSld>
+    <p:spTree>
+      <p:nvGrpSpPr>
+        <p:cNvPr id="1" name=""/>
+        <p:cNvGrpSpPr/>
+        <p:nvPr/>
+      </p:nvGrpSpPr>
+      <p:grpSpPr>
+        <a:xfrm>
+          <a:off x="0" y="0"/>
+          <a:ext cx="0" cy="0"/>
+          <a:chOff x="0" y="0"/>
+          <a:chExt cx="0" cy="0"/>
+        </a:xfrm>
+      </p:grpSpPr>
+      <p:sp>
+        <p:nvSpPr>
+          <p:cNvPr id="138" name="The TypeScript type system"/>
+          <p:cNvSpPr txBox="1">
+            <a:spLocks noGrp="1"/>
+          </p:cNvSpPr>
+          <p:nvPr>
+            <p:ph type="title"/>
+          </p:nvPr>
+        </p:nvSpPr>
+        <p:spPr>
+          <a:prstGeom prst="rect">
+            <a:avLst/>
+          </a:prstGeom>
+        </p:spPr>
+        <p:txBody>
+          <a:bodyPr>
+            <a:normAutofit/>
+          </a:bodyPr>
+          <a:lstStyle>
+            <a:lvl1pPr defTabSz="379475">
+              <a:lnSpc>
+                <a:spcPts val="10100"/>
+              </a:lnSpc>
+              <a:spcBef>
+                <a:spcPts val="1400"/>
+              </a:spcBef>
+              <a:defRPr sz="6640" b="1">
+                <a:solidFill>
+                  <a:srgbClr val="333333"/>
+                </a:solidFill>
+                <a:latin typeface="Helvetica Neue"/>
+                <a:ea typeface="Helvetica Neue"/>
+                <a:cs typeface="Helvetica Neue"/>
+                <a:sym typeface="Helvetica Neue"/>
+              </a:defRPr>
+            </a:lvl1pPr>
+          </a:lstStyle>
+          <a:p>
+            <a:r>
+              <a:rPr sz="4000" b="0" dirty="0">
+                <a:latin typeface="Calibri" panose="020F0502020204030204" pitchFamily="34" charset="0"/>
+                <a:cs typeface="Calibri" panose="020F0502020204030204" pitchFamily="34" charset="0"/>
+              </a:rPr>
+              <a:t>The TypeScript type system</a:t>
+            </a:r>
+          </a:p>
+        </p:txBody>
+      </p:sp>
+      <p:sp>
+        <p:nvSpPr>
+          <p:cNvPr id="139" name="• Types increase your agility when doing refactoring. It's better for the compiler to catch errors than to have things fail at runtime.…"/>
+          <p:cNvSpPr txBox="1">
+            <a:spLocks noGrp="1"/>
+          </p:cNvSpPr>
+          <p:nvPr>
+            <p:ph type="body" idx="1"/>
+          </p:nvPr>
+        </p:nvSpPr>
+        <p:spPr>
+          <a:prstGeom prst="rect">
+            <a:avLst/>
+          </a:prstGeom>
+        </p:spPr>
+        <p:txBody>
+          <a:bodyPr anchor="t">
+            <a:normAutofit/>
+          </a:bodyPr>
+          <a:lstStyle/>
+          <a:p>
+            <a:pPr marL="457200" indent="-457200" defTabSz="457200">
+              <a:lnSpc>
+                <a:spcPct val="150000"/>
+              </a:lnSpc>
+              <a:spcBef>
+                <a:spcPts val="0"/>
+              </a:spcBef>
+              <a:buSzTx/>
+              <a:buNone/>
+              <a:tabLst>
+                <a:tab pos="139700" algn="l"/>
+                <a:tab pos="457200" algn="l"/>
+              </a:tabLst>
+              <a:defRPr sz="1600" i="1">
+                <a:solidFill>
+                  <a:srgbClr val="333333"/>
+                </a:solidFill>
+              </a:defRPr>
+            </a:pPr>
+            <a:r>
+              <a:rPr sz="2000" i="0" dirty="0">
+                <a:latin typeface="Calibri" panose="020F0502020204030204" pitchFamily="34" charset="0"/>
+                <a:cs typeface="Calibri" panose="020F0502020204030204" pitchFamily="34" charset="0"/>
+              </a:rPr>
+              <a:t>	•	Types increase your agility when doing refactoring. </a:t>
+            </a:r>
+            <a:r>
+              <a:rPr sz="2000" dirty="0">
+                <a:latin typeface="Calibri" panose="020F0502020204030204" pitchFamily="34" charset="0"/>
+                <a:cs typeface="Calibri" panose="020F0502020204030204" pitchFamily="34" charset="0"/>
+              </a:rPr>
+              <a:t>It's better for the compiler to catch errors than to have things fail at runtime</a:t>
+            </a:r>
+            <a:r>
+              <a:rPr sz="2000" i="0" dirty="0">
+                <a:latin typeface="Calibri" panose="020F0502020204030204" pitchFamily="34" charset="0"/>
+                <a:cs typeface="Calibri" panose="020F0502020204030204" pitchFamily="34" charset="0"/>
+              </a:rPr>
+              <a:t>.</a:t>
+            </a:r>
+          </a:p>
+          <a:p>
+            <a:pPr marL="457200" indent="-457200" defTabSz="457200">
+              <a:lnSpc>
+                <a:spcPct val="150000"/>
+              </a:lnSpc>
+              <a:spcBef>
+                <a:spcPts val="0"/>
+              </a:spcBef>
+              <a:buSzTx/>
+              <a:buNone/>
+              <a:tabLst>
+                <a:tab pos="139700" algn="l"/>
+                <a:tab pos="457200" algn="l"/>
+              </a:tabLst>
+              <a:defRPr sz="1600" i="1">
+                <a:solidFill>
+                  <a:srgbClr val="333333"/>
+                </a:solidFill>
+              </a:defRPr>
+            </a:pPr>
+            <a:endParaRPr sz="2000" i="0" dirty="0">
+              <a:latin typeface="Calibri" panose="020F0502020204030204" pitchFamily="34" charset="0"/>
+              <a:cs typeface="Calibri" panose="020F0502020204030204" pitchFamily="34" charset="0"/>
+            </a:endParaRPr>
+          </a:p>
+          <a:p>
+            <a:pPr marL="457200" indent="-457200" defTabSz="457200">
+              <a:lnSpc>
+                <a:spcPct val="150000"/>
+              </a:lnSpc>
+              <a:spcBef>
+                <a:spcPts val="0"/>
+              </a:spcBef>
+              <a:buSzTx/>
+              <a:buNone/>
+              <a:tabLst>
+                <a:tab pos="139700" algn="l"/>
+                <a:tab pos="457200" algn="l"/>
+              </a:tabLst>
+              <a:defRPr i="1">
+                <a:solidFill>
+                  <a:srgbClr val="333333"/>
+                </a:solidFill>
+              </a:defRPr>
+            </a:pPr>
+            <a:r>
+              <a:rPr sz="2000" i="0" dirty="0">
+                <a:latin typeface="Calibri" panose="020F0502020204030204" pitchFamily="34" charset="0"/>
+                <a:cs typeface="Calibri" panose="020F0502020204030204" pitchFamily="34" charset="0"/>
+              </a:rPr>
+              <a:t>	•	Types are one of the best forms of documentation you can have. </a:t>
+            </a:r>
+            <a:r>
+              <a:rPr sz="2000" dirty="0">
+                <a:latin typeface="Calibri" panose="020F0502020204030204" pitchFamily="34" charset="0"/>
+                <a:cs typeface="Calibri" panose="020F0502020204030204" pitchFamily="34" charset="0"/>
+              </a:rPr>
+              <a:t>The function signature is a theorem and the function body is the proof</a:t>
+            </a:r>
+            <a:r>
+              <a:rPr sz="2000" i="0" dirty="0">
+                <a:latin typeface="Calibri" panose="020F0502020204030204" pitchFamily="34" charset="0"/>
+                <a:cs typeface="Calibri" panose="020F0502020204030204" pitchFamily="34" charset="0"/>
+              </a:rPr>
+              <a:t>.</a:t>
+            </a:r>
+          </a:p>
+        </p:txBody>
+      </p:sp>
+    </p:spTree>
+  </p:cSld>
+  <p:clrMapOvr>
+    <a:masterClrMapping/>
+  </p:clrMapOvr>
+  <p:transition spd="med"/>
+</p:sld>
+</file>
+
+<file path=ppt/slides/slide12.xml><?xml version="1.0" encoding="utf-8"?>
+<p:sld xmlns:a="http://schemas.openxmlformats.org/drawingml/2006/main" xmlns:r="http://schemas.openxmlformats.org/officeDocument/2006/relationships" xmlns:p="http://schemas.openxmlformats.org/presentationml/2006/main">
+  <p:cSld>
+    <p:spTree>
+      <p:nvGrpSpPr>
+        <p:cNvPr id="1" name=""/>
+        <p:cNvGrpSpPr/>
+        <p:nvPr/>
+      </p:nvGrpSpPr>
+      <p:grpSpPr>
+        <a:xfrm>
+          <a:off x="0" y="0"/>
+          <a:ext cx="0" cy="0"/>
+          <a:chOff x="0" y="0"/>
+          <a:chExt cx="0" cy="0"/>
+        </a:xfrm>
+      </p:grpSpPr>
+      <p:sp>
+        <p:nvSpPr>
+          <p:cNvPr id="141" name="Types in Typescript"/>
+          <p:cNvSpPr txBox="1">
+            <a:spLocks noGrp="1"/>
+          </p:cNvSpPr>
+          <p:nvPr>
+            <p:ph type="title"/>
+          </p:nvPr>
+        </p:nvSpPr>
+        <p:spPr>
+          <a:prstGeom prst="rect">
+            <a:avLst/>
+          </a:prstGeom>
+        </p:spPr>
+        <p:txBody>
+          <a:bodyPr>
+            <a:normAutofit/>
+          </a:bodyPr>
+          <a:lstStyle/>
+          <a:p>
+            <a:r>
+              <a:rPr sz="4000" dirty="0">
+                <a:latin typeface="Calibri" panose="020F0502020204030204" pitchFamily="34" charset="0"/>
+                <a:cs typeface="Calibri" panose="020F0502020204030204" pitchFamily="34" charset="0"/>
+              </a:rPr>
+              <a:t>Types in Typescript</a:t>
+            </a:r>
+          </a:p>
+        </p:txBody>
+      </p:sp>
+      <p:sp>
+        <p:nvSpPr>
+          <p:cNvPr id="142" name="Types can be Implicit…"/>
+          <p:cNvSpPr txBox="1">
+            <a:spLocks noGrp="1"/>
+          </p:cNvSpPr>
+          <p:nvPr>
+            <p:ph type="body" idx="1"/>
+          </p:nvPr>
+        </p:nvSpPr>
+        <p:spPr>
+          <a:prstGeom prst="rect">
+            <a:avLst/>
+          </a:prstGeom>
+        </p:spPr>
+        <p:txBody>
+          <a:bodyPr anchor="t">
+            <a:noAutofit/>
+          </a:bodyPr>
+          <a:lstStyle/>
+          <a:p>
+            <a:pPr marL="250031" indent="-250031" defTabSz="457200">
+              <a:lnSpc>
+                <a:spcPct val="150000"/>
+              </a:lnSpc>
+              <a:spcBef>
+                <a:spcPts val="1500"/>
+              </a:spcBef>
+              <a:defRPr b="1">
+                <a:solidFill>
+                  <a:srgbClr val="333333"/>
+                </a:solidFill>
+              </a:defRPr>
+            </a:pPr>
+            <a:r>
+              <a:rPr sz="2000" dirty="0">
+                <a:latin typeface="Calibri" panose="020F0502020204030204" pitchFamily="34" charset="0"/>
+                <a:cs typeface="Calibri" panose="020F0502020204030204" pitchFamily="34" charset="0"/>
+              </a:rPr>
+              <a:t>Types can be Implicit</a:t>
+            </a:r>
+          </a:p>
+          <a:p>
+            <a:pPr marL="0" indent="0" defTabSz="457200">
+              <a:lnSpc>
+                <a:spcPct val="150000"/>
+              </a:lnSpc>
+              <a:spcBef>
+                <a:spcPts val="0"/>
+              </a:spcBef>
+              <a:buSzTx/>
+              <a:buNone/>
+              <a:defRPr>
+                <a:solidFill>
+                  <a:srgbClr val="333333"/>
+                </a:solidFill>
+                <a:latin typeface="Menlo"/>
+                <a:ea typeface="Menlo"/>
+                <a:cs typeface="Menlo"/>
+                <a:sym typeface="Menlo"/>
+              </a:defRPr>
+            </a:pPr>
+            <a:r>
+              <a:rPr sz="2000" dirty="0" err="1">
+                <a:solidFill>
+                  <a:srgbClr val="8959A8"/>
+                </a:solidFill>
+                <a:latin typeface="Calibri" panose="020F0502020204030204" pitchFamily="34" charset="0"/>
+                <a:cs typeface="Calibri" panose="020F0502020204030204" pitchFamily="34" charset="0"/>
+              </a:rPr>
+              <a:t>var</a:t>
+            </a:r>
+            <a:r>
+              <a:rPr sz="2000" dirty="0">
+                <a:latin typeface="Calibri" panose="020F0502020204030204" pitchFamily="34" charset="0"/>
+                <a:cs typeface="Calibri" panose="020F0502020204030204" pitchFamily="34" charset="0"/>
+              </a:rPr>
+              <a:t> foo = </a:t>
+            </a:r>
+            <a:r>
+              <a:rPr sz="2000" dirty="0">
+                <a:solidFill>
+                  <a:srgbClr val="F5871F"/>
+                </a:solidFill>
+                <a:latin typeface="Calibri" panose="020F0502020204030204" pitchFamily="34" charset="0"/>
+                <a:cs typeface="Calibri" panose="020F0502020204030204" pitchFamily="34" charset="0"/>
+              </a:rPr>
+              <a:t>123</a:t>
+            </a:r>
+            <a:r>
+              <a:rPr sz="2000" dirty="0">
+                <a:latin typeface="Calibri" panose="020F0502020204030204" pitchFamily="34" charset="0"/>
+                <a:cs typeface="Calibri" panose="020F0502020204030204" pitchFamily="34" charset="0"/>
+              </a:rPr>
+              <a:t>;</a:t>
+            </a:r>
+          </a:p>
+          <a:p>
+            <a:pPr marL="0" indent="0" defTabSz="457200">
+              <a:lnSpc>
+                <a:spcPct val="150000"/>
+              </a:lnSpc>
+              <a:spcBef>
+                <a:spcPts val="0"/>
+              </a:spcBef>
+              <a:buSzTx/>
+              <a:buNone/>
+              <a:defRPr>
+                <a:solidFill>
+                  <a:srgbClr val="8E908C"/>
+                </a:solidFill>
+                <a:latin typeface="Menlo"/>
+                <a:ea typeface="Menlo"/>
+                <a:cs typeface="Menlo"/>
+                <a:sym typeface="Menlo"/>
+              </a:defRPr>
+            </a:pPr>
+            <a:r>
+              <a:rPr sz="2000" dirty="0">
+                <a:solidFill>
+                  <a:srgbClr val="333333"/>
+                </a:solidFill>
+                <a:latin typeface="Calibri" panose="020F0502020204030204" pitchFamily="34" charset="0"/>
+                <a:cs typeface="Calibri" panose="020F0502020204030204" pitchFamily="34" charset="0"/>
+              </a:rPr>
+              <a:t>foo = </a:t>
+            </a:r>
+            <a:r>
+              <a:rPr sz="2000" dirty="0">
+                <a:solidFill>
+                  <a:srgbClr val="718C00"/>
+                </a:solidFill>
+                <a:latin typeface="Calibri" panose="020F0502020204030204" pitchFamily="34" charset="0"/>
+                <a:cs typeface="Calibri" panose="020F0502020204030204" pitchFamily="34" charset="0"/>
+              </a:rPr>
+              <a:t>'456'</a:t>
+            </a:r>
+            <a:r>
+              <a:rPr sz="2000" dirty="0">
+                <a:solidFill>
+                  <a:srgbClr val="333333"/>
+                </a:solidFill>
+                <a:latin typeface="Calibri" panose="020F0502020204030204" pitchFamily="34" charset="0"/>
+                <a:cs typeface="Calibri" panose="020F0502020204030204" pitchFamily="34" charset="0"/>
+              </a:rPr>
+              <a:t>; </a:t>
+            </a:r>
+            <a:r>
+              <a:rPr sz="2000" dirty="0">
+                <a:latin typeface="Calibri" panose="020F0502020204030204" pitchFamily="34" charset="0"/>
+                <a:cs typeface="Calibri" panose="020F0502020204030204" pitchFamily="34" charset="0"/>
+              </a:rPr>
+              <a:t>// Error: cannot assign `string` to `number</a:t>
+            </a:r>
+            <a:endParaRPr sz="2000" dirty="0">
+              <a:solidFill>
+                <a:srgbClr val="333333"/>
+              </a:solidFill>
+              <a:latin typeface="Calibri" panose="020F0502020204030204" pitchFamily="34" charset="0"/>
+              <a:cs typeface="Calibri" panose="020F0502020204030204" pitchFamily="34" charset="0"/>
+            </a:endParaRPr>
+          </a:p>
+          <a:p>
+            <a:pPr marL="0" indent="0" defTabSz="457200">
+              <a:lnSpc>
+                <a:spcPct val="150000"/>
+              </a:lnSpc>
+              <a:spcBef>
+                <a:spcPts val="0"/>
+              </a:spcBef>
+              <a:buSzTx/>
+              <a:buNone/>
+              <a:defRPr>
+                <a:solidFill>
+                  <a:srgbClr val="8E908C"/>
+                </a:solidFill>
+                <a:latin typeface="Menlo"/>
+                <a:ea typeface="Menlo"/>
+                <a:cs typeface="Menlo"/>
+                <a:sym typeface="Menlo"/>
+              </a:defRPr>
+            </a:pPr>
+            <a:endParaRPr sz="2000" dirty="0">
+              <a:solidFill>
+                <a:srgbClr val="333333"/>
+              </a:solidFill>
+              <a:latin typeface="Calibri" panose="020F0502020204030204" pitchFamily="34" charset="0"/>
+              <a:cs typeface="Calibri" panose="020F0502020204030204" pitchFamily="34" charset="0"/>
+            </a:endParaRPr>
+          </a:p>
+          <a:p>
+            <a:pPr marL="250031" indent="-250031" defTabSz="457200">
+              <a:lnSpc>
+                <a:spcPct val="150000"/>
+              </a:lnSpc>
+              <a:spcBef>
+                <a:spcPts val="1500"/>
+              </a:spcBef>
+              <a:defRPr b="1">
+                <a:solidFill>
+                  <a:srgbClr val="333333"/>
+                </a:solidFill>
+              </a:defRPr>
+            </a:pPr>
+            <a:r>
+              <a:rPr sz="2000" dirty="0">
+                <a:latin typeface="Calibri" panose="020F0502020204030204" pitchFamily="34" charset="0"/>
+                <a:cs typeface="Calibri" panose="020F0502020204030204" pitchFamily="34" charset="0"/>
+              </a:rPr>
+              <a:t>Types can be Explicit</a:t>
+            </a:r>
+          </a:p>
+          <a:p>
+            <a:pPr marL="0" indent="0" defTabSz="457200">
+              <a:lnSpc>
+                <a:spcPct val="150000"/>
+              </a:lnSpc>
+              <a:spcBef>
+                <a:spcPts val="0"/>
+              </a:spcBef>
+              <a:buSzTx/>
+              <a:buNone/>
+              <a:defRPr>
+                <a:solidFill>
+                  <a:srgbClr val="333333"/>
+                </a:solidFill>
+                <a:latin typeface="Menlo"/>
+                <a:ea typeface="Menlo"/>
+                <a:cs typeface="Menlo"/>
+                <a:sym typeface="Menlo"/>
+              </a:defRPr>
+            </a:pPr>
+            <a:r>
+              <a:rPr sz="2000" dirty="0" err="1">
+                <a:solidFill>
+                  <a:srgbClr val="8959A8"/>
+                </a:solidFill>
+                <a:latin typeface="Calibri" panose="020F0502020204030204" pitchFamily="34" charset="0"/>
+                <a:cs typeface="Calibri" panose="020F0502020204030204" pitchFamily="34" charset="0"/>
+              </a:rPr>
+              <a:t>var</a:t>
+            </a:r>
+            <a:r>
+              <a:rPr sz="2000" dirty="0">
+                <a:latin typeface="Calibri" panose="020F0502020204030204" pitchFamily="34" charset="0"/>
+                <a:cs typeface="Calibri" panose="020F0502020204030204" pitchFamily="34" charset="0"/>
+              </a:rPr>
+              <a:t> foo: </a:t>
+            </a:r>
+            <a:r>
+              <a:rPr sz="2000" dirty="0">
+                <a:solidFill>
+                  <a:srgbClr val="F5871F"/>
+                </a:solidFill>
+                <a:latin typeface="Calibri" panose="020F0502020204030204" pitchFamily="34" charset="0"/>
+                <a:cs typeface="Calibri" panose="020F0502020204030204" pitchFamily="34" charset="0"/>
+              </a:rPr>
+              <a:t>number</a:t>
+            </a:r>
+            <a:r>
+              <a:rPr sz="2000" dirty="0">
+                <a:latin typeface="Calibri" panose="020F0502020204030204" pitchFamily="34" charset="0"/>
+                <a:cs typeface="Calibri" panose="020F0502020204030204" pitchFamily="34" charset="0"/>
+              </a:rPr>
+              <a:t> = </a:t>
+            </a:r>
+            <a:r>
+              <a:rPr sz="2000" dirty="0">
+                <a:solidFill>
+                  <a:srgbClr val="F5871F"/>
+                </a:solidFill>
+                <a:latin typeface="Calibri" panose="020F0502020204030204" pitchFamily="34" charset="0"/>
+                <a:cs typeface="Calibri" panose="020F0502020204030204" pitchFamily="34" charset="0"/>
+              </a:rPr>
+              <a:t>123</a:t>
+            </a:r>
+            <a:r>
+              <a:rPr sz="2000" dirty="0">
+                <a:latin typeface="Calibri" panose="020F0502020204030204" pitchFamily="34" charset="0"/>
+                <a:cs typeface="Calibri" panose="020F0502020204030204" pitchFamily="34" charset="0"/>
+              </a:rPr>
+              <a:t>;</a:t>
+            </a:r>
+          </a:p>
+          <a:p>
+            <a:pPr marL="0" indent="0" defTabSz="457200">
+              <a:lnSpc>
+                <a:spcPct val="150000"/>
+              </a:lnSpc>
+              <a:spcBef>
+                <a:spcPts val="0"/>
+              </a:spcBef>
+              <a:buSzTx/>
+              <a:buNone/>
+              <a:defRPr>
+                <a:solidFill>
+                  <a:srgbClr val="8E908C"/>
+                </a:solidFill>
+                <a:latin typeface="Menlo"/>
+                <a:ea typeface="Menlo"/>
+                <a:cs typeface="Menlo"/>
+                <a:sym typeface="Menlo"/>
+              </a:defRPr>
+            </a:pPr>
+            <a:r>
+              <a:rPr sz="2000" dirty="0" err="1">
+                <a:solidFill>
+                  <a:srgbClr val="8959A8"/>
+                </a:solidFill>
+                <a:latin typeface="Calibri" panose="020F0502020204030204" pitchFamily="34" charset="0"/>
+                <a:cs typeface="Calibri" panose="020F0502020204030204" pitchFamily="34" charset="0"/>
+              </a:rPr>
+              <a:t>var</a:t>
+            </a:r>
+            <a:r>
+              <a:rPr sz="2000" dirty="0">
+                <a:solidFill>
+                  <a:srgbClr val="333333"/>
+                </a:solidFill>
+                <a:latin typeface="Calibri" panose="020F0502020204030204" pitchFamily="34" charset="0"/>
+                <a:cs typeface="Calibri" panose="020F0502020204030204" pitchFamily="34" charset="0"/>
+              </a:rPr>
+              <a:t> foo: </a:t>
+            </a:r>
+            <a:r>
+              <a:rPr sz="2000" dirty="0">
+                <a:solidFill>
+                  <a:srgbClr val="F5871F"/>
+                </a:solidFill>
+                <a:latin typeface="Calibri" panose="020F0502020204030204" pitchFamily="34" charset="0"/>
+                <a:cs typeface="Calibri" panose="020F0502020204030204" pitchFamily="34" charset="0"/>
+              </a:rPr>
+              <a:t>number</a:t>
+            </a:r>
+            <a:r>
+              <a:rPr sz="2000" dirty="0">
+                <a:solidFill>
+                  <a:srgbClr val="333333"/>
+                </a:solidFill>
+                <a:latin typeface="Calibri" panose="020F0502020204030204" pitchFamily="34" charset="0"/>
+                <a:cs typeface="Calibri" panose="020F0502020204030204" pitchFamily="34" charset="0"/>
+              </a:rPr>
+              <a:t> = </a:t>
+            </a:r>
+            <a:r>
+              <a:rPr sz="2000" dirty="0">
+                <a:solidFill>
+                  <a:srgbClr val="718C00"/>
+                </a:solidFill>
+                <a:latin typeface="Calibri" panose="020F0502020204030204" pitchFamily="34" charset="0"/>
+                <a:cs typeface="Calibri" panose="020F0502020204030204" pitchFamily="34" charset="0"/>
+              </a:rPr>
+              <a:t>'123'</a:t>
+            </a:r>
+            <a:r>
+              <a:rPr sz="2000" dirty="0">
+                <a:solidFill>
+                  <a:srgbClr val="333333"/>
+                </a:solidFill>
+                <a:latin typeface="Calibri" panose="020F0502020204030204" pitchFamily="34" charset="0"/>
+                <a:cs typeface="Calibri" panose="020F0502020204030204" pitchFamily="34" charset="0"/>
+              </a:rPr>
+              <a:t>; </a:t>
+            </a:r>
+            <a:r>
+              <a:rPr sz="2000" dirty="0">
+                <a:latin typeface="Calibri" panose="020F0502020204030204" pitchFamily="34" charset="0"/>
+                <a:cs typeface="Calibri" panose="020F0502020204030204" pitchFamily="34" charset="0"/>
+              </a:rPr>
+              <a:t>// Error: cannot assign a `string` to a `number`</a:t>
+            </a:r>
+            <a:endParaRPr sz="2000" dirty="0">
+              <a:solidFill>
+                <a:srgbClr val="333333"/>
+              </a:solidFill>
+              <a:latin typeface="Calibri" panose="020F0502020204030204" pitchFamily="34" charset="0"/>
+              <a:cs typeface="Calibri" panose="020F0502020204030204" pitchFamily="34" charset="0"/>
+            </a:endParaRPr>
+          </a:p>
+          <a:p>
+            <a:pPr marL="0" indent="0" defTabSz="457200">
+              <a:lnSpc>
+                <a:spcPct val="150000"/>
+              </a:lnSpc>
+              <a:spcBef>
+                <a:spcPts val="0"/>
+              </a:spcBef>
+              <a:buSzTx/>
+              <a:buNone/>
+              <a:defRPr>
+                <a:solidFill>
+                  <a:srgbClr val="8E908C"/>
+                </a:solidFill>
+                <a:latin typeface="Menlo"/>
+                <a:ea typeface="Menlo"/>
+                <a:cs typeface="Menlo"/>
+                <a:sym typeface="Menlo"/>
+              </a:defRPr>
+            </a:pPr>
+            <a:endParaRPr sz="2000" dirty="0">
+              <a:solidFill>
+                <a:srgbClr val="333333"/>
+              </a:solidFill>
+              <a:latin typeface="Calibri" panose="020F0502020204030204" pitchFamily="34" charset="0"/>
+              <a:cs typeface="Calibri" panose="020F0502020204030204" pitchFamily="34" charset="0"/>
+            </a:endParaRPr>
+          </a:p>
+          <a:p>
+            <a:pPr marL="250031" indent="-250031" defTabSz="457200">
+              <a:lnSpc>
+                <a:spcPct val="150000"/>
+              </a:lnSpc>
+              <a:spcBef>
+                <a:spcPts val="1500"/>
+              </a:spcBef>
+              <a:defRPr b="1">
+                <a:solidFill>
+                  <a:srgbClr val="333333"/>
+                </a:solidFill>
+              </a:defRPr>
+            </a:pPr>
+            <a:r>
+              <a:rPr sz="2000" dirty="0">
+                <a:latin typeface="Calibri" panose="020F0502020204030204" pitchFamily="34" charset="0"/>
+                <a:cs typeface="Calibri" panose="020F0502020204030204" pitchFamily="34" charset="0"/>
+              </a:rPr>
+              <a:t>Types are structural</a:t>
+            </a:r>
+          </a:p>
+        </p:txBody>
+      </p:sp>
+    </p:spTree>
+  </p:cSld>
+  <p:clrMapOvr>
+    <a:masterClrMapping/>
+  </p:clrMapOvr>
+  <p:transition spd="med"/>
+</p:sld>
+</file>
+
+<file path=ppt/slides/slide13.xml><?xml version="1.0" encoding="utf-8"?>
+<p:sld xmlns:a="http://schemas.openxmlformats.org/drawingml/2006/main" xmlns:r="http://schemas.openxmlformats.org/officeDocument/2006/relationships" xmlns:p="http://schemas.openxmlformats.org/presentationml/2006/main">
+  <p:cSld>
+    <p:spTree>
+      <p:nvGrpSpPr>
+        <p:cNvPr id="1" name=""/>
+        <p:cNvGrpSpPr/>
+        <p:nvPr/>
+      </p:nvGrpSpPr>
+      <p:grpSpPr>
+        <a:xfrm>
+          <a:off x="0" y="0"/>
+          <a:ext cx="0" cy="0"/>
+          <a:chOff x="0" y="0"/>
+          <a:chExt cx="0" cy="0"/>
+        </a:xfrm>
+      </p:grpSpPr>
+      <p:sp>
+        <p:nvSpPr>
+          <p:cNvPr id="144" name="Types in Typescript"/>
+          <p:cNvSpPr txBox="1">
+            <a:spLocks noGrp="1"/>
+          </p:cNvSpPr>
+          <p:nvPr>
+            <p:ph type="title"/>
+          </p:nvPr>
+        </p:nvSpPr>
+        <p:spPr>
+          <a:prstGeom prst="rect">
+            <a:avLst/>
+          </a:prstGeom>
+        </p:spPr>
+        <p:txBody>
+          <a:bodyPr>
+            <a:normAutofit/>
+          </a:bodyPr>
+          <a:lstStyle/>
+          <a:p>
+            <a:r>
+              <a:rPr sz="4000" dirty="0">
+                <a:latin typeface="Calibri" panose="020F0502020204030204" pitchFamily="34" charset="0"/>
+                <a:cs typeface="Calibri" panose="020F0502020204030204" pitchFamily="34" charset="0"/>
+              </a:rPr>
+              <a:t>Types in Typescript</a:t>
+            </a:r>
+            <a:r>
+              <a:rPr lang="en-US" sz="4000" dirty="0">
+                <a:latin typeface="Calibri" panose="020F0502020204030204" pitchFamily="34" charset="0"/>
+                <a:cs typeface="Calibri" panose="020F0502020204030204" pitchFamily="34" charset="0"/>
+              </a:rPr>
+              <a:t>.</a:t>
+            </a:r>
+            <a:endParaRPr sz="4000" dirty="0">
+              <a:latin typeface="Calibri" panose="020F0502020204030204" pitchFamily="34" charset="0"/>
+              <a:cs typeface="Calibri" panose="020F0502020204030204" pitchFamily="34" charset="0"/>
+            </a:endParaRPr>
+          </a:p>
+        </p:txBody>
+      </p:sp>
+      <p:sp>
+        <p:nvSpPr>
+          <p:cNvPr id="145" name="There are additional types that we don’t have in  languages such as Java and C#…"/>
+          <p:cNvSpPr txBox="1">
+            <a:spLocks noGrp="1"/>
+          </p:cNvSpPr>
+          <p:nvPr>
+            <p:ph type="body" idx="1"/>
+          </p:nvPr>
+        </p:nvSpPr>
+        <p:spPr>
+          <a:prstGeom prst="rect">
+            <a:avLst/>
+          </a:prstGeom>
+        </p:spPr>
+        <p:txBody>
+          <a:bodyPr anchor="t">
+            <a:normAutofit/>
+          </a:bodyPr>
+          <a:lstStyle/>
+          <a:p>
+            <a:pPr marL="324485" indent="-324485" defTabSz="426466">
+              <a:spcBef>
+                <a:spcPts val="3000"/>
+              </a:spcBef>
+              <a:defRPr sz="2336">
+                <a:latin typeface="Helvetica"/>
+                <a:ea typeface="Helvetica"/>
+                <a:cs typeface="Helvetica"/>
+                <a:sym typeface="Helvetica"/>
+              </a:defRPr>
+            </a:pPr>
+            <a:r>
+              <a:rPr sz="2000" dirty="0">
+                <a:latin typeface="Calibri" panose="020F0502020204030204" pitchFamily="34" charset="0"/>
+                <a:cs typeface="Calibri" panose="020F0502020204030204" pitchFamily="34" charset="0"/>
+              </a:rPr>
+              <a:t>There are additional types that we don’t have in  languages such as Java and C#</a:t>
+            </a:r>
+          </a:p>
+          <a:p>
+            <a:pPr marL="324485" indent="-324485" defTabSz="426466">
+              <a:spcBef>
+                <a:spcPts val="3000"/>
+              </a:spcBef>
+              <a:defRPr sz="2336" u="sng">
+                <a:latin typeface="Helvetica"/>
+                <a:ea typeface="Helvetica"/>
+                <a:cs typeface="Helvetica"/>
+                <a:sym typeface="Helvetica"/>
+              </a:defRPr>
+            </a:pPr>
+            <a:r>
+              <a:rPr sz="2000" dirty="0">
+                <a:latin typeface="Calibri" panose="020F0502020204030204" pitchFamily="34" charset="0"/>
+                <a:cs typeface="Calibri" panose="020F0502020204030204" pitchFamily="34" charset="0"/>
+              </a:rPr>
+              <a:t>Union types</a:t>
+            </a:r>
+          </a:p>
+          <a:p>
+            <a:pPr marL="648970" lvl="1" indent="-324485" defTabSz="426466">
+              <a:spcBef>
+                <a:spcPts val="3000"/>
+              </a:spcBef>
+              <a:defRPr sz="2336"/>
+            </a:pPr>
+            <a:r>
+              <a:rPr sz="2000" dirty="0">
+                <a:latin typeface="Calibri" panose="020F0502020204030204" pitchFamily="34" charset="0"/>
+                <a:cs typeface="Calibri" panose="020F0502020204030204" pitchFamily="34" charset="0"/>
+              </a:rPr>
+              <a:t>we can join types together, obtaining all values of both types:</a:t>
+            </a:r>
+          </a:p>
+          <a:p>
+            <a:pPr marL="0" lvl="5" indent="834390" defTabSz="426466">
+              <a:spcBef>
+                <a:spcPts val="3000"/>
+              </a:spcBef>
+              <a:buSzTx/>
+              <a:buNone/>
+              <a:defRPr sz="2336"/>
+            </a:pPr>
+            <a:r>
+              <a:rPr sz="2000" dirty="0">
+                <a:solidFill>
+                  <a:schemeClr val="accent1">
+                    <a:hueOff val="114395"/>
+                    <a:lumOff val="-24975"/>
+                  </a:schemeClr>
+                </a:solidFill>
+                <a:latin typeface="Calibri" panose="020F0502020204030204" pitchFamily="34" charset="0"/>
+                <a:cs typeface="Calibri" panose="020F0502020204030204" pitchFamily="34" charset="0"/>
+              </a:rPr>
+              <a:t>let</a:t>
+            </a:r>
+            <a:r>
+              <a:rPr sz="2000" dirty="0">
+                <a:latin typeface="Calibri" panose="020F0502020204030204" pitchFamily="34" charset="0"/>
+                <a:cs typeface="Calibri" panose="020F0502020204030204" pitchFamily="34" charset="0"/>
+              </a:rPr>
+              <a:t> x1: number | </a:t>
+            </a:r>
+            <a:r>
+              <a:rPr sz="2000" dirty="0">
+                <a:solidFill>
+                  <a:schemeClr val="accent5">
+                    <a:lumOff val="-29866"/>
+                  </a:schemeClr>
+                </a:solidFill>
+                <a:latin typeface="Calibri" panose="020F0502020204030204" pitchFamily="34" charset="0"/>
+                <a:cs typeface="Calibri" panose="020F0502020204030204" pitchFamily="34" charset="0"/>
+              </a:rPr>
+              <a:t>"loading"</a:t>
+            </a:r>
+            <a:r>
+              <a:rPr sz="2000" dirty="0">
+                <a:latin typeface="Calibri" panose="020F0502020204030204" pitchFamily="34" charset="0"/>
+                <a:cs typeface="Calibri" panose="020F0502020204030204" pitchFamily="34" charset="0"/>
+              </a:rPr>
+              <a:t> | </a:t>
+            </a:r>
+            <a:r>
+              <a:rPr sz="2000" dirty="0">
+                <a:solidFill>
+                  <a:schemeClr val="accent5">
+                    <a:lumOff val="-29866"/>
+                  </a:schemeClr>
+                </a:solidFill>
+                <a:latin typeface="Calibri" panose="020F0502020204030204" pitchFamily="34" charset="0"/>
+                <a:cs typeface="Calibri" panose="020F0502020204030204" pitchFamily="34" charset="0"/>
+              </a:rPr>
+              <a:t>"error" </a:t>
+            </a:r>
+            <a:r>
+              <a:rPr sz="2000" dirty="0">
+                <a:latin typeface="Calibri" panose="020F0502020204030204" pitchFamily="34" charset="0"/>
+                <a:cs typeface="Calibri" panose="020F0502020204030204" pitchFamily="34" charset="0"/>
+              </a:rPr>
+              <a:t>= </a:t>
+            </a:r>
+            <a:r>
+              <a:rPr sz="2000" dirty="0">
+                <a:solidFill>
+                  <a:schemeClr val="accent5">
+                    <a:lumOff val="-29866"/>
+                  </a:schemeClr>
+                </a:solidFill>
+                <a:latin typeface="Calibri" panose="020F0502020204030204" pitchFamily="34" charset="0"/>
+                <a:cs typeface="Calibri" panose="020F0502020204030204" pitchFamily="34" charset="0"/>
+              </a:rPr>
+              <a:t>"loading"</a:t>
+            </a:r>
+          </a:p>
+          <a:p>
+            <a:pPr marL="648970" lvl="1" indent="-324485" defTabSz="426466">
+              <a:spcBef>
+                <a:spcPts val="3000"/>
+              </a:spcBef>
+              <a:defRPr sz="2336"/>
+            </a:pPr>
+            <a:r>
+              <a:rPr sz="2000" dirty="0">
+                <a:latin typeface="Calibri" panose="020F0502020204030204" pitchFamily="34" charset="0"/>
+                <a:cs typeface="Calibri" panose="020F0502020204030204" pitchFamily="34" charset="0"/>
+              </a:rPr>
+              <a:t>we can also join more complex types together</a:t>
+            </a:r>
+          </a:p>
+          <a:p>
+            <a:pPr marL="0" lvl="5" indent="834390" defTabSz="426466">
+              <a:spcBef>
+                <a:spcPts val="3000"/>
+              </a:spcBef>
+              <a:buSzTx/>
+              <a:buNone/>
+              <a:defRPr sz="2336"/>
+            </a:pPr>
+            <a:r>
+              <a:rPr sz="2000" dirty="0">
+                <a:solidFill>
+                  <a:schemeClr val="accent1">
+                    <a:hueOff val="114395"/>
+                    <a:lumOff val="-24975"/>
+                  </a:schemeClr>
+                </a:solidFill>
+                <a:latin typeface="Calibri" panose="020F0502020204030204" pitchFamily="34" charset="0"/>
+                <a:cs typeface="Calibri" panose="020F0502020204030204" pitchFamily="34" charset="0"/>
+              </a:rPr>
+              <a:t>type</a:t>
+            </a:r>
+            <a:r>
+              <a:rPr sz="2000" dirty="0">
+                <a:latin typeface="Calibri" panose="020F0502020204030204" pitchFamily="34" charset="0"/>
+                <a:cs typeface="Calibri" panose="020F0502020204030204" pitchFamily="34" charset="0"/>
+              </a:rPr>
+              <a:t> Person = Student | Teacher</a:t>
+            </a:r>
+          </a:p>
+          <a:p>
+            <a:pPr marL="648970" lvl="1" indent="-324485" defTabSz="426466">
+              <a:spcBef>
+                <a:spcPts val="3000"/>
+              </a:spcBef>
+              <a:defRPr sz="2336"/>
+            </a:pPr>
+            <a:r>
+              <a:rPr sz="2000" dirty="0">
+                <a:latin typeface="Calibri" panose="020F0502020204030204" pitchFamily="34" charset="0"/>
+                <a:cs typeface="Calibri" panose="020F0502020204030204" pitchFamily="34" charset="0"/>
+              </a:rPr>
+              <a:t>to recover the original type information, we can use a discriminated union</a:t>
+            </a:r>
+          </a:p>
+          <a:p>
+            <a:pPr marL="324485" indent="-324485" defTabSz="426466">
+              <a:spcBef>
+                <a:spcPts val="3000"/>
+              </a:spcBef>
+              <a:defRPr sz="2336"/>
+            </a:pPr>
+            <a:r>
+              <a:rPr sz="2000" u="sng" dirty="0">
+                <a:latin typeface="Calibri" panose="020F0502020204030204" pitchFamily="34" charset="0"/>
+                <a:cs typeface="Calibri" panose="020F0502020204030204" pitchFamily="34" charset="0"/>
+              </a:rPr>
+              <a:t>Discriminated union:</a:t>
+            </a:r>
+            <a:r>
+              <a:rPr sz="2000" dirty="0">
+                <a:latin typeface="Calibri" panose="020F0502020204030204" pitchFamily="34" charset="0"/>
+                <a:cs typeface="Calibri" panose="020F0502020204030204" pitchFamily="34" charset="0"/>
+              </a:rPr>
+              <a:t> an element allows us to discriminate the specific case of a value</a:t>
+            </a:r>
+          </a:p>
+        </p:txBody>
+      </p:sp>
+    </p:spTree>
+  </p:cSld>
+  <p:clrMapOvr>
+    <a:masterClrMapping/>
+  </p:clrMapOvr>
+  <p:transition spd="med"/>
+</p:sld>
+</file>
+
+<file path=ppt/slides/slide14.xml><?xml version="1.0" encoding="utf-8"?>
+<p:sld xmlns:a="http://schemas.openxmlformats.org/drawingml/2006/main" xmlns:r="http://schemas.openxmlformats.org/officeDocument/2006/relationships" xmlns:p="http://schemas.openxmlformats.org/presentationml/2006/main">
+  <p:cSld>
+    <p:spTree>
+      <p:nvGrpSpPr>
+        <p:cNvPr id="1" name=""/>
+        <p:cNvGrpSpPr/>
+        <p:nvPr/>
+      </p:nvGrpSpPr>
+      <p:grpSpPr>
+        <a:xfrm>
+          <a:off x="0" y="0"/>
+          <a:ext cx="0" cy="0"/>
+          <a:chOff x="0" y="0"/>
+          <a:chExt cx="0" cy="0"/>
+        </a:xfrm>
+      </p:grpSpPr>
+      <p:sp>
+        <p:nvSpPr>
+          <p:cNvPr id="147" name="Types in Typescript"/>
+          <p:cNvSpPr txBox="1">
+            <a:spLocks noGrp="1"/>
+          </p:cNvSpPr>
+          <p:nvPr>
+            <p:ph type="title"/>
+          </p:nvPr>
+        </p:nvSpPr>
+        <p:spPr>
+          <a:prstGeom prst="rect">
+            <a:avLst/>
+          </a:prstGeom>
+        </p:spPr>
+        <p:txBody>
+          <a:bodyPr>
+            <a:normAutofit/>
+          </a:bodyPr>
+          <a:lstStyle/>
+          <a:p>
+            <a:r>
+              <a:rPr sz="4000" dirty="0">
+                <a:latin typeface="Calibri" panose="020F0502020204030204" pitchFamily="34" charset="0"/>
+                <a:cs typeface="Calibri" panose="020F0502020204030204" pitchFamily="34" charset="0"/>
+              </a:rPr>
+              <a:t>Types in Typescript</a:t>
+            </a:r>
+            <a:r>
+              <a:rPr lang="en-US" sz="4000" dirty="0">
+                <a:latin typeface="Calibri" panose="020F0502020204030204" pitchFamily="34" charset="0"/>
+                <a:cs typeface="Calibri" panose="020F0502020204030204" pitchFamily="34" charset="0"/>
+              </a:rPr>
+              <a:t>..</a:t>
+            </a:r>
+            <a:endParaRPr sz="4000" dirty="0">
+              <a:latin typeface="Calibri" panose="020F0502020204030204" pitchFamily="34" charset="0"/>
+              <a:cs typeface="Calibri" panose="020F0502020204030204" pitchFamily="34" charset="0"/>
+            </a:endParaRPr>
+          </a:p>
+        </p:txBody>
+      </p:sp>
+      <p:sp>
+        <p:nvSpPr>
+          <p:cNvPr id="148" name="Intersection Types:…"/>
+          <p:cNvSpPr txBox="1">
+            <a:spLocks noGrp="1"/>
+          </p:cNvSpPr>
+          <p:nvPr>
+            <p:ph type="body" idx="1"/>
+          </p:nvPr>
+        </p:nvSpPr>
+        <p:spPr>
+          <a:prstGeom prst="rect">
+            <a:avLst/>
+          </a:prstGeom>
+        </p:spPr>
+        <p:txBody>
+          <a:bodyPr anchor="t">
+            <a:normAutofit/>
+          </a:bodyPr>
+          <a:lstStyle/>
+          <a:p>
+            <a:pPr>
+              <a:lnSpc>
+                <a:spcPct val="150000"/>
+              </a:lnSpc>
+              <a:defRPr u="sng"/>
+            </a:pPr>
+            <a:r>
+              <a:rPr sz="2000" dirty="0">
+                <a:latin typeface="Calibri" panose="020F0502020204030204" pitchFamily="34" charset="0"/>
+                <a:cs typeface="Calibri" panose="020F0502020204030204" pitchFamily="34" charset="0"/>
+              </a:rPr>
+              <a:t>Intersection Types:</a:t>
+            </a:r>
+          </a:p>
+          <a:p>
+            <a:pPr marL="457200" lvl="1" indent="-228600" defTabSz="457200">
+              <a:lnSpc>
+                <a:spcPct val="150000"/>
+              </a:lnSpc>
+              <a:spcBef>
+                <a:spcPts val="0"/>
+              </a:spcBef>
+              <a:buSzTx/>
+              <a:buNone/>
+              <a:tabLst>
+                <a:tab pos="139700" algn="l"/>
+                <a:tab pos="457200" algn="l"/>
+              </a:tabLst>
+              <a:defRPr sz="1400"/>
+            </a:pPr>
+            <a:r>
+              <a:rPr sz="2000" dirty="0">
+                <a:latin typeface="Calibri" panose="020F0502020204030204" pitchFamily="34" charset="0"/>
+                <a:cs typeface="Calibri" panose="020F0502020204030204" pitchFamily="34" charset="0"/>
+              </a:rPr>
+              <a:t>	•	</a:t>
+            </a:r>
+            <a:r>
+              <a:rPr sz="2000" dirty="0">
+                <a:latin typeface="Calibri" panose="020F0502020204030204" pitchFamily="34" charset="0"/>
+                <a:ea typeface="Helvetica"/>
+                <a:cs typeface="Calibri" panose="020F0502020204030204" pitchFamily="34" charset="0"/>
+                <a:sym typeface="Helvetica"/>
+              </a:rPr>
+              <a:t>the same discriminated union can be built by reusing the previously defined types, augmented with intersections;</a:t>
+            </a:r>
+          </a:p>
+          <a:p>
+            <a:pPr marL="457200" lvl="1" indent="-228600" defTabSz="457200">
+              <a:lnSpc>
+                <a:spcPct val="150000"/>
+              </a:lnSpc>
+              <a:spcBef>
+                <a:spcPts val="0"/>
+              </a:spcBef>
+              <a:buSzTx/>
+              <a:buNone/>
+              <a:tabLst>
+                <a:tab pos="139700" algn="l"/>
+                <a:tab pos="457200" algn="l"/>
+              </a:tabLst>
+              <a:defRPr>
+                <a:latin typeface="Helvetica"/>
+                <a:ea typeface="Helvetica"/>
+                <a:cs typeface="Helvetica"/>
+                <a:sym typeface="Helvetica"/>
+              </a:defRPr>
+            </a:pPr>
+            <a:r>
+              <a:rPr sz="2000" dirty="0">
+                <a:latin typeface="Calibri" panose="020F0502020204030204" pitchFamily="34" charset="0"/>
+                <a:cs typeface="Calibri" panose="020F0502020204030204" pitchFamily="34" charset="0"/>
+              </a:rPr>
+              <a:t>	•	this results in less code, and better intention declaration:</a:t>
+            </a:r>
+          </a:p>
+          <a:p>
+            <a:pPr marL="0" lvl="3" indent="685800" defTabSz="457200">
+              <a:lnSpc>
+                <a:spcPct val="150000"/>
+              </a:lnSpc>
+              <a:spcBef>
+                <a:spcPts val="0"/>
+              </a:spcBef>
+              <a:buSzTx/>
+              <a:buNone/>
+              <a:defRPr sz="2000">
+                <a:latin typeface="Helvetica"/>
+                <a:ea typeface="Helvetica"/>
+                <a:cs typeface="Helvetica"/>
+                <a:sym typeface="Helvetica"/>
+              </a:defRPr>
+            </a:pPr>
+            <a:r>
+              <a:rPr sz="2000" dirty="0">
+                <a:solidFill>
+                  <a:schemeClr val="accent1">
+                    <a:hueOff val="114395"/>
+                    <a:lumOff val="-24975"/>
+                  </a:schemeClr>
+                </a:solidFill>
+                <a:latin typeface="Calibri" panose="020F0502020204030204" pitchFamily="34" charset="0"/>
+                <a:cs typeface="Calibri" panose="020F0502020204030204" pitchFamily="34" charset="0"/>
+              </a:rPr>
+              <a:t>type</a:t>
+            </a:r>
+            <a:r>
+              <a:rPr sz="2000" dirty="0">
+                <a:latin typeface="Calibri" panose="020F0502020204030204" pitchFamily="34" charset="0"/>
+                <a:cs typeface="Calibri" panose="020F0502020204030204" pitchFamily="34" charset="0"/>
+              </a:rPr>
+              <a:t> Person = Student &amp; { kind: </a:t>
+            </a:r>
+            <a:r>
+              <a:rPr sz="2000" dirty="0">
+                <a:solidFill>
+                  <a:schemeClr val="accent5">
+                    <a:lumOff val="-29866"/>
+                  </a:schemeClr>
+                </a:solidFill>
+                <a:latin typeface="Calibri" panose="020F0502020204030204" pitchFamily="34" charset="0"/>
+                <a:cs typeface="Calibri" panose="020F0502020204030204" pitchFamily="34" charset="0"/>
+              </a:rPr>
+              <a:t>"student"</a:t>
+            </a:r>
+            <a:r>
+              <a:rPr sz="2000" dirty="0">
+                <a:latin typeface="Calibri" panose="020F0502020204030204" pitchFamily="34" charset="0"/>
+                <a:cs typeface="Calibri" panose="020F0502020204030204" pitchFamily="34" charset="0"/>
+              </a:rPr>
+              <a:t> } | Teacher &amp; { kind: </a:t>
+            </a:r>
+            <a:r>
+              <a:rPr sz="2000" dirty="0">
+                <a:solidFill>
+                  <a:schemeClr val="accent5">
+                    <a:lumOff val="-29866"/>
+                  </a:schemeClr>
+                </a:solidFill>
+                <a:latin typeface="Calibri" panose="020F0502020204030204" pitchFamily="34" charset="0"/>
+                <a:cs typeface="Calibri" panose="020F0502020204030204" pitchFamily="34" charset="0"/>
+              </a:rPr>
+              <a:t>"teacher" </a:t>
+            </a:r>
+            <a:r>
+              <a:rPr sz="2000" dirty="0">
+                <a:latin typeface="Calibri" panose="020F0502020204030204" pitchFamily="34" charset="0"/>
+                <a:cs typeface="Calibri" panose="020F0502020204030204" pitchFamily="34" charset="0"/>
+              </a:rPr>
+              <a:t>}</a:t>
+            </a:r>
+          </a:p>
+        </p:txBody>
+      </p:sp>
+    </p:spTree>
+  </p:cSld>
+  <p:clrMapOvr>
+    <a:masterClrMapping/>
+  </p:clrMapOvr>
+  <p:transition spd="med"/>
+</p:sld>
+</file>
+
+<file path=ppt/slides/slide15.xml><?xml version="1.0" encoding="utf-8"?>
+<p:sld xmlns:a="http://schemas.openxmlformats.org/drawingml/2006/main" xmlns:r="http://schemas.openxmlformats.org/officeDocument/2006/relationships" xmlns:p="http://schemas.openxmlformats.org/presentationml/2006/main">
   <p:cSld>
     <p:spTree>
       <p:nvGrpSpPr>
@@ -3066,7 +4768,9 @@
       <p:sp>
         <p:nvSpPr>
           <p:cNvPr id="150" name="Types in Typescript"/>
-          <p:cNvSpPr txBox="1"/>
+          <p:cNvSpPr txBox="1">
+            <a:spLocks noGrp="1"/>
+          </p:cNvSpPr>
           <p:nvPr>
             <p:ph type="title"/>
           </p:nvPr>
@@ -3077,20 +4781,45 @@
           </a:prstGeom>
         </p:spPr>
         <p:txBody>
-          <a:bodyPr/>
+          <a:bodyPr>
+            <a:normAutofit/>
+          </a:bodyPr>
           <a:lstStyle/>
           <a:p>
-            <a:pPr/>
-            <a:r>
-              <a:t>Types in Typescript</a:t>
-            </a:r>
+            <a:r>
+              <a:rPr sz="4000" dirty="0">
+                <a:latin typeface="Calibri" panose="020F0502020204030204" pitchFamily="34" charset="0"/>
+                <a:cs typeface="Calibri" panose="020F0502020204030204" pitchFamily="34" charset="0"/>
+              </a:rPr>
+              <a:t>Types </a:t>
+            </a:r>
+            <a:r>
+              <a:rPr sz="4000">
+                <a:latin typeface="Calibri" panose="020F0502020204030204" pitchFamily="34" charset="0"/>
+                <a:cs typeface="Calibri" panose="020F0502020204030204" pitchFamily="34" charset="0"/>
+              </a:rPr>
+              <a:t>in Typescript</a:t>
+            </a:r>
+            <a:r>
+              <a:rPr lang="en-US" sz="4000">
+                <a:latin typeface="Calibri" panose="020F0502020204030204" pitchFamily="34" charset="0"/>
+                <a:cs typeface="Calibri" panose="020F0502020204030204" pitchFamily="34" charset="0"/>
+              </a:rPr>
+              <a:t>..</a:t>
+            </a:r>
+            <a:endParaRPr sz="4000" dirty="0">
+              <a:latin typeface="Calibri" panose="020F0502020204030204" pitchFamily="34" charset="0"/>
+              <a:cs typeface="Calibri" panose="020F0502020204030204" pitchFamily="34" charset="0"/>
+            </a:endParaRPr>
           </a:p>
         </p:txBody>
       </p:sp>
       <p:sp>
         <p:nvSpPr>
           <p:cNvPr id="151" name="Union is a sort of sum, or set union:…"/>
-          <p:cNvSpPr txBox="1"/>
+          <p:cNvSpPr txBox="1">
+            <a:spLocks noGrp="1"/>
+          </p:cNvSpPr>
           <p:nvPr>
             <p:ph type="body" idx="1"/>
           </p:nvPr>
@@ -3101,7 +4830,9 @@
           </a:prstGeom>
         </p:spPr>
         <p:txBody>
-          <a:bodyPr/>
+          <a:bodyPr anchor="t">
+            <a:noAutofit/>
+          </a:bodyPr>
           <a:lstStyle/>
           <a:p>
             <a:pPr marL="284479" indent="-284479" defTabSz="292607">
@@ -3123,18 +4854,29 @@
               </a:defRPr>
             </a:pPr>
             <a:r>
+              <a:rPr sz="2000" dirty="0">
+                <a:latin typeface="Calibri" panose="020F0502020204030204" pitchFamily="34" charset="0"/>
+                <a:cs typeface="Calibri" panose="020F0502020204030204" pitchFamily="34" charset="0"/>
+              </a:rPr>
               <a:t>U</a:t>
             </a:r>
             <a:r>
-              <a:rPr u="sng"/>
+              <a:rPr sz="2000" u="sng" dirty="0">
+                <a:latin typeface="Calibri" panose="020F0502020204030204" pitchFamily="34" charset="0"/>
+                <a:cs typeface="Calibri" panose="020F0502020204030204" pitchFamily="34" charset="0"/>
+              </a:rPr>
               <a:t>nion</a:t>
             </a:r>
             <a:r>
+              <a:rPr sz="2000" dirty="0">
+                <a:latin typeface="Calibri" panose="020F0502020204030204" pitchFamily="34" charset="0"/>
+                <a:cs typeface="Calibri" panose="020F0502020204030204" pitchFamily="34" charset="0"/>
+              </a:rPr>
               <a:t> is a sort of sum, or set union: </a:t>
             </a:r>
           </a:p>
           <a:p>
-            <a:pPr lvl="1" marL="568959" indent="-284479" defTabSz="292607">
+            <a:pPr marL="568959" lvl="1" indent="-284479" defTabSz="292607">
               <a:lnSpc>
                 <a:spcPts val="3700"/>
               </a:lnSpc>
@@ -3153,11 +4895,15 @@
               </a:defRPr>
             </a:pPr>
             <a:r>
+              <a:rPr sz="2000" dirty="0">
+                <a:latin typeface="Calibri" panose="020F0502020204030204" pitchFamily="34" charset="0"/>
+                <a:cs typeface="Calibri" panose="020F0502020204030204" pitchFamily="34" charset="0"/>
+              </a:rPr>
               <a:t>A | B is a type that contains:</a:t>
             </a:r>
           </a:p>
           <a:p>
-            <a:pPr lvl="2" marL="853439" indent="-284479" defTabSz="292607">
+            <a:pPr marL="853439" lvl="2" indent="-284479" defTabSz="292607">
               <a:lnSpc>
                 <a:spcPts val="3700"/>
               </a:lnSpc>
@@ -3176,11 +4922,15 @@
               </a:defRPr>
             </a:pPr>
             <a:r>
+              <a:rPr sz="2000" dirty="0">
+                <a:latin typeface="Calibri" panose="020F0502020204030204" pitchFamily="34" charset="0"/>
+                <a:cs typeface="Calibri" panose="020F0502020204030204" pitchFamily="34" charset="0"/>
+              </a:rPr>
               <a:t>all the values of A, </a:t>
             </a:r>
           </a:p>
           <a:p>
-            <a:pPr lvl="2" marL="853439" indent="-284479" defTabSz="292607">
+            <a:pPr marL="853439" lvl="2" indent="-284479" defTabSz="292607">
               <a:lnSpc>
                 <a:spcPts val="3700"/>
               </a:lnSpc>
@@ -3199,11 +4949,186 @@
               </a:defRPr>
             </a:pPr>
             <a:r>
+              <a:rPr sz="2000" dirty="0">
+                <a:latin typeface="Calibri" panose="020F0502020204030204" pitchFamily="34" charset="0"/>
+                <a:cs typeface="Calibri" panose="020F0502020204030204" pitchFamily="34" charset="0"/>
+              </a:rPr>
               <a:t>and all the values of B, one next to each other;</a:t>
             </a:r>
           </a:p>
           <a:p>
-            <a:pPr lvl="2" marL="853439" indent="-284479" defTabSz="292607">
+            <a:pPr marL="0" lvl="5" indent="731519" defTabSz="292607">
+              <a:lnSpc>
+                <a:spcPts val="3400"/>
+              </a:lnSpc>
+              <a:spcBef>
+                <a:spcPts val="0"/>
+              </a:spcBef>
+              <a:buSzTx/>
+              <a:buNone/>
+              <a:defRPr sz="2048">
+                <a:latin typeface="Helvetica"/>
+                <a:ea typeface="Helvetica"/>
+                <a:cs typeface="Helvetica"/>
+                <a:sym typeface="Helvetica"/>
+              </a:defRPr>
+            </a:pPr>
+            <a:r>
+              <a:rPr sz="2000" dirty="0">
+                <a:solidFill>
+                  <a:schemeClr val="accent1">
+                    <a:hueOff val="114395"/>
+                    <a:lumOff val="-24975"/>
+                  </a:schemeClr>
+                </a:solidFill>
+                <a:latin typeface="Calibri" panose="020F0502020204030204" pitchFamily="34" charset="0"/>
+                <a:cs typeface="Calibri" panose="020F0502020204030204" pitchFamily="34" charset="0"/>
+              </a:rPr>
+              <a:t>type</a:t>
+            </a:r>
+            <a:r>
+              <a:rPr sz="2000" dirty="0">
+                <a:latin typeface="Calibri" panose="020F0502020204030204" pitchFamily="34" charset="0"/>
+                <a:cs typeface="Calibri" panose="020F0502020204030204" pitchFamily="34" charset="0"/>
+              </a:rPr>
+              <a:t> A = { x:</a:t>
+            </a:r>
+            <a:r>
+              <a:rPr sz="2000" dirty="0">
+                <a:solidFill>
+                  <a:schemeClr val="accent5">
+                    <a:lumOff val="-29866"/>
+                  </a:schemeClr>
+                </a:solidFill>
+                <a:latin typeface="Calibri" panose="020F0502020204030204" pitchFamily="34" charset="0"/>
+                <a:cs typeface="Calibri" panose="020F0502020204030204" pitchFamily="34" charset="0"/>
+              </a:rPr>
+              <a:t>"A1"</a:t>
+            </a:r>
+            <a:r>
+              <a:rPr sz="2000" dirty="0">
+                <a:latin typeface="Calibri" panose="020F0502020204030204" pitchFamily="34" charset="0"/>
+                <a:cs typeface="Calibri" panose="020F0502020204030204" pitchFamily="34" charset="0"/>
+              </a:rPr>
+              <a:t> | </a:t>
+            </a:r>
+            <a:r>
+              <a:rPr sz="2000" dirty="0">
+                <a:solidFill>
+                  <a:schemeClr val="accent5">
+                    <a:lumOff val="-29866"/>
+                  </a:schemeClr>
+                </a:solidFill>
+                <a:latin typeface="Calibri" panose="020F0502020204030204" pitchFamily="34" charset="0"/>
+                <a:cs typeface="Calibri" panose="020F0502020204030204" pitchFamily="34" charset="0"/>
+              </a:rPr>
+              <a:t>"A2"</a:t>
+            </a:r>
+            <a:r>
+              <a:rPr sz="2000" dirty="0">
+                <a:latin typeface="Calibri" panose="020F0502020204030204" pitchFamily="34" charset="0"/>
+                <a:cs typeface="Calibri" panose="020F0502020204030204" pitchFamily="34" charset="0"/>
+              </a:rPr>
+              <a:t> } </a:t>
+            </a:r>
+          </a:p>
+          <a:p>
+            <a:pPr marL="0" lvl="5" indent="731519" defTabSz="292607">
+              <a:lnSpc>
+                <a:spcPts val="3400"/>
+              </a:lnSpc>
+              <a:spcBef>
+                <a:spcPts val="0"/>
+              </a:spcBef>
+              <a:buSzTx/>
+              <a:buNone/>
+              <a:defRPr sz="2048">
+                <a:latin typeface="Helvetica"/>
+                <a:ea typeface="Helvetica"/>
+                <a:cs typeface="Helvetica"/>
+                <a:sym typeface="Helvetica"/>
+              </a:defRPr>
+            </a:pPr>
+            <a:r>
+              <a:rPr sz="2000" dirty="0">
+                <a:solidFill>
+                  <a:schemeClr val="accent1">
+                    <a:hueOff val="114395"/>
+                    <a:lumOff val="-24975"/>
+                  </a:schemeClr>
+                </a:solidFill>
+                <a:latin typeface="Calibri" panose="020F0502020204030204" pitchFamily="34" charset="0"/>
+                <a:cs typeface="Calibri" panose="020F0502020204030204" pitchFamily="34" charset="0"/>
+              </a:rPr>
+              <a:t>type</a:t>
+            </a:r>
+            <a:r>
+              <a:rPr sz="2000" dirty="0">
+                <a:latin typeface="Calibri" panose="020F0502020204030204" pitchFamily="34" charset="0"/>
+                <a:cs typeface="Calibri" panose="020F0502020204030204" pitchFamily="34" charset="0"/>
+              </a:rPr>
+              <a:t> B = { y:</a:t>
+            </a:r>
+            <a:r>
+              <a:rPr sz="2000" dirty="0">
+                <a:solidFill>
+                  <a:schemeClr val="accent5">
+                    <a:lumOff val="-29866"/>
+                  </a:schemeClr>
+                </a:solidFill>
+                <a:latin typeface="Calibri" panose="020F0502020204030204" pitchFamily="34" charset="0"/>
+                <a:cs typeface="Calibri" panose="020F0502020204030204" pitchFamily="34" charset="0"/>
+              </a:rPr>
+              <a:t>"B1"</a:t>
+            </a:r>
+            <a:r>
+              <a:rPr sz="2000" dirty="0">
+                <a:latin typeface="Calibri" panose="020F0502020204030204" pitchFamily="34" charset="0"/>
+                <a:cs typeface="Calibri" panose="020F0502020204030204" pitchFamily="34" charset="0"/>
+              </a:rPr>
+              <a:t> | </a:t>
+            </a:r>
+            <a:r>
+              <a:rPr sz="2000" dirty="0">
+                <a:solidFill>
+                  <a:schemeClr val="accent5">
+                    <a:lumOff val="-29866"/>
+                  </a:schemeClr>
+                </a:solidFill>
+                <a:latin typeface="Calibri" panose="020F0502020204030204" pitchFamily="34" charset="0"/>
+                <a:cs typeface="Calibri" panose="020F0502020204030204" pitchFamily="34" charset="0"/>
+              </a:rPr>
+              <a:t>"B2"</a:t>
+            </a:r>
+            <a:r>
+              <a:rPr sz="2000" dirty="0">
+                <a:latin typeface="Calibri" panose="020F0502020204030204" pitchFamily="34" charset="0"/>
+                <a:cs typeface="Calibri" panose="020F0502020204030204" pitchFamily="34" charset="0"/>
+              </a:rPr>
+              <a:t> | </a:t>
+            </a:r>
+            <a:r>
+              <a:rPr sz="2000" dirty="0">
+                <a:solidFill>
+                  <a:schemeClr val="accent5">
+                    <a:lumOff val="-29866"/>
+                  </a:schemeClr>
+                </a:solidFill>
+                <a:latin typeface="Calibri" panose="020F0502020204030204" pitchFamily="34" charset="0"/>
+                <a:cs typeface="Calibri" panose="020F0502020204030204" pitchFamily="34" charset="0"/>
+              </a:rPr>
+              <a:t>"B3"</a:t>
+            </a:r>
+            <a:r>
+              <a:rPr sz="2000" dirty="0">
+                <a:latin typeface="Calibri" panose="020F0502020204030204" pitchFamily="34" charset="0"/>
+                <a:cs typeface="Calibri" panose="020F0502020204030204" pitchFamily="34" charset="0"/>
+              </a:rPr>
+              <a:t> }</a:t>
+            </a:r>
+          </a:p>
+          <a:p>
+            <a:pPr marL="853439" lvl="2" indent="-284479" defTabSz="292607">
               <a:lnSpc>
                 <a:spcPts val="3700"/>
               </a:lnSpc>
@@ -3221,156 +5146,16 @@
                 <a:sym typeface="Helvetica"/>
               </a:defRPr>
             </a:pPr>
-          </a:p>
-          <a:p>
-            <a:pPr lvl="5" marL="0" indent="731519" defTabSz="292607">
-              <a:lnSpc>
-                <a:spcPts val="3400"/>
-              </a:lnSpc>
-              <a:spcBef>
-                <a:spcPts val="0"/>
-              </a:spcBef>
-              <a:buSzTx/>
-              <a:buNone/>
-              <a:defRPr sz="2048">
-                <a:latin typeface="Helvetica"/>
-                <a:ea typeface="Helvetica"/>
-                <a:cs typeface="Helvetica"/>
-                <a:sym typeface="Helvetica"/>
-              </a:defRPr>
-            </a:pPr>
-            <a:r>
-              <a:rPr>
-                <a:solidFill>
-                  <a:schemeClr val="accent1">
-                    <a:hueOff val="114395"/>
-                    <a:lumOff val="-24975"/>
-                  </a:schemeClr>
-                </a:solidFill>
-              </a:rPr>
-              <a:t>type</a:t>
-            </a:r>
-            <a:r>
-              <a:t> A = { x:</a:t>
-            </a:r>
-            <a:r>
-              <a:rPr>
-                <a:solidFill>
-                  <a:schemeClr val="accent5">
-                    <a:lumOff val="-29866"/>
-                  </a:schemeClr>
-                </a:solidFill>
-              </a:rPr>
-              <a:t>"A1"</a:t>
-            </a:r>
-            <a:r>
-              <a:t> | </a:t>
-            </a:r>
-            <a:r>
-              <a:rPr>
-                <a:solidFill>
-                  <a:schemeClr val="accent5">
-                    <a:lumOff val="-29866"/>
-                  </a:schemeClr>
-                </a:solidFill>
-              </a:rPr>
-              <a:t>"A2"</a:t>
-            </a:r>
-            <a:r>
-              <a:t> } </a:t>
-            </a:r>
-          </a:p>
-          <a:p>
-            <a:pPr lvl="5" marL="0" indent="731519" defTabSz="292607">
-              <a:lnSpc>
-                <a:spcPts val="3400"/>
-              </a:lnSpc>
-              <a:spcBef>
-                <a:spcPts val="0"/>
-              </a:spcBef>
-              <a:buSzTx/>
-              <a:buNone/>
-              <a:defRPr sz="2048">
-                <a:latin typeface="Helvetica"/>
-                <a:ea typeface="Helvetica"/>
-                <a:cs typeface="Helvetica"/>
-                <a:sym typeface="Helvetica"/>
-              </a:defRPr>
-            </a:pPr>
-            <a:r>
-              <a:rPr>
-                <a:solidFill>
-                  <a:schemeClr val="accent1">
-                    <a:hueOff val="114395"/>
-                    <a:lumOff val="-24975"/>
-                  </a:schemeClr>
-                </a:solidFill>
-              </a:rPr>
-              <a:t>type</a:t>
-            </a:r>
-            <a:r>
-              <a:t> B = { y:</a:t>
-            </a:r>
-            <a:r>
-              <a:rPr>
-                <a:solidFill>
-                  <a:schemeClr val="accent5">
-                    <a:lumOff val="-29866"/>
-                  </a:schemeClr>
-                </a:solidFill>
-              </a:rPr>
-              <a:t>"B1"</a:t>
-            </a:r>
-            <a:r>
-              <a:t> | </a:t>
-            </a:r>
-            <a:r>
-              <a:rPr>
-                <a:solidFill>
-                  <a:schemeClr val="accent5">
-                    <a:lumOff val="-29866"/>
-                  </a:schemeClr>
-                </a:solidFill>
-              </a:rPr>
-              <a:t>"B2"</a:t>
-            </a:r>
-            <a:r>
-              <a:t> | </a:t>
-            </a:r>
-            <a:r>
-              <a:rPr>
-                <a:solidFill>
-                  <a:schemeClr val="accent5">
-                    <a:lumOff val="-29866"/>
-                  </a:schemeClr>
-                </a:solidFill>
-              </a:rPr>
-              <a:t>"B3"</a:t>
-            </a:r>
-            <a:r>
-              <a:t> }</a:t>
-            </a:r>
-          </a:p>
-          <a:p>
-            <a:pPr lvl="5" marL="0" indent="731519" defTabSz="292607">
-              <a:lnSpc>
-                <a:spcPts val="3400"/>
-              </a:lnSpc>
-              <a:spcBef>
-                <a:spcPts val="0"/>
-              </a:spcBef>
-              <a:buSzTx/>
-              <a:buNone/>
-              <a:defRPr sz="2048">
-                <a:latin typeface="Helvetica"/>
-                <a:ea typeface="Helvetica"/>
-                <a:cs typeface="Helvetica"/>
-                <a:sym typeface="Helvetica"/>
-              </a:defRPr>
-            </a:pPr>
-          </a:p>
-          <a:p>
-            <a:pPr lvl="2" marL="853439" indent="-284479" defTabSz="292607">
+            <a:r>
+              <a:rPr sz="2000" dirty="0">
+                <a:latin typeface="Calibri" panose="020F0502020204030204" pitchFamily="34" charset="0"/>
+                <a:cs typeface="Calibri" panose="020F0502020204030204" pitchFamily="34" charset="0"/>
+              </a:rPr>
+              <a:t>values of A | B are { x:"A1" }, { x:"A2" }, but also { y:"B1" }, etc. There are five of them;</a:t>
+            </a:r>
+          </a:p>
+          <a:p>
+            <a:pPr marL="284479" indent="-284479" defTabSz="292607">
               <a:lnSpc>
                 <a:spcPts val="3700"/>
               </a:lnSpc>
@@ -3389,11 +5174,36 @@
               </a:defRPr>
             </a:pPr>
             <a:r>
-              <a:t>values of A | B are { x:"A1" }, { x:"A2" }, but also { y:"B1" }, etc. There are five of them;</a:t>
-            </a:r>
-          </a:p>
-          <a:p>
-            <a:pPr lvl="2" marL="853439" indent="-284479" defTabSz="292607">
+              <a:rPr lang="en-US" sz="2000" dirty="0">
+                <a:latin typeface="Calibri" panose="020F0502020204030204" pitchFamily="34" charset="0"/>
+                <a:cs typeface="Calibri" panose="020F0502020204030204" pitchFamily="34" charset="0"/>
+              </a:rPr>
+              <a:t>	</a:t>
+            </a:r>
+            <a:r>
+              <a:rPr sz="2000" dirty="0">
+                <a:latin typeface="Calibri" panose="020F0502020204030204" pitchFamily="34" charset="0"/>
+                <a:cs typeface="Calibri" panose="020F0502020204030204" pitchFamily="34" charset="0"/>
+              </a:rPr>
+              <a:t>I</a:t>
+            </a:r>
+            <a:r>
+              <a:rPr sz="2000" u="sng" dirty="0">
+                <a:latin typeface="Calibri" panose="020F0502020204030204" pitchFamily="34" charset="0"/>
+                <a:cs typeface="Calibri" panose="020F0502020204030204" pitchFamily="34" charset="0"/>
+              </a:rPr>
+              <a:t>ntersection</a:t>
+            </a:r>
+            <a:r>
+              <a:rPr sz="2000" dirty="0">
+                <a:latin typeface="Calibri" panose="020F0502020204030204" pitchFamily="34" charset="0"/>
+                <a:cs typeface="Calibri" panose="020F0502020204030204" pitchFamily="34" charset="0"/>
+              </a:rPr>
+              <a:t> is a sort of product, or cartesian product over sets:</a:t>
+            </a:r>
+          </a:p>
+          <a:p>
+            <a:pPr marL="568959" lvl="1" indent="-284479" defTabSz="292607">
               <a:lnSpc>
                 <a:spcPts val="3700"/>
               </a:lnSpc>
@@ -3411,9 +5221,201 @@
                 <a:sym typeface="Helvetica"/>
               </a:defRPr>
             </a:pPr>
-          </a:p>
-          <a:p>
-            <a:pPr marL="284479" indent="-284479" defTabSz="292607">
+            <a:r>
+              <a:rPr sz="2000" dirty="0">
+                <a:latin typeface="Calibri" panose="020F0502020204030204" pitchFamily="34" charset="0"/>
+                <a:cs typeface="Calibri" panose="020F0502020204030204" pitchFamily="34" charset="0"/>
+              </a:rPr>
+              <a:t> A &amp; B is a type that contains all the </a:t>
+            </a:r>
+            <a:r>
+              <a:rPr sz="2000" i="1" dirty="0">
+                <a:latin typeface="Calibri" panose="020F0502020204030204" pitchFamily="34" charset="0"/>
+                <a:cs typeface="Calibri" panose="020F0502020204030204" pitchFamily="34" charset="0"/>
+              </a:rPr>
+              <a:t>combinations</a:t>
+            </a:r>
+            <a:r>
+              <a:rPr sz="2000" dirty="0">
+                <a:latin typeface="Calibri" panose="020F0502020204030204" pitchFamily="34" charset="0"/>
+                <a:cs typeface="Calibri" panose="020F0502020204030204" pitchFamily="34" charset="0"/>
+              </a:rPr>
+              <a:t> of values of A and B at the same time:</a:t>
+            </a:r>
+          </a:p>
+          <a:p>
+            <a:pPr marL="0" lvl="5" indent="731519" defTabSz="292607">
+              <a:lnSpc>
+                <a:spcPts val="3400"/>
+              </a:lnSpc>
+              <a:spcBef>
+                <a:spcPts val="0"/>
+              </a:spcBef>
+              <a:buSzTx/>
+              <a:buNone/>
+              <a:defRPr sz="2048">
+                <a:latin typeface="Helvetica"/>
+                <a:ea typeface="Helvetica"/>
+                <a:cs typeface="Helvetica"/>
+                <a:sym typeface="Helvetica"/>
+              </a:defRPr>
+            </a:pPr>
+            <a:r>
+              <a:rPr sz="2000" dirty="0">
+                <a:solidFill>
+                  <a:schemeClr val="accent1">
+                    <a:hueOff val="114395"/>
+                    <a:lumOff val="-24975"/>
+                  </a:schemeClr>
+                </a:solidFill>
+                <a:latin typeface="Calibri" panose="020F0502020204030204" pitchFamily="34" charset="0"/>
+                <a:cs typeface="Calibri" panose="020F0502020204030204" pitchFamily="34" charset="0"/>
+              </a:rPr>
+              <a:t>type</a:t>
+            </a:r>
+            <a:r>
+              <a:rPr sz="2000" dirty="0">
+                <a:latin typeface="Calibri" panose="020F0502020204030204" pitchFamily="34" charset="0"/>
+                <a:cs typeface="Calibri" panose="020F0502020204030204" pitchFamily="34" charset="0"/>
+              </a:rPr>
+              <a:t> A = { x:</a:t>
+            </a:r>
+            <a:r>
+              <a:rPr sz="2000" dirty="0">
+                <a:solidFill>
+                  <a:schemeClr val="accent5">
+                    <a:lumOff val="-29866"/>
+                  </a:schemeClr>
+                </a:solidFill>
+                <a:latin typeface="Calibri" panose="020F0502020204030204" pitchFamily="34" charset="0"/>
+                <a:cs typeface="Calibri" panose="020F0502020204030204" pitchFamily="34" charset="0"/>
+              </a:rPr>
+              <a:t>"A1"</a:t>
+            </a:r>
+            <a:r>
+              <a:rPr sz="2000" dirty="0">
+                <a:latin typeface="Calibri" panose="020F0502020204030204" pitchFamily="34" charset="0"/>
+                <a:cs typeface="Calibri" panose="020F0502020204030204" pitchFamily="34" charset="0"/>
+              </a:rPr>
+              <a:t> | </a:t>
+            </a:r>
+            <a:r>
+              <a:rPr sz="2000" dirty="0">
+                <a:solidFill>
+                  <a:schemeClr val="accent5">
+                    <a:lumOff val="-29866"/>
+                  </a:schemeClr>
+                </a:solidFill>
+                <a:latin typeface="Calibri" panose="020F0502020204030204" pitchFamily="34" charset="0"/>
+                <a:cs typeface="Calibri" panose="020F0502020204030204" pitchFamily="34" charset="0"/>
+              </a:rPr>
+              <a:t>"A2"</a:t>
+            </a:r>
+            <a:r>
+              <a:rPr sz="2000" dirty="0">
+                <a:latin typeface="Calibri" panose="020F0502020204030204" pitchFamily="34" charset="0"/>
+                <a:cs typeface="Calibri" panose="020F0502020204030204" pitchFamily="34" charset="0"/>
+              </a:rPr>
+              <a:t> } </a:t>
+            </a:r>
+          </a:p>
+          <a:p>
+            <a:pPr marL="0" lvl="5" indent="731519" defTabSz="292607">
+              <a:lnSpc>
+                <a:spcPts val="3400"/>
+              </a:lnSpc>
+              <a:spcBef>
+                <a:spcPts val="0"/>
+              </a:spcBef>
+              <a:buSzTx/>
+              <a:buNone/>
+              <a:defRPr sz="2048">
+                <a:latin typeface="Helvetica"/>
+                <a:ea typeface="Helvetica"/>
+                <a:cs typeface="Helvetica"/>
+                <a:sym typeface="Helvetica"/>
+              </a:defRPr>
+            </a:pPr>
+            <a:r>
+              <a:rPr sz="2000" dirty="0">
+                <a:solidFill>
+                  <a:schemeClr val="accent1">
+                    <a:hueOff val="114395"/>
+                    <a:lumOff val="-24975"/>
+                  </a:schemeClr>
+                </a:solidFill>
+                <a:latin typeface="Calibri" panose="020F0502020204030204" pitchFamily="34" charset="0"/>
+                <a:cs typeface="Calibri" panose="020F0502020204030204" pitchFamily="34" charset="0"/>
+              </a:rPr>
+              <a:t>type</a:t>
+            </a:r>
+            <a:r>
+              <a:rPr sz="2000" dirty="0">
+                <a:latin typeface="Calibri" panose="020F0502020204030204" pitchFamily="34" charset="0"/>
+                <a:cs typeface="Calibri" panose="020F0502020204030204" pitchFamily="34" charset="0"/>
+              </a:rPr>
+              <a:t> B = { y:</a:t>
+            </a:r>
+            <a:r>
+              <a:rPr sz="2000" dirty="0">
+                <a:solidFill>
+                  <a:schemeClr val="accent5">
+                    <a:lumOff val="-29866"/>
+                  </a:schemeClr>
+                </a:solidFill>
+                <a:latin typeface="Calibri" panose="020F0502020204030204" pitchFamily="34" charset="0"/>
+                <a:cs typeface="Calibri" panose="020F0502020204030204" pitchFamily="34" charset="0"/>
+              </a:rPr>
+              <a:t>"B1"</a:t>
+            </a:r>
+            <a:r>
+              <a:rPr sz="2000" dirty="0">
+                <a:latin typeface="Calibri" panose="020F0502020204030204" pitchFamily="34" charset="0"/>
+                <a:cs typeface="Calibri" panose="020F0502020204030204" pitchFamily="34" charset="0"/>
+              </a:rPr>
+              <a:t> | </a:t>
+            </a:r>
+            <a:r>
+              <a:rPr sz="2000" dirty="0">
+                <a:solidFill>
+                  <a:schemeClr val="accent5">
+                    <a:lumOff val="-29866"/>
+                  </a:schemeClr>
+                </a:solidFill>
+                <a:latin typeface="Calibri" panose="020F0502020204030204" pitchFamily="34" charset="0"/>
+                <a:cs typeface="Calibri" panose="020F0502020204030204" pitchFamily="34" charset="0"/>
+              </a:rPr>
+              <a:t>"B2"</a:t>
+            </a:r>
+            <a:r>
+              <a:rPr sz="2000" dirty="0">
+                <a:latin typeface="Calibri" panose="020F0502020204030204" pitchFamily="34" charset="0"/>
+                <a:cs typeface="Calibri" panose="020F0502020204030204" pitchFamily="34" charset="0"/>
+              </a:rPr>
+              <a:t> | </a:t>
+            </a:r>
+            <a:r>
+              <a:rPr sz="2000" dirty="0">
+                <a:solidFill>
+                  <a:schemeClr val="accent5">
+                    <a:lumOff val="-29866"/>
+                  </a:schemeClr>
+                </a:solidFill>
+                <a:latin typeface="Calibri" panose="020F0502020204030204" pitchFamily="34" charset="0"/>
+                <a:cs typeface="Calibri" panose="020F0502020204030204" pitchFamily="34" charset="0"/>
+              </a:rPr>
+              <a:t>"B3"</a:t>
+            </a:r>
+            <a:r>
+              <a:rPr sz="2000" dirty="0">
+                <a:latin typeface="Calibri" panose="020F0502020204030204" pitchFamily="34" charset="0"/>
+                <a:cs typeface="Calibri" panose="020F0502020204030204" pitchFamily="34" charset="0"/>
+              </a:rPr>
+              <a:t> }</a:t>
+            </a:r>
+          </a:p>
+          <a:p>
+            <a:pPr marL="568959" lvl="1" indent="-284479" algn="just" defTabSz="292607">
               <a:lnSpc>
                 <a:spcPts val="3700"/>
               </a:lnSpc>
@@ -3432,251 +5434,22 @@
               </a:defRPr>
             </a:pPr>
             <a:r>
-              <a:t>	I</a:t>
-            </a:r>
-            <a:r>
-              <a:rPr u="sng"/>
-              <a:t>ntersection</a:t>
-            </a:r>
-            <a:r>
-              <a:t> is a sort of product, or cartesian product over sets:</a:t>
-            </a:r>
-          </a:p>
-          <a:p>
-            <a:pPr lvl="1" marL="568959" indent="-284479" defTabSz="292607">
-              <a:lnSpc>
-                <a:spcPts val="3700"/>
-              </a:lnSpc>
-              <a:spcBef>
-                <a:spcPts val="0"/>
-              </a:spcBef>
-              <a:tabLst>
-                <a:tab pos="88900" algn="l"/>
-                <a:tab pos="292100" algn="l"/>
-              </a:tabLst>
-              <a:defRPr sz="2048">
-                <a:latin typeface="Helvetica"/>
-                <a:ea typeface="Helvetica"/>
-                <a:cs typeface="Helvetica"/>
-                <a:sym typeface="Helvetica"/>
-              </a:defRPr>
-            </a:pPr>
-            <a:r>
-              <a:t> A &amp; B is a type that contains all the </a:t>
-            </a:r>
-            <a:r>
-              <a:rPr i="1"/>
-              <a:t>combinations</a:t>
-            </a:r>
-            <a:r>
-              <a:t> of values of A and B at the same time:</a:t>
-            </a:r>
-          </a:p>
-          <a:p>
-            <a:pPr marL="292607" indent="-292607" defTabSz="292607">
-              <a:lnSpc>
-                <a:spcPts val="3700"/>
-              </a:lnSpc>
-              <a:spcBef>
-                <a:spcPts val="0"/>
-              </a:spcBef>
-              <a:buSzTx/>
-              <a:buNone/>
-              <a:tabLst>
-                <a:tab pos="88900" algn="l"/>
-                <a:tab pos="292100" algn="l"/>
-              </a:tabLst>
-              <a:defRPr sz="2048">
-                <a:solidFill>
-                  <a:schemeClr val="accent1">
-                    <a:hueOff val="114395"/>
-                    <a:lumOff val="-24975"/>
-                  </a:schemeClr>
-                </a:solidFill>
-                <a:latin typeface="Helvetica"/>
-                <a:ea typeface="Helvetica"/>
-                <a:cs typeface="Helvetica"/>
-                <a:sym typeface="Helvetica"/>
-              </a:defRPr>
-            </a:pPr>
-          </a:p>
-          <a:p>
-            <a:pPr lvl="5" marL="0" indent="731519" defTabSz="292607">
-              <a:lnSpc>
-                <a:spcPts val="3400"/>
-              </a:lnSpc>
-              <a:spcBef>
-                <a:spcPts val="0"/>
-              </a:spcBef>
-              <a:buSzTx/>
-              <a:buNone/>
-              <a:defRPr sz="2048">
-                <a:latin typeface="Helvetica"/>
-                <a:ea typeface="Helvetica"/>
-                <a:cs typeface="Helvetica"/>
-                <a:sym typeface="Helvetica"/>
-              </a:defRPr>
-            </a:pPr>
-            <a:r>
-              <a:rPr>
-                <a:solidFill>
-                  <a:schemeClr val="accent1">
-                    <a:hueOff val="114395"/>
-                    <a:lumOff val="-24975"/>
-                  </a:schemeClr>
-                </a:solidFill>
-              </a:rPr>
-              <a:t>type</a:t>
-            </a:r>
-            <a:r>
-              <a:t> A = { x:</a:t>
-            </a:r>
-            <a:r>
-              <a:rPr>
-                <a:solidFill>
-                  <a:schemeClr val="accent5">
-                    <a:lumOff val="-29866"/>
-                  </a:schemeClr>
-                </a:solidFill>
-              </a:rPr>
-              <a:t>"A1"</a:t>
-            </a:r>
-            <a:r>
-              <a:t> | </a:t>
-            </a:r>
-            <a:r>
-              <a:rPr>
-                <a:solidFill>
-                  <a:schemeClr val="accent5">
-                    <a:lumOff val="-29866"/>
-                  </a:schemeClr>
-                </a:solidFill>
-              </a:rPr>
-              <a:t>"A2"</a:t>
-            </a:r>
-            <a:r>
-              <a:t> } </a:t>
-            </a:r>
-          </a:p>
-          <a:p>
-            <a:pPr lvl="5" marL="0" indent="731519" defTabSz="292607">
-              <a:lnSpc>
-                <a:spcPts val="3400"/>
-              </a:lnSpc>
-              <a:spcBef>
-                <a:spcPts val="0"/>
-              </a:spcBef>
-              <a:buSzTx/>
-              <a:buNone/>
-              <a:defRPr sz="2048">
-                <a:latin typeface="Helvetica"/>
-                <a:ea typeface="Helvetica"/>
-                <a:cs typeface="Helvetica"/>
-                <a:sym typeface="Helvetica"/>
-              </a:defRPr>
-            </a:pPr>
-            <a:r>
-              <a:rPr>
-                <a:solidFill>
-                  <a:schemeClr val="accent1">
-                    <a:hueOff val="114395"/>
-                    <a:lumOff val="-24975"/>
-                  </a:schemeClr>
-                </a:solidFill>
-              </a:rPr>
-              <a:t>type</a:t>
-            </a:r>
-            <a:r>
-              <a:t> B = { y:</a:t>
-            </a:r>
-            <a:r>
-              <a:rPr>
-                <a:solidFill>
-                  <a:schemeClr val="accent5">
-                    <a:lumOff val="-29866"/>
-                  </a:schemeClr>
-                </a:solidFill>
-              </a:rPr>
-              <a:t>"B1"</a:t>
-            </a:r>
-            <a:r>
-              <a:t> | </a:t>
-            </a:r>
-            <a:r>
-              <a:rPr>
-                <a:solidFill>
-                  <a:schemeClr val="accent5">
-                    <a:lumOff val="-29866"/>
-                  </a:schemeClr>
-                </a:solidFill>
-              </a:rPr>
-              <a:t>"B2"</a:t>
-            </a:r>
-            <a:r>
-              <a:t> | </a:t>
-            </a:r>
-            <a:r>
-              <a:rPr>
-                <a:solidFill>
-                  <a:schemeClr val="accent5">
-                    <a:lumOff val="-29866"/>
-                  </a:schemeClr>
-                </a:solidFill>
-              </a:rPr>
-              <a:t>"B3"</a:t>
-            </a:r>
-            <a:r>
-              <a:t> }</a:t>
-            </a:r>
-          </a:p>
-          <a:p>
-            <a:pPr marL="292607" indent="-292607" defTabSz="292607">
-              <a:lnSpc>
-                <a:spcPts val="3700"/>
-              </a:lnSpc>
-              <a:spcBef>
-                <a:spcPts val="0"/>
-              </a:spcBef>
-              <a:buSzTx/>
-              <a:buNone/>
-              <a:tabLst>
-                <a:tab pos="88900" algn="l"/>
-                <a:tab pos="292100" algn="l"/>
-              </a:tabLst>
-              <a:defRPr sz="2048">
-                <a:latin typeface="Helvetica"/>
-                <a:ea typeface="Helvetica"/>
-                <a:cs typeface="Helvetica"/>
-                <a:sym typeface="Helvetica"/>
-              </a:defRPr>
-            </a:pPr>
-            <a:r>
-              <a:t>	</a:t>
-            </a:r>
-          </a:p>
-          <a:p>
-            <a:pPr lvl="1" marL="568959" indent="-284479" algn="just" defTabSz="292607">
-              <a:lnSpc>
-                <a:spcPts val="3700"/>
-              </a:lnSpc>
-              <a:spcBef>
-                <a:spcPts val="0"/>
-              </a:spcBef>
-              <a:tabLst>
-                <a:tab pos="88900" algn="l"/>
-                <a:tab pos="292100" algn="l"/>
-              </a:tabLst>
-              <a:defRPr sz="2048">
-                <a:latin typeface="Helvetica"/>
-                <a:ea typeface="Helvetica"/>
-                <a:cs typeface="Helvetica"/>
-                <a:sym typeface="Helvetica"/>
-              </a:defRPr>
-            </a:pPr>
-            <a:r>
+              <a:rPr sz="2000" dirty="0">
+                <a:latin typeface="Calibri" panose="020F0502020204030204" pitchFamily="34" charset="0"/>
+                <a:cs typeface="Calibri" panose="020F0502020204030204" pitchFamily="34" charset="0"/>
+              </a:rPr>
               <a:t>	values of A &amp; B are { x:"A1", y:"B1" }, { x:"A1", y:"B2" }, etc. There are six of them;</a:t>
             </a:r>
-            <a:br/>
+            <a:br>
+              <a:rPr sz="2000" dirty="0">
+                <a:latin typeface="Calibri" panose="020F0502020204030204" pitchFamily="34" charset="0"/>
+                <a:cs typeface="Calibri" panose="020F0502020204030204" pitchFamily="34" charset="0"/>
+              </a:rPr>
+            </a:br>
+            <a:endParaRPr sz="2000" dirty="0">
+              <a:latin typeface="Calibri" panose="020F0502020204030204" pitchFamily="34" charset="0"/>
+              <a:cs typeface="Calibri" panose="020F0502020204030204" pitchFamily="34" charset="0"/>
+            </a:endParaRPr>
           </a:p>
         </p:txBody>
       </p:sp>
@@ -3685,12 +5458,12 @@
   <p:clrMapOvr>
     <a:masterClrMapping/>
   </p:clrMapOvr>
-  <p:transition xmlns:p14="http://schemas.microsoft.com/office/powerpoint/2010/main" spd="med" advClick="1"/>
+  <p:transition spd="med"/>
 </p:sld>
 </file>
 
 <file path=ppt/slides/slide2.xml><?xml version="1.0" encoding="utf-8"?>
-<p:sld xmlns:a="http://schemas.openxmlformats.org/drawingml/2006/main" xmlns:r="http://schemas.openxmlformats.org/officeDocument/2006/relationships" xmlns:p="http://schemas.openxmlformats.org/presentationml/2006/main" showMasterSp="1" showMasterPhAnim="1">
+<p:sld xmlns:a="http://schemas.openxmlformats.org/drawingml/2006/main" xmlns:r="http://schemas.openxmlformats.org/officeDocument/2006/relationships" xmlns:p="http://schemas.openxmlformats.org/presentationml/2006/main">
   <p:cSld>
     <p:spTree>
       <p:nvGrpSpPr>
@@ -3709,22 +5482,25 @@
       <p:sp>
         <p:nvSpPr>
           <p:cNvPr id="121" name="Topics"/>
-          <p:cNvSpPr txBox="1"/>
+          <p:cNvSpPr txBox="1">
+            <a:spLocks noGrp="1"/>
+          </p:cNvSpPr>
           <p:nvPr>
             <p:ph type="title"/>
           </p:nvPr>
         </p:nvSpPr>
-        <p:spPr>
-          <a:prstGeom prst="rect">
-            <a:avLst/>
-          </a:prstGeom>
-        </p:spPr>
+        <p:spPr/>
         <p:txBody>
-          <a:bodyPr/>
+          <a:bodyPr>
+            <a:normAutofit/>
+          </a:bodyPr>
           <a:lstStyle/>
           <a:p>
-            <a:pPr/>
-            <a:r>
+            <a:r>
+              <a:rPr lang="en-US" sz="4400" dirty="0">
+                <a:latin typeface="Calibri" panose="020F0502020204030204" pitchFamily="34" charset="0"/>
+                <a:cs typeface="Calibri" panose="020F0502020204030204" pitchFamily="34" charset="0"/>
+              </a:rPr>
               <a:t>Topics</a:t>
             </a:r>
           </a:p>
@@ -3733,93 +5509,142 @@
       <p:sp>
         <p:nvSpPr>
           <p:cNvPr id="122" name="The view in the MVC…"/>
-          <p:cNvSpPr txBox="1"/>
+          <p:cNvSpPr txBox="1">
+            <a:spLocks noGrp="1"/>
+          </p:cNvSpPr>
           <p:nvPr>
             <p:ph type="body" idx="1"/>
           </p:nvPr>
         </p:nvSpPr>
         <p:spPr>
-          <a:prstGeom prst="rect">
-            <a:avLst/>
-          </a:prstGeom>
+          <a:xfrm>
+            <a:off x="952500" y="2590801"/>
+            <a:ext cx="11099800" cy="6286499"/>
+          </a:xfrm>
         </p:spPr>
         <p:txBody>
-          <a:bodyPr/>
+          <a:bodyPr wrap="square" numCol="1" anchor="t">
+            <a:noAutofit/>
+          </a:bodyPr>
           <a:lstStyle/>
           <a:p>
-            <a:pPr marL="413384" indent="-413384" defTabSz="543305">
-              <a:spcBef>
-                <a:spcPts val="3900"/>
-              </a:spcBef>
-              <a:defRPr sz="2976"/>
-            </a:pPr>
-            <a:r>
+            <a:pPr>
+              <a:lnSpc>
+                <a:spcPct val="150000"/>
+              </a:lnSpc>
+              <a:spcBef>
+                <a:spcPts val="0"/>
+              </a:spcBef>
+            </a:pPr>
+            <a:r>
+              <a:rPr lang="en-US" sz="2000" dirty="0">
+                <a:latin typeface="Calibri" panose="020F0502020204030204" pitchFamily="34" charset="0"/>
+                <a:cs typeface="Calibri" panose="020F0502020204030204" pitchFamily="34" charset="0"/>
+              </a:rPr>
               <a:t>The view in the MVC</a:t>
             </a:r>
           </a:p>
           <a:p>
-            <a:pPr marL="413384" indent="-413384" defTabSz="543305">
-              <a:spcBef>
-                <a:spcPts val="3900"/>
-              </a:spcBef>
-              <a:defRPr sz="2976"/>
-            </a:pPr>
-            <a:r>
+            <a:pPr>
+              <a:lnSpc>
+                <a:spcPct val="150000"/>
+              </a:lnSpc>
+              <a:spcBef>
+                <a:spcPts val="0"/>
+              </a:spcBef>
+            </a:pPr>
+            <a:r>
+              <a:rPr lang="en-US" sz="2000" dirty="0">
+                <a:latin typeface="Calibri" panose="020F0502020204030204" pitchFamily="34" charset="0"/>
+                <a:cs typeface="Calibri" panose="020F0502020204030204" pitchFamily="34" charset="0"/>
+              </a:rPr>
               <a:t>Document Object Model (DOM)</a:t>
             </a:r>
           </a:p>
           <a:p>
-            <a:pPr marL="413384" indent="-413384" defTabSz="543305">
-              <a:spcBef>
-                <a:spcPts val="3900"/>
-              </a:spcBef>
-              <a:defRPr sz="2976"/>
-            </a:pPr>
-            <a:r>
-              <a:t>The view using template engines</a:t>
-            </a:r>
-          </a:p>
-          <a:p>
-            <a:pPr lvl="1" marL="826769" indent="-413384" defTabSz="543305">
-              <a:spcBef>
-                <a:spcPts val="3900"/>
-              </a:spcBef>
-              <a:defRPr sz="2976"/>
-            </a:pPr>
-            <a:r>
+            <a:pPr>
+              <a:lnSpc>
+                <a:spcPct val="150000"/>
+              </a:lnSpc>
+              <a:spcBef>
+                <a:spcPts val="0"/>
+              </a:spcBef>
+            </a:pPr>
+            <a:r>
+              <a:rPr lang="en-US" sz="2000" dirty="0">
+                <a:latin typeface="Calibri" panose="020F0502020204030204" pitchFamily="34" charset="0"/>
+                <a:cs typeface="Calibri" panose="020F0502020204030204" pitchFamily="34" charset="0"/>
+              </a:rPr>
+              <a:t>The view using template engines </a:t>
+            </a:r>
+          </a:p>
+          <a:p>
+            <a:pPr marL="444500" lvl="1" indent="0">
+              <a:lnSpc>
+                <a:spcPct val="150000"/>
+              </a:lnSpc>
+              <a:spcBef>
+                <a:spcPts val="0"/>
+              </a:spcBef>
+              <a:buNone/>
+            </a:pPr>
+            <a:r>
+              <a:rPr lang="en-US" sz="2000" dirty="0">
+                <a:latin typeface="Calibri" panose="020F0502020204030204" pitchFamily="34" charset="0"/>
+                <a:cs typeface="Calibri" panose="020F0502020204030204" pitchFamily="34" charset="0"/>
+              </a:rPr>
               <a:t>Data + HTML Template = Template engine (Razor)</a:t>
             </a:r>
           </a:p>
           <a:p>
-            <a:pPr marL="413384" indent="-413384" defTabSz="543305">
-              <a:spcBef>
-                <a:spcPts val="3900"/>
-              </a:spcBef>
-              <a:defRPr sz="2976"/>
-            </a:pPr>
-            <a:r>
+            <a:pPr>
+              <a:lnSpc>
+                <a:spcPct val="150000"/>
+              </a:lnSpc>
+              <a:spcBef>
+                <a:spcPts val="0"/>
+              </a:spcBef>
+            </a:pPr>
+            <a:r>
+              <a:rPr lang="en-US" sz="2000" dirty="0">
+                <a:latin typeface="Calibri" panose="020F0502020204030204" pitchFamily="34" charset="0"/>
+                <a:cs typeface="Calibri" panose="020F0502020204030204" pitchFamily="34" charset="0"/>
+              </a:rPr>
               <a:t>The view using  HTML components</a:t>
             </a:r>
           </a:p>
           <a:p>
-            <a:pPr lvl="1" marL="826769" indent="-413384" defTabSz="543305">
-              <a:spcBef>
-                <a:spcPts val="3900"/>
-              </a:spcBef>
-              <a:defRPr sz="2976"/>
-            </a:pPr>
-            <a:r>
+            <a:pPr marL="444500" lvl="1" indent="0">
+              <a:lnSpc>
+                <a:spcPct val="150000"/>
+              </a:lnSpc>
+              <a:spcBef>
+                <a:spcPts val="0"/>
+              </a:spcBef>
+              <a:buNone/>
+            </a:pPr>
+            <a:r>
+              <a:rPr lang="en-US" sz="2000" dirty="0">
+                <a:latin typeface="Calibri" panose="020F0502020204030204" pitchFamily="34" charset="0"/>
+                <a:cs typeface="Calibri" panose="020F0502020204030204" pitchFamily="34" charset="0"/>
+              </a:rPr>
               <a:t>Data + HTML  =  React components</a:t>
             </a:r>
           </a:p>
           <a:p>
-            <a:pPr marL="413384" indent="-413384" defTabSz="543305">
-              <a:spcBef>
-                <a:spcPts val="3900"/>
-              </a:spcBef>
-              <a:defRPr sz="2976"/>
-            </a:pPr>
-            <a:r>
+            <a:pPr>
+              <a:lnSpc>
+                <a:spcPct val="150000"/>
+              </a:lnSpc>
+              <a:spcBef>
+                <a:spcPts val="0"/>
+              </a:spcBef>
+            </a:pPr>
+            <a:r>
+              <a:rPr lang="en-US" sz="2000" dirty="0">
+                <a:latin typeface="Calibri" panose="020F0502020204030204" pitchFamily="34" charset="0"/>
+                <a:cs typeface="Calibri" panose="020F0502020204030204" pitchFamily="34" charset="0"/>
+              </a:rPr>
               <a:t>Typescript</a:t>
             </a:r>
           </a:p>
@@ -3830,12 +5655,12 @@
   <p:clrMapOvr>
     <a:masterClrMapping/>
   </p:clrMapOvr>
-  <p:transition xmlns:p14="http://schemas.microsoft.com/office/powerpoint/2010/main" spd="med" advClick="1"/>
+  <p:transition spd="med"/>
 </p:sld>
 </file>
 
 <file path=ppt/slides/slide3.xml><?xml version="1.0" encoding="utf-8"?>
-<p:sld xmlns:a="http://schemas.openxmlformats.org/drawingml/2006/main" xmlns:r="http://schemas.openxmlformats.org/officeDocument/2006/relationships" xmlns:p="http://schemas.openxmlformats.org/presentationml/2006/main" showMasterSp="1" showMasterPhAnim="1">
+<p:sld xmlns:a="http://schemas.openxmlformats.org/drawingml/2006/main" xmlns:r="http://schemas.openxmlformats.org/officeDocument/2006/relationships" xmlns:p="http://schemas.openxmlformats.org/presentationml/2006/main">
   <p:cSld>
     <p:spTree>
       <p:nvGrpSpPr>
@@ -3854,7 +5679,9 @@
       <p:sp>
         <p:nvSpPr>
           <p:cNvPr id="124" name="Document Object Model (DOM)"/>
-          <p:cNvSpPr txBox="1"/>
+          <p:cNvSpPr txBox="1">
+            <a:spLocks noGrp="1"/>
+          </p:cNvSpPr>
           <p:nvPr>
             <p:ph type="title"/>
           </p:nvPr>
@@ -3865,15 +5692,20 @@
           </a:prstGeom>
         </p:spPr>
         <p:txBody>
-          <a:bodyPr/>
+          <a:bodyPr>
+            <a:normAutofit/>
+          </a:bodyPr>
           <a:lstStyle>
             <a:lvl1pPr defTabSz="484886">
               <a:defRPr sz="6640"/>
             </a:lvl1pPr>
           </a:lstStyle>
           <a:p>
-            <a:pPr/>
-            <a:r>
+            <a:r>
+              <a:rPr sz="4000" dirty="0">
+                <a:latin typeface="Calibri" panose="020F0502020204030204" pitchFamily="34" charset="0"/>
+                <a:cs typeface="Calibri" panose="020F0502020204030204" pitchFamily="34" charset="0"/>
+              </a:rPr>
               <a:t>Document Object Model (DOM)</a:t>
             </a:r>
           </a:p>
@@ -3882,27 +5714,31 @@
       <p:sp>
         <p:nvSpPr>
           <p:cNvPr id="125" name="Dom is a programming API for HTML and XML documents…"/>
-          <p:cNvSpPr txBox="1"/>
+          <p:cNvSpPr txBox="1">
+            <a:spLocks noGrp="1"/>
+          </p:cNvSpPr>
           <p:nvPr>
             <p:ph type="body" sz="half" idx="1"/>
           </p:nvPr>
         </p:nvSpPr>
         <p:spPr>
           <a:xfrm>
-            <a:off x="952500" y="2590800"/>
-            <a:ext cx="11099800" cy="2477344"/>
+            <a:off x="1130532" y="1736890"/>
+            <a:ext cx="11089177" cy="1970660"/>
           </a:xfrm>
           <a:prstGeom prst="rect">
             <a:avLst/>
           </a:prstGeom>
         </p:spPr>
         <p:txBody>
-          <a:bodyPr/>
+          <a:bodyPr>
+            <a:normAutofit/>
+          </a:bodyPr>
           <a:lstStyle/>
           <a:p>
             <a:pPr marL="431165" indent="-431165" defTabSz="443484">
               <a:lnSpc>
-                <a:spcPts val="5000"/>
+                <a:spcPct val="150000"/>
               </a:lnSpc>
               <a:spcBef>
                 <a:spcPts val="0"/>
@@ -3915,13 +5751,24 @@
               </a:defRPr>
             </a:pPr>
             <a:r>
-              <a:t>Dom is a programming API for HTML and XML documents</a:t>
+              <a:rPr lang="en-US" sz="2000" dirty="0">
+                <a:latin typeface="Calibri" panose="020F0502020204030204" pitchFamily="34" charset="0"/>
+                <a:cs typeface="Calibri" panose="020F0502020204030204" pitchFamily="34" charset="0"/>
+              </a:rPr>
+              <a:t>DOM</a:t>
+            </a:r>
+            <a:r>
+              <a:rPr sz="2000" dirty="0">
+                <a:latin typeface="Calibri" panose="020F0502020204030204" pitchFamily="34" charset="0"/>
+                <a:cs typeface="Calibri" panose="020F0502020204030204" pitchFamily="34" charset="0"/>
+              </a:rPr>
+              <a:t> is a programming API for HTML and XML documents</a:t>
             </a:r>
           </a:p>
           <a:p>
             <a:pPr marL="431165" indent="-431165" defTabSz="443484">
               <a:lnSpc>
-                <a:spcPts val="5000"/>
+                <a:spcPct val="150000"/>
               </a:lnSpc>
               <a:spcBef>
                 <a:spcPts val="0"/>
@@ -3934,13 +5781,17 @@
               </a:defRPr>
             </a:pPr>
             <a:r>
+              <a:rPr sz="2000" dirty="0">
+                <a:latin typeface="Calibri" panose="020F0502020204030204" pitchFamily="34" charset="0"/>
+                <a:cs typeface="Calibri" panose="020F0502020204030204" pitchFamily="34" charset="0"/>
+              </a:rPr>
               <a:t>It defines the logical structure of documents and the way a document is accessed and manipulated</a:t>
             </a:r>
           </a:p>
           <a:p>
             <a:pPr marL="431165" indent="-431165" defTabSz="443484">
               <a:lnSpc>
-                <a:spcPts val="5000"/>
+                <a:spcPct val="150000"/>
               </a:lnSpc>
               <a:spcBef>
                 <a:spcPts val="0"/>
@@ -3953,6 +5804,10 @@
               </a:defRPr>
             </a:pPr>
             <a:r>
+              <a:rPr sz="2000" dirty="0">
+                <a:latin typeface="Calibri" panose="020F0502020204030204" pitchFamily="34" charset="0"/>
+                <a:cs typeface="Calibri" panose="020F0502020204030204" pitchFamily="34" charset="0"/>
+              </a:rPr>
               <a:t>Consider the following HTML table structure</a:t>
             </a:r>
           </a:p>
@@ -3961,13 +5816,15 @@
       <p:sp>
         <p:nvSpPr>
           <p:cNvPr id="126" name="&lt;TABLE&gt;…"/>
-          <p:cNvSpPr txBox="1"/>
+          <p:cNvSpPr txBox="1">
+            <a:spLocks noChangeAspect="1"/>
+          </p:cNvSpPr>
           <p:nvPr/>
         </p:nvSpPr>
         <p:spPr>
           <a:xfrm>
-            <a:off x="914400" y="5022849"/>
-            <a:ext cx="6082457" cy="3759201"/>
+            <a:off x="1805049" y="4396134"/>
+            <a:ext cx="4089861" cy="4498286"/>
           </a:xfrm>
           <a:prstGeom prst="rect">
             <a:avLst/>
@@ -3977,21 +5834,18 @@
           </a:ln>
           <a:extLst>
             <a:ext uri="{C572A759-6A51-4108-AA02-DFA0A04FC94B}">
-              <ma14:wrappingTextBoxFlag xmlns:ma14="http://schemas.microsoft.com/office/mac/drawingml/2011/main" val="1"/>
+              <ma14:wrappingTextBoxFlag xmlns:ma14="http://schemas.microsoft.com/office/mac/drawingml/2011/main" xmlns="" val="1"/>
             </a:ext>
           </a:extLst>
         </p:spPr>
         <p:txBody>
-          <a:bodyPr lIns="50800" tIns="50800" rIns="50800" bIns="50800" anchor="ctr">
-            <a:spAutoFit/>
+          <a:bodyPr wrap="square" lIns="0" tIns="0" rIns="0" bIns="0" anchor="t" anchorCtr="0">
+            <a:normAutofit/>
           </a:bodyPr>
           <a:lstStyle/>
           <a:p>
-            <a:pPr lvl="2" algn="l" defTabSz="457200">
-              <a:lnSpc>
-                <a:spcPts val="3800"/>
-              </a:lnSpc>
-              <a:defRPr b="0" sz="2000">
+            <a:pPr lvl="2" indent="0" algn="l" defTabSz="457200">
+              <a:defRPr sz="2000" b="0">
                 <a:latin typeface="Courier"/>
                 <a:ea typeface="Courier"/>
                 <a:cs typeface="Courier"/>
@@ -3999,15 +5853,16 @@
               </a:defRPr>
             </a:pPr>
             <a:r>
+              <a:rPr sz="2000" dirty="0">
+                <a:latin typeface="Calibri" panose="020F0502020204030204" pitchFamily="34" charset="0"/>
+                <a:cs typeface="Calibri" panose="020F0502020204030204" pitchFamily="34" charset="0"/>
+              </a:rPr>
               <a:t>&lt;TABLE&gt;</a:t>
             </a:r>
           </a:p>
           <a:p>
             <a:pPr algn="l" defTabSz="457200">
-              <a:lnSpc>
-                <a:spcPts val="3800"/>
-              </a:lnSpc>
-              <a:defRPr b="0" sz="2000">
+              <a:defRPr sz="2000" b="0">
                 <a:latin typeface="Courier"/>
                 <a:ea typeface="Courier"/>
                 <a:cs typeface="Courier"/>
@@ -4015,15 +5870,30 @@
               </a:defRPr>
             </a:pPr>
             <a:r>
-              <a:t>    &lt;ROWS&gt; </a:t>
+              <a:rPr sz="2000" dirty="0">
+                <a:latin typeface="Calibri" panose="020F0502020204030204" pitchFamily="34" charset="0"/>
+                <a:cs typeface="Calibri" panose="020F0502020204030204" pitchFamily="34" charset="0"/>
+              </a:rPr>
+              <a:t>   </a:t>
+            </a:r>
+            <a:r>
+              <a:rPr lang="en-US" sz="2000" dirty="0">
+                <a:latin typeface="Calibri" panose="020F0502020204030204" pitchFamily="34" charset="0"/>
+                <a:cs typeface="Calibri" panose="020F0502020204030204" pitchFamily="34" charset="0"/>
+              </a:rPr>
+              <a:t>	</a:t>
+            </a:r>
+            <a:r>
+              <a:rPr sz="2000" dirty="0">
+                <a:latin typeface="Calibri" panose="020F0502020204030204" pitchFamily="34" charset="0"/>
+                <a:cs typeface="Calibri" panose="020F0502020204030204" pitchFamily="34" charset="0"/>
+              </a:rPr>
+              <a:t> &lt;ROWS&gt; </a:t>
             </a:r>
           </a:p>
           <a:p>
             <a:pPr algn="l" defTabSz="457200">
-              <a:lnSpc>
-                <a:spcPts val="3800"/>
-              </a:lnSpc>
-              <a:defRPr b="0" sz="2000">
+              <a:defRPr sz="2000" b="0">
                 <a:latin typeface="Courier"/>
                 <a:ea typeface="Courier"/>
                 <a:cs typeface="Courier"/>
@@ -4031,15 +5901,30 @@
               </a:defRPr>
             </a:pPr>
             <a:r>
-              <a:t>      &lt;TR&gt; </a:t>
+              <a:rPr sz="2000" dirty="0">
+                <a:latin typeface="Calibri" panose="020F0502020204030204" pitchFamily="34" charset="0"/>
+                <a:cs typeface="Calibri" panose="020F0502020204030204" pitchFamily="34" charset="0"/>
+              </a:rPr>
+              <a:t>      </a:t>
+            </a:r>
+            <a:r>
+              <a:rPr lang="en-US" sz="2000" dirty="0">
+                <a:latin typeface="Calibri" panose="020F0502020204030204" pitchFamily="34" charset="0"/>
+                <a:cs typeface="Calibri" panose="020F0502020204030204" pitchFamily="34" charset="0"/>
+              </a:rPr>
+              <a:t>		</a:t>
+            </a:r>
+            <a:r>
+              <a:rPr sz="2000" dirty="0">
+                <a:latin typeface="Calibri" panose="020F0502020204030204" pitchFamily="34" charset="0"/>
+                <a:cs typeface="Calibri" panose="020F0502020204030204" pitchFamily="34" charset="0"/>
+              </a:rPr>
+              <a:t>&lt;TR&gt; </a:t>
             </a:r>
           </a:p>
           <a:p>
             <a:pPr algn="l" defTabSz="457200">
-              <a:lnSpc>
-                <a:spcPts val="3800"/>
-              </a:lnSpc>
-              <a:defRPr b="0" sz="2000">
+              <a:defRPr sz="2000" b="0">
                 <a:latin typeface="Courier"/>
                 <a:ea typeface="Courier"/>
                 <a:cs typeface="Courier"/>
@@ -4047,15 +5932,30 @@
               </a:defRPr>
             </a:pPr>
             <a:r>
-              <a:t>       &lt;TD&gt;Shady Grove&lt;/TD&gt;</a:t>
+              <a:rPr sz="2000" dirty="0">
+                <a:latin typeface="Calibri" panose="020F0502020204030204" pitchFamily="34" charset="0"/>
+                <a:cs typeface="Calibri" panose="020F0502020204030204" pitchFamily="34" charset="0"/>
+              </a:rPr>
+              <a:t>       </a:t>
+            </a:r>
+            <a:r>
+              <a:rPr lang="en-US" sz="2000" dirty="0">
+                <a:latin typeface="Calibri" panose="020F0502020204030204" pitchFamily="34" charset="0"/>
+                <a:cs typeface="Calibri" panose="020F0502020204030204" pitchFamily="34" charset="0"/>
+              </a:rPr>
+              <a:t>			</a:t>
+            </a:r>
+            <a:r>
+              <a:rPr sz="2000" dirty="0">
+                <a:latin typeface="Calibri" panose="020F0502020204030204" pitchFamily="34" charset="0"/>
+                <a:cs typeface="Calibri" panose="020F0502020204030204" pitchFamily="34" charset="0"/>
+              </a:rPr>
+              <a:t>&lt;TD&gt;Shady Grove&lt;/TD&gt;</a:t>
             </a:r>
           </a:p>
           <a:p>
             <a:pPr algn="l" defTabSz="457200">
-              <a:lnSpc>
-                <a:spcPts val="3800"/>
-              </a:lnSpc>
-              <a:defRPr b="0" sz="2000">
+              <a:defRPr sz="2000" b="0">
                 <a:latin typeface="Courier"/>
                 <a:ea typeface="Courier"/>
                 <a:cs typeface="Courier"/>
@@ -4063,15 +5963,30 @@
               </a:defRPr>
             </a:pPr>
             <a:r>
-              <a:t>       &lt;TD&gt;Aeolian&lt;/TD&gt; </a:t>
+              <a:rPr sz="2000" dirty="0">
+                <a:latin typeface="Calibri" panose="020F0502020204030204" pitchFamily="34" charset="0"/>
+                <a:cs typeface="Calibri" panose="020F0502020204030204" pitchFamily="34" charset="0"/>
+              </a:rPr>
+              <a:t>       </a:t>
+            </a:r>
+            <a:r>
+              <a:rPr lang="en-US" sz="2000" dirty="0">
+                <a:latin typeface="Calibri" panose="020F0502020204030204" pitchFamily="34" charset="0"/>
+                <a:cs typeface="Calibri" panose="020F0502020204030204" pitchFamily="34" charset="0"/>
+              </a:rPr>
+              <a:t>			</a:t>
+            </a:r>
+            <a:r>
+              <a:rPr sz="2000" dirty="0">
+                <a:latin typeface="Calibri" panose="020F0502020204030204" pitchFamily="34" charset="0"/>
+                <a:cs typeface="Calibri" panose="020F0502020204030204" pitchFamily="34" charset="0"/>
+              </a:rPr>
+              <a:t>&lt;TD&gt;Aeolian&lt;/TD&gt; </a:t>
             </a:r>
           </a:p>
           <a:p>
             <a:pPr algn="l" defTabSz="457200">
-              <a:lnSpc>
-                <a:spcPts val="3800"/>
-              </a:lnSpc>
-              <a:defRPr b="0" sz="2000">
+              <a:defRPr sz="2000" b="0">
                 <a:latin typeface="Courier"/>
                 <a:ea typeface="Courier"/>
                 <a:cs typeface="Courier"/>
@@ -4079,15 +5994,30 @@
               </a:defRPr>
             </a:pPr>
             <a:r>
-              <a:t>      &lt;/TR&gt; </a:t>
+              <a:rPr sz="2000" dirty="0">
+                <a:latin typeface="Calibri" panose="020F0502020204030204" pitchFamily="34" charset="0"/>
+                <a:cs typeface="Calibri" panose="020F0502020204030204" pitchFamily="34" charset="0"/>
+              </a:rPr>
+              <a:t>     </a:t>
+            </a:r>
+            <a:r>
+              <a:rPr lang="en-US" sz="2000" dirty="0">
+                <a:latin typeface="Calibri" panose="020F0502020204030204" pitchFamily="34" charset="0"/>
+                <a:cs typeface="Calibri" panose="020F0502020204030204" pitchFamily="34" charset="0"/>
+              </a:rPr>
+              <a:t>		</a:t>
+            </a:r>
+            <a:r>
+              <a:rPr sz="2000" dirty="0">
+                <a:latin typeface="Calibri" panose="020F0502020204030204" pitchFamily="34" charset="0"/>
+                <a:cs typeface="Calibri" panose="020F0502020204030204" pitchFamily="34" charset="0"/>
+              </a:rPr>
+              <a:t> &lt;/TR&gt; </a:t>
             </a:r>
           </a:p>
           <a:p>
             <a:pPr algn="l" defTabSz="457200">
-              <a:lnSpc>
-                <a:spcPts val="3800"/>
-              </a:lnSpc>
-              <a:defRPr b="0" sz="2000">
+              <a:defRPr sz="2000" b="0">
                 <a:latin typeface="Courier"/>
                 <a:ea typeface="Courier"/>
                 <a:cs typeface="Courier"/>
@@ -4095,15 +6025,30 @@
               </a:defRPr>
             </a:pPr>
             <a:r>
-              <a:t>      &lt;TR&gt;</a:t>
+              <a:rPr sz="2000" dirty="0">
+                <a:latin typeface="Calibri" panose="020F0502020204030204" pitchFamily="34" charset="0"/>
+                <a:cs typeface="Calibri" panose="020F0502020204030204" pitchFamily="34" charset="0"/>
+              </a:rPr>
+              <a:t>      </a:t>
+            </a:r>
+            <a:r>
+              <a:rPr lang="en-US" sz="2000" dirty="0">
+                <a:latin typeface="Calibri" panose="020F0502020204030204" pitchFamily="34" charset="0"/>
+                <a:cs typeface="Calibri" panose="020F0502020204030204" pitchFamily="34" charset="0"/>
+              </a:rPr>
+              <a:t>		</a:t>
+            </a:r>
+            <a:r>
+              <a:rPr sz="2000" dirty="0">
+                <a:latin typeface="Calibri" panose="020F0502020204030204" pitchFamily="34" charset="0"/>
+                <a:cs typeface="Calibri" panose="020F0502020204030204" pitchFamily="34" charset="0"/>
+              </a:rPr>
+              <a:t>&lt;TR&gt;</a:t>
             </a:r>
           </a:p>
           <a:p>
             <a:pPr algn="l" defTabSz="457200">
-              <a:lnSpc>
-                <a:spcPts val="3800"/>
-              </a:lnSpc>
-              <a:defRPr b="0" sz="2000">
+              <a:defRPr sz="2000" b="0">
                 <a:latin typeface="Courier"/>
                 <a:ea typeface="Courier"/>
                 <a:cs typeface="Courier"/>
@@ -4111,15 +6056,30 @@
               </a:defRPr>
             </a:pPr>
             <a:r>
-              <a:t>       &lt;TD&gt;Over the River, Charlie&lt;/TD&gt;</a:t>
+              <a:rPr sz="2000" dirty="0">
+                <a:latin typeface="Calibri" panose="020F0502020204030204" pitchFamily="34" charset="0"/>
+                <a:cs typeface="Calibri" panose="020F0502020204030204" pitchFamily="34" charset="0"/>
+              </a:rPr>
+              <a:t>      </a:t>
+            </a:r>
+            <a:r>
+              <a:rPr lang="en-US" sz="2000" dirty="0">
+                <a:latin typeface="Calibri" panose="020F0502020204030204" pitchFamily="34" charset="0"/>
+                <a:cs typeface="Calibri" panose="020F0502020204030204" pitchFamily="34" charset="0"/>
+              </a:rPr>
+              <a:t>			</a:t>
+            </a:r>
+            <a:r>
+              <a:rPr sz="2000" dirty="0">
+                <a:latin typeface="Calibri" panose="020F0502020204030204" pitchFamily="34" charset="0"/>
+                <a:cs typeface="Calibri" panose="020F0502020204030204" pitchFamily="34" charset="0"/>
+              </a:rPr>
+              <a:t> &lt;TD&gt;Over the River, Charlie&lt;/TD&gt;</a:t>
             </a:r>
           </a:p>
           <a:p>
             <a:pPr algn="l" defTabSz="457200">
-              <a:lnSpc>
-                <a:spcPts val="3800"/>
-              </a:lnSpc>
-              <a:defRPr b="0" sz="2000">
+              <a:defRPr sz="2000" b="0">
                 <a:latin typeface="Courier"/>
                 <a:ea typeface="Courier"/>
                 <a:cs typeface="Courier"/>
@@ -4127,15 +6087,30 @@
               </a:defRPr>
             </a:pPr>
             <a:r>
-              <a:t>       &lt;TD&gt;Dorian&lt;/TD&gt; </a:t>
+              <a:rPr sz="2000" dirty="0">
+                <a:latin typeface="Calibri" panose="020F0502020204030204" pitchFamily="34" charset="0"/>
+                <a:cs typeface="Calibri" panose="020F0502020204030204" pitchFamily="34" charset="0"/>
+              </a:rPr>
+              <a:t>      </a:t>
+            </a:r>
+            <a:r>
+              <a:rPr lang="en-US" sz="2000" dirty="0">
+                <a:latin typeface="Calibri" panose="020F0502020204030204" pitchFamily="34" charset="0"/>
+                <a:cs typeface="Calibri" panose="020F0502020204030204" pitchFamily="34" charset="0"/>
+              </a:rPr>
+              <a:t>			</a:t>
+            </a:r>
+            <a:r>
+              <a:rPr sz="2000" dirty="0">
+                <a:latin typeface="Calibri" panose="020F0502020204030204" pitchFamily="34" charset="0"/>
+                <a:cs typeface="Calibri" panose="020F0502020204030204" pitchFamily="34" charset="0"/>
+              </a:rPr>
+              <a:t> &lt;TD&gt;Dorian&lt;/TD&gt; </a:t>
             </a:r>
           </a:p>
           <a:p>
             <a:pPr algn="l" defTabSz="457200">
-              <a:lnSpc>
-                <a:spcPts val="3800"/>
-              </a:lnSpc>
-              <a:defRPr b="0" sz="2000">
+              <a:defRPr sz="2000" b="0">
                 <a:latin typeface="Courier"/>
                 <a:ea typeface="Courier"/>
                 <a:cs typeface="Courier"/>
@@ -4143,15 +6118,30 @@
               </a:defRPr>
             </a:pPr>
             <a:r>
-              <a:t>      &lt;/TR&gt; </a:t>
+              <a:rPr sz="2000" dirty="0">
+                <a:latin typeface="Calibri" panose="020F0502020204030204" pitchFamily="34" charset="0"/>
+                <a:cs typeface="Calibri" panose="020F0502020204030204" pitchFamily="34" charset="0"/>
+              </a:rPr>
+              <a:t>     </a:t>
+            </a:r>
+            <a:r>
+              <a:rPr lang="en-US" sz="2000" dirty="0">
+                <a:latin typeface="Calibri" panose="020F0502020204030204" pitchFamily="34" charset="0"/>
+                <a:cs typeface="Calibri" panose="020F0502020204030204" pitchFamily="34" charset="0"/>
+              </a:rPr>
+              <a:t>		</a:t>
+            </a:r>
+            <a:r>
+              <a:rPr sz="2000" dirty="0">
+                <a:latin typeface="Calibri" panose="020F0502020204030204" pitchFamily="34" charset="0"/>
+                <a:cs typeface="Calibri" panose="020F0502020204030204" pitchFamily="34" charset="0"/>
+              </a:rPr>
+              <a:t> &lt;/TR&gt; </a:t>
             </a:r>
           </a:p>
           <a:p>
             <a:pPr algn="l" defTabSz="457200">
-              <a:lnSpc>
-                <a:spcPts val="3800"/>
-              </a:lnSpc>
-              <a:defRPr b="0" sz="2000">
+              <a:defRPr sz="2000" b="0">
                 <a:latin typeface="Courier"/>
                 <a:ea typeface="Courier"/>
                 <a:cs typeface="Courier"/>
@@ -4159,15 +6149,30 @@
               </a:defRPr>
             </a:pPr>
             <a:r>
-              <a:t>    &lt;/ROWS&gt;</a:t>
+              <a:rPr sz="2000" dirty="0">
+                <a:latin typeface="Calibri" panose="020F0502020204030204" pitchFamily="34" charset="0"/>
+                <a:cs typeface="Calibri" panose="020F0502020204030204" pitchFamily="34" charset="0"/>
+              </a:rPr>
+              <a:t>   </a:t>
+            </a:r>
+            <a:r>
+              <a:rPr lang="en-US" sz="2000" dirty="0">
+                <a:latin typeface="Calibri" panose="020F0502020204030204" pitchFamily="34" charset="0"/>
+                <a:cs typeface="Calibri" panose="020F0502020204030204" pitchFamily="34" charset="0"/>
+              </a:rPr>
+              <a:t>	</a:t>
+            </a:r>
+            <a:r>
+              <a:rPr sz="2000" dirty="0">
+                <a:latin typeface="Calibri" panose="020F0502020204030204" pitchFamily="34" charset="0"/>
+                <a:cs typeface="Calibri" panose="020F0502020204030204" pitchFamily="34" charset="0"/>
+              </a:rPr>
+              <a:t> &lt;/ROWS&gt;</a:t>
             </a:r>
           </a:p>
           <a:p>
             <a:pPr algn="l" defTabSz="457200">
-              <a:lnSpc>
-                <a:spcPts val="3800"/>
-              </a:lnSpc>
-              <a:defRPr b="0" sz="2000">
+              <a:defRPr sz="2000" b="0">
                 <a:latin typeface="Courier"/>
                 <a:ea typeface="Courier"/>
                 <a:cs typeface="Courier"/>
@@ -4175,6 +6180,10 @@
               </a:defRPr>
             </a:pPr>
             <a:r>
+              <a:rPr sz="2000" dirty="0">
+                <a:latin typeface="Calibri" panose="020F0502020204030204" pitchFamily="34" charset="0"/>
+                <a:cs typeface="Calibri" panose="020F0502020204030204" pitchFamily="34" charset="0"/>
+              </a:rPr>
               <a:t>   &lt;/TABLE&gt;</a:t>
             </a:r>
           </a:p>
@@ -4198,7 +6207,7 @@
         </p:blipFill>
         <p:spPr>
           <a:xfrm>
-            <a:off x="7033037" y="5525839"/>
+            <a:off x="7033037" y="4411934"/>
             <a:ext cx="5491926" cy="3059361"/>
           </a:xfrm>
           <a:prstGeom prst="rect">
@@ -4228,7 +6237,7 @@
           </a:ln>
           <a:extLst>
             <a:ext uri="{C572A759-6A51-4108-AA02-DFA0A04FC94B}">
-              <ma14:wrappingTextBoxFlag xmlns:ma14="http://schemas.microsoft.com/office/mac/drawingml/2011/main" val="1"/>
+              <ma14:wrappingTextBoxFlag xmlns:ma14="http://schemas.microsoft.com/office/mac/drawingml/2011/main" xmlns="" val="1"/>
             </a:ext>
           </a:extLst>
         </p:spPr>
@@ -4238,7 +6247,6 @@
           </a:bodyPr>
           <a:lstStyle/>
           <a:p>
-            <a:pPr/>
             <a:r>
               <a:t>Table in HTML </a:t>
             </a:r>
@@ -4264,7 +6272,7 @@
           </a:ln>
           <a:extLst>
             <a:ext uri="{C572A759-6A51-4108-AA02-DFA0A04FC94B}">
-              <ma14:wrappingTextBoxFlag xmlns:ma14="http://schemas.microsoft.com/office/mac/drawingml/2011/main" val="1"/>
+              <ma14:wrappingTextBoxFlag xmlns:ma14="http://schemas.microsoft.com/office/mac/drawingml/2011/main" xmlns="" val="1"/>
             </a:ext>
           </a:extLst>
         </p:spPr>
@@ -4274,7 +6282,6 @@
           </a:bodyPr>
           <a:lstStyle/>
           <a:p>
-            <a:pPr/>
             <a:r>
               <a:t>Dom in the browser</a:t>
             </a:r>
@@ -4286,12 +6293,12 @@
   <p:clrMapOvr>
     <a:masterClrMapping/>
   </p:clrMapOvr>
-  <p:transition xmlns:p14="http://schemas.microsoft.com/office/powerpoint/2010/main" spd="med" advClick="1"/>
+  <p:transition spd="med"/>
 </p:sld>
 </file>
 
 <file path=ppt/slides/slide4.xml><?xml version="1.0" encoding="utf-8"?>
-<p:sld xmlns:a="http://schemas.openxmlformats.org/drawingml/2006/main" xmlns:r="http://schemas.openxmlformats.org/officeDocument/2006/relationships" xmlns:p="http://schemas.openxmlformats.org/presentationml/2006/main" showMasterSp="1" showMasterPhAnim="1">
+<p:sld xmlns:a="http://schemas.openxmlformats.org/drawingml/2006/main" xmlns:r="http://schemas.openxmlformats.org/officeDocument/2006/relationships" xmlns:p="http://schemas.openxmlformats.org/presentationml/2006/main">
   <p:cSld>
     <p:spTree>
       <p:nvGrpSpPr>
@@ -4310,7 +6317,9 @@
       <p:sp>
         <p:nvSpPr>
           <p:cNvPr id="131" name="Document Object Model (DOM)"/>
-          <p:cNvSpPr txBox="1"/>
+          <p:cNvSpPr txBox="1">
+            <a:spLocks noGrp="1"/>
+          </p:cNvSpPr>
           <p:nvPr>
             <p:ph type="title"/>
           </p:nvPr>
@@ -4321,42 +6330,58 @@
           </a:prstGeom>
         </p:spPr>
         <p:txBody>
-          <a:bodyPr/>
+          <a:bodyPr>
+            <a:normAutofit/>
+          </a:bodyPr>
           <a:lstStyle>
             <a:lvl1pPr defTabSz="484886">
               <a:defRPr sz="6640"/>
             </a:lvl1pPr>
           </a:lstStyle>
           <a:p>
-            <a:pPr/>
-            <a:r>
+            <a:r>
+              <a:rPr sz="4000" dirty="0">
+                <a:latin typeface="Calibri" panose="020F0502020204030204" pitchFamily="34" charset="0"/>
+                <a:cs typeface="Calibri" panose="020F0502020204030204" pitchFamily="34" charset="0"/>
+              </a:rPr>
               <a:t>Document Object Model (DOM)</a:t>
             </a:r>
+            <a:r>
+              <a:rPr lang="en-US" sz="4000" dirty="0">
+                <a:latin typeface="Calibri" panose="020F0502020204030204" pitchFamily="34" charset="0"/>
+                <a:cs typeface="Calibri" panose="020F0502020204030204" pitchFamily="34" charset="0"/>
+              </a:rPr>
+              <a:t>.</a:t>
+            </a:r>
+            <a:endParaRPr sz="4000" dirty="0">
+              <a:latin typeface="Calibri" panose="020F0502020204030204" pitchFamily="34" charset="0"/>
+              <a:cs typeface="Calibri" panose="020F0502020204030204" pitchFamily="34" charset="0"/>
+            </a:endParaRPr>
           </a:p>
         </p:txBody>
       </p:sp>
       <p:sp>
         <p:nvSpPr>
           <p:cNvPr id="132" name="Dom connects web pages to scripts or programming languages. Usually that means JavaScript…"/>
-          <p:cNvSpPr txBox="1"/>
+          <p:cNvSpPr txBox="1">
+            <a:spLocks noGrp="1"/>
+          </p:cNvSpPr>
           <p:nvPr>
             <p:ph type="body" sz="half" idx="1"/>
           </p:nvPr>
         </p:nvSpPr>
         <p:spPr>
-          <a:xfrm>
-            <a:off x="952500" y="2747292"/>
-            <a:ext cx="11099800" cy="2316114"/>
-          </a:xfrm>
           <a:prstGeom prst="rect">
             <a:avLst/>
           </a:prstGeom>
         </p:spPr>
         <p:txBody>
-          <a:bodyPr/>
+          <a:bodyPr anchor="t">
+            <a:noAutofit/>
+          </a:bodyPr>
           <a:lstStyle/>
           <a:p>
-            <a:pPr marL="275590" indent="-275590" defTabSz="362204">
+            <a:pPr defTabSz="362204">
               <a:spcBef>
                 <a:spcPts val="2600"/>
               </a:spcBef>
@@ -4368,21 +6393,45 @@
               </a:defRPr>
             </a:pPr>
             <a:r>
-              <a:t>Dom connects web pages to scripts or programming languages. Usually that means JavaScript</a:t>
-            </a:r>
-          </a:p>
-          <a:p>
-            <a:pPr marL="275590" indent="-275590" defTabSz="283463">
-              <a:lnSpc>
-                <a:spcPts val="3200"/>
-              </a:lnSpc>
-              <a:spcBef>
-                <a:spcPts val="0"/>
-              </a:spcBef>
+              <a:rPr lang="en-US" sz="2000" dirty="0">
+                <a:latin typeface="Calibri" panose="020F0502020204030204" pitchFamily="34" charset="0"/>
+                <a:cs typeface="Calibri" panose="020F0502020204030204" pitchFamily="34" charset="0"/>
+              </a:rPr>
+              <a:t>DOM</a:t>
+            </a:r>
+            <a:r>
+              <a:rPr sz="2000" dirty="0">
+                <a:latin typeface="Calibri" panose="020F0502020204030204" pitchFamily="34" charset="0"/>
+                <a:cs typeface="Calibri" panose="020F0502020204030204" pitchFamily="34" charset="0"/>
+              </a:rPr>
+              <a:t> </a:t>
+            </a:r>
+            <a:r>
+              <a:rPr lang="en-US" sz="2000" dirty="0">
+                <a:latin typeface="Calibri" panose="020F0502020204030204" pitchFamily="34" charset="0"/>
+                <a:cs typeface="Calibri" panose="020F0502020204030204" pitchFamily="34" charset="0"/>
+              </a:rPr>
+              <a:t>is an API that connects</a:t>
+            </a:r>
+            <a:r>
+              <a:rPr sz="2000" dirty="0">
+                <a:latin typeface="Calibri" panose="020F0502020204030204" pitchFamily="34" charset="0"/>
+                <a:cs typeface="Calibri" panose="020F0502020204030204" pitchFamily="34" charset="0"/>
+              </a:rPr>
+              <a:t> web pages to scripts or programming languages. </a:t>
+            </a:r>
+            <a:endParaRPr lang="en-US" sz="2000" dirty="0">
+              <a:latin typeface="Calibri" panose="020F0502020204030204" pitchFamily="34" charset="0"/>
+              <a:cs typeface="Calibri" panose="020F0502020204030204" pitchFamily="34" charset="0"/>
+            </a:endParaRPr>
+          </a:p>
+          <a:p>
+            <a:pPr marL="0" indent="0" defTabSz="362204">
+              <a:spcBef>
+                <a:spcPts val="2600"/>
+              </a:spcBef>
+              <a:buNone/>
               <a:defRPr sz="1984">
-                <a:solidFill>
-                  <a:srgbClr val="333333"/>
-                </a:solidFill>
                 <a:latin typeface="Helvetica"/>
                 <a:ea typeface="Helvetica"/>
                 <a:cs typeface="Helvetica"/>
@@ -4390,95 +6439,11 @@
               </a:defRPr>
             </a:pPr>
             <a:r>
-              <a:t>The DOM model represents a document with a logical tree.</a:t>
-            </a:r>
-          </a:p>
-          <a:p>
-            <a:pPr marL="275590" indent="-275590" defTabSz="283463">
-              <a:lnSpc>
-                <a:spcPts val="3200"/>
-              </a:lnSpc>
-              <a:spcBef>
-                <a:spcPts val="0"/>
-              </a:spcBef>
-              <a:defRPr sz="1984">
-                <a:solidFill>
-                  <a:srgbClr val="333333"/>
-                </a:solidFill>
-                <a:latin typeface="Helvetica"/>
-                <a:ea typeface="Helvetica"/>
-                <a:cs typeface="Helvetica"/>
-                <a:sym typeface="Helvetica"/>
-              </a:defRPr>
-            </a:pPr>
-            <a:r>
-              <a:t>DOM methods allow programmatic access to the tree</a:t>
-            </a:r>
-          </a:p>
-          <a:p>
-            <a:pPr marL="275590" indent="-275590" defTabSz="283463">
-              <a:lnSpc>
-                <a:spcPts val="3200"/>
-              </a:lnSpc>
-              <a:spcBef>
-                <a:spcPts val="0"/>
-              </a:spcBef>
-              <a:defRPr sz="1984">
-                <a:solidFill>
-                  <a:srgbClr val="333333"/>
-                </a:solidFill>
-                <a:latin typeface="Helvetica"/>
-                <a:ea typeface="Helvetica"/>
-                <a:cs typeface="Helvetica"/>
-                <a:sym typeface="Helvetica"/>
-              </a:defRPr>
-            </a:pPr>
-            <a:r>
-              <a:t>Each branch of the tree ends in a node</a:t>
-            </a:r>
-          </a:p>
-          <a:p>
-            <a:pPr marL="275590" indent="-275590" defTabSz="283463">
-              <a:lnSpc>
-                <a:spcPts val="3200"/>
-              </a:lnSpc>
-              <a:spcBef>
-                <a:spcPts val="0"/>
-              </a:spcBef>
-              <a:defRPr sz="1984">
-                <a:solidFill>
-                  <a:srgbClr val="333333"/>
-                </a:solidFill>
-                <a:latin typeface="Helvetica"/>
-                <a:ea typeface="Helvetica"/>
-                <a:cs typeface="Helvetica"/>
-                <a:sym typeface="Helvetica"/>
-              </a:defRPr>
-            </a:pPr>
-            <a:r>
-              <a:t>This allows to change document's structure, style or content. </a:t>
-            </a:r>
-          </a:p>
-          <a:p>
-            <a:pPr marL="275590" indent="-275590" defTabSz="283463">
-              <a:lnSpc>
-                <a:spcPts val="3200"/>
-              </a:lnSpc>
-              <a:spcBef>
-                <a:spcPts val="0"/>
-              </a:spcBef>
-              <a:defRPr sz="1984">
-                <a:solidFill>
-                  <a:srgbClr val="333333"/>
-                </a:solidFill>
-                <a:latin typeface="Helvetica"/>
-                <a:ea typeface="Helvetica"/>
-                <a:cs typeface="Helvetica"/>
-                <a:sym typeface="Helvetica"/>
-              </a:defRPr>
-            </a:pPr>
-            <a:r>
-              <a:t>Nodes can have event handlers attached to them. </a:t>
+              <a:rPr lang="en-US" sz="2000" dirty="0">
+                <a:latin typeface="Calibri" panose="020F0502020204030204" pitchFamily="34" charset="0"/>
+                <a:cs typeface="Calibri" panose="020F0502020204030204" pitchFamily="34" charset="0"/>
+              </a:rPr>
+              <a:t>		– Usually that means JavaScript</a:t>
             </a:r>
           </a:p>
         </p:txBody>
@@ -4501,7 +6466,7 @@
         </p:blipFill>
         <p:spPr>
           <a:xfrm>
-            <a:off x="5753373" y="5212493"/>
+            <a:off x="6834028" y="3780996"/>
             <a:ext cx="5441677" cy="3906107"/>
           </a:xfrm>
           <a:prstGeom prst="rect">
@@ -4517,12 +6482,12 @@
   <p:clrMapOvr>
     <a:masterClrMapping/>
   </p:clrMapOvr>
-  <p:transition xmlns:p14="http://schemas.microsoft.com/office/powerpoint/2010/main" spd="med" advClick="1"/>
+  <p:transition spd="med"/>
 </p:sld>
 </file>
 
 <file path=ppt/slides/slide5.xml><?xml version="1.0" encoding="utf-8"?>
-<p:sld xmlns:a="http://schemas.openxmlformats.org/drawingml/2006/main" xmlns:r="http://schemas.openxmlformats.org/officeDocument/2006/relationships" xmlns:p="http://schemas.openxmlformats.org/presentationml/2006/main" showMasterSp="1" showMasterPhAnim="1">
+<p:sld xmlns:a="http://schemas.openxmlformats.org/drawingml/2006/main" xmlns:r="http://schemas.openxmlformats.org/officeDocument/2006/relationships" xmlns:p="http://schemas.openxmlformats.org/presentationml/2006/main">
   <p:cSld>
     <p:spTree>
       <p:nvGrpSpPr>
@@ -4540,8 +6505,10 @@
       </p:grpSpPr>
       <p:sp>
         <p:nvSpPr>
-          <p:cNvPr id="135" name="Typescript"/>
-          <p:cNvSpPr txBox="1"/>
+          <p:cNvPr id="131" name="Document Object Model (DOM)"/>
+          <p:cNvSpPr txBox="1">
+            <a:spLocks noGrp="1"/>
+          </p:cNvSpPr>
           <p:nvPr>
             <p:ph type="title"/>
           </p:nvPr>
@@ -4552,22 +6519,44 @@
           </a:prstGeom>
         </p:spPr>
         <p:txBody>
-          <a:bodyPr/>
-          <a:lstStyle/>
-          <a:p>
-            <a:pPr/>
-            <a:r>
-              <a:t>Typescript </a:t>
-            </a:r>
+          <a:bodyPr>
+            <a:normAutofit/>
+          </a:bodyPr>
+          <a:lstStyle>
+            <a:lvl1pPr defTabSz="484886">
+              <a:defRPr sz="6640"/>
+            </a:lvl1pPr>
+          </a:lstStyle>
+          <a:p>
+            <a:r>
+              <a:rPr sz="4000" dirty="0">
+                <a:latin typeface="Calibri" panose="020F0502020204030204" pitchFamily="34" charset="0"/>
+                <a:cs typeface="Calibri" panose="020F0502020204030204" pitchFamily="34" charset="0"/>
+              </a:rPr>
+              <a:t>Document Object Model (DOM)</a:t>
+            </a:r>
+            <a:r>
+              <a:rPr lang="en-US" sz="4000" dirty="0">
+                <a:latin typeface="Calibri" panose="020F0502020204030204" pitchFamily="34" charset="0"/>
+                <a:cs typeface="Calibri" panose="020F0502020204030204" pitchFamily="34" charset="0"/>
+              </a:rPr>
+              <a:t>..</a:t>
+            </a:r>
+            <a:endParaRPr sz="4000" dirty="0">
+              <a:latin typeface="Calibri" panose="020F0502020204030204" pitchFamily="34" charset="0"/>
+              <a:cs typeface="Calibri" panose="020F0502020204030204" pitchFamily="34" charset="0"/>
+            </a:endParaRPr>
           </a:p>
         </p:txBody>
       </p:sp>
       <p:sp>
         <p:nvSpPr>
-          <p:cNvPr id="136" name="TypeScript is a typed superset of Javascript…"/>
-          <p:cNvSpPr txBox="1"/>
+          <p:cNvPr id="132" name="Dom connects web pages to scripts or programming languages. Usually that means JavaScript…"/>
+          <p:cNvSpPr txBox="1">
+            <a:spLocks noGrp="1"/>
+          </p:cNvSpPr>
           <p:nvPr>
-            <p:ph type="body" idx="1"/>
+            <p:ph type="body" sz="half" idx="1"/>
           </p:nvPr>
         </p:nvSpPr>
         <p:spPr>
@@ -4576,167 +6565,167 @@
           </a:prstGeom>
         </p:spPr>
         <p:txBody>
-          <a:bodyPr/>
+          <a:bodyPr anchor="t">
+            <a:noAutofit/>
+          </a:bodyPr>
           <a:lstStyle/>
           <a:p>
-            <a:pPr defTabSz="457200">
+            <a:pPr defTabSz="362204">
+              <a:spcBef>
+                <a:spcPts val="2600"/>
+              </a:spcBef>
+              <a:defRPr sz="1984">
+                <a:latin typeface="Helvetica"/>
+                <a:ea typeface="Helvetica"/>
+                <a:cs typeface="Helvetica"/>
+                <a:sym typeface="Helvetica"/>
+              </a:defRPr>
+            </a:pPr>
+            <a:r>
+              <a:rPr lang="en-US" sz="2000" dirty="0">
+                <a:latin typeface="Calibri" panose="020F0502020204030204" pitchFamily="34" charset="0"/>
+                <a:cs typeface="Calibri" panose="020F0502020204030204" pitchFamily="34" charset="0"/>
+              </a:rPr>
+              <a:t>DOM</a:t>
+            </a:r>
+            <a:r>
+              <a:rPr sz="2000" dirty="0">
+                <a:latin typeface="Calibri" panose="020F0502020204030204" pitchFamily="34" charset="0"/>
+                <a:cs typeface="Calibri" panose="020F0502020204030204" pitchFamily="34" charset="0"/>
+              </a:rPr>
+              <a:t> </a:t>
+            </a:r>
+            <a:r>
+              <a:rPr lang="en-US" sz="2000" dirty="0">
+                <a:latin typeface="Calibri" panose="020F0502020204030204" pitchFamily="34" charset="0"/>
+                <a:cs typeface="Calibri" panose="020F0502020204030204" pitchFamily="34" charset="0"/>
+              </a:rPr>
+              <a:t>is an API that connects</a:t>
+            </a:r>
+            <a:r>
+              <a:rPr sz="2000" dirty="0">
+                <a:latin typeface="Calibri" panose="020F0502020204030204" pitchFamily="34" charset="0"/>
+                <a:cs typeface="Calibri" panose="020F0502020204030204" pitchFamily="34" charset="0"/>
+              </a:rPr>
+              <a:t> web pages to scripts or programming languages. </a:t>
+            </a:r>
+            <a:endParaRPr lang="en-US" sz="2000" dirty="0">
+              <a:latin typeface="Calibri" panose="020F0502020204030204" pitchFamily="34" charset="0"/>
+              <a:cs typeface="Calibri" panose="020F0502020204030204" pitchFamily="34" charset="0"/>
+            </a:endParaRPr>
+          </a:p>
+          <a:p>
+            <a:pPr marL="0" indent="0" defTabSz="362204">
+              <a:spcBef>
+                <a:spcPts val="2600"/>
+              </a:spcBef>
+              <a:buNone/>
+              <a:defRPr sz="1984">
+                <a:latin typeface="Helvetica"/>
+                <a:ea typeface="Helvetica"/>
+                <a:cs typeface="Helvetica"/>
+                <a:sym typeface="Helvetica"/>
+              </a:defRPr>
+            </a:pPr>
+            <a:r>
+              <a:rPr lang="en-US" sz="2000" dirty="0">
+                <a:latin typeface="Calibri" panose="020F0502020204030204" pitchFamily="34" charset="0"/>
+                <a:cs typeface="Calibri" panose="020F0502020204030204" pitchFamily="34" charset="0"/>
+              </a:rPr>
+              <a:t>		– Usually that means JavaScript</a:t>
+            </a:r>
+          </a:p>
+          <a:p>
+            <a:pPr marL="275590" indent="-275590" defTabSz="283463">
               <a:lnSpc>
-                <a:spcPts val="5600"/>
+                <a:spcPts val="3200"/>
               </a:lnSpc>
               <a:spcBef>
                 <a:spcPts val="0"/>
               </a:spcBef>
-              <a:defRPr>
+              <a:defRPr sz="1984">
                 <a:solidFill>
                   <a:srgbClr val="333333"/>
                 </a:solidFill>
+                <a:latin typeface="Helvetica"/>
+                <a:ea typeface="Helvetica"/>
+                <a:cs typeface="Helvetica"/>
+                <a:sym typeface="Helvetica"/>
               </a:defRPr>
             </a:pPr>
             <a:r>
-              <a:t>TypeScript is a typed superset of Javascript</a:t>
-            </a:r>
-          </a:p>
-          <a:p>
-            <a:pPr defTabSz="457200">
-              <a:lnSpc>
-                <a:spcPts val="5600"/>
-              </a:lnSpc>
-              <a:spcBef>
-                <a:spcPts val="0"/>
-              </a:spcBef>
-              <a:defRPr>
-                <a:solidFill>
-                  <a:srgbClr val="333333"/>
-                </a:solidFill>
+              <a:rPr lang="en-US" sz="2000" dirty="0">
+                <a:latin typeface="Calibri" panose="020F0502020204030204" pitchFamily="34" charset="0"/>
+                <a:cs typeface="Calibri" panose="020F0502020204030204" pitchFamily="34" charset="0"/>
+              </a:rPr>
+              <a:t>The DOM model represents a document with a logical tree.</a:t>
+            </a:r>
+          </a:p>
+          <a:p>
+            <a:pPr marL="0" indent="0" defTabSz="362204">
+              <a:spcBef>
+                <a:spcPts val="2600"/>
+              </a:spcBef>
+              <a:buNone/>
+              <a:defRPr sz="1984">
+                <a:latin typeface="Helvetica"/>
+                <a:ea typeface="Helvetica"/>
+                <a:cs typeface="Helvetica"/>
+                <a:sym typeface="Helvetica"/>
               </a:defRPr>
             </a:pPr>
-            <a:r>
-              <a:t>TypeScript compiles into JavaScript</a:t>
-            </a:r>
-          </a:p>
-          <a:p>
-            <a:pPr defTabSz="457200">
-              <a:lnSpc>
-                <a:spcPts val="5600"/>
-              </a:lnSpc>
-              <a:spcBef>
-                <a:spcPts val="0"/>
-              </a:spcBef>
-              <a:defRPr>
-                <a:solidFill>
-                  <a:srgbClr val="333333"/>
-                </a:solidFill>
-              </a:defRPr>
-            </a:pPr>
-            <a:r>
-              <a:t>JavaScript is what you are actually going to execute (either in the browser or on the server)</a:t>
-            </a:r>
-          </a:p>
-          <a:p>
-            <a:pPr defTabSz="457200">
-              <a:lnSpc>
-                <a:spcPts val="5600"/>
-              </a:lnSpc>
-              <a:spcBef>
-                <a:spcPts val="0"/>
-              </a:spcBef>
-              <a:defRPr>
-                <a:solidFill>
-                  <a:srgbClr val="333333"/>
-                </a:solidFill>
-              </a:defRPr>
-            </a:pPr>
-          </a:p>
-          <a:p>
-            <a:pPr marL="0" indent="0" defTabSz="457200">
-              <a:lnSpc>
-                <a:spcPts val="5600"/>
-              </a:lnSpc>
-              <a:spcBef>
-                <a:spcPts val="1300"/>
-              </a:spcBef>
-              <a:buSzTx/>
-              <a:buNone/>
-              <a:defRPr>
-                <a:solidFill>
-                  <a:srgbClr val="333333"/>
-                </a:solidFill>
-              </a:defRPr>
-            </a:pPr>
-            <a:r>
-              <a:t>There are two main goals of TypeScript:</a:t>
-            </a:r>
-          </a:p>
-          <a:p>
-            <a:pPr marL="457200" indent="-457200" defTabSz="457200">
-              <a:lnSpc>
-                <a:spcPts val="5600"/>
-              </a:lnSpc>
-              <a:spcBef>
-                <a:spcPts val="0"/>
-              </a:spcBef>
-              <a:buSzTx/>
-              <a:buNone/>
-              <a:tabLst>
-                <a:tab pos="139700" algn="l"/>
-                <a:tab pos="457200" algn="l"/>
-              </a:tabLst>
-              <a:defRPr i="1">
-                <a:solidFill>
-                  <a:srgbClr val="333333"/>
-                </a:solidFill>
-              </a:defRPr>
-            </a:pPr>
-            <a:r>
-              <a:rPr i="0"/>
-              <a:t>	•	Provide an </a:t>
-            </a:r>
-            <a:r>
-              <a:t>optional type system</a:t>
-            </a:r>
-            <a:r>
-              <a:rPr i="0"/>
-              <a:t> for JavaScript.</a:t>
-            </a:r>
-            <a:endParaRPr i="0"/>
-          </a:p>
-          <a:p>
-            <a:pPr marL="457200" indent="-457200" defTabSz="457200">
-              <a:lnSpc>
-                <a:spcPts val="5600"/>
-              </a:lnSpc>
-              <a:spcBef>
-                <a:spcPts val="0"/>
-              </a:spcBef>
-              <a:buSzTx/>
-              <a:buNone/>
-              <a:tabLst>
-                <a:tab pos="139700" algn="l"/>
-                <a:tab pos="457200" algn="l"/>
-              </a:tabLst>
-              <a:defRPr>
-                <a:solidFill>
-                  <a:srgbClr val="333333"/>
-                </a:solidFill>
-              </a:defRPr>
-            </a:pPr>
-            <a:r>
-              <a:t>	•	Provide planned features from future JavaScript editions to current JavaScript engines</a:t>
-            </a:r>
+            <a:endParaRPr lang="en-US" sz="2000" dirty="0">
+              <a:latin typeface="Calibri" panose="020F0502020204030204" pitchFamily="34" charset="0"/>
+              <a:cs typeface="Calibri" panose="020F0502020204030204" pitchFamily="34" charset="0"/>
+            </a:endParaRPr>
           </a:p>
         </p:txBody>
       </p:sp>
+      <p:pic>
+        <p:nvPicPr>
+          <p:cNvPr id="133" name="DOM_js_72.png" descr="DOM_js_72.png"/>
+          <p:cNvPicPr>
+            <a:picLocks noChangeAspect="1"/>
+          </p:cNvPicPr>
+          <p:nvPr/>
+        </p:nvPicPr>
+        <p:blipFill>
+          <a:blip r:embed="rId2">
+            <a:extLst/>
+          </a:blip>
+          <a:stretch>
+            <a:fillRect/>
+          </a:stretch>
+        </p:blipFill>
+        <p:spPr>
+          <a:xfrm>
+            <a:off x="6834028" y="3780996"/>
+            <a:ext cx="5441677" cy="3906107"/>
+          </a:xfrm>
+          <a:prstGeom prst="rect">
+            <a:avLst/>
+          </a:prstGeom>
+          <a:ln w="12700">
+            <a:miter lim="400000"/>
+          </a:ln>
+        </p:spPr>
+      </p:pic>
     </p:spTree>
+    <p:extLst>
+      <p:ext uri="{BB962C8B-B14F-4D97-AF65-F5344CB8AC3E}">
+        <p14:creationId xmlns:p14="http://schemas.microsoft.com/office/powerpoint/2010/main" val="3055337420"/>
+      </p:ext>
+    </p:extLst>
   </p:cSld>
   <p:clrMapOvr>
     <a:masterClrMapping/>
   </p:clrMapOvr>
-  <p:transition xmlns:p14="http://schemas.microsoft.com/office/powerpoint/2010/main" spd="med" advClick="1"/>
+  <p:transition spd="med"/>
 </p:sld>
 </file>
 
 <file path=ppt/slides/slide6.xml><?xml version="1.0" encoding="utf-8"?>
-<p:sld xmlns:a="http://schemas.openxmlformats.org/drawingml/2006/main" xmlns:r="http://schemas.openxmlformats.org/officeDocument/2006/relationships" xmlns:p="http://schemas.openxmlformats.org/presentationml/2006/main" showMasterSp="1" showMasterPhAnim="1">
+<p:sld xmlns:a="http://schemas.openxmlformats.org/drawingml/2006/main" xmlns:r="http://schemas.openxmlformats.org/officeDocument/2006/relationships" xmlns:p="http://schemas.openxmlformats.org/presentationml/2006/main">
   <p:cSld>
     <p:spTree>
       <p:nvGrpSpPr>
@@ -4754,8 +6743,10 @@
       </p:grpSpPr>
       <p:sp>
         <p:nvSpPr>
-          <p:cNvPr id="138" name="The TypeScript type system"/>
-          <p:cNvSpPr txBox="1"/>
+          <p:cNvPr id="131" name="Document Object Model (DOM)"/>
+          <p:cNvSpPr txBox="1">
+            <a:spLocks noGrp="1"/>
+          </p:cNvSpPr>
           <p:nvPr>
             <p:ph type="title"/>
           </p:nvPr>
@@ -4766,40 +6757,44 @@
           </a:prstGeom>
         </p:spPr>
         <p:txBody>
-          <a:bodyPr/>
+          <a:bodyPr>
+            <a:normAutofit/>
+          </a:bodyPr>
           <a:lstStyle>
-            <a:lvl1pPr defTabSz="379475">
-              <a:lnSpc>
-                <a:spcPts val="10100"/>
-              </a:lnSpc>
-              <a:spcBef>
-                <a:spcPts val="1400"/>
-              </a:spcBef>
-              <a:defRPr b="1" sz="6640">
-                <a:solidFill>
-                  <a:srgbClr val="333333"/>
-                </a:solidFill>
-                <a:latin typeface="Helvetica Neue"/>
-                <a:ea typeface="Helvetica Neue"/>
-                <a:cs typeface="Helvetica Neue"/>
-                <a:sym typeface="Helvetica Neue"/>
-              </a:defRPr>
+            <a:lvl1pPr defTabSz="484886">
+              <a:defRPr sz="6640"/>
             </a:lvl1pPr>
           </a:lstStyle>
           <a:p>
-            <a:pPr/>
-            <a:r>
-              <a:t>The TypeScript type system</a:t>
-            </a:r>
+            <a:r>
+              <a:rPr sz="4000" dirty="0">
+                <a:latin typeface="Calibri" panose="020F0502020204030204" pitchFamily="34" charset="0"/>
+                <a:cs typeface="Calibri" panose="020F0502020204030204" pitchFamily="34" charset="0"/>
+              </a:rPr>
+              <a:t>Document Object Model (DOM)</a:t>
+            </a:r>
+            <a:r>
+              <a:rPr lang="en-US" sz="4000" dirty="0">
+                <a:latin typeface="Calibri" panose="020F0502020204030204" pitchFamily="34" charset="0"/>
+                <a:cs typeface="Calibri" panose="020F0502020204030204" pitchFamily="34" charset="0"/>
+              </a:rPr>
+              <a:t>…</a:t>
+            </a:r>
+            <a:endParaRPr sz="4000" dirty="0">
+              <a:latin typeface="Calibri" panose="020F0502020204030204" pitchFamily="34" charset="0"/>
+              <a:cs typeface="Calibri" panose="020F0502020204030204" pitchFamily="34" charset="0"/>
+            </a:endParaRPr>
           </a:p>
         </p:txBody>
       </p:sp>
       <p:sp>
         <p:nvSpPr>
-          <p:cNvPr id="139" name="• Types increase your agility when doing refactoring. It's better for the compiler to catch errors than to have things fail at runtime.…"/>
-          <p:cNvSpPr txBox="1"/>
+          <p:cNvPr id="132" name="Dom connects web pages to scripts or programming languages. Usually that means JavaScript…"/>
+          <p:cNvSpPr txBox="1">
+            <a:spLocks noGrp="1"/>
+          </p:cNvSpPr>
           <p:nvPr>
-            <p:ph type="body" idx="1"/>
+            <p:ph type="body" sz="half" idx="1"/>
           </p:nvPr>
         </p:nvSpPr>
         <p:spPr>
@@ -4808,113 +6803,216 @@
           </a:prstGeom>
         </p:spPr>
         <p:txBody>
-          <a:bodyPr/>
+          <a:bodyPr anchor="t">
+            <a:noAutofit/>
+          </a:bodyPr>
           <a:lstStyle/>
           <a:p>
-            <a:pPr marL="457200" indent="-457200" defTabSz="457200">
+            <a:pPr defTabSz="362204">
+              <a:spcBef>
+                <a:spcPts val="2600"/>
+              </a:spcBef>
+              <a:defRPr sz="1984">
+                <a:latin typeface="Helvetica"/>
+                <a:ea typeface="Helvetica"/>
+                <a:cs typeface="Helvetica"/>
+                <a:sym typeface="Helvetica"/>
+              </a:defRPr>
+            </a:pPr>
+            <a:r>
+              <a:rPr lang="en-US" sz="2000" dirty="0">
+                <a:latin typeface="Calibri" panose="020F0502020204030204" pitchFamily="34" charset="0"/>
+                <a:cs typeface="Calibri" panose="020F0502020204030204" pitchFamily="34" charset="0"/>
+              </a:rPr>
+              <a:t>DOM</a:t>
+            </a:r>
+            <a:r>
+              <a:rPr sz="2000" dirty="0">
+                <a:latin typeface="Calibri" panose="020F0502020204030204" pitchFamily="34" charset="0"/>
+                <a:cs typeface="Calibri" panose="020F0502020204030204" pitchFamily="34" charset="0"/>
+              </a:rPr>
+              <a:t> </a:t>
+            </a:r>
+            <a:r>
+              <a:rPr lang="en-US" sz="2000" dirty="0">
+                <a:latin typeface="Calibri" panose="020F0502020204030204" pitchFamily="34" charset="0"/>
+                <a:cs typeface="Calibri" panose="020F0502020204030204" pitchFamily="34" charset="0"/>
+              </a:rPr>
+              <a:t>is an API that connects</a:t>
+            </a:r>
+            <a:r>
+              <a:rPr sz="2000" dirty="0">
+                <a:latin typeface="Calibri" panose="020F0502020204030204" pitchFamily="34" charset="0"/>
+                <a:cs typeface="Calibri" panose="020F0502020204030204" pitchFamily="34" charset="0"/>
+              </a:rPr>
+              <a:t> web pages to scripts or programming languages</a:t>
+            </a:r>
+            <a:endParaRPr lang="en-US" sz="2000" dirty="0">
+              <a:latin typeface="Calibri" panose="020F0502020204030204" pitchFamily="34" charset="0"/>
+              <a:cs typeface="Calibri" panose="020F0502020204030204" pitchFamily="34" charset="0"/>
+            </a:endParaRPr>
+          </a:p>
+          <a:p>
+            <a:pPr marL="0" indent="0" defTabSz="362204">
+              <a:spcBef>
+                <a:spcPts val="2600"/>
+              </a:spcBef>
+              <a:buNone/>
+              <a:defRPr sz="1984">
+                <a:latin typeface="Helvetica"/>
+                <a:ea typeface="Helvetica"/>
+                <a:cs typeface="Helvetica"/>
+                <a:sym typeface="Helvetica"/>
+              </a:defRPr>
+            </a:pPr>
+            <a:r>
+              <a:rPr lang="en-US" sz="2000" dirty="0">
+                <a:latin typeface="Calibri" panose="020F0502020204030204" pitchFamily="34" charset="0"/>
+                <a:cs typeface="Calibri" panose="020F0502020204030204" pitchFamily="34" charset="0"/>
+              </a:rPr>
+              <a:t>		– Usually that means JavaScript</a:t>
+            </a:r>
+          </a:p>
+          <a:p>
+            <a:pPr marL="275590" indent="-275590" defTabSz="283463">
               <a:lnSpc>
-                <a:spcPts val="5600"/>
+                <a:spcPts val="3200"/>
               </a:lnSpc>
               <a:spcBef>
                 <a:spcPts val="0"/>
               </a:spcBef>
-              <a:buSzTx/>
-              <a:buNone/>
-              <a:tabLst>
-                <a:tab pos="139700" algn="l"/>
-                <a:tab pos="457200" algn="l"/>
-              </a:tabLst>
-              <a:defRPr i="1" sz="1600">
+              <a:defRPr sz="1984">
                 <a:solidFill>
                   <a:srgbClr val="333333"/>
                 </a:solidFill>
+                <a:latin typeface="Helvetica"/>
+                <a:ea typeface="Helvetica"/>
+                <a:cs typeface="Helvetica"/>
+                <a:sym typeface="Helvetica"/>
               </a:defRPr>
             </a:pPr>
             <a:r>
-              <a:rPr i="0"/>
-              <a:t>	</a:t>
-            </a:r>
-            <a:r>
-              <a:rPr i="0" sz="3200"/>
-              <a:t>•	Types increase your agility when doing refactoring. </a:t>
-            </a:r>
-            <a:r>
-              <a:rPr sz="3200"/>
-              <a:t>It's better for the compiler to catch errors than to have things fail at runtime</a:t>
-            </a:r>
-            <a:r>
-              <a:rPr i="0" sz="3200"/>
-              <a:t>.</a:t>
-            </a:r>
-            <a:endParaRPr i="0" sz="3200"/>
-          </a:p>
-          <a:p>
-            <a:pPr marL="457200" indent="-457200" defTabSz="457200">
+              <a:rPr lang="en-US" sz="2000" dirty="0">
+                <a:latin typeface="Calibri" panose="020F0502020204030204" pitchFamily="34" charset="0"/>
+                <a:cs typeface="Calibri" panose="020F0502020204030204" pitchFamily="34" charset="0"/>
+              </a:rPr>
+              <a:t>The DOM model represents a document with a logical tree</a:t>
+            </a:r>
+          </a:p>
+          <a:p>
+            <a:pPr marL="275590" indent="-275590" defTabSz="283463">
               <a:lnSpc>
-                <a:spcPts val="3700"/>
+                <a:spcPts val="3200"/>
               </a:lnSpc>
               <a:spcBef>
                 <a:spcPts val="0"/>
               </a:spcBef>
-              <a:buSzTx/>
-              <a:buNone/>
-              <a:tabLst>
-                <a:tab pos="139700" algn="l"/>
-                <a:tab pos="457200" algn="l"/>
-              </a:tabLst>
-              <a:defRPr i="1" sz="1600">
+              <a:defRPr sz="1984">
                 <a:solidFill>
                   <a:srgbClr val="333333"/>
                 </a:solidFill>
+                <a:latin typeface="Helvetica"/>
+                <a:ea typeface="Helvetica"/>
+                <a:cs typeface="Helvetica"/>
+                <a:sym typeface="Helvetica"/>
               </a:defRPr>
             </a:pPr>
-            <a:endParaRPr i="0" sz="3200"/>
-          </a:p>
-          <a:p>
-            <a:pPr marL="457200" indent="-457200" defTabSz="457200">
+            <a:r>
+              <a:rPr lang="en-US" sz="2000" dirty="0">
+                <a:latin typeface="Calibri" panose="020F0502020204030204" pitchFamily="34" charset="0"/>
+                <a:cs typeface="Calibri" panose="020F0502020204030204" pitchFamily="34" charset="0"/>
+              </a:rPr>
+              <a:t>DOM methods allow programmatic access to the tree</a:t>
+            </a:r>
+          </a:p>
+          <a:p>
+            <a:pPr marL="275590" indent="-275590" defTabSz="283463">
               <a:lnSpc>
-                <a:spcPts val="5600"/>
+                <a:spcPts val="3200"/>
               </a:lnSpc>
               <a:spcBef>
                 <a:spcPts val="0"/>
               </a:spcBef>
-              <a:buSzTx/>
-              <a:buNone/>
-              <a:tabLst>
-                <a:tab pos="139700" algn="l"/>
-                <a:tab pos="457200" algn="l"/>
-              </a:tabLst>
-              <a:defRPr i="1">
+              <a:defRPr sz="1984">
                 <a:solidFill>
                   <a:srgbClr val="333333"/>
                 </a:solidFill>
+                <a:latin typeface="Helvetica"/>
+                <a:ea typeface="Helvetica"/>
+                <a:cs typeface="Helvetica"/>
+                <a:sym typeface="Helvetica"/>
               </a:defRPr>
             </a:pPr>
-            <a:r>
-              <a:rPr i="0"/>
-              <a:t>	•	Types are one of the best forms of documentation you can have. </a:t>
-            </a:r>
-            <a:r>
-              <a:t>The function signature is a theorem and the function body is the proof</a:t>
-            </a:r>
-            <a:r>
-              <a:rPr i="0"/>
-              <a:t>.</a:t>
-            </a:r>
+            <a:endParaRPr lang="en-US" sz="2000" dirty="0">
+              <a:latin typeface="Calibri" panose="020F0502020204030204" pitchFamily="34" charset="0"/>
+              <a:cs typeface="Calibri" panose="020F0502020204030204" pitchFamily="34" charset="0"/>
+            </a:endParaRPr>
+          </a:p>
+          <a:p>
+            <a:pPr marL="0" indent="0" defTabSz="362204">
+              <a:spcBef>
+                <a:spcPts val="2600"/>
+              </a:spcBef>
+              <a:buNone/>
+              <a:defRPr sz="1984">
+                <a:latin typeface="Helvetica"/>
+                <a:ea typeface="Helvetica"/>
+                <a:cs typeface="Helvetica"/>
+                <a:sym typeface="Helvetica"/>
+              </a:defRPr>
+            </a:pPr>
+            <a:endParaRPr lang="en-US" sz="2000" dirty="0">
+              <a:latin typeface="Calibri" panose="020F0502020204030204" pitchFamily="34" charset="0"/>
+              <a:cs typeface="Calibri" panose="020F0502020204030204" pitchFamily="34" charset="0"/>
+            </a:endParaRPr>
           </a:p>
         </p:txBody>
       </p:sp>
+      <p:pic>
+        <p:nvPicPr>
+          <p:cNvPr id="133" name="DOM_js_72.png" descr="DOM_js_72.png"/>
+          <p:cNvPicPr>
+            <a:picLocks noChangeAspect="1"/>
+          </p:cNvPicPr>
+          <p:nvPr/>
+        </p:nvPicPr>
+        <p:blipFill>
+          <a:blip r:embed="rId2">
+            <a:extLst/>
+          </a:blip>
+          <a:stretch>
+            <a:fillRect/>
+          </a:stretch>
+        </p:blipFill>
+        <p:spPr>
+          <a:xfrm>
+            <a:off x="6834028" y="3780996"/>
+            <a:ext cx="5441677" cy="3906107"/>
+          </a:xfrm>
+          <a:prstGeom prst="rect">
+            <a:avLst/>
+          </a:prstGeom>
+          <a:ln w="12700">
+            <a:miter lim="400000"/>
+          </a:ln>
+        </p:spPr>
+      </p:pic>
     </p:spTree>
+    <p:extLst>
+      <p:ext uri="{BB962C8B-B14F-4D97-AF65-F5344CB8AC3E}">
+        <p14:creationId xmlns:p14="http://schemas.microsoft.com/office/powerpoint/2010/main" val="2167337261"/>
+      </p:ext>
+    </p:extLst>
   </p:cSld>
   <p:clrMapOvr>
     <a:masterClrMapping/>
   </p:clrMapOvr>
-  <p:transition xmlns:p14="http://schemas.microsoft.com/office/powerpoint/2010/main" spd="med" advClick="1"/>
+  <p:transition spd="med"/>
 </p:sld>
 </file>
 
 <file path=ppt/slides/slide7.xml><?xml version="1.0" encoding="utf-8"?>
-<p:sld xmlns:a="http://schemas.openxmlformats.org/drawingml/2006/main" xmlns:r="http://schemas.openxmlformats.org/officeDocument/2006/relationships" xmlns:p="http://schemas.openxmlformats.org/presentationml/2006/main" showMasterSp="1" showMasterPhAnim="1">
+<p:sld xmlns:a="http://schemas.openxmlformats.org/drawingml/2006/main" xmlns:r="http://schemas.openxmlformats.org/officeDocument/2006/relationships" xmlns:p="http://schemas.openxmlformats.org/presentationml/2006/main">
   <p:cSld>
     <p:spTree>
       <p:nvGrpSpPr>
@@ -4932,8 +7030,10 @@
       </p:grpSpPr>
       <p:sp>
         <p:nvSpPr>
-          <p:cNvPr id="141" name="Types in Typescript"/>
-          <p:cNvSpPr txBox="1"/>
+          <p:cNvPr id="131" name="Document Object Model (DOM)"/>
+          <p:cNvSpPr txBox="1">
+            <a:spLocks noGrp="1"/>
+          </p:cNvSpPr>
           <p:nvPr>
             <p:ph type="title"/>
           </p:nvPr>
@@ -4944,22 +7044,44 @@
           </a:prstGeom>
         </p:spPr>
         <p:txBody>
-          <a:bodyPr/>
-          <a:lstStyle/>
-          <a:p>
-            <a:pPr/>
-            <a:r>
-              <a:t>Types in Typescript</a:t>
-            </a:r>
+          <a:bodyPr>
+            <a:normAutofit/>
+          </a:bodyPr>
+          <a:lstStyle>
+            <a:lvl1pPr defTabSz="484886">
+              <a:defRPr sz="6640"/>
+            </a:lvl1pPr>
+          </a:lstStyle>
+          <a:p>
+            <a:r>
+              <a:rPr sz="4000" dirty="0">
+                <a:latin typeface="Calibri" panose="020F0502020204030204" pitchFamily="34" charset="0"/>
+                <a:cs typeface="Calibri" panose="020F0502020204030204" pitchFamily="34" charset="0"/>
+              </a:rPr>
+              <a:t>Document Object Model (DOM)</a:t>
+            </a:r>
+            <a:r>
+              <a:rPr lang="en-US" sz="4000" dirty="0">
+                <a:latin typeface="Calibri" panose="020F0502020204030204" pitchFamily="34" charset="0"/>
+                <a:cs typeface="Calibri" panose="020F0502020204030204" pitchFamily="34" charset="0"/>
+              </a:rPr>
+              <a:t>….</a:t>
+            </a:r>
+            <a:endParaRPr sz="4000" dirty="0">
+              <a:latin typeface="Calibri" panose="020F0502020204030204" pitchFamily="34" charset="0"/>
+              <a:cs typeface="Calibri" panose="020F0502020204030204" pitchFamily="34" charset="0"/>
+            </a:endParaRPr>
           </a:p>
         </p:txBody>
       </p:sp>
       <p:sp>
         <p:nvSpPr>
-          <p:cNvPr id="142" name="Types can be Implicit…"/>
-          <p:cNvSpPr txBox="1"/>
+          <p:cNvPr id="132" name="Dom connects web pages to scripts or programming languages. Usually that means JavaScript…"/>
+          <p:cNvSpPr txBox="1">
+            <a:spLocks noGrp="1"/>
+          </p:cNvSpPr>
           <p:nvPr>
-            <p:ph type="body" idx="1"/>
+            <p:ph type="body" sz="half" idx="1"/>
           </p:nvPr>
         </p:nvSpPr>
         <p:spPr>
@@ -4968,354 +7090,265 @@
           </a:prstGeom>
         </p:spPr>
         <p:txBody>
-          <a:bodyPr/>
+          <a:bodyPr anchor="t">
+            <a:noAutofit/>
+          </a:bodyPr>
           <a:lstStyle/>
           <a:p>
-            <a:pPr marL="250031" indent="-250031" defTabSz="457200">
+            <a:pPr defTabSz="362204">
+              <a:spcBef>
+                <a:spcPts val="2600"/>
+              </a:spcBef>
+              <a:defRPr sz="1984">
+                <a:latin typeface="Helvetica"/>
+                <a:ea typeface="Helvetica"/>
+                <a:cs typeface="Helvetica"/>
+                <a:sym typeface="Helvetica"/>
+              </a:defRPr>
+            </a:pPr>
+            <a:r>
+              <a:rPr lang="en-US" sz="2000" dirty="0">
+                <a:latin typeface="Calibri" panose="020F0502020204030204" pitchFamily="34" charset="0"/>
+                <a:cs typeface="Calibri" panose="020F0502020204030204" pitchFamily="34" charset="0"/>
+              </a:rPr>
+              <a:t>DOM</a:t>
+            </a:r>
+            <a:r>
+              <a:rPr sz="2000" dirty="0">
+                <a:latin typeface="Calibri" panose="020F0502020204030204" pitchFamily="34" charset="0"/>
+                <a:cs typeface="Calibri" panose="020F0502020204030204" pitchFamily="34" charset="0"/>
+              </a:rPr>
+              <a:t> </a:t>
+            </a:r>
+            <a:r>
+              <a:rPr lang="en-US" sz="2000" dirty="0">
+                <a:latin typeface="Calibri" panose="020F0502020204030204" pitchFamily="34" charset="0"/>
+                <a:cs typeface="Calibri" panose="020F0502020204030204" pitchFamily="34" charset="0"/>
+              </a:rPr>
+              <a:t>is an API that connects</a:t>
+            </a:r>
+            <a:r>
+              <a:rPr sz="2000" dirty="0">
+                <a:latin typeface="Calibri" panose="020F0502020204030204" pitchFamily="34" charset="0"/>
+                <a:cs typeface="Calibri" panose="020F0502020204030204" pitchFamily="34" charset="0"/>
+              </a:rPr>
+              <a:t> web pages to scripts or programming languages</a:t>
+            </a:r>
+            <a:endParaRPr lang="en-US" sz="2000" dirty="0">
+              <a:latin typeface="Calibri" panose="020F0502020204030204" pitchFamily="34" charset="0"/>
+              <a:cs typeface="Calibri" panose="020F0502020204030204" pitchFamily="34" charset="0"/>
+            </a:endParaRPr>
+          </a:p>
+          <a:p>
+            <a:pPr marL="0" indent="0" defTabSz="362204">
+              <a:spcBef>
+                <a:spcPts val="2600"/>
+              </a:spcBef>
+              <a:buNone/>
+              <a:defRPr sz="1984">
+                <a:latin typeface="Helvetica"/>
+                <a:ea typeface="Helvetica"/>
+                <a:cs typeface="Helvetica"/>
+                <a:sym typeface="Helvetica"/>
+              </a:defRPr>
+            </a:pPr>
+            <a:r>
+              <a:rPr lang="en-US" sz="2000" dirty="0">
+                <a:latin typeface="Calibri" panose="020F0502020204030204" pitchFamily="34" charset="0"/>
+                <a:cs typeface="Calibri" panose="020F0502020204030204" pitchFamily="34" charset="0"/>
+              </a:rPr>
+              <a:t>		– Usually that means JavaScript</a:t>
+            </a:r>
+          </a:p>
+          <a:p>
+            <a:pPr marL="275590" indent="-275590" defTabSz="283463">
               <a:lnSpc>
-                <a:spcPts val="6100"/>
+                <a:spcPts val="3200"/>
               </a:lnSpc>
               <a:spcBef>
-                <a:spcPts val="1500"/>
-              </a:spcBef>
-              <a:defRPr b="1">
+                <a:spcPts val="0"/>
+              </a:spcBef>
+              <a:defRPr sz="1984">
                 <a:solidFill>
                   <a:srgbClr val="333333"/>
                 </a:solidFill>
+                <a:latin typeface="Helvetica"/>
+                <a:ea typeface="Helvetica"/>
+                <a:cs typeface="Helvetica"/>
+                <a:sym typeface="Helvetica"/>
               </a:defRPr>
             </a:pPr>
             <a:r>
-              <a:t>Types can be Implicit</a:t>
-            </a:r>
-          </a:p>
-          <a:p>
-            <a:pPr marL="0" indent="0" defTabSz="457200">
+              <a:rPr lang="en-US" sz="2000" dirty="0">
+                <a:latin typeface="Calibri" panose="020F0502020204030204" pitchFamily="34" charset="0"/>
+                <a:cs typeface="Calibri" panose="020F0502020204030204" pitchFamily="34" charset="0"/>
+              </a:rPr>
+              <a:t>The DOM model represents a document with a logical tree</a:t>
+            </a:r>
+          </a:p>
+          <a:p>
+            <a:pPr marL="275590" indent="-275590" defTabSz="283463">
               <a:lnSpc>
-                <a:spcPts val="5400"/>
+                <a:spcPts val="3200"/>
               </a:lnSpc>
               <a:spcBef>
                 <a:spcPts val="0"/>
               </a:spcBef>
-              <a:buSzTx/>
-              <a:buNone/>
-              <a:defRPr>
+              <a:defRPr sz="1984">
                 <a:solidFill>
                   <a:srgbClr val="333333"/>
                 </a:solidFill>
-                <a:latin typeface="Menlo"/>
-                <a:ea typeface="Menlo"/>
-                <a:cs typeface="Menlo"/>
-                <a:sym typeface="Menlo"/>
+                <a:latin typeface="Helvetica"/>
+                <a:ea typeface="Helvetica"/>
+                <a:cs typeface="Helvetica"/>
+                <a:sym typeface="Helvetica"/>
               </a:defRPr>
             </a:pPr>
             <a:r>
-              <a:rPr>
-                <a:solidFill>
-                  <a:srgbClr val="8959A8"/>
-                </a:solidFill>
-              </a:rPr>
-              <a:t>var</a:t>
-            </a:r>
-            <a:r>
-              <a:t> foo = </a:t>
-            </a:r>
-            <a:r>
-              <a:rPr>
-                <a:solidFill>
-                  <a:srgbClr val="F5871F"/>
-                </a:solidFill>
-              </a:rPr>
-              <a:t>123</a:t>
-            </a:r>
-            <a:r>
-              <a:t>;</a:t>
-            </a:r>
-          </a:p>
-          <a:p>
-            <a:pPr marL="0" indent="0" defTabSz="457200">
+              <a:rPr lang="en-US" sz="2000" dirty="0">
+                <a:latin typeface="Calibri" panose="020F0502020204030204" pitchFamily="34" charset="0"/>
+                <a:cs typeface="Calibri" panose="020F0502020204030204" pitchFamily="34" charset="0"/>
+              </a:rPr>
+              <a:t>DOM methods allow programmatic access to the tree</a:t>
+            </a:r>
+          </a:p>
+          <a:p>
+            <a:pPr marL="275590" indent="-275590" defTabSz="283463">
               <a:lnSpc>
-                <a:spcPts val="5400"/>
+                <a:spcPts val="3200"/>
               </a:lnSpc>
               <a:spcBef>
                 <a:spcPts val="0"/>
               </a:spcBef>
-              <a:buSzTx/>
-              <a:buNone/>
-              <a:defRPr>
-                <a:solidFill>
-                  <a:srgbClr val="8E908C"/>
-                </a:solidFill>
-                <a:latin typeface="Menlo"/>
-                <a:ea typeface="Menlo"/>
-                <a:cs typeface="Menlo"/>
-                <a:sym typeface="Menlo"/>
-              </a:defRPr>
-            </a:pPr>
-            <a:r>
-              <a:rPr>
+              <a:defRPr sz="1984">
                 <a:solidFill>
                   <a:srgbClr val="333333"/>
                 </a:solidFill>
-              </a:rPr>
-              <a:t>foo = </a:t>
-            </a:r>
-            <a:r>
-              <a:rPr>
-                <a:solidFill>
-                  <a:srgbClr val="718C00"/>
-                </a:solidFill>
-              </a:rPr>
-              <a:t>'456'</a:t>
-            </a:r>
-            <a:r>
-              <a:rPr>
+                <a:latin typeface="Helvetica"/>
+                <a:ea typeface="Helvetica"/>
+                <a:cs typeface="Helvetica"/>
+                <a:sym typeface="Helvetica"/>
+              </a:defRPr>
+            </a:pPr>
+            <a:r>
+              <a:rPr lang="en-US" sz="2000" dirty="0">
+                <a:latin typeface="Calibri" panose="020F0502020204030204" pitchFamily="34" charset="0"/>
+                <a:cs typeface="Calibri" panose="020F0502020204030204" pitchFamily="34" charset="0"/>
+              </a:rPr>
+              <a:t>Each branch of the tree ends in a node</a:t>
+            </a:r>
+          </a:p>
+          <a:p>
+            <a:pPr marL="275590" indent="-275590" defTabSz="283463">
+              <a:lnSpc>
+                <a:spcPts val="3200"/>
+              </a:lnSpc>
+              <a:spcBef>
+                <a:spcPts val="0"/>
+              </a:spcBef>
+              <a:defRPr sz="1984">
                 <a:solidFill>
                   <a:srgbClr val="333333"/>
                 </a:solidFill>
-              </a:rPr>
-              <a:t>; </a:t>
-            </a:r>
-            <a:r>
-              <a:t>// Error: cannot assign `string` to `number</a:t>
-            </a:r>
-            <a:endParaRPr>
-              <a:solidFill>
-                <a:srgbClr val="333333"/>
-              </a:solidFill>
+                <a:latin typeface="Helvetica"/>
+                <a:ea typeface="Helvetica"/>
+                <a:cs typeface="Helvetica"/>
+                <a:sym typeface="Helvetica"/>
+              </a:defRPr>
+            </a:pPr>
+            <a:endParaRPr lang="en-US" sz="2000" dirty="0">
+              <a:latin typeface="Calibri" panose="020F0502020204030204" pitchFamily="34" charset="0"/>
+              <a:cs typeface="Calibri" panose="020F0502020204030204" pitchFamily="34" charset="0"/>
             </a:endParaRPr>
           </a:p>
           <a:p>
-            <a:pPr marL="0" indent="0" defTabSz="457200">
+            <a:pPr marL="275590" indent="-275590" defTabSz="283463">
               <a:lnSpc>
-                <a:spcPts val="5400"/>
+                <a:spcPts val="3200"/>
               </a:lnSpc>
               <a:spcBef>
                 <a:spcPts val="0"/>
               </a:spcBef>
-              <a:buSzTx/>
-              <a:buNone/>
-              <a:defRPr>
-                <a:solidFill>
-                  <a:srgbClr val="8E908C"/>
-                </a:solidFill>
-                <a:latin typeface="Menlo"/>
-                <a:ea typeface="Menlo"/>
-                <a:cs typeface="Menlo"/>
-                <a:sym typeface="Menlo"/>
-              </a:defRPr>
-            </a:pPr>
-            <a:endParaRPr>
-              <a:solidFill>
-                <a:srgbClr val="333333"/>
-              </a:solidFill>
-            </a:endParaRPr>
-          </a:p>
-          <a:p>
-            <a:pPr marL="250031" indent="-250031" defTabSz="457200">
-              <a:lnSpc>
-                <a:spcPts val="6100"/>
-              </a:lnSpc>
-              <a:spcBef>
-                <a:spcPts val="1500"/>
-              </a:spcBef>
-              <a:defRPr b="1">
+              <a:defRPr sz="1984">
                 <a:solidFill>
                   <a:srgbClr val="333333"/>
                 </a:solidFill>
+                <a:latin typeface="Helvetica"/>
+                <a:ea typeface="Helvetica"/>
+                <a:cs typeface="Helvetica"/>
+                <a:sym typeface="Helvetica"/>
               </a:defRPr>
             </a:pPr>
-            <a:r>
-              <a:t>Types can be Explicit</a:t>
-            </a:r>
-          </a:p>
-          <a:p>
-            <a:pPr marL="0" indent="0" defTabSz="457200">
-              <a:lnSpc>
-                <a:spcPts val="5400"/>
-              </a:lnSpc>
-              <a:spcBef>
-                <a:spcPts val="0"/>
-              </a:spcBef>
-              <a:buSzTx/>
+            <a:endParaRPr lang="en-US" sz="2000" dirty="0">
+              <a:latin typeface="Calibri" panose="020F0502020204030204" pitchFamily="34" charset="0"/>
+              <a:cs typeface="Calibri" panose="020F0502020204030204" pitchFamily="34" charset="0"/>
+            </a:endParaRPr>
+          </a:p>
+          <a:p>
+            <a:pPr marL="0" indent="0" defTabSz="362204">
+              <a:spcBef>
+                <a:spcPts val="2600"/>
+              </a:spcBef>
               <a:buNone/>
-              <a:defRPr>
-                <a:solidFill>
-                  <a:srgbClr val="333333"/>
-                </a:solidFill>
-                <a:latin typeface="Menlo"/>
-                <a:ea typeface="Menlo"/>
-                <a:cs typeface="Menlo"/>
-                <a:sym typeface="Menlo"/>
+              <a:defRPr sz="1984">
+                <a:latin typeface="Helvetica"/>
+                <a:ea typeface="Helvetica"/>
+                <a:cs typeface="Helvetica"/>
+                <a:sym typeface="Helvetica"/>
               </a:defRPr>
             </a:pPr>
-            <a:r>
-              <a:rPr>
-                <a:solidFill>
-                  <a:srgbClr val="8959A8"/>
-                </a:solidFill>
-              </a:rPr>
-              <a:t>var</a:t>
-            </a:r>
-            <a:r>
-              <a:t> foo: </a:t>
-            </a:r>
-            <a:r>
-              <a:rPr>
-                <a:solidFill>
-                  <a:srgbClr val="F5871F"/>
-                </a:solidFill>
-              </a:rPr>
-              <a:t>number</a:t>
-            </a:r>
-            <a:r>
-              <a:t> = </a:t>
-            </a:r>
-            <a:r>
-              <a:rPr>
-                <a:solidFill>
-                  <a:srgbClr val="F5871F"/>
-                </a:solidFill>
-              </a:rPr>
-              <a:t>123</a:t>
-            </a:r>
-            <a:r>
-              <a:t>;</a:t>
-            </a:r>
-          </a:p>
-          <a:p>
-            <a:pPr marL="0" indent="0" defTabSz="457200">
-              <a:lnSpc>
-                <a:spcPts val="5400"/>
-              </a:lnSpc>
-              <a:spcBef>
-                <a:spcPts val="0"/>
-              </a:spcBef>
-              <a:buSzTx/>
-              <a:buNone/>
-              <a:defRPr>
-                <a:solidFill>
-                  <a:srgbClr val="8E908C"/>
-                </a:solidFill>
-                <a:latin typeface="Menlo"/>
-                <a:ea typeface="Menlo"/>
-                <a:cs typeface="Menlo"/>
-                <a:sym typeface="Menlo"/>
-              </a:defRPr>
-            </a:pPr>
-            <a:r>
-              <a:rPr>
-                <a:solidFill>
-                  <a:srgbClr val="8959A8"/>
-                </a:solidFill>
-              </a:rPr>
-              <a:t>var</a:t>
-            </a:r>
-            <a:r>
-              <a:rPr>
-                <a:solidFill>
-                  <a:srgbClr val="333333"/>
-                </a:solidFill>
-              </a:rPr>
-              <a:t> foo: </a:t>
-            </a:r>
-            <a:r>
-              <a:rPr>
-                <a:solidFill>
-                  <a:srgbClr val="F5871F"/>
-                </a:solidFill>
-              </a:rPr>
-              <a:t>number</a:t>
-            </a:r>
-            <a:r>
-              <a:rPr>
-                <a:solidFill>
-                  <a:srgbClr val="333333"/>
-                </a:solidFill>
-              </a:rPr>
-              <a:t> = </a:t>
-            </a:r>
-            <a:r>
-              <a:rPr>
-                <a:solidFill>
-                  <a:srgbClr val="718C00"/>
-                </a:solidFill>
-              </a:rPr>
-              <a:t>'123'</a:t>
-            </a:r>
-            <a:r>
-              <a:rPr>
-                <a:solidFill>
-                  <a:srgbClr val="333333"/>
-                </a:solidFill>
-              </a:rPr>
-              <a:t>; </a:t>
-            </a:r>
-            <a:r>
-              <a:t>// Error: cannot assign a `string` to a `number`</a:t>
-            </a:r>
-            <a:endParaRPr>
-              <a:solidFill>
-                <a:srgbClr val="333333"/>
-              </a:solidFill>
+            <a:endParaRPr lang="en-US" sz="2000" dirty="0">
+              <a:latin typeface="Calibri" panose="020F0502020204030204" pitchFamily="34" charset="0"/>
+              <a:cs typeface="Calibri" panose="020F0502020204030204" pitchFamily="34" charset="0"/>
             </a:endParaRPr>
-          </a:p>
-          <a:p>
-            <a:pPr marL="0" indent="0" defTabSz="457200">
-              <a:lnSpc>
-                <a:spcPts val="5400"/>
-              </a:lnSpc>
-              <a:spcBef>
-                <a:spcPts val="0"/>
-              </a:spcBef>
-              <a:buSzTx/>
-              <a:buNone/>
-              <a:defRPr>
-                <a:solidFill>
-                  <a:srgbClr val="8E908C"/>
-                </a:solidFill>
-                <a:latin typeface="Menlo"/>
-                <a:ea typeface="Menlo"/>
-                <a:cs typeface="Menlo"/>
-                <a:sym typeface="Menlo"/>
-              </a:defRPr>
-            </a:pPr>
-            <a:endParaRPr>
-              <a:solidFill>
-                <a:srgbClr val="333333"/>
-              </a:solidFill>
-            </a:endParaRPr>
-          </a:p>
-          <a:p>
-            <a:pPr marL="250031" indent="-250031" defTabSz="457200">
-              <a:lnSpc>
-                <a:spcPts val="6100"/>
-              </a:lnSpc>
-              <a:spcBef>
-                <a:spcPts val="1500"/>
-              </a:spcBef>
-              <a:defRPr b="1">
-                <a:solidFill>
-                  <a:srgbClr val="333333"/>
-                </a:solidFill>
-              </a:defRPr>
-            </a:pPr>
-            <a:r>
-              <a:t>Types are structural</a:t>
-            </a:r>
           </a:p>
         </p:txBody>
       </p:sp>
+      <p:pic>
+        <p:nvPicPr>
+          <p:cNvPr id="133" name="DOM_js_72.png" descr="DOM_js_72.png"/>
+          <p:cNvPicPr>
+            <a:picLocks noChangeAspect="1"/>
+          </p:cNvPicPr>
+          <p:nvPr/>
+        </p:nvPicPr>
+        <p:blipFill>
+          <a:blip r:embed="rId2">
+            <a:extLst/>
+          </a:blip>
+          <a:stretch>
+            <a:fillRect/>
+          </a:stretch>
+        </p:blipFill>
+        <p:spPr>
+          <a:xfrm>
+            <a:off x="6834028" y="3780996"/>
+            <a:ext cx="5441677" cy="3906107"/>
+          </a:xfrm>
+          <a:prstGeom prst="rect">
+            <a:avLst/>
+          </a:prstGeom>
+          <a:ln w="12700">
+            <a:miter lim="400000"/>
+          </a:ln>
+        </p:spPr>
+      </p:pic>
     </p:spTree>
+    <p:extLst>
+      <p:ext uri="{BB962C8B-B14F-4D97-AF65-F5344CB8AC3E}">
+        <p14:creationId xmlns:p14="http://schemas.microsoft.com/office/powerpoint/2010/main" val="2520257198"/>
+      </p:ext>
+    </p:extLst>
   </p:cSld>
   <p:clrMapOvr>
     <a:masterClrMapping/>
   </p:clrMapOvr>
-  <p:transition xmlns:p14="http://schemas.microsoft.com/office/powerpoint/2010/main" spd="med" advClick="1"/>
+  <p:transition spd="med"/>
 </p:sld>
 </file>
 
 <file path=ppt/slides/slide8.xml><?xml version="1.0" encoding="utf-8"?>
-<p:sld xmlns:a="http://schemas.openxmlformats.org/drawingml/2006/main" xmlns:r="http://schemas.openxmlformats.org/officeDocument/2006/relationships" xmlns:p="http://schemas.openxmlformats.org/presentationml/2006/main" showMasterSp="1" showMasterPhAnim="1">
+<p:sld xmlns:a="http://schemas.openxmlformats.org/drawingml/2006/main" xmlns:r="http://schemas.openxmlformats.org/officeDocument/2006/relationships" xmlns:p="http://schemas.openxmlformats.org/presentationml/2006/main">
   <p:cSld>
     <p:spTree>
       <p:nvGrpSpPr>
@@ -5333,8 +7366,10 @@
       </p:grpSpPr>
       <p:sp>
         <p:nvSpPr>
-          <p:cNvPr id="144" name="Types in Typescript"/>
-          <p:cNvSpPr txBox="1"/>
+          <p:cNvPr id="131" name="Document Object Model (DOM)"/>
+          <p:cNvSpPr txBox="1">
+            <a:spLocks noGrp="1"/>
+          </p:cNvSpPr>
           <p:nvPr>
             <p:ph type="title"/>
           </p:nvPr>
@@ -5345,22 +7380,44 @@
           </a:prstGeom>
         </p:spPr>
         <p:txBody>
-          <a:bodyPr/>
-          <a:lstStyle/>
-          <a:p>
-            <a:pPr/>
-            <a:r>
-              <a:t>Types in Typescript</a:t>
-            </a:r>
+          <a:bodyPr>
+            <a:normAutofit/>
+          </a:bodyPr>
+          <a:lstStyle>
+            <a:lvl1pPr defTabSz="484886">
+              <a:defRPr sz="6640"/>
+            </a:lvl1pPr>
+          </a:lstStyle>
+          <a:p>
+            <a:r>
+              <a:rPr sz="4000" dirty="0">
+                <a:latin typeface="Calibri" panose="020F0502020204030204" pitchFamily="34" charset="0"/>
+                <a:cs typeface="Calibri" panose="020F0502020204030204" pitchFamily="34" charset="0"/>
+              </a:rPr>
+              <a:t>Document Object Model (DOM)</a:t>
+            </a:r>
+            <a:r>
+              <a:rPr lang="en-US" sz="4000" dirty="0">
+                <a:latin typeface="Calibri" panose="020F0502020204030204" pitchFamily="34" charset="0"/>
+                <a:cs typeface="Calibri" panose="020F0502020204030204" pitchFamily="34" charset="0"/>
+              </a:rPr>
+              <a:t>….</a:t>
+            </a:r>
+            <a:endParaRPr sz="4000" dirty="0">
+              <a:latin typeface="Calibri" panose="020F0502020204030204" pitchFamily="34" charset="0"/>
+              <a:cs typeface="Calibri" panose="020F0502020204030204" pitchFamily="34" charset="0"/>
+            </a:endParaRPr>
           </a:p>
         </p:txBody>
       </p:sp>
       <p:sp>
         <p:nvSpPr>
-          <p:cNvPr id="145" name="There are additional types that we don’t have in  languages such as Java and C#…"/>
-          <p:cNvSpPr txBox="1"/>
+          <p:cNvPr id="132" name="Dom connects web pages to scripts or programming languages. Usually that means JavaScript…"/>
+          <p:cNvSpPr txBox="1">
+            <a:spLocks noGrp="1"/>
+          </p:cNvSpPr>
           <p:nvPr>
-            <p:ph type="body" idx="1"/>
+            <p:ph type="body" sz="half" idx="1"/>
           </p:nvPr>
         </p:nvSpPr>
         <p:spPr>
@@ -5369,14 +7426,16 @@
           </a:prstGeom>
         </p:spPr>
         <p:txBody>
-          <a:bodyPr/>
+          <a:bodyPr anchor="t">
+            <a:noAutofit/>
+          </a:bodyPr>
           <a:lstStyle/>
           <a:p>
-            <a:pPr marL="324485" indent="-324485" defTabSz="426466">
-              <a:spcBef>
-                <a:spcPts val="3000"/>
-              </a:spcBef>
-              <a:defRPr sz="2336">
+            <a:pPr defTabSz="362204">
+              <a:spcBef>
+                <a:spcPts val="2600"/>
+              </a:spcBef>
+              <a:defRPr sz="1984">
                 <a:latin typeface="Helvetica"/>
                 <a:ea typeface="Helvetica"/>
                 <a:cs typeface="Helvetica"/>
@@ -5384,15 +7443,45 @@
               </a:defRPr>
             </a:pPr>
             <a:r>
-              <a:t>There are additional types that we don’t have in  languages such as Java and C#</a:t>
-            </a:r>
-          </a:p>
-          <a:p>
-            <a:pPr marL="324485" indent="-324485" defTabSz="426466">
-              <a:spcBef>
-                <a:spcPts val="3000"/>
-              </a:spcBef>
-              <a:defRPr sz="2336" u="sng">
+              <a:rPr lang="en-US" sz="2000" dirty="0">
+                <a:latin typeface="Calibri" panose="020F0502020204030204" pitchFamily="34" charset="0"/>
+                <a:cs typeface="Calibri" panose="020F0502020204030204" pitchFamily="34" charset="0"/>
+              </a:rPr>
+              <a:t>DOM</a:t>
+            </a:r>
+            <a:r>
+              <a:rPr sz="2000" dirty="0">
+                <a:latin typeface="Calibri" panose="020F0502020204030204" pitchFamily="34" charset="0"/>
+                <a:cs typeface="Calibri" panose="020F0502020204030204" pitchFamily="34" charset="0"/>
+              </a:rPr>
+              <a:t> </a:t>
+            </a:r>
+            <a:r>
+              <a:rPr lang="en-US" sz="2000" dirty="0">
+                <a:latin typeface="Calibri" panose="020F0502020204030204" pitchFamily="34" charset="0"/>
+                <a:cs typeface="Calibri" panose="020F0502020204030204" pitchFamily="34" charset="0"/>
+              </a:rPr>
+              <a:t>is an API that connects</a:t>
+            </a:r>
+            <a:r>
+              <a:rPr sz="2000" dirty="0">
+                <a:latin typeface="Calibri" panose="020F0502020204030204" pitchFamily="34" charset="0"/>
+                <a:cs typeface="Calibri" panose="020F0502020204030204" pitchFamily="34" charset="0"/>
+              </a:rPr>
+              <a:t> web pages to scripts or programming languages</a:t>
+            </a:r>
+            <a:endParaRPr lang="en-US" sz="2000" dirty="0">
+              <a:latin typeface="Calibri" panose="020F0502020204030204" pitchFamily="34" charset="0"/>
+              <a:cs typeface="Calibri" panose="020F0502020204030204" pitchFamily="34" charset="0"/>
+            </a:endParaRPr>
+          </a:p>
+          <a:p>
+            <a:pPr marL="0" indent="0" defTabSz="362204">
+              <a:spcBef>
+                <a:spcPts val="2600"/>
+              </a:spcBef>
+              <a:buNone/>
+              <a:defRPr sz="1984">
                 <a:latin typeface="Helvetica"/>
                 <a:ea typeface="Helvetica"/>
                 <a:cs typeface="Helvetica"/>
@@ -5400,154 +7489,251 @@
               </a:defRPr>
             </a:pPr>
             <a:r>
-              <a:t>Union types</a:t>
-            </a:r>
-          </a:p>
-          <a:p>
-            <a:pPr lvl="1" marL="648970" indent="-324485" defTabSz="426466">
-              <a:spcBef>
-                <a:spcPts val="3000"/>
-              </a:spcBef>
-              <a:defRPr sz="2336"/>
-            </a:pPr>
-            <a:r>
-              <a:t>we can join types together, obtaining all values of both types:</a:t>
-            </a:r>
-          </a:p>
-          <a:p>
-            <a:pPr lvl="5" marL="0" indent="834390" defTabSz="426466">
-              <a:spcBef>
-                <a:spcPts val="3000"/>
-              </a:spcBef>
-              <a:buSzTx/>
+              <a:rPr lang="en-US" sz="2000" dirty="0">
+                <a:latin typeface="Calibri" panose="020F0502020204030204" pitchFamily="34" charset="0"/>
+                <a:cs typeface="Calibri" panose="020F0502020204030204" pitchFamily="34" charset="0"/>
+              </a:rPr>
+              <a:t>		– Usually that means JavaScript</a:t>
+            </a:r>
+          </a:p>
+          <a:p>
+            <a:pPr marL="275590" indent="-275590" defTabSz="283463">
+              <a:lnSpc>
+                <a:spcPts val="3200"/>
+              </a:lnSpc>
+              <a:spcBef>
+                <a:spcPts val="0"/>
+              </a:spcBef>
+              <a:defRPr sz="1984">
+                <a:solidFill>
+                  <a:srgbClr val="333333"/>
+                </a:solidFill>
+                <a:latin typeface="Helvetica"/>
+                <a:ea typeface="Helvetica"/>
+                <a:cs typeface="Helvetica"/>
+                <a:sym typeface="Helvetica"/>
+              </a:defRPr>
+            </a:pPr>
+            <a:r>
+              <a:rPr lang="en-US" sz="2000" dirty="0">
+                <a:latin typeface="Calibri" panose="020F0502020204030204" pitchFamily="34" charset="0"/>
+                <a:cs typeface="Calibri" panose="020F0502020204030204" pitchFamily="34" charset="0"/>
+              </a:rPr>
+              <a:t>The DOM model represents a document with a logical tree</a:t>
+            </a:r>
+          </a:p>
+          <a:p>
+            <a:pPr marL="275590" indent="-275590" defTabSz="283463">
+              <a:lnSpc>
+                <a:spcPts val="3200"/>
+              </a:lnSpc>
+              <a:spcBef>
+                <a:spcPts val="0"/>
+              </a:spcBef>
+              <a:defRPr sz="1984">
+                <a:solidFill>
+                  <a:srgbClr val="333333"/>
+                </a:solidFill>
+                <a:latin typeface="Helvetica"/>
+                <a:ea typeface="Helvetica"/>
+                <a:cs typeface="Helvetica"/>
+                <a:sym typeface="Helvetica"/>
+              </a:defRPr>
+            </a:pPr>
+            <a:r>
+              <a:rPr lang="en-US" sz="2000" dirty="0">
+                <a:latin typeface="Calibri" panose="020F0502020204030204" pitchFamily="34" charset="0"/>
+                <a:cs typeface="Calibri" panose="020F0502020204030204" pitchFamily="34" charset="0"/>
+              </a:rPr>
+              <a:t>DOM methods allow programmatic access to the tree</a:t>
+            </a:r>
+          </a:p>
+          <a:p>
+            <a:pPr marL="275590" indent="-275590" defTabSz="283463">
+              <a:lnSpc>
+                <a:spcPts val="3200"/>
+              </a:lnSpc>
+              <a:spcBef>
+                <a:spcPts val="0"/>
+              </a:spcBef>
+              <a:defRPr sz="1984">
+                <a:solidFill>
+                  <a:srgbClr val="333333"/>
+                </a:solidFill>
+                <a:latin typeface="Helvetica"/>
+                <a:ea typeface="Helvetica"/>
+                <a:cs typeface="Helvetica"/>
+                <a:sym typeface="Helvetica"/>
+              </a:defRPr>
+            </a:pPr>
+            <a:r>
+              <a:rPr lang="en-US" sz="2000" dirty="0">
+                <a:latin typeface="Calibri" panose="020F0502020204030204" pitchFamily="34" charset="0"/>
+                <a:cs typeface="Calibri" panose="020F0502020204030204" pitchFamily="34" charset="0"/>
+              </a:rPr>
+              <a:t>Each branch of the tree ends in a node</a:t>
+            </a:r>
+          </a:p>
+          <a:p>
+            <a:pPr marL="275590" indent="-275590" defTabSz="283463">
+              <a:lnSpc>
+                <a:spcPts val="3200"/>
+              </a:lnSpc>
+              <a:spcBef>
+                <a:spcPts val="0"/>
+              </a:spcBef>
+              <a:defRPr sz="1984">
+                <a:solidFill>
+                  <a:srgbClr val="333333"/>
+                </a:solidFill>
+                <a:latin typeface="Helvetica"/>
+                <a:ea typeface="Helvetica"/>
+                <a:cs typeface="Helvetica"/>
+                <a:sym typeface="Helvetica"/>
+              </a:defRPr>
+            </a:pPr>
+            <a:r>
+              <a:rPr lang="en-US" sz="2000" dirty="0">
+                <a:latin typeface="Calibri" panose="020F0502020204030204" pitchFamily="34" charset="0"/>
+                <a:cs typeface="Calibri" panose="020F0502020204030204" pitchFamily="34" charset="0"/>
+              </a:rPr>
+              <a:t>This allows to change document's structure, style or content. </a:t>
+            </a:r>
+          </a:p>
+          <a:p>
+            <a:pPr marL="275590" indent="-275590" defTabSz="283463">
+              <a:lnSpc>
+                <a:spcPts val="3200"/>
+              </a:lnSpc>
+              <a:spcBef>
+                <a:spcPts val="0"/>
+              </a:spcBef>
+              <a:defRPr sz="1984">
+                <a:solidFill>
+                  <a:srgbClr val="333333"/>
+                </a:solidFill>
+                <a:latin typeface="Helvetica"/>
+                <a:ea typeface="Helvetica"/>
+                <a:cs typeface="Helvetica"/>
+                <a:sym typeface="Helvetica"/>
+              </a:defRPr>
+            </a:pPr>
+            <a:endParaRPr lang="en-US" sz="2000" dirty="0">
+              <a:latin typeface="Calibri" panose="020F0502020204030204" pitchFamily="34" charset="0"/>
+              <a:cs typeface="Calibri" panose="020F0502020204030204" pitchFamily="34" charset="0"/>
+            </a:endParaRPr>
+          </a:p>
+          <a:p>
+            <a:pPr marL="275590" indent="-275590" defTabSz="283463">
+              <a:lnSpc>
+                <a:spcPts val="3200"/>
+              </a:lnSpc>
+              <a:spcBef>
+                <a:spcPts val="0"/>
+              </a:spcBef>
+              <a:defRPr sz="1984">
+                <a:solidFill>
+                  <a:srgbClr val="333333"/>
+                </a:solidFill>
+                <a:latin typeface="Helvetica"/>
+                <a:ea typeface="Helvetica"/>
+                <a:cs typeface="Helvetica"/>
+                <a:sym typeface="Helvetica"/>
+              </a:defRPr>
+            </a:pPr>
+            <a:endParaRPr lang="en-US" sz="2000" dirty="0">
+              <a:latin typeface="Calibri" panose="020F0502020204030204" pitchFamily="34" charset="0"/>
+              <a:cs typeface="Calibri" panose="020F0502020204030204" pitchFamily="34" charset="0"/>
+            </a:endParaRPr>
+          </a:p>
+          <a:p>
+            <a:pPr marL="275590" indent="-275590" defTabSz="283463">
+              <a:lnSpc>
+                <a:spcPts val="3200"/>
+              </a:lnSpc>
+              <a:spcBef>
+                <a:spcPts val="0"/>
+              </a:spcBef>
+              <a:defRPr sz="1984">
+                <a:solidFill>
+                  <a:srgbClr val="333333"/>
+                </a:solidFill>
+                <a:latin typeface="Helvetica"/>
+                <a:ea typeface="Helvetica"/>
+                <a:cs typeface="Helvetica"/>
+                <a:sym typeface="Helvetica"/>
+              </a:defRPr>
+            </a:pPr>
+            <a:endParaRPr lang="en-US" sz="2000" dirty="0">
+              <a:latin typeface="Calibri" panose="020F0502020204030204" pitchFamily="34" charset="0"/>
+              <a:cs typeface="Calibri" panose="020F0502020204030204" pitchFamily="34" charset="0"/>
+            </a:endParaRPr>
+          </a:p>
+          <a:p>
+            <a:pPr marL="0" indent="0" defTabSz="362204">
+              <a:spcBef>
+                <a:spcPts val="2600"/>
+              </a:spcBef>
               <a:buNone/>
-              <a:defRPr sz="2336"/>
-            </a:pPr>
-            <a:r>
-              <a:rPr>
-                <a:solidFill>
-                  <a:schemeClr val="accent1">
-                    <a:hueOff val="114395"/>
-                    <a:lumOff val="-24975"/>
-                  </a:schemeClr>
-                </a:solidFill>
-              </a:rPr>
-              <a:t>let</a:t>
-            </a:r>
-            <a:r>
-              <a:t> x1: number | </a:t>
-            </a:r>
-            <a:r>
-              <a:rPr>
-                <a:solidFill>
-                  <a:schemeClr val="accent5">
-                    <a:lumOff val="-29866"/>
-                  </a:schemeClr>
-                </a:solidFill>
-              </a:rPr>
-              <a:t>"loading"</a:t>
-            </a:r>
-            <a:r>
-              <a:t> | </a:t>
-            </a:r>
-            <a:r>
-              <a:rPr>
-                <a:solidFill>
-                  <a:schemeClr val="accent5">
-                    <a:lumOff val="-29866"/>
-                  </a:schemeClr>
-                </a:solidFill>
-              </a:rPr>
-              <a:t>"error" </a:t>
-            </a:r>
-            <a:r>
-              <a:t>= </a:t>
-            </a:r>
-            <a:r>
-              <a:rPr>
-                <a:solidFill>
-                  <a:schemeClr val="accent5">
-                    <a:lumOff val="-29866"/>
-                  </a:schemeClr>
-                </a:solidFill>
-              </a:rPr>
-              <a:t>"loading"</a:t>
-            </a:r>
-          </a:p>
-          <a:p>
-            <a:pPr lvl="1" marL="648970" indent="-324485" defTabSz="426466">
-              <a:spcBef>
-                <a:spcPts val="3000"/>
-              </a:spcBef>
-              <a:defRPr sz="2336"/>
-            </a:pPr>
-            <a:r>
-              <a:t>we can also join more complex types together</a:t>
-            </a:r>
-          </a:p>
-          <a:p>
-            <a:pPr lvl="5" marL="0" indent="834390" defTabSz="426466">
-              <a:spcBef>
-                <a:spcPts val="3000"/>
-              </a:spcBef>
-              <a:buSzTx/>
-              <a:buNone/>
-              <a:defRPr sz="2336"/>
-            </a:pPr>
-            <a:r>
-              <a:rPr>
-                <a:solidFill>
-                  <a:schemeClr val="accent1">
-                    <a:hueOff val="114395"/>
-                    <a:lumOff val="-24975"/>
-                  </a:schemeClr>
-                </a:solidFill>
-              </a:rPr>
-              <a:t>type</a:t>
-            </a:r>
-            <a:r>
-              <a:t> Person = Student | Teacher</a:t>
-            </a:r>
-          </a:p>
-          <a:p>
-            <a:pPr lvl="1" marL="648970" indent="-324485" defTabSz="426466">
-              <a:spcBef>
-                <a:spcPts val="3000"/>
-              </a:spcBef>
-              <a:defRPr sz="2336"/>
-            </a:pPr>
-            <a:r>
-              <a:t>to recover the original type information, we can use a discriminated union</a:t>
-            </a:r>
-          </a:p>
-          <a:p>
-            <a:pPr marL="324485" indent="-324485" defTabSz="426466">
-              <a:spcBef>
-                <a:spcPts val="3000"/>
-              </a:spcBef>
-              <a:defRPr sz="2336"/>
-            </a:pPr>
-            <a:r>
-              <a:rPr u="sng"/>
-              <a:t>Discriminated union:</a:t>
-            </a:r>
-            <a:r>
-              <a:t> an element allows us to discriminate the specific case of a value</a:t>
-            </a:r>
+              <a:defRPr sz="1984">
+                <a:latin typeface="Helvetica"/>
+                <a:ea typeface="Helvetica"/>
+                <a:cs typeface="Helvetica"/>
+                <a:sym typeface="Helvetica"/>
+              </a:defRPr>
+            </a:pPr>
+            <a:endParaRPr lang="en-US" sz="2000" dirty="0">
+              <a:latin typeface="Calibri" panose="020F0502020204030204" pitchFamily="34" charset="0"/>
+              <a:cs typeface="Calibri" panose="020F0502020204030204" pitchFamily="34" charset="0"/>
+            </a:endParaRPr>
           </a:p>
         </p:txBody>
       </p:sp>
+      <p:pic>
+        <p:nvPicPr>
+          <p:cNvPr id="133" name="DOM_js_72.png" descr="DOM_js_72.png"/>
+          <p:cNvPicPr>
+            <a:picLocks noChangeAspect="1"/>
+          </p:cNvPicPr>
+          <p:nvPr/>
+        </p:nvPicPr>
+        <p:blipFill>
+          <a:blip r:embed="rId2">
+            <a:extLst/>
+          </a:blip>
+          <a:stretch>
+            <a:fillRect/>
+          </a:stretch>
+        </p:blipFill>
+        <p:spPr>
+          <a:xfrm>
+            <a:off x="6834028" y="3780996"/>
+            <a:ext cx="5441677" cy="3906107"/>
+          </a:xfrm>
+          <a:prstGeom prst="rect">
+            <a:avLst/>
+          </a:prstGeom>
+          <a:ln w="12700">
+            <a:miter lim="400000"/>
+          </a:ln>
+        </p:spPr>
+      </p:pic>
     </p:spTree>
+    <p:extLst>
+      <p:ext uri="{BB962C8B-B14F-4D97-AF65-F5344CB8AC3E}">
+        <p14:creationId xmlns:p14="http://schemas.microsoft.com/office/powerpoint/2010/main" val="4044082340"/>
+      </p:ext>
+    </p:extLst>
   </p:cSld>
   <p:clrMapOvr>
     <a:masterClrMapping/>
   </p:clrMapOvr>
-  <p:transition xmlns:p14="http://schemas.microsoft.com/office/powerpoint/2010/main" spd="med" advClick="1"/>
+  <p:transition spd="med"/>
 </p:sld>
 </file>
 
 <file path=ppt/slides/slide9.xml><?xml version="1.0" encoding="utf-8"?>
-<p:sld xmlns:a="http://schemas.openxmlformats.org/drawingml/2006/main" xmlns:r="http://schemas.openxmlformats.org/officeDocument/2006/relationships" xmlns:p="http://schemas.openxmlformats.org/presentationml/2006/main" showMasterSp="1" showMasterPhAnim="1">
+<p:sld xmlns:a="http://schemas.openxmlformats.org/drawingml/2006/main" xmlns:r="http://schemas.openxmlformats.org/officeDocument/2006/relationships" xmlns:p="http://schemas.openxmlformats.org/presentationml/2006/main">
   <p:cSld>
     <p:spTree>
       <p:nvGrpSpPr>
@@ -5565,8 +7751,10 @@
       </p:grpSpPr>
       <p:sp>
         <p:nvSpPr>
-          <p:cNvPr id="147" name="Types in Typescript"/>
-          <p:cNvSpPr txBox="1"/>
+          <p:cNvPr id="131" name="Document Object Model (DOM)"/>
+          <p:cNvSpPr txBox="1">
+            <a:spLocks noGrp="1"/>
+          </p:cNvSpPr>
           <p:nvPr>
             <p:ph type="title"/>
           </p:nvPr>
@@ -5577,22 +7765,44 @@
           </a:prstGeom>
         </p:spPr>
         <p:txBody>
-          <a:bodyPr/>
-          <a:lstStyle/>
-          <a:p>
-            <a:pPr/>
-            <a:r>
-              <a:t>Types in Typescript</a:t>
-            </a:r>
+          <a:bodyPr>
+            <a:normAutofit/>
+          </a:bodyPr>
+          <a:lstStyle>
+            <a:lvl1pPr defTabSz="484886">
+              <a:defRPr sz="6640"/>
+            </a:lvl1pPr>
+          </a:lstStyle>
+          <a:p>
+            <a:r>
+              <a:rPr sz="4000" dirty="0">
+                <a:latin typeface="Calibri" panose="020F0502020204030204" pitchFamily="34" charset="0"/>
+                <a:cs typeface="Calibri" panose="020F0502020204030204" pitchFamily="34" charset="0"/>
+              </a:rPr>
+              <a:t>Document Object Model (DOM)</a:t>
+            </a:r>
+            <a:r>
+              <a:rPr lang="en-US" sz="4000" dirty="0">
+                <a:latin typeface="Calibri" panose="020F0502020204030204" pitchFamily="34" charset="0"/>
+                <a:cs typeface="Calibri" panose="020F0502020204030204" pitchFamily="34" charset="0"/>
+              </a:rPr>
+              <a:t>…..</a:t>
+            </a:r>
+            <a:endParaRPr sz="4000" dirty="0">
+              <a:latin typeface="Calibri" panose="020F0502020204030204" pitchFamily="34" charset="0"/>
+              <a:cs typeface="Calibri" panose="020F0502020204030204" pitchFamily="34" charset="0"/>
+            </a:endParaRPr>
           </a:p>
         </p:txBody>
       </p:sp>
       <p:sp>
         <p:nvSpPr>
-          <p:cNvPr id="148" name="Intersection Types:…"/>
-          <p:cNvSpPr txBox="1"/>
+          <p:cNvPr id="132" name="Dom connects web pages to scripts or programming languages. Usually that means JavaScript…"/>
+          <p:cNvSpPr txBox="1">
+            <a:spLocks noGrp="1"/>
+          </p:cNvSpPr>
           <p:nvPr>
-            <p:ph type="body" idx="1"/>
+            <p:ph type="body" sz="half" idx="1"/>
           </p:nvPr>
         </p:nvSpPr>
         <p:spPr>
@@ -5601,67 +7811,16 @@
           </a:prstGeom>
         </p:spPr>
         <p:txBody>
-          <a:bodyPr/>
+          <a:bodyPr anchor="t">
+            <a:noAutofit/>
+          </a:bodyPr>
           <a:lstStyle/>
           <a:p>
-            <a:pPr>
-              <a:defRPr u="sng"/>
-            </a:pPr>
-            <a:r>
-              <a:t>Intersection Types:</a:t>
-            </a:r>
-          </a:p>
-          <a:p>
-            <a:pPr lvl="1" marL="457200" indent="-228600" defTabSz="457200">
-              <a:lnSpc>
-                <a:spcPts val="5800"/>
-              </a:lnSpc>
-              <a:spcBef>
-                <a:spcPts val="0"/>
-              </a:spcBef>
-              <a:buSzTx/>
-              <a:buNone/>
-              <a:tabLst>
-                <a:tab pos="139700" algn="l"/>
-                <a:tab pos="457200" algn="l"/>
-              </a:tabLst>
-              <a:defRPr sz="1400"/>
-            </a:pPr>
-            <a:r>
-              <a:rPr sz="3200"/>
-              <a:t>	•	</a:t>
-            </a:r>
-            <a:r>
-              <a:rPr sz="3200">
-                <a:latin typeface="Helvetica"/>
-                <a:ea typeface="Helvetica"/>
-                <a:cs typeface="Helvetica"/>
-                <a:sym typeface="Helvetica"/>
-              </a:rPr>
-              <a:t>the same discriminated union can be built by reusing the previously defined types, augmented with intersections;</a:t>
-            </a:r>
-            <a:endParaRPr sz="3200">
-              <a:latin typeface="Helvetica"/>
-              <a:ea typeface="Helvetica"/>
-              <a:cs typeface="Helvetica"/>
-              <a:sym typeface="Helvetica"/>
-            </a:endParaRPr>
-          </a:p>
-          <a:p>
-            <a:pPr lvl="1" marL="457200" indent="-228600" defTabSz="457200">
-              <a:lnSpc>
-                <a:spcPts val="5800"/>
-              </a:lnSpc>
-              <a:spcBef>
-                <a:spcPts val="0"/>
-              </a:spcBef>
-              <a:buSzTx/>
-              <a:buNone/>
-              <a:tabLst>
-                <a:tab pos="139700" algn="l"/>
-                <a:tab pos="457200" algn="l"/>
-              </a:tabLst>
-              <a:defRPr>
+            <a:pPr defTabSz="362204">
+              <a:spcBef>
+                <a:spcPts val="2600"/>
+              </a:spcBef>
+              <a:defRPr sz="1984">
                 <a:latin typeface="Helvetica"/>
                 <a:ea typeface="Helvetica"/>
                 <a:cs typeface="Helvetica"/>
@@ -5669,38 +7828,71 @@
               </a:defRPr>
             </a:pPr>
             <a:r>
-              <a:t>	•	this results in less code, and better intention declaration:</a:t>
-            </a:r>
-          </a:p>
-          <a:p>
-            <a:pPr lvl="3" marL="0" indent="685800" defTabSz="457200">
-              <a:lnSpc>
-                <a:spcPts val="4000"/>
-              </a:lnSpc>
-              <a:spcBef>
-                <a:spcPts val="0"/>
-              </a:spcBef>
-              <a:buSzTx/>
+              <a:rPr lang="en-US" sz="2000" dirty="0">
+                <a:latin typeface="Calibri" panose="020F0502020204030204" pitchFamily="34" charset="0"/>
+                <a:cs typeface="Calibri" panose="020F0502020204030204" pitchFamily="34" charset="0"/>
+              </a:rPr>
+              <a:t>DOM</a:t>
+            </a:r>
+            <a:r>
+              <a:rPr sz="2000" dirty="0">
+                <a:latin typeface="Calibri" panose="020F0502020204030204" pitchFamily="34" charset="0"/>
+                <a:cs typeface="Calibri" panose="020F0502020204030204" pitchFamily="34" charset="0"/>
+              </a:rPr>
+              <a:t> </a:t>
+            </a:r>
+            <a:r>
+              <a:rPr lang="en-US" sz="2000" dirty="0">
+                <a:latin typeface="Calibri" panose="020F0502020204030204" pitchFamily="34" charset="0"/>
+                <a:cs typeface="Calibri" panose="020F0502020204030204" pitchFamily="34" charset="0"/>
+              </a:rPr>
+              <a:t>is an API that connects</a:t>
+            </a:r>
+            <a:r>
+              <a:rPr sz="2000" dirty="0">
+                <a:latin typeface="Calibri" panose="020F0502020204030204" pitchFamily="34" charset="0"/>
+                <a:cs typeface="Calibri" panose="020F0502020204030204" pitchFamily="34" charset="0"/>
+              </a:rPr>
+              <a:t> web pages to scripts or programming languages</a:t>
+            </a:r>
+            <a:endParaRPr lang="en-US" sz="2000" dirty="0">
+              <a:latin typeface="Calibri" panose="020F0502020204030204" pitchFamily="34" charset="0"/>
+              <a:cs typeface="Calibri" panose="020F0502020204030204" pitchFamily="34" charset="0"/>
+            </a:endParaRPr>
+          </a:p>
+          <a:p>
+            <a:pPr marL="0" indent="0" defTabSz="362204">
+              <a:spcBef>
+                <a:spcPts val="2600"/>
+              </a:spcBef>
               <a:buNone/>
-              <a:defRPr sz="2000">
+              <a:defRPr sz="1984">
                 <a:latin typeface="Helvetica"/>
                 <a:ea typeface="Helvetica"/>
                 <a:cs typeface="Helvetica"/>
                 <a:sym typeface="Helvetica"/>
               </a:defRPr>
             </a:pPr>
-          </a:p>
-          <a:p>
-            <a:pPr lvl="3" marL="0" indent="685800" defTabSz="457200">
+            <a:r>
+              <a:rPr lang="en-US" sz="2000" dirty="0">
+                <a:latin typeface="Calibri" panose="020F0502020204030204" pitchFamily="34" charset="0"/>
+                <a:cs typeface="Calibri" panose="020F0502020204030204" pitchFamily="34" charset="0"/>
+              </a:rPr>
+              <a:t>		– Usually that means JavaScript</a:t>
+            </a:r>
+          </a:p>
+          <a:p>
+            <a:pPr marL="275590" indent="-275590" defTabSz="283463">
               <a:lnSpc>
-                <a:spcPts val="4000"/>
+                <a:spcPts val="3200"/>
               </a:lnSpc>
               <a:spcBef>
                 <a:spcPts val="0"/>
               </a:spcBef>
-              <a:buSzTx/>
-              <a:buNone/>
-              <a:defRPr sz="2000">
+              <a:defRPr sz="1984">
+                <a:solidFill>
+                  <a:srgbClr val="333333"/>
+                </a:solidFill>
                 <a:latin typeface="Helvetica"/>
                 <a:ea typeface="Helvetica"/>
                 <a:cs typeface="Helvetica"/>
@@ -5708,59 +7900,251 @@
               </a:defRPr>
             </a:pPr>
             <a:r>
-              <a:rPr>
+              <a:rPr lang="en-US" sz="2000" dirty="0">
+                <a:latin typeface="Calibri" panose="020F0502020204030204" pitchFamily="34" charset="0"/>
+                <a:cs typeface="Calibri" panose="020F0502020204030204" pitchFamily="34" charset="0"/>
+              </a:rPr>
+              <a:t>The DOM model represents a document with a logical tree</a:t>
+            </a:r>
+          </a:p>
+          <a:p>
+            <a:pPr marL="275590" indent="-275590" defTabSz="283463">
+              <a:lnSpc>
+                <a:spcPts val="3200"/>
+              </a:lnSpc>
+              <a:spcBef>
+                <a:spcPts val="0"/>
+              </a:spcBef>
+              <a:defRPr sz="1984">
                 <a:solidFill>
-                  <a:schemeClr val="accent1">
-                    <a:hueOff val="114395"/>
-                    <a:lumOff val="-24975"/>
-                  </a:schemeClr>
+                  <a:srgbClr val="333333"/>
                 </a:solidFill>
-              </a:rPr>
-              <a:t>type</a:t>
-            </a:r>
-            <a:r>
-              <a:t> Person = Student &amp; { kind: </a:t>
-            </a:r>
-            <a:r>
-              <a:rPr>
+                <a:latin typeface="Helvetica"/>
+                <a:ea typeface="Helvetica"/>
+                <a:cs typeface="Helvetica"/>
+                <a:sym typeface="Helvetica"/>
+              </a:defRPr>
+            </a:pPr>
+            <a:r>
+              <a:rPr lang="en-US" sz="2000" dirty="0">
+                <a:latin typeface="Calibri" panose="020F0502020204030204" pitchFamily="34" charset="0"/>
+                <a:cs typeface="Calibri" panose="020F0502020204030204" pitchFamily="34" charset="0"/>
+              </a:rPr>
+              <a:t>DOM methods allow programmatic access to the tree</a:t>
+            </a:r>
+          </a:p>
+          <a:p>
+            <a:pPr marL="275590" indent="-275590" defTabSz="283463">
+              <a:lnSpc>
+                <a:spcPts val="3200"/>
+              </a:lnSpc>
+              <a:spcBef>
+                <a:spcPts val="0"/>
+              </a:spcBef>
+              <a:defRPr sz="1984">
                 <a:solidFill>
-                  <a:schemeClr val="accent5">
-                    <a:lumOff val="-29866"/>
-                  </a:schemeClr>
+                  <a:srgbClr val="333333"/>
                 </a:solidFill>
-              </a:rPr>
-              <a:t>"student"</a:t>
-            </a:r>
-            <a:r>
-              <a:t> } | Teacher &amp; { kind: </a:t>
-            </a:r>
-            <a:r>
-              <a:rPr>
+                <a:latin typeface="Helvetica"/>
+                <a:ea typeface="Helvetica"/>
+                <a:cs typeface="Helvetica"/>
+                <a:sym typeface="Helvetica"/>
+              </a:defRPr>
+            </a:pPr>
+            <a:r>
+              <a:rPr lang="en-US" sz="2000" dirty="0">
+                <a:latin typeface="Calibri" panose="020F0502020204030204" pitchFamily="34" charset="0"/>
+                <a:cs typeface="Calibri" panose="020F0502020204030204" pitchFamily="34" charset="0"/>
+              </a:rPr>
+              <a:t>Each branch of the tree ends in a node</a:t>
+            </a:r>
+          </a:p>
+          <a:p>
+            <a:pPr marL="275590" indent="-275590" defTabSz="283463">
+              <a:lnSpc>
+                <a:spcPts val="3200"/>
+              </a:lnSpc>
+              <a:spcBef>
+                <a:spcPts val="0"/>
+              </a:spcBef>
+              <a:defRPr sz="1984">
                 <a:solidFill>
-                  <a:schemeClr val="accent5">
-                    <a:lumOff val="-29866"/>
-                  </a:schemeClr>
+                  <a:srgbClr val="333333"/>
                 </a:solidFill>
-              </a:rPr>
-              <a:t>"teacher" </a:t>
-            </a:r>
-            <a:r>
-              <a:t>}</a:t>
-            </a:r>
+                <a:latin typeface="Helvetica"/>
+                <a:ea typeface="Helvetica"/>
+                <a:cs typeface="Helvetica"/>
+                <a:sym typeface="Helvetica"/>
+              </a:defRPr>
+            </a:pPr>
+            <a:r>
+              <a:rPr lang="en-US" sz="2000" dirty="0">
+                <a:latin typeface="Calibri" panose="020F0502020204030204" pitchFamily="34" charset="0"/>
+                <a:cs typeface="Calibri" panose="020F0502020204030204" pitchFamily="34" charset="0"/>
+              </a:rPr>
+              <a:t>This allows to change document's structure, style or content</a:t>
+            </a:r>
+          </a:p>
+          <a:p>
+            <a:pPr marL="275590" indent="-275590" defTabSz="283463">
+              <a:lnSpc>
+                <a:spcPts val="3200"/>
+              </a:lnSpc>
+              <a:spcBef>
+                <a:spcPts val="0"/>
+              </a:spcBef>
+              <a:defRPr sz="1984">
+                <a:solidFill>
+                  <a:srgbClr val="333333"/>
+                </a:solidFill>
+                <a:latin typeface="Helvetica"/>
+                <a:ea typeface="Helvetica"/>
+                <a:cs typeface="Helvetica"/>
+                <a:sym typeface="Helvetica"/>
+              </a:defRPr>
+            </a:pPr>
+            <a:r>
+              <a:rPr lang="en-US" sz="2000" dirty="0">
+                <a:latin typeface="Calibri" panose="020F0502020204030204" pitchFamily="34" charset="0"/>
+                <a:cs typeface="Calibri" panose="020F0502020204030204" pitchFamily="34" charset="0"/>
+              </a:rPr>
+              <a:t>Nodes can have event handlers attached to them. </a:t>
+            </a:r>
+          </a:p>
+          <a:p>
+            <a:pPr marL="275590" indent="-275590" defTabSz="283463">
+              <a:lnSpc>
+                <a:spcPts val="3200"/>
+              </a:lnSpc>
+              <a:spcBef>
+                <a:spcPts val="0"/>
+              </a:spcBef>
+              <a:defRPr sz="1984">
+                <a:solidFill>
+                  <a:srgbClr val="333333"/>
+                </a:solidFill>
+                <a:latin typeface="Helvetica"/>
+                <a:ea typeface="Helvetica"/>
+                <a:cs typeface="Helvetica"/>
+                <a:sym typeface="Helvetica"/>
+              </a:defRPr>
+            </a:pPr>
+            <a:endParaRPr lang="en-US" sz="2000" dirty="0">
+              <a:latin typeface="Calibri" panose="020F0502020204030204" pitchFamily="34" charset="0"/>
+              <a:cs typeface="Calibri" panose="020F0502020204030204" pitchFamily="34" charset="0"/>
+            </a:endParaRPr>
+          </a:p>
+          <a:p>
+            <a:pPr marL="275590" indent="-275590" defTabSz="283463">
+              <a:lnSpc>
+                <a:spcPts val="3200"/>
+              </a:lnSpc>
+              <a:spcBef>
+                <a:spcPts val="0"/>
+              </a:spcBef>
+              <a:defRPr sz="1984">
+                <a:solidFill>
+                  <a:srgbClr val="333333"/>
+                </a:solidFill>
+                <a:latin typeface="Helvetica"/>
+                <a:ea typeface="Helvetica"/>
+                <a:cs typeface="Helvetica"/>
+                <a:sym typeface="Helvetica"/>
+              </a:defRPr>
+            </a:pPr>
+            <a:endParaRPr lang="en-US" sz="2000" dirty="0">
+              <a:latin typeface="Calibri" panose="020F0502020204030204" pitchFamily="34" charset="0"/>
+              <a:cs typeface="Calibri" panose="020F0502020204030204" pitchFamily="34" charset="0"/>
+            </a:endParaRPr>
+          </a:p>
+          <a:p>
+            <a:pPr marL="275590" indent="-275590" defTabSz="283463">
+              <a:lnSpc>
+                <a:spcPts val="3200"/>
+              </a:lnSpc>
+              <a:spcBef>
+                <a:spcPts val="0"/>
+              </a:spcBef>
+              <a:defRPr sz="1984">
+                <a:solidFill>
+                  <a:srgbClr val="333333"/>
+                </a:solidFill>
+                <a:latin typeface="Helvetica"/>
+                <a:ea typeface="Helvetica"/>
+                <a:cs typeface="Helvetica"/>
+                <a:sym typeface="Helvetica"/>
+              </a:defRPr>
+            </a:pPr>
+            <a:endParaRPr lang="en-US" sz="2000" dirty="0">
+              <a:latin typeface="Calibri" panose="020F0502020204030204" pitchFamily="34" charset="0"/>
+              <a:cs typeface="Calibri" panose="020F0502020204030204" pitchFamily="34" charset="0"/>
+            </a:endParaRPr>
+          </a:p>
+          <a:p>
+            <a:pPr marL="0" indent="0" defTabSz="362204">
+              <a:spcBef>
+                <a:spcPts val="2600"/>
+              </a:spcBef>
+              <a:buNone/>
+              <a:defRPr sz="1984">
+                <a:latin typeface="Helvetica"/>
+                <a:ea typeface="Helvetica"/>
+                <a:cs typeface="Helvetica"/>
+                <a:sym typeface="Helvetica"/>
+              </a:defRPr>
+            </a:pPr>
+            <a:endParaRPr lang="en-US" sz="2000" dirty="0">
+              <a:latin typeface="Calibri" panose="020F0502020204030204" pitchFamily="34" charset="0"/>
+              <a:cs typeface="Calibri" panose="020F0502020204030204" pitchFamily="34" charset="0"/>
+            </a:endParaRPr>
           </a:p>
         </p:txBody>
       </p:sp>
+      <p:pic>
+        <p:nvPicPr>
+          <p:cNvPr id="133" name="DOM_js_72.png" descr="DOM_js_72.png"/>
+          <p:cNvPicPr>
+            <a:picLocks noChangeAspect="1"/>
+          </p:cNvPicPr>
+          <p:nvPr/>
+        </p:nvPicPr>
+        <p:blipFill>
+          <a:blip r:embed="rId2">
+            <a:extLst/>
+          </a:blip>
+          <a:stretch>
+            <a:fillRect/>
+          </a:stretch>
+        </p:blipFill>
+        <p:spPr>
+          <a:xfrm>
+            <a:off x="6834028" y="3780996"/>
+            <a:ext cx="5441677" cy="3906107"/>
+          </a:xfrm>
+          <a:prstGeom prst="rect">
+            <a:avLst/>
+          </a:prstGeom>
+          <a:ln w="12700">
+            <a:miter lim="400000"/>
+          </a:ln>
+        </p:spPr>
+      </p:pic>
     </p:spTree>
+    <p:extLst>
+      <p:ext uri="{BB962C8B-B14F-4D97-AF65-F5344CB8AC3E}">
+        <p14:creationId xmlns:p14="http://schemas.microsoft.com/office/powerpoint/2010/main" val="3908433945"/>
+      </p:ext>
+    </p:extLst>
   </p:cSld>
   <p:clrMapOvr>
     <a:masterClrMapping/>
   </p:clrMapOvr>
-  <p:transition xmlns:p14="http://schemas.microsoft.com/office/powerpoint/2010/main" spd="med" advClick="1"/>
+  <p:transition spd="med"/>
 </p:sld>
 </file>
 
 <file path=ppt/theme/theme1.xml><?xml version="1.0" encoding="utf-8"?>
-<a:theme xmlns:a="http://schemas.openxmlformats.org/drawingml/2006/main" xmlns:r="http://schemas.openxmlformats.org/officeDocument/2006/relationships" name="White">
+<a:theme xmlns:a="http://schemas.openxmlformats.org/drawingml/2006/main" name="White">
   <a:themeElements>
     <a:clrScheme name="White">
       <a:dk1>
@@ -5959,7 +8343,7 @@
         <a:effectLst/>
         <a:sp3d/>
       </a:spPr>
-      <a:bodyPr rot="0" spcFirstLastPara="1" vertOverflow="overflow" horzOverflow="overflow" vert="horz" wrap="square" lIns="50800" tIns="50800" rIns="50800" bIns="50800" numCol="1" spcCol="38100" rtlCol="0" anchor="ctr" upright="0">
+      <a:bodyPr rot="0" spcFirstLastPara="1" vertOverflow="overflow" horzOverflow="overflow" vert="horz" wrap="square" lIns="50800" tIns="50800" rIns="50800" bIns="50800" numCol="1" spcCol="38100" rtlCol="0" anchor="ctr">
         <a:spAutoFit/>
       </a:bodyPr>
       <a:lstStyle>
@@ -5978,7 +8362,7 @@
           <a:buFontTx/>
           <a:buNone/>
           <a:tabLst/>
-          <a:defRPr b="0" baseline="0" cap="none" i="0" spc="0" strike="noStrike" sz="2200" u="none" kumimoji="0" normalizeH="0">
+          <a:defRPr kumimoji="0" sz="2200" b="0" i="0" u="none" strike="noStrike" cap="none" spc="0" normalizeH="0" baseline="0">
             <a:ln>
               <a:noFill/>
             </a:ln>
@@ -6008,7 +8392,7 @@
           <a:buFontTx/>
           <a:buNone/>
           <a:tabLst/>
-          <a:defRPr b="0" baseline="0" cap="none" i="0" spc="0" strike="noStrike" sz="1800" u="none" kumimoji="0" normalizeH="0">
+          <a:defRPr kumimoji="0" sz="1800" b="0" i="0" u="none" strike="noStrike" cap="none" spc="0" normalizeH="0" baseline="0">
             <a:ln>
               <a:noFill/>
             </a:ln>
@@ -6034,7 +8418,7 @@
           <a:buFontTx/>
           <a:buNone/>
           <a:tabLst/>
-          <a:defRPr b="0" baseline="0" cap="none" i="0" spc="0" strike="noStrike" sz="1800" u="none" kumimoji="0" normalizeH="0">
+          <a:defRPr kumimoji="0" sz="1800" b="0" i="0" u="none" strike="noStrike" cap="none" spc="0" normalizeH="0" baseline="0">
             <a:ln>
               <a:noFill/>
             </a:ln>
@@ -6060,7 +8444,7 @@
           <a:buFontTx/>
           <a:buNone/>
           <a:tabLst/>
-          <a:defRPr b="0" baseline="0" cap="none" i="0" spc="0" strike="noStrike" sz="1800" u="none" kumimoji="0" normalizeH="0">
+          <a:defRPr kumimoji="0" sz="1800" b="0" i="0" u="none" strike="noStrike" cap="none" spc="0" normalizeH="0" baseline="0">
             <a:ln>
               <a:noFill/>
             </a:ln>
@@ -6086,7 +8470,7 @@
           <a:buFontTx/>
           <a:buNone/>
           <a:tabLst/>
-          <a:defRPr b="0" baseline="0" cap="none" i="0" spc="0" strike="noStrike" sz="1800" u="none" kumimoji="0" normalizeH="0">
+          <a:defRPr kumimoji="0" sz="1800" b="0" i="0" u="none" strike="noStrike" cap="none" spc="0" normalizeH="0" baseline="0">
             <a:ln>
               <a:noFill/>
             </a:ln>
@@ -6112,7 +8496,7 @@
           <a:buFontTx/>
           <a:buNone/>
           <a:tabLst/>
-          <a:defRPr b="0" baseline="0" cap="none" i="0" spc="0" strike="noStrike" sz="1800" u="none" kumimoji="0" normalizeH="0">
+          <a:defRPr kumimoji="0" sz="1800" b="0" i="0" u="none" strike="noStrike" cap="none" spc="0" normalizeH="0" baseline="0">
             <a:ln>
               <a:noFill/>
             </a:ln>
@@ -6138,7 +8522,7 @@
           <a:buFontTx/>
           <a:buNone/>
           <a:tabLst/>
-          <a:defRPr b="0" baseline="0" cap="none" i="0" spc="0" strike="noStrike" sz="1800" u="none" kumimoji="0" normalizeH="0">
+          <a:defRPr kumimoji="0" sz="1800" b="0" i="0" u="none" strike="noStrike" cap="none" spc="0" normalizeH="0" baseline="0">
             <a:ln>
               <a:noFill/>
             </a:ln>
@@ -6164,7 +8548,7 @@
           <a:buFontTx/>
           <a:buNone/>
           <a:tabLst/>
-          <a:defRPr b="0" baseline="0" cap="none" i="0" spc="0" strike="noStrike" sz="1800" u="none" kumimoji="0" normalizeH="0">
+          <a:defRPr kumimoji="0" sz="1800" b="0" i="0" u="none" strike="noStrike" cap="none" spc="0" normalizeH="0" baseline="0">
             <a:ln>
               <a:noFill/>
             </a:ln>
@@ -6190,7 +8574,7 @@
           <a:buFontTx/>
           <a:buNone/>
           <a:tabLst/>
-          <a:defRPr b="0" baseline="0" cap="none" i="0" spc="0" strike="noStrike" sz="1800" u="none" kumimoji="0" normalizeH="0">
+          <a:defRPr kumimoji="0" sz="1800" b="0" i="0" u="none" strike="noStrike" cap="none" spc="0" normalizeH="0" baseline="0">
             <a:ln>
               <a:noFill/>
             </a:ln>
@@ -6216,7 +8600,7 @@
           <a:buFontTx/>
           <a:buNone/>
           <a:tabLst/>
-          <a:defRPr b="0" baseline="0" cap="none" i="0" spc="0" strike="noStrike" sz="1800" u="none" kumimoji="0" normalizeH="0">
+          <a:defRPr kumimoji="0" sz="1800" b="0" i="0" u="none" strike="noStrike" cap="none" spc="0" normalizeH="0" baseline="0">
             <a:ln>
               <a:noFill/>
             </a:ln>
@@ -6229,9 +8613,15 @@
         </a:lvl9pPr>
       </a:lstStyle>
       <a:style>
-        <a:lnRef idx="0"/>
-        <a:fillRef idx="0"/>
-        <a:effectRef idx="0"/>
+        <a:lnRef idx="0">
+          <a:scrgbClr r="0" g="0" b="0"/>
+        </a:lnRef>
+        <a:fillRef idx="0">
+          <a:scrgbClr r="0" g="0" b="0"/>
+        </a:fillRef>
+        <a:effectRef idx="0">
+          <a:scrgbClr r="0" g="0" b="0"/>
+        </a:effectRef>
         <a:fontRef idx="none"/>
       </a:style>
     </a:spDef>
@@ -6248,7 +8638,7 @@
         <a:effectLst/>
         <a:sp3d/>
       </a:spPr>
-      <a:bodyPr rot="0" spcFirstLastPara="1" vertOverflow="overflow" horzOverflow="overflow" vert="horz" wrap="square" lIns="91439" tIns="45719" rIns="91439" bIns="45719" numCol="1" spcCol="38100" rtlCol="0" anchor="t" upright="0">
+      <a:bodyPr rot="0" spcFirstLastPara="1" vertOverflow="overflow" horzOverflow="overflow" vert="horz" wrap="square" lIns="91439" tIns="45719" rIns="91439" bIns="45719" numCol="1" spcCol="38100" rtlCol="0" anchor="t">
         <a:noAutofit/>
       </a:bodyPr>
       <a:lstStyle>
@@ -6267,7 +8657,7 @@
           <a:buFontTx/>
           <a:buNone/>
           <a:tabLst/>
-          <a:defRPr b="0" baseline="0" cap="none" i="0" spc="0" strike="noStrike" sz="1800" u="none" kumimoji="0" normalizeH="0">
+          <a:defRPr kumimoji="0" sz="1800" b="0" i="0" u="none" strike="noStrike" cap="none" spc="0" normalizeH="0" baseline="0">
             <a:ln>
               <a:noFill/>
             </a:ln>
@@ -6293,7 +8683,7 @@
           <a:buFontTx/>
           <a:buNone/>
           <a:tabLst/>
-          <a:defRPr b="0" baseline="0" cap="none" i="0" spc="0" strike="noStrike" sz="1800" u="none" kumimoji="0" normalizeH="0">
+          <a:defRPr kumimoji="0" sz="1800" b="0" i="0" u="none" strike="noStrike" cap="none" spc="0" normalizeH="0" baseline="0">
             <a:ln>
               <a:noFill/>
             </a:ln>
@@ -6319,7 +8709,7 @@
           <a:buFontTx/>
           <a:buNone/>
           <a:tabLst/>
-          <a:defRPr b="0" baseline="0" cap="none" i="0" spc="0" strike="noStrike" sz="1800" u="none" kumimoji="0" normalizeH="0">
+          <a:defRPr kumimoji="0" sz="1800" b="0" i="0" u="none" strike="noStrike" cap="none" spc="0" normalizeH="0" baseline="0">
             <a:ln>
               <a:noFill/>
             </a:ln>
@@ -6345,7 +8735,7 @@
           <a:buFontTx/>
           <a:buNone/>
           <a:tabLst/>
-          <a:defRPr b="0" baseline="0" cap="none" i="0" spc="0" strike="noStrike" sz="1800" u="none" kumimoji="0" normalizeH="0">
+          <a:defRPr kumimoji="0" sz="1800" b="0" i="0" u="none" strike="noStrike" cap="none" spc="0" normalizeH="0" baseline="0">
             <a:ln>
               <a:noFill/>
             </a:ln>
@@ -6371,7 +8761,7 @@
           <a:buFontTx/>
           <a:buNone/>
           <a:tabLst/>
-          <a:defRPr b="0" baseline="0" cap="none" i="0" spc="0" strike="noStrike" sz="1800" u="none" kumimoji="0" normalizeH="0">
+          <a:defRPr kumimoji="0" sz="1800" b="0" i="0" u="none" strike="noStrike" cap="none" spc="0" normalizeH="0" baseline="0">
             <a:ln>
               <a:noFill/>
             </a:ln>
@@ -6397,7 +8787,7 @@
           <a:buFontTx/>
           <a:buNone/>
           <a:tabLst/>
-          <a:defRPr b="0" baseline="0" cap="none" i="0" spc="0" strike="noStrike" sz="1800" u="none" kumimoji="0" normalizeH="0">
+          <a:defRPr kumimoji="0" sz="1800" b="0" i="0" u="none" strike="noStrike" cap="none" spc="0" normalizeH="0" baseline="0">
             <a:ln>
               <a:noFill/>
             </a:ln>
@@ -6423,7 +8813,7 @@
           <a:buFontTx/>
           <a:buNone/>
           <a:tabLst/>
-          <a:defRPr b="0" baseline="0" cap="none" i="0" spc="0" strike="noStrike" sz="1800" u="none" kumimoji="0" normalizeH="0">
+          <a:defRPr kumimoji="0" sz="1800" b="0" i="0" u="none" strike="noStrike" cap="none" spc="0" normalizeH="0" baseline="0">
             <a:ln>
               <a:noFill/>
             </a:ln>
@@ -6449,7 +8839,7 @@
           <a:buFontTx/>
           <a:buNone/>
           <a:tabLst/>
-          <a:defRPr b="0" baseline="0" cap="none" i="0" spc="0" strike="noStrike" sz="1800" u="none" kumimoji="0" normalizeH="0">
+          <a:defRPr kumimoji="0" sz="1800" b="0" i="0" u="none" strike="noStrike" cap="none" spc="0" normalizeH="0" baseline="0">
             <a:ln>
               <a:noFill/>
             </a:ln>
@@ -6475,7 +8865,7 @@
           <a:buFontTx/>
           <a:buNone/>
           <a:tabLst/>
-          <a:defRPr b="0" baseline="0" cap="none" i="0" spc="0" strike="noStrike" sz="1800" u="none" kumimoji="0" normalizeH="0">
+          <a:defRPr kumimoji="0" sz="1800" b="0" i="0" u="none" strike="noStrike" cap="none" spc="0" normalizeH="0" baseline="0">
             <a:ln>
               <a:noFill/>
             </a:ln>
@@ -6501,7 +8891,7 @@
           <a:buFontTx/>
           <a:buNone/>
           <a:tabLst/>
-          <a:defRPr b="0" baseline="0" cap="none" i="0" spc="0" strike="noStrike" sz="1800" u="none" kumimoji="0" normalizeH="0">
+          <a:defRPr kumimoji="0" sz="1800" b="0" i="0" u="none" strike="noStrike" cap="none" spc="0" normalizeH="0" baseline="0">
             <a:ln>
               <a:noFill/>
             </a:ln>
@@ -6514,9 +8904,15 @@
         </a:lvl9pPr>
       </a:lstStyle>
       <a:style>
-        <a:lnRef idx="0"/>
-        <a:fillRef idx="0"/>
-        <a:effectRef idx="0"/>
+        <a:lnRef idx="0">
+          <a:scrgbClr r="0" g="0" b="0"/>
+        </a:lnRef>
+        <a:fillRef idx="0">
+          <a:scrgbClr r="0" g="0" b="0"/>
+        </a:fillRef>
+        <a:effectRef idx="0">
+          <a:scrgbClr r="0" g="0" b="0"/>
+        </a:effectRef>
         <a:fontRef idx="none"/>
       </a:style>
     </a:lnDef>
@@ -6530,7 +8926,7 @@
         <a:effectLst/>
         <a:sp3d/>
       </a:spPr>
-      <a:bodyPr rot="0" spcFirstLastPara="1" vertOverflow="overflow" horzOverflow="overflow" vert="horz" wrap="square" lIns="50800" tIns="50800" rIns="50800" bIns="50800" numCol="1" spcCol="38100" rtlCol="0" anchor="ctr" upright="0">
+      <a:bodyPr rot="0" spcFirstLastPara="1" vertOverflow="overflow" horzOverflow="overflow" vert="horz" wrap="square" lIns="50800" tIns="50800" rIns="50800" bIns="50800" numCol="1" spcCol="38100" rtlCol="0" anchor="ctr">
         <a:spAutoFit/>
       </a:bodyPr>
       <a:lstStyle>
@@ -6549,7 +8945,7 @@
           <a:buFontTx/>
           <a:buNone/>
           <a:tabLst/>
-          <a:defRPr b="1" baseline="0" cap="none" i="0" spc="0" strike="noStrike" sz="2400" u="none" kumimoji="0" normalizeH="0">
+          <a:defRPr kumimoji="0" sz="2400" b="1" i="0" u="none" strike="noStrike" cap="none" spc="0" normalizeH="0" baseline="0">
             <a:ln>
               <a:noFill/>
             </a:ln>
@@ -6579,7 +8975,7 @@
           <a:buFontTx/>
           <a:buNone/>
           <a:tabLst/>
-          <a:defRPr b="0" baseline="0" cap="none" i="0" spc="0" strike="noStrike" sz="1800" u="none" kumimoji="0" normalizeH="0">
+          <a:defRPr kumimoji="0" sz="1800" b="0" i="0" u="none" strike="noStrike" cap="none" spc="0" normalizeH="0" baseline="0">
             <a:ln>
               <a:noFill/>
             </a:ln>
@@ -6605,7 +9001,7 @@
           <a:buFontTx/>
           <a:buNone/>
           <a:tabLst/>
-          <a:defRPr b="0" baseline="0" cap="none" i="0" spc="0" strike="noStrike" sz="1800" u="none" kumimoji="0" normalizeH="0">
+          <a:defRPr kumimoji="0" sz="1800" b="0" i="0" u="none" strike="noStrike" cap="none" spc="0" normalizeH="0" baseline="0">
             <a:ln>
               <a:noFill/>
             </a:ln>
@@ -6631,7 +9027,7 @@
           <a:buFontTx/>
           <a:buNone/>
           <a:tabLst/>
-          <a:defRPr b="0" baseline="0" cap="none" i="0" spc="0" strike="noStrike" sz="1800" u="none" kumimoji="0" normalizeH="0">
+          <a:defRPr kumimoji="0" sz="1800" b="0" i="0" u="none" strike="noStrike" cap="none" spc="0" normalizeH="0" baseline="0">
             <a:ln>
               <a:noFill/>
             </a:ln>
@@ -6657,7 +9053,7 @@
           <a:buFontTx/>
           <a:buNone/>
           <a:tabLst/>
-          <a:defRPr b="0" baseline="0" cap="none" i="0" spc="0" strike="noStrike" sz="1800" u="none" kumimoji="0" normalizeH="0">
+          <a:defRPr kumimoji="0" sz="1800" b="0" i="0" u="none" strike="noStrike" cap="none" spc="0" normalizeH="0" baseline="0">
             <a:ln>
               <a:noFill/>
             </a:ln>
@@ -6683,7 +9079,7 @@
           <a:buFontTx/>
           <a:buNone/>
           <a:tabLst/>
-          <a:defRPr b="0" baseline="0" cap="none" i="0" spc="0" strike="noStrike" sz="1800" u="none" kumimoji="0" normalizeH="0">
+          <a:defRPr kumimoji="0" sz="1800" b="0" i="0" u="none" strike="noStrike" cap="none" spc="0" normalizeH="0" baseline="0">
             <a:ln>
               <a:noFill/>
             </a:ln>
@@ -6709,7 +9105,7 @@
           <a:buFontTx/>
           <a:buNone/>
           <a:tabLst/>
-          <a:defRPr b="0" baseline="0" cap="none" i="0" spc="0" strike="noStrike" sz="1800" u="none" kumimoji="0" normalizeH="0">
+          <a:defRPr kumimoji="0" sz="1800" b="0" i="0" u="none" strike="noStrike" cap="none" spc="0" normalizeH="0" baseline="0">
             <a:ln>
               <a:noFill/>
             </a:ln>
@@ -6735,7 +9131,7 @@
           <a:buFontTx/>
           <a:buNone/>
           <a:tabLst/>
-          <a:defRPr b="0" baseline="0" cap="none" i="0" spc="0" strike="noStrike" sz="1800" u="none" kumimoji="0" normalizeH="0">
+          <a:defRPr kumimoji="0" sz="1800" b="0" i="0" u="none" strike="noStrike" cap="none" spc="0" normalizeH="0" baseline="0">
             <a:ln>
               <a:noFill/>
             </a:ln>
@@ -6761,7 +9157,7 @@
           <a:buFontTx/>
           <a:buNone/>
           <a:tabLst/>
-          <a:defRPr b="0" baseline="0" cap="none" i="0" spc="0" strike="noStrike" sz="1800" u="none" kumimoji="0" normalizeH="0">
+          <a:defRPr kumimoji="0" sz="1800" b="0" i="0" u="none" strike="noStrike" cap="none" spc="0" normalizeH="0" baseline="0">
             <a:ln>
               <a:noFill/>
             </a:ln>
@@ -6787,7 +9183,7 @@
           <a:buFontTx/>
           <a:buNone/>
           <a:tabLst/>
-          <a:defRPr b="0" baseline="0" cap="none" i="0" spc="0" strike="noStrike" sz="1800" u="none" kumimoji="0" normalizeH="0">
+          <a:defRPr kumimoji="0" sz="1800" b="0" i="0" u="none" strike="noStrike" cap="none" spc="0" normalizeH="0" baseline="0">
             <a:ln>
               <a:noFill/>
             </a:ln>
@@ -6800,18 +9196,25 @@
         </a:lvl9pPr>
       </a:lstStyle>
       <a:style>
-        <a:lnRef idx="0"/>
-        <a:fillRef idx="0"/>
-        <a:effectRef idx="0"/>
+        <a:lnRef idx="0">
+          <a:scrgbClr r="0" g="0" b="0"/>
+        </a:lnRef>
+        <a:fillRef idx="0">
+          <a:scrgbClr r="0" g="0" b="0"/>
+        </a:fillRef>
+        <a:effectRef idx="0">
+          <a:scrgbClr r="0" g="0" b="0"/>
+        </a:effectRef>
         <a:fontRef idx="none"/>
       </a:style>
     </a:txDef>
   </a:objectDefaults>
+  <a:extraClrSchemeLst/>
 </a:theme>
 </file>
 
 <file path=ppt/theme/theme2.xml><?xml version="1.0" encoding="utf-8"?>
-<a:theme xmlns:a="http://schemas.openxmlformats.org/drawingml/2006/main" xmlns:r="http://schemas.openxmlformats.org/officeDocument/2006/relationships" name="White">
+<a:theme xmlns:a="http://schemas.openxmlformats.org/drawingml/2006/main" name="White">
   <a:themeElements>
     <a:clrScheme name="White">
       <a:dk1>
@@ -7010,7 +9413,7 @@
         <a:effectLst/>
         <a:sp3d/>
       </a:spPr>
-      <a:bodyPr rot="0" spcFirstLastPara="1" vertOverflow="overflow" horzOverflow="overflow" vert="horz" wrap="square" lIns="50800" tIns="50800" rIns="50800" bIns="50800" numCol="1" spcCol="38100" rtlCol="0" anchor="ctr" upright="0">
+      <a:bodyPr rot="0" spcFirstLastPara="1" vertOverflow="overflow" horzOverflow="overflow" vert="horz" wrap="square" lIns="50800" tIns="50800" rIns="50800" bIns="50800" numCol="1" spcCol="38100" rtlCol="0" anchor="ctr">
         <a:spAutoFit/>
       </a:bodyPr>
       <a:lstStyle>
@@ -7029,7 +9432,7 @@
           <a:buFontTx/>
           <a:buNone/>
           <a:tabLst/>
-          <a:defRPr b="0" baseline="0" cap="none" i="0" spc="0" strike="noStrike" sz="2200" u="none" kumimoji="0" normalizeH="0">
+          <a:defRPr kumimoji="0" sz="2200" b="0" i="0" u="none" strike="noStrike" cap="none" spc="0" normalizeH="0" baseline="0">
             <a:ln>
               <a:noFill/>
             </a:ln>
@@ -7059,7 +9462,7 @@
           <a:buFontTx/>
           <a:buNone/>
           <a:tabLst/>
-          <a:defRPr b="0" baseline="0" cap="none" i="0" spc="0" strike="noStrike" sz="1800" u="none" kumimoji="0" normalizeH="0">
+          <a:defRPr kumimoji="0" sz="1800" b="0" i="0" u="none" strike="noStrike" cap="none" spc="0" normalizeH="0" baseline="0">
             <a:ln>
               <a:noFill/>
             </a:ln>
@@ -7085,7 +9488,7 @@
           <a:buFontTx/>
           <a:buNone/>
           <a:tabLst/>
-          <a:defRPr b="0" baseline="0" cap="none" i="0" spc="0" strike="noStrike" sz="1800" u="none" kumimoji="0" normalizeH="0">
+          <a:defRPr kumimoji="0" sz="1800" b="0" i="0" u="none" strike="noStrike" cap="none" spc="0" normalizeH="0" baseline="0">
             <a:ln>
               <a:noFill/>
             </a:ln>
@@ -7111,7 +9514,7 @@
           <a:buFontTx/>
           <a:buNone/>
           <a:tabLst/>
-          <a:defRPr b="0" baseline="0" cap="none" i="0" spc="0" strike="noStrike" sz="1800" u="none" kumimoji="0" normalizeH="0">
+          <a:defRPr kumimoji="0" sz="1800" b="0" i="0" u="none" strike="noStrike" cap="none" spc="0" normalizeH="0" baseline="0">
             <a:ln>
               <a:noFill/>
             </a:ln>
@@ -7137,7 +9540,7 @@
           <a:buFontTx/>
           <a:buNone/>
           <a:tabLst/>
-          <a:defRPr b="0" baseline="0" cap="none" i="0" spc="0" strike="noStrike" sz="1800" u="none" kumimoji="0" normalizeH="0">
+          <a:defRPr kumimoji="0" sz="1800" b="0" i="0" u="none" strike="noStrike" cap="none" spc="0" normalizeH="0" baseline="0">
             <a:ln>
               <a:noFill/>
             </a:ln>
@@ -7163,7 +9566,7 @@
           <a:buFontTx/>
           <a:buNone/>
           <a:tabLst/>
-          <a:defRPr b="0" baseline="0" cap="none" i="0" spc="0" strike="noStrike" sz="1800" u="none" kumimoji="0" normalizeH="0">
+          <a:defRPr kumimoji="0" sz="1800" b="0" i="0" u="none" strike="noStrike" cap="none" spc="0" normalizeH="0" baseline="0">
             <a:ln>
               <a:noFill/>
             </a:ln>
@@ -7189,7 +9592,7 @@
           <a:buFontTx/>
           <a:buNone/>
           <a:tabLst/>
-          <a:defRPr b="0" baseline="0" cap="none" i="0" spc="0" strike="noStrike" sz="1800" u="none" kumimoji="0" normalizeH="0">
+          <a:defRPr kumimoji="0" sz="1800" b="0" i="0" u="none" strike="noStrike" cap="none" spc="0" normalizeH="0" baseline="0">
             <a:ln>
               <a:noFill/>
             </a:ln>
@@ -7215,7 +9618,7 @@
           <a:buFontTx/>
           <a:buNone/>
           <a:tabLst/>
-          <a:defRPr b="0" baseline="0" cap="none" i="0" spc="0" strike="noStrike" sz="1800" u="none" kumimoji="0" normalizeH="0">
+          <a:defRPr kumimoji="0" sz="1800" b="0" i="0" u="none" strike="noStrike" cap="none" spc="0" normalizeH="0" baseline="0">
             <a:ln>
               <a:noFill/>
             </a:ln>
@@ -7241,7 +9644,7 @@
           <a:buFontTx/>
           <a:buNone/>
           <a:tabLst/>
-          <a:defRPr b="0" baseline="0" cap="none" i="0" spc="0" strike="noStrike" sz="1800" u="none" kumimoji="0" normalizeH="0">
+          <a:defRPr kumimoji="0" sz="1800" b="0" i="0" u="none" strike="noStrike" cap="none" spc="0" normalizeH="0" baseline="0">
             <a:ln>
               <a:noFill/>
             </a:ln>
@@ -7267,7 +9670,7 @@
           <a:buFontTx/>
           <a:buNone/>
           <a:tabLst/>
-          <a:defRPr b="0" baseline="0" cap="none" i="0" spc="0" strike="noStrike" sz="1800" u="none" kumimoji="0" normalizeH="0">
+          <a:defRPr kumimoji="0" sz="1800" b="0" i="0" u="none" strike="noStrike" cap="none" spc="0" normalizeH="0" baseline="0">
             <a:ln>
               <a:noFill/>
             </a:ln>
@@ -7280,9 +9683,15 @@
         </a:lvl9pPr>
       </a:lstStyle>
       <a:style>
-        <a:lnRef idx="0"/>
-        <a:fillRef idx="0"/>
-        <a:effectRef idx="0"/>
+        <a:lnRef idx="0">
+          <a:scrgbClr r="0" g="0" b="0"/>
+        </a:lnRef>
+        <a:fillRef idx="0">
+          <a:scrgbClr r="0" g="0" b="0"/>
+        </a:fillRef>
+        <a:effectRef idx="0">
+          <a:scrgbClr r="0" g="0" b="0"/>
+        </a:effectRef>
         <a:fontRef idx="none"/>
       </a:style>
     </a:spDef>
@@ -7299,7 +9708,7 @@
         <a:effectLst/>
         <a:sp3d/>
       </a:spPr>
-      <a:bodyPr rot="0" spcFirstLastPara="1" vertOverflow="overflow" horzOverflow="overflow" vert="horz" wrap="square" lIns="91439" tIns="45719" rIns="91439" bIns="45719" numCol="1" spcCol="38100" rtlCol="0" anchor="t" upright="0">
+      <a:bodyPr rot="0" spcFirstLastPara="1" vertOverflow="overflow" horzOverflow="overflow" vert="horz" wrap="square" lIns="91439" tIns="45719" rIns="91439" bIns="45719" numCol="1" spcCol="38100" rtlCol="0" anchor="t">
         <a:noAutofit/>
       </a:bodyPr>
       <a:lstStyle>
@@ -7318,7 +9727,7 @@
           <a:buFontTx/>
           <a:buNone/>
           <a:tabLst/>
-          <a:defRPr b="0" baseline="0" cap="none" i="0" spc="0" strike="noStrike" sz="1800" u="none" kumimoji="0" normalizeH="0">
+          <a:defRPr kumimoji="0" sz="1800" b="0" i="0" u="none" strike="noStrike" cap="none" spc="0" normalizeH="0" baseline="0">
             <a:ln>
               <a:noFill/>
             </a:ln>
@@ -7344,7 +9753,7 @@
           <a:buFontTx/>
           <a:buNone/>
           <a:tabLst/>
-          <a:defRPr b="0" baseline="0" cap="none" i="0" spc="0" strike="noStrike" sz="1800" u="none" kumimoji="0" normalizeH="0">
+          <a:defRPr kumimoji="0" sz="1800" b="0" i="0" u="none" strike="noStrike" cap="none" spc="0" normalizeH="0" baseline="0">
             <a:ln>
               <a:noFill/>
             </a:ln>
@@ -7370,7 +9779,7 @@
           <a:buFontTx/>
           <a:buNone/>
           <a:tabLst/>
-          <a:defRPr b="0" baseline="0" cap="none" i="0" spc="0" strike="noStrike" sz="1800" u="none" kumimoji="0" normalizeH="0">
+          <a:defRPr kumimoji="0" sz="1800" b="0" i="0" u="none" strike="noStrike" cap="none" spc="0" normalizeH="0" baseline="0">
             <a:ln>
               <a:noFill/>
             </a:ln>
@@ -7396,7 +9805,7 @@
           <a:buFontTx/>
           <a:buNone/>
           <a:tabLst/>
-          <a:defRPr b="0" baseline="0" cap="none" i="0" spc="0" strike="noStrike" sz="1800" u="none" kumimoji="0" normalizeH="0">
+          <a:defRPr kumimoji="0" sz="1800" b="0" i="0" u="none" strike="noStrike" cap="none" spc="0" normalizeH="0" baseline="0">
             <a:ln>
               <a:noFill/>
             </a:ln>
@@ -7422,7 +9831,7 @@
           <a:buFontTx/>
           <a:buNone/>
           <a:tabLst/>
-          <a:defRPr b="0" baseline="0" cap="none" i="0" spc="0" strike="noStrike" sz="1800" u="none" kumimoji="0" normalizeH="0">
+          <a:defRPr kumimoji="0" sz="1800" b="0" i="0" u="none" strike="noStrike" cap="none" spc="0" normalizeH="0" baseline="0">
             <a:ln>
               <a:noFill/>
             </a:ln>
@@ -7448,7 +9857,7 @@
           <a:buFontTx/>
           <a:buNone/>
           <a:tabLst/>
-          <a:defRPr b="0" baseline="0" cap="none" i="0" spc="0" strike="noStrike" sz="1800" u="none" kumimoji="0" normalizeH="0">
+          <a:defRPr kumimoji="0" sz="1800" b="0" i="0" u="none" strike="noStrike" cap="none" spc="0" normalizeH="0" baseline="0">
             <a:ln>
               <a:noFill/>
             </a:ln>
@@ -7474,7 +9883,7 @@
           <a:buFontTx/>
           <a:buNone/>
           <a:tabLst/>
-          <a:defRPr b="0" baseline="0" cap="none" i="0" spc="0" strike="noStrike" sz="1800" u="none" kumimoji="0" normalizeH="0">
+          <a:defRPr kumimoji="0" sz="1800" b="0" i="0" u="none" strike="noStrike" cap="none" spc="0" normalizeH="0" baseline="0">
             <a:ln>
               <a:noFill/>
             </a:ln>
@@ -7500,7 +9909,7 @@
           <a:buFontTx/>
           <a:buNone/>
           <a:tabLst/>
-          <a:defRPr b="0" baseline="0" cap="none" i="0" spc="0" strike="noStrike" sz="1800" u="none" kumimoji="0" normalizeH="0">
+          <a:defRPr kumimoji="0" sz="1800" b="0" i="0" u="none" strike="noStrike" cap="none" spc="0" normalizeH="0" baseline="0">
             <a:ln>
               <a:noFill/>
             </a:ln>
@@ -7526,7 +9935,7 @@
           <a:buFontTx/>
           <a:buNone/>
           <a:tabLst/>
-          <a:defRPr b="0" baseline="0" cap="none" i="0" spc="0" strike="noStrike" sz="1800" u="none" kumimoji="0" normalizeH="0">
+          <a:defRPr kumimoji="0" sz="1800" b="0" i="0" u="none" strike="noStrike" cap="none" spc="0" normalizeH="0" baseline="0">
             <a:ln>
               <a:noFill/>
             </a:ln>
@@ -7552,7 +9961,7 @@
           <a:buFontTx/>
           <a:buNone/>
           <a:tabLst/>
-          <a:defRPr b="0" baseline="0" cap="none" i="0" spc="0" strike="noStrike" sz="1800" u="none" kumimoji="0" normalizeH="0">
+          <a:defRPr kumimoji="0" sz="1800" b="0" i="0" u="none" strike="noStrike" cap="none" spc="0" normalizeH="0" baseline="0">
             <a:ln>
               <a:noFill/>
             </a:ln>
@@ -7565,9 +9974,15 @@
         </a:lvl9pPr>
       </a:lstStyle>
       <a:style>
-        <a:lnRef idx="0"/>
-        <a:fillRef idx="0"/>
-        <a:effectRef idx="0"/>
+        <a:lnRef idx="0">
+          <a:scrgbClr r="0" g="0" b="0"/>
+        </a:lnRef>
+        <a:fillRef idx="0">
+          <a:scrgbClr r="0" g="0" b="0"/>
+        </a:fillRef>
+        <a:effectRef idx="0">
+          <a:scrgbClr r="0" g="0" b="0"/>
+        </a:effectRef>
         <a:fontRef idx="none"/>
       </a:style>
     </a:lnDef>
@@ -7581,7 +9996,7 @@
         <a:effectLst/>
         <a:sp3d/>
       </a:spPr>
-      <a:bodyPr rot="0" spcFirstLastPara="1" vertOverflow="overflow" horzOverflow="overflow" vert="horz" wrap="square" lIns="50800" tIns="50800" rIns="50800" bIns="50800" numCol="1" spcCol="38100" rtlCol="0" anchor="ctr" upright="0">
+      <a:bodyPr rot="0" spcFirstLastPara="1" vertOverflow="overflow" horzOverflow="overflow" vert="horz" wrap="square" lIns="50800" tIns="50800" rIns="50800" bIns="50800" numCol="1" spcCol="38100" rtlCol="0" anchor="ctr">
         <a:spAutoFit/>
       </a:bodyPr>
       <a:lstStyle>
@@ -7600,7 +10015,7 @@
           <a:buFontTx/>
           <a:buNone/>
           <a:tabLst/>
-          <a:defRPr b="1" baseline="0" cap="none" i="0" spc="0" strike="noStrike" sz="2400" u="none" kumimoji="0" normalizeH="0">
+          <a:defRPr kumimoji="0" sz="2400" b="1" i="0" u="none" strike="noStrike" cap="none" spc="0" normalizeH="0" baseline="0">
             <a:ln>
               <a:noFill/>
             </a:ln>
@@ -7630,7 +10045,7 @@
           <a:buFontTx/>
           <a:buNone/>
           <a:tabLst/>
-          <a:defRPr b="0" baseline="0" cap="none" i="0" spc="0" strike="noStrike" sz="1800" u="none" kumimoji="0" normalizeH="0">
+          <a:defRPr kumimoji="0" sz="1800" b="0" i="0" u="none" strike="noStrike" cap="none" spc="0" normalizeH="0" baseline="0">
             <a:ln>
               <a:noFill/>
             </a:ln>
@@ -7656,7 +10071,7 @@
           <a:buFontTx/>
           <a:buNone/>
           <a:tabLst/>
-          <a:defRPr b="0" baseline="0" cap="none" i="0" spc="0" strike="noStrike" sz="1800" u="none" kumimoji="0" normalizeH="0">
+          <a:defRPr kumimoji="0" sz="1800" b="0" i="0" u="none" strike="noStrike" cap="none" spc="0" normalizeH="0" baseline="0">
             <a:ln>
               <a:noFill/>
             </a:ln>
@@ -7682,7 +10097,7 @@
           <a:buFontTx/>
           <a:buNone/>
           <a:tabLst/>
-          <a:defRPr b="0" baseline="0" cap="none" i="0" spc="0" strike="noStrike" sz="1800" u="none" kumimoji="0" normalizeH="0">
+          <a:defRPr kumimoji="0" sz="1800" b="0" i="0" u="none" strike="noStrike" cap="none" spc="0" normalizeH="0" baseline="0">
             <a:ln>
               <a:noFill/>
             </a:ln>
@@ -7708,7 +10123,7 @@
           <a:buFontTx/>
           <a:buNone/>
           <a:tabLst/>
-          <a:defRPr b="0" baseline="0" cap="none" i="0" spc="0" strike="noStrike" sz="1800" u="none" kumimoji="0" normalizeH="0">
+          <a:defRPr kumimoji="0" sz="1800" b="0" i="0" u="none" strike="noStrike" cap="none" spc="0" normalizeH="0" baseline="0">
             <a:ln>
               <a:noFill/>
             </a:ln>
@@ -7734,7 +10149,7 @@
           <a:buFontTx/>
           <a:buNone/>
           <a:tabLst/>
-          <a:defRPr b="0" baseline="0" cap="none" i="0" spc="0" strike="noStrike" sz="1800" u="none" kumimoji="0" normalizeH="0">
+          <a:defRPr kumimoji="0" sz="1800" b="0" i="0" u="none" strike="noStrike" cap="none" spc="0" normalizeH="0" baseline="0">
             <a:ln>
               <a:noFill/>
             </a:ln>
@@ -7760,7 +10175,7 @@
           <a:buFontTx/>
           <a:buNone/>
           <a:tabLst/>
-          <a:defRPr b="0" baseline="0" cap="none" i="0" spc="0" strike="noStrike" sz="1800" u="none" kumimoji="0" normalizeH="0">
+          <a:defRPr kumimoji="0" sz="1800" b="0" i="0" u="none" strike="noStrike" cap="none" spc="0" normalizeH="0" baseline="0">
             <a:ln>
               <a:noFill/>
             </a:ln>
@@ -7786,7 +10201,7 @@
           <a:buFontTx/>
           <a:buNone/>
           <a:tabLst/>
-          <a:defRPr b="0" baseline="0" cap="none" i="0" spc="0" strike="noStrike" sz="1800" u="none" kumimoji="0" normalizeH="0">
+          <a:defRPr kumimoji="0" sz="1800" b="0" i="0" u="none" strike="noStrike" cap="none" spc="0" normalizeH="0" baseline="0">
             <a:ln>
               <a:noFill/>
             </a:ln>
@@ -7812,7 +10227,7 @@
           <a:buFontTx/>
           <a:buNone/>
           <a:tabLst/>
-          <a:defRPr b="0" baseline="0" cap="none" i="0" spc="0" strike="noStrike" sz="1800" u="none" kumimoji="0" normalizeH="0">
+          <a:defRPr kumimoji="0" sz="1800" b="0" i="0" u="none" strike="noStrike" cap="none" spc="0" normalizeH="0" baseline="0">
             <a:ln>
               <a:noFill/>
             </a:ln>
@@ -7838,7 +10253,7 @@
           <a:buFontTx/>
           <a:buNone/>
           <a:tabLst/>
-          <a:defRPr b="0" baseline="0" cap="none" i="0" spc="0" strike="noStrike" sz="1800" u="none" kumimoji="0" normalizeH="0">
+          <a:defRPr kumimoji="0" sz="1800" b="0" i="0" u="none" strike="noStrike" cap="none" spc="0" normalizeH="0" baseline="0">
             <a:ln>
               <a:noFill/>
             </a:ln>
@@ -7851,12 +10266,19 @@
         </a:lvl9pPr>
       </a:lstStyle>
       <a:style>
-        <a:lnRef idx="0"/>
-        <a:fillRef idx="0"/>
-        <a:effectRef idx="0"/>
+        <a:lnRef idx="0">
+          <a:scrgbClr r="0" g="0" b="0"/>
+        </a:lnRef>
+        <a:fillRef idx="0">
+          <a:scrgbClr r="0" g="0" b="0"/>
+        </a:fillRef>
+        <a:effectRef idx="0">
+          <a:scrgbClr r="0" g="0" b="0"/>
+        </a:effectRef>
         <a:fontRef idx="none"/>
       </a:style>
     </a:txDef>
   </a:objectDefaults>
+  <a:extraClrSchemeLst/>
 </a:theme>
 </file>
--- a/Lectures/Lecture5/lesson5.pptx
+++ b/Lectures/Lecture5/lesson5.pptx
@@ -5,24 +5,35 @@
     <p:sldMasterId id="2147483648" r:id="rId1"/>
   </p:sldMasterIdLst>
   <p:notesMasterIdLst>
-    <p:notesMasterId r:id="rId17"/>
+    <p:notesMasterId r:id="rId28"/>
   </p:notesMasterIdLst>
   <p:sldIdLst>
     <p:sldId id="256" r:id="rId2"/>
     <p:sldId id="257" r:id="rId3"/>
     <p:sldId id="258" r:id="rId4"/>
-    <p:sldId id="259" r:id="rId5"/>
-    <p:sldId id="266" r:id="rId6"/>
-    <p:sldId id="267" r:id="rId7"/>
-    <p:sldId id="268" r:id="rId8"/>
-    <p:sldId id="269" r:id="rId9"/>
-    <p:sldId id="270" r:id="rId10"/>
-    <p:sldId id="260" r:id="rId11"/>
-    <p:sldId id="261" r:id="rId12"/>
-    <p:sldId id="262" r:id="rId13"/>
-    <p:sldId id="263" r:id="rId14"/>
-    <p:sldId id="264" r:id="rId15"/>
-    <p:sldId id="265" r:id="rId16"/>
+    <p:sldId id="275" r:id="rId5"/>
+    <p:sldId id="259" r:id="rId6"/>
+    <p:sldId id="266" r:id="rId7"/>
+    <p:sldId id="267" r:id="rId8"/>
+    <p:sldId id="268" r:id="rId9"/>
+    <p:sldId id="269" r:id="rId10"/>
+    <p:sldId id="270" r:id="rId11"/>
+    <p:sldId id="271" r:id="rId12"/>
+    <p:sldId id="276" r:id="rId13"/>
+    <p:sldId id="274" r:id="rId14"/>
+    <p:sldId id="283" r:id="rId15"/>
+    <p:sldId id="260" r:id="rId16"/>
+    <p:sldId id="261" r:id="rId17"/>
+    <p:sldId id="262" r:id="rId18"/>
+    <p:sldId id="277" r:id="rId19"/>
+    <p:sldId id="263" r:id="rId20"/>
+    <p:sldId id="278" r:id="rId21"/>
+    <p:sldId id="279" r:id="rId22"/>
+    <p:sldId id="264" r:id="rId23"/>
+    <p:sldId id="265" r:id="rId24"/>
+    <p:sldId id="280" r:id="rId25"/>
+    <p:sldId id="281" r:id="rId26"/>
+    <p:sldId id="282" r:id="rId27"/>
   </p:sldIdLst>
   <p:sldSz cx="13004800" cy="9753600"/>
   <p:notesSz cx="6858000" cy="9144000"/>
@@ -2160,7 +2171,7 @@
           </a:ln>
           <a:extLst>
             <a:ext uri="{C572A759-6A51-4108-AA02-DFA0A04FC94B}">
-              <ma14:wrappingTextBoxFlag xmlns:ma14="http://schemas.microsoft.com/office/mac/drawingml/2011/main" xmlns="" val="1"/>
+              <ma14:wrappingTextBoxFlag xmlns="" xmlns:ma14="http://schemas.microsoft.com/office/mac/drawingml/2011/main" val="1"/>
             </a:ext>
           </a:extLst>
         </p:spPr>
@@ -2199,7 +2210,7 @@
           </a:ln>
           <a:extLst>
             <a:ext uri="{C572A759-6A51-4108-AA02-DFA0A04FC94B}">
-              <ma14:wrappingTextBoxFlag xmlns:ma14="http://schemas.microsoft.com/office/mac/drawingml/2011/main" xmlns="" val="1"/>
+              <ma14:wrappingTextBoxFlag xmlns="" xmlns:ma14="http://schemas.microsoft.com/office/mac/drawingml/2011/main" val="1"/>
             </a:ext>
           </a:extLst>
         </p:spPr>
@@ -3273,6 +3284,1627 @@
       </p:grpSpPr>
       <p:sp>
         <p:nvSpPr>
+          <p:cNvPr id="131" name="Document Object Model (DOM)"/>
+          <p:cNvSpPr txBox="1">
+            <a:spLocks noGrp="1"/>
+          </p:cNvSpPr>
+          <p:nvPr>
+            <p:ph type="title"/>
+          </p:nvPr>
+        </p:nvSpPr>
+        <p:spPr>
+          <a:prstGeom prst="rect">
+            <a:avLst/>
+          </a:prstGeom>
+        </p:spPr>
+        <p:txBody>
+          <a:bodyPr>
+            <a:normAutofit/>
+          </a:bodyPr>
+          <a:lstStyle>
+            <a:lvl1pPr defTabSz="484886">
+              <a:defRPr sz="6640"/>
+            </a:lvl1pPr>
+          </a:lstStyle>
+          <a:p>
+            <a:r>
+              <a:rPr sz="4000" dirty="0">
+                <a:latin typeface="Calibri" panose="020F0502020204030204" pitchFamily="34" charset="0"/>
+                <a:cs typeface="Calibri" panose="020F0502020204030204" pitchFamily="34" charset="0"/>
+              </a:rPr>
+              <a:t>Document Object Model (DOM)</a:t>
+            </a:r>
+            <a:r>
+              <a:rPr lang="en-US" sz="4000" dirty="0">
+                <a:latin typeface="Calibri" panose="020F0502020204030204" pitchFamily="34" charset="0"/>
+                <a:cs typeface="Calibri" panose="020F0502020204030204" pitchFamily="34" charset="0"/>
+              </a:rPr>
+              <a:t>…..</a:t>
+            </a:r>
+            <a:endParaRPr sz="4000" dirty="0">
+              <a:latin typeface="Calibri" panose="020F0502020204030204" pitchFamily="34" charset="0"/>
+              <a:cs typeface="Calibri" panose="020F0502020204030204" pitchFamily="34" charset="0"/>
+            </a:endParaRPr>
+          </a:p>
+        </p:txBody>
+      </p:sp>
+      <p:sp>
+        <p:nvSpPr>
+          <p:cNvPr id="132" name="Dom connects web pages to scripts or programming languages. Usually that means JavaScript…"/>
+          <p:cNvSpPr txBox="1">
+            <a:spLocks noGrp="1"/>
+          </p:cNvSpPr>
+          <p:nvPr>
+            <p:ph type="body" sz="half" idx="1"/>
+          </p:nvPr>
+        </p:nvSpPr>
+        <p:spPr>
+          <a:prstGeom prst="rect">
+            <a:avLst/>
+          </a:prstGeom>
+        </p:spPr>
+        <p:txBody>
+          <a:bodyPr anchor="t">
+            <a:noAutofit/>
+          </a:bodyPr>
+          <a:lstStyle/>
+          <a:p>
+            <a:pPr defTabSz="362204">
+              <a:lnSpc>
+                <a:spcPct val="150000"/>
+              </a:lnSpc>
+              <a:spcBef>
+                <a:spcPts val="2600"/>
+              </a:spcBef>
+              <a:defRPr sz="1984">
+                <a:latin typeface="Helvetica"/>
+                <a:ea typeface="Helvetica"/>
+                <a:cs typeface="Helvetica"/>
+                <a:sym typeface="Helvetica"/>
+              </a:defRPr>
+            </a:pPr>
+            <a:r>
+              <a:rPr lang="en-US" sz="2000" dirty="0">
+                <a:latin typeface="Calibri" panose="020F0502020204030204" pitchFamily="34" charset="0"/>
+                <a:cs typeface="Calibri" panose="020F0502020204030204" pitchFamily="34" charset="0"/>
+              </a:rPr>
+              <a:t>DOM</a:t>
+            </a:r>
+            <a:r>
+              <a:rPr sz="2000" dirty="0">
+                <a:latin typeface="Calibri" panose="020F0502020204030204" pitchFamily="34" charset="0"/>
+                <a:cs typeface="Calibri" panose="020F0502020204030204" pitchFamily="34" charset="0"/>
+              </a:rPr>
+              <a:t> </a:t>
+            </a:r>
+            <a:r>
+              <a:rPr lang="en-US" sz="2000" dirty="0">
+                <a:latin typeface="Calibri" panose="020F0502020204030204" pitchFamily="34" charset="0"/>
+                <a:cs typeface="Calibri" panose="020F0502020204030204" pitchFamily="34" charset="0"/>
+              </a:rPr>
+              <a:t>is an API that connects</a:t>
+            </a:r>
+            <a:r>
+              <a:rPr sz="2000" dirty="0">
+                <a:latin typeface="Calibri" panose="020F0502020204030204" pitchFamily="34" charset="0"/>
+                <a:cs typeface="Calibri" panose="020F0502020204030204" pitchFamily="34" charset="0"/>
+              </a:rPr>
+              <a:t> web pages to scripts or programming languages</a:t>
+            </a:r>
+            <a:endParaRPr lang="en-US" sz="2000" dirty="0">
+              <a:latin typeface="Calibri" panose="020F0502020204030204" pitchFamily="34" charset="0"/>
+              <a:cs typeface="Calibri" panose="020F0502020204030204" pitchFamily="34" charset="0"/>
+            </a:endParaRPr>
+          </a:p>
+          <a:p>
+            <a:pPr marL="0" indent="0" defTabSz="362204">
+              <a:lnSpc>
+                <a:spcPct val="150000"/>
+              </a:lnSpc>
+              <a:spcBef>
+                <a:spcPts val="2600"/>
+              </a:spcBef>
+              <a:buFontTx/>
+              <a:buNone/>
+              <a:defRPr sz="1984">
+                <a:latin typeface="Helvetica"/>
+                <a:ea typeface="Helvetica"/>
+                <a:cs typeface="Helvetica"/>
+                <a:sym typeface="Helvetica"/>
+              </a:defRPr>
+            </a:pPr>
+            <a:r>
+              <a:rPr lang="en-US" sz="2000" dirty="0">
+                <a:latin typeface="Calibri" panose="020F0502020204030204" pitchFamily="34" charset="0"/>
+                <a:cs typeface="Calibri" panose="020F0502020204030204" pitchFamily="34" charset="0"/>
+              </a:rPr>
+              <a:t>		– Usually that means JavaScript</a:t>
+            </a:r>
+          </a:p>
+          <a:p>
+            <a:pPr marL="275590" indent="-275590" defTabSz="283463">
+              <a:lnSpc>
+                <a:spcPct val="150000"/>
+              </a:lnSpc>
+              <a:spcBef>
+                <a:spcPts val="0"/>
+              </a:spcBef>
+              <a:defRPr sz="1984">
+                <a:solidFill>
+                  <a:srgbClr val="333333"/>
+                </a:solidFill>
+                <a:latin typeface="Helvetica"/>
+                <a:ea typeface="Helvetica"/>
+                <a:cs typeface="Helvetica"/>
+                <a:sym typeface="Helvetica"/>
+              </a:defRPr>
+            </a:pPr>
+            <a:r>
+              <a:rPr lang="en-US" sz="2000" dirty="0">
+                <a:latin typeface="Calibri" panose="020F0502020204030204" pitchFamily="34" charset="0"/>
+                <a:cs typeface="Calibri" panose="020F0502020204030204" pitchFamily="34" charset="0"/>
+              </a:rPr>
+              <a:t>The DOM model represents a document with a logical tree</a:t>
+            </a:r>
+          </a:p>
+          <a:p>
+            <a:pPr marL="275590" indent="-275590" defTabSz="283463">
+              <a:lnSpc>
+                <a:spcPct val="150000"/>
+              </a:lnSpc>
+              <a:spcBef>
+                <a:spcPts val="0"/>
+              </a:spcBef>
+              <a:defRPr sz="1984">
+                <a:solidFill>
+                  <a:srgbClr val="333333"/>
+                </a:solidFill>
+                <a:latin typeface="Helvetica"/>
+                <a:ea typeface="Helvetica"/>
+                <a:cs typeface="Helvetica"/>
+                <a:sym typeface="Helvetica"/>
+              </a:defRPr>
+            </a:pPr>
+            <a:r>
+              <a:rPr lang="en-US" sz="2000" dirty="0">
+                <a:latin typeface="Calibri" panose="020F0502020204030204" pitchFamily="34" charset="0"/>
+                <a:cs typeface="Calibri" panose="020F0502020204030204" pitchFamily="34" charset="0"/>
+              </a:rPr>
+              <a:t>DOM methods allow programmatic access to the tree</a:t>
+            </a:r>
+          </a:p>
+          <a:p>
+            <a:pPr marL="275590" indent="-275590" defTabSz="283463">
+              <a:lnSpc>
+                <a:spcPct val="150000"/>
+              </a:lnSpc>
+              <a:spcBef>
+                <a:spcPts val="0"/>
+              </a:spcBef>
+              <a:defRPr sz="1984">
+                <a:solidFill>
+                  <a:srgbClr val="333333"/>
+                </a:solidFill>
+                <a:latin typeface="Helvetica"/>
+                <a:ea typeface="Helvetica"/>
+                <a:cs typeface="Helvetica"/>
+                <a:sym typeface="Helvetica"/>
+              </a:defRPr>
+            </a:pPr>
+            <a:r>
+              <a:rPr lang="en-US" sz="2000" dirty="0">
+                <a:latin typeface="Calibri" panose="020F0502020204030204" pitchFamily="34" charset="0"/>
+                <a:cs typeface="Calibri" panose="020F0502020204030204" pitchFamily="34" charset="0"/>
+              </a:rPr>
+              <a:t>Each branch of the tree ends in a node</a:t>
+            </a:r>
+          </a:p>
+          <a:p>
+            <a:pPr marL="275590" indent="-275590" defTabSz="283463">
+              <a:lnSpc>
+                <a:spcPct val="150000"/>
+              </a:lnSpc>
+              <a:spcBef>
+                <a:spcPts val="0"/>
+              </a:spcBef>
+              <a:defRPr sz="1984">
+                <a:solidFill>
+                  <a:srgbClr val="333333"/>
+                </a:solidFill>
+                <a:latin typeface="Helvetica"/>
+                <a:ea typeface="Helvetica"/>
+                <a:cs typeface="Helvetica"/>
+                <a:sym typeface="Helvetica"/>
+              </a:defRPr>
+            </a:pPr>
+            <a:r>
+              <a:rPr lang="en-US" sz="2000" dirty="0">
+                <a:latin typeface="Calibri" panose="020F0502020204030204" pitchFamily="34" charset="0"/>
+                <a:cs typeface="Calibri" panose="020F0502020204030204" pitchFamily="34" charset="0"/>
+              </a:rPr>
+              <a:t>This allows to change document's structure, style or content</a:t>
+            </a:r>
+          </a:p>
+          <a:p>
+            <a:pPr marL="275590" indent="-275590" defTabSz="283463">
+              <a:lnSpc>
+                <a:spcPct val="150000"/>
+              </a:lnSpc>
+              <a:spcBef>
+                <a:spcPts val="0"/>
+              </a:spcBef>
+              <a:defRPr sz="1984">
+                <a:solidFill>
+                  <a:srgbClr val="333333"/>
+                </a:solidFill>
+                <a:latin typeface="Helvetica"/>
+                <a:ea typeface="Helvetica"/>
+                <a:cs typeface="Helvetica"/>
+                <a:sym typeface="Helvetica"/>
+              </a:defRPr>
+            </a:pPr>
+            <a:r>
+              <a:rPr lang="en-US" sz="2000" dirty="0">
+                <a:latin typeface="Calibri" panose="020F0502020204030204" pitchFamily="34" charset="0"/>
+                <a:cs typeface="Calibri" panose="020F0502020204030204" pitchFamily="34" charset="0"/>
+              </a:rPr>
+              <a:t>Nodes can have event handlers attached to them. </a:t>
+            </a:r>
+          </a:p>
+          <a:p>
+            <a:pPr marL="275590" indent="-275590" defTabSz="283463">
+              <a:lnSpc>
+                <a:spcPct val="150000"/>
+              </a:lnSpc>
+              <a:spcBef>
+                <a:spcPts val="0"/>
+              </a:spcBef>
+              <a:defRPr sz="1984">
+                <a:solidFill>
+                  <a:srgbClr val="333333"/>
+                </a:solidFill>
+                <a:latin typeface="Helvetica"/>
+                <a:ea typeface="Helvetica"/>
+                <a:cs typeface="Helvetica"/>
+                <a:sym typeface="Helvetica"/>
+              </a:defRPr>
+            </a:pPr>
+            <a:endParaRPr lang="en-US" sz="2000" dirty="0">
+              <a:latin typeface="Calibri" panose="020F0502020204030204" pitchFamily="34" charset="0"/>
+              <a:cs typeface="Calibri" panose="020F0502020204030204" pitchFamily="34" charset="0"/>
+            </a:endParaRPr>
+          </a:p>
+          <a:p>
+            <a:pPr marL="275590" indent="-275590" defTabSz="283463">
+              <a:lnSpc>
+                <a:spcPct val="150000"/>
+              </a:lnSpc>
+              <a:spcBef>
+                <a:spcPts val="0"/>
+              </a:spcBef>
+              <a:defRPr sz="1984">
+                <a:solidFill>
+                  <a:srgbClr val="333333"/>
+                </a:solidFill>
+                <a:latin typeface="Helvetica"/>
+                <a:ea typeface="Helvetica"/>
+                <a:cs typeface="Helvetica"/>
+                <a:sym typeface="Helvetica"/>
+              </a:defRPr>
+            </a:pPr>
+            <a:endParaRPr lang="en-US" sz="2000" dirty="0">
+              <a:latin typeface="Calibri" panose="020F0502020204030204" pitchFamily="34" charset="0"/>
+              <a:cs typeface="Calibri" panose="020F0502020204030204" pitchFamily="34" charset="0"/>
+            </a:endParaRPr>
+          </a:p>
+          <a:p>
+            <a:pPr marL="275590" indent="-275590" defTabSz="283463">
+              <a:lnSpc>
+                <a:spcPct val="150000"/>
+              </a:lnSpc>
+              <a:spcBef>
+                <a:spcPts val="0"/>
+              </a:spcBef>
+              <a:defRPr sz="1984">
+                <a:solidFill>
+                  <a:srgbClr val="333333"/>
+                </a:solidFill>
+                <a:latin typeface="Helvetica"/>
+                <a:ea typeface="Helvetica"/>
+                <a:cs typeface="Helvetica"/>
+                <a:sym typeface="Helvetica"/>
+              </a:defRPr>
+            </a:pPr>
+            <a:endParaRPr lang="en-US" sz="2000" dirty="0">
+              <a:latin typeface="Calibri" panose="020F0502020204030204" pitchFamily="34" charset="0"/>
+              <a:cs typeface="Calibri" panose="020F0502020204030204" pitchFamily="34" charset="0"/>
+            </a:endParaRPr>
+          </a:p>
+          <a:p>
+            <a:pPr marL="0" indent="0" defTabSz="362204">
+              <a:lnSpc>
+                <a:spcPct val="150000"/>
+              </a:lnSpc>
+              <a:spcBef>
+                <a:spcPts val="2600"/>
+              </a:spcBef>
+              <a:buNone/>
+              <a:defRPr sz="1984">
+                <a:latin typeface="Helvetica"/>
+                <a:ea typeface="Helvetica"/>
+                <a:cs typeface="Helvetica"/>
+                <a:sym typeface="Helvetica"/>
+              </a:defRPr>
+            </a:pPr>
+            <a:endParaRPr lang="en-US" sz="2000" dirty="0">
+              <a:latin typeface="Calibri" panose="020F0502020204030204" pitchFamily="34" charset="0"/>
+              <a:cs typeface="Calibri" panose="020F0502020204030204" pitchFamily="34" charset="0"/>
+            </a:endParaRPr>
+          </a:p>
+        </p:txBody>
+      </p:sp>
+      <p:pic>
+        <p:nvPicPr>
+          <p:cNvPr id="133" name="DOM_js_72.png" descr="DOM_js_72.png"/>
+          <p:cNvPicPr>
+            <a:picLocks noChangeAspect="1"/>
+          </p:cNvPicPr>
+          <p:nvPr/>
+        </p:nvPicPr>
+        <p:blipFill>
+          <a:blip r:embed="rId2">
+            <a:extLst/>
+          </a:blip>
+          <a:stretch>
+            <a:fillRect/>
+          </a:stretch>
+        </p:blipFill>
+        <p:spPr>
+          <a:xfrm>
+            <a:off x="6834028" y="3780996"/>
+            <a:ext cx="5441677" cy="3906107"/>
+          </a:xfrm>
+          <a:prstGeom prst="rect">
+            <a:avLst/>
+          </a:prstGeom>
+          <a:ln w="12700">
+            <a:miter lim="400000"/>
+          </a:ln>
+        </p:spPr>
+      </p:pic>
+    </p:spTree>
+    <p:extLst>
+      <p:ext uri="{BB962C8B-B14F-4D97-AF65-F5344CB8AC3E}">
+        <p14:creationId xmlns:p14="http://schemas.microsoft.com/office/powerpoint/2010/main" val="3908433945"/>
+      </p:ext>
+    </p:extLst>
+  </p:cSld>
+  <p:clrMapOvr>
+    <a:masterClrMapping/>
+  </p:clrMapOvr>
+  <p:transition spd="med"/>
+</p:sld>
+</file>
+
+<file path=ppt/slides/slide11.xml><?xml version="1.0" encoding="utf-8"?>
+<p:sld xmlns:a="http://schemas.openxmlformats.org/drawingml/2006/main" xmlns:r="http://schemas.openxmlformats.org/officeDocument/2006/relationships" xmlns:p="http://schemas.openxmlformats.org/presentationml/2006/main">
+  <p:cSld>
+    <p:spTree>
+      <p:nvGrpSpPr>
+        <p:cNvPr id="1" name=""/>
+        <p:cNvGrpSpPr/>
+        <p:nvPr/>
+      </p:nvGrpSpPr>
+      <p:grpSpPr>
+        <a:xfrm>
+          <a:off x="0" y="0"/>
+          <a:ext cx="0" cy="0"/>
+          <a:chOff x="0" y="0"/>
+          <a:chExt cx="0" cy="0"/>
+        </a:xfrm>
+      </p:grpSpPr>
+      <p:sp>
+        <p:nvSpPr>
+          <p:cNvPr id="5" name="Title 4">
+            <a:extLst>
+              <a:ext uri="{FF2B5EF4-FFF2-40B4-BE49-F238E27FC236}">
+                <a16:creationId xmlns:a16="http://schemas.microsoft.com/office/drawing/2014/main" id="{B5B47666-51E4-6F4E-8E54-4C44DA8215C4}"/>
+              </a:ext>
+            </a:extLst>
+          </p:cNvPr>
+          <p:cNvSpPr>
+            <a:spLocks noGrp="1"/>
+          </p:cNvSpPr>
+          <p:nvPr>
+            <p:ph type="title"/>
+          </p:nvPr>
+        </p:nvSpPr>
+        <p:spPr/>
+        <p:txBody>
+          <a:bodyPr>
+            <a:normAutofit/>
+          </a:bodyPr>
+          <a:lstStyle/>
+          <a:p>
+            <a:r>
+              <a:rPr lang="en-US" sz="4000" dirty="0">
+                <a:latin typeface="Calibri" panose="020F0502020204030204" pitchFamily="34" charset="0"/>
+                <a:cs typeface="Calibri" panose="020F0502020204030204" pitchFamily="34" charset="0"/>
+              </a:rPr>
+              <a:t>Document Object Model (DOM)……</a:t>
+            </a:r>
+            <a:endParaRPr lang="en-US" sz="4000" dirty="0"/>
+          </a:p>
+        </p:txBody>
+      </p:sp>
+      <p:sp>
+        <p:nvSpPr>
+          <p:cNvPr id="6" name="Text Placeholder 5">
+            <a:extLst>
+              <a:ext uri="{FF2B5EF4-FFF2-40B4-BE49-F238E27FC236}">
+                <a16:creationId xmlns:a16="http://schemas.microsoft.com/office/drawing/2014/main" id="{810C8F93-16F5-AA46-88E2-15A98C7B6706}"/>
+              </a:ext>
+            </a:extLst>
+          </p:cNvPr>
+          <p:cNvSpPr>
+            <a:spLocks noGrp="1"/>
+          </p:cNvSpPr>
+          <p:nvPr>
+            <p:ph type="body" idx="1"/>
+          </p:nvPr>
+        </p:nvSpPr>
+        <p:spPr/>
+        <p:txBody>
+          <a:bodyPr anchor="t">
+            <a:normAutofit/>
+          </a:bodyPr>
+          <a:lstStyle/>
+          <a:p>
+            <a:pPr>
+              <a:lnSpc>
+                <a:spcPct val="150000"/>
+              </a:lnSpc>
+              <a:spcBef>
+                <a:spcPts val="0"/>
+              </a:spcBef>
+            </a:pPr>
+            <a:r>
+              <a:rPr lang="en-US" sz="2000" dirty="0">
+                <a:solidFill>
+                  <a:srgbClr val="434343"/>
+                </a:solidFill>
+                <a:latin typeface="Calibri" panose="020F0502020204030204" pitchFamily="34" charset="0"/>
+                <a:cs typeface="Calibri" panose="020F0502020204030204" pitchFamily="34" charset="0"/>
+              </a:rPr>
+              <a:t>How does JavaScript perform a change to a DOM element?</a:t>
+            </a:r>
+          </a:p>
+          <a:p>
+            <a:pPr>
+              <a:lnSpc>
+                <a:spcPct val="150000"/>
+              </a:lnSpc>
+            </a:pPr>
+            <a:endParaRPr lang="en-US" sz="2000" dirty="0">
+              <a:latin typeface="Calibri" panose="020F0502020204030204" pitchFamily="34" charset="0"/>
+              <a:cs typeface="Calibri" panose="020F0502020204030204" pitchFamily="34" charset="0"/>
+            </a:endParaRPr>
+          </a:p>
+        </p:txBody>
+      </p:sp>
+    </p:spTree>
+    <p:extLst>
+      <p:ext uri="{BB962C8B-B14F-4D97-AF65-F5344CB8AC3E}">
+        <p14:creationId xmlns:p14="http://schemas.microsoft.com/office/powerpoint/2010/main" val="1232651606"/>
+      </p:ext>
+    </p:extLst>
+  </p:cSld>
+  <p:clrMapOvr>
+    <a:masterClrMapping/>
+  </p:clrMapOvr>
+  <p:transition spd="med"/>
+</p:sld>
+</file>
+
+<file path=ppt/slides/slide12.xml><?xml version="1.0" encoding="utf-8"?>
+<p:sld xmlns:a="http://schemas.openxmlformats.org/drawingml/2006/main" xmlns:r="http://schemas.openxmlformats.org/officeDocument/2006/relationships" xmlns:p="http://schemas.openxmlformats.org/presentationml/2006/main">
+  <p:cSld>
+    <p:spTree>
+      <p:nvGrpSpPr>
+        <p:cNvPr id="1" name=""/>
+        <p:cNvGrpSpPr/>
+        <p:nvPr/>
+      </p:nvGrpSpPr>
+      <p:grpSpPr>
+        <a:xfrm>
+          <a:off x="0" y="0"/>
+          <a:ext cx="0" cy="0"/>
+          <a:chOff x="0" y="0"/>
+          <a:chExt cx="0" cy="0"/>
+        </a:xfrm>
+      </p:grpSpPr>
+      <p:sp>
+        <p:nvSpPr>
+          <p:cNvPr id="5" name="Title 4">
+            <a:extLst>
+              <a:ext uri="{FF2B5EF4-FFF2-40B4-BE49-F238E27FC236}">
+                <a16:creationId xmlns:a16="http://schemas.microsoft.com/office/drawing/2014/main" id="{B5B47666-51E4-6F4E-8E54-4C44DA8215C4}"/>
+              </a:ext>
+            </a:extLst>
+          </p:cNvPr>
+          <p:cNvSpPr>
+            <a:spLocks noGrp="1"/>
+          </p:cNvSpPr>
+          <p:nvPr>
+            <p:ph type="title"/>
+          </p:nvPr>
+        </p:nvSpPr>
+        <p:spPr/>
+        <p:txBody>
+          <a:bodyPr>
+            <a:normAutofit/>
+          </a:bodyPr>
+          <a:lstStyle/>
+          <a:p>
+            <a:r>
+              <a:rPr lang="en-US" sz="4000" dirty="0">
+                <a:latin typeface="Calibri" panose="020F0502020204030204" pitchFamily="34" charset="0"/>
+                <a:cs typeface="Calibri" panose="020F0502020204030204" pitchFamily="34" charset="0"/>
+              </a:rPr>
+              <a:t>Document Object Model (DOM)……</a:t>
+            </a:r>
+            <a:endParaRPr lang="en-US" sz="4000" dirty="0"/>
+          </a:p>
+        </p:txBody>
+      </p:sp>
+      <p:sp>
+        <p:nvSpPr>
+          <p:cNvPr id="6" name="Text Placeholder 5">
+            <a:extLst>
+              <a:ext uri="{FF2B5EF4-FFF2-40B4-BE49-F238E27FC236}">
+                <a16:creationId xmlns:a16="http://schemas.microsoft.com/office/drawing/2014/main" id="{810C8F93-16F5-AA46-88E2-15A98C7B6706}"/>
+              </a:ext>
+            </a:extLst>
+          </p:cNvPr>
+          <p:cNvSpPr>
+            <a:spLocks noGrp="1"/>
+          </p:cNvSpPr>
+          <p:nvPr>
+            <p:ph type="body" idx="1"/>
+          </p:nvPr>
+        </p:nvSpPr>
+        <p:spPr/>
+        <p:txBody>
+          <a:bodyPr anchor="t">
+            <a:normAutofit/>
+          </a:bodyPr>
+          <a:lstStyle/>
+          <a:p>
+            <a:pPr>
+              <a:lnSpc>
+                <a:spcPct val="150000"/>
+              </a:lnSpc>
+              <a:spcBef>
+                <a:spcPts val="0"/>
+              </a:spcBef>
+            </a:pPr>
+            <a:r>
+              <a:rPr lang="en-US" sz="2000" dirty="0">
+                <a:solidFill>
+                  <a:srgbClr val="434343"/>
+                </a:solidFill>
+                <a:latin typeface="Calibri" panose="020F0502020204030204" pitchFamily="34" charset="0"/>
+                <a:cs typeface="Calibri" panose="020F0502020204030204" pitchFamily="34" charset="0"/>
+              </a:rPr>
+              <a:t>How does JavaScript perform a change to a DOM element?</a:t>
+            </a:r>
+          </a:p>
+          <a:p>
+            <a:pPr lvl="1">
+              <a:lnSpc>
+                <a:spcPct val="150000"/>
+              </a:lnSpc>
+              <a:spcBef>
+                <a:spcPts val="0"/>
+              </a:spcBef>
+            </a:pPr>
+            <a:r>
+              <a:rPr lang="en-US" sz="2000" dirty="0">
+                <a:solidFill>
+                  <a:srgbClr val="434343"/>
+                </a:solidFill>
+                <a:latin typeface="Calibri" panose="020F0502020204030204" pitchFamily="34" charset="0"/>
+                <a:cs typeface="Calibri" panose="020F0502020204030204" pitchFamily="34" charset="0"/>
+              </a:rPr>
+              <a:t>We know that the DOM is a tree of node objects </a:t>
+            </a:r>
+          </a:p>
+          <a:p>
+            <a:pPr lvl="1">
+              <a:lnSpc>
+                <a:spcPct val="150000"/>
+              </a:lnSpc>
+              <a:spcBef>
+                <a:spcPts val="0"/>
+              </a:spcBef>
+            </a:pPr>
+            <a:r>
+              <a:rPr lang="en-US" sz="2000" dirty="0">
+                <a:solidFill>
+                  <a:srgbClr val="434343"/>
+                </a:solidFill>
+                <a:latin typeface="Calibri" panose="020F0502020204030204" pitchFamily="34" charset="0"/>
+                <a:cs typeface="Calibri" panose="020F0502020204030204" pitchFamily="34" charset="0"/>
+              </a:rPr>
+              <a:t>Each Node object corresponds to the HTML elements on a page.</a:t>
+            </a:r>
+            <a:endParaRPr lang="en-US" sz="2000" dirty="0">
+              <a:latin typeface="Calibri" panose="020F0502020204030204" pitchFamily="34" charset="0"/>
+              <a:cs typeface="Calibri" panose="020F0502020204030204" pitchFamily="34" charset="0"/>
+            </a:endParaRPr>
+          </a:p>
+          <a:p>
+            <a:pPr lvl="1" fontAlgn="base">
+              <a:lnSpc>
+                <a:spcPct val="150000"/>
+              </a:lnSpc>
+              <a:spcBef>
+                <a:spcPts val="1000"/>
+              </a:spcBef>
+            </a:pPr>
+            <a:r>
+              <a:rPr lang="en-US" sz="2000" dirty="0">
+                <a:solidFill>
+                  <a:srgbClr val="434343"/>
+                </a:solidFill>
+                <a:latin typeface="Calibri" panose="020F0502020204030204" pitchFamily="34" charset="0"/>
+                <a:cs typeface="Calibri" panose="020F0502020204030204" pitchFamily="34" charset="0"/>
+              </a:rPr>
+              <a:t>JS code can </a:t>
+            </a:r>
+            <a:r>
+              <a:rPr lang="en-US" sz="2000" b="1" dirty="0">
+                <a:solidFill>
+                  <a:srgbClr val="434343"/>
+                </a:solidFill>
+                <a:latin typeface="Calibri" panose="020F0502020204030204" pitchFamily="34" charset="0"/>
+                <a:cs typeface="Calibri" panose="020F0502020204030204" pitchFamily="34" charset="0"/>
+              </a:rPr>
+              <a:t>examine</a:t>
+            </a:r>
+            <a:r>
+              <a:rPr lang="en-US" sz="2000" dirty="0">
+                <a:solidFill>
+                  <a:srgbClr val="434343"/>
+                </a:solidFill>
+                <a:latin typeface="Calibri" panose="020F0502020204030204" pitchFamily="34" charset="0"/>
+                <a:cs typeface="Calibri" panose="020F0502020204030204" pitchFamily="34" charset="0"/>
+              </a:rPr>
+              <a:t> these nodes to see the state of an element</a:t>
+            </a:r>
+          </a:p>
+          <a:p>
+            <a:pPr lvl="2" fontAlgn="base">
+              <a:lnSpc>
+                <a:spcPct val="150000"/>
+              </a:lnSpc>
+              <a:spcBef>
+                <a:spcPts val="1000"/>
+              </a:spcBef>
+            </a:pPr>
+            <a:r>
+              <a:rPr lang="en-US" sz="2000" dirty="0">
+                <a:solidFill>
+                  <a:srgbClr val="434343"/>
+                </a:solidFill>
+                <a:latin typeface="Calibri" panose="020F0502020204030204" pitchFamily="34" charset="0"/>
+                <a:cs typeface="Calibri" panose="020F0502020204030204" pitchFamily="34" charset="0"/>
+              </a:rPr>
+              <a:t>(e.g. to get what the user typed in a text box)</a:t>
+            </a:r>
+          </a:p>
+          <a:p>
+            <a:pPr lvl="1" fontAlgn="base">
+              <a:lnSpc>
+                <a:spcPct val="150000"/>
+              </a:lnSpc>
+              <a:spcBef>
+                <a:spcPts val="1000"/>
+              </a:spcBef>
+            </a:pPr>
+            <a:r>
+              <a:rPr lang="en-US" sz="2000" dirty="0">
+                <a:solidFill>
+                  <a:srgbClr val="434343"/>
+                </a:solidFill>
+                <a:latin typeface="Calibri" panose="020F0502020204030204" pitchFamily="34" charset="0"/>
+                <a:cs typeface="Calibri" panose="020F0502020204030204" pitchFamily="34" charset="0"/>
+              </a:rPr>
+              <a:t>JS code can </a:t>
+            </a:r>
+            <a:r>
+              <a:rPr lang="en-US" sz="2000" b="1" dirty="0">
+                <a:solidFill>
+                  <a:srgbClr val="434343"/>
+                </a:solidFill>
+                <a:latin typeface="Calibri" panose="020F0502020204030204" pitchFamily="34" charset="0"/>
+                <a:cs typeface="Calibri" panose="020F0502020204030204" pitchFamily="34" charset="0"/>
+              </a:rPr>
+              <a:t>edit</a:t>
+            </a:r>
+            <a:r>
+              <a:rPr lang="en-US" sz="2000" dirty="0">
+                <a:solidFill>
+                  <a:srgbClr val="434343"/>
+                </a:solidFill>
+                <a:latin typeface="Calibri" panose="020F0502020204030204" pitchFamily="34" charset="0"/>
+                <a:cs typeface="Calibri" panose="020F0502020204030204" pitchFamily="34" charset="0"/>
+              </a:rPr>
+              <a:t> the attributes of these nodes to change the attributes of an element</a:t>
+            </a:r>
+          </a:p>
+          <a:p>
+            <a:pPr lvl="2" fontAlgn="base">
+              <a:lnSpc>
+                <a:spcPct val="150000"/>
+              </a:lnSpc>
+              <a:spcBef>
+                <a:spcPts val="1000"/>
+              </a:spcBef>
+            </a:pPr>
+            <a:r>
+              <a:rPr lang="en-US" sz="2000" dirty="0">
+                <a:solidFill>
+                  <a:srgbClr val="434343"/>
+                </a:solidFill>
+                <a:latin typeface="Calibri" panose="020F0502020204030204" pitchFamily="34" charset="0"/>
+                <a:cs typeface="Calibri" panose="020F0502020204030204" pitchFamily="34" charset="0"/>
+              </a:rPr>
+              <a:t>(e.g. to toggle a style or to change the contents of an &lt;h1&gt; tag)</a:t>
+            </a:r>
+          </a:p>
+          <a:p>
+            <a:pPr lvl="1" fontAlgn="base">
+              <a:lnSpc>
+                <a:spcPct val="150000"/>
+              </a:lnSpc>
+              <a:spcBef>
+                <a:spcPts val="1000"/>
+              </a:spcBef>
+            </a:pPr>
+            <a:r>
+              <a:rPr lang="en-US" sz="2000" dirty="0">
+                <a:solidFill>
+                  <a:srgbClr val="434343"/>
+                </a:solidFill>
+                <a:latin typeface="Calibri" panose="020F0502020204030204" pitchFamily="34" charset="0"/>
+                <a:cs typeface="Calibri" panose="020F0502020204030204" pitchFamily="34" charset="0"/>
+              </a:rPr>
+              <a:t>JS code can </a:t>
+            </a:r>
+            <a:r>
+              <a:rPr lang="en-US" sz="2000" b="1" dirty="0">
+                <a:solidFill>
+                  <a:srgbClr val="434343"/>
+                </a:solidFill>
+                <a:latin typeface="Calibri" panose="020F0502020204030204" pitchFamily="34" charset="0"/>
+                <a:cs typeface="Calibri" panose="020F0502020204030204" pitchFamily="34" charset="0"/>
+              </a:rPr>
+              <a:t>add elements</a:t>
+            </a:r>
+            <a:r>
+              <a:rPr lang="en-US" sz="2000" dirty="0">
+                <a:solidFill>
+                  <a:srgbClr val="434343"/>
+                </a:solidFill>
+                <a:latin typeface="Calibri" panose="020F0502020204030204" pitchFamily="34" charset="0"/>
+                <a:cs typeface="Calibri" panose="020F0502020204030204" pitchFamily="34" charset="0"/>
+              </a:rPr>
+              <a:t> to and </a:t>
+            </a:r>
+            <a:r>
+              <a:rPr lang="en-US" sz="2000" b="1" dirty="0">
+                <a:solidFill>
+                  <a:srgbClr val="434343"/>
+                </a:solidFill>
+                <a:latin typeface="Calibri" panose="020F0502020204030204" pitchFamily="34" charset="0"/>
+                <a:cs typeface="Calibri" panose="020F0502020204030204" pitchFamily="34" charset="0"/>
+              </a:rPr>
+              <a:t>remove elements</a:t>
+            </a:r>
+            <a:r>
+              <a:rPr lang="en-US" sz="2000" dirty="0">
+                <a:solidFill>
+                  <a:srgbClr val="434343"/>
+                </a:solidFill>
+                <a:latin typeface="Calibri" panose="020F0502020204030204" pitchFamily="34" charset="0"/>
+                <a:cs typeface="Calibri" panose="020F0502020204030204" pitchFamily="34" charset="0"/>
+              </a:rPr>
+              <a:t> from a web page by adding and removing nodes from the DOM</a:t>
+            </a:r>
+          </a:p>
+          <a:p>
+            <a:pPr>
+              <a:lnSpc>
+                <a:spcPct val="150000"/>
+              </a:lnSpc>
+            </a:pPr>
+            <a:endParaRPr lang="en-US" sz="2000" dirty="0">
+              <a:latin typeface="Calibri" panose="020F0502020204030204" pitchFamily="34" charset="0"/>
+              <a:cs typeface="Calibri" panose="020F0502020204030204" pitchFamily="34" charset="0"/>
+            </a:endParaRPr>
+          </a:p>
+        </p:txBody>
+      </p:sp>
+    </p:spTree>
+    <p:extLst>
+      <p:ext uri="{BB962C8B-B14F-4D97-AF65-F5344CB8AC3E}">
+        <p14:creationId xmlns:p14="http://schemas.microsoft.com/office/powerpoint/2010/main" val="3111414029"/>
+      </p:ext>
+    </p:extLst>
+  </p:cSld>
+  <p:clrMapOvr>
+    <a:masterClrMapping/>
+  </p:clrMapOvr>
+  <p:transition spd="med"/>
+</p:sld>
+</file>
+
+<file path=ppt/slides/slide13.xml><?xml version="1.0" encoding="utf-8"?>
+<p:sld xmlns:a="http://schemas.openxmlformats.org/drawingml/2006/main" xmlns:r="http://schemas.openxmlformats.org/officeDocument/2006/relationships" xmlns:p="http://schemas.openxmlformats.org/presentationml/2006/main">
+  <p:cSld>
+    <p:spTree>
+      <p:nvGrpSpPr>
+        <p:cNvPr id="1" name=""/>
+        <p:cNvGrpSpPr/>
+        <p:nvPr/>
+      </p:nvGrpSpPr>
+      <p:grpSpPr>
+        <a:xfrm>
+          <a:off x="0" y="0"/>
+          <a:ext cx="0" cy="0"/>
+          <a:chOff x="0" y="0"/>
+          <a:chExt cx="0" cy="0"/>
+        </a:xfrm>
+      </p:grpSpPr>
+      <p:sp>
+        <p:nvSpPr>
+          <p:cNvPr id="5" name="Title 4">
+            <a:extLst>
+              <a:ext uri="{FF2B5EF4-FFF2-40B4-BE49-F238E27FC236}">
+                <a16:creationId xmlns:a16="http://schemas.microsoft.com/office/drawing/2014/main" id="{B5B47666-51E4-6F4E-8E54-4C44DA8215C4}"/>
+              </a:ext>
+            </a:extLst>
+          </p:cNvPr>
+          <p:cNvSpPr>
+            <a:spLocks noGrp="1"/>
+          </p:cNvSpPr>
+          <p:nvPr>
+            <p:ph type="title"/>
+          </p:nvPr>
+        </p:nvSpPr>
+        <p:spPr/>
+        <p:txBody>
+          <a:bodyPr>
+            <a:normAutofit/>
+          </a:bodyPr>
+          <a:lstStyle/>
+          <a:p>
+            <a:r>
+              <a:rPr lang="en-US" sz="4000" dirty="0">
+                <a:latin typeface="Calibri" panose="020F0502020204030204" pitchFamily="34" charset="0"/>
+                <a:cs typeface="Calibri" panose="020F0502020204030204" pitchFamily="34" charset="0"/>
+              </a:rPr>
+              <a:t>Document Object Model (DOM)……</a:t>
+            </a:r>
+            <a:endParaRPr lang="en-US" sz="4000" dirty="0"/>
+          </a:p>
+        </p:txBody>
+      </p:sp>
+      <p:sp>
+        <p:nvSpPr>
+          <p:cNvPr id="6" name="Text Placeholder 5">
+            <a:extLst>
+              <a:ext uri="{FF2B5EF4-FFF2-40B4-BE49-F238E27FC236}">
+                <a16:creationId xmlns:a16="http://schemas.microsoft.com/office/drawing/2014/main" id="{810C8F93-16F5-AA46-88E2-15A98C7B6706}"/>
+              </a:ext>
+            </a:extLst>
+          </p:cNvPr>
+          <p:cNvSpPr>
+            <a:spLocks noGrp="1"/>
+          </p:cNvSpPr>
+          <p:nvPr>
+            <p:ph type="body" idx="1"/>
+          </p:nvPr>
+        </p:nvSpPr>
+        <p:spPr/>
+        <p:txBody>
+          <a:bodyPr anchor="t">
+            <a:normAutofit/>
+          </a:bodyPr>
+          <a:lstStyle/>
+          <a:p>
+            <a:pPr marL="0" indent="0">
+              <a:spcBef>
+                <a:spcPts val="0"/>
+              </a:spcBef>
+              <a:buNone/>
+            </a:pPr>
+            <a:r>
+              <a:rPr lang="en-US" sz="2000" dirty="0">
+                <a:solidFill>
+                  <a:srgbClr val="38761D"/>
+                </a:solidFill>
+                <a:latin typeface="Calibri" panose="020F0502020204030204" pitchFamily="34" charset="0"/>
+                <a:cs typeface="Calibri" panose="020F0502020204030204" pitchFamily="34" charset="0"/>
+              </a:rPr>
+              <a:t>// Returns the DOM object for the HTML element</a:t>
+            </a:r>
+            <a:endParaRPr lang="en-US" sz="2000" dirty="0">
+              <a:latin typeface="Calibri" panose="020F0502020204030204" pitchFamily="34" charset="0"/>
+              <a:cs typeface="Calibri" panose="020F0502020204030204" pitchFamily="34" charset="0"/>
+            </a:endParaRPr>
+          </a:p>
+          <a:p>
+            <a:pPr marL="0" indent="0">
+              <a:spcBef>
+                <a:spcPts val="0"/>
+              </a:spcBef>
+              <a:buNone/>
+            </a:pPr>
+            <a:r>
+              <a:rPr lang="en-US" sz="2000" dirty="0">
+                <a:solidFill>
+                  <a:srgbClr val="38761D"/>
+                </a:solidFill>
+                <a:latin typeface="Calibri" panose="020F0502020204030204" pitchFamily="34" charset="0"/>
+                <a:cs typeface="Calibri" panose="020F0502020204030204" pitchFamily="34" charset="0"/>
+              </a:rPr>
+              <a:t>// with id="button", or null if none exists.</a:t>
+            </a:r>
+            <a:endParaRPr lang="en-US" sz="2000" dirty="0">
+              <a:latin typeface="Calibri" panose="020F0502020204030204" pitchFamily="34" charset="0"/>
+              <a:cs typeface="Calibri" panose="020F0502020204030204" pitchFamily="34" charset="0"/>
+            </a:endParaRPr>
+          </a:p>
+          <a:p>
+            <a:pPr marL="0" indent="0">
+              <a:spcBef>
+                <a:spcPts val="0"/>
+              </a:spcBef>
+              <a:buNone/>
+            </a:pPr>
+            <a:r>
+              <a:rPr lang="en-US" sz="2000" dirty="0">
+                <a:solidFill>
+                  <a:srgbClr val="8959A8"/>
+                </a:solidFill>
+                <a:latin typeface="Calibri" panose="020F0502020204030204" pitchFamily="34" charset="0"/>
+                <a:ea typeface="Menlo"/>
+                <a:cs typeface="Calibri" panose="020F0502020204030204" pitchFamily="34" charset="0"/>
+              </a:rPr>
+              <a:t>let</a:t>
+            </a:r>
+            <a:r>
+              <a:rPr lang="en-US" sz="2000" dirty="0">
+                <a:solidFill>
+                  <a:srgbClr val="434343"/>
+                </a:solidFill>
+                <a:latin typeface="Calibri" panose="020F0502020204030204" pitchFamily="34" charset="0"/>
+                <a:cs typeface="Calibri" panose="020F0502020204030204" pitchFamily="34" charset="0"/>
+              </a:rPr>
+              <a:t> element = </a:t>
+            </a:r>
+            <a:r>
+              <a:rPr lang="en-US" sz="2000" dirty="0" err="1">
+                <a:solidFill>
+                  <a:srgbClr val="0000FF"/>
+                </a:solidFill>
+                <a:latin typeface="Calibri" panose="020F0502020204030204" pitchFamily="34" charset="0"/>
+                <a:cs typeface="Calibri" panose="020F0502020204030204" pitchFamily="34" charset="0"/>
+              </a:rPr>
+              <a:t>document.querySelector</a:t>
+            </a:r>
+            <a:r>
+              <a:rPr lang="en-US" sz="2000" dirty="0">
+                <a:solidFill>
+                  <a:schemeClr val="accent3">
+                    <a:lumMod val="50000"/>
+                  </a:schemeClr>
+                </a:solidFill>
+                <a:latin typeface="Calibri" panose="020F0502020204030204" pitchFamily="34" charset="0"/>
+                <a:cs typeface="Calibri" panose="020F0502020204030204" pitchFamily="34" charset="0"/>
+              </a:rPr>
+              <a:t>( </a:t>
+            </a:r>
+            <a:r>
+              <a:rPr lang="en-US" sz="2000" dirty="0">
+                <a:solidFill>
+                  <a:srgbClr val="FFC000"/>
+                </a:solidFill>
+                <a:latin typeface="Calibri" panose="020F0502020204030204" pitchFamily="34" charset="0"/>
+                <a:cs typeface="Calibri" panose="020F0502020204030204" pitchFamily="34" charset="0"/>
+              </a:rPr>
+              <a:t>‘#button’ </a:t>
+            </a:r>
+            <a:r>
+              <a:rPr lang="en-US" sz="2000" dirty="0">
+                <a:solidFill>
+                  <a:schemeClr val="accent3">
+                    <a:lumMod val="50000"/>
+                  </a:schemeClr>
+                </a:solidFill>
+                <a:latin typeface="Calibri" panose="020F0502020204030204" pitchFamily="34" charset="0"/>
+                <a:cs typeface="Calibri" panose="020F0502020204030204" pitchFamily="34" charset="0"/>
+              </a:rPr>
+              <a:t>);</a:t>
+            </a:r>
+          </a:p>
+          <a:p>
+            <a:pPr marL="0" indent="0">
+              <a:spcBef>
+                <a:spcPts val="0"/>
+              </a:spcBef>
+              <a:buNone/>
+            </a:pPr>
+            <a:br>
+              <a:rPr lang="en-US" sz="2000" dirty="0">
+                <a:latin typeface="Calibri" panose="020F0502020204030204" pitchFamily="34" charset="0"/>
+                <a:cs typeface="Calibri" panose="020F0502020204030204" pitchFamily="34" charset="0"/>
+              </a:rPr>
+            </a:br>
+            <a:br>
+              <a:rPr lang="en-US" sz="2000" dirty="0">
+                <a:latin typeface="Calibri" panose="020F0502020204030204" pitchFamily="34" charset="0"/>
+                <a:cs typeface="Calibri" panose="020F0502020204030204" pitchFamily="34" charset="0"/>
+              </a:rPr>
+            </a:br>
+            <a:r>
+              <a:rPr lang="en-US" sz="2000" dirty="0">
+                <a:solidFill>
+                  <a:srgbClr val="38761D"/>
+                </a:solidFill>
+                <a:latin typeface="Calibri" panose="020F0502020204030204" pitchFamily="34" charset="0"/>
+                <a:cs typeface="Calibri" panose="020F0502020204030204" pitchFamily="34" charset="0"/>
+              </a:rPr>
+              <a:t>// Returns a list of DOM objects containing all </a:t>
+            </a:r>
+            <a:endParaRPr lang="en-US" sz="2000" dirty="0">
+              <a:latin typeface="Calibri" panose="020F0502020204030204" pitchFamily="34" charset="0"/>
+              <a:cs typeface="Calibri" panose="020F0502020204030204" pitchFamily="34" charset="0"/>
+            </a:endParaRPr>
+          </a:p>
+          <a:p>
+            <a:pPr marL="0" indent="0">
+              <a:spcBef>
+                <a:spcPts val="0"/>
+              </a:spcBef>
+              <a:buNone/>
+            </a:pPr>
+            <a:r>
+              <a:rPr lang="en-US" sz="2000" dirty="0">
+                <a:solidFill>
+                  <a:srgbClr val="38761D"/>
+                </a:solidFill>
+                <a:latin typeface="Calibri" panose="020F0502020204030204" pitchFamily="34" charset="0"/>
+                <a:cs typeface="Calibri" panose="020F0502020204030204" pitchFamily="34" charset="0"/>
+              </a:rPr>
+              <a:t>// elements that have a "quote" class AND all</a:t>
+            </a:r>
+            <a:endParaRPr lang="en-US" sz="2000" dirty="0">
+              <a:latin typeface="Calibri" panose="020F0502020204030204" pitchFamily="34" charset="0"/>
+              <a:cs typeface="Calibri" panose="020F0502020204030204" pitchFamily="34" charset="0"/>
+            </a:endParaRPr>
+          </a:p>
+          <a:p>
+            <a:pPr marL="0" indent="0">
+              <a:spcBef>
+                <a:spcPts val="0"/>
+              </a:spcBef>
+              <a:buNone/>
+            </a:pPr>
+            <a:r>
+              <a:rPr lang="en-US" sz="2000" dirty="0">
+                <a:solidFill>
+                  <a:srgbClr val="38761D"/>
+                </a:solidFill>
+                <a:latin typeface="Calibri" panose="020F0502020204030204" pitchFamily="34" charset="0"/>
+                <a:cs typeface="Calibri" panose="020F0502020204030204" pitchFamily="34" charset="0"/>
+              </a:rPr>
+              <a:t>// elements that have a "comment" class.</a:t>
+            </a:r>
+            <a:endParaRPr lang="en-US" sz="2000" dirty="0">
+              <a:latin typeface="Calibri" panose="020F0502020204030204" pitchFamily="34" charset="0"/>
+              <a:cs typeface="Calibri" panose="020F0502020204030204" pitchFamily="34" charset="0"/>
+            </a:endParaRPr>
+          </a:p>
+          <a:p>
+            <a:pPr marL="0" indent="0">
+              <a:spcBef>
+                <a:spcPts val="0"/>
+              </a:spcBef>
+              <a:buNone/>
+            </a:pPr>
+            <a:r>
+              <a:rPr lang="en-US" sz="2000" dirty="0">
+                <a:solidFill>
+                  <a:srgbClr val="8959A8"/>
+                </a:solidFill>
+                <a:latin typeface="Calibri" panose="020F0502020204030204" pitchFamily="34" charset="0"/>
+                <a:ea typeface="Menlo"/>
+                <a:cs typeface="Calibri" panose="020F0502020204030204" pitchFamily="34" charset="0"/>
+              </a:rPr>
+              <a:t>let</a:t>
+            </a:r>
+            <a:r>
+              <a:rPr lang="en-US" sz="2000" dirty="0">
+                <a:solidFill>
+                  <a:srgbClr val="434343"/>
+                </a:solidFill>
+                <a:latin typeface="Calibri" panose="020F0502020204030204" pitchFamily="34" charset="0"/>
+                <a:cs typeface="Calibri" panose="020F0502020204030204" pitchFamily="34" charset="0"/>
+              </a:rPr>
+              <a:t> </a:t>
+            </a:r>
+            <a:r>
+              <a:rPr lang="en-US" sz="2000" dirty="0" err="1">
+                <a:solidFill>
+                  <a:srgbClr val="434343"/>
+                </a:solidFill>
+                <a:latin typeface="Calibri" panose="020F0502020204030204" pitchFamily="34" charset="0"/>
+                <a:cs typeface="Calibri" panose="020F0502020204030204" pitchFamily="34" charset="0"/>
+              </a:rPr>
+              <a:t>elementList</a:t>
+            </a:r>
+            <a:r>
+              <a:rPr lang="en-US" sz="2000" dirty="0">
+                <a:solidFill>
+                  <a:srgbClr val="434343"/>
+                </a:solidFill>
+                <a:latin typeface="Calibri" panose="020F0502020204030204" pitchFamily="34" charset="0"/>
+                <a:cs typeface="Calibri" panose="020F0502020204030204" pitchFamily="34" charset="0"/>
+              </a:rPr>
+              <a:t> </a:t>
+            </a:r>
+            <a:r>
+              <a:rPr lang="en-US" sz="2000" dirty="0">
+                <a:solidFill>
+                  <a:srgbClr val="0000FF"/>
+                </a:solidFill>
+                <a:latin typeface="Calibri" panose="020F0502020204030204" pitchFamily="34" charset="0"/>
+                <a:cs typeface="Calibri" panose="020F0502020204030204" pitchFamily="34" charset="0"/>
+              </a:rPr>
+              <a:t>=  </a:t>
+            </a:r>
+            <a:r>
+              <a:rPr lang="en-US" sz="2000" dirty="0" err="1">
+                <a:solidFill>
+                  <a:srgbClr val="0000FF"/>
+                </a:solidFill>
+                <a:latin typeface="Calibri" panose="020F0502020204030204" pitchFamily="34" charset="0"/>
+                <a:cs typeface="Calibri" panose="020F0502020204030204" pitchFamily="34" charset="0"/>
+              </a:rPr>
+              <a:t>document.querySelectorAll</a:t>
+            </a:r>
+            <a:r>
+              <a:rPr lang="en-US" sz="2000" dirty="0">
+                <a:solidFill>
+                  <a:srgbClr val="434343"/>
+                </a:solidFill>
+                <a:latin typeface="Calibri" panose="020F0502020204030204" pitchFamily="34" charset="0"/>
+                <a:cs typeface="Calibri" panose="020F0502020204030204" pitchFamily="34" charset="0"/>
+              </a:rPr>
+              <a:t>( </a:t>
+            </a:r>
+            <a:r>
+              <a:rPr lang="en-US" sz="2000" dirty="0">
+                <a:solidFill>
+                  <a:srgbClr val="FFC000"/>
+                </a:solidFill>
+                <a:latin typeface="Calibri" panose="020F0502020204030204" pitchFamily="34" charset="0"/>
+                <a:cs typeface="Calibri" panose="020F0502020204030204" pitchFamily="34" charset="0"/>
+              </a:rPr>
+              <a:t>'.quote, .comment’ </a:t>
+            </a:r>
+            <a:r>
+              <a:rPr lang="en-US" sz="2000" dirty="0">
+                <a:solidFill>
+                  <a:srgbClr val="434343"/>
+                </a:solidFill>
+                <a:latin typeface="Calibri" panose="020F0502020204030204" pitchFamily="34" charset="0"/>
+                <a:cs typeface="Calibri" panose="020F0502020204030204" pitchFamily="34" charset="0"/>
+              </a:rPr>
+              <a:t>);</a:t>
+            </a:r>
+            <a:br>
+              <a:rPr lang="en-US" sz="2000" dirty="0">
+                <a:latin typeface="Calibri" panose="020F0502020204030204" pitchFamily="34" charset="0"/>
+                <a:cs typeface="Calibri" panose="020F0502020204030204" pitchFamily="34" charset="0"/>
+              </a:rPr>
+            </a:br>
+            <a:br>
+              <a:rPr lang="en-US" sz="2000" dirty="0">
+                <a:latin typeface="Calibri" panose="020F0502020204030204" pitchFamily="34" charset="0"/>
+                <a:cs typeface="Calibri" panose="020F0502020204030204" pitchFamily="34" charset="0"/>
+              </a:rPr>
+            </a:br>
+            <a:br>
+              <a:rPr lang="en-US" sz="2000" dirty="0">
+                <a:latin typeface="Calibri" panose="020F0502020204030204" pitchFamily="34" charset="0"/>
+                <a:cs typeface="Calibri" panose="020F0502020204030204" pitchFamily="34" charset="0"/>
+              </a:rPr>
+            </a:br>
+            <a:endParaRPr lang="en-US" sz="2000" dirty="0">
+              <a:solidFill>
+                <a:srgbClr val="434343"/>
+              </a:solidFill>
+              <a:latin typeface="Calibri" panose="020F0502020204030204" pitchFamily="34" charset="0"/>
+              <a:cs typeface="Calibri" panose="020F0502020204030204" pitchFamily="34" charset="0"/>
+            </a:endParaRPr>
+          </a:p>
+        </p:txBody>
+      </p:sp>
+    </p:spTree>
+    <p:extLst>
+      <p:ext uri="{BB962C8B-B14F-4D97-AF65-F5344CB8AC3E}">
+        <p14:creationId xmlns:p14="http://schemas.microsoft.com/office/powerpoint/2010/main" val="624604603"/>
+      </p:ext>
+    </p:extLst>
+  </p:cSld>
+  <p:clrMapOvr>
+    <a:masterClrMapping/>
+  </p:clrMapOvr>
+  <p:transition spd="med"/>
+</p:sld>
+</file>
+
+<file path=ppt/slides/slide14.xml><?xml version="1.0" encoding="utf-8"?>
+<p:sld xmlns:a="http://schemas.openxmlformats.org/drawingml/2006/main" xmlns:r="http://schemas.openxmlformats.org/officeDocument/2006/relationships" xmlns:p="http://schemas.openxmlformats.org/presentationml/2006/main">
+  <p:cSld>
+    <p:spTree>
+      <p:nvGrpSpPr>
+        <p:cNvPr id="1" name=""/>
+        <p:cNvGrpSpPr/>
+        <p:nvPr/>
+      </p:nvGrpSpPr>
+      <p:grpSpPr>
+        <a:xfrm>
+          <a:off x="0" y="0"/>
+          <a:ext cx="0" cy="0"/>
+          <a:chOff x="0" y="0"/>
+          <a:chExt cx="0" cy="0"/>
+        </a:xfrm>
+      </p:grpSpPr>
+      <p:sp>
+        <p:nvSpPr>
+          <p:cNvPr id="5" name="Title 4">
+            <a:extLst>
+              <a:ext uri="{FF2B5EF4-FFF2-40B4-BE49-F238E27FC236}">
+                <a16:creationId xmlns:a16="http://schemas.microsoft.com/office/drawing/2014/main" id="{B5B47666-51E4-6F4E-8E54-4C44DA8215C4}"/>
+              </a:ext>
+            </a:extLst>
+          </p:cNvPr>
+          <p:cNvSpPr>
+            <a:spLocks noGrp="1"/>
+          </p:cNvSpPr>
+          <p:nvPr>
+            <p:ph type="title"/>
+          </p:nvPr>
+        </p:nvSpPr>
+        <p:spPr/>
+        <p:txBody>
+          <a:bodyPr>
+            <a:normAutofit/>
+          </a:bodyPr>
+          <a:lstStyle/>
+          <a:p>
+            <a:r>
+              <a:rPr lang="en-US" sz="4000" dirty="0">
+                <a:latin typeface="Calibri" panose="020F0502020204030204" pitchFamily="34" charset="0"/>
+                <a:cs typeface="Calibri" panose="020F0502020204030204" pitchFamily="34" charset="0"/>
+              </a:rPr>
+              <a:t>JavaScript</a:t>
+            </a:r>
+            <a:endParaRPr lang="en-US" sz="4000" dirty="0"/>
+          </a:p>
+        </p:txBody>
+      </p:sp>
+      <p:sp>
+        <p:nvSpPr>
+          <p:cNvPr id="6" name="Text Placeholder 5">
+            <a:extLst>
+              <a:ext uri="{FF2B5EF4-FFF2-40B4-BE49-F238E27FC236}">
+                <a16:creationId xmlns:a16="http://schemas.microsoft.com/office/drawing/2014/main" id="{810C8F93-16F5-AA46-88E2-15A98C7B6706}"/>
+              </a:ext>
+            </a:extLst>
+          </p:cNvPr>
+          <p:cNvSpPr>
+            <a:spLocks noGrp="1"/>
+          </p:cNvSpPr>
+          <p:nvPr>
+            <p:ph type="body" idx="1"/>
+          </p:nvPr>
+        </p:nvSpPr>
+        <p:spPr/>
+        <p:txBody>
+          <a:bodyPr anchor="t">
+            <a:normAutofit/>
+          </a:bodyPr>
+          <a:lstStyle/>
+          <a:p>
+            <a:pPr>
+              <a:lnSpc>
+                <a:spcPct val="150000"/>
+              </a:lnSpc>
+              <a:spcBef>
+                <a:spcPts val="0"/>
+              </a:spcBef>
+            </a:pPr>
+            <a:r>
+              <a:rPr lang="en-US" sz="2000" dirty="0">
+                <a:solidFill>
+                  <a:srgbClr val="434343"/>
+                </a:solidFill>
+                <a:latin typeface="Calibri" panose="020F0502020204030204" pitchFamily="34" charset="0"/>
+                <a:cs typeface="Calibri" panose="020F0502020204030204" pitchFamily="34" charset="0"/>
+              </a:rPr>
+              <a:t>JavaScript is an interpreted programming language. </a:t>
+            </a:r>
+          </a:p>
+          <a:p>
+            <a:pPr>
+              <a:lnSpc>
+                <a:spcPct val="150000"/>
+              </a:lnSpc>
+              <a:spcBef>
+                <a:spcPts val="0"/>
+              </a:spcBef>
+            </a:pPr>
+            <a:r>
+              <a:rPr lang="en-US" sz="2000" dirty="0">
+                <a:solidFill>
+                  <a:srgbClr val="434343"/>
+                </a:solidFill>
+                <a:latin typeface="Calibri" panose="020F0502020204030204" pitchFamily="34" charset="0"/>
+                <a:cs typeface="Calibri" panose="020F0502020204030204" pitchFamily="34" charset="0"/>
+              </a:rPr>
+              <a:t>It is also dynamically typed</a:t>
+            </a:r>
+          </a:p>
+          <a:p>
+            <a:pPr lvl="1">
+              <a:lnSpc>
+                <a:spcPct val="150000"/>
+              </a:lnSpc>
+              <a:spcBef>
+                <a:spcPts val="0"/>
+              </a:spcBef>
+            </a:pPr>
+            <a:r>
+              <a:rPr lang="en-US" sz="2000" dirty="0">
+                <a:solidFill>
+                  <a:srgbClr val="434343"/>
+                </a:solidFill>
+                <a:latin typeface="Calibri" panose="020F0502020204030204" pitchFamily="34" charset="0"/>
+                <a:cs typeface="Calibri" panose="020F0502020204030204" pitchFamily="34" charset="0"/>
+              </a:rPr>
+              <a:t>Type modification happens at runtime</a:t>
+            </a:r>
+          </a:p>
+          <a:p>
+            <a:pPr marL="0" indent="0">
+              <a:lnSpc>
+                <a:spcPct val="150000"/>
+              </a:lnSpc>
+              <a:spcBef>
+                <a:spcPts val="0"/>
+              </a:spcBef>
+              <a:buNone/>
+            </a:pPr>
+            <a:r>
+              <a:rPr lang="en-US" sz="2000" dirty="0">
+                <a:solidFill>
+                  <a:schemeClr val="accent3">
+                    <a:lumMod val="50000"/>
+                  </a:schemeClr>
+                </a:solidFill>
+                <a:latin typeface="Calibri" panose="020F0502020204030204" pitchFamily="34" charset="0"/>
+                <a:cs typeface="Calibri" panose="020F0502020204030204" pitchFamily="34" charset="0"/>
+              </a:rPr>
+              <a:t>// Type of x is integer</a:t>
+            </a:r>
+          </a:p>
+          <a:p>
+            <a:pPr marL="0" indent="0">
+              <a:lnSpc>
+                <a:spcPct val="150000"/>
+              </a:lnSpc>
+              <a:spcBef>
+                <a:spcPts val="0"/>
+              </a:spcBef>
+              <a:buNone/>
+            </a:pPr>
+            <a:r>
+              <a:rPr lang="en-US" sz="2000" dirty="0" err="1">
+                <a:solidFill>
+                  <a:srgbClr val="7030A0"/>
+                </a:solidFill>
+                <a:latin typeface="Calibri" panose="020F0502020204030204" pitchFamily="34" charset="0"/>
+                <a:cs typeface="Calibri" panose="020F0502020204030204" pitchFamily="34" charset="0"/>
+              </a:rPr>
+              <a:t>var</a:t>
+            </a:r>
+            <a:r>
+              <a:rPr lang="en-US" sz="2000" dirty="0">
+                <a:solidFill>
+                  <a:srgbClr val="434343"/>
+                </a:solidFill>
+                <a:latin typeface="Calibri" panose="020F0502020204030204" pitchFamily="34" charset="0"/>
+                <a:cs typeface="Calibri" panose="020F0502020204030204" pitchFamily="34" charset="0"/>
+              </a:rPr>
+              <a:t> foo = 123;</a:t>
+            </a:r>
+          </a:p>
+          <a:p>
+            <a:pPr marL="0" indent="0">
+              <a:lnSpc>
+                <a:spcPct val="150000"/>
+              </a:lnSpc>
+              <a:spcBef>
+                <a:spcPts val="0"/>
+              </a:spcBef>
+              <a:buNone/>
+            </a:pPr>
+            <a:r>
+              <a:rPr lang="en-US" sz="2000" dirty="0">
+                <a:solidFill>
+                  <a:schemeClr val="accent3">
+                    <a:lumMod val="50000"/>
+                  </a:schemeClr>
+                </a:solidFill>
+                <a:latin typeface="Calibri" panose="020F0502020204030204" pitchFamily="34" charset="0"/>
+                <a:cs typeface="Calibri" panose="020F0502020204030204" pitchFamily="34" charset="0"/>
+              </a:rPr>
+              <a:t>// Type of x is now string</a:t>
+            </a:r>
+          </a:p>
+          <a:p>
+            <a:pPr marL="0" indent="0">
+              <a:lnSpc>
+                <a:spcPct val="150000"/>
+              </a:lnSpc>
+              <a:spcBef>
+                <a:spcPts val="0"/>
+              </a:spcBef>
+              <a:buNone/>
+            </a:pPr>
+            <a:r>
+              <a:rPr lang="en-US" sz="2000" dirty="0">
+                <a:solidFill>
+                  <a:srgbClr val="434343"/>
+                </a:solidFill>
+                <a:latin typeface="Calibri" panose="020F0502020204030204" pitchFamily="34" charset="0"/>
+                <a:cs typeface="Calibri" panose="020F0502020204030204" pitchFamily="34" charset="0"/>
+              </a:rPr>
+              <a:t>foo = </a:t>
+            </a:r>
+            <a:r>
+              <a:rPr lang="en-US" sz="2000" dirty="0">
+                <a:solidFill>
+                  <a:schemeClr val="accent3">
+                    <a:lumMod val="75000"/>
+                  </a:schemeClr>
+                </a:solidFill>
+                <a:latin typeface="Calibri" panose="020F0502020204030204" pitchFamily="34" charset="0"/>
+                <a:cs typeface="Calibri" panose="020F0502020204030204" pitchFamily="34" charset="0"/>
+              </a:rPr>
+              <a:t>‘567’;  </a:t>
+            </a:r>
+          </a:p>
+          <a:p>
+            <a:pPr>
+              <a:lnSpc>
+                <a:spcPct val="150000"/>
+              </a:lnSpc>
+              <a:spcBef>
+                <a:spcPts val="0"/>
+              </a:spcBef>
+            </a:pPr>
+            <a:r>
+              <a:rPr lang="en-US" sz="2000" dirty="0">
+                <a:solidFill>
+                  <a:schemeClr val="tx1">
+                    <a:lumMod val="85000"/>
+                    <a:lumOff val="15000"/>
+                  </a:schemeClr>
+                </a:solidFill>
+                <a:latin typeface="Calibri" panose="020F0502020204030204" pitchFamily="34" charset="0"/>
+                <a:cs typeface="Calibri" panose="020F0502020204030204" pitchFamily="34" charset="0"/>
+              </a:rPr>
+              <a:t>JavaScript runs in varying environments</a:t>
+            </a:r>
+          </a:p>
+          <a:p>
+            <a:pPr>
+              <a:lnSpc>
+                <a:spcPct val="150000"/>
+              </a:lnSpc>
+              <a:spcBef>
+                <a:spcPts val="0"/>
+              </a:spcBef>
+            </a:pPr>
+            <a:r>
+              <a:rPr lang="en-US" sz="2000" dirty="0">
+                <a:solidFill>
+                  <a:schemeClr val="tx1">
+                    <a:lumMod val="85000"/>
+                    <a:lumOff val="15000"/>
+                  </a:schemeClr>
+                </a:solidFill>
+                <a:latin typeface="Calibri" panose="020F0502020204030204" pitchFamily="34" charset="0"/>
+                <a:cs typeface="Calibri" panose="020F0502020204030204" pitchFamily="34" charset="0"/>
+              </a:rPr>
+              <a:t>Testing and debugging is needed to verify its behavior across multiple browsers</a:t>
+            </a:r>
+          </a:p>
+          <a:p>
+            <a:pPr>
+              <a:lnSpc>
+                <a:spcPct val="150000"/>
+              </a:lnSpc>
+              <a:spcBef>
+                <a:spcPts val="0"/>
+              </a:spcBef>
+            </a:pPr>
+            <a:r>
+              <a:rPr lang="en-US" sz="2000" dirty="0">
+                <a:solidFill>
+                  <a:schemeClr val="tx1">
+                    <a:lumMod val="85000"/>
+                    <a:lumOff val="15000"/>
+                  </a:schemeClr>
+                </a:solidFill>
+                <a:latin typeface="Calibri" panose="020F0502020204030204" pitchFamily="34" charset="0"/>
+                <a:cs typeface="Calibri" panose="020F0502020204030204" pitchFamily="34" charset="0"/>
+              </a:rPr>
+              <a:t>Adding type checking could eliminates a class of programming errors </a:t>
+            </a:r>
+          </a:p>
+        </p:txBody>
+      </p:sp>
+    </p:spTree>
+    <p:extLst>
+      <p:ext uri="{BB962C8B-B14F-4D97-AF65-F5344CB8AC3E}">
+        <p14:creationId xmlns:p14="http://schemas.microsoft.com/office/powerpoint/2010/main" val="557626816"/>
+      </p:ext>
+    </p:extLst>
+  </p:cSld>
+  <p:clrMapOvr>
+    <a:masterClrMapping/>
+  </p:clrMapOvr>
+  <p:transition spd="med"/>
+</p:sld>
+</file>
+
+<file path=ppt/slides/slide15.xml><?xml version="1.0" encoding="utf-8"?>
+<p:sld xmlns:a="http://schemas.openxmlformats.org/drawingml/2006/main" xmlns:r="http://schemas.openxmlformats.org/officeDocument/2006/relationships" xmlns:p="http://schemas.openxmlformats.org/presentationml/2006/main">
+  <p:cSld>
+    <p:spTree>
+      <p:nvGrpSpPr>
+        <p:cNvPr id="1" name=""/>
+        <p:cNvGrpSpPr/>
+        <p:nvPr/>
+      </p:nvGrpSpPr>
+      <p:grpSpPr>
+        <a:xfrm>
+          <a:off x="0" y="0"/>
+          <a:ext cx="0" cy="0"/>
+          <a:chOff x="0" y="0"/>
+          <a:chExt cx="0" cy="0"/>
+        </a:xfrm>
+      </p:grpSpPr>
+      <p:sp>
+        <p:nvSpPr>
           <p:cNvPr id="135" name="Typescript"/>
           <p:cNvSpPr txBox="1">
             <a:spLocks noGrp="1"/>
@@ -3297,7 +4929,21 @@
                 <a:latin typeface="Calibri" panose="020F0502020204030204" pitchFamily="34" charset="0"/>
                 <a:cs typeface="Calibri" panose="020F0502020204030204" pitchFamily="34" charset="0"/>
               </a:rPr>
-              <a:t>Typescript </a:t>
+              <a:t>Type</a:t>
+            </a:r>
+            <a:r>
+              <a:rPr lang="en-US" sz="4000" dirty="0">
+                <a:latin typeface="Calibri" panose="020F0502020204030204" pitchFamily="34" charset="0"/>
+                <a:cs typeface="Calibri" panose="020F0502020204030204" pitchFamily="34" charset="0"/>
+              </a:rPr>
+              <a:t>S</a:t>
+            </a:r>
+            <a:r>
+              <a:rPr sz="4000" dirty="0">
+                <a:latin typeface="Calibri" panose="020F0502020204030204" pitchFamily="34" charset="0"/>
+                <a:cs typeface="Calibri" panose="020F0502020204030204" pitchFamily="34" charset="0"/>
+              </a:rPr>
+              <a:t>cript </a:t>
             </a:r>
           </a:p>
         </p:txBody>
@@ -3341,19 +4987,8 @@
                 <a:latin typeface="Calibri" panose="020F0502020204030204" pitchFamily="34" charset="0"/>
                 <a:cs typeface="Calibri" panose="020F0502020204030204" pitchFamily="34" charset="0"/>
               </a:rPr>
-              <a:t>TypeScript is a typed superset of </a:t>
-            </a:r>
-            <a:r>
-              <a:rPr lang="en-US" sz="2000" dirty="0" err="1">
-                <a:latin typeface="Calibri" panose="020F0502020204030204" pitchFamily="34" charset="0"/>
-                <a:cs typeface="Calibri" panose="020F0502020204030204" pitchFamily="34" charset="0"/>
-              </a:rPr>
-              <a:t>Javascript</a:t>
-            </a:r>
-            <a:endParaRPr lang="en-US" sz="2000" dirty="0">
-              <a:latin typeface="Calibri" panose="020F0502020204030204" pitchFamily="34" charset="0"/>
-              <a:cs typeface="Calibri" panose="020F0502020204030204" pitchFamily="34" charset="0"/>
-            </a:endParaRPr>
+              <a:t>TypeScript is a typed superset of JavaScript</a:t>
+            </a:r>
           </a:p>
           <a:p>
             <a:pPr defTabSz="457200">
@@ -3374,7 +5009,21 @@
                 <a:latin typeface="Calibri" panose="020F0502020204030204" pitchFamily="34" charset="0"/>
                 <a:cs typeface="Calibri" panose="020F0502020204030204" pitchFamily="34" charset="0"/>
               </a:rPr>
-              <a:t>TypeScript compiles into JavaScript</a:t>
+              <a:t>TypeScript code can be </a:t>
+            </a:r>
+            <a:r>
+              <a:rPr lang="en-US" sz="2000" dirty="0" err="1">
+                <a:latin typeface="Calibri" panose="020F0502020204030204" pitchFamily="34" charset="0"/>
+                <a:cs typeface="Calibri" panose="020F0502020204030204" pitchFamily="34" charset="0"/>
+              </a:rPr>
+              <a:t>transpiled</a:t>
+            </a:r>
+            <a:r>
+              <a:rPr lang="en-US" sz="2000" dirty="0">
+                <a:latin typeface="Calibri" panose="020F0502020204030204" pitchFamily="34" charset="0"/>
+                <a:cs typeface="Calibri" panose="020F0502020204030204" pitchFamily="34" charset="0"/>
+              </a:rPr>
+              <a:t> into JavaScript</a:t>
             </a:r>
           </a:p>
           <a:p>
@@ -3504,7 +5153,7 @@
 </p:sld>
 </file>
 
-<file path=ppt/slides/slide11.xml><?xml version="1.0" encoding="utf-8"?>
+<file path=ppt/slides/slide16.xml><?xml version="1.0" encoding="utf-8"?>
 <p:sld xmlns:a="http://schemas.openxmlformats.org/drawingml/2006/main" xmlns:r="http://schemas.openxmlformats.org/officeDocument/2006/relationships" xmlns:p="http://schemas.openxmlformats.org/presentationml/2006/main">
   <p:cSld>
     <p:spTree>
@@ -3615,22 +5264,26 @@
                 <a:latin typeface="Calibri" panose="020F0502020204030204" pitchFamily="34" charset="0"/>
                 <a:cs typeface="Calibri" panose="020F0502020204030204" pitchFamily="34" charset="0"/>
               </a:rPr>
-              <a:t>	•	Types increase your agility when doing refactoring. </a:t>
-            </a:r>
-            <a:r>
-              <a:rPr sz="2000" dirty="0">
-                <a:latin typeface="Calibri" panose="020F0502020204030204" pitchFamily="34" charset="0"/>
-                <a:cs typeface="Calibri" panose="020F0502020204030204" pitchFamily="34" charset="0"/>
-              </a:rPr>
-              <a:t>It's better for the compiler to catch errors than to have things fail at runtime</a:t>
+              <a:t>	•	Types increase </a:t>
+            </a:r>
+            <a:r>
+              <a:rPr lang="en-US" sz="2000" dirty="0">
+                <a:latin typeface="Calibri" panose="020F0502020204030204" pitchFamily="34" charset="0"/>
+                <a:cs typeface="Calibri" panose="020F0502020204030204" pitchFamily="34" charset="0"/>
+              </a:rPr>
+              <a:t>the quality of the code </a:t>
             </a:r>
             <a:r>
               <a:rPr sz="2000" i="0" dirty="0">
                 <a:latin typeface="Calibri" panose="020F0502020204030204" pitchFamily="34" charset="0"/>
                 <a:cs typeface="Calibri" panose="020F0502020204030204" pitchFamily="34" charset="0"/>
               </a:rPr>
-              <a:t>.</a:t>
-            </a:r>
+              <a:t>when doing refactoring. </a:t>
+            </a:r>
+            <a:endParaRPr lang="en-US" sz="2000" i="0" dirty="0">
+              <a:latin typeface="Calibri" panose="020F0502020204030204" pitchFamily="34" charset="0"/>
+              <a:cs typeface="Calibri" panose="020F0502020204030204" pitchFamily="34" charset="0"/>
+            </a:endParaRPr>
           </a:p>
           <a:p>
             <a:pPr marL="457200" indent="-457200" defTabSz="457200">
@@ -3652,6 +5305,48 @@
                 </a:solidFill>
               </a:defRPr>
             </a:pPr>
+            <a:r>
+              <a:rPr lang="en-US" sz="2000" dirty="0">
+                <a:latin typeface="Calibri" panose="020F0502020204030204" pitchFamily="34" charset="0"/>
+                <a:cs typeface="Calibri" panose="020F0502020204030204" pitchFamily="34" charset="0"/>
+              </a:rPr>
+              <a:t>		</a:t>
+            </a:r>
+            <a:r>
+              <a:rPr sz="2000" dirty="0">
+                <a:latin typeface="Calibri" panose="020F0502020204030204" pitchFamily="34" charset="0"/>
+                <a:cs typeface="Calibri" panose="020F0502020204030204" pitchFamily="34" charset="0"/>
+              </a:rPr>
+              <a:t>It's better for the compiler to catch errors than to have things fail at runtime</a:t>
+            </a:r>
+            <a:r>
+              <a:rPr sz="2000" i="0" dirty="0">
+                <a:latin typeface="Calibri" panose="020F0502020204030204" pitchFamily="34" charset="0"/>
+                <a:cs typeface="Calibri" panose="020F0502020204030204" pitchFamily="34" charset="0"/>
+              </a:rPr>
+              <a:t>.</a:t>
+            </a:r>
+          </a:p>
+          <a:p>
+            <a:pPr marL="457200" indent="-457200" defTabSz="457200">
+              <a:lnSpc>
+                <a:spcPct val="150000"/>
+              </a:lnSpc>
+              <a:spcBef>
+                <a:spcPts val="0"/>
+              </a:spcBef>
+              <a:buSzTx/>
+              <a:buNone/>
+              <a:tabLst>
+                <a:tab pos="139700" algn="l"/>
+                <a:tab pos="457200" algn="l"/>
+              </a:tabLst>
+              <a:defRPr sz="1600" i="1">
+                <a:solidFill>
+                  <a:srgbClr val="333333"/>
+                </a:solidFill>
+              </a:defRPr>
+            </a:pPr>
             <a:endParaRPr sz="2000" i="0" dirty="0">
               <a:latin typeface="Calibri" panose="020F0502020204030204" pitchFamily="34" charset="0"/>
               <a:cs typeface="Calibri" panose="020F0502020204030204" pitchFamily="34" charset="0"/>
@@ -3683,6 +5378,38 @@
                 <a:cs typeface="Calibri" panose="020F0502020204030204" pitchFamily="34" charset="0"/>
               </a:rPr>
               <a:t>	•	Types are one of the best forms of documentation you can have. </a:t>
+            </a:r>
+            <a:endParaRPr lang="en-US" sz="2000" i="0" dirty="0">
+              <a:latin typeface="Calibri" panose="020F0502020204030204" pitchFamily="34" charset="0"/>
+              <a:cs typeface="Calibri" panose="020F0502020204030204" pitchFamily="34" charset="0"/>
+            </a:endParaRPr>
+          </a:p>
+          <a:p>
+            <a:pPr marL="457200" indent="-457200" defTabSz="457200">
+              <a:lnSpc>
+                <a:spcPct val="150000"/>
+              </a:lnSpc>
+              <a:spcBef>
+                <a:spcPts val="0"/>
+              </a:spcBef>
+              <a:buSzTx/>
+              <a:buNone/>
+              <a:tabLst>
+                <a:tab pos="139700" algn="l"/>
+                <a:tab pos="457200" algn="l"/>
+              </a:tabLst>
+              <a:defRPr i="1">
+                <a:solidFill>
+                  <a:srgbClr val="333333"/>
+                </a:solidFill>
+              </a:defRPr>
+            </a:pPr>
+            <a:r>
+              <a:rPr lang="en-US" sz="2000" dirty="0">
+                <a:latin typeface="Calibri" panose="020F0502020204030204" pitchFamily="34" charset="0"/>
+                <a:cs typeface="Calibri" panose="020F0502020204030204" pitchFamily="34" charset="0"/>
+              </a:rPr>
+              <a:t>		</a:t>
             </a:r>
             <a:r>
               <a:rPr sz="2000" dirty="0">
@@ -3710,7 +5437,7 @@
 </p:sld>
 </file>
 
-<file path=ppt/slides/slide12.xml><?xml version="1.0" encoding="utf-8"?>
+<file path=ppt/slides/slide17.xml><?xml version="1.0" encoding="utf-8"?>
 <p:sld xmlns:a="http://schemas.openxmlformats.org/drawingml/2006/main" xmlns:r="http://schemas.openxmlformats.org/officeDocument/2006/relationships" xmlns:p="http://schemas.openxmlformats.org/presentationml/2006/main">
   <p:cSld>
     <p:spTree>
@@ -3948,245 +5675,6 @@
               <a:cs typeface="Calibri" panose="020F0502020204030204" pitchFamily="34" charset="0"/>
             </a:endParaRPr>
           </a:p>
-          <a:p>
-            <a:pPr marL="250031" indent="-250031" defTabSz="457200">
-              <a:lnSpc>
-                <a:spcPct val="150000"/>
-              </a:lnSpc>
-              <a:spcBef>
-                <a:spcPts val="1500"/>
-              </a:spcBef>
-              <a:defRPr b="1">
-                <a:solidFill>
-                  <a:srgbClr val="333333"/>
-                </a:solidFill>
-              </a:defRPr>
-            </a:pPr>
-            <a:r>
-              <a:rPr sz="2000" dirty="0">
-                <a:latin typeface="Calibri" panose="020F0502020204030204" pitchFamily="34" charset="0"/>
-                <a:cs typeface="Calibri" panose="020F0502020204030204" pitchFamily="34" charset="0"/>
-              </a:rPr>
-              <a:t>Types can be Explicit</a:t>
-            </a:r>
-          </a:p>
-          <a:p>
-            <a:pPr marL="0" indent="0" defTabSz="457200">
-              <a:lnSpc>
-                <a:spcPct val="150000"/>
-              </a:lnSpc>
-              <a:spcBef>
-                <a:spcPts val="0"/>
-              </a:spcBef>
-              <a:buSzTx/>
-              <a:buNone/>
-              <a:defRPr>
-                <a:solidFill>
-                  <a:srgbClr val="333333"/>
-                </a:solidFill>
-                <a:latin typeface="Menlo"/>
-                <a:ea typeface="Menlo"/>
-                <a:cs typeface="Menlo"/>
-                <a:sym typeface="Menlo"/>
-              </a:defRPr>
-            </a:pPr>
-            <a:r>
-              <a:rPr sz="2000" dirty="0" err="1">
-                <a:solidFill>
-                  <a:srgbClr val="8959A8"/>
-                </a:solidFill>
-                <a:latin typeface="Calibri" panose="020F0502020204030204" pitchFamily="34" charset="0"/>
-                <a:cs typeface="Calibri" panose="020F0502020204030204" pitchFamily="34" charset="0"/>
-              </a:rPr>
-              <a:t>var</a:t>
-            </a:r>
-            <a:r>
-              <a:rPr sz="2000" dirty="0">
-                <a:latin typeface="Calibri" panose="020F0502020204030204" pitchFamily="34" charset="0"/>
-                <a:cs typeface="Calibri" panose="020F0502020204030204" pitchFamily="34" charset="0"/>
-              </a:rPr>
-              <a:t> foo: </a:t>
-            </a:r>
-            <a:r>
-              <a:rPr sz="2000" dirty="0">
-                <a:solidFill>
-                  <a:srgbClr val="F5871F"/>
-                </a:solidFill>
-                <a:latin typeface="Calibri" panose="020F0502020204030204" pitchFamily="34" charset="0"/>
-                <a:cs typeface="Calibri" panose="020F0502020204030204" pitchFamily="34" charset="0"/>
-              </a:rPr>
-              <a:t>number</a:t>
-            </a:r>
-            <a:r>
-              <a:rPr sz="2000" dirty="0">
-                <a:latin typeface="Calibri" panose="020F0502020204030204" pitchFamily="34" charset="0"/>
-                <a:cs typeface="Calibri" panose="020F0502020204030204" pitchFamily="34" charset="0"/>
-              </a:rPr>
-              <a:t> = </a:t>
-            </a:r>
-            <a:r>
-              <a:rPr sz="2000" dirty="0">
-                <a:solidFill>
-                  <a:srgbClr val="F5871F"/>
-                </a:solidFill>
-                <a:latin typeface="Calibri" panose="020F0502020204030204" pitchFamily="34" charset="0"/>
-                <a:cs typeface="Calibri" panose="020F0502020204030204" pitchFamily="34" charset="0"/>
-              </a:rPr>
-              <a:t>123</a:t>
-            </a:r>
-            <a:r>
-              <a:rPr sz="2000" dirty="0">
-                <a:latin typeface="Calibri" panose="020F0502020204030204" pitchFamily="34" charset="0"/>
-                <a:cs typeface="Calibri" panose="020F0502020204030204" pitchFamily="34" charset="0"/>
-              </a:rPr>
-              <a:t>;</a:t>
-            </a:r>
-          </a:p>
-          <a:p>
-            <a:pPr marL="0" indent="0" defTabSz="457200">
-              <a:lnSpc>
-                <a:spcPct val="150000"/>
-              </a:lnSpc>
-              <a:spcBef>
-                <a:spcPts val="0"/>
-              </a:spcBef>
-              <a:buSzTx/>
-              <a:buNone/>
-              <a:defRPr>
-                <a:solidFill>
-                  <a:srgbClr val="8E908C"/>
-                </a:solidFill>
-                <a:latin typeface="Menlo"/>
-                <a:ea typeface="Menlo"/>
-                <a:cs typeface="Menlo"/>
-                <a:sym typeface="Menlo"/>
-              </a:defRPr>
-            </a:pPr>
-            <a:r>
-              <a:rPr sz="2000" dirty="0" err="1">
-                <a:solidFill>
-                  <a:srgbClr val="8959A8"/>
-                </a:solidFill>
-                <a:latin typeface="Calibri" panose="020F0502020204030204" pitchFamily="34" charset="0"/>
-                <a:cs typeface="Calibri" panose="020F0502020204030204" pitchFamily="34" charset="0"/>
-              </a:rPr>
-              <a:t>var</a:t>
-            </a:r>
-            <a:r>
-              <a:rPr sz="2000" dirty="0">
-                <a:solidFill>
-                  <a:srgbClr val="333333"/>
-                </a:solidFill>
-                <a:latin typeface="Calibri" panose="020F0502020204030204" pitchFamily="34" charset="0"/>
-                <a:cs typeface="Calibri" panose="020F0502020204030204" pitchFamily="34" charset="0"/>
-              </a:rPr>
-              <a:t> foo: </a:t>
-            </a:r>
-            <a:r>
-              <a:rPr sz="2000" dirty="0">
-                <a:solidFill>
-                  <a:srgbClr val="F5871F"/>
-                </a:solidFill>
-                <a:latin typeface="Calibri" panose="020F0502020204030204" pitchFamily="34" charset="0"/>
-                <a:cs typeface="Calibri" panose="020F0502020204030204" pitchFamily="34" charset="0"/>
-              </a:rPr>
-              <a:t>number</a:t>
-            </a:r>
-            <a:r>
-              <a:rPr sz="2000" dirty="0">
-                <a:solidFill>
-                  <a:srgbClr val="333333"/>
-                </a:solidFill>
-                <a:latin typeface="Calibri" panose="020F0502020204030204" pitchFamily="34" charset="0"/>
-                <a:cs typeface="Calibri" panose="020F0502020204030204" pitchFamily="34" charset="0"/>
-              </a:rPr>
-              <a:t> = </a:t>
-            </a:r>
-            <a:r>
-              <a:rPr sz="2000" dirty="0">
-                <a:solidFill>
-                  <a:srgbClr val="718C00"/>
-                </a:solidFill>
-                <a:latin typeface="Calibri" panose="020F0502020204030204" pitchFamily="34" charset="0"/>
-                <a:cs typeface="Calibri" panose="020F0502020204030204" pitchFamily="34" charset="0"/>
-              </a:rPr>
-              <a:t>'123'</a:t>
-            </a:r>
-            <a:r>
-              <a:rPr sz="2000" dirty="0">
-                <a:solidFill>
-                  <a:srgbClr val="333333"/>
-                </a:solidFill>
-                <a:latin typeface="Calibri" panose="020F0502020204030204" pitchFamily="34" charset="0"/>
-                <a:cs typeface="Calibri" panose="020F0502020204030204" pitchFamily="34" charset="0"/>
-              </a:rPr>
-              <a:t>; </a:t>
-            </a:r>
-            <a:r>
-              <a:rPr sz="2000" dirty="0">
-                <a:latin typeface="Calibri" panose="020F0502020204030204" pitchFamily="34" charset="0"/>
-                <a:cs typeface="Calibri" panose="020F0502020204030204" pitchFamily="34" charset="0"/>
-              </a:rPr>
-              <a:t>// Error: cannot assign a `string` to a `number`</a:t>
-            </a:r>
-            <a:endParaRPr sz="2000" dirty="0">
-              <a:solidFill>
-                <a:srgbClr val="333333"/>
-              </a:solidFill>
-              <a:latin typeface="Calibri" panose="020F0502020204030204" pitchFamily="34" charset="0"/>
-              <a:cs typeface="Calibri" panose="020F0502020204030204" pitchFamily="34" charset="0"/>
-            </a:endParaRPr>
-          </a:p>
-          <a:p>
-            <a:pPr marL="0" indent="0" defTabSz="457200">
-              <a:lnSpc>
-                <a:spcPct val="150000"/>
-              </a:lnSpc>
-              <a:spcBef>
-                <a:spcPts val="0"/>
-              </a:spcBef>
-              <a:buSzTx/>
-              <a:buNone/>
-              <a:defRPr>
-                <a:solidFill>
-                  <a:srgbClr val="8E908C"/>
-                </a:solidFill>
-                <a:latin typeface="Menlo"/>
-                <a:ea typeface="Menlo"/>
-                <a:cs typeface="Menlo"/>
-                <a:sym typeface="Menlo"/>
-              </a:defRPr>
-            </a:pPr>
-            <a:endParaRPr sz="2000" dirty="0">
-              <a:solidFill>
-                <a:srgbClr val="333333"/>
-              </a:solidFill>
-              <a:latin typeface="Calibri" panose="020F0502020204030204" pitchFamily="34" charset="0"/>
-              <a:cs typeface="Calibri" panose="020F0502020204030204" pitchFamily="34" charset="0"/>
-            </a:endParaRPr>
-          </a:p>
-          <a:p>
-            <a:pPr marL="250031" indent="-250031" defTabSz="457200">
-              <a:lnSpc>
-                <a:spcPct val="150000"/>
-              </a:lnSpc>
-              <a:spcBef>
-                <a:spcPts val="1500"/>
-              </a:spcBef>
-              <a:defRPr b="1">
-                <a:solidFill>
-                  <a:srgbClr val="333333"/>
-                </a:solidFill>
-              </a:defRPr>
-            </a:pPr>
-            <a:r>
-              <a:rPr sz="2000" dirty="0">
-                <a:latin typeface="Calibri" panose="020F0502020204030204" pitchFamily="34" charset="0"/>
-                <a:cs typeface="Calibri" panose="020F0502020204030204" pitchFamily="34" charset="0"/>
-              </a:rPr>
-              <a:t>Types are structural</a:t>
-            </a:r>
-          </a:p>
         </p:txBody>
       </p:sp>
     </p:spTree>
@@ -4198,7 +5686,450 @@
 </p:sld>
 </file>
 
-<file path=ppt/slides/slide13.xml><?xml version="1.0" encoding="utf-8"?>
+<file path=ppt/slides/slide18.xml><?xml version="1.0" encoding="utf-8"?>
+<p:sld xmlns:a="http://schemas.openxmlformats.org/drawingml/2006/main" xmlns:r="http://schemas.openxmlformats.org/officeDocument/2006/relationships" xmlns:p="http://schemas.openxmlformats.org/presentationml/2006/main">
+  <p:cSld>
+    <p:spTree>
+      <p:nvGrpSpPr>
+        <p:cNvPr id="1" name=""/>
+        <p:cNvGrpSpPr/>
+        <p:nvPr/>
+      </p:nvGrpSpPr>
+      <p:grpSpPr>
+        <a:xfrm>
+          <a:off x="0" y="0"/>
+          <a:ext cx="0" cy="0"/>
+          <a:chOff x="0" y="0"/>
+          <a:chExt cx="0" cy="0"/>
+        </a:xfrm>
+      </p:grpSpPr>
+      <p:sp>
+        <p:nvSpPr>
+          <p:cNvPr id="141" name="Types in Typescript"/>
+          <p:cNvSpPr txBox="1">
+            <a:spLocks noGrp="1"/>
+          </p:cNvSpPr>
+          <p:nvPr>
+            <p:ph type="title"/>
+          </p:nvPr>
+        </p:nvSpPr>
+        <p:spPr>
+          <a:prstGeom prst="rect">
+            <a:avLst/>
+          </a:prstGeom>
+        </p:spPr>
+        <p:txBody>
+          <a:bodyPr>
+            <a:normAutofit/>
+          </a:bodyPr>
+          <a:lstStyle/>
+          <a:p>
+            <a:r>
+              <a:rPr sz="4000" dirty="0">
+                <a:latin typeface="Calibri" panose="020F0502020204030204" pitchFamily="34" charset="0"/>
+                <a:cs typeface="Calibri" panose="020F0502020204030204" pitchFamily="34" charset="0"/>
+              </a:rPr>
+              <a:t>Types in Typescript</a:t>
+            </a:r>
+          </a:p>
+        </p:txBody>
+      </p:sp>
+      <p:sp>
+        <p:nvSpPr>
+          <p:cNvPr id="142" name="Types can be Implicit…"/>
+          <p:cNvSpPr txBox="1">
+            <a:spLocks noGrp="1"/>
+          </p:cNvSpPr>
+          <p:nvPr>
+            <p:ph type="body" idx="1"/>
+          </p:nvPr>
+        </p:nvSpPr>
+        <p:spPr>
+          <a:prstGeom prst="rect">
+            <a:avLst/>
+          </a:prstGeom>
+        </p:spPr>
+        <p:txBody>
+          <a:bodyPr anchor="t">
+            <a:noAutofit/>
+          </a:bodyPr>
+          <a:lstStyle/>
+          <a:p>
+            <a:pPr marL="250031" indent="-250031" defTabSz="457200">
+              <a:lnSpc>
+                <a:spcPct val="150000"/>
+              </a:lnSpc>
+              <a:spcBef>
+                <a:spcPts val="1500"/>
+              </a:spcBef>
+              <a:defRPr b="1">
+                <a:solidFill>
+                  <a:srgbClr val="333333"/>
+                </a:solidFill>
+              </a:defRPr>
+            </a:pPr>
+            <a:r>
+              <a:rPr sz="2000" dirty="0">
+                <a:latin typeface="Calibri" panose="020F0502020204030204" pitchFamily="34" charset="0"/>
+                <a:cs typeface="Calibri" panose="020F0502020204030204" pitchFamily="34" charset="0"/>
+              </a:rPr>
+              <a:t>Types can be Implicit</a:t>
+            </a:r>
+          </a:p>
+          <a:p>
+            <a:pPr marL="0" indent="0" defTabSz="457200">
+              <a:lnSpc>
+                <a:spcPct val="150000"/>
+              </a:lnSpc>
+              <a:spcBef>
+                <a:spcPts val="0"/>
+              </a:spcBef>
+              <a:buSzTx/>
+              <a:buNone/>
+              <a:defRPr>
+                <a:solidFill>
+                  <a:srgbClr val="333333"/>
+                </a:solidFill>
+                <a:latin typeface="Menlo"/>
+                <a:ea typeface="Menlo"/>
+                <a:cs typeface="Menlo"/>
+                <a:sym typeface="Menlo"/>
+              </a:defRPr>
+            </a:pPr>
+            <a:r>
+              <a:rPr sz="2000" dirty="0" err="1">
+                <a:solidFill>
+                  <a:srgbClr val="8959A8"/>
+                </a:solidFill>
+                <a:latin typeface="Calibri" panose="020F0502020204030204" pitchFamily="34" charset="0"/>
+                <a:cs typeface="Calibri" panose="020F0502020204030204" pitchFamily="34" charset="0"/>
+              </a:rPr>
+              <a:t>var</a:t>
+            </a:r>
+            <a:r>
+              <a:rPr sz="2000" dirty="0">
+                <a:latin typeface="Calibri" panose="020F0502020204030204" pitchFamily="34" charset="0"/>
+                <a:cs typeface="Calibri" panose="020F0502020204030204" pitchFamily="34" charset="0"/>
+              </a:rPr>
+              <a:t> foo = </a:t>
+            </a:r>
+            <a:r>
+              <a:rPr sz="2000" dirty="0">
+                <a:solidFill>
+                  <a:srgbClr val="F5871F"/>
+                </a:solidFill>
+                <a:latin typeface="Calibri" panose="020F0502020204030204" pitchFamily="34" charset="0"/>
+                <a:cs typeface="Calibri" panose="020F0502020204030204" pitchFamily="34" charset="0"/>
+              </a:rPr>
+              <a:t>123</a:t>
+            </a:r>
+            <a:r>
+              <a:rPr sz="2000" dirty="0">
+                <a:latin typeface="Calibri" panose="020F0502020204030204" pitchFamily="34" charset="0"/>
+                <a:cs typeface="Calibri" panose="020F0502020204030204" pitchFamily="34" charset="0"/>
+              </a:rPr>
+              <a:t>;</a:t>
+            </a:r>
+          </a:p>
+          <a:p>
+            <a:pPr marL="0" indent="0" defTabSz="457200">
+              <a:lnSpc>
+                <a:spcPct val="150000"/>
+              </a:lnSpc>
+              <a:spcBef>
+                <a:spcPts val="0"/>
+              </a:spcBef>
+              <a:buSzTx/>
+              <a:buNone/>
+              <a:defRPr>
+                <a:solidFill>
+                  <a:srgbClr val="8E908C"/>
+                </a:solidFill>
+                <a:latin typeface="Menlo"/>
+                <a:ea typeface="Menlo"/>
+                <a:cs typeface="Menlo"/>
+                <a:sym typeface="Menlo"/>
+              </a:defRPr>
+            </a:pPr>
+            <a:r>
+              <a:rPr sz="2000" dirty="0">
+                <a:solidFill>
+                  <a:srgbClr val="333333"/>
+                </a:solidFill>
+                <a:latin typeface="Calibri" panose="020F0502020204030204" pitchFamily="34" charset="0"/>
+                <a:cs typeface="Calibri" panose="020F0502020204030204" pitchFamily="34" charset="0"/>
+              </a:rPr>
+              <a:t>foo = </a:t>
+            </a:r>
+            <a:r>
+              <a:rPr sz="2000" dirty="0">
+                <a:solidFill>
+                  <a:srgbClr val="718C00"/>
+                </a:solidFill>
+                <a:latin typeface="Calibri" panose="020F0502020204030204" pitchFamily="34" charset="0"/>
+                <a:cs typeface="Calibri" panose="020F0502020204030204" pitchFamily="34" charset="0"/>
+              </a:rPr>
+              <a:t>'456'</a:t>
+            </a:r>
+            <a:r>
+              <a:rPr sz="2000" dirty="0">
+                <a:solidFill>
+                  <a:srgbClr val="333333"/>
+                </a:solidFill>
+                <a:latin typeface="Calibri" panose="020F0502020204030204" pitchFamily="34" charset="0"/>
+                <a:cs typeface="Calibri" panose="020F0502020204030204" pitchFamily="34" charset="0"/>
+              </a:rPr>
+              <a:t>; </a:t>
+            </a:r>
+            <a:r>
+              <a:rPr sz="2000" dirty="0">
+                <a:latin typeface="Calibri" panose="020F0502020204030204" pitchFamily="34" charset="0"/>
+                <a:cs typeface="Calibri" panose="020F0502020204030204" pitchFamily="34" charset="0"/>
+              </a:rPr>
+              <a:t>// Error: cannot assign `string` to `number</a:t>
+            </a:r>
+            <a:endParaRPr lang="en-US" sz="2000" dirty="0">
+              <a:solidFill>
+                <a:srgbClr val="333333"/>
+              </a:solidFill>
+              <a:latin typeface="Calibri" panose="020F0502020204030204" pitchFamily="34" charset="0"/>
+              <a:cs typeface="Calibri" panose="020F0502020204030204" pitchFamily="34" charset="0"/>
+            </a:endParaRPr>
+          </a:p>
+          <a:p>
+            <a:pPr marL="250031" indent="-250031" defTabSz="457200">
+              <a:lnSpc>
+                <a:spcPct val="150000"/>
+              </a:lnSpc>
+              <a:spcBef>
+                <a:spcPts val="1500"/>
+              </a:spcBef>
+              <a:defRPr b="1">
+                <a:solidFill>
+                  <a:srgbClr val="333333"/>
+                </a:solidFill>
+              </a:defRPr>
+            </a:pPr>
+            <a:r>
+              <a:rPr lang="en-US" sz="2000" dirty="0">
+                <a:latin typeface="Calibri" panose="020F0502020204030204" pitchFamily="34" charset="0"/>
+                <a:cs typeface="Calibri" panose="020F0502020204030204" pitchFamily="34" charset="0"/>
+              </a:rPr>
+              <a:t>Types can be Explicit</a:t>
+            </a:r>
+          </a:p>
+          <a:p>
+            <a:pPr marL="0" indent="0" defTabSz="457200">
+              <a:lnSpc>
+                <a:spcPct val="150000"/>
+              </a:lnSpc>
+              <a:spcBef>
+                <a:spcPts val="0"/>
+              </a:spcBef>
+              <a:buSzTx/>
+              <a:buNone/>
+              <a:defRPr>
+                <a:solidFill>
+                  <a:srgbClr val="333333"/>
+                </a:solidFill>
+                <a:latin typeface="Menlo"/>
+                <a:ea typeface="Menlo"/>
+                <a:cs typeface="Menlo"/>
+                <a:sym typeface="Menlo"/>
+              </a:defRPr>
+            </a:pPr>
+            <a:r>
+              <a:rPr lang="en-US" sz="2000" dirty="0" err="1">
+                <a:solidFill>
+                  <a:srgbClr val="8959A8"/>
+                </a:solidFill>
+                <a:latin typeface="Calibri" panose="020F0502020204030204" pitchFamily="34" charset="0"/>
+                <a:cs typeface="Calibri" panose="020F0502020204030204" pitchFamily="34" charset="0"/>
+              </a:rPr>
+              <a:t>var</a:t>
+            </a:r>
+            <a:r>
+              <a:rPr lang="en-US" sz="2000" dirty="0">
+                <a:latin typeface="Calibri" panose="020F0502020204030204" pitchFamily="34" charset="0"/>
+                <a:cs typeface="Calibri" panose="020F0502020204030204" pitchFamily="34" charset="0"/>
+              </a:rPr>
+              <a:t> foo: </a:t>
+            </a:r>
+            <a:r>
+              <a:rPr lang="en-US" sz="2000" dirty="0">
+                <a:solidFill>
+                  <a:srgbClr val="F5871F"/>
+                </a:solidFill>
+                <a:latin typeface="Calibri" panose="020F0502020204030204" pitchFamily="34" charset="0"/>
+                <a:cs typeface="Calibri" panose="020F0502020204030204" pitchFamily="34" charset="0"/>
+              </a:rPr>
+              <a:t>number</a:t>
+            </a:r>
+            <a:r>
+              <a:rPr lang="en-US" sz="2000" dirty="0">
+                <a:latin typeface="Calibri" panose="020F0502020204030204" pitchFamily="34" charset="0"/>
+                <a:cs typeface="Calibri" panose="020F0502020204030204" pitchFamily="34" charset="0"/>
+              </a:rPr>
+              <a:t> = </a:t>
+            </a:r>
+            <a:r>
+              <a:rPr lang="en-US" sz="2000" dirty="0">
+                <a:solidFill>
+                  <a:srgbClr val="F5871F"/>
+                </a:solidFill>
+                <a:latin typeface="Calibri" panose="020F0502020204030204" pitchFamily="34" charset="0"/>
+                <a:cs typeface="Calibri" panose="020F0502020204030204" pitchFamily="34" charset="0"/>
+              </a:rPr>
+              <a:t>123</a:t>
+            </a:r>
+            <a:r>
+              <a:rPr lang="en-US" sz="2000" dirty="0">
+                <a:latin typeface="Calibri" panose="020F0502020204030204" pitchFamily="34" charset="0"/>
+                <a:cs typeface="Calibri" panose="020F0502020204030204" pitchFamily="34" charset="0"/>
+              </a:rPr>
+              <a:t>;</a:t>
+            </a:r>
+          </a:p>
+          <a:p>
+            <a:pPr marL="0" indent="0" defTabSz="457200">
+              <a:lnSpc>
+                <a:spcPct val="150000"/>
+              </a:lnSpc>
+              <a:spcBef>
+                <a:spcPts val="0"/>
+              </a:spcBef>
+              <a:buSzTx/>
+              <a:buNone/>
+              <a:defRPr>
+                <a:solidFill>
+                  <a:srgbClr val="8E908C"/>
+                </a:solidFill>
+                <a:latin typeface="Menlo"/>
+                <a:ea typeface="Menlo"/>
+                <a:cs typeface="Menlo"/>
+                <a:sym typeface="Menlo"/>
+              </a:defRPr>
+            </a:pPr>
+            <a:r>
+              <a:rPr lang="en-US" sz="2000" dirty="0" err="1">
+                <a:solidFill>
+                  <a:srgbClr val="8959A8"/>
+                </a:solidFill>
+                <a:latin typeface="Calibri" panose="020F0502020204030204" pitchFamily="34" charset="0"/>
+                <a:cs typeface="Calibri" panose="020F0502020204030204" pitchFamily="34" charset="0"/>
+              </a:rPr>
+              <a:t>var</a:t>
+            </a:r>
+            <a:r>
+              <a:rPr lang="en-US" sz="2000" dirty="0">
+                <a:solidFill>
+                  <a:srgbClr val="333333"/>
+                </a:solidFill>
+                <a:latin typeface="Calibri" panose="020F0502020204030204" pitchFamily="34" charset="0"/>
+                <a:cs typeface="Calibri" panose="020F0502020204030204" pitchFamily="34" charset="0"/>
+              </a:rPr>
+              <a:t> foo: </a:t>
+            </a:r>
+            <a:r>
+              <a:rPr lang="en-US" sz="2000" dirty="0">
+                <a:solidFill>
+                  <a:srgbClr val="F5871F"/>
+                </a:solidFill>
+                <a:latin typeface="Calibri" panose="020F0502020204030204" pitchFamily="34" charset="0"/>
+                <a:cs typeface="Calibri" panose="020F0502020204030204" pitchFamily="34" charset="0"/>
+              </a:rPr>
+              <a:t>number</a:t>
+            </a:r>
+            <a:r>
+              <a:rPr lang="en-US" sz="2000" dirty="0">
+                <a:solidFill>
+                  <a:srgbClr val="333333"/>
+                </a:solidFill>
+                <a:latin typeface="Calibri" panose="020F0502020204030204" pitchFamily="34" charset="0"/>
+                <a:cs typeface="Calibri" panose="020F0502020204030204" pitchFamily="34" charset="0"/>
+              </a:rPr>
+              <a:t> = </a:t>
+            </a:r>
+            <a:r>
+              <a:rPr lang="en-US" sz="2000" dirty="0">
+                <a:solidFill>
+                  <a:srgbClr val="718C00"/>
+                </a:solidFill>
+                <a:latin typeface="Calibri" panose="020F0502020204030204" pitchFamily="34" charset="0"/>
+                <a:cs typeface="Calibri" panose="020F0502020204030204" pitchFamily="34" charset="0"/>
+              </a:rPr>
+              <a:t>'123'</a:t>
+            </a:r>
+            <a:r>
+              <a:rPr lang="en-US" sz="2000" dirty="0">
+                <a:solidFill>
+                  <a:srgbClr val="333333"/>
+                </a:solidFill>
+                <a:latin typeface="Calibri" panose="020F0502020204030204" pitchFamily="34" charset="0"/>
+                <a:cs typeface="Calibri" panose="020F0502020204030204" pitchFamily="34" charset="0"/>
+              </a:rPr>
+              <a:t>; </a:t>
+            </a:r>
+            <a:r>
+              <a:rPr lang="en-US" sz="2000" dirty="0">
+                <a:latin typeface="Calibri" panose="020F0502020204030204" pitchFamily="34" charset="0"/>
+                <a:cs typeface="Calibri" panose="020F0502020204030204" pitchFamily="34" charset="0"/>
+              </a:rPr>
+              <a:t>// Error: cannot assign a `string` to a `number`</a:t>
+            </a:r>
+            <a:endParaRPr lang="en-US" sz="2000" dirty="0">
+              <a:solidFill>
+                <a:srgbClr val="333333"/>
+              </a:solidFill>
+              <a:latin typeface="Calibri" panose="020F0502020204030204" pitchFamily="34" charset="0"/>
+              <a:cs typeface="Calibri" panose="020F0502020204030204" pitchFamily="34" charset="0"/>
+            </a:endParaRPr>
+          </a:p>
+          <a:p>
+            <a:pPr marL="0" indent="0" defTabSz="457200">
+              <a:lnSpc>
+                <a:spcPct val="150000"/>
+              </a:lnSpc>
+              <a:spcBef>
+                <a:spcPts val="0"/>
+              </a:spcBef>
+              <a:buSzTx/>
+              <a:buNone/>
+              <a:defRPr>
+                <a:solidFill>
+                  <a:srgbClr val="8E908C"/>
+                </a:solidFill>
+                <a:latin typeface="Menlo"/>
+                <a:ea typeface="Menlo"/>
+                <a:cs typeface="Menlo"/>
+                <a:sym typeface="Menlo"/>
+              </a:defRPr>
+            </a:pPr>
+            <a:endParaRPr sz="2000" dirty="0">
+              <a:solidFill>
+                <a:srgbClr val="333333"/>
+              </a:solidFill>
+              <a:latin typeface="Calibri" panose="020F0502020204030204" pitchFamily="34" charset="0"/>
+              <a:cs typeface="Calibri" panose="020F0502020204030204" pitchFamily="34" charset="0"/>
+            </a:endParaRPr>
+          </a:p>
+        </p:txBody>
+      </p:sp>
+    </p:spTree>
+    <p:extLst>
+      <p:ext uri="{BB962C8B-B14F-4D97-AF65-F5344CB8AC3E}">
+        <p14:creationId xmlns:p14="http://schemas.microsoft.com/office/powerpoint/2010/main" val="1984492712"/>
+      </p:ext>
+    </p:extLst>
+  </p:cSld>
+  <p:clrMapOvr>
+    <a:masterClrMapping/>
+  </p:clrMapOvr>
+  <p:transition spd="med"/>
+</p:sld>
+</file>
+
+<file path=ppt/slides/slide19.xml><?xml version="1.0" encoding="utf-8"?>
 <p:sld xmlns:a="http://schemas.openxmlformats.org/drawingml/2006/main" xmlns:r="http://schemas.openxmlformats.org/officeDocument/2006/relationships" xmlns:p="http://schemas.openxmlformats.org/presentationml/2006/main">
   <p:cSld>
     <p:spTree>
@@ -4411,1045 +6342,6 @@
               </a:rPr>
               <a:t>"loading"</a:t>
             </a:r>
-          </a:p>
-          <a:p>
-            <a:pPr marL="648970" lvl="1" indent="-324485" defTabSz="426466">
-              <a:spcBef>
-                <a:spcPts val="3000"/>
-              </a:spcBef>
-              <a:defRPr sz="2336"/>
-            </a:pPr>
-            <a:r>
-              <a:rPr sz="2000" dirty="0">
-                <a:latin typeface="Calibri" panose="020F0502020204030204" pitchFamily="34" charset="0"/>
-                <a:cs typeface="Calibri" panose="020F0502020204030204" pitchFamily="34" charset="0"/>
-              </a:rPr>
-              <a:t>we can also join more complex types together</a:t>
-            </a:r>
-          </a:p>
-          <a:p>
-            <a:pPr marL="0" lvl="5" indent="834390" defTabSz="426466">
-              <a:spcBef>
-                <a:spcPts val="3000"/>
-              </a:spcBef>
-              <a:buSzTx/>
-              <a:buNone/>
-              <a:defRPr sz="2336"/>
-            </a:pPr>
-            <a:r>
-              <a:rPr sz="2000" dirty="0">
-                <a:solidFill>
-                  <a:schemeClr val="accent1">
-                    <a:hueOff val="114395"/>
-                    <a:lumOff val="-24975"/>
-                  </a:schemeClr>
-                </a:solidFill>
-                <a:latin typeface="Calibri" panose="020F0502020204030204" pitchFamily="34" charset="0"/>
-                <a:cs typeface="Calibri" panose="020F0502020204030204" pitchFamily="34" charset="0"/>
-              </a:rPr>
-              <a:t>type</a:t>
-            </a:r>
-            <a:r>
-              <a:rPr sz="2000" dirty="0">
-                <a:latin typeface="Calibri" panose="020F0502020204030204" pitchFamily="34" charset="0"/>
-                <a:cs typeface="Calibri" panose="020F0502020204030204" pitchFamily="34" charset="0"/>
-              </a:rPr>
-              <a:t> Person = Student | Teacher</a:t>
-            </a:r>
-          </a:p>
-          <a:p>
-            <a:pPr marL="648970" lvl="1" indent="-324485" defTabSz="426466">
-              <a:spcBef>
-                <a:spcPts val="3000"/>
-              </a:spcBef>
-              <a:defRPr sz="2336"/>
-            </a:pPr>
-            <a:r>
-              <a:rPr sz="2000" dirty="0">
-                <a:latin typeface="Calibri" panose="020F0502020204030204" pitchFamily="34" charset="0"/>
-                <a:cs typeface="Calibri" panose="020F0502020204030204" pitchFamily="34" charset="0"/>
-              </a:rPr>
-              <a:t>to recover the original type information, we can use a discriminated union</a:t>
-            </a:r>
-          </a:p>
-          <a:p>
-            <a:pPr marL="324485" indent="-324485" defTabSz="426466">
-              <a:spcBef>
-                <a:spcPts val="3000"/>
-              </a:spcBef>
-              <a:defRPr sz="2336"/>
-            </a:pPr>
-            <a:r>
-              <a:rPr sz="2000" u="sng" dirty="0">
-                <a:latin typeface="Calibri" panose="020F0502020204030204" pitchFamily="34" charset="0"/>
-                <a:cs typeface="Calibri" panose="020F0502020204030204" pitchFamily="34" charset="0"/>
-              </a:rPr>
-              <a:t>Discriminated union:</a:t>
-            </a:r>
-            <a:r>
-              <a:rPr sz="2000" dirty="0">
-                <a:latin typeface="Calibri" panose="020F0502020204030204" pitchFamily="34" charset="0"/>
-                <a:cs typeface="Calibri" panose="020F0502020204030204" pitchFamily="34" charset="0"/>
-              </a:rPr>
-              <a:t> an element allows us to discriminate the specific case of a value</a:t>
-            </a:r>
-          </a:p>
-        </p:txBody>
-      </p:sp>
-    </p:spTree>
-  </p:cSld>
-  <p:clrMapOvr>
-    <a:masterClrMapping/>
-  </p:clrMapOvr>
-  <p:transition spd="med"/>
-</p:sld>
-</file>
-
-<file path=ppt/slides/slide14.xml><?xml version="1.0" encoding="utf-8"?>
-<p:sld xmlns:a="http://schemas.openxmlformats.org/drawingml/2006/main" xmlns:r="http://schemas.openxmlformats.org/officeDocument/2006/relationships" xmlns:p="http://schemas.openxmlformats.org/presentationml/2006/main">
-  <p:cSld>
-    <p:spTree>
-      <p:nvGrpSpPr>
-        <p:cNvPr id="1" name=""/>
-        <p:cNvGrpSpPr/>
-        <p:nvPr/>
-      </p:nvGrpSpPr>
-      <p:grpSpPr>
-        <a:xfrm>
-          <a:off x="0" y="0"/>
-          <a:ext cx="0" cy="0"/>
-          <a:chOff x="0" y="0"/>
-          <a:chExt cx="0" cy="0"/>
-        </a:xfrm>
-      </p:grpSpPr>
-      <p:sp>
-        <p:nvSpPr>
-          <p:cNvPr id="147" name="Types in Typescript"/>
-          <p:cNvSpPr txBox="1">
-            <a:spLocks noGrp="1"/>
-          </p:cNvSpPr>
-          <p:nvPr>
-            <p:ph type="title"/>
-          </p:nvPr>
-        </p:nvSpPr>
-        <p:spPr>
-          <a:prstGeom prst="rect">
-            <a:avLst/>
-          </a:prstGeom>
-        </p:spPr>
-        <p:txBody>
-          <a:bodyPr>
-            <a:normAutofit/>
-          </a:bodyPr>
-          <a:lstStyle/>
-          <a:p>
-            <a:r>
-              <a:rPr sz="4000" dirty="0">
-                <a:latin typeface="Calibri" panose="020F0502020204030204" pitchFamily="34" charset="0"/>
-                <a:cs typeface="Calibri" panose="020F0502020204030204" pitchFamily="34" charset="0"/>
-              </a:rPr>
-              <a:t>Types in Typescript</a:t>
-            </a:r>
-            <a:r>
-              <a:rPr lang="en-US" sz="4000" dirty="0">
-                <a:latin typeface="Calibri" panose="020F0502020204030204" pitchFamily="34" charset="0"/>
-                <a:cs typeface="Calibri" panose="020F0502020204030204" pitchFamily="34" charset="0"/>
-              </a:rPr>
-              <a:t>..</a:t>
-            </a:r>
-            <a:endParaRPr sz="4000" dirty="0">
-              <a:latin typeface="Calibri" panose="020F0502020204030204" pitchFamily="34" charset="0"/>
-              <a:cs typeface="Calibri" panose="020F0502020204030204" pitchFamily="34" charset="0"/>
-            </a:endParaRPr>
-          </a:p>
-        </p:txBody>
-      </p:sp>
-      <p:sp>
-        <p:nvSpPr>
-          <p:cNvPr id="148" name="Intersection Types:…"/>
-          <p:cNvSpPr txBox="1">
-            <a:spLocks noGrp="1"/>
-          </p:cNvSpPr>
-          <p:nvPr>
-            <p:ph type="body" idx="1"/>
-          </p:nvPr>
-        </p:nvSpPr>
-        <p:spPr>
-          <a:prstGeom prst="rect">
-            <a:avLst/>
-          </a:prstGeom>
-        </p:spPr>
-        <p:txBody>
-          <a:bodyPr anchor="t">
-            <a:normAutofit/>
-          </a:bodyPr>
-          <a:lstStyle/>
-          <a:p>
-            <a:pPr>
-              <a:lnSpc>
-                <a:spcPct val="150000"/>
-              </a:lnSpc>
-              <a:defRPr u="sng"/>
-            </a:pPr>
-            <a:r>
-              <a:rPr sz="2000" dirty="0">
-                <a:latin typeface="Calibri" panose="020F0502020204030204" pitchFamily="34" charset="0"/>
-                <a:cs typeface="Calibri" panose="020F0502020204030204" pitchFamily="34" charset="0"/>
-              </a:rPr>
-              <a:t>Intersection Types:</a:t>
-            </a:r>
-          </a:p>
-          <a:p>
-            <a:pPr marL="457200" lvl="1" indent="-228600" defTabSz="457200">
-              <a:lnSpc>
-                <a:spcPct val="150000"/>
-              </a:lnSpc>
-              <a:spcBef>
-                <a:spcPts val="0"/>
-              </a:spcBef>
-              <a:buSzTx/>
-              <a:buNone/>
-              <a:tabLst>
-                <a:tab pos="139700" algn="l"/>
-                <a:tab pos="457200" algn="l"/>
-              </a:tabLst>
-              <a:defRPr sz="1400"/>
-            </a:pPr>
-            <a:r>
-              <a:rPr sz="2000" dirty="0">
-                <a:latin typeface="Calibri" panose="020F0502020204030204" pitchFamily="34" charset="0"/>
-                <a:cs typeface="Calibri" panose="020F0502020204030204" pitchFamily="34" charset="0"/>
-              </a:rPr>
-              <a:t>	•	</a:t>
-            </a:r>
-            <a:r>
-              <a:rPr sz="2000" dirty="0">
-                <a:latin typeface="Calibri" panose="020F0502020204030204" pitchFamily="34" charset="0"/>
-                <a:ea typeface="Helvetica"/>
-                <a:cs typeface="Calibri" panose="020F0502020204030204" pitchFamily="34" charset="0"/>
-                <a:sym typeface="Helvetica"/>
-              </a:rPr>
-              <a:t>the same discriminated union can be built by reusing the previously defined types, augmented with intersections;</a:t>
-            </a:r>
-          </a:p>
-          <a:p>
-            <a:pPr marL="457200" lvl="1" indent="-228600" defTabSz="457200">
-              <a:lnSpc>
-                <a:spcPct val="150000"/>
-              </a:lnSpc>
-              <a:spcBef>
-                <a:spcPts val="0"/>
-              </a:spcBef>
-              <a:buSzTx/>
-              <a:buNone/>
-              <a:tabLst>
-                <a:tab pos="139700" algn="l"/>
-                <a:tab pos="457200" algn="l"/>
-              </a:tabLst>
-              <a:defRPr>
-                <a:latin typeface="Helvetica"/>
-                <a:ea typeface="Helvetica"/>
-                <a:cs typeface="Helvetica"/>
-                <a:sym typeface="Helvetica"/>
-              </a:defRPr>
-            </a:pPr>
-            <a:r>
-              <a:rPr sz="2000" dirty="0">
-                <a:latin typeface="Calibri" panose="020F0502020204030204" pitchFamily="34" charset="0"/>
-                <a:cs typeface="Calibri" panose="020F0502020204030204" pitchFamily="34" charset="0"/>
-              </a:rPr>
-              <a:t>	•	this results in less code, and better intention declaration:</a:t>
-            </a:r>
-          </a:p>
-          <a:p>
-            <a:pPr marL="0" lvl="3" indent="685800" defTabSz="457200">
-              <a:lnSpc>
-                <a:spcPct val="150000"/>
-              </a:lnSpc>
-              <a:spcBef>
-                <a:spcPts val="0"/>
-              </a:spcBef>
-              <a:buSzTx/>
-              <a:buNone/>
-              <a:defRPr sz="2000">
-                <a:latin typeface="Helvetica"/>
-                <a:ea typeface="Helvetica"/>
-                <a:cs typeface="Helvetica"/>
-                <a:sym typeface="Helvetica"/>
-              </a:defRPr>
-            </a:pPr>
-            <a:r>
-              <a:rPr sz="2000" dirty="0">
-                <a:solidFill>
-                  <a:schemeClr val="accent1">
-                    <a:hueOff val="114395"/>
-                    <a:lumOff val="-24975"/>
-                  </a:schemeClr>
-                </a:solidFill>
-                <a:latin typeface="Calibri" panose="020F0502020204030204" pitchFamily="34" charset="0"/>
-                <a:cs typeface="Calibri" panose="020F0502020204030204" pitchFamily="34" charset="0"/>
-              </a:rPr>
-              <a:t>type</a:t>
-            </a:r>
-            <a:r>
-              <a:rPr sz="2000" dirty="0">
-                <a:latin typeface="Calibri" panose="020F0502020204030204" pitchFamily="34" charset="0"/>
-                <a:cs typeface="Calibri" panose="020F0502020204030204" pitchFamily="34" charset="0"/>
-              </a:rPr>
-              <a:t> Person = Student &amp; { kind: </a:t>
-            </a:r>
-            <a:r>
-              <a:rPr sz="2000" dirty="0">
-                <a:solidFill>
-                  <a:schemeClr val="accent5">
-                    <a:lumOff val="-29866"/>
-                  </a:schemeClr>
-                </a:solidFill>
-                <a:latin typeface="Calibri" panose="020F0502020204030204" pitchFamily="34" charset="0"/>
-                <a:cs typeface="Calibri" panose="020F0502020204030204" pitchFamily="34" charset="0"/>
-              </a:rPr>
-              <a:t>"student"</a:t>
-            </a:r>
-            <a:r>
-              <a:rPr sz="2000" dirty="0">
-                <a:latin typeface="Calibri" panose="020F0502020204030204" pitchFamily="34" charset="0"/>
-                <a:cs typeface="Calibri" panose="020F0502020204030204" pitchFamily="34" charset="0"/>
-              </a:rPr>
-              <a:t> } | Teacher &amp; { kind: </a:t>
-            </a:r>
-            <a:r>
-              <a:rPr sz="2000" dirty="0">
-                <a:solidFill>
-                  <a:schemeClr val="accent5">
-                    <a:lumOff val="-29866"/>
-                  </a:schemeClr>
-                </a:solidFill>
-                <a:latin typeface="Calibri" panose="020F0502020204030204" pitchFamily="34" charset="0"/>
-                <a:cs typeface="Calibri" panose="020F0502020204030204" pitchFamily="34" charset="0"/>
-              </a:rPr>
-              <a:t>"teacher" </a:t>
-            </a:r>
-            <a:r>
-              <a:rPr sz="2000" dirty="0">
-                <a:latin typeface="Calibri" panose="020F0502020204030204" pitchFamily="34" charset="0"/>
-                <a:cs typeface="Calibri" panose="020F0502020204030204" pitchFamily="34" charset="0"/>
-              </a:rPr>
-              <a:t>}</a:t>
-            </a:r>
-          </a:p>
-        </p:txBody>
-      </p:sp>
-    </p:spTree>
-  </p:cSld>
-  <p:clrMapOvr>
-    <a:masterClrMapping/>
-  </p:clrMapOvr>
-  <p:transition spd="med"/>
-</p:sld>
-</file>
-
-<file path=ppt/slides/slide15.xml><?xml version="1.0" encoding="utf-8"?>
-<p:sld xmlns:a="http://schemas.openxmlformats.org/drawingml/2006/main" xmlns:r="http://schemas.openxmlformats.org/officeDocument/2006/relationships" xmlns:p="http://schemas.openxmlformats.org/presentationml/2006/main">
-  <p:cSld>
-    <p:spTree>
-      <p:nvGrpSpPr>
-        <p:cNvPr id="1" name=""/>
-        <p:cNvGrpSpPr/>
-        <p:nvPr/>
-      </p:nvGrpSpPr>
-      <p:grpSpPr>
-        <a:xfrm>
-          <a:off x="0" y="0"/>
-          <a:ext cx="0" cy="0"/>
-          <a:chOff x="0" y="0"/>
-          <a:chExt cx="0" cy="0"/>
-        </a:xfrm>
-      </p:grpSpPr>
-      <p:sp>
-        <p:nvSpPr>
-          <p:cNvPr id="150" name="Types in Typescript"/>
-          <p:cNvSpPr txBox="1">
-            <a:spLocks noGrp="1"/>
-          </p:cNvSpPr>
-          <p:nvPr>
-            <p:ph type="title"/>
-          </p:nvPr>
-        </p:nvSpPr>
-        <p:spPr>
-          <a:prstGeom prst="rect">
-            <a:avLst/>
-          </a:prstGeom>
-        </p:spPr>
-        <p:txBody>
-          <a:bodyPr>
-            <a:normAutofit/>
-          </a:bodyPr>
-          <a:lstStyle/>
-          <a:p>
-            <a:r>
-              <a:rPr sz="4000" dirty="0">
-                <a:latin typeface="Calibri" panose="020F0502020204030204" pitchFamily="34" charset="0"/>
-                <a:cs typeface="Calibri" panose="020F0502020204030204" pitchFamily="34" charset="0"/>
-              </a:rPr>
-              <a:t>Types </a:t>
-            </a:r>
-            <a:r>
-              <a:rPr sz="4000">
-                <a:latin typeface="Calibri" panose="020F0502020204030204" pitchFamily="34" charset="0"/>
-                <a:cs typeface="Calibri" panose="020F0502020204030204" pitchFamily="34" charset="0"/>
-              </a:rPr>
-              <a:t>in Typescript</a:t>
-            </a:r>
-            <a:r>
-              <a:rPr lang="en-US" sz="4000">
-                <a:latin typeface="Calibri" panose="020F0502020204030204" pitchFamily="34" charset="0"/>
-                <a:cs typeface="Calibri" panose="020F0502020204030204" pitchFamily="34" charset="0"/>
-              </a:rPr>
-              <a:t>..</a:t>
-            </a:r>
-            <a:endParaRPr sz="4000" dirty="0">
-              <a:latin typeface="Calibri" panose="020F0502020204030204" pitchFamily="34" charset="0"/>
-              <a:cs typeface="Calibri" panose="020F0502020204030204" pitchFamily="34" charset="0"/>
-            </a:endParaRPr>
-          </a:p>
-        </p:txBody>
-      </p:sp>
-      <p:sp>
-        <p:nvSpPr>
-          <p:cNvPr id="151" name="Union is a sort of sum, or set union:…"/>
-          <p:cNvSpPr txBox="1">
-            <a:spLocks noGrp="1"/>
-          </p:cNvSpPr>
-          <p:nvPr>
-            <p:ph type="body" idx="1"/>
-          </p:nvPr>
-        </p:nvSpPr>
-        <p:spPr>
-          <a:prstGeom prst="rect">
-            <a:avLst/>
-          </a:prstGeom>
-        </p:spPr>
-        <p:txBody>
-          <a:bodyPr anchor="t">
-            <a:noAutofit/>
-          </a:bodyPr>
-          <a:lstStyle/>
-          <a:p>
-            <a:pPr marL="284479" indent="-284479" defTabSz="292607">
-              <a:lnSpc>
-                <a:spcPts val="3700"/>
-              </a:lnSpc>
-              <a:spcBef>
-                <a:spcPts val="0"/>
-              </a:spcBef>
-              <a:tabLst>
-                <a:tab pos="88900" algn="l"/>
-                <a:tab pos="292100" algn="l"/>
-              </a:tabLst>
-              <a:defRPr sz="2048">
-                <a:latin typeface="Helvetica"/>
-                <a:ea typeface="Helvetica"/>
-                <a:cs typeface="Helvetica"/>
-                <a:sym typeface="Helvetica"/>
-              </a:defRPr>
-            </a:pPr>
-            <a:r>
-              <a:rPr sz="2000" dirty="0">
-                <a:latin typeface="Calibri" panose="020F0502020204030204" pitchFamily="34" charset="0"/>
-                <a:cs typeface="Calibri" panose="020F0502020204030204" pitchFamily="34" charset="0"/>
-              </a:rPr>
-              <a:t>U</a:t>
-            </a:r>
-            <a:r>
-              <a:rPr sz="2000" u="sng" dirty="0">
-                <a:latin typeface="Calibri" panose="020F0502020204030204" pitchFamily="34" charset="0"/>
-                <a:cs typeface="Calibri" panose="020F0502020204030204" pitchFamily="34" charset="0"/>
-              </a:rPr>
-              <a:t>nion</a:t>
-            </a:r>
-            <a:r>
-              <a:rPr sz="2000" dirty="0">
-                <a:latin typeface="Calibri" panose="020F0502020204030204" pitchFamily="34" charset="0"/>
-                <a:cs typeface="Calibri" panose="020F0502020204030204" pitchFamily="34" charset="0"/>
-              </a:rPr>
-              <a:t> is a sort of sum, or set union: </a:t>
-            </a:r>
-          </a:p>
-          <a:p>
-            <a:pPr marL="568959" lvl="1" indent="-284479" defTabSz="292607">
-              <a:lnSpc>
-                <a:spcPts val="3700"/>
-              </a:lnSpc>
-              <a:spcBef>
-                <a:spcPts val="0"/>
-              </a:spcBef>
-              <a:tabLst>
-                <a:tab pos="88900" algn="l"/>
-                <a:tab pos="292100" algn="l"/>
-              </a:tabLst>
-              <a:defRPr sz="2048">
-                <a:latin typeface="Helvetica"/>
-                <a:ea typeface="Helvetica"/>
-                <a:cs typeface="Helvetica"/>
-                <a:sym typeface="Helvetica"/>
-              </a:defRPr>
-            </a:pPr>
-            <a:r>
-              <a:rPr sz="2000" dirty="0">
-                <a:latin typeface="Calibri" panose="020F0502020204030204" pitchFamily="34" charset="0"/>
-                <a:cs typeface="Calibri" panose="020F0502020204030204" pitchFamily="34" charset="0"/>
-              </a:rPr>
-              <a:t>A | B is a type that contains:</a:t>
-            </a:r>
-          </a:p>
-          <a:p>
-            <a:pPr marL="853439" lvl="2" indent="-284479" defTabSz="292607">
-              <a:lnSpc>
-                <a:spcPts val="3700"/>
-              </a:lnSpc>
-              <a:spcBef>
-                <a:spcPts val="0"/>
-              </a:spcBef>
-              <a:tabLst>
-                <a:tab pos="88900" algn="l"/>
-                <a:tab pos="292100" algn="l"/>
-              </a:tabLst>
-              <a:defRPr sz="2048">
-                <a:latin typeface="Helvetica"/>
-                <a:ea typeface="Helvetica"/>
-                <a:cs typeface="Helvetica"/>
-                <a:sym typeface="Helvetica"/>
-              </a:defRPr>
-            </a:pPr>
-            <a:r>
-              <a:rPr sz="2000" dirty="0">
-                <a:latin typeface="Calibri" panose="020F0502020204030204" pitchFamily="34" charset="0"/>
-                <a:cs typeface="Calibri" panose="020F0502020204030204" pitchFamily="34" charset="0"/>
-              </a:rPr>
-              <a:t>all the values of A, </a:t>
-            </a:r>
-          </a:p>
-          <a:p>
-            <a:pPr marL="853439" lvl="2" indent="-284479" defTabSz="292607">
-              <a:lnSpc>
-                <a:spcPts val="3700"/>
-              </a:lnSpc>
-              <a:spcBef>
-                <a:spcPts val="0"/>
-              </a:spcBef>
-              <a:tabLst>
-                <a:tab pos="88900" algn="l"/>
-                <a:tab pos="292100" algn="l"/>
-              </a:tabLst>
-              <a:defRPr sz="2048">
-                <a:latin typeface="Helvetica"/>
-                <a:ea typeface="Helvetica"/>
-                <a:cs typeface="Helvetica"/>
-                <a:sym typeface="Helvetica"/>
-              </a:defRPr>
-            </a:pPr>
-            <a:r>
-              <a:rPr sz="2000" dirty="0">
-                <a:latin typeface="Calibri" panose="020F0502020204030204" pitchFamily="34" charset="0"/>
-                <a:cs typeface="Calibri" panose="020F0502020204030204" pitchFamily="34" charset="0"/>
-              </a:rPr>
-              <a:t>and all the values of B, one next to each other;</a:t>
-            </a:r>
-          </a:p>
-          <a:p>
-            <a:pPr marL="0" lvl="5" indent="731519" defTabSz="292607">
-              <a:lnSpc>
-                <a:spcPts val="3400"/>
-              </a:lnSpc>
-              <a:spcBef>
-                <a:spcPts val="0"/>
-              </a:spcBef>
-              <a:buSzTx/>
-              <a:buNone/>
-              <a:defRPr sz="2048">
-                <a:latin typeface="Helvetica"/>
-                <a:ea typeface="Helvetica"/>
-                <a:cs typeface="Helvetica"/>
-                <a:sym typeface="Helvetica"/>
-              </a:defRPr>
-            </a:pPr>
-            <a:r>
-              <a:rPr sz="2000" dirty="0">
-                <a:solidFill>
-                  <a:schemeClr val="accent1">
-                    <a:hueOff val="114395"/>
-                    <a:lumOff val="-24975"/>
-                  </a:schemeClr>
-                </a:solidFill>
-                <a:latin typeface="Calibri" panose="020F0502020204030204" pitchFamily="34" charset="0"/>
-                <a:cs typeface="Calibri" panose="020F0502020204030204" pitchFamily="34" charset="0"/>
-              </a:rPr>
-              <a:t>type</a:t>
-            </a:r>
-            <a:r>
-              <a:rPr sz="2000" dirty="0">
-                <a:latin typeface="Calibri" panose="020F0502020204030204" pitchFamily="34" charset="0"/>
-                <a:cs typeface="Calibri" panose="020F0502020204030204" pitchFamily="34" charset="0"/>
-              </a:rPr>
-              <a:t> A = { x:</a:t>
-            </a:r>
-            <a:r>
-              <a:rPr sz="2000" dirty="0">
-                <a:solidFill>
-                  <a:schemeClr val="accent5">
-                    <a:lumOff val="-29866"/>
-                  </a:schemeClr>
-                </a:solidFill>
-                <a:latin typeface="Calibri" panose="020F0502020204030204" pitchFamily="34" charset="0"/>
-                <a:cs typeface="Calibri" panose="020F0502020204030204" pitchFamily="34" charset="0"/>
-              </a:rPr>
-              <a:t>"A1"</a:t>
-            </a:r>
-            <a:r>
-              <a:rPr sz="2000" dirty="0">
-                <a:latin typeface="Calibri" panose="020F0502020204030204" pitchFamily="34" charset="0"/>
-                <a:cs typeface="Calibri" panose="020F0502020204030204" pitchFamily="34" charset="0"/>
-              </a:rPr>
-              <a:t> | </a:t>
-            </a:r>
-            <a:r>
-              <a:rPr sz="2000" dirty="0">
-                <a:solidFill>
-                  <a:schemeClr val="accent5">
-                    <a:lumOff val="-29866"/>
-                  </a:schemeClr>
-                </a:solidFill>
-                <a:latin typeface="Calibri" panose="020F0502020204030204" pitchFamily="34" charset="0"/>
-                <a:cs typeface="Calibri" panose="020F0502020204030204" pitchFamily="34" charset="0"/>
-              </a:rPr>
-              <a:t>"A2"</a:t>
-            </a:r>
-            <a:r>
-              <a:rPr sz="2000" dirty="0">
-                <a:latin typeface="Calibri" panose="020F0502020204030204" pitchFamily="34" charset="0"/>
-                <a:cs typeface="Calibri" panose="020F0502020204030204" pitchFamily="34" charset="0"/>
-              </a:rPr>
-              <a:t> } </a:t>
-            </a:r>
-          </a:p>
-          <a:p>
-            <a:pPr marL="0" lvl="5" indent="731519" defTabSz="292607">
-              <a:lnSpc>
-                <a:spcPts val="3400"/>
-              </a:lnSpc>
-              <a:spcBef>
-                <a:spcPts val="0"/>
-              </a:spcBef>
-              <a:buSzTx/>
-              <a:buNone/>
-              <a:defRPr sz="2048">
-                <a:latin typeface="Helvetica"/>
-                <a:ea typeface="Helvetica"/>
-                <a:cs typeface="Helvetica"/>
-                <a:sym typeface="Helvetica"/>
-              </a:defRPr>
-            </a:pPr>
-            <a:r>
-              <a:rPr sz="2000" dirty="0">
-                <a:solidFill>
-                  <a:schemeClr val="accent1">
-                    <a:hueOff val="114395"/>
-                    <a:lumOff val="-24975"/>
-                  </a:schemeClr>
-                </a:solidFill>
-                <a:latin typeface="Calibri" panose="020F0502020204030204" pitchFamily="34" charset="0"/>
-                <a:cs typeface="Calibri" panose="020F0502020204030204" pitchFamily="34" charset="0"/>
-              </a:rPr>
-              <a:t>type</a:t>
-            </a:r>
-            <a:r>
-              <a:rPr sz="2000" dirty="0">
-                <a:latin typeface="Calibri" panose="020F0502020204030204" pitchFamily="34" charset="0"/>
-                <a:cs typeface="Calibri" panose="020F0502020204030204" pitchFamily="34" charset="0"/>
-              </a:rPr>
-              <a:t> B = { y:</a:t>
-            </a:r>
-            <a:r>
-              <a:rPr sz="2000" dirty="0">
-                <a:solidFill>
-                  <a:schemeClr val="accent5">
-                    <a:lumOff val="-29866"/>
-                  </a:schemeClr>
-                </a:solidFill>
-                <a:latin typeface="Calibri" panose="020F0502020204030204" pitchFamily="34" charset="0"/>
-                <a:cs typeface="Calibri" panose="020F0502020204030204" pitchFamily="34" charset="0"/>
-              </a:rPr>
-              <a:t>"B1"</a:t>
-            </a:r>
-            <a:r>
-              <a:rPr sz="2000" dirty="0">
-                <a:latin typeface="Calibri" panose="020F0502020204030204" pitchFamily="34" charset="0"/>
-                <a:cs typeface="Calibri" panose="020F0502020204030204" pitchFamily="34" charset="0"/>
-              </a:rPr>
-              <a:t> | </a:t>
-            </a:r>
-            <a:r>
-              <a:rPr sz="2000" dirty="0">
-                <a:solidFill>
-                  <a:schemeClr val="accent5">
-                    <a:lumOff val="-29866"/>
-                  </a:schemeClr>
-                </a:solidFill>
-                <a:latin typeface="Calibri" panose="020F0502020204030204" pitchFamily="34" charset="0"/>
-                <a:cs typeface="Calibri" panose="020F0502020204030204" pitchFamily="34" charset="0"/>
-              </a:rPr>
-              <a:t>"B2"</a:t>
-            </a:r>
-            <a:r>
-              <a:rPr sz="2000" dirty="0">
-                <a:latin typeface="Calibri" panose="020F0502020204030204" pitchFamily="34" charset="0"/>
-                <a:cs typeface="Calibri" panose="020F0502020204030204" pitchFamily="34" charset="0"/>
-              </a:rPr>
-              <a:t> | </a:t>
-            </a:r>
-            <a:r>
-              <a:rPr sz="2000" dirty="0">
-                <a:solidFill>
-                  <a:schemeClr val="accent5">
-                    <a:lumOff val="-29866"/>
-                  </a:schemeClr>
-                </a:solidFill>
-                <a:latin typeface="Calibri" panose="020F0502020204030204" pitchFamily="34" charset="0"/>
-                <a:cs typeface="Calibri" panose="020F0502020204030204" pitchFamily="34" charset="0"/>
-              </a:rPr>
-              <a:t>"B3"</a:t>
-            </a:r>
-            <a:r>
-              <a:rPr sz="2000" dirty="0">
-                <a:latin typeface="Calibri" panose="020F0502020204030204" pitchFamily="34" charset="0"/>
-                <a:cs typeface="Calibri" panose="020F0502020204030204" pitchFamily="34" charset="0"/>
-              </a:rPr>
-              <a:t> }</a:t>
-            </a:r>
-          </a:p>
-          <a:p>
-            <a:pPr marL="853439" lvl="2" indent="-284479" defTabSz="292607">
-              <a:lnSpc>
-                <a:spcPts val="3700"/>
-              </a:lnSpc>
-              <a:spcBef>
-                <a:spcPts val="0"/>
-              </a:spcBef>
-              <a:tabLst>
-                <a:tab pos="88900" algn="l"/>
-                <a:tab pos="292100" algn="l"/>
-              </a:tabLst>
-              <a:defRPr sz="2048">
-                <a:latin typeface="Helvetica"/>
-                <a:ea typeface="Helvetica"/>
-                <a:cs typeface="Helvetica"/>
-                <a:sym typeface="Helvetica"/>
-              </a:defRPr>
-            </a:pPr>
-            <a:r>
-              <a:rPr sz="2000" dirty="0">
-                <a:latin typeface="Calibri" panose="020F0502020204030204" pitchFamily="34" charset="0"/>
-                <a:cs typeface="Calibri" panose="020F0502020204030204" pitchFamily="34" charset="0"/>
-              </a:rPr>
-              <a:t>values of A | B are { x:"A1" }, { x:"A2" }, but also { y:"B1" }, etc. There are five of them;</a:t>
-            </a:r>
-          </a:p>
-          <a:p>
-            <a:pPr marL="284479" indent="-284479" defTabSz="292607">
-              <a:lnSpc>
-                <a:spcPts val="3700"/>
-              </a:lnSpc>
-              <a:spcBef>
-                <a:spcPts val="0"/>
-              </a:spcBef>
-              <a:tabLst>
-                <a:tab pos="88900" algn="l"/>
-                <a:tab pos="292100" algn="l"/>
-              </a:tabLst>
-              <a:defRPr sz="2048">
-                <a:latin typeface="Helvetica"/>
-                <a:ea typeface="Helvetica"/>
-                <a:cs typeface="Helvetica"/>
-                <a:sym typeface="Helvetica"/>
-              </a:defRPr>
-            </a:pPr>
-            <a:r>
-              <a:rPr lang="en-US" sz="2000" dirty="0">
-                <a:latin typeface="Calibri" panose="020F0502020204030204" pitchFamily="34" charset="0"/>
-                <a:cs typeface="Calibri" panose="020F0502020204030204" pitchFamily="34" charset="0"/>
-              </a:rPr>
-              <a:t>	</a:t>
-            </a:r>
-            <a:r>
-              <a:rPr sz="2000" dirty="0">
-                <a:latin typeface="Calibri" panose="020F0502020204030204" pitchFamily="34" charset="0"/>
-                <a:cs typeface="Calibri" panose="020F0502020204030204" pitchFamily="34" charset="0"/>
-              </a:rPr>
-              <a:t>I</a:t>
-            </a:r>
-            <a:r>
-              <a:rPr sz="2000" u="sng" dirty="0">
-                <a:latin typeface="Calibri" panose="020F0502020204030204" pitchFamily="34" charset="0"/>
-                <a:cs typeface="Calibri" panose="020F0502020204030204" pitchFamily="34" charset="0"/>
-              </a:rPr>
-              <a:t>ntersection</a:t>
-            </a:r>
-            <a:r>
-              <a:rPr sz="2000" dirty="0">
-                <a:latin typeface="Calibri" panose="020F0502020204030204" pitchFamily="34" charset="0"/>
-                <a:cs typeface="Calibri" panose="020F0502020204030204" pitchFamily="34" charset="0"/>
-              </a:rPr>
-              <a:t> is a sort of product, or cartesian product over sets:</a:t>
-            </a:r>
-          </a:p>
-          <a:p>
-            <a:pPr marL="568959" lvl="1" indent="-284479" defTabSz="292607">
-              <a:lnSpc>
-                <a:spcPts val="3700"/>
-              </a:lnSpc>
-              <a:spcBef>
-                <a:spcPts val="0"/>
-              </a:spcBef>
-              <a:tabLst>
-                <a:tab pos="88900" algn="l"/>
-                <a:tab pos="292100" algn="l"/>
-              </a:tabLst>
-              <a:defRPr sz="2048">
-                <a:latin typeface="Helvetica"/>
-                <a:ea typeface="Helvetica"/>
-                <a:cs typeface="Helvetica"/>
-                <a:sym typeface="Helvetica"/>
-              </a:defRPr>
-            </a:pPr>
-            <a:r>
-              <a:rPr sz="2000" dirty="0">
-                <a:latin typeface="Calibri" panose="020F0502020204030204" pitchFamily="34" charset="0"/>
-                <a:cs typeface="Calibri" panose="020F0502020204030204" pitchFamily="34" charset="0"/>
-              </a:rPr>
-              <a:t> A &amp; B is a type that contains all the </a:t>
-            </a:r>
-            <a:r>
-              <a:rPr sz="2000" i="1" dirty="0">
-                <a:latin typeface="Calibri" panose="020F0502020204030204" pitchFamily="34" charset="0"/>
-                <a:cs typeface="Calibri" panose="020F0502020204030204" pitchFamily="34" charset="0"/>
-              </a:rPr>
-              <a:t>combinations</a:t>
-            </a:r>
-            <a:r>
-              <a:rPr sz="2000" dirty="0">
-                <a:latin typeface="Calibri" panose="020F0502020204030204" pitchFamily="34" charset="0"/>
-                <a:cs typeface="Calibri" panose="020F0502020204030204" pitchFamily="34" charset="0"/>
-              </a:rPr>
-              <a:t> of values of A and B at the same time:</a:t>
-            </a:r>
-          </a:p>
-          <a:p>
-            <a:pPr marL="0" lvl="5" indent="731519" defTabSz="292607">
-              <a:lnSpc>
-                <a:spcPts val="3400"/>
-              </a:lnSpc>
-              <a:spcBef>
-                <a:spcPts val="0"/>
-              </a:spcBef>
-              <a:buSzTx/>
-              <a:buNone/>
-              <a:defRPr sz="2048">
-                <a:latin typeface="Helvetica"/>
-                <a:ea typeface="Helvetica"/>
-                <a:cs typeface="Helvetica"/>
-                <a:sym typeface="Helvetica"/>
-              </a:defRPr>
-            </a:pPr>
-            <a:r>
-              <a:rPr sz="2000" dirty="0">
-                <a:solidFill>
-                  <a:schemeClr val="accent1">
-                    <a:hueOff val="114395"/>
-                    <a:lumOff val="-24975"/>
-                  </a:schemeClr>
-                </a:solidFill>
-                <a:latin typeface="Calibri" panose="020F0502020204030204" pitchFamily="34" charset="0"/>
-                <a:cs typeface="Calibri" panose="020F0502020204030204" pitchFamily="34" charset="0"/>
-              </a:rPr>
-              <a:t>type</a:t>
-            </a:r>
-            <a:r>
-              <a:rPr sz="2000" dirty="0">
-                <a:latin typeface="Calibri" panose="020F0502020204030204" pitchFamily="34" charset="0"/>
-                <a:cs typeface="Calibri" panose="020F0502020204030204" pitchFamily="34" charset="0"/>
-              </a:rPr>
-              <a:t> A = { x:</a:t>
-            </a:r>
-            <a:r>
-              <a:rPr sz="2000" dirty="0">
-                <a:solidFill>
-                  <a:schemeClr val="accent5">
-                    <a:lumOff val="-29866"/>
-                  </a:schemeClr>
-                </a:solidFill>
-                <a:latin typeface="Calibri" panose="020F0502020204030204" pitchFamily="34" charset="0"/>
-                <a:cs typeface="Calibri" panose="020F0502020204030204" pitchFamily="34" charset="0"/>
-              </a:rPr>
-              <a:t>"A1"</a:t>
-            </a:r>
-            <a:r>
-              <a:rPr sz="2000" dirty="0">
-                <a:latin typeface="Calibri" panose="020F0502020204030204" pitchFamily="34" charset="0"/>
-                <a:cs typeface="Calibri" panose="020F0502020204030204" pitchFamily="34" charset="0"/>
-              </a:rPr>
-              <a:t> | </a:t>
-            </a:r>
-            <a:r>
-              <a:rPr sz="2000" dirty="0">
-                <a:solidFill>
-                  <a:schemeClr val="accent5">
-                    <a:lumOff val="-29866"/>
-                  </a:schemeClr>
-                </a:solidFill>
-                <a:latin typeface="Calibri" panose="020F0502020204030204" pitchFamily="34" charset="0"/>
-                <a:cs typeface="Calibri" panose="020F0502020204030204" pitchFamily="34" charset="0"/>
-              </a:rPr>
-              <a:t>"A2"</a:t>
-            </a:r>
-            <a:r>
-              <a:rPr sz="2000" dirty="0">
-                <a:latin typeface="Calibri" panose="020F0502020204030204" pitchFamily="34" charset="0"/>
-                <a:cs typeface="Calibri" panose="020F0502020204030204" pitchFamily="34" charset="0"/>
-              </a:rPr>
-              <a:t> } </a:t>
-            </a:r>
-          </a:p>
-          <a:p>
-            <a:pPr marL="0" lvl="5" indent="731519" defTabSz="292607">
-              <a:lnSpc>
-                <a:spcPts val="3400"/>
-              </a:lnSpc>
-              <a:spcBef>
-                <a:spcPts val="0"/>
-              </a:spcBef>
-              <a:buSzTx/>
-              <a:buNone/>
-              <a:defRPr sz="2048">
-                <a:latin typeface="Helvetica"/>
-                <a:ea typeface="Helvetica"/>
-                <a:cs typeface="Helvetica"/>
-                <a:sym typeface="Helvetica"/>
-              </a:defRPr>
-            </a:pPr>
-            <a:r>
-              <a:rPr sz="2000" dirty="0">
-                <a:solidFill>
-                  <a:schemeClr val="accent1">
-                    <a:hueOff val="114395"/>
-                    <a:lumOff val="-24975"/>
-                  </a:schemeClr>
-                </a:solidFill>
-                <a:latin typeface="Calibri" panose="020F0502020204030204" pitchFamily="34" charset="0"/>
-                <a:cs typeface="Calibri" panose="020F0502020204030204" pitchFamily="34" charset="0"/>
-              </a:rPr>
-              <a:t>type</a:t>
-            </a:r>
-            <a:r>
-              <a:rPr sz="2000" dirty="0">
-                <a:latin typeface="Calibri" panose="020F0502020204030204" pitchFamily="34" charset="0"/>
-                <a:cs typeface="Calibri" panose="020F0502020204030204" pitchFamily="34" charset="0"/>
-              </a:rPr>
-              <a:t> B = { y:</a:t>
-            </a:r>
-            <a:r>
-              <a:rPr sz="2000" dirty="0">
-                <a:solidFill>
-                  <a:schemeClr val="accent5">
-                    <a:lumOff val="-29866"/>
-                  </a:schemeClr>
-                </a:solidFill>
-                <a:latin typeface="Calibri" panose="020F0502020204030204" pitchFamily="34" charset="0"/>
-                <a:cs typeface="Calibri" panose="020F0502020204030204" pitchFamily="34" charset="0"/>
-              </a:rPr>
-              <a:t>"B1"</a:t>
-            </a:r>
-            <a:r>
-              <a:rPr sz="2000" dirty="0">
-                <a:latin typeface="Calibri" panose="020F0502020204030204" pitchFamily="34" charset="0"/>
-                <a:cs typeface="Calibri" panose="020F0502020204030204" pitchFamily="34" charset="0"/>
-              </a:rPr>
-              <a:t> | </a:t>
-            </a:r>
-            <a:r>
-              <a:rPr sz="2000" dirty="0">
-                <a:solidFill>
-                  <a:schemeClr val="accent5">
-                    <a:lumOff val="-29866"/>
-                  </a:schemeClr>
-                </a:solidFill>
-                <a:latin typeface="Calibri" panose="020F0502020204030204" pitchFamily="34" charset="0"/>
-                <a:cs typeface="Calibri" panose="020F0502020204030204" pitchFamily="34" charset="0"/>
-              </a:rPr>
-              <a:t>"B2"</a:t>
-            </a:r>
-            <a:r>
-              <a:rPr sz="2000" dirty="0">
-                <a:latin typeface="Calibri" panose="020F0502020204030204" pitchFamily="34" charset="0"/>
-                <a:cs typeface="Calibri" panose="020F0502020204030204" pitchFamily="34" charset="0"/>
-              </a:rPr>
-              <a:t> | </a:t>
-            </a:r>
-            <a:r>
-              <a:rPr sz="2000" dirty="0">
-                <a:solidFill>
-                  <a:schemeClr val="accent5">
-                    <a:lumOff val="-29866"/>
-                  </a:schemeClr>
-                </a:solidFill>
-                <a:latin typeface="Calibri" panose="020F0502020204030204" pitchFamily="34" charset="0"/>
-                <a:cs typeface="Calibri" panose="020F0502020204030204" pitchFamily="34" charset="0"/>
-              </a:rPr>
-              <a:t>"B3"</a:t>
-            </a:r>
-            <a:r>
-              <a:rPr sz="2000" dirty="0">
-                <a:latin typeface="Calibri" panose="020F0502020204030204" pitchFamily="34" charset="0"/>
-                <a:cs typeface="Calibri" panose="020F0502020204030204" pitchFamily="34" charset="0"/>
-              </a:rPr>
-              <a:t> }</a:t>
-            </a:r>
-          </a:p>
-          <a:p>
-            <a:pPr marL="568959" lvl="1" indent="-284479" algn="just" defTabSz="292607">
-              <a:lnSpc>
-                <a:spcPts val="3700"/>
-              </a:lnSpc>
-              <a:spcBef>
-                <a:spcPts val="0"/>
-              </a:spcBef>
-              <a:tabLst>
-                <a:tab pos="88900" algn="l"/>
-                <a:tab pos="292100" algn="l"/>
-              </a:tabLst>
-              <a:defRPr sz="2048">
-                <a:latin typeface="Helvetica"/>
-                <a:ea typeface="Helvetica"/>
-                <a:cs typeface="Helvetica"/>
-                <a:sym typeface="Helvetica"/>
-              </a:defRPr>
-            </a:pPr>
-            <a:r>
-              <a:rPr sz="2000" dirty="0">
-                <a:latin typeface="Calibri" panose="020F0502020204030204" pitchFamily="34" charset="0"/>
-                <a:cs typeface="Calibri" panose="020F0502020204030204" pitchFamily="34" charset="0"/>
-              </a:rPr>
-              <a:t>	values of A &amp; B are { x:"A1", y:"B1" }, { x:"A1", y:"B2" }, etc. There are six of them;</a:t>
-            </a:r>
-            <a:br>
-              <a:rPr sz="2000" dirty="0">
-                <a:latin typeface="Calibri" panose="020F0502020204030204" pitchFamily="34" charset="0"/>
-                <a:cs typeface="Calibri" panose="020F0502020204030204" pitchFamily="34" charset="0"/>
-              </a:rPr>
-            </a:br>
-            <a:endParaRPr sz="2000" dirty="0">
-              <a:latin typeface="Calibri" panose="020F0502020204030204" pitchFamily="34" charset="0"/>
-              <a:cs typeface="Calibri" panose="020F0502020204030204" pitchFamily="34" charset="0"/>
-            </a:endParaRPr>
           </a:p>
         </p:txBody>
       </p:sp>
@@ -5651,6 +6543,3232 @@
         </p:txBody>
       </p:sp>
     </p:spTree>
+  </p:cSld>
+  <p:clrMapOvr>
+    <a:masterClrMapping/>
+  </p:clrMapOvr>
+  <p:transition spd="med"/>
+</p:sld>
+</file>
+
+<file path=ppt/slides/slide20.xml><?xml version="1.0" encoding="utf-8"?>
+<p:sld xmlns:a="http://schemas.openxmlformats.org/drawingml/2006/main" xmlns:r="http://schemas.openxmlformats.org/officeDocument/2006/relationships" xmlns:p="http://schemas.openxmlformats.org/presentationml/2006/main">
+  <p:cSld>
+    <p:spTree>
+      <p:nvGrpSpPr>
+        <p:cNvPr id="1" name=""/>
+        <p:cNvGrpSpPr/>
+        <p:nvPr/>
+      </p:nvGrpSpPr>
+      <p:grpSpPr>
+        <a:xfrm>
+          <a:off x="0" y="0"/>
+          <a:ext cx="0" cy="0"/>
+          <a:chOff x="0" y="0"/>
+          <a:chExt cx="0" cy="0"/>
+        </a:xfrm>
+      </p:grpSpPr>
+      <p:sp>
+        <p:nvSpPr>
+          <p:cNvPr id="144" name="Types in Typescript"/>
+          <p:cNvSpPr txBox="1">
+            <a:spLocks noGrp="1"/>
+          </p:cNvSpPr>
+          <p:nvPr>
+            <p:ph type="title"/>
+          </p:nvPr>
+        </p:nvSpPr>
+        <p:spPr>
+          <a:prstGeom prst="rect">
+            <a:avLst/>
+          </a:prstGeom>
+        </p:spPr>
+        <p:txBody>
+          <a:bodyPr>
+            <a:normAutofit/>
+          </a:bodyPr>
+          <a:lstStyle/>
+          <a:p>
+            <a:r>
+              <a:rPr sz="4000" dirty="0">
+                <a:latin typeface="Calibri" panose="020F0502020204030204" pitchFamily="34" charset="0"/>
+                <a:cs typeface="Calibri" panose="020F0502020204030204" pitchFamily="34" charset="0"/>
+              </a:rPr>
+              <a:t>Types in Typescript</a:t>
+            </a:r>
+            <a:r>
+              <a:rPr lang="en-US" sz="4000" dirty="0">
+                <a:latin typeface="Calibri" panose="020F0502020204030204" pitchFamily="34" charset="0"/>
+                <a:cs typeface="Calibri" panose="020F0502020204030204" pitchFamily="34" charset="0"/>
+              </a:rPr>
+              <a:t>.</a:t>
+            </a:r>
+            <a:endParaRPr sz="4000" dirty="0">
+              <a:latin typeface="Calibri" panose="020F0502020204030204" pitchFamily="34" charset="0"/>
+              <a:cs typeface="Calibri" panose="020F0502020204030204" pitchFamily="34" charset="0"/>
+            </a:endParaRPr>
+          </a:p>
+        </p:txBody>
+      </p:sp>
+      <p:sp>
+        <p:nvSpPr>
+          <p:cNvPr id="145" name="There are additional types that we don’t have in  languages such as Java and C#…"/>
+          <p:cNvSpPr txBox="1">
+            <a:spLocks noGrp="1"/>
+          </p:cNvSpPr>
+          <p:nvPr>
+            <p:ph type="body" idx="1"/>
+          </p:nvPr>
+        </p:nvSpPr>
+        <p:spPr>
+          <a:prstGeom prst="rect">
+            <a:avLst/>
+          </a:prstGeom>
+        </p:spPr>
+        <p:txBody>
+          <a:bodyPr anchor="t">
+            <a:normAutofit/>
+          </a:bodyPr>
+          <a:lstStyle/>
+          <a:p>
+            <a:pPr marL="324485" indent="-324485" defTabSz="426466">
+              <a:spcBef>
+                <a:spcPts val="3000"/>
+              </a:spcBef>
+              <a:defRPr sz="2336">
+                <a:latin typeface="Helvetica"/>
+                <a:ea typeface="Helvetica"/>
+                <a:cs typeface="Helvetica"/>
+                <a:sym typeface="Helvetica"/>
+              </a:defRPr>
+            </a:pPr>
+            <a:r>
+              <a:rPr sz="2000" dirty="0">
+                <a:latin typeface="Calibri" panose="020F0502020204030204" pitchFamily="34" charset="0"/>
+                <a:cs typeface="Calibri" panose="020F0502020204030204" pitchFamily="34" charset="0"/>
+              </a:rPr>
+              <a:t>There are additional types that we don’t have in  languages such as Java and C#</a:t>
+            </a:r>
+          </a:p>
+          <a:p>
+            <a:pPr marL="324485" indent="-324485" defTabSz="426466">
+              <a:spcBef>
+                <a:spcPts val="3000"/>
+              </a:spcBef>
+              <a:defRPr sz="2336" u="sng">
+                <a:latin typeface="Helvetica"/>
+                <a:ea typeface="Helvetica"/>
+                <a:cs typeface="Helvetica"/>
+                <a:sym typeface="Helvetica"/>
+              </a:defRPr>
+            </a:pPr>
+            <a:r>
+              <a:rPr sz="2000" dirty="0">
+                <a:latin typeface="Calibri" panose="020F0502020204030204" pitchFamily="34" charset="0"/>
+                <a:cs typeface="Calibri" panose="020F0502020204030204" pitchFamily="34" charset="0"/>
+              </a:rPr>
+              <a:t>Union types</a:t>
+            </a:r>
+          </a:p>
+          <a:p>
+            <a:pPr marL="648970" lvl="1" indent="-324485" defTabSz="426466">
+              <a:spcBef>
+                <a:spcPts val="3000"/>
+              </a:spcBef>
+              <a:defRPr sz="2336"/>
+            </a:pPr>
+            <a:r>
+              <a:rPr sz="2000" dirty="0">
+                <a:latin typeface="Calibri" panose="020F0502020204030204" pitchFamily="34" charset="0"/>
+                <a:cs typeface="Calibri" panose="020F0502020204030204" pitchFamily="34" charset="0"/>
+              </a:rPr>
+              <a:t>we can join types together, obtaining all values of both types:</a:t>
+            </a:r>
+          </a:p>
+          <a:p>
+            <a:pPr marL="0" lvl="5" indent="834390" defTabSz="426466">
+              <a:spcBef>
+                <a:spcPts val="3000"/>
+              </a:spcBef>
+              <a:buSzTx/>
+              <a:buNone/>
+              <a:defRPr sz="2336"/>
+            </a:pPr>
+            <a:r>
+              <a:rPr sz="2000" dirty="0">
+                <a:solidFill>
+                  <a:schemeClr val="accent1">
+                    <a:hueOff val="114395"/>
+                    <a:lumOff val="-24975"/>
+                  </a:schemeClr>
+                </a:solidFill>
+                <a:latin typeface="Calibri" panose="020F0502020204030204" pitchFamily="34" charset="0"/>
+                <a:cs typeface="Calibri" panose="020F0502020204030204" pitchFamily="34" charset="0"/>
+              </a:rPr>
+              <a:t>let</a:t>
+            </a:r>
+            <a:r>
+              <a:rPr sz="2000" dirty="0">
+                <a:latin typeface="Calibri" panose="020F0502020204030204" pitchFamily="34" charset="0"/>
+                <a:cs typeface="Calibri" panose="020F0502020204030204" pitchFamily="34" charset="0"/>
+              </a:rPr>
+              <a:t> x1: number | </a:t>
+            </a:r>
+            <a:r>
+              <a:rPr sz="2000" dirty="0">
+                <a:solidFill>
+                  <a:schemeClr val="accent5">
+                    <a:lumOff val="-29866"/>
+                  </a:schemeClr>
+                </a:solidFill>
+                <a:latin typeface="Calibri" panose="020F0502020204030204" pitchFamily="34" charset="0"/>
+                <a:cs typeface="Calibri" panose="020F0502020204030204" pitchFamily="34" charset="0"/>
+              </a:rPr>
+              <a:t>"loading"</a:t>
+            </a:r>
+            <a:r>
+              <a:rPr sz="2000" dirty="0">
+                <a:latin typeface="Calibri" panose="020F0502020204030204" pitchFamily="34" charset="0"/>
+                <a:cs typeface="Calibri" panose="020F0502020204030204" pitchFamily="34" charset="0"/>
+              </a:rPr>
+              <a:t> | </a:t>
+            </a:r>
+            <a:r>
+              <a:rPr sz="2000" dirty="0">
+                <a:solidFill>
+                  <a:schemeClr val="accent5">
+                    <a:lumOff val="-29866"/>
+                  </a:schemeClr>
+                </a:solidFill>
+                <a:latin typeface="Calibri" panose="020F0502020204030204" pitchFamily="34" charset="0"/>
+                <a:cs typeface="Calibri" panose="020F0502020204030204" pitchFamily="34" charset="0"/>
+              </a:rPr>
+              <a:t>"error" </a:t>
+            </a:r>
+            <a:r>
+              <a:rPr sz="2000" dirty="0">
+                <a:latin typeface="Calibri" panose="020F0502020204030204" pitchFamily="34" charset="0"/>
+                <a:cs typeface="Calibri" panose="020F0502020204030204" pitchFamily="34" charset="0"/>
+              </a:rPr>
+              <a:t>= </a:t>
+            </a:r>
+            <a:r>
+              <a:rPr sz="2000" dirty="0">
+                <a:solidFill>
+                  <a:schemeClr val="accent5">
+                    <a:lumOff val="-29866"/>
+                  </a:schemeClr>
+                </a:solidFill>
+                <a:latin typeface="Calibri" panose="020F0502020204030204" pitchFamily="34" charset="0"/>
+                <a:cs typeface="Calibri" panose="020F0502020204030204" pitchFamily="34" charset="0"/>
+              </a:rPr>
+              <a:t>"loading"</a:t>
+            </a:r>
+            <a:endParaRPr lang="en-US" sz="2000" dirty="0">
+              <a:solidFill>
+                <a:schemeClr val="accent5">
+                  <a:lumOff val="-29866"/>
+                </a:schemeClr>
+              </a:solidFill>
+              <a:latin typeface="Calibri" panose="020F0502020204030204" pitchFamily="34" charset="0"/>
+              <a:cs typeface="Calibri" panose="020F0502020204030204" pitchFamily="34" charset="0"/>
+            </a:endParaRPr>
+          </a:p>
+          <a:p>
+            <a:pPr marL="648970" lvl="1" indent="-324485" defTabSz="426466">
+              <a:spcBef>
+                <a:spcPts val="3000"/>
+              </a:spcBef>
+              <a:defRPr sz="2336"/>
+            </a:pPr>
+            <a:r>
+              <a:rPr lang="en-US" sz="2000" dirty="0">
+                <a:latin typeface="Calibri" panose="020F0502020204030204" pitchFamily="34" charset="0"/>
+                <a:cs typeface="Calibri" panose="020F0502020204030204" pitchFamily="34" charset="0"/>
+              </a:rPr>
+              <a:t>we can also join more complex types together</a:t>
+            </a:r>
+          </a:p>
+          <a:p>
+            <a:pPr marL="0" lvl="5" indent="834390" defTabSz="426466">
+              <a:spcBef>
+                <a:spcPts val="3000"/>
+              </a:spcBef>
+              <a:buSzTx/>
+              <a:buNone/>
+              <a:defRPr sz="2336"/>
+            </a:pPr>
+            <a:r>
+              <a:rPr lang="en-US" sz="2000" dirty="0">
+                <a:solidFill>
+                  <a:schemeClr val="accent1">
+                    <a:hueOff val="114395"/>
+                    <a:lumOff val="-24975"/>
+                  </a:schemeClr>
+                </a:solidFill>
+                <a:latin typeface="Calibri" panose="020F0502020204030204" pitchFamily="34" charset="0"/>
+                <a:cs typeface="Calibri" panose="020F0502020204030204" pitchFamily="34" charset="0"/>
+              </a:rPr>
+              <a:t>type</a:t>
+            </a:r>
+            <a:r>
+              <a:rPr lang="en-US" sz="2000" dirty="0">
+                <a:latin typeface="Calibri" panose="020F0502020204030204" pitchFamily="34" charset="0"/>
+                <a:cs typeface="Calibri" panose="020F0502020204030204" pitchFamily="34" charset="0"/>
+              </a:rPr>
+              <a:t> Person = Student | Teacher</a:t>
+            </a:r>
+          </a:p>
+          <a:p>
+            <a:pPr marL="648970" lvl="1" indent="-324485" defTabSz="426466">
+              <a:spcBef>
+                <a:spcPts val="3000"/>
+              </a:spcBef>
+              <a:defRPr sz="2336"/>
+            </a:pPr>
+            <a:r>
+              <a:rPr lang="en-US" sz="2000" dirty="0">
+                <a:latin typeface="Calibri" panose="020F0502020204030204" pitchFamily="34" charset="0"/>
+                <a:cs typeface="Calibri" panose="020F0502020204030204" pitchFamily="34" charset="0"/>
+              </a:rPr>
+              <a:t>to recover the original type information, we can use a discriminated union</a:t>
+            </a:r>
+          </a:p>
+          <a:p>
+            <a:pPr marL="0" lvl="5" indent="834390" defTabSz="426466">
+              <a:spcBef>
+                <a:spcPts val="3000"/>
+              </a:spcBef>
+              <a:buSzTx/>
+              <a:buNone/>
+              <a:defRPr sz="2336"/>
+            </a:pPr>
+            <a:endParaRPr sz="2000" dirty="0">
+              <a:solidFill>
+                <a:schemeClr val="accent5">
+                  <a:lumOff val="-29866"/>
+                </a:schemeClr>
+              </a:solidFill>
+              <a:latin typeface="Calibri" panose="020F0502020204030204" pitchFamily="34" charset="0"/>
+              <a:cs typeface="Calibri" panose="020F0502020204030204" pitchFamily="34" charset="0"/>
+            </a:endParaRPr>
+          </a:p>
+        </p:txBody>
+      </p:sp>
+    </p:spTree>
+    <p:extLst>
+      <p:ext uri="{BB962C8B-B14F-4D97-AF65-F5344CB8AC3E}">
+        <p14:creationId xmlns:p14="http://schemas.microsoft.com/office/powerpoint/2010/main" val="1661145459"/>
+      </p:ext>
+    </p:extLst>
+  </p:cSld>
+  <p:clrMapOvr>
+    <a:masterClrMapping/>
+  </p:clrMapOvr>
+  <p:transition spd="med"/>
+</p:sld>
+</file>
+
+<file path=ppt/slides/slide21.xml><?xml version="1.0" encoding="utf-8"?>
+<p:sld xmlns:a="http://schemas.openxmlformats.org/drawingml/2006/main" xmlns:r="http://schemas.openxmlformats.org/officeDocument/2006/relationships" xmlns:p="http://schemas.openxmlformats.org/presentationml/2006/main">
+  <p:cSld>
+    <p:spTree>
+      <p:nvGrpSpPr>
+        <p:cNvPr id="1" name=""/>
+        <p:cNvGrpSpPr/>
+        <p:nvPr/>
+      </p:nvGrpSpPr>
+      <p:grpSpPr>
+        <a:xfrm>
+          <a:off x="0" y="0"/>
+          <a:ext cx="0" cy="0"/>
+          <a:chOff x="0" y="0"/>
+          <a:chExt cx="0" cy="0"/>
+        </a:xfrm>
+      </p:grpSpPr>
+      <p:sp>
+        <p:nvSpPr>
+          <p:cNvPr id="144" name="Types in Typescript"/>
+          <p:cNvSpPr txBox="1">
+            <a:spLocks noGrp="1"/>
+          </p:cNvSpPr>
+          <p:nvPr>
+            <p:ph type="title"/>
+          </p:nvPr>
+        </p:nvSpPr>
+        <p:spPr>
+          <a:prstGeom prst="rect">
+            <a:avLst/>
+          </a:prstGeom>
+        </p:spPr>
+        <p:txBody>
+          <a:bodyPr>
+            <a:normAutofit/>
+          </a:bodyPr>
+          <a:lstStyle/>
+          <a:p>
+            <a:r>
+              <a:rPr sz="4000" dirty="0">
+                <a:latin typeface="Calibri" panose="020F0502020204030204" pitchFamily="34" charset="0"/>
+                <a:cs typeface="Calibri" panose="020F0502020204030204" pitchFamily="34" charset="0"/>
+              </a:rPr>
+              <a:t>Types in Typescript</a:t>
+            </a:r>
+            <a:r>
+              <a:rPr lang="en-US" sz="4000" dirty="0">
+                <a:latin typeface="Calibri" panose="020F0502020204030204" pitchFamily="34" charset="0"/>
+                <a:cs typeface="Calibri" panose="020F0502020204030204" pitchFamily="34" charset="0"/>
+              </a:rPr>
+              <a:t>.</a:t>
+            </a:r>
+            <a:endParaRPr sz="4000" dirty="0">
+              <a:latin typeface="Calibri" panose="020F0502020204030204" pitchFamily="34" charset="0"/>
+              <a:cs typeface="Calibri" panose="020F0502020204030204" pitchFamily="34" charset="0"/>
+            </a:endParaRPr>
+          </a:p>
+        </p:txBody>
+      </p:sp>
+      <p:sp>
+        <p:nvSpPr>
+          <p:cNvPr id="145" name="There are additional types that we don’t have in  languages such as Java and C#…"/>
+          <p:cNvSpPr txBox="1">
+            <a:spLocks noGrp="1"/>
+          </p:cNvSpPr>
+          <p:nvPr>
+            <p:ph type="body" idx="1"/>
+          </p:nvPr>
+        </p:nvSpPr>
+        <p:spPr>
+          <a:prstGeom prst="rect">
+            <a:avLst/>
+          </a:prstGeom>
+        </p:spPr>
+        <p:txBody>
+          <a:bodyPr anchor="t">
+            <a:normAutofit/>
+          </a:bodyPr>
+          <a:lstStyle/>
+          <a:p>
+            <a:pPr marL="324485" indent="-324485" defTabSz="426466">
+              <a:spcBef>
+                <a:spcPts val="3000"/>
+              </a:spcBef>
+              <a:defRPr sz="2336">
+                <a:latin typeface="Helvetica"/>
+                <a:ea typeface="Helvetica"/>
+                <a:cs typeface="Helvetica"/>
+                <a:sym typeface="Helvetica"/>
+              </a:defRPr>
+            </a:pPr>
+            <a:r>
+              <a:rPr sz="2000" dirty="0">
+                <a:latin typeface="Calibri" panose="020F0502020204030204" pitchFamily="34" charset="0"/>
+                <a:cs typeface="Calibri" panose="020F0502020204030204" pitchFamily="34" charset="0"/>
+              </a:rPr>
+              <a:t>There are additional types that we don’t have in  languages such as Java and C#</a:t>
+            </a:r>
+          </a:p>
+          <a:p>
+            <a:pPr marL="324485" indent="-324485" defTabSz="426466">
+              <a:spcBef>
+                <a:spcPts val="3000"/>
+              </a:spcBef>
+              <a:defRPr sz="2336" u="sng">
+                <a:latin typeface="Helvetica"/>
+                <a:ea typeface="Helvetica"/>
+                <a:cs typeface="Helvetica"/>
+                <a:sym typeface="Helvetica"/>
+              </a:defRPr>
+            </a:pPr>
+            <a:r>
+              <a:rPr sz="2000" dirty="0">
+                <a:latin typeface="Calibri" panose="020F0502020204030204" pitchFamily="34" charset="0"/>
+                <a:cs typeface="Calibri" panose="020F0502020204030204" pitchFamily="34" charset="0"/>
+              </a:rPr>
+              <a:t>Union types</a:t>
+            </a:r>
+          </a:p>
+          <a:p>
+            <a:pPr marL="648970" lvl="1" indent="-324485" defTabSz="426466">
+              <a:spcBef>
+                <a:spcPts val="3000"/>
+              </a:spcBef>
+              <a:defRPr sz="2336"/>
+            </a:pPr>
+            <a:r>
+              <a:rPr sz="2000" dirty="0">
+                <a:latin typeface="Calibri" panose="020F0502020204030204" pitchFamily="34" charset="0"/>
+                <a:cs typeface="Calibri" panose="020F0502020204030204" pitchFamily="34" charset="0"/>
+              </a:rPr>
+              <a:t>we can join types together, obtaining all values of both types:</a:t>
+            </a:r>
+          </a:p>
+          <a:p>
+            <a:pPr marL="0" lvl="5" indent="834390" defTabSz="426466">
+              <a:spcBef>
+                <a:spcPts val="3000"/>
+              </a:spcBef>
+              <a:buSzTx/>
+              <a:buNone/>
+              <a:defRPr sz="2336"/>
+            </a:pPr>
+            <a:r>
+              <a:rPr sz="2000" dirty="0">
+                <a:solidFill>
+                  <a:schemeClr val="accent1">
+                    <a:hueOff val="114395"/>
+                    <a:lumOff val="-24975"/>
+                  </a:schemeClr>
+                </a:solidFill>
+                <a:latin typeface="Calibri" panose="020F0502020204030204" pitchFamily="34" charset="0"/>
+                <a:cs typeface="Calibri" panose="020F0502020204030204" pitchFamily="34" charset="0"/>
+              </a:rPr>
+              <a:t>let</a:t>
+            </a:r>
+            <a:r>
+              <a:rPr sz="2000" dirty="0">
+                <a:latin typeface="Calibri" panose="020F0502020204030204" pitchFamily="34" charset="0"/>
+                <a:cs typeface="Calibri" panose="020F0502020204030204" pitchFamily="34" charset="0"/>
+              </a:rPr>
+              <a:t> x1: number | </a:t>
+            </a:r>
+            <a:r>
+              <a:rPr sz="2000" dirty="0">
+                <a:solidFill>
+                  <a:schemeClr val="accent5">
+                    <a:lumOff val="-29866"/>
+                  </a:schemeClr>
+                </a:solidFill>
+                <a:latin typeface="Calibri" panose="020F0502020204030204" pitchFamily="34" charset="0"/>
+                <a:cs typeface="Calibri" panose="020F0502020204030204" pitchFamily="34" charset="0"/>
+              </a:rPr>
+              <a:t>"loading"</a:t>
+            </a:r>
+            <a:r>
+              <a:rPr sz="2000" dirty="0">
+                <a:latin typeface="Calibri" panose="020F0502020204030204" pitchFamily="34" charset="0"/>
+                <a:cs typeface="Calibri" panose="020F0502020204030204" pitchFamily="34" charset="0"/>
+              </a:rPr>
+              <a:t> | </a:t>
+            </a:r>
+            <a:r>
+              <a:rPr sz="2000" dirty="0">
+                <a:solidFill>
+                  <a:schemeClr val="accent5">
+                    <a:lumOff val="-29866"/>
+                  </a:schemeClr>
+                </a:solidFill>
+                <a:latin typeface="Calibri" panose="020F0502020204030204" pitchFamily="34" charset="0"/>
+                <a:cs typeface="Calibri" panose="020F0502020204030204" pitchFamily="34" charset="0"/>
+              </a:rPr>
+              <a:t>"error" </a:t>
+            </a:r>
+            <a:r>
+              <a:rPr sz="2000" dirty="0">
+                <a:latin typeface="Calibri" panose="020F0502020204030204" pitchFamily="34" charset="0"/>
+                <a:cs typeface="Calibri" panose="020F0502020204030204" pitchFamily="34" charset="0"/>
+              </a:rPr>
+              <a:t>= </a:t>
+            </a:r>
+            <a:r>
+              <a:rPr sz="2000" dirty="0">
+                <a:solidFill>
+                  <a:schemeClr val="accent5">
+                    <a:lumOff val="-29866"/>
+                  </a:schemeClr>
+                </a:solidFill>
+                <a:latin typeface="Calibri" panose="020F0502020204030204" pitchFamily="34" charset="0"/>
+                <a:cs typeface="Calibri" panose="020F0502020204030204" pitchFamily="34" charset="0"/>
+              </a:rPr>
+              <a:t>"loading"</a:t>
+            </a:r>
+            <a:endParaRPr lang="en-US" sz="2000" dirty="0">
+              <a:solidFill>
+                <a:schemeClr val="accent5">
+                  <a:lumOff val="-29866"/>
+                </a:schemeClr>
+              </a:solidFill>
+              <a:latin typeface="Calibri" panose="020F0502020204030204" pitchFamily="34" charset="0"/>
+              <a:cs typeface="Calibri" panose="020F0502020204030204" pitchFamily="34" charset="0"/>
+            </a:endParaRPr>
+          </a:p>
+          <a:p>
+            <a:pPr marL="648970" lvl="1" indent="-324485" defTabSz="426466">
+              <a:spcBef>
+                <a:spcPts val="3000"/>
+              </a:spcBef>
+              <a:defRPr sz="2336"/>
+            </a:pPr>
+            <a:r>
+              <a:rPr lang="en-US" sz="2000" dirty="0">
+                <a:latin typeface="Calibri" panose="020F0502020204030204" pitchFamily="34" charset="0"/>
+                <a:cs typeface="Calibri" panose="020F0502020204030204" pitchFamily="34" charset="0"/>
+              </a:rPr>
+              <a:t>we can also join more complex types together</a:t>
+            </a:r>
+          </a:p>
+          <a:p>
+            <a:pPr marL="0" lvl="5" indent="834390" defTabSz="426466">
+              <a:spcBef>
+                <a:spcPts val="3000"/>
+              </a:spcBef>
+              <a:buSzTx/>
+              <a:buNone/>
+              <a:defRPr sz="2336"/>
+            </a:pPr>
+            <a:r>
+              <a:rPr lang="en-US" sz="2000" dirty="0">
+                <a:solidFill>
+                  <a:schemeClr val="accent1">
+                    <a:hueOff val="114395"/>
+                    <a:lumOff val="-24975"/>
+                  </a:schemeClr>
+                </a:solidFill>
+                <a:latin typeface="Calibri" panose="020F0502020204030204" pitchFamily="34" charset="0"/>
+                <a:cs typeface="Calibri" panose="020F0502020204030204" pitchFamily="34" charset="0"/>
+              </a:rPr>
+              <a:t>type</a:t>
+            </a:r>
+            <a:r>
+              <a:rPr lang="en-US" sz="2000" dirty="0">
+                <a:latin typeface="Calibri" panose="020F0502020204030204" pitchFamily="34" charset="0"/>
+                <a:cs typeface="Calibri" panose="020F0502020204030204" pitchFamily="34" charset="0"/>
+              </a:rPr>
+              <a:t> Person = Student | Teacher</a:t>
+            </a:r>
+          </a:p>
+          <a:p>
+            <a:pPr marL="648970" lvl="1" indent="-324485" defTabSz="426466">
+              <a:spcBef>
+                <a:spcPts val="3000"/>
+              </a:spcBef>
+              <a:defRPr sz="2336"/>
+            </a:pPr>
+            <a:r>
+              <a:rPr lang="en-US" sz="2000" dirty="0">
+                <a:latin typeface="Calibri" panose="020F0502020204030204" pitchFamily="34" charset="0"/>
+                <a:cs typeface="Calibri" panose="020F0502020204030204" pitchFamily="34" charset="0"/>
+              </a:rPr>
+              <a:t>to recover the original type information, we can use a discriminated union</a:t>
+            </a:r>
+          </a:p>
+          <a:p>
+            <a:pPr marL="324485" lvl="0" indent="-324485" defTabSz="426466">
+              <a:spcBef>
+                <a:spcPts val="3000"/>
+              </a:spcBef>
+              <a:defRPr sz="2336"/>
+            </a:pPr>
+            <a:r>
+              <a:rPr lang="en-US" sz="2000" u="sng" dirty="0">
+                <a:latin typeface="Calibri" panose="020F0502020204030204" pitchFamily="34" charset="0"/>
+                <a:cs typeface="Calibri" panose="020F0502020204030204" pitchFamily="34" charset="0"/>
+              </a:rPr>
+              <a:t>Discriminated union:</a:t>
+            </a:r>
+            <a:r>
+              <a:rPr lang="en-US" sz="2000" dirty="0">
+                <a:latin typeface="Calibri" panose="020F0502020204030204" pitchFamily="34" charset="0"/>
+                <a:cs typeface="Calibri" panose="020F0502020204030204" pitchFamily="34" charset="0"/>
+              </a:rPr>
+              <a:t> an element allows us to discriminate the specific case of a value</a:t>
+            </a:r>
+          </a:p>
+          <a:p>
+            <a:pPr marL="0" lvl="5" indent="834390" defTabSz="426466">
+              <a:spcBef>
+                <a:spcPts val="3000"/>
+              </a:spcBef>
+              <a:buSzTx/>
+              <a:buNone/>
+              <a:defRPr sz="2336"/>
+            </a:pPr>
+            <a:endParaRPr sz="2000" dirty="0">
+              <a:solidFill>
+                <a:schemeClr val="accent5">
+                  <a:lumOff val="-29866"/>
+                </a:schemeClr>
+              </a:solidFill>
+              <a:latin typeface="Calibri" panose="020F0502020204030204" pitchFamily="34" charset="0"/>
+              <a:cs typeface="Calibri" panose="020F0502020204030204" pitchFamily="34" charset="0"/>
+            </a:endParaRPr>
+          </a:p>
+        </p:txBody>
+      </p:sp>
+    </p:spTree>
+    <p:extLst>
+      <p:ext uri="{BB962C8B-B14F-4D97-AF65-F5344CB8AC3E}">
+        <p14:creationId xmlns:p14="http://schemas.microsoft.com/office/powerpoint/2010/main" val="120629095"/>
+      </p:ext>
+    </p:extLst>
+  </p:cSld>
+  <p:clrMapOvr>
+    <a:masterClrMapping/>
+  </p:clrMapOvr>
+  <p:transition spd="med"/>
+</p:sld>
+</file>
+
+<file path=ppt/slides/slide22.xml><?xml version="1.0" encoding="utf-8"?>
+<p:sld xmlns:a="http://schemas.openxmlformats.org/drawingml/2006/main" xmlns:r="http://schemas.openxmlformats.org/officeDocument/2006/relationships" xmlns:p="http://schemas.openxmlformats.org/presentationml/2006/main">
+  <p:cSld>
+    <p:spTree>
+      <p:nvGrpSpPr>
+        <p:cNvPr id="1" name=""/>
+        <p:cNvGrpSpPr/>
+        <p:nvPr/>
+      </p:nvGrpSpPr>
+      <p:grpSpPr>
+        <a:xfrm>
+          <a:off x="0" y="0"/>
+          <a:ext cx="0" cy="0"/>
+          <a:chOff x="0" y="0"/>
+          <a:chExt cx="0" cy="0"/>
+        </a:xfrm>
+      </p:grpSpPr>
+      <p:sp>
+        <p:nvSpPr>
+          <p:cNvPr id="147" name="Types in Typescript"/>
+          <p:cNvSpPr txBox="1">
+            <a:spLocks noGrp="1"/>
+          </p:cNvSpPr>
+          <p:nvPr>
+            <p:ph type="title"/>
+          </p:nvPr>
+        </p:nvSpPr>
+        <p:spPr>
+          <a:prstGeom prst="rect">
+            <a:avLst/>
+          </a:prstGeom>
+        </p:spPr>
+        <p:txBody>
+          <a:bodyPr>
+            <a:normAutofit/>
+          </a:bodyPr>
+          <a:lstStyle/>
+          <a:p>
+            <a:r>
+              <a:rPr sz="4000" dirty="0">
+                <a:latin typeface="Calibri" panose="020F0502020204030204" pitchFamily="34" charset="0"/>
+                <a:cs typeface="Calibri" panose="020F0502020204030204" pitchFamily="34" charset="0"/>
+              </a:rPr>
+              <a:t>Types in Typescript</a:t>
+            </a:r>
+            <a:r>
+              <a:rPr lang="en-US" sz="4000" dirty="0">
+                <a:latin typeface="Calibri" panose="020F0502020204030204" pitchFamily="34" charset="0"/>
+                <a:cs typeface="Calibri" panose="020F0502020204030204" pitchFamily="34" charset="0"/>
+              </a:rPr>
+              <a:t>..</a:t>
+            </a:r>
+            <a:endParaRPr sz="4000" dirty="0">
+              <a:latin typeface="Calibri" panose="020F0502020204030204" pitchFamily="34" charset="0"/>
+              <a:cs typeface="Calibri" panose="020F0502020204030204" pitchFamily="34" charset="0"/>
+            </a:endParaRPr>
+          </a:p>
+        </p:txBody>
+      </p:sp>
+      <p:sp>
+        <p:nvSpPr>
+          <p:cNvPr id="148" name="Intersection Types:…"/>
+          <p:cNvSpPr txBox="1">
+            <a:spLocks noGrp="1"/>
+          </p:cNvSpPr>
+          <p:nvPr>
+            <p:ph type="body" idx="1"/>
+          </p:nvPr>
+        </p:nvSpPr>
+        <p:spPr>
+          <a:prstGeom prst="rect">
+            <a:avLst/>
+          </a:prstGeom>
+        </p:spPr>
+        <p:txBody>
+          <a:bodyPr anchor="t">
+            <a:normAutofit/>
+          </a:bodyPr>
+          <a:lstStyle/>
+          <a:p>
+            <a:pPr>
+              <a:lnSpc>
+                <a:spcPct val="150000"/>
+              </a:lnSpc>
+              <a:defRPr u="sng"/>
+            </a:pPr>
+            <a:r>
+              <a:rPr sz="2000" dirty="0">
+                <a:latin typeface="Calibri" panose="020F0502020204030204" pitchFamily="34" charset="0"/>
+                <a:cs typeface="Calibri" panose="020F0502020204030204" pitchFamily="34" charset="0"/>
+              </a:rPr>
+              <a:t>Intersection Types:</a:t>
+            </a:r>
+          </a:p>
+          <a:p>
+            <a:pPr marL="457200" lvl="1" indent="-228600" defTabSz="457200">
+              <a:lnSpc>
+                <a:spcPct val="150000"/>
+              </a:lnSpc>
+              <a:spcBef>
+                <a:spcPts val="0"/>
+              </a:spcBef>
+              <a:buSzTx/>
+              <a:buNone/>
+              <a:tabLst>
+                <a:tab pos="139700" algn="l"/>
+                <a:tab pos="457200" algn="l"/>
+              </a:tabLst>
+              <a:defRPr sz="1400"/>
+            </a:pPr>
+            <a:r>
+              <a:rPr sz="2000" dirty="0">
+                <a:latin typeface="Calibri" panose="020F0502020204030204" pitchFamily="34" charset="0"/>
+                <a:cs typeface="Calibri" panose="020F0502020204030204" pitchFamily="34" charset="0"/>
+              </a:rPr>
+              <a:t>	•	</a:t>
+            </a:r>
+            <a:r>
+              <a:rPr sz="2000" dirty="0">
+                <a:latin typeface="Calibri" panose="020F0502020204030204" pitchFamily="34" charset="0"/>
+                <a:ea typeface="Helvetica"/>
+                <a:cs typeface="Calibri" panose="020F0502020204030204" pitchFamily="34" charset="0"/>
+                <a:sym typeface="Helvetica"/>
+              </a:rPr>
+              <a:t>the same discriminated union can be built by reusing the previously defined types, augmented with intersections;</a:t>
+            </a:r>
+          </a:p>
+          <a:p>
+            <a:pPr marL="457200" lvl="1" indent="-228600" defTabSz="457200">
+              <a:lnSpc>
+                <a:spcPct val="150000"/>
+              </a:lnSpc>
+              <a:spcBef>
+                <a:spcPts val="0"/>
+              </a:spcBef>
+              <a:buSzTx/>
+              <a:buNone/>
+              <a:tabLst>
+                <a:tab pos="139700" algn="l"/>
+                <a:tab pos="457200" algn="l"/>
+              </a:tabLst>
+              <a:defRPr>
+                <a:latin typeface="Helvetica"/>
+                <a:ea typeface="Helvetica"/>
+                <a:cs typeface="Helvetica"/>
+                <a:sym typeface="Helvetica"/>
+              </a:defRPr>
+            </a:pPr>
+            <a:r>
+              <a:rPr sz="2000" dirty="0">
+                <a:latin typeface="Calibri" panose="020F0502020204030204" pitchFamily="34" charset="0"/>
+                <a:cs typeface="Calibri" panose="020F0502020204030204" pitchFamily="34" charset="0"/>
+              </a:rPr>
+              <a:t>	•	this results in less code, and better intention declaration:</a:t>
+            </a:r>
+          </a:p>
+          <a:p>
+            <a:pPr marL="0" lvl="3" indent="685800" defTabSz="457200">
+              <a:lnSpc>
+                <a:spcPct val="150000"/>
+              </a:lnSpc>
+              <a:spcBef>
+                <a:spcPts val="0"/>
+              </a:spcBef>
+              <a:buSzTx/>
+              <a:buNone/>
+              <a:defRPr sz="2000">
+                <a:latin typeface="Helvetica"/>
+                <a:ea typeface="Helvetica"/>
+                <a:cs typeface="Helvetica"/>
+                <a:sym typeface="Helvetica"/>
+              </a:defRPr>
+            </a:pPr>
+            <a:r>
+              <a:rPr sz="2000" dirty="0">
+                <a:solidFill>
+                  <a:schemeClr val="accent1">
+                    <a:hueOff val="114395"/>
+                    <a:lumOff val="-24975"/>
+                  </a:schemeClr>
+                </a:solidFill>
+                <a:latin typeface="Calibri" panose="020F0502020204030204" pitchFamily="34" charset="0"/>
+                <a:cs typeface="Calibri" panose="020F0502020204030204" pitchFamily="34" charset="0"/>
+              </a:rPr>
+              <a:t>type</a:t>
+            </a:r>
+            <a:r>
+              <a:rPr sz="2000" dirty="0">
+                <a:latin typeface="Calibri" panose="020F0502020204030204" pitchFamily="34" charset="0"/>
+                <a:cs typeface="Calibri" panose="020F0502020204030204" pitchFamily="34" charset="0"/>
+              </a:rPr>
+              <a:t> Person = Student &amp; { kind: </a:t>
+            </a:r>
+            <a:r>
+              <a:rPr sz="2000" dirty="0">
+                <a:solidFill>
+                  <a:schemeClr val="accent5">
+                    <a:lumOff val="-29866"/>
+                  </a:schemeClr>
+                </a:solidFill>
+                <a:latin typeface="Calibri" panose="020F0502020204030204" pitchFamily="34" charset="0"/>
+                <a:cs typeface="Calibri" panose="020F0502020204030204" pitchFamily="34" charset="0"/>
+              </a:rPr>
+              <a:t>"student"</a:t>
+            </a:r>
+            <a:r>
+              <a:rPr sz="2000" dirty="0">
+                <a:latin typeface="Calibri" panose="020F0502020204030204" pitchFamily="34" charset="0"/>
+                <a:cs typeface="Calibri" panose="020F0502020204030204" pitchFamily="34" charset="0"/>
+              </a:rPr>
+              <a:t> } | Teacher &amp; { kind: </a:t>
+            </a:r>
+            <a:r>
+              <a:rPr sz="2000" dirty="0">
+                <a:solidFill>
+                  <a:schemeClr val="accent5">
+                    <a:lumOff val="-29866"/>
+                  </a:schemeClr>
+                </a:solidFill>
+                <a:latin typeface="Calibri" panose="020F0502020204030204" pitchFamily="34" charset="0"/>
+                <a:cs typeface="Calibri" panose="020F0502020204030204" pitchFamily="34" charset="0"/>
+              </a:rPr>
+              <a:t>"teacher" </a:t>
+            </a:r>
+            <a:r>
+              <a:rPr sz="2000" dirty="0">
+                <a:latin typeface="Calibri" panose="020F0502020204030204" pitchFamily="34" charset="0"/>
+                <a:cs typeface="Calibri" panose="020F0502020204030204" pitchFamily="34" charset="0"/>
+              </a:rPr>
+              <a:t>}</a:t>
+            </a:r>
+          </a:p>
+        </p:txBody>
+      </p:sp>
+    </p:spTree>
+  </p:cSld>
+  <p:clrMapOvr>
+    <a:masterClrMapping/>
+  </p:clrMapOvr>
+  <p:transition spd="med"/>
+</p:sld>
+</file>
+
+<file path=ppt/slides/slide23.xml><?xml version="1.0" encoding="utf-8"?>
+<p:sld xmlns:a="http://schemas.openxmlformats.org/drawingml/2006/main" xmlns:r="http://schemas.openxmlformats.org/officeDocument/2006/relationships" xmlns:p="http://schemas.openxmlformats.org/presentationml/2006/main">
+  <p:cSld>
+    <p:spTree>
+      <p:nvGrpSpPr>
+        <p:cNvPr id="1" name=""/>
+        <p:cNvGrpSpPr/>
+        <p:nvPr/>
+      </p:nvGrpSpPr>
+      <p:grpSpPr>
+        <a:xfrm>
+          <a:off x="0" y="0"/>
+          <a:ext cx="0" cy="0"/>
+          <a:chOff x="0" y="0"/>
+          <a:chExt cx="0" cy="0"/>
+        </a:xfrm>
+      </p:grpSpPr>
+      <p:sp>
+        <p:nvSpPr>
+          <p:cNvPr id="150" name="Types in Typescript"/>
+          <p:cNvSpPr txBox="1">
+            <a:spLocks noGrp="1"/>
+          </p:cNvSpPr>
+          <p:nvPr>
+            <p:ph type="title"/>
+          </p:nvPr>
+        </p:nvSpPr>
+        <p:spPr>
+          <a:prstGeom prst="rect">
+            <a:avLst/>
+          </a:prstGeom>
+        </p:spPr>
+        <p:txBody>
+          <a:bodyPr>
+            <a:normAutofit/>
+          </a:bodyPr>
+          <a:lstStyle/>
+          <a:p>
+            <a:r>
+              <a:rPr sz="4000" dirty="0">
+                <a:latin typeface="Calibri" panose="020F0502020204030204" pitchFamily="34" charset="0"/>
+                <a:cs typeface="Calibri" panose="020F0502020204030204" pitchFamily="34" charset="0"/>
+              </a:rPr>
+              <a:t>Types </a:t>
+            </a:r>
+            <a:r>
+              <a:rPr sz="4000">
+                <a:latin typeface="Calibri" panose="020F0502020204030204" pitchFamily="34" charset="0"/>
+                <a:cs typeface="Calibri" panose="020F0502020204030204" pitchFamily="34" charset="0"/>
+              </a:rPr>
+              <a:t>in Typescript</a:t>
+            </a:r>
+            <a:r>
+              <a:rPr lang="en-US" sz="4000">
+                <a:latin typeface="Calibri" panose="020F0502020204030204" pitchFamily="34" charset="0"/>
+                <a:cs typeface="Calibri" panose="020F0502020204030204" pitchFamily="34" charset="0"/>
+              </a:rPr>
+              <a:t>..</a:t>
+            </a:r>
+            <a:endParaRPr sz="4000" dirty="0">
+              <a:latin typeface="Calibri" panose="020F0502020204030204" pitchFamily="34" charset="0"/>
+              <a:cs typeface="Calibri" panose="020F0502020204030204" pitchFamily="34" charset="0"/>
+            </a:endParaRPr>
+          </a:p>
+        </p:txBody>
+      </p:sp>
+      <p:sp>
+        <p:nvSpPr>
+          <p:cNvPr id="151" name="Union is a sort of sum, or set union:…"/>
+          <p:cNvSpPr txBox="1">
+            <a:spLocks noGrp="1"/>
+          </p:cNvSpPr>
+          <p:nvPr>
+            <p:ph type="body" idx="1"/>
+          </p:nvPr>
+        </p:nvSpPr>
+        <p:spPr>
+          <a:prstGeom prst="rect">
+            <a:avLst/>
+          </a:prstGeom>
+        </p:spPr>
+        <p:txBody>
+          <a:bodyPr anchor="t">
+            <a:noAutofit/>
+          </a:bodyPr>
+          <a:lstStyle/>
+          <a:p>
+            <a:pPr marL="284479" indent="-284479" defTabSz="292607">
+              <a:lnSpc>
+                <a:spcPts val="3700"/>
+              </a:lnSpc>
+              <a:spcBef>
+                <a:spcPts val="0"/>
+              </a:spcBef>
+              <a:tabLst>
+                <a:tab pos="88900" algn="l"/>
+                <a:tab pos="292100" algn="l"/>
+              </a:tabLst>
+              <a:defRPr sz="2048">
+                <a:latin typeface="Helvetica"/>
+                <a:ea typeface="Helvetica"/>
+                <a:cs typeface="Helvetica"/>
+                <a:sym typeface="Helvetica"/>
+              </a:defRPr>
+            </a:pPr>
+            <a:r>
+              <a:rPr sz="2000" dirty="0">
+                <a:latin typeface="Calibri" panose="020F0502020204030204" pitchFamily="34" charset="0"/>
+                <a:cs typeface="Calibri" panose="020F0502020204030204" pitchFamily="34" charset="0"/>
+              </a:rPr>
+              <a:t>U</a:t>
+            </a:r>
+            <a:r>
+              <a:rPr sz="2000" u="sng" dirty="0">
+                <a:latin typeface="Calibri" panose="020F0502020204030204" pitchFamily="34" charset="0"/>
+                <a:cs typeface="Calibri" panose="020F0502020204030204" pitchFamily="34" charset="0"/>
+              </a:rPr>
+              <a:t>nion</a:t>
+            </a:r>
+            <a:r>
+              <a:rPr sz="2000" dirty="0">
+                <a:latin typeface="Calibri" panose="020F0502020204030204" pitchFamily="34" charset="0"/>
+                <a:cs typeface="Calibri" panose="020F0502020204030204" pitchFamily="34" charset="0"/>
+              </a:rPr>
+              <a:t> is a sort of sum, or set union: </a:t>
+            </a:r>
+          </a:p>
+          <a:p>
+            <a:pPr marL="568959" lvl="1" indent="-284479" defTabSz="292607">
+              <a:lnSpc>
+                <a:spcPts val="3700"/>
+              </a:lnSpc>
+              <a:spcBef>
+                <a:spcPts val="0"/>
+              </a:spcBef>
+              <a:tabLst>
+                <a:tab pos="88900" algn="l"/>
+                <a:tab pos="292100" algn="l"/>
+              </a:tabLst>
+              <a:defRPr sz="2048">
+                <a:latin typeface="Helvetica"/>
+                <a:ea typeface="Helvetica"/>
+                <a:cs typeface="Helvetica"/>
+                <a:sym typeface="Helvetica"/>
+              </a:defRPr>
+            </a:pPr>
+            <a:r>
+              <a:rPr sz="2000" dirty="0">
+                <a:latin typeface="Calibri" panose="020F0502020204030204" pitchFamily="34" charset="0"/>
+                <a:cs typeface="Calibri" panose="020F0502020204030204" pitchFamily="34" charset="0"/>
+              </a:rPr>
+              <a:t>A | B is a type that contains:</a:t>
+            </a:r>
+          </a:p>
+          <a:p>
+            <a:pPr marL="853439" lvl="2" indent="-284479" defTabSz="292607">
+              <a:lnSpc>
+                <a:spcPts val="3700"/>
+              </a:lnSpc>
+              <a:spcBef>
+                <a:spcPts val="0"/>
+              </a:spcBef>
+              <a:tabLst>
+                <a:tab pos="88900" algn="l"/>
+                <a:tab pos="292100" algn="l"/>
+              </a:tabLst>
+              <a:defRPr sz="2048">
+                <a:latin typeface="Helvetica"/>
+                <a:ea typeface="Helvetica"/>
+                <a:cs typeface="Helvetica"/>
+                <a:sym typeface="Helvetica"/>
+              </a:defRPr>
+            </a:pPr>
+            <a:r>
+              <a:rPr sz="2000" dirty="0">
+                <a:latin typeface="Calibri" panose="020F0502020204030204" pitchFamily="34" charset="0"/>
+                <a:cs typeface="Calibri" panose="020F0502020204030204" pitchFamily="34" charset="0"/>
+              </a:rPr>
+              <a:t>all the values of A, </a:t>
+            </a:r>
+          </a:p>
+          <a:p>
+            <a:pPr marL="853439" lvl="2" indent="-284479" defTabSz="292607">
+              <a:lnSpc>
+                <a:spcPts val="3700"/>
+              </a:lnSpc>
+              <a:spcBef>
+                <a:spcPts val="0"/>
+              </a:spcBef>
+              <a:tabLst>
+                <a:tab pos="88900" algn="l"/>
+                <a:tab pos="292100" algn="l"/>
+              </a:tabLst>
+              <a:defRPr sz="2048">
+                <a:latin typeface="Helvetica"/>
+                <a:ea typeface="Helvetica"/>
+                <a:cs typeface="Helvetica"/>
+                <a:sym typeface="Helvetica"/>
+              </a:defRPr>
+            </a:pPr>
+            <a:r>
+              <a:rPr sz="2000" dirty="0">
+                <a:latin typeface="Calibri" panose="020F0502020204030204" pitchFamily="34" charset="0"/>
+                <a:cs typeface="Calibri" panose="020F0502020204030204" pitchFamily="34" charset="0"/>
+              </a:rPr>
+              <a:t>and all the values of B, one next to each other;</a:t>
+            </a:r>
+          </a:p>
+          <a:p>
+            <a:pPr marL="0" lvl="5" indent="731519" defTabSz="292607">
+              <a:lnSpc>
+                <a:spcPts val="3400"/>
+              </a:lnSpc>
+              <a:spcBef>
+                <a:spcPts val="0"/>
+              </a:spcBef>
+              <a:buSzTx/>
+              <a:buNone/>
+              <a:defRPr sz="2048">
+                <a:latin typeface="Helvetica"/>
+                <a:ea typeface="Helvetica"/>
+                <a:cs typeface="Helvetica"/>
+                <a:sym typeface="Helvetica"/>
+              </a:defRPr>
+            </a:pPr>
+            <a:r>
+              <a:rPr sz="2000" dirty="0">
+                <a:solidFill>
+                  <a:schemeClr val="accent1">
+                    <a:hueOff val="114395"/>
+                    <a:lumOff val="-24975"/>
+                  </a:schemeClr>
+                </a:solidFill>
+                <a:latin typeface="Calibri" panose="020F0502020204030204" pitchFamily="34" charset="0"/>
+                <a:cs typeface="Calibri" panose="020F0502020204030204" pitchFamily="34" charset="0"/>
+              </a:rPr>
+              <a:t>type</a:t>
+            </a:r>
+            <a:r>
+              <a:rPr sz="2000" dirty="0">
+                <a:latin typeface="Calibri" panose="020F0502020204030204" pitchFamily="34" charset="0"/>
+                <a:cs typeface="Calibri" panose="020F0502020204030204" pitchFamily="34" charset="0"/>
+              </a:rPr>
+              <a:t> A = { x:</a:t>
+            </a:r>
+            <a:r>
+              <a:rPr sz="2000" dirty="0">
+                <a:solidFill>
+                  <a:schemeClr val="accent5">
+                    <a:lumOff val="-29866"/>
+                  </a:schemeClr>
+                </a:solidFill>
+                <a:latin typeface="Calibri" panose="020F0502020204030204" pitchFamily="34" charset="0"/>
+                <a:cs typeface="Calibri" panose="020F0502020204030204" pitchFamily="34" charset="0"/>
+              </a:rPr>
+              <a:t>"A1"</a:t>
+            </a:r>
+            <a:r>
+              <a:rPr sz="2000" dirty="0">
+                <a:latin typeface="Calibri" panose="020F0502020204030204" pitchFamily="34" charset="0"/>
+                <a:cs typeface="Calibri" panose="020F0502020204030204" pitchFamily="34" charset="0"/>
+              </a:rPr>
+              <a:t> | </a:t>
+            </a:r>
+            <a:r>
+              <a:rPr sz="2000" dirty="0">
+                <a:solidFill>
+                  <a:schemeClr val="accent5">
+                    <a:lumOff val="-29866"/>
+                  </a:schemeClr>
+                </a:solidFill>
+                <a:latin typeface="Calibri" panose="020F0502020204030204" pitchFamily="34" charset="0"/>
+                <a:cs typeface="Calibri" panose="020F0502020204030204" pitchFamily="34" charset="0"/>
+              </a:rPr>
+              <a:t>"A2"</a:t>
+            </a:r>
+            <a:r>
+              <a:rPr sz="2000" dirty="0">
+                <a:latin typeface="Calibri" panose="020F0502020204030204" pitchFamily="34" charset="0"/>
+                <a:cs typeface="Calibri" panose="020F0502020204030204" pitchFamily="34" charset="0"/>
+              </a:rPr>
+              <a:t> } </a:t>
+            </a:r>
+          </a:p>
+          <a:p>
+            <a:pPr marL="0" lvl="5" indent="731519" defTabSz="292607">
+              <a:lnSpc>
+                <a:spcPts val="3400"/>
+              </a:lnSpc>
+              <a:spcBef>
+                <a:spcPts val="0"/>
+              </a:spcBef>
+              <a:buSzTx/>
+              <a:buNone/>
+              <a:defRPr sz="2048">
+                <a:latin typeface="Helvetica"/>
+                <a:ea typeface="Helvetica"/>
+                <a:cs typeface="Helvetica"/>
+                <a:sym typeface="Helvetica"/>
+              </a:defRPr>
+            </a:pPr>
+            <a:r>
+              <a:rPr sz="2000" dirty="0">
+                <a:solidFill>
+                  <a:schemeClr val="accent1">
+                    <a:hueOff val="114395"/>
+                    <a:lumOff val="-24975"/>
+                  </a:schemeClr>
+                </a:solidFill>
+                <a:latin typeface="Calibri" panose="020F0502020204030204" pitchFamily="34" charset="0"/>
+                <a:cs typeface="Calibri" panose="020F0502020204030204" pitchFamily="34" charset="0"/>
+              </a:rPr>
+              <a:t>type</a:t>
+            </a:r>
+            <a:r>
+              <a:rPr sz="2000" dirty="0">
+                <a:latin typeface="Calibri" panose="020F0502020204030204" pitchFamily="34" charset="0"/>
+                <a:cs typeface="Calibri" panose="020F0502020204030204" pitchFamily="34" charset="0"/>
+              </a:rPr>
+              <a:t> B = { y:</a:t>
+            </a:r>
+            <a:r>
+              <a:rPr sz="2000" dirty="0">
+                <a:solidFill>
+                  <a:schemeClr val="accent5">
+                    <a:lumOff val="-29866"/>
+                  </a:schemeClr>
+                </a:solidFill>
+                <a:latin typeface="Calibri" panose="020F0502020204030204" pitchFamily="34" charset="0"/>
+                <a:cs typeface="Calibri" panose="020F0502020204030204" pitchFamily="34" charset="0"/>
+              </a:rPr>
+              <a:t>"B1"</a:t>
+            </a:r>
+            <a:r>
+              <a:rPr sz="2000" dirty="0">
+                <a:latin typeface="Calibri" panose="020F0502020204030204" pitchFamily="34" charset="0"/>
+                <a:cs typeface="Calibri" panose="020F0502020204030204" pitchFamily="34" charset="0"/>
+              </a:rPr>
+              <a:t> | </a:t>
+            </a:r>
+            <a:r>
+              <a:rPr sz="2000" dirty="0">
+                <a:solidFill>
+                  <a:schemeClr val="accent5">
+                    <a:lumOff val="-29866"/>
+                  </a:schemeClr>
+                </a:solidFill>
+                <a:latin typeface="Calibri" panose="020F0502020204030204" pitchFamily="34" charset="0"/>
+                <a:cs typeface="Calibri" panose="020F0502020204030204" pitchFamily="34" charset="0"/>
+              </a:rPr>
+              <a:t>"B2"</a:t>
+            </a:r>
+            <a:r>
+              <a:rPr sz="2000" dirty="0">
+                <a:latin typeface="Calibri" panose="020F0502020204030204" pitchFamily="34" charset="0"/>
+                <a:cs typeface="Calibri" panose="020F0502020204030204" pitchFamily="34" charset="0"/>
+              </a:rPr>
+              <a:t> | </a:t>
+            </a:r>
+            <a:r>
+              <a:rPr sz="2000" dirty="0">
+                <a:solidFill>
+                  <a:schemeClr val="accent5">
+                    <a:lumOff val="-29866"/>
+                  </a:schemeClr>
+                </a:solidFill>
+                <a:latin typeface="Calibri" panose="020F0502020204030204" pitchFamily="34" charset="0"/>
+                <a:cs typeface="Calibri" panose="020F0502020204030204" pitchFamily="34" charset="0"/>
+              </a:rPr>
+              <a:t>"B3"</a:t>
+            </a:r>
+            <a:r>
+              <a:rPr sz="2000" dirty="0">
+                <a:latin typeface="Calibri" panose="020F0502020204030204" pitchFamily="34" charset="0"/>
+                <a:cs typeface="Calibri" panose="020F0502020204030204" pitchFamily="34" charset="0"/>
+              </a:rPr>
+              <a:t> }</a:t>
+            </a:r>
+          </a:p>
+          <a:p>
+            <a:pPr marL="853439" lvl="2" indent="-284479" defTabSz="292607">
+              <a:lnSpc>
+                <a:spcPts val="3700"/>
+              </a:lnSpc>
+              <a:spcBef>
+                <a:spcPts val="0"/>
+              </a:spcBef>
+              <a:tabLst>
+                <a:tab pos="88900" algn="l"/>
+                <a:tab pos="292100" algn="l"/>
+              </a:tabLst>
+              <a:defRPr sz="2048">
+                <a:latin typeface="Helvetica"/>
+                <a:ea typeface="Helvetica"/>
+                <a:cs typeface="Helvetica"/>
+                <a:sym typeface="Helvetica"/>
+              </a:defRPr>
+            </a:pPr>
+            <a:r>
+              <a:rPr lang="en-US" sz="2000" dirty="0">
+                <a:latin typeface="Calibri" panose="020F0502020204030204" pitchFamily="34" charset="0"/>
+                <a:cs typeface="Calibri" panose="020F0502020204030204" pitchFamily="34" charset="0"/>
+              </a:rPr>
+              <a:t>What are possible values of A | B?</a:t>
+            </a:r>
+            <a:endParaRPr sz="2000" dirty="0">
+              <a:latin typeface="Calibri" panose="020F0502020204030204" pitchFamily="34" charset="0"/>
+              <a:cs typeface="Calibri" panose="020F0502020204030204" pitchFamily="34" charset="0"/>
+            </a:endParaRPr>
+          </a:p>
+        </p:txBody>
+      </p:sp>
+    </p:spTree>
+  </p:cSld>
+  <p:clrMapOvr>
+    <a:masterClrMapping/>
+  </p:clrMapOvr>
+  <p:transition spd="med"/>
+</p:sld>
+</file>
+
+<file path=ppt/slides/slide24.xml><?xml version="1.0" encoding="utf-8"?>
+<p:sld xmlns:a="http://schemas.openxmlformats.org/drawingml/2006/main" xmlns:r="http://schemas.openxmlformats.org/officeDocument/2006/relationships" xmlns:p="http://schemas.openxmlformats.org/presentationml/2006/main">
+  <p:cSld>
+    <p:spTree>
+      <p:nvGrpSpPr>
+        <p:cNvPr id="1" name=""/>
+        <p:cNvGrpSpPr/>
+        <p:nvPr/>
+      </p:nvGrpSpPr>
+      <p:grpSpPr>
+        <a:xfrm>
+          <a:off x="0" y="0"/>
+          <a:ext cx="0" cy="0"/>
+          <a:chOff x="0" y="0"/>
+          <a:chExt cx="0" cy="0"/>
+        </a:xfrm>
+      </p:grpSpPr>
+      <p:sp>
+        <p:nvSpPr>
+          <p:cNvPr id="150" name="Types in Typescript"/>
+          <p:cNvSpPr txBox="1">
+            <a:spLocks noGrp="1"/>
+          </p:cNvSpPr>
+          <p:nvPr>
+            <p:ph type="title"/>
+          </p:nvPr>
+        </p:nvSpPr>
+        <p:spPr>
+          <a:prstGeom prst="rect">
+            <a:avLst/>
+          </a:prstGeom>
+        </p:spPr>
+        <p:txBody>
+          <a:bodyPr>
+            <a:normAutofit/>
+          </a:bodyPr>
+          <a:lstStyle/>
+          <a:p>
+            <a:r>
+              <a:rPr sz="4000" dirty="0">
+                <a:latin typeface="Calibri" panose="020F0502020204030204" pitchFamily="34" charset="0"/>
+                <a:cs typeface="Calibri" panose="020F0502020204030204" pitchFamily="34" charset="0"/>
+              </a:rPr>
+              <a:t>Types </a:t>
+            </a:r>
+            <a:r>
+              <a:rPr sz="4000">
+                <a:latin typeface="Calibri" panose="020F0502020204030204" pitchFamily="34" charset="0"/>
+                <a:cs typeface="Calibri" panose="020F0502020204030204" pitchFamily="34" charset="0"/>
+              </a:rPr>
+              <a:t>in Typescript</a:t>
+            </a:r>
+            <a:r>
+              <a:rPr lang="en-US" sz="4000">
+                <a:latin typeface="Calibri" panose="020F0502020204030204" pitchFamily="34" charset="0"/>
+                <a:cs typeface="Calibri" panose="020F0502020204030204" pitchFamily="34" charset="0"/>
+              </a:rPr>
+              <a:t>..</a:t>
+            </a:r>
+            <a:endParaRPr sz="4000" dirty="0">
+              <a:latin typeface="Calibri" panose="020F0502020204030204" pitchFamily="34" charset="0"/>
+              <a:cs typeface="Calibri" panose="020F0502020204030204" pitchFamily="34" charset="0"/>
+            </a:endParaRPr>
+          </a:p>
+        </p:txBody>
+      </p:sp>
+      <p:sp>
+        <p:nvSpPr>
+          <p:cNvPr id="151" name="Union is a sort of sum, or set union:…"/>
+          <p:cNvSpPr txBox="1">
+            <a:spLocks noGrp="1"/>
+          </p:cNvSpPr>
+          <p:nvPr>
+            <p:ph type="body" idx="1"/>
+          </p:nvPr>
+        </p:nvSpPr>
+        <p:spPr>
+          <a:prstGeom prst="rect">
+            <a:avLst/>
+          </a:prstGeom>
+        </p:spPr>
+        <p:txBody>
+          <a:bodyPr anchor="t">
+            <a:noAutofit/>
+          </a:bodyPr>
+          <a:lstStyle/>
+          <a:p>
+            <a:pPr marL="284479" indent="-284479" defTabSz="292607">
+              <a:lnSpc>
+                <a:spcPts val="3700"/>
+              </a:lnSpc>
+              <a:spcBef>
+                <a:spcPts val="0"/>
+              </a:spcBef>
+              <a:tabLst>
+                <a:tab pos="88900" algn="l"/>
+                <a:tab pos="292100" algn="l"/>
+              </a:tabLst>
+              <a:defRPr sz="2048">
+                <a:latin typeface="Helvetica"/>
+                <a:ea typeface="Helvetica"/>
+                <a:cs typeface="Helvetica"/>
+                <a:sym typeface="Helvetica"/>
+              </a:defRPr>
+            </a:pPr>
+            <a:r>
+              <a:rPr sz="2000" dirty="0">
+                <a:latin typeface="Calibri" panose="020F0502020204030204" pitchFamily="34" charset="0"/>
+                <a:cs typeface="Calibri" panose="020F0502020204030204" pitchFamily="34" charset="0"/>
+              </a:rPr>
+              <a:t>U</a:t>
+            </a:r>
+            <a:r>
+              <a:rPr sz="2000" u="sng" dirty="0">
+                <a:latin typeface="Calibri" panose="020F0502020204030204" pitchFamily="34" charset="0"/>
+                <a:cs typeface="Calibri" panose="020F0502020204030204" pitchFamily="34" charset="0"/>
+              </a:rPr>
+              <a:t>nion</a:t>
+            </a:r>
+            <a:r>
+              <a:rPr sz="2000" dirty="0">
+                <a:latin typeface="Calibri" panose="020F0502020204030204" pitchFamily="34" charset="0"/>
+                <a:cs typeface="Calibri" panose="020F0502020204030204" pitchFamily="34" charset="0"/>
+              </a:rPr>
+              <a:t> is a sort of sum, or set union: </a:t>
+            </a:r>
+          </a:p>
+          <a:p>
+            <a:pPr marL="568959" lvl="1" indent="-284479" defTabSz="292607">
+              <a:lnSpc>
+                <a:spcPts val="3700"/>
+              </a:lnSpc>
+              <a:spcBef>
+                <a:spcPts val="0"/>
+              </a:spcBef>
+              <a:tabLst>
+                <a:tab pos="88900" algn="l"/>
+                <a:tab pos="292100" algn="l"/>
+              </a:tabLst>
+              <a:defRPr sz="2048">
+                <a:latin typeface="Helvetica"/>
+                <a:ea typeface="Helvetica"/>
+                <a:cs typeface="Helvetica"/>
+                <a:sym typeface="Helvetica"/>
+              </a:defRPr>
+            </a:pPr>
+            <a:r>
+              <a:rPr sz="2000" dirty="0">
+                <a:latin typeface="Calibri" panose="020F0502020204030204" pitchFamily="34" charset="0"/>
+                <a:cs typeface="Calibri" panose="020F0502020204030204" pitchFamily="34" charset="0"/>
+              </a:rPr>
+              <a:t>A | B is a type that contains:</a:t>
+            </a:r>
+          </a:p>
+          <a:p>
+            <a:pPr marL="853439" lvl="2" indent="-284479" defTabSz="292607">
+              <a:lnSpc>
+                <a:spcPts val="3700"/>
+              </a:lnSpc>
+              <a:spcBef>
+                <a:spcPts val="0"/>
+              </a:spcBef>
+              <a:tabLst>
+                <a:tab pos="88900" algn="l"/>
+                <a:tab pos="292100" algn="l"/>
+              </a:tabLst>
+              <a:defRPr sz="2048">
+                <a:latin typeface="Helvetica"/>
+                <a:ea typeface="Helvetica"/>
+                <a:cs typeface="Helvetica"/>
+                <a:sym typeface="Helvetica"/>
+              </a:defRPr>
+            </a:pPr>
+            <a:r>
+              <a:rPr sz="2000" dirty="0">
+                <a:latin typeface="Calibri" panose="020F0502020204030204" pitchFamily="34" charset="0"/>
+                <a:cs typeface="Calibri" panose="020F0502020204030204" pitchFamily="34" charset="0"/>
+              </a:rPr>
+              <a:t>all the values of A, </a:t>
+            </a:r>
+          </a:p>
+          <a:p>
+            <a:pPr marL="853439" lvl="2" indent="-284479" defTabSz="292607">
+              <a:lnSpc>
+                <a:spcPts val="3700"/>
+              </a:lnSpc>
+              <a:spcBef>
+                <a:spcPts val="0"/>
+              </a:spcBef>
+              <a:tabLst>
+                <a:tab pos="88900" algn="l"/>
+                <a:tab pos="292100" algn="l"/>
+              </a:tabLst>
+              <a:defRPr sz="2048">
+                <a:latin typeface="Helvetica"/>
+                <a:ea typeface="Helvetica"/>
+                <a:cs typeface="Helvetica"/>
+                <a:sym typeface="Helvetica"/>
+              </a:defRPr>
+            </a:pPr>
+            <a:r>
+              <a:rPr sz="2000" dirty="0">
+                <a:latin typeface="Calibri" panose="020F0502020204030204" pitchFamily="34" charset="0"/>
+                <a:cs typeface="Calibri" panose="020F0502020204030204" pitchFamily="34" charset="0"/>
+              </a:rPr>
+              <a:t>and all the values of B, one next to each other;</a:t>
+            </a:r>
+          </a:p>
+          <a:p>
+            <a:pPr marL="0" lvl="5" indent="731519" defTabSz="292607">
+              <a:lnSpc>
+                <a:spcPts val="3400"/>
+              </a:lnSpc>
+              <a:spcBef>
+                <a:spcPts val="0"/>
+              </a:spcBef>
+              <a:buSzTx/>
+              <a:buNone/>
+              <a:defRPr sz="2048">
+                <a:latin typeface="Helvetica"/>
+                <a:ea typeface="Helvetica"/>
+                <a:cs typeface="Helvetica"/>
+                <a:sym typeface="Helvetica"/>
+              </a:defRPr>
+            </a:pPr>
+            <a:r>
+              <a:rPr sz="2000" dirty="0">
+                <a:solidFill>
+                  <a:schemeClr val="accent1">
+                    <a:hueOff val="114395"/>
+                    <a:lumOff val="-24975"/>
+                  </a:schemeClr>
+                </a:solidFill>
+                <a:latin typeface="Calibri" panose="020F0502020204030204" pitchFamily="34" charset="0"/>
+                <a:cs typeface="Calibri" panose="020F0502020204030204" pitchFamily="34" charset="0"/>
+              </a:rPr>
+              <a:t>type</a:t>
+            </a:r>
+            <a:r>
+              <a:rPr sz="2000" dirty="0">
+                <a:latin typeface="Calibri" panose="020F0502020204030204" pitchFamily="34" charset="0"/>
+                <a:cs typeface="Calibri" panose="020F0502020204030204" pitchFamily="34" charset="0"/>
+              </a:rPr>
+              <a:t> A = { x:</a:t>
+            </a:r>
+            <a:r>
+              <a:rPr sz="2000" dirty="0">
+                <a:solidFill>
+                  <a:schemeClr val="accent5">
+                    <a:lumOff val="-29866"/>
+                  </a:schemeClr>
+                </a:solidFill>
+                <a:latin typeface="Calibri" panose="020F0502020204030204" pitchFamily="34" charset="0"/>
+                <a:cs typeface="Calibri" panose="020F0502020204030204" pitchFamily="34" charset="0"/>
+              </a:rPr>
+              <a:t>"A1"</a:t>
+            </a:r>
+            <a:r>
+              <a:rPr sz="2000" dirty="0">
+                <a:latin typeface="Calibri" panose="020F0502020204030204" pitchFamily="34" charset="0"/>
+                <a:cs typeface="Calibri" panose="020F0502020204030204" pitchFamily="34" charset="0"/>
+              </a:rPr>
+              <a:t> | </a:t>
+            </a:r>
+            <a:r>
+              <a:rPr sz="2000" dirty="0">
+                <a:solidFill>
+                  <a:schemeClr val="accent5">
+                    <a:lumOff val="-29866"/>
+                  </a:schemeClr>
+                </a:solidFill>
+                <a:latin typeface="Calibri" panose="020F0502020204030204" pitchFamily="34" charset="0"/>
+                <a:cs typeface="Calibri" panose="020F0502020204030204" pitchFamily="34" charset="0"/>
+              </a:rPr>
+              <a:t>"A2"</a:t>
+            </a:r>
+            <a:r>
+              <a:rPr sz="2000" dirty="0">
+                <a:latin typeface="Calibri" panose="020F0502020204030204" pitchFamily="34" charset="0"/>
+                <a:cs typeface="Calibri" panose="020F0502020204030204" pitchFamily="34" charset="0"/>
+              </a:rPr>
+              <a:t> } </a:t>
+            </a:r>
+          </a:p>
+          <a:p>
+            <a:pPr marL="0" lvl="5" indent="731519" defTabSz="292607">
+              <a:lnSpc>
+                <a:spcPts val="3400"/>
+              </a:lnSpc>
+              <a:spcBef>
+                <a:spcPts val="0"/>
+              </a:spcBef>
+              <a:buSzTx/>
+              <a:buNone/>
+              <a:defRPr sz="2048">
+                <a:latin typeface="Helvetica"/>
+                <a:ea typeface="Helvetica"/>
+                <a:cs typeface="Helvetica"/>
+                <a:sym typeface="Helvetica"/>
+              </a:defRPr>
+            </a:pPr>
+            <a:r>
+              <a:rPr sz="2000" dirty="0">
+                <a:solidFill>
+                  <a:schemeClr val="accent1">
+                    <a:hueOff val="114395"/>
+                    <a:lumOff val="-24975"/>
+                  </a:schemeClr>
+                </a:solidFill>
+                <a:latin typeface="Calibri" panose="020F0502020204030204" pitchFamily="34" charset="0"/>
+                <a:cs typeface="Calibri" panose="020F0502020204030204" pitchFamily="34" charset="0"/>
+              </a:rPr>
+              <a:t>type</a:t>
+            </a:r>
+            <a:r>
+              <a:rPr sz="2000" dirty="0">
+                <a:latin typeface="Calibri" panose="020F0502020204030204" pitchFamily="34" charset="0"/>
+                <a:cs typeface="Calibri" panose="020F0502020204030204" pitchFamily="34" charset="0"/>
+              </a:rPr>
+              <a:t> B = { y:</a:t>
+            </a:r>
+            <a:r>
+              <a:rPr sz="2000" dirty="0">
+                <a:solidFill>
+                  <a:schemeClr val="accent5">
+                    <a:lumOff val="-29866"/>
+                  </a:schemeClr>
+                </a:solidFill>
+                <a:latin typeface="Calibri" panose="020F0502020204030204" pitchFamily="34" charset="0"/>
+                <a:cs typeface="Calibri" panose="020F0502020204030204" pitchFamily="34" charset="0"/>
+              </a:rPr>
+              <a:t>"B1"</a:t>
+            </a:r>
+            <a:r>
+              <a:rPr sz="2000" dirty="0">
+                <a:latin typeface="Calibri" panose="020F0502020204030204" pitchFamily="34" charset="0"/>
+                <a:cs typeface="Calibri" panose="020F0502020204030204" pitchFamily="34" charset="0"/>
+              </a:rPr>
+              <a:t> | </a:t>
+            </a:r>
+            <a:r>
+              <a:rPr sz="2000" dirty="0">
+                <a:solidFill>
+                  <a:schemeClr val="accent5">
+                    <a:lumOff val="-29866"/>
+                  </a:schemeClr>
+                </a:solidFill>
+                <a:latin typeface="Calibri" panose="020F0502020204030204" pitchFamily="34" charset="0"/>
+                <a:cs typeface="Calibri" panose="020F0502020204030204" pitchFamily="34" charset="0"/>
+              </a:rPr>
+              <a:t>"B2"</a:t>
+            </a:r>
+            <a:r>
+              <a:rPr sz="2000" dirty="0">
+                <a:latin typeface="Calibri" panose="020F0502020204030204" pitchFamily="34" charset="0"/>
+                <a:cs typeface="Calibri" panose="020F0502020204030204" pitchFamily="34" charset="0"/>
+              </a:rPr>
+              <a:t> | </a:t>
+            </a:r>
+            <a:r>
+              <a:rPr sz="2000" dirty="0">
+                <a:solidFill>
+                  <a:schemeClr val="accent5">
+                    <a:lumOff val="-29866"/>
+                  </a:schemeClr>
+                </a:solidFill>
+                <a:latin typeface="Calibri" panose="020F0502020204030204" pitchFamily="34" charset="0"/>
+                <a:cs typeface="Calibri" panose="020F0502020204030204" pitchFamily="34" charset="0"/>
+              </a:rPr>
+              <a:t>"B3"</a:t>
+            </a:r>
+            <a:r>
+              <a:rPr sz="2000" dirty="0">
+                <a:latin typeface="Calibri" panose="020F0502020204030204" pitchFamily="34" charset="0"/>
+                <a:cs typeface="Calibri" panose="020F0502020204030204" pitchFamily="34" charset="0"/>
+              </a:rPr>
+              <a:t> }</a:t>
+            </a:r>
+            <a:endParaRPr lang="en-US" sz="2000" dirty="0">
+              <a:latin typeface="Calibri" panose="020F0502020204030204" pitchFamily="34" charset="0"/>
+              <a:cs typeface="Calibri" panose="020F0502020204030204" pitchFamily="34" charset="0"/>
+            </a:endParaRPr>
+          </a:p>
+          <a:p>
+            <a:pPr marL="853439" lvl="2" indent="-284479" defTabSz="292607">
+              <a:lnSpc>
+                <a:spcPts val="3700"/>
+              </a:lnSpc>
+              <a:spcBef>
+                <a:spcPts val="0"/>
+              </a:spcBef>
+              <a:tabLst>
+                <a:tab pos="88900" algn="l"/>
+                <a:tab pos="292100" algn="l"/>
+              </a:tabLst>
+              <a:defRPr sz="2048">
+                <a:latin typeface="Helvetica"/>
+                <a:ea typeface="Helvetica"/>
+                <a:cs typeface="Helvetica"/>
+                <a:sym typeface="Helvetica"/>
+              </a:defRPr>
+            </a:pPr>
+            <a:r>
+              <a:rPr lang="en-US" sz="2000" dirty="0">
+                <a:latin typeface="Calibri" panose="020F0502020204030204" pitchFamily="34" charset="0"/>
+                <a:cs typeface="Calibri" panose="020F0502020204030204" pitchFamily="34" charset="0"/>
+              </a:rPr>
+              <a:t>values of A | B are { x:"A1" }, { x:"A2" }, but also { y:"B1" }, etc. There are five of them;</a:t>
+            </a:r>
+          </a:p>
+        </p:txBody>
+      </p:sp>
+    </p:spTree>
+    <p:extLst>
+      <p:ext uri="{BB962C8B-B14F-4D97-AF65-F5344CB8AC3E}">
+        <p14:creationId xmlns:p14="http://schemas.microsoft.com/office/powerpoint/2010/main" val="1932147744"/>
+      </p:ext>
+    </p:extLst>
+  </p:cSld>
+  <p:clrMapOvr>
+    <a:masterClrMapping/>
+  </p:clrMapOvr>
+  <p:transition spd="med"/>
+</p:sld>
+</file>
+
+<file path=ppt/slides/slide25.xml><?xml version="1.0" encoding="utf-8"?>
+<p:sld xmlns:a="http://schemas.openxmlformats.org/drawingml/2006/main" xmlns:r="http://schemas.openxmlformats.org/officeDocument/2006/relationships" xmlns:p="http://schemas.openxmlformats.org/presentationml/2006/main">
+  <p:cSld>
+    <p:spTree>
+      <p:nvGrpSpPr>
+        <p:cNvPr id="1" name=""/>
+        <p:cNvGrpSpPr/>
+        <p:nvPr/>
+      </p:nvGrpSpPr>
+      <p:grpSpPr>
+        <a:xfrm>
+          <a:off x="0" y="0"/>
+          <a:ext cx="0" cy="0"/>
+          <a:chOff x="0" y="0"/>
+          <a:chExt cx="0" cy="0"/>
+        </a:xfrm>
+      </p:grpSpPr>
+      <p:sp>
+        <p:nvSpPr>
+          <p:cNvPr id="150" name="Types in Typescript"/>
+          <p:cNvSpPr txBox="1">
+            <a:spLocks noGrp="1"/>
+          </p:cNvSpPr>
+          <p:nvPr>
+            <p:ph type="title"/>
+          </p:nvPr>
+        </p:nvSpPr>
+        <p:spPr>
+          <a:prstGeom prst="rect">
+            <a:avLst/>
+          </a:prstGeom>
+        </p:spPr>
+        <p:txBody>
+          <a:bodyPr>
+            <a:normAutofit/>
+          </a:bodyPr>
+          <a:lstStyle/>
+          <a:p>
+            <a:r>
+              <a:rPr sz="4000" dirty="0">
+                <a:latin typeface="Calibri" panose="020F0502020204030204" pitchFamily="34" charset="0"/>
+                <a:cs typeface="Calibri" panose="020F0502020204030204" pitchFamily="34" charset="0"/>
+              </a:rPr>
+              <a:t>Types </a:t>
+            </a:r>
+            <a:r>
+              <a:rPr sz="4000">
+                <a:latin typeface="Calibri" panose="020F0502020204030204" pitchFamily="34" charset="0"/>
+                <a:cs typeface="Calibri" panose="020F0502020204030204" pitchFamily="34" charset="0"/>
+              </a:rPr>
+              <a:t>in Typescript</a:t>
+            </a:r>
+            <a:r>
+              <a:rPr lang="en-US" sz="4000">
+                <a:latin typeface="Calibri" panose="020F0502020204030204" pitchFamily="34" charset="0"/>
+                <a:cs typeface="Calibri" panose="020F0502020204030204" pitchFamily="34" charset="0"/>
+              </a:rPr>
+              <a:t>..</a:t>
+            </a:r>
+            <a:endParaRPr sz="4000" dirty="0">
+              <a:latin typeface="Calibri" panose="020F0502020204030204" pitchFamily="34" charset="0"/>
+              <a:cs typeface="Calibri" panose="020F0502020204030204" pitchFamily="34" charset="0"/>
+            </a:endParaRPr>
+          </a:p>
+        </p:txBody>
+      </p:sp>
+      <p:sp>
+        <p:nvSpPr>
+          <p:cNvPr id="151" name="Union is a sort of sum, or set union:…"/>
+          <p:cNvSpPr txBox="1">
+            <a:spLocks noGrp="1"/>
+          </p:cNvSpPr>
+          <p:nvPr>
+            <p:ph type="body" idx="1"/>
+          </p:nvPr>
+        </p:nvSpPr>
+        <p:spPr>
+          <a:xfrm>
+            <a:off x="952500" y="2590800"/>
+            <a:ext cx="11099800" cy="6286500"/>
+          </a:xfrm>
+          <a:prstGeom prst="rect">
+            <a:avLst/>
+          </a:prstGeom>
+        </p:spPr>
+        <p:txBody>
+          <a:bodyPr anchor="t">
+            <a:noAutofit/>
+          </a:bodyPr>
+          <a:lstStyle/>
+          <a:p>
+            <a:pPr marL="284479" indent="-284479" defTabSz="292607">
+              <a:lnSpc>
+                <a:spcPts val="3700"/>
+              </a:lnSpc>
+              <a:spcBef>
+                <a:spcPts val="0"/>
+              </a:spcBef>
+              <a:tabLst>
+                <a:tab pos="88900" algn="l"/>
+                <a:tab pos="292100" algn="l"/>
+              </a:tabLst>
+              <a:defRPr sz="2048">
+                <a:latin typeface="Helvetica"/>
+                <a:ea typeface="Helvetica"/>
+                <a:cs typeface="Helvetica"/>
+                <a:sym typeface="Helvetica"/>
+              </a:defRPr>
+            </a:pPr>
+            <a:r>
+              <a:rPr sz="2000" dirty="0">
+                <a:latin typeface="Calibri" panose="020F0502020204030204" pitchFamily="34" charset="0"/>
+                <a:cs typeface="Calibri" panose="020F0502020204030204" pitchFamily="34" charset="0"/>
+              </a:rPr>
+              <a:t>U</a:t>
+            </a:r>
+            <a:r>
+              <a:rPr sz="2000" u="sng" dirty="0">
+                <a:latin typeface="Calibri" panose="020F0502020204030204" pitchFamily="34" charset="0"/>
+                <a:cs typeface="Calibri" panose="020F0502020204030204" pitchFamily="34" charset="0"/>
+              </a:rPr>
+              <a:t>nion</a:t>
+            </a:r>
+            <a:r>
+              <a:rPr sz="2000" dirty="0">
+                <a:latin typeface="Calibri" panose="020F0502020204030204" pitchFamily="34" charset="0"/>
+                <a:cs typeface="Calibri" panose="020F0502020204030204" pitchFamily="34" charset="0"/>
+              </a:rPr>
+              <a:t> is a sort of sum, or set union: </a:t>
+            </a:r>
+          </a:p>
+          <a:p>
+            <a:pPr marL="568959" lvl="1" indent="-284479" defTabSz="292607">
+              <a:lnSpc>
+                <a:spcPts val="3700"/>
+              </a:lnSpc>
+              <a:spcBef>
+                <a:spcPts val="0"/>
+              </a:spcBef>
+              <a:tabLst>
+                <a:tab pos="88900" algn="l"/>
+                <a:tab pos="292100" algn="l"/>
+              </a:tabLst>
+              <a:defRPr sz="2048">
+                <a:latin typeface="Helvetica"/>
+                <a:ea typeface="Helvetica"/>
+                <a:cs typeface="Helvetica"/>
+                <a:sym typeface="Helvetica"/>
+              </a:defRPr>
+            </a:pPr>
+            <a:r>
+              <a:rPr sz="2000" dirty="0">
+                <a:latin typeface="Calibri" panose="020F0502020204030204" pitchFamily="34" charset="0"/>
+                <a:cs typeface="Calibri" panose="020F0502020204030204" pitchFamily="34" charset="0"/>
+              </a:rPr>
+              <a:t>A | B is a type that contains:</a:t>
+            </a:r>
+          </a:p>
+          <a:p>
+            <a:pPr marL="853439" lvl="2" indent="-284479" defTabSz="292607">
+              <a:lnSpc>
+                <a:spcPts val="3700"/>
+              </a:lnSpc>
+              <a:spcBef>
+                <a:spcPts val="0"/>
+              </a:spcBef>
+              <a:tabLst>
+                <a:tab pos="88900" algn="l"/>
+                <a:tab pos="292100" algn="l"/>
+              </a:tabLst>
+              <a:defRPr sz="2048">
+                <a:latin typeface="Helvetica"/>
+                <a:ea typeface="Helvetica"/>
+                <a:cs typeface="Helvetica"/>
+                <a:sym typeface="Helvetica"/>
+              </a:defRPr>
+            </a:pPr>
+            <a:r>
+              <a:rPr sz="2000" dirty="0">
+                <a:latin typeface="Calibri" panose="020F0502020204030204" pitchFamily="34" charset="0"/>
+                <a:cs typeface="Calibri" panose="020F0502020204030204" pitchFamily="34" charset="0"/>
+              </a:rPr>
+              <a:t>all the values of A, </a:t>
+            </a:r>
+          </a:p>
+          <a:p>
+            <a:pPr marL="853439" lvl="2" indent="-284479" defTabSz="292607">
+              <a:lnSpc>
+                <a:spcPts val="3700"/>
+              </a:lnSpc>
+              <a:spcBef>
+                <a:spcPts val="0"/>
+              </a:spcBef>
+              <a:tabLst>
+                <a:tab pos="88900" algn="l"/>
+                <a:tab pos="292100" algn="l"/>
+              </a:tabLst>
+              <a:defRPr sz="2048">
+                <a:latin typeface="Helvetica"/>
+                <a:ea typeface="Helvetica"/>
+                <a:cs typeface="Helvetica"/>
+                <a:sym typeface="Helvetica"/>
+              </a:defRPr>
+            </a:pPr>
+            <a:r>
+              <a:rPr sz="2000" dirty="0">
+                <a:latin typeface="Calibri" panose="020F0502020204030204" pitchFamily="34" charset="0"/>
+                <a:cs typeface="Calibri" panose="020F0502020204030204" pitchFamily="34" charset="0"/>
+              </a:rPr>
+              <a:t>and all the values of B, one next to each other;</a:t>
+            </a:r>
+          </a:p>
+          <a:p>
+            <a:pPr marL="0" lvl="5" indent="731519" defTabSz="292607">
+              <a:lnSpc>
+                <a:spcPts val="3400"/>
+              </a:lnSpc>
+              <a:spcBef>
+                <a:spcPts val="0"/>
+              </a:spcBef>
+              <a:buSzTx/>
+              <a:buNone/>
+              <a:defRPr sz="2048">
+                <a:latin typeface="Helvetica"/>
+                <a:ea typeface="Helvetica"/>
+                <a:cs typeface="Helvetica"/>
+                <a:sym typeface="Helvetica"/>
+              </a:defRPr>
+            </a:pPr>
+            <a:r>
+              <a:rPr sz="2000" dirty="0">
+                <a:solidFill>
+                  <a:schemeClr val="accent1">
+                    <a:hueOff val="114395"/>
+                    <a:lumOff val="-24975"/>
+                  </a:schemeClr>
+                </a:solidFill>
+                <a:latin typeface="Calibri" panose="020F0502020204030204" pitchFamily="34" charset="0"/>
+                <a:cs typeface="Calibri" panose="020F0502020204030204" pitchFamily="34" charset="0"/>
+              </a:rPr>
+              <a:t>type</a:t>
+            </a:r>
+            <a:r>
+              <a:rPr sz="2000" dirty="0">
+                <a:latin typeface="Calibri" panose="020F0502020204030204" pitchFamily="34" charset="0"/>
+                <a:cs typeface="Calibri" panose="020F0502020204030204" pitchFamily="34" charset="0"/>
+              </a:rPr>
+              <a:t> A = { x:</a:t>
+            </a:r>
+            <a:r>
+              <a:rPr sz="2000" dirty="0">
+                <a:solidFill>
+                  <a:schemeClr val="accent5">
+                    <a:lumOff val="-29866"/>
+                  </a:schemeClr>
+                </a:solidFill>
+                <a:latin typeface="Calibri" panose="020F0502020204030204" pitchFamily="34" charset="0"/>
+                <a:cs typeface="Calibri" panose="020F0502020204030204" pitchFamily="34" charset="0"/>
+              </a:rPr>
+              <a:t>"A1"</a:t>
+            </a:r>
+            <a:r>
+              <a:rPr sz="2000" dirty="0">
+                <a:latin typeface="Calibri" panose="020F0502020204030204" pitchFamily="34" charset="0"/>
+                <a:cs typeface="Calibri" panose="020F0502020204030204" pitchFamily="34" charset="0"/>
+              </a:rPr>
+              <a:t> | </a:t>
+            </a:r>
+            <a:r>
+              <a:rPr sz="2000" dirty="0">
+                <a:solidFill>
+                  <a:schemeClr val="accent5">
+                    <a:lumOff val="-29866"/>
+                  </a:schemeClr>
+                </a:solidFill>
+                <a:latin typeface="Calibri" panose="020F0502020204030204" pitchFamily="34" charset="0"/>
+                <a:cs typeface="Calibri" panose="020F0502020204030204" pitchFamily="34" charset="0"/>
+              </a:rPr>
+              <a:t>"A2"</a:t>
+            </a:r>
+            <a:r>
+              <a:rPr sz="2000" dirty="0">
+                <a:latin typeface="Calibri" panose="020F0502020204030204" pitchFamily="34" charset="0"/>
+                <a:cs typeface="Calibri" panose="020F0502020204030204" pitchFamily="34" charset="0"/>
+              </a:rPr>
+              <a:t> } </a:t>
+            </a:r>
+          </a:p>
+          <a:p>
+            <a:pPr marL="0" lvl="5" indent="731519" defTabSz="292607">
+              <a:lnSpc>
+                <a:spcPts val="3400"/>
+              </a:lnSpc>
+              <a:spcBef>
+                <a:spcPts val="0"/>
+              </a:spcBef>
+              <a:buSzTx/>
+              <a:buNone/>
+              <a:defRPr sz="2048">
+                <a:latin typeface="Helvetica"/>
+                <a:ea typeface="Helvetica"/>
+                <a:cs typeface="Helvetica"/>
+                <a:sym typeface="Helvetica"/>
+              </a:defRPr>
+            </a:pPr>
+            <a:r>
+              <a:rPr sz="2000" dirty="0">
+                <a:solidFill>
+                  <a:schemeClr val="accent1">
+                    <a:hueOff val="114395"/>
+                    <a:lumOff val="-24975"/>
+                  </a:schemeClr>
+                </a:solidFill>
+                <a:latin typeface="Calibri" panose="020F0502020204030204" pitchFamily="34" charset="0"/>
+                <a:cs typeface="Calibri" panose="020F0502020204030204" pitchFamily="34" charset="0"/>
+              </a:rPr>
+              <a:t>type</a:t>
+            </a:r>
+            <a:r>
+              <a:rPr sz="2000" dirty="0">
+                <a:latin typeface="Calibri" panose="020F0502020204030204" pitchFamily="34" charset="0"/>
+                <a:cs typeface="Calibri" panose="020F0502020204030204" pitchFamily="34" charset="0"/>
+              </a:rPr>
+              <a:t> B = { y:</a:t>
+            </a:r>
+            <a:r>
+              <a:rPr sz="2000" dirty="0">
+                <a:solidFill>
+                  <a:schemeClr val="accent5">
+                    <a:lumOff val="-29866"/>
+                  </a:schemeClr>
+                </a:solidFill>
+                <a:latin typeface="Calibri" panose="020F0502020204030204" pitchFamily="34" charset="0"/>
+                <a:cs typeface="Calibri" panose="020F0502020204030204" pitchFamily="34" charset="0"/>
+              </a:rPr>
+              <a:t>"B1"</a:t>
+            </a:r>
+            <a:r>
+              <a:rPr sz="2000" dirty="0">
+                <a:latin typeface="Calibri" panose="020F0502020204030204" pitchFamily="34" charset="0"/>
+                <a:cs typeface="Calibri" panose="020F0502020204030204" pitchFamily="34" charset="0"/>
+              </a:rPr>
+              <a:t> | </a:t>
+            </a:r>
+            <a:r>
+              <a:rPr sz="2000" dirty="0">
+                <a:solidFill>
+                  <a:schemeClr val="accent5">
+                    <a:lumOff val="-29866"/>
+                  </a:schemeClr>
+                </a:solidFill>
+                <a:latin typeface="Calibri" panose="020F0502020204030204" pitchFamily="34" charset="0"/>
+                <a:cs typeface="Calibri" panose="020F0502020204030204" pitchFamily="34" charset="0"/>
+              </a:rPr>
+              <a:t>"B2"</a:t>
+            </a:r>
+            <a:r>
+              <a:rPr sz="2000" dirty="0">
+                <a:latin typeface="Calibri" panose="020F0502020204030204" pitchFamily="34" charset="0"/>
+                <a:cs typeface="Calibri" panose="020F0502020204030204" pitchFamily="34" charset="0"/>
+              </a:rPr>
+              <a:t> | </a:t>
+            </a:r>
+            <a:r>
+              <a:rPr sz="2000" dirty="0">
+                <a:solidFill>
+                  <a:schemeClr val="accent5">
+                    <a:lumOff val="-29866"/>
+                  </a:schemeClr>
+                </a:solidFill>
+                <a:latin typeface="Calibri" panose="020F0502020204030204" pitchFamily="34" charset="0"/>
+                <a:cs typeface="Calibri" panose="020F0502020204030204" pitchFamily="34" charset="0"/>
+              </a:rPr>
+              <a:t>"B3"</a:t>
+            </a:r>
+            <a:r>
+              <a:rPr sz="2000" dirty="0">
+                <a:latin typeface="Calibri" panose="020F0502020204030204" pitchFamily="34" charset="0"/>
+                <a:cs typeface="Calibri" panose="020F0502020204030204" pitchFamily="34" charset="0"/>
+              </a:rPr>
+              <a:t> }</a:t>
+            </a:r>
+          </a:p>
+          <a:p>
+            <a:pPr marL="853439" lvl="2" indent="-284479" defTabSz="292607">
+              <a:lnSpc>
+                <a:spcPts val="3700"/>
+              </a:lnSpc>
+              <a:spcBef>
+                <a:spcPts val="0"/>
+              </a:spcBef>
+              <a:tabLst>
+                <a:tab pos="88900" algn="l"/>
+                <a:tab pos="292100" algn="l"/>
+              </a:tabLst>
+              <a:defRPr sz="2048">
+                <a:latin typeface="Helvetica"/>
+                <a:ea typeface="Helvetica"/>
+                <a:cs typeface="Helvetica"/>
+                <a:sym typeface="Helvetica"/>
+              </a:defRPr>
+            </a:pPr>
+            <a:r>
+              <a:rPr sz="2000" dirty="0">
+                <a:latin typeface="Calibri" panose="020F0502020204030204" pitchFamily="34" charset="0"/>
+                <a:cs typeface="Calibri" panose="020F0502020204030204" pitchFamily="34" charset="0"/>
+              </a:rPr>
+              <a:t>values of A | B are { x:"A1" }, { x:"A2" }, but also { y:"B1" }, etc. There are five of them;</a:t>
+            </a:r>
+            <a:endParaRPr lang="en-US" sz="2000" dirty="0">
+              <a:latin typeface="Calibri" panose="020F0502020204030204" pitchFamily="34" charset="0"/>
+              <a:cs typeface="Calibri" panose="020F0502020204030204" pitchFamily="34" charset="0"/>
+            </a:endParaRPr>
+          </a:p>
+          <a:p>
+            <a:pPr marL="284479" indent="-284479" defTabSz="292607">
+              <a:lnSpc>
+                <a:spcPts val="3700"/>
+              </a:lnSpc>
+              <a:spcBef>
+                <a:spcPts val="0"/>
+              </a:spcBef>
+              <a:tabLst>
+                <a:tab pos="88900" algn="l"/>
+                <a:tab pos="292100" algn="l"/>
+              </a:tabLst>
+              <a:defRPr sz="2048">
+                <a:latin typeface="Helvetica"/>
+                <a:ea typeface="Helvetica"/>
+                <a:cs typeface="Helvetica"/>
+                <a:sym typeface="Helvetica"/>
+              </a:defRPr>
+            </a:pPr>
+            <a:r>
+              <a:rPr lang="en-US" sz="2000" dirty="0">
+                <a:latin typeface="Calibri" panose="020F0502020204030204" pitchFamily="34" charset="0"/>
+                <a:cs typeface="Calibri" panose="020F0502020204030204" pitchFamily="34" charset="0"/>
+              </a:rPr>
+              <a:t>	I</a:t>
+            </a:r>
+            <a:r>
+              <a:rPr lang="en-US" sz="2000" u="sng" dirty="0">
+                <a:latin typeface="Calibri" panose="020F0502020204030204" pitchFamily="34" charset="0"/>
+                <a:cs typeface="Calibri" panose="020F0502020204030204" pitchFamily="34" charset="0"/>
+              </a:rPr>
+              <a:t>ntersection</a:t>
+            </a:r>
+            <a:r>
+              <a:rPr lang="en-US" sz="2000" dirty="0">
+                <a:latin typeface="Calibri" panose="020F0502020204030204" pitchFamily="34" charset="0"/>
+                <a:cs typeface="Calibri" panose="020F0502020204030204" pitchFamily="34" charset="0"/>
+              </a:rPr>
+              <a:t> is a sort of product, or cartesian product over sets:</a:t>
+            </a:r>
+          </a:p>
+          <a:p>
+            <a:pPr marL="568959" lvl="1" indent="-284479" defTabSz="292607">
+              <a:lnSpc>
+                <a:spcPts val="3700"/>
+              </a:lnSpc>
+              <a:spcBef>
+                <a:spcPts val="0"/>
+              </a:spcBef>
+              <a:tabLst>
+                <a:tab pos="88900" algn="l"/>
+                <a:tab pos="292100" algn="l"/>
+              </a:tabLst>
+              <a:defRPr sz="2048">
+                <a:latin typeface="Helvetica"/>
+                <a:ea typeface="Helvetica"/>
+                <a:cs typeface="Helvetica"/>
+                <a:sym typeface="Helvetica"/>
+              </a:defRPr>
+            </a:pPr>
+            <a:r>
+              <a:rPr lang="en-US" sz="2000" dirty="0">
+                <a:latin typeface="Calibri" panose="020F0502020204030204" pitchFamily="34" charset="0"/>
+                <a:cs typeface="Calibri" panose="020F0502020204030204" pitchFamily="34" charset="0"/>
+              </a:rPr>
+              <a:t> A &amp; B is a type that contains all the </a:t>
+            </a:r>
+            <a:r>
+              <a:rPr lang="en-US" sz="2000" i="1" dirty="0">
+                <a:latin typeface="Calibri" panose="020F0502020204030204" pitchFamily="34" charset="0"/>
+                <a:cs typeface="Calibri" panose="020F0502020204030204" pitchFamily="34" charset="0"/>
+              </a:rPr>
+              <a:t>combinations</a:t>
+            </a:r>
+            <a:r>
+              <a:rPr lang="en-US" sz="2000" dirty="0">
+                <a:latin typeface="Calibri" panose="020F0502020204030204" pitchFamily="34" charset="0"/>
+                <a:cs typeface="Calibri" panose="020F0502020204030204" pitchFamily="34" charset="0"/>
+              </a:rPr>
+              <a:t> of values of A and B at the same time:</a:t>
+            </a:r>
+          </a:p>
+          <a:p>
+            <a:pPr marL="0" lvl="5" indent="731519" defTabSz="292607">
+              <a:lnSpc>
+                <a:spcPts val="3400"/>
+              </a:lnSpc>
+              <a:spcBef>
+                <a:spcPts val="0"/>
+              </a:spcBef>
+              <a:buSzTx/>
+              <a:buNone/>
+              <a:defRPr sz="2048">
+                <a:latin typeface="Helvetica"/>
+                <a:ea typeface="Helvetica"/>
+                <a:cs typeface="Helvetica"/>
+                <a:sym typeface="Helvetica"/>
+              </a:defRPr>
+            </a:pPr>
+            <a:r>
+              <a:rPr lang="en-US" sz="2000" dirty="0">
+                <a:solidFill>
+                  <a:schemeClr val="accent1">
+                    <a:hueOff val="114395"/>
+                    <a:lumOff val="-24975"/>
+                  </a:schemeClr>
+                </a:solidFill>
+                <a:latin typeface="Calibri" panose="020F0502020204030204" pitchFamily="34" charset="0"/>
+                <a:cs typeface="Calibri" panose="020F0502020204030204" pitchFamily="34" charset="0"/>
+              </a:rPr>
+              <a:t>type</a:t>
+            </a:r>
+            <a:r>
+              <a:rPr lang="en-US" sz="2000" dirty="0">
+                <a:latin typeface="Calibri" panose="020F0502020204030204" pitchFamily="34" charset="0"/>
+                <a:cs typeface="Calibri" panose="020F0502020204030204" pitchFamily="34" charset="0"/>
+              </a:rPr>
+              <a:t> A = { x:</a:t>
+            </a:r>
+            <a:r>
+              <a:rPr lang="en-US" sz="2000" dirty="0">
+                <a:solidFill>
+                  <a:schemeClr val="accent5">
+                    <a:lumOff val="-29866"/>
+                  </a:schemeClr>
+                </a:solidFill>
+                <a:latin typeface="Calibri" panose="020F0502020204030204" pitchFamily="34" charset="0"/>
+                <a:cs typeface="Calibri" panose="020F0502020204030204" pitchFamily="34" charset="0"/>
+              </a:rPr>
+              <a:t>"A1"</a:t>
+            </a:r>
+            <a:r>
+              <a:rPr lang="en-US" sz="2000" dirty="0">
+                <a:latin typeface="Calibri" panose="020F0502020204030204" pitchFamily="34" charset="0"/>
+                <a:cs typeface="Calibri" panose="020F0502020204030204" pitchFamily="34" charset="0"/>
+              </a:rPr>
+              <a:t> | </a:t>
+            </a:r>
+            <a:r>
+              <a:rPr lang="en-US" sz="2000" dirty="0">
+                <a:solidFill>
+                  <a:schemeClr val="accent5">
+                    <a:lumOff val="-29866"/>
+                  </a:schemeClr>
+                </a:solidFill>
+                <a:latin typeface="Calibri" panose="020F0502020204030204" pitchFamily="34" charset="0"/>
+                <a:cs typeface="Calibri" panose="020F0502020204030204" pitchFamily="34" charset="0"/>
+              </a:rPr>
+              <a:t>"A2"</a:t>
+            </a:r>
+            <a:r>
+              <a:rPr lang="en-US" sz="2000" dirty="0">
+                <a:latin typeface="Calibri" panose="020F0502020204030204" pitchFamily="34" charset="0"/>
+                <a:cs typeface="Calibri" panose="020F0502020204030204" pitchFamily="34" charset="0"/>
+              </a:rPr>
+              <a:t> } </a:t>
+            </a:r>
+          </a:p>
+          <a:p>
+            <a:pPr marL="0" lvl="5" indent="731519" defTabSz="292607">
+              <a:lnSpc>
+                <a:spcPts val="3400"/>
+              </a:lnSpc>
+              <a:spcBef>
+                <a:spcPts val="0"/>
+              </a:spcBef>
+              <a:buSzTx/>
+              <a:buNone/>
+              <a:defRPr sz="2048">
+                <a:latin typeface="Helvetica"/>
+                <a:ea typeface="Helvetica"/>
+                <a:cs typeface="Helvetica"/>
+                <a:sym typeface="Helvetica"/>
+              </a:defRPr>
+            </a:pPr>
+            <a:r>
+              <a:rPr lang="en-US" sz="2000" dirty="0">
+                <a:solidFill>
+                  <a:schemeClr val="accent1">
+                    <a:hueOff val="114395"/>
+                    <a:lumOff val="-24975"/>
+                  </a:schemeClr>
+                </a:solidFill>
+                <a:latin typeface="Calibri" panose="020F0502020204030204" pitchFamily="34" charset="0"/>
+                <a:cs typeface="Calibri" panose="020F0502020204030204" pitchFamily="34" charset="0"/>
+              </a:rPr>
+              <a:t>type</a:t>
+            </a:r>
+            <a:r>
+              <a:rPr lang="en-US" sz="2000" dirty="0">
+                <a:latin typeface="Calibri" panose="020F0502020204030204" pitchFamily="34" charset="0"/>
+                <a:cs typeface="Calibri" panose="020F0502020204030204" pitchFamily="34" charset="0"/>
+              </a:rPr>
+              <a:t> B = { y:</a:t>
+            </a:r>
+            <a:r>
+              <a:rPr lang="en-US" sz="2000" dirty="0">
+                <a:solidFill>
+                  <a:schemeClr val="accent5">
+                    <a:lumOff val="-29866"/>
+                  </a:schemeClr>
+                </a:solidFill>
+                <a:latin typeface="Calibri" panose="020F0502020204030204" pitchFamily="34" charset="0"/>
+                <a:cs typeface="Calibri" panose="020F0502020204030204" pitchFamily="34" charset="0"/>
+              </a:rPr>
+              <a:t>"B1"</a:t>
+            </a:r>
+            <a:r>
+              <a:rPr lang="en-US" sz="2000" dirty="0">
+                <a:latin typeface="Calibri" panose="020F0502020204030204" pitchFamily="34" charset="0"/>
+                <a:cs typeface="Calibri" panose="020F0502020204030204" pitchFamily="34" charset="0"/>
+              </a:rPr>
+              <a:t> | </a:t>
+            </a:r>
+            <a:r>
+              <a:rPr lang="en-US" sz="2000" dirty="0">
+                <a:solidFill>
+                  <a:schemeClr val="accent5">
+                    <a:lumOff val="-29866"/>
+                  </a:schemeClr>
+                </a:solidFill>
+                <a:latin typeface="Calibri" panose="020F0502020204030204" pitchFamily="34" charset="0"/>
+                <a:cs typeface="Calibri" panose="020F0502020204030204" pitchFamily="34" charset="0"/>
+              </a:rPr>
+              <a:t>"B2"</a:t>
+            </a:r>
+            <a:r>
+              <a:rPr lang="en-US" sz="2000" dirty="0">
+                <a:latin typeface="Calibri" panose="020F0502020204030204" pitchFamily="34" charset="0"/>
+                <a:cs typeface="Calibri" panose="020F0502020204030204" pitchFamily="34" charset="0"/>
+              </a:rPr>
+              <a:t> | </a:t>
+            </a:r>
+            <a:r>
+              <a:rPr lang="en-US" sz="2000" dirty="0">
+                <a:solidFill>
+                  <a:schemeClr val="accent5">
+                    <a:lumOff val="-29866"/>
+                  </a:schemeClr>
+                </a:solidFill>
+                <a:latin typeface="Calibri" panose="020F0502020204030204" pitchFamily="34" charset="0"/>
+                <a:cs typeface="Calibri" panose="020F0502020204030204" pitchFamily="34" charset="0"/>
+              </a:rPr>
+              <a:t>"B3"</a:t>
+            </a:r>
+            <a:r>
+              <a:rPr lang="en-US" sz="2000" dirty="0">
+                <a:latin typeface="Calibri" panose="020F0502020204030204" pitchFamily="34" charset="0"/>
+                <a:cs typeface="Calibri" panose="020F0502020204030204" pitchFamily="34" charset="0"/>
+              </a:rPr>
+              <a:t> }</a:t>
+            </a:r>
+          </a:p>
+          <a:p>
+            <a:pPr marL="853439" lvl="2" indent="-284479" defTabSz="292607">
+              <a:lnSpc>
+                <a:spcPts val="3700"/>
+              </a:lnSpc>
+              <a:spcBef>
+                <a:spcPts val="0"/>
+              </a:spcBef>
+              <a:tabLst>
+                <a:tab pos="88900" algn="l"/>
+                <a:tab pos="292100" algn="l"/>
+              </a:tabLst>
+              <a:defRPr sz="2048">
+                <a:latin typeface="Helvetica"/>
+                <a:ea typeface="Helvetica"/>
+                <a:cs typeface="Helvetica"/>
+                <a:sym typeface="Helvetica"/>
+              </a:defRPr>
+            </a:pPr>
+            <a:r>
+              <a:rPr lang="en-US" sz="2000" dirty="0">
+                <a:latin typeface="Calibri" panose="020F0502020204030204" pitchFamily="34" charset="0"/>
+                <a:cs typeface="Calibri" panose="020F0502020204030204" pitchFamily="34" charset="0"/>
+              </a:rPr>
+              <a:t>What are possible values of A  B?</a:t>
+            </a:r>
+          </a:p>
+          <a:p>
+            <a:pPr marL="853439" lvl="2" indent="-284479" defTabSz="292607">
+              <a:lnSpc>
+                <a:spcPts val="3700"/>
+              </a:lnSpc>
+              <a:spcBef>
+                <a:spcPts val="0"/>
+              </a:spcBef>
+              <a:tabLst>
+                <a:tab pos="88900" algn="l"/>
+                <a:tab pos="292100" algn="l"/>
+              </a:tabLst>
+              <a:defRPr sz="2048">
+                <a:latin typeface="Helvetica"/>
+                <a:ea typeface="Helvetica"/>
+                <a:cs typeface="Helvetica"/>
+                <a:sym typeface="Helvetica"/>
+              </a:defRPr>
+            </a:pPr>
+            <a:endParaRPr sz="2000" dirty="0">
+              <a:latin typeface="Calibri" panose="020F0502020204030204" pitchFamily="34" charset="0"/>
+              <a:cs typeface="Calibri" panose="020F0502020204030204" pitchFamily="34" charset="0"/>
+            </a:endParaRPr>
+          </a:p>
+        </p:txBody>
+      </p:sp>
+    </p:spTree>
+    <p:extLst>
+      <p:ext uri="{BB962C8B-B14F-4D97-AF65-F5344CB8AC3E}">
+        <p14:creationId xmlns:p14="http://schemas.microsoft.com/office/powerpoint/2010/main" val="962924757"/>
+      </p:ext>
+    </p:extLst>
+  </p:cSld>
+  <p:clrMapOvr>
+    <a:masterClrMapping/>
+  </p:clrMapOvr>
+  <p:transition spd="med"/>
+</p:sld>
+</file>
+
+<file path=ppt/slides/slide26.xml><?xml version="1.0" encoding="utf-8"?>
+<p:sld xmlns:a="http://schemas.openxmlformats.org/drawingml/2006/main" xmlns:r="http://schemas.openxmlformats.org/officeDocument/2006/relationships" xmlns:p="http://schemas.openxmlformats.org/presentationml/2006/main">
+  <p:cSld>
+    <p:spTree>
+      <p:nvGrpSpPr>
+        <p:cNvPr id="1" name=""/>
+        <p:cNvGrpSpPr/>
+        <p:nvPr/>
+      </p:nvGrpSpPr>
+      <p:grpSpPr>
+        <a:xfrm>
+          <a:off x="0" y="0"/>
+          <a:ext cx="0" cy="0"/>
+          <a:chOff x="0" y="0"/>
+          <a:chExt cx="0" cy="0"/>
+        </a:xfrm>
+      </p:grpSpPr>
+      <p:sp>
+        <p:nvSpPr>
+          <p:cNvPr id="150" name="Types in Typescript"/>
+          <p:cNvSpPr txBox="1">
+            <a:spLocks noGrp="1"/>
+          </p:cNvSpPr>
+          <p:nvPr>
+            <p:ph type="title"/>
+          </p:nvPr>
+        </p:nvSpPr>
+        <p:spPr>
+          <a:prstGeom prst="rect">
+            <a:avLst/>
+          </a:prstGeom>
+        </p:spPr>
+        <p:txBody>
+          <a:bodyPr>
+            <a:normAutofit/>
+          </a:bodyPr>
+          <a:lstStyle/>
+          <a:p>
+            <a:r>
+              <a:rPr sz="4000" dirty="0">
+                <a:latin typeface="Calibri" panose="020F0502020204030204" pitchFamily="34" charset="0"/>
+                <a:cs typeface="Calibri" panose="020F0502020204030204" pitchFamily="34" charset="0"/>
+              </a:rPr>
+              <a:t>Types </a:t>
+            </a:r>
+            <a:r>
+              <a:rPr sz="4000">
+                <a:latin typeface="Calibri" panose="020F0502020204030204" pitchFamily="34" charset="0"/>
+                <a:cs typeface="Calibri" panose="020F0502020204030204" pitchFamily="34" charset="0"/>
+              </a:rPr>
+              <a:t>in Typescript</a:t>
+            </a:r>
+            <a:r>
+              <a:rPr lang="en-US" sz="4000">
+                <a:latin typeface="Calibri" panose="020F0502020204030204" pitchFamily="34" charset="0"/>
+                <a:cs typeface="Calibri" panose="020F0502020204030204" pitchFamily="34" charset="0"/>
+              </a:rPr>
+              <a:t>..</a:t>
+            </a:r>
+            <a:endParaRPr sz="4000" dirty="0">
+              <a:latin typeface="Calibri" panose="020F0502020204030204" pitchFamily="34" charset="0"/>
+              <a:cs typeface="Calibri" panose="020F0502020204030204" pitchFamily="34" charset="0"/>
+            </a:endParaRPr>
+          </a:p>
+        </p:txBody>
+      </p:sp>
+      <p:sp>
+        <p:nvSpPr>
+          <p:cNvPr id="151" name="Union is a sort of sum, or set union:…"/>
+          <p:cNvSpPr txBox="1">
+            <a:spLocks noGrp="1"/>
+          </p:cNvSpPr>
+          <p:nvPr>
+            <p:ph type="body" idx="1"/>
+          </p:nvPr>
+        </p:nvSpPr>
+        <p:spPr>
+          <a:xfrm>
+            <a:off x="952500" y="2590800"/>
+            <a:ext cx="11099800" cy="6286500"/>
+          </a:xfrm>
+          <a:prstGeom prst="rect">
+            <a:avLst/>
+          </a:prstGeom>
+        </p:spPr>
+        <p:txBody>
+          <a:bodyPr anchor="t">
+            <a:noAutofit/>
+          </a:bodyPr>
+          <a:lstStyle/>
+          <a:p>
+            <a:pPr marL="284479" indent="-284479" defTabSz="292607">
+              <a:lnSpc>
+                <a:spcPts val="3700"/>
+              </a:lnSpc>
+              <a:spcBef>
+                <a:spcPts val="0"/>
+              </a:spcBef>
+              <a:tabLst>
+                <a:tab pos="88900" algn="l"/>
+                <a:tab pos="292100" algn="l"/>
+              </a:tabLst>
+              <a:defRPr sz="2048">
+                <a:latin typeface="Helvetica"/>
+                <a:ea typeface="Helvetica"/>
+                <a:cs typeface="Helvetica"/>
+                <a:sym typeface="Helvetica"/>
+              </a:defRPr>
+            </a:pPr>
+            <a:r>
+              <a:rPr sz="2000" dirty="0">
+                <a:latin typeface="Calibri" panose="020F0502020204030204" pitchFamily="34" charset="0"/>
+                <a:cs typeface="Calibri" panose="020F0502020204030204" pitchFamily="34" charset="0"/>
+              </a:rPr>
+              <a:t>U</a:t>
+            </a:r>
+            <a:r>
+              <a:rPr sz="2000" u="sng" dirty="0">
+                <a:latin typeface="Calibri" panose="020F0502020204030204" pitchFamily="34" charset="0"/>
+                <a:cs typeface="Calibri" panose="020F0502020204030204" pitchFamily="34" charset="0"/>
+              </a:rPr>
+              <a:t>nion</a:t>
+            </a:r>
+            <a:r>
+              <a:rPr sz="2000" dirty="0">
+                <a:latin typeface="Calibri" panose="020F0502020204030204" pitchFamily="34" charset="0"/>
+                <a:cs typeface="Calibri" panose="020F0502020204030204" pitchFamily="34" charset="0"/>
+              </a:rPr>
+              <a:t> is a sort of sum, or set union: </a:t>
+            </a:r>
+          </a:p>
+          <a:p>
+            <a:pPr marL="568959" lvl="1" indent="-284479" defTabSz="292607">
+              <a:lnSpc>
+                <a:spcPts val="3700"/>
+              </a:lnSpc>
+              <a:spcBef>
+                <a:spcPts val="0"/>
+              </a:spcBef>
+              <a:tabLst>
+                <a:tab pos="88900" algn="l"/>
+                <a:tab pos="292100" algn="l"/>
+              </a:tabLst>
+              <a:defRPr sz="2048">
+                <a:latin typeface="Helvetica"/>
+                <a:ea typeface="Helvetica"/>
+                <a:cs typeface="Helvetica"/>
+                <a:sym typeface="Helvetica"/>
+              </a:defRPr>
+            </a:pPr>
+            <a:r>
+              <a:rPr sz="2000" dirty="0">
+                <a:latin typeface="Calibri" panose="020F0502020204030204" pitchFamily="34" charset="0"/>
+                <a:cs typeface="Calibri" panose="020F0502020204030204" pitchFamily="34" charset="0"/>
+              </a:rPr>
+              <a:t>A | B is a type that contains:</a:t>
+            </a:r>
+          </a:p>
+          <a:p>
+            <a:pPr marL="853439" lvl="2" indent="-284479" defTabSz="292607">
+              <a:lnSpc>
+                <a:spcPts val="3700"/>
+              </a:lnSpc>
+              <a:spcBef>
+                <a:spcPts val="0"/>
+              </a:spcBef>
+              <a:tabLst>
+                <a:tab pos="88900" algn="l"/>
+                <a:tab pos="292100" algn="l"/>
+              </a:tabLst>
+              <a:defRPr sz="2048">
+                <a:latin typeface="Helvetica"/>
+                <a:ea typeface="Helvetica"/>
+                <a:cs typeface="Helvetica"/>
+                <a:sym typeface="Helvetica"/>
+              </a:defRPr>
+            </a:pPr>
+            <a:r>
+              <a:rPr sz="2000" dirty="0">
+                <a:latin typeface="Calibri" panose="020F0502020204030204" pitchFamily="34" charset="0"/>
+                <a:cs typeface="Calibri" panose="020F0502020204030204" pitchFamily="34" charset="0"/>
+              </a:rPr>
+              <a:t>all the values of A, </a:t>
+            </a:r>
+          </a:p>
+          <a:p>
+            <a:pPr marL="853439" lvl="2" indent="-284479" defTabSz="292607">
+              <a:lnSpc>
+                <a:spcPts val="3700"/>
+              </a:lnSpc>
+              <a:spcBef>
+                <a:spcPts val="0"/>
+              </a:spcBef>
+              <a:tabLst>
+                <a:tab pos="88900" algn="l"/>
+                <a:tab pos="292100" algn="l"/>
+              </a:tabLst>
+              <a:defRPr sz="2048">
+                <a:latin typeface="Helvetica"/>
+                <a:ea typeface="Helvetica"/>
+                <a:cs typeface="Helvetica"/>
+                <a:sym typeface="Helvetica"/>
+              </a:defRPr>
+            </a:pPr>
+            <a:r>
+              <a:rPr sz="2000" dirty="0">
+                <a:latin typeface="Calibri" panose="020F0502020204030204" pitchFamily="34" charset="0"/>
+                <a:cs typeface="Calibri" panose="020F0502020204030204" pitchFamily="34" charset="0"/>
+              </a:rPr>
+              <a:t>and all the values of B, one next to each other;</a:t>
+            </a:r>
+          </a:p>
+          <a:p>
+            <a:pPr marL="0" lvl="5" indent="731519" defTabSz="292607">
+              <a:lnSpc>
+                <a:spcPts val="3400"/>
+              </a:lnSpc>
+              <a:spcBef>
+                <a:spcPts val="0"/>
+              </a:spcBef>
+              <a:buSzTx/>
+              <a:buNone/>
+              <a:defRPr sz="2048">
+                <a:latin typeface="Helvetica"/>
+                <a:ea typeface="Helvetica"/>
+                <a:cs typeface="Helvetica"/>
+                <a:sym typeface="Helvetica"/>
+              </a:defRPr>
+            </a:pPr>
+            <a:r>
+              <a:rPr sz="2000" dirty="0">
+                <a:solidFill>
+                  <a:schemeClr val="accent1">
+                    <a:hueOff val="114395"/>
+                    <a:lumOff val="-24975"/>
+                  </a:schemeClr>
+                </a:solidFill>
+                <a:latin typeface="Calibri" panose="020F0502020204030204" pitchFamily="34" charset="0"/>
+                <a:cs typeface="Calibri" panose="020F0502020204030204" pitchFamily="34" charset="0"/>
+              </a:rPr>
+              <a:t>type</a:t>
+            </a:r>
+            <a:r>
+              <a:rPr sz="2000" dirty="0">
+                <a:latin typeface="Calibri" panose="020F0502020204030204" pitchFamily="34" charset="0"/>
+                <a:cs typeface="Calibri" panose="020F0502020204030204" pitchFamily="34" charset="0"/>
+              </a:rPr>
+              <a:t> A = { x:</a:t>
+            </a:r>
+            <a:r>
+              <a:rPr sz="2000" dirty="0">
+                <a:solidFill>
+                  <a:schemeClr val="accent5">
+                    <a:lumOff val="-29866"/>
+                  </a:schemeClr>
+                </a:solidFill>
+                <a:latin typeface="Calibri" panose="020F0502020204030204" pitchFamily="34" charset="0"/>
+                <a:cs typeface="Calibri" panose="020F0502020204030204" pitchFamily="34" charset="0"/>
+              </a:rPr>
+              <a:t>"A1"</a:t>
+            </a:r>
+            <a:r>
+              <a:rPr sz="2000" dirty="0">
+                <a:latin typeface="Calibri" panose="020F0502020204030204" pitchFamily="34" charset="0"/>
+                <a:cs typeface="Calibri" panose="020F0502020204030204" pitchFamily="34" charset="0"/>
+              </a:rPr>
+              <a:t> | </a:t>
+            </a:r>
+            <a:r>
+              <a:rPr sz="2000" dirty="0">
+                <a:solidFill>
+                  <a:schemeClr val="accent5">
+                    <a:lumOff val="-29866"/>
+                  </a:schemeClr>
+                </a:solidFill>
+                <a:latin typeface="Calibri" panose="020F0502020204030204" pitchFamily="34" charset="0"/>
+                <a:cs typeface="Calibri" panose="020F0502020204030204" pitchFamily="34" charset="0"/>
+              </a:rPr>
+              <a:t>"A2"</a:t>
+            </a:r>
+            <a:r>
+              <a:rPr sz="2000" dirty="0">
+                <a:latin typeface="Calibri" panose="020F0502020204030204" pitchFamily="34" charset="0"/>
+                <a:cs typeface="Calibri" panose="020F0502020204030204" pitchFamily="34" charset="0"/>
+              </a:rPr>
+              <a:t> } </a:t>
+            </a:r>
+          </a:p>
+          <a:p>
+            <a:pPr marL="0" lvl="5" indent="731519" defTabSz="292607">
+              <a:lnSpc>
+                <a:spcPts val="3400"/>
+              </a:lnSpc>
+              <a:spcBef>
+                <a:spcPts val="0"/>
+              </a:spcBef>
+              <a:buSzTx/>
+              <a:buNone/>
+              <a:defRPr sz="2048">
+                <a:latin typeface="Helvetica"/>
+                <a:ea typeface="Helvetica"/>
+                <a:cs typeface="Helvetica"/>
+                <a:sym typeface="Helvetica"/>
+              </a:defRPr>
+            </a:pPr>
+            <a:r>
+              <a:rPr sz="2000" dirty="0">
+                <a:solidFill>
+                  <a:schemeClr val="accent1">
+                    <a:hueOff val="114395"/>
+                    <a:lumOff val="-24975"/>
+                  </a:schemeClr>
+                </a:solidFill>
+                <a:latin typeface="Calibri" panose="020F0502020204030204" pitchFamily="34" charset="0"/>
+                <a:cs typeface="Calibri" panose="020F0502020204030204" pitchFamily="34" charset="0"/>
+              </a:rPr>
+              <a:t>type</a:t>
+            </a:r>
+            <a:r>
+              <a:rPr sz="2000" dirty="0">
+                <a:latin typeface="Calibri" panose="020F0502020204030204" pitchFamily="34" charset="0"/>
+                <a:cs typeface="Calibri" panose="020F0502020204030204" pitchFamily="34" charset="0"/>
+              </a:rPr>
+              <a:t> B = { y:</a:t>
+            </a:r>
+            <a:r>
+              <a:rPr sz="2000" dirty="0">
+                <a:solidFill>
+                  <a:schemeClr val="accent5">
+                    <a:lumOff val="-29866"/>
+                  </a:schemeClr>
+                </a:solidFill>
+                <a:latin typeface="Calibri" panose="020F0502020204030204" pitchFamily="34" charset="0"/>
+                <a:cs typeface="Calibri" panose="020F0502020204030204" pitchFamily="34" charset="0"/>
+              </a:rPr>
+              <a:t>"B1"</a:t>
+            </a:r>
+            <a:r>
+              <a:rPr sz="2000" dirty="0">
+                <a:latin typeface="Calibri" panose="020F0502020204030204" pitchFamily="34" charset="0"/>
+                <a:cs typeface="Calibri" panose="020F0502020204030204" pitchFamily="34" charset="0"/>
+              </a:rPr>
+              <a:t> | </a:t>
+            </a:r>
+            <a:r>
+              <a:rPr sz="2000" dirty="0">
+                <a:solidFill>
+                  <a:schemeClr val="accent5">
+                    <a:lumOff val="-29866"/>
+                  </a:schemeClr>
+                </a:solidFill>
+                <a:latin typeface="Calibri" panose="020F0502020204030204" pitchFamily="34" charset="0"/>
+                <a:cs typeface="Calibri" panose="020F0502020204030204" pitchFamily="34" charset="0"/>
+              </a:rPr>
+              <a:t>"B2"</a:t>
+            </a:r>
+            <a:r>
+              <a:rPr sz="2000" dirty="0">
+                <a:latin typeface="Calibri" panose="020F0502020204030204" pitchFamily="34" charset="0"/>
+                <a:cs typeface="Calibri" panose="020F0502020204030204" pitchFamily="34" charset="0"/>
+              </a:rPr>
+              <a:t> | </a:t>
+            </a:r>
+            <a:r>
+              <a:rPr sz="2000" dirty="0">
+                <a:solidFill>
+                  <a:schemeClr val="accent5">
+                    <a:lumOff val="-29866"/>
+                  </a:schemeClr>
+                </a:solidFill>
+                <a:latin typeface="Calibri" panose="020F0502020204030204" pitchFamily="34" charset="0"/>
+                <a:cs typeface="Calibri" panose="020F0502020204030204" pitchFamily="34" charset="0"/>
+              </a:rPr>
+              <a:t>"B3"</a:t>
+            </a:r>
+            <a:r>
+              <a:rPr sz="2000" dirty="0">
+                <a:latin typeface="Calibri" panose="020F0502020204030204" pitchFamily="34" charset="0"/>
+                <a:cs typeface="Calibri" panose="020F0502020204030204" pitchFamily="34" charset="0"/>
+              </a:rPr>
+              <a:t> }</a:t>
+            </a:r>
+          </a:p>
+          <a:p>
+            <a:pPr marL="853439" lvl="2" indent="-284479" defTabSz="292607">
+              <a:lnSpc>
+                <a:spcPts val="3700"/>
+              </a:lnSpc>
+              <a:spcBef>
+                <a:spcPts val="0"/>
+              </a:spcBef>
+              <a:tabLst>
+                <a:tab pos="88900" algn="l"/>
+                <a:tab pos="292100" algn="l"/>
+              </a:tabLst>
+              <a:defRPr sz="2048">
+                <a:latin typeface="Helvetica"/>
+                <a:ea typeface="Helvetica"/>
+                <a:cs typeface="Helvetica"/>
+                <a:sym typeface="Helvetica"/>
+              </a:defRPr>
+            </a:pPr>
+            <a:r>
+              <a:rPr sz="2000" dirty="0">
+                <a:latin typeface="Calibri" panose="020F0502020204030204" pitchFamily="34" charset="0"/>
+                <a:cs typeface="Calibri" panose="020F0502020204030204" pitchFamily="34" charset="0"/>
+              </a:rPr>
+              <a:t>values of A | B are { x:"A1" }, { x:"A2" }, but also { y:"B1" }, etc. There are five of them;</a:t>
+            </a:r>
+            <a:endParaRPr lang="en-US" sz="2000" dirty="0">
+              <a:latin typeface="Calibri" panose="020F0502020204030204" pitchFamily="34" charset="0"/>
+              <a:cs typeface="Calibri" panose="020F0502020204030204" pitchFamily="34" charset="0"/>
+            </a:endParaRPr>
+          </a:p>
+          <a:p>
+            <a:pPr marL="284479" indent="-284479" defTabSz="292607">
+              <a:lnSpc>
+                <a:spcPts val="3700"/>
+              </a:lnSpc>
+              <a:spcBef>
+                <a:spcPts val="0"/>
+              </a:spcBef>
+              <a:tabLst>
+                <a:tab pos="88900" algn="l"/>
+                <a:tab pos="292100" algn="l"/>
+              </a:tabLst>
+              <a:defRPr sz="2048">
+                <a:latin typeface="Helvetica"/>
+                <a:ea typeface="Helvetica"/>
+                <a:cs typeface="Helvetica"/>
+                <a:sym typeface="Helvetica"/>
+              </a:defRPr>
+            </a:pPr>
+            <a:r>
+              <a:rPr lang="en-US" sz="2000" dirty="0">
+                <a:latin typeface="Calibri" panose="020F0502020204030204" pitchFamily="34" charset="0"/>
+                <a:cs typeface="Calibri" panose="020F0502020204030204" pitchFamily="34" charset="0"/>
+              </a:rPr>
+              <a:t>	I</a:t>
+            </a:r>
+            <a:r>
+              <a:rPr lang="en-US" sz="2000" u="sng" dirty="0">
+                <a:latin typeface="Calibri" panose="020F0502020204030204" pitchFamily="34" charset="0"/>
+                <a:cs typeface="Calibri" panose="020F0502020204030204" pitchFamily="34" charset="0"/>
+              </a:rPr>
+              <a:t>ntersection</a:t>
+            </a:r>
+            <a:r>
+              <a:rPr lang="en-US" sz="2000" dirty="0">
+                <a:latin typeface="Calibri" panose="020F0502020204030204" pitchFamily="34" charset="0"/>
+                <a:cs typeface="Calibri" panose="020F0502020204030204" pitchFamily="34" charset="0"/>
+              </a:rPr>
+              <a:t> is a sort of product, or cartesian product over sets:</a:t>
+            </a:r>
+          </a:p>
+          <a:p>
+            <a:pPr marL="568959" lvl="1" indent="-284479" defTabSz="292607">
+              <a:lnSpc>
+                <a:spcPts val="3700"/>
+              </a:lnSpc>
+              <a:spcBef>
+                <a:spcPts val="0"/>
+              </a:spcBef>
+              <a:tabLst>
+                <a:tab pos="88900" algn="l"/>
+                <a:tab pos="292100" algn="l"/>
+              </a:tabLst>
+              <a:defRPr sz="2048">
+                <a:latin typeface="Helvetica"/>
+                <a:ea typeface="Helvetica"/>
+                <a:cs typeface="Helvetica"/>
+                <a:sym typeface="Helvetica"/>
+              </a:defRPr>
+            </a:pPr>
+            <a:r>
+              <a:rPr lang="en-US" sz="2000" dirty="0">
+                <a:latin typeface="Calibri" panose="020F0502020204030204" pitchFamily="34" charset="0"/>
+                <a:cs typeface="Calibri" panose="020F0502020204030204" pitchFamily="34" charset="0"/>
+              </a:rPr>
+              <a:t> A &amp; B is a type that contains all the </a:t>
+            </a:r>
+            <a:r>
+              <a:rPr lang="en-US" sz="2000" i="1" dirty="0">
+                <a:latin typeface="Calibri" panose="020F0502020204030204" pitchFamily="34" charset="0"/>
+                <a:cs typeface="Calibri" panose="020F0502020204030204" pitchFamily="34" charset="0"/>
+              </a:rPr>
+              <a:t>combinations</a:t>
+            </a:r>
+            <a:r>
+              <a:rPr lang="en-US" sz="2000" dirty="0">
+                <a:latin typeface="Calibri" panose="020F0502020204030204" pitchFamily="34" charset="0"/>
+                <a:cs typeface="Calibri" panose="020F0502020204030204" pitchFamily="34" charset="0"/>
+              </a:rPr>
+              <a:t> of values of A and B at the same time:</a:t>
+            </a:r>
+          </a:p>
+          <a:p>
+            <a:pPr marL="0" lvl="5" indent="731519" defTabSz="292607">
+              <a:lnSpc>
+                <a:spcPts val="3400"/>
+              </a:lnSpc>
+              <a:spcBef>
+                <a:spcPts val="0"/>
+              </a:spcBef>
+              <a:buSzTx/>
+              <a:buNone/>
+              <a:defRPr sz="2048">
+                <a:latin typeface="Helvetica"/>
+                <a:ea typeface="Helvetica"/>
+                <a:cs typeface="Helvetica"/>
+                <a:sym typeface="Helvetica"/>
+              </a:defRPr>
+            </a:pPr>
+            <a:r>
+              <a:rPr lang="en-US" sz="2000" dirty="0">
+                <a:solidFill>
+                  <a:schemeClr val="accent1">
+                    <a:hueOff val="114395"/>
+                    <a:lumOff val="-24975"/>
+                  </a:schemeClr>
+                </a:solidFill>
+                <a:latin typeface="Calibri" panose="020F0502020204030204" pitchFamily="34" charset="0"/>
+                <a:cs typeface="Calibri" panose="020F0502020204030204" pitchFamily="34" charset="0"/>
+              </a:rPr>
+              <a:t>type</a:t>
+            </a:r>
+            <a:r>
+              <a:rPr lang="en-US" sz="2000" dirty="0">
+                <a:latin typeface="Calibri" panose="020F0502020204030204" pitchFamily="34" charset="0"/>
+                <a:cs typeface="Calibri" panose="020F0502020204030204" pitchFamily="34" charset="0"/>
+              </a:rPr>
+              <a:t> A = { x:</a:t>
+            </a:r>
+            <a:r>
+              <a:rPr lang="en-US" sz="2000" dirty="0">
+                <a:solidFill>
+                  <a:schemeClr val="accent5">
+                    <a:lumOff val="-29866"/>
+                  </a:schemeClr>
+                </a:solidFill>
+                <a:latin typeface="Calibri" panose="020F0502020204030204" pitchFamily="34" charset="0"/>
+                <a:cs typeface="Calibri" panose="020F0502020204030204" pitchFamily="34" charset="0"/>
+              </a:rPr>
+              <a:t>"A1"</a:t>
+            </a:r>
+            <a:r>
+              <a:rPr lang="en-US" sz="2000" dirty="0">
+                <a:latin typeface="Calibri" panose="020F0502020204030204" pitchFamily="34" charset="0"/>
+                <a:cs typeface="Calibri" panose="020F0502020204030204" pitchFamily="34" charset="0"/>
+              </a:rPr>
+              <a:t> | </a:t>
+            </a:r>
+            <a:r>
+              <a:rPr lang="en-US" sz="2000" dirty="0">
+                <a:solidFill>
+                  <a:schemeClr val="accent5">
+                    <a:lumOff val="-29866"/>
+                  </a:schemeClr>
+                </a:solidFill>
+                <a:latin typeface="Calibri" panose="020F0502020204030204" pitchFamily="34" charset="0"/>
+                <a:cs typeface="Calibri" panose="020F0502020204030204" pitchFamily="34" charset="0"/>
+              </a:rPr>
+              <a:t>"A2"</a:t>
+            </a:r>
+            <a:r>
+              <a:rPr lang="en-US" sz="2000" dirty="0">
+                <a:latin typeface="Calibri" panose="020F0502020204030204" pitchFamily="34" charset="0"/>
+                <a:cs typeface="Calibri" panose="020F0502020204030204" pitchFamily="34" charset="0"/>
+              </a:rPr>
+              <a:t> } </a:t>
+            </a:r>
+          </a:p>
+          <a:p>
+            <a:pPr marL="0" lvl="5" indent="731519" defTabSz="292607">
+              <a:lnSpc>
+                <a:spcPts val="3400"/>
+              </a:lnSpc>
+              <a:spcBef>
+                <a:spcPts val="0"/>
+              </a:spcBef>
+              <a:buSzTx/>
+              <a:buNone/>
+              <a:defRPr sz="2048">
+                <a:latin typeface="Helvetica"/>
+                <a:ea typeface="Helvetica"/>
+                <a:cs typeface="Helvetica"/>
+                <a:sym typeface="Helvetica"/>
+              </a:defRPr>
+            </a:pPr>
+            <a:r>
+              <a:rPr lang="en-US" sz="2000" dirty="0">
+                <a:solidFill>
+                  <a:schemeClr val="accent1">
+                    <a:hueOff val="114395"/>
+                    <a:lumOff val="-24975"/>
+                  </a:schemeClr>
+                </a:solidFill>
+                <a:latin typeface="Calibri" panose="020F0502020204030204" pitchFamily="34" charset="0"/>
+                <a:cs typeface="Calibri" panose="020F0502020204030204" pitchFamily="34" charset="0"/>
+              </a:rPr>
+              <a:t>type</a:t>
+            </a:r>
+            <a:r>
+              <a:rPr lang="en-US" sz="2000" dirty="0">
+                <a:latin typeface="Calibri" panose="020F0502020204030204" pitchFamily="34" charset="0"/>
+                <a:cs typeface="Calibri" panose="020F0502020204030204" pitchFamily="34" charset="0"/>
+              </a:rPr>
+              <a:t> B = { y:</a:t>
+            </a:r>
+            <a:r>
+              <a:rPr lang="en-US" sz="2000" dirty="0">
+                <a:solidFill>
+                  <a:schemeClr val="accent5">
+                    <a:lumOff val="-29866"/>
+                  </a:schemeClr>
+                </a:solidFill>
+                <a:latin typeface="Calibri" panose="020F0502020204030204" pitchFamily="34" charset="0"/>
+                <a:cs typeface="Calibri" panose="020F0502020204030204" pitchFamily="34" charset="0"/>
+              </a:rPr>
+              <a:t>"B1"</a:t>
+            </a:r>
+            <a:r>
+              <a:rPr lang="en-US" sz="2000" dirty="0">
+                <a:latin typeface="Calibri" panose="020F0502020204030204" pitchFamily="34" charset="0"/>
+                <a:cs typeface="Calibri" panose="020F0502020204030204" pitchFamily="34" charset="0"/>
+              </a:rPr>
+              <a:t> | </a:t>
+            </a:r>
+            <a:r>
+              <a:rPr lang="en-US" sz="2000" dirty="0">
+                <a:solidFill>
+                  <a:schemeClr val="accent5">
+                    <a:lumOff val="-29866"/>
+                  </a:schemeClr>
+                </a:solidFill>
+                <a:latin typeface="Calibri" panose="020F0502020204030204" pitchFamily="34" charset="0"/>
+                <a:cs typeface="Calibri" panose="020F0502020204030204" pitchFamily="34" charset="0"/>
+              </a:rPr>
+              <a:t>"B2"</a:t>
+            </a:r>
+            <a:r>
+              <a:rPr lang="en-US" sz="2000" dirty="0">
+                <a:latin typeface="Calibri" panose="020F0502020204030204" pitchFamily="34" charset="0"/>
+                <a:cs typeface="Calibri" panose="020F0502020204030204" pitchFamily="34" charset="0"/>
+              </a:rPr>
+              <a:t> | </a:t>
+            </a:r>
+            <a:r>
+              <a:rPr lang="en-US" sz="2000" dirty="0">
+                <a:solidFill>
+                  <a:schemeClr val="accent5">
+                    <a:lumOff val="-29866"/>
+                  </a:schemeClr>
+                </a:solidFill>
+                <a:latin typeface="Calibri" panose="020F0502020204030204" pitchFamily="34" charset="0"/>
+                <a:cs typeface="Calibri" panose="020F0502020204030204" pitchFamily="34" charset="0"/>
+              </a:rPr>
+              <a:t>"B3"</a:t>
+            </a:r>
+            <a:r>
+              <a:rPr lang="en-US" sz="2000" dirty="0">
+                <a:latin typeface="Calibri" panose="020F0502020204030204" pitchFamily="34" charset="0"/>
+                <a:cs typeface="Calibri" panose="020F0502020204030204" pitchFamily="34" charset="0"/>
+              </a:rPr>
+              <a:t> }</a:t>
+            </a:r>
+          </a:p>
+          <a:p>
+            <a:pPr marL="568959" lvl="1" indent="-284479" defTabSz="292607">
+              <a:lnSpc>
+                <a:spcPts val="3700"/>
+              </a:lnSpc>
+              <a:spcBef>
+                <a:spcPts val="0"/>
+              </a:spcBef>
+              <a:tabLst>
+                <a:tab pos="88900" algn="l"/>
+                <a:tab pos="292100" algn="l"/>
+              </a:tabLst>
+              <a:defRPr sz="2048">
+                <a:latin typeface="Helvetica"/>
+                <a:ea typeface="Helvetica"/>
+                <a:cs typeface="Helvetica"/>
+                <a:sym typeface="Helvetica"/>
+              </a:defRPr>
+            </a:pPr>
+            <a:r>
+              <a:rPr lang="en-US" sz="2000" dirty="0">
+                <a:latin typeface="Calibri" panose="020F0502020204030204" pitchFamily="34" charset="0"/>
+                <a:cs typeface="Calibri" panose="020F0502020204030204" pitchFamily="34" charset="0"/>
+              </a:rPr>
+              <a:t>	values of A &amp; B are { x:"A1", y:"B1" }, { x:"A1", y:"B2" }, etc. There are six of them;</a:t>
+            </a:r>
+            <a:br>
+              <a:rPr lang="en-US" sz="2000" dirty="0">
+                <a:latin typeface="Calibri" panose="020F0502020204030204" pitchFamily="34" charset="0"/>
+                <a:cs typeface="Calibri" panose="020F0502020204030204" pitchFamily="34" charset="0"/>
+              </a:rPr>
+            </a:br>
+            <a:endParaRPr lang="en-US" sz="2000" dirty="0">
+              <a:latin typeface="Calibri" panose="020F0502020204030204" pitchFamily="34" charset="0"/>
+              <a:cs typeface="Calibri" panose="020F0502020204030204" pitchFamily="34" charset="0"/>
+            </a:endParaRPr>
+          </a:p>
+          <a:p>
+            <a:pPr marL="853439" lvl="2" indent="-284479" defTabSz="292607">
+              <a:lnSpc>
+                <a:spcPts val="3700"/>
+              </a:lnSpc>
+              <a:spcBef>
+                <a:spcPts val="0"/>
+              </a:spcBef>
+              <a:tabLst>
+                <a:tab pos="88900" algn="l"/>
+                <a:tab pos="292100" algn="l"/>
+              </a:tabLst>
+              <a:defRPr sz="2048">
+                <a:latin typeface="Helvetica"/>
+                <a:ea typeface="Helvetica"/>
+                <a:cs typeface="Helvetica"/>
+                <a:sym typeface="Helvetica"/>
+              </a:defRPr>
+            </a:pPr>
+            <a:endParaRPr sz="2000" dirty="0">
+              <a:latin typeface="Calibri" panose="020F0502020204030204" pitchFamily="34" charset="0"/>
+              <a:cs typeface="Calibri" panose="020F0502020204030204" pitchFamily="34" charset="0"/>
+            </a:endParaRPr>
+          </a:p>
+        </p:txBody>
+      </p:sp>
+    </p:spTree>
+    <p:extLst>
+      <p:ext uri="{BB962C8B-B14F-4D97-AF65-F5344CB8AC3E}">
+        <p14:creationId xmlns:p14="http://schemas.microsoft.com/office/powerpoint/2010/main" val="3636484696"/>
+      </p:ext>
+    </p:extLst>
   </p:cSld>
   <p:clrMapOvr>
     <a:masterClrMapping/>
@@ -5731,7 +9849,7 @@
           </a:prstGeom>
         </p:spPr>
         <p:txBody>
-          <a:bodyPr>
+          <a:bodyPr anchor="t">
             <a:normAutofit/>
           </a:bodyPr>
           <a:lstStyle/>
@@ -5785,7 +9903,185 @@
                 <a:latin typeface="Calibri" panose="020F0502020204030204" pitchFamily="34" charset="0"/>
                 <a:cs typeface="Calibri" panose="020F0502020204030204" pitchFamily="34" charset="0"/>
               </a:rPr>
-              <a:t>It defines the logical structure of documents and the way a document is accessed and manipulated</a:t>
+              <a:t>It defines the logical structure of documents </a:t>
+            </a:r>
+            <a:endParaRPr lang="en-US" sz="2000" dirty="0">
+              <a:latin typeface="Calibri" panose="020F0502020204030204" pitchFamily="34" charset="0"/>
+              <a:cs typeface="Calibri" panose="020F0502020204030204" pitchFamily="34" charset="0"/>
+            </a:endParaRPr>
+          </a:p>
+        </p:txBody>
+      </p:sp>
+    </p:spTree>
+  </p:cSld>
+  <p:clrMapOvr>
+    <a:masterClrMapping/>
+  </p:clrMapOvr>
+  <p:transition spd="med"/>
+</p:sld>
+</file>
+
+<file path=ppt/slides/slide4.xml><?xml version="1.0" encoding="utf-8"?>
+<p:sld xmlns:a="http://schemas.openxmlformats.org/drawingml/2006/main" xmlns:r="http://schemas.openxmlformats.org/officeDocument/2006/relationships" xmlns:p="http://schemas.openxmlformats.org/presentationml/2006/main">
+  <p:cSld>
+    <p:spTree>
+      <p:nvGrpSpPr>
+        <p:cNvPr id="1" name=""/>
+        <p:cNvGrpSpPr/>
+        <p:nvPr/>
+      </p:nvGrpSpPr>
+      <p:grpSpPr>
+        <a:xfrm>
+          <a:off x="0" y="0"/>
+          <a:ext cx="0" cy="0"/>
+          <a:chOff x="0" y="0"/>
+          <a:chExt cx="0" cy="0"/>
+        </a:xfrm>
+      </p:grpSpPr>
+      <p:sp>
+        <p:nvSpPr>
+          <p:cNvPr id="124" name="Document Object Model (DOM)"/>
+          <p:cNvSpPr txBox="1">
+            <a:spLocks noGrp="1"/>
+          </p:cNvSpPr>
+          <p:nvPr>
+            <p:ph type="title"/>
+          </p:nvPr>
+        </p:nvSpPr>
+        <p:spPr>
+          <a:prstGeom prst="rect">
+            <a:avLst/>
+          </a:prstGeom>
+        </p:spPr>
+        <p:txBody>
+          <a:bodyPr>
+            <a:normAutofit/>
+          </a:bodyPr>
+          <a:lstStyle>
+            <a:lvl1pPr defTabSz="484886">
+              <a:defRPr sz="6640"/>
+            </a:lvl1pPr>
+          </a:lstStyle>
+          <a:p>
+            <a:r>
+              <a:rPr sz="4000" dirty="0">
+                <a:latin typeface="Calibri" panose="020F0502020204030204" pitchFamily="34" charset="0"/>
+                <a:cs typeface="Calibri" panose="020F0502020204030204" pitchFamily="34" charset="0"/>
+              </a:rPr>
+              <a:t>Document Object Model (DOM)</a:t>
+            </a:r>
+          </a:p>
+        </p:txBody>
+      </p:sp>
+      <p:sp>
+        <p:nvSpPr>
+          <p:cNvPr id="125" name="Dom is a programming API for HTML and XML documents…"/>
+          <p:cNvSpPr txBox="1">
+            <a:spLocks noGrp="1"/>
+          </p:cNvSpPr>
+          <p:nvPr>
+            <p:ph type="body" sz="half" idx="1"/>
+          </p:nvPr>
+        </p:nvSpPr>
+        <p:spPr>
+          <a:xfrm>
+            <a:off x="1130532" y="1736890"/>
+            <a:ext cx="11089177" cy="1970660"/>
+          </a:xfrm>
+          <a:prstGeom prst="rect">
+            <a:avLst/>
+          </a:prstGeom>
+        </p:spPr>
+        <p:txBody>
+          <a:bodyPr>
+            <a:normAutofit/>
+          </a:bodyPr>
+          <a:lstStyle/>
+          <a:p>
+            <a:pPr marL="431165" indent="-431165" defTabSz="443484">
+              <a:lnSpc>
+                <a:spcPct val="150000"/>
+              </a:lnSpc>
+              <a:spcBef>
+                <a:spcPts val="0"/>
+              </a:spcBef>
+              <a:defRPr sz="3104">
+                <a:latin typeface="Times"/>
+                <a:ea typeface="Times"/>
+                <a:cs typeface="Times"/>
+                <a:sym typeface="Times"/>
+              </a:defRPr>
+            </a:pPr>
+            <a:r>
+              <a:rPr lang="en-US" sz="2000" dirty="0">
+                <a:latin typeface="Calibri" panose="020F0502020204030204" pitchFamily="34" charset="0"/>
+                <a:cs typeface="Calibri" panose="020F0502020204030204" pitchFamily="34" charset="0"/>
+              </a:rPr>
+              <a:t>DOM</a:t>
+            </a:r>
+            <a:r>
+              <a:rPr sz="2000" dirty="0">
+                <a:latin typeface="Calibri" panose="020F0502020204030204" pitchFamily="34" charset="0"/>
+                <a:cs typeface="Calibri" panose="020F0502020204030204" pitchFamily="34" charset="0"/>
+              </a:rPr>
+              <a:t> is a programming API for HTML and XML documents</a:t>
+            </a:r>
+          </a:p>
+          <a:p>
+            <a:pPr marL="431165" indent="-431165" defTabSz="443484">
+              <a:lnSpc>
+                <a:spcPct val="150000"/>
+              </a:lnSpc>
+              <a:spcBef>
+                <a:spcPts val="0"/>
+              </a:spcBef>
+              <a:defRPr sz="3104">
+                <a:latin typeface="Times"/>
+                <a:ea typeface="Times"/>
+                <a:cs typeface="Times"/>
+                <a:sym typeface="Times"/>
+              </a:defRPr>
+            </a:pPr>
+            <a:r>
+              <a:rPr sz="2000" dirty="0">
+                <a:latin typeface="Calibri" panose="020F0502020204030204" pitchFamily="34" charset="0"/>
+                <a:cs typeface="Calibri" panose="020F0502020204030204" pitchFamily="34" charset="0"/>
+              </a:rPr>
+              <a:t>It defines the logical structure of documents </a:t>
+            </a:r>
+            <a:endParaRPr lang="en-US" sz="2000" dirty="0">
+              <a:latin typeface="Calibri" panose="020F0502020204030204" pitchFamily="34" charset="0"/>
+              <a:cs typeface="Calibri" panose="020F0502020204030204" pitchFamily="34" charset="0"/>
+            </a:endParaRPr>
+          </a:p>
+          <a:p>
+            <a:pPr marL="431165" indent="-431165" defTabSz="443484">
+              <a:lnSpc>
+                <a:spcPct val="150000"/>
+              </a:lnSpc>
+              <a:spcBef>
+                <a:spcPts val="0"/>
+              </a:spcBef>
+              <a:defRPr sz="3104">
+                <a:latin typeface="Times"/>
+                <a:ea typeface="Times"/>
+                <a:cs typeface="Times"/>
+                <a:sym typeface="Times"/>
+              </a:defRPr>
+            </a:pPr>
+            <a:r>
+              <a:rPr lang="en-US" sz="2000" dirty="0">
+                <a:latin typeface="Calibri" panose="020F0502020204030204" pitchFamily="34" charset="0"/>
+                <a:cs typeface="Calibri" panose="020F0502020204030204" pitchFamily="34" charset="0"/>
+              </a:rPr>
+              <a:t>It also defines</a:t>
+            </a:r>
+            <a:r>
+              <a:rPr sz="2000" dirty="0">
+                <a:latin typeface="Calibri" panose="020F0502020204030204" pitchFamily="34" charset="0"/>
+                <a:cs typeface="Calibri" panose="020F0502020204030204" pitchFamily="34" charset="0"/>
+              </a:rPr>
+              <a:t> the way a document is accessed and manipulated</a:t>
             </a:r>
           </a:p>
           <a:p>
@@ -5834,7 +10130,7 @@
           </a:ln>
           <a:extLst>
             <a:ext uri="{C572A759-6A51-4108-AA02-DFA0A04FC94B}">
-              <ma14:wrappingTextBoxFlag xmlns:ma14="http://schemas.microsoft.com/office/mac/drawingml/2011/main" xmlns="" val="1"/>
+              <ma14:wrappingTextBoxFlag xmlns="" xmlns:ma14="http://schemas.microsoft.com/office/mac/drawingml/2011/main" val="1"/>
             </a:ext>
           </a:extLst>
         </p:spPr>
@@ -6237,7 +10533,7 @@
           </a:ln>
           <a:extLst>
             <a:ext uri="{C572A759-6A51-4108-AA02-DFA0A04FC94B}">
-              <ma14:wrappingTextBoxFlag xmlns:ma14="http://schemas.microsoft.com/office/mac/drawingml/2011/main" xmlns="" val="1"/>
+              <ma14:wrappingTextBoxFlag xmlns="" xmlns:ma14="http://schemas.microsoft.com/office/mac/drawingml/2011/main" val="1"/>
             </a:ext>
           </a:extLst>
         </p:spPr>
@@ -6272,7 +10568,7 @@
           </a:ln>
           <a:extLst>
             <a:ext uri="{C572A759-6A51-4108-AA02-DFA0A04FC94B}">
-              <ma14:wrappingTextBoxFlag xmlns:ma14="http://schemas.microsoft.com/office/mac/drawingml/2011/main" xmlns="" val="1"/>
+              <ma14:wrappingTextBoxFlag xmlns="" xmlns:ma14="http://schemas.microsoft.com/office/mac/drawingml/2011/main" val="1"/>
             </a:ext>
           </a:extLst>
         </p:spPr>
@@ -6289,195 +10585,11 @@
         </p:txBody>
       </p:sp>
     </p:spTree>
-  </p:cSld>
-  <p:clrMapOvr>
-    <a:masterClrMapping/>
-  </p:clrMapOvr>
-  <p:transition spd="med"/>
-</p:sld>
-</file>
-
-<file path=ppt/slides/slide4.xml><?xml version="1.0" encoding="utf-8"?>
-<p:sld xmlns:a="http://schemas.openxmlformats.org/drawingml/2006/main" xmlns:r="http://schemas.openxmlformats.org/officeDocument/2006/relationships" xmlns:p="http://schemas.openxmlformats.org/presentationml/2006/main">
-  <p:cSld>
-    <p:spTree>
-      <p:nvGrpSpPr>
-        <p:cNvPr id="1" name=""/>
-        <p:cNvGrpSpPr/>
-        <p:nvPr/>
-      </p:nvGrpSpPr>
-      <p:grpSpPr>
-        <a:xfrm>
-          <a:off x="0" y="0"/>
-          <a:ext cx="0" cy="0"/>
-          <a:chOff x="0" y="0"/>
-          <a:chExt cx="0" cy="0"/>
-        </a:xfrm>
-      </p:grpSpPr>
-      <p:sp>
-        <p:nvSpPr>
-          <p:cNvPr id="131" name="Document Object Model (DOM)"/>
-          <p:cNvSpPr txBox="1">
-            <a:spLocks noGrp="1"/>
-          </p:cNvSpPr>
-          <p:nvPr>
-            <p:ph type="title"/>
-          </p:nvPr>
-        </p:nvSpPr>
-        <p:spPr>
-          <a:prstGeom prst="rect">
-            <a:avLst/>
-          </a:prstGeom>
-        </p:spPr>
-        <p:txBody>
-          <a:bodyPr>
-            <a:normAutofit/>
-          </a:bodyPr>
-          <a:lstStyle>
-            <a:lvl1pPr defTabSz="484886">
-              <a:defRPr sz="6640"/>
-            </a:lvl1pPr>
-          </a:lstStyle>
-          <a:p>
-            <a:r>
-              <a:rPr sz="4000" dirty="0">
-                <a:latin typeface="Calibri" panose="020F0502020204030204" pitchFamily="34" charset="0"/>
-                <a:cs typeface="Calibri" panose="020F0502020204030204" pitchFamily="34" charset="0"/>
-              </a:rPr>
-              <a:t>Document Object Model (DOM)</a:t>
-            </a:r>
-            <a:r>
-              <a:rPr lang="en-US" sz="4000" dirty="0">
-                <a:latin typeface="Calibri" panose="020F0502020204030204" pitchFamily="34" charset="0"/>
-                <a:cs typeface="Calibri" panose="020F0502020204030204" pitchFamily="34" charset="0"/>
-              </a:rPr>
-              <a:t>.</a:t>
-            </a:r>
-            <a:endParaRPr sz="4000" dirty="0">
-              <a:latin typeface="Calibri" panose="020F0502020204030204" pitchFamily="34" charset="0"/>
-              <a:cs typeface="Calibri" panose="020F0502020204030204" pitchFamily="34" charset="0"/>
-            </a:endParaRPr>
-          </a:p>
-        </p:txBody>
-      </p:sp>
-      <p:sp>
-        <p:nvSpPr>
-          <p:cNvPr id="132" name="Dom connects web pages to scripts or programming languages. Usually that means JavaScript…"/>
-          <p:cNvSpPr txBox="1">
-            <a:spLocks noGrp="1"/>
-          </p:cNvSpPr>
-          <p:nvPr>
-            <p:ph type="body" sz="half" idx="1"/>
-          </p:nvPr>
-        </p:nvSpPr>
-        <p:spPr>
-          <a:prstGeom prst="rect">
-            <a:avLst/>
-          </a:prstGeom>
-        </p:spPr>
-        <p:txBody>
-          <a:bodyPr anchor="t">
-            <a:noAutofit/>
-          </a:bodyPr>
-          <a:lstStyle/>
-          <a:p>
-            <a:pPr defTabSz="362204">
-              <a:spcBef>
-                <a:spcPts val="2600"/>
-              </a:spcBef>
-              <a:defRPr sz="1984">
-                <a:latin typeface="Helvetica"/>
-                <a:ea typeface="Helvetica"/>
-                <a:cs typeface="Helvetica"/>
-                <a:sym typeface="Helvetica"/>
-              </a:defRPr>
-            </a:pPr>
-            <a:r>
-              <a:rPr lang="en-US" sz="2000" dirty="0">
-                <a:latin typeface="Calibri" panose="020F0502020204030204" pitchFamily="34" charset="0"/>
-                <a:cs typeface="Calibri" panose="020F0502020204030204" pitchFamily="34" charset="0"/>
-              </a:rPr>
-              <a:t>DOM</a:t>
-            </a:r>
-            <a:r>
-              <a:rPr sz="2000" dirty="0">
-                <a:latin typeface="Calibri" panose="020F0502020204030204" pitchFamily="34" charset="0"/>
-                <a:cs typeface="Calibri" panose="020F0502020204030204" pitchFamily="34" charset="0"/>
-              </a:rPr>
-              <a:t> </a:t>
-            </a:r>
-            <a:r>
-              <a:rPr lang="en-US" sz="2000" dirty="0">
-                <a:latin typeface="Calibri" panose="020F0502020204030204" pitchFamily="34" charset="0"/>
-                <a:cs typeface="Calibri" panose="020F0502020204030204" pitchFamily="34" charset="0"/>
-              </a:rPr>
-              <a:t>is an API that connects</a:t>
-            </a:r>
-            <a:r>
-              <a:rPr sz="2000" dirty="0">
-                <a:latin typeface="Calibri" panose="020F0502020204030204" pitchFamily="34" charset="0"/>
-                <a:cs typeface="Calibri" panose="020F0502020204030204" pitchFamily="34" charset="0"/>
-              </a:rPr>
-              <a:t> web pages to scripts or programming languages. </a:t>
-            </a:r>
-            <a:endParaRPr lang="en-US" sz="2000" dirty="0">
-              <a:latin typeface="Calibri" panose="020F0502020204030204" pitchFamily="34" charset="0"/>
-              <a:cs typeface="Calibri" panose="020F0502020204030204" pitchFamily="34" charset="0"/>
-            </a:endParaRPr>
-          </a:p>
-          <a:p>
-            <a:pPr marL="0" indent="0" defTabSz="362204">
-              <a:spcBef>
-                <a:spcPts val="2600"/>
-              </a:spcBef>
-              <a:buNone/>
-              <a:defRPr sz="1984">
-                <a:latin typeface="Helvetica"/>
-                <a:ea typeface="Helvetica"/>
-                <a:cs typeface="Helvetica"/>
-                <a:sym typeface="Helvetica"/>
-              </a:defRPr>
-            </a:pPr>
-            <a:r>
-              <a:rPr lang="en-US" sz="2000" dirty="0">
-                <a:latin typeface="Calibri" panose="020F0502020204030204" pitchFamily="34" charset="0"/>
-                <a:cs typeface="Calibri" panose="020F0502020204030204" pitchFamily="34" charset="0"/>
-              </a:rPr>
-              <a:t>		– Usually that means JavaScript</a:t>
-            </a:r>
-          </a:p>
-        </p:txBody>
-      </p:sp>
-      <p:pic>
-        <p:nvPicPr>
-          <p:cNvPr id="133" name="DOM_js_72.png" descr="DOM_js_72.png"/>
-          <p:cNvPicPr>
-            <a:picLocks noChangeAspect="1"/>
-          </p:cNvPicPr>
-          <p:nvPr/>
-        </p:nvPicPr>
-        <p:blipFill>
-          <a:blip r:embed="rId2">
-            <a:extLst/>
-          </a:blip>
-          <a:stretch>
-            <a:fillRect/>
-          </a:stretch>
-        </p:blipFill>
-        <p:spPr>
-          <a:xfrm>
-            <a:off x="6834028" y="3780996"/>
-            <a:ext cx="5441677" cy="3906107"/>
-          </a:xfrm>
-          <a:prstGeom prst="rect">
-            <a:avLst/>
-          </a:prstGeom>
-          <a:ln w="12700">
-            <a:miter lim="400000"/>
-          </a:ln>
-        </p:spPr>
-      </p:pic>
-    </p:spTree>
+    <p:extLst>
+      <p:ext uri="{BB962C8B-B14F-4D97-AF65-F5344CB8AC3E}">
+        <p14:creationId xmlns:p14="http://schemas.microsoft.com/office/powerpoint/2010/main" val="3409596861"/>
+      </p:ext>
+    </p:extLst>
   </p:cSld>
   <p:clrMapOvr>
     <a:masterClrMapping/>
@@ -6540,7 +10652,7 @@
                 <a:latin typeface="Calibri" panose="020F0502020204030204" pitchFamily="34" charset="0"/>
                 <a:cs typeface="Calibri" panose="020F0502020204030204" pitchFamily="34" charset="0"/>
               </a:rPr>
-              <a:t>..</a:t>
+              <a:t>.</a:t>
             </a:r>
             <a:endParaRPr sz="4000" dirty="0">
               <a:latin typeface="Calibri" panose="020F0502020204030204" pitchFamily="34" charset="0"/>
@@ -6634,50 +10746,6 @@
               </a:rPr>
               <a:t>		– Usually that means JavaScript</a:t>
             </a:r>
-          </a:p>
-          <a:p>
-            <a:pPr marL="275590" indent="-275590" defTabSz="283463">
-              <a:lnSpc>
-                <a:spcPts val="3200"/>
-              </a:lnSpc>
-              <a:spcBef>
-                <a:spcPts val="0"/>
-              </a:spcBef>
-              <a:defRPr sz="1984">
-                <a:solidFill>
-                  <a:srgbClr val="333333"/>
-                </a:solidFill>
-                <a:latin typeface="Helvetica"/>
-                <a:ea typeface="Helvetica"/>
-                <a:cs typeface="Helvetica"/>
-                <a:sym typeface="Helvetica"/>
-              </a:defRPr>
-            </a:pPr>
-            <a:r>
-              <a:rPr lang="en-US" sz="2000" dirty="0">
-                <a:latin typeface="Calibri" panose="020F0502020204030204" pitchFamily="34" charset="0"/>
-                <a:cs typeface="Calibri" panose="020F0502020204030204" pitchFamily="34" charset="0"/>
-              </a:rPr>
-              <a:t>The DOM model represents a document with a logical tree.</a:t>
-            </a:r>
-          </a:p>
-          <a:p>
-            <a:pPr marL="0" indent="0" defTabSz="362204">
-              <a:spcBef>
-                <a:spcPts val="2600"/>
-              </a:spcBef>
-              <a:buNone/>
-              <a:defRPr sz="1984">
-                <a:latin typeface="Helvetica"/>
-                <a:ea typeface="Helvetica"/>
-                <a:cs typeface="Helvetica"/>
-                <a:sym typeface="Helvetica"/>
-              </a:defRPr>
-            </a:pPr>
-            <a:endParaRPr lang="en-US" sz="2000" dirty="0">
-              <a:latin typeface="Calibri" panose="020F0502020204030204" pitchFamily="34" charset="0"/>
-              <a:cs typeface="Calibri" panose="020F0502020204030204" pitchFamily="34" charset="0"/>
-            </a:endParaRPr>
           </a:p>
         </p:txBody>
       </p:sp>
@@ -6711,11 +10779,6 @@
         </p:spPr>
       </p:pic>
     </p:spTree>
-    <p:extLst>
-      <p:ext uri="{BB962C8B-B14F-4D97-AF65-F5344CB8AC3E}">
-        <p14:creationId xmlns:p14="http://schemas.microsoft.com/office/powerpoint/2010/main" val="3055337420"/>
-      </p:ext>
-    </p:extLst>
   </p:cSld>
   <p:clrMapOvr>
     <a:masterClrMapping/>
@@ -6778,7 +10841,7 @@
                 <a:latin typeface="Calibri" panose="020F0502020204030204" pitchFamily="34" charset="0"/>
                 <a:cs typeface="Calibri" panose="020F0502020204030204" pitchFamily="34" charset="0"/>
               </a:rPr>
-              <a:t>…</a:t>
+              <a:t>..</a:t>
             </a:r>
             <a:endParaRPr sz="4000" dirty="0">
               <a:latin typeface="Calibri" panose="020F0502020204030204" pitchFamily="34" charset="0"/>
@@ -6845,7 +10908,7 @@
                 <a:latin typeface="Calibri" panose="020F0502020204030204" pitchFamily="34" charset="0"/>
                 <a:cs typeface="Calibri" panose="020F0502020204030204" pitchFamily="34" charset="0"/>
               </a:rPr>
-              <a:t> web pages to scripts or programming languages</a:t>
+              <a:t> web pages to scripts or programming languages. </a:t>
             </a:r>
             <a:endParaRPr lang="en-US" sz="2000" dirty="0">
               <a:latin typeface="Calibri" panose="020F0502020204030204" pitchFamily="34" charset="0"/>
@@ -6896,57 +10959,8 @@
                 <a:latin typeface="Calibri" panose="020F0502020204030204" pitchFamily="34" charset="0"/>
                 <a:cs typeface="Calibri" panose="020F0502020204030204" pitchFamily="34" charset="0"/>
               </a:rPr>
-              <a:t>The DOM model represents a document with a logical tree</a:t>
-            </a:r>
-          </a:p>
-          <a:p>
-            <a:pPr marL="275590" indent="-275590" defTabSz="283463">
-              <a:lnSpc>
-                <a:spcPts val="3200"/>
-              </a:lnSpc>
-              <a:spcBef>
-                <a:spcPts val="0"/>
-              </a:spcBef>
-              <a:defRPr sz="1984">
-                <a:solidFill>
-                  <a:srgbClr val="333333"/>
-                </a:solidFill>
-                <a:latin typeface="Helvetica"/>
-                <a:ea typeface="Helvetica"/>
-                <a:cs typeface="Helvetica"/>
-                <a:sym typeface="Helvetica"/>
-              </a:defRPr>
-            </a:pPr>
-            <a:r>
-              <a:rPr lang="en-US" sz="2000" dirty="0">
-                <a:latin typeface="Calibri" panose="020F0502020204030204" pitchFamily="34" charset="0"/>
-                <a:cs typeface="Calibri" panose="020F0502020204030204" pitchFamily="34" charset="0"/>
-              </a:rPr>
-              <a:t>DOM methods allow programmatic access to the tree</a:t>
-            </a:r>
-          </a:p>
-          <a:p>
-            <a:pPr marL="275590" indent="-275590" defTabSz="283463">
-              <a:lnSpc>
-                <a:spcPts val="3200"/>
-              </a:lnSpc>
-              <a:spcBef>
-                <a:spcPts val="0"/>
-              </a:spcBef>
-              <a:defRPr sz="1984">
-                <a:solidFill>
-                  <a:srgbClr val="333333"/>
-                </a:solidFill>
-                <a:latin typeface="Helvetica"/>
-                <a:ea typeface="Helvetica"/>
-                <a:cs typeface="Helvetica"/>
-                <a:sym typeface="Helvetica"/>
-              </a:defRPr>
-            </a:pPr>
-            <a:endParaRPr lang="en-US" sz="2000" dirty="0">
-              <a:latin typeface="Calibri" panose="020F0502020204030204" pitchFamily="34" charset="0"/>
-              <a:cs typeface="Calibri" panose="020F0502020204030204" pitchFamily="34" charset="0"/>
-            </a:endParaRPr>
+              <a:t>The DOM model represents a document with a logical tree.</a:t>
+            </a:r>
           </a:p>
           <a:p>
             <a:pPr marL="0" indent="0" defTabSz="362204">
@@ -7000,7 +11014,7 @@
     </p:spTree>
     <p:extLst>
       <p:ext uri="{BB962C8B-B14F-4D97-AF65-F5344CB8AC3E}">
-        <p14:creationId xmlns:p14="http://schemas.microsoft.com/office/powerpoint/2010/main" val="2167337261"/>
+        <p14:creationId xmlns:p14="http://schemas.microsoft.com/office/powerpoint/2010/main" val="3055337420"/>
       </p:ext>
     </p:extLst>
   </p:cSld>
@@ -7065,7 +11079,7 @@
                 <a:latin typeface="Calibri" panose="020F0502020204030204" pitchFamily="34" charset="0"/>
                 <a:cs typeface="Calibri" panose="020F0502020204030204" pitchFamily="34" charset="0"/>
               </a:rPr>
-              <a:t>….</a:t>
+              <a:t>…</a:t>
             </a:r>
             <a:endParaRPr sz="4000" dirty="0">
               <a:latin typeface="Calibri" panose="020F0502020204030204" pitchFamily="34" charset="0"/>
@@ -7211,55 +11225,6 @@
               </a:rPr>
               <a:t>DOM methods allow programmatic access to the tree</a:t>
             </a:r>
-          </a:p>
-          <a:p>
-            <a:pPr marL="275590" indent="-275590" defTabSz="283463">
-              <a:lnSpc>
-                <a:spcPts val="3200"/>
-              </a:lnSpc>
-              <a:spcBef>
-                <a:spcPts val="0"/>
-              </a:spcBef>
-              <a:defRPr sz="1984">
-                <a:solidFill>
-                  <a:srgbClr val="333333"/>
-                </a:solidFill>
-                <a:latin typeface="Helvetica"/>
-                <a:ea typeface="Helvetica"/>
-                <a:cs typeface="Helvetica"/>
-                <a:sym typeface="Helvetica"/>
-              </a:defRPr>
-            </a:pPr>
-            <a:r>
-              <a:rPr lang="en-US" sz="2000" dirty="0">
-                <a:latin typeface="Calibri" panose="020F0502020204030204" pitchFamily="34" charset="0"/>
-                <a:cs typeface="Calibri" panose="020F0502020204030204" pitchFamily="34" charset="0"/>
-              </a:rPr>
-              <a:t>Each branch of the tree ends in a node</a:t>
-            </a:r>
-          </a:p>
-          <a:p>
-            <a:pPr marL="275590" indent="-275590" defTabSz="283463">
-              <a:lnSpc>
-                <a:spcPts val="3200"/>
-              </a:lnSpc>
-              <a:spcBef>
-                <a:spcPts val="0"/>
-              </a:spcBef>
-              <a:defRPr sz="1984">
-                <a:solidFill>
-                  <a:srgbClr val="333333"/>
-                </a:solidFill>
-                <a:latin typeface="Helvetica"/>
-                <a:ea typeface="Helvetica"/>
-                <a:cs typeface="Helvetica"/>
-                <a:sym typeface="Helvetica"/>
-              </a:defRPr>
-            </a:pPr>
-            <a:endParaRPr lang="en-US" sz="2000" dirty="0">
-              <a:latin typeface="Calibri" panose="020F0502020204030204" pitchFamily="34" charset="0"/>
-              <a:cs typeface="Calibri" panose="020F0502020204030204" pitchFamily="34" charset="0"/>
-            </a:endParaRPr>
           </a:p>
           <a:p>
             <a:pPr marL="275590" indent="-275590" defTabSz="283463">
@@ -7336,7 +11301,7 @@
     </p:spTree>
     <p:extLst>
       <p:ext uri="{BB962C8B-B14F-4D97-AF65-F5344CB8AC3E}">
-        <p14:creationId xmlns:p14="http://schemas.microsoft.com/office/powerpoint/2010/main" val="2520257198"/>
+        <p14:creationId xmlns:p14="http://schemas.microsoft.com/office/powerpoint/2010/main" val="2167337261"/>
       </p:ext>
     </p:extLst>
   </p:cSld>
@@ -7592,55 +11557,6 @@
                 <a:sym typeface="Helvetica"/>
               </a:defRPr>
             </a:pPr>
-            <a:r>
-              <a:rPr lang="en-US" sz="2000" dirty="0">
-                <a:latin typeface="Calibri" panose="020F0502020204030204" pitchFamily="34" charset="0"/>
-                <a:cs typeface="Calibri" panose="020F0502020204030204" pitchFamily="34" charset="0"/>
-              </a:rPr>
-              <a:t>This allows to change document's structure, style or content. </a:t>
-            </a:r>
-          </a:p>
-          <a:p>
-            <a:pPr marL="275590" indent="-275590" defTabSz="283463">
-              <a:lnSpc>
-                <a:spcPts val="3200"/>
-              </a:lnSpc>
-              <a:spcBef>
-                <a:spcPts val="0"/>
-              </a:spcBef>
-              <a:defRPr sz="1984">
-                <a:solidFill>
-                  <a:srgbClr val="333333"/>
-                </a:solidFill>
-                <a:latin typeface="Helvetica"/>
-                <a:ea typeface="Helvetica"/>
-                <a:cs typeface="Helvetica"/>
-                <a:sym typeface="Helvetica"/>
-              </a:defRPr>
-            </a:pPr>
-            <a:endParaRPr lang="en-US" sz="2000" dirty="0">
-              <a:latin typeface="Calibri" panose="020F0502020204030204" pitchFamily="34" charset="0"/>
-              <a:cs typeface="Calibri" panose="020F0502020204030204" pitchFamily="34" charset="0"/>
-            </a:endParaRPr>
-          </a:p>
-          <a:p>
-            <a:pPr marL="275590" indent="-275590" defTabSz="283463">
-              <a:lnSpc>
-                <a:spcPts val="3200"/>
-              </a:lnSpc>
-              <a:spcBef>
-                <a:spcPts val="0"/>
-              </a:spcBef>
-              <a:defRPr sz="1984">
-                <a:solidFill>
-                  <a:srgbClr val="333333"/>
-                </a:solidFill>
-                <a:latin typeface="Helvetica"/>
-                <a:ea typeface="Helvetica"/>
-                <a:cs typeface="Helvetica"/>
-                <a:sym typeface="Helvetica"/>
-              </a:defRPr>
-            </a:pPr>
             <a:endParaRPr lang="en-US" sz="2000" dirty="0">
               <a:latin typeface="Calibri" panose="020F0502020204030204" pitchFamily="34" charset="0"/>
               <a:cs typeface="Calibri" panose="020F0502020204030204" pitchFamily="34" charset="0"/>
@@ -7721,7 +11637,7 @@
     </p:spTree>
     <p:extLst>
       <p:ext uri="{BB962C8B-B14F-4D97-AF65-F5344CB8AC3E}">
-        <p14:creationId xmlns:p14="http://schemas.microsoft.com/office/powerpoint/2010/main" val="4044082340"/>
+        <p14:creationId xmlns:p14="http://schemas.microsoft.com/office/powerpoint/2010/main" val="2520257198"/>
       </p:ext>
     </p:extLst>
   </p:cSld>
@@ -7786,7 +11702,7 @@
                 <a:latin typeface="Calibri" panose="020F0502020204030204" pitchFamily="34" charset="0"/>
                 <a:cs typeface="Calibri" panose="020F0502020204030204" pitchFamily="34" charset="0"/>
               </a:rPr>
-              <a:t>…..</a:t>
+              <a:t>….</a:t>
             </a:r>
             <a:endParaRPr sz="4000" dirty="0">
               <a:latin typeface="Calibri" panose="020F0502020204030204" pitchFamily="34" charset="0"/>
@@ -7982,33 +11898,7 @@
                 <a:latin typeface="Calibri" panose="020F0502020204030204" pitchFamily="34" charset="0"/>
                 <a:cs typeface="Calibri" panose="020F0502020204030204" pitchFamily="34" charset="0"/>
               </a:rPr>
-              <a:t>This allows to change document's structure, style or content</a:t>
-            </a:r>
-          </a:p>
-          <a:p>
-            <a:pPr marL="275590" indent="-275590" defTabSz="283463">
-              <a:lnSpc>
-                <a:spcPts val="3200"/>
-              </a:lnSpc>
-              <a:spcBef>
-                <a:spcPts val="0"/>
-              </a:spcBef>
-              <a:defRPr sz="1984">
-                <a:solidFill>
-                  <a:srgbClr val="333333"/>
-                </a:solidFill>
-                <a:latin typeface="Helvetica"/>
-                <a:ea typeface="Helvetica"/>
-                <a:cs typeface="Helvetica"/>
-                <a:sym typeface="Helvetica"/>
-              </a:defRPr>
-            </a:pPr>
-            <a:r>
-              <a:rPr lang="en-US" sz="2000" dirty="0">
-                <a:latin typeface="Calibri" panose="020F0502020204030204" pitchFamily="34" charset="0"/>
-                <a:cs typeface="Calibri" panose="020F0502020204030204" pitchFamily="34" charset="0"/>
-              </a:rPr>
-              <a:t>Nodes can have event handlers attached to them. </a:t>
+              <a:t>This allows to change document's structure, style or content. </a:t>
             </a:r>
           </a:p>
           <a:p>
@@ -8132,7 +12022,7 @@
     </p:spTree>
     <p:extLst>
       <p:ext uri="{BB962C8B-B14F-4D97-AF65-F5344CB8AC3E}">
-        <p14:creationId xmlns:p14="http://schemas.microsoft.com/office/powerpoint/2010/main" val="3908433945"/>
+        <p14:creationId xmlns:p14="http://schemas.microsoft.com/office/powerpoint/2010/main" val="4044082340"/>
       </p:ext>
     </p:extLst>
   </p:cSld>

--- a/Lectures/Lecture5/lesson5.pptx
+++ b/Lectures/Lecture5/lesson5.pptx
@@ -5,7 +5,7 @@
     <p:sldMasterId id="2147483648" r:id="rId1"/>
   </p:sldMasterIdLst>
   <p:notesMasterIdLst>
-    <p:notesMasterId r:id="rId28"/>
+    <p:notesMasterId r:id="rId41"/>
   </p:notesMasterIdLst>
   <p:sldIdLst>
     <p:sldId id="256" r:id="rId2"/>
@@ -20,20 +20,33 @@
     <p:sldId id="270" r:id="rId11"/>
     <p:sldId id="271" r:id="rId12"/>
     <p:sldId id="276" r:id="rId13"/>
-    <p:sldId id="274" r:id="rId14"/>
-    <p:sldId id="283" r:id="rId15"/>
-    <p:sldId id="260" r:id="rId16"/>
-    <p:sldId id="261" r:id="rId17"/>
-    <p:sldId id="262" r:id="rId18"/>
-    <p:sldId id="277" r:id="rId19"/>
-    <p:sldId id="263" r:id="rId20"/>
-    <p:sldId id="278" r:id="rId21"/>
-    <p:sldId id="279" r:id="rId22"/>
-    <p:sldId id="264" r:id="rId23"/>
-    <p:sldId id="265" r:id="rId24"/>
-    <p:sldId id="280" r:id="rId25"/>
-    <p:sldId id="281" r:id="rId26"/>
-    <p:sldId id="282" r:id="rId27"/>
+    <p:sldId id="284" r:id="rId14"/>
+    <p:sldId id="285" r:id="rId15"/>
+    <p:sldId id="274" r:id="rId16"/>
+    <p:sldId id="286" r:id="rId17"/>
+    <p:sldId id="283" r:id="rId18"/>
+    <p:sldId id="260" r:id="rId19"/>
+    <p:sldId id="261" r:id="rId20"/>
+    <p:sldId id="262" r:id="rId21"/>
+    <p:sldId id="277" r:id="rId22"/>
+    <p:sldId id="288" r:id="rId23"/>
+    <p:sldId id="263" r:id="rId24"/>
+    <p:sldId id="278" r:id="rId25"/>
+    <p:sldId id="279" r:id="rId26"/>
+    <p:sldId id="264" r:id="rId27"/>
+    <p:sldId id="265" r:id="rId28"/>
+    <p:sldId id="280" r:id="rId29"/>
+    <p:sldId id="281" r:id="rId30"/>
+    <p:sldId id="282" r:id="rId31"/>
+    <p:sldId id="289" r:id="rId32"/>
+    <p:sldId id="292" r:id="rId33"/>
+    <p:sldId id="293" r:id="rId34"/>
+    <p:sldId id="294" r:id="rId35"/>
+    <p:sldId id="295" r:id="rId36"/>
+    <p:sldId id="296" r:id="rId37"/>
+    <p:sldId id="297" r:id="rId38"/>
+    <p:sldId id="298" r:id="rId39"/>
+    <p:sldId id="299" r:id="rId40"/>
   </p:sldIdLst>
   <p:sldSz cx="13004800" cy="9753600"/>
   <p:notesSz cx="6858000" cy="9144000"/>
@@ -524,6 +537,264 @@
     </a:lvl9pPr>
   </p:notesStyle>
 </p:notesMaster>
+</file>
+
+<file path=ppt/notesSlides/notesSlide1.xml><?xml version="1.0" encoding="utf-8"?>
+<p:notes xmlns:a="http://schemas.openxmlformats.org/drawingml/2006/main" xmlns:r="http://schemas.openxmlformats.org/officeDocument/2006/relationships" xmlns:p="http://schemas.openxmlformats.org/presentationml/2006/main">
+  <p:cSld>
+    <p:spTree>
+      <p:nvGrpSpPr>
+        <p:cNvPr id="1" name=""/>
+        <p:cNvGrpSpPr/>
+        <p:nvPr/>
+      </p:nvGrpSpPr>
+      <p:grpSpPr>
+        <a:xfrm>
+          <a:off x="0" y="0"/>
+          <a:ext cx="0" cy="0"/>
+          <a:chOff x="0" y="0"/>
+          <a:chExt cx="0" cy="0"/>
+        </a:xfrm>
+      </p:grpSpPr>
+      <p:sp>
+        <p:nvSpPr>
+          <p:cNvPr id="2" name="Slide Image Placeholder 1"/>
+          <p:cNvSpPr>
+            <a:spLocks noGrp="1" noRot="1" noChangeAspect="1"/>
+          </p:cNvSpPr>
+          <p:nvPr>
+            <p:ph type="sldImg"/>
+          </p:nvPr>
+        </p:nvSpPr>
+        <p:spPr/>
+      </p:sp>
+      <p:sp>
+        <p:nvSpPr>
+          <p:cNvPr id="3" name="Notes Placeholder 2"/>
+          <p:cNvSpPr>
+            <a:spLocks noGrp="1"/>
+          </p:cNvSpPr>
+          <p:nvPr>
+            <p:ph type="body" idx="1"/>
+          </p:nvPr>
+        </p:nvSpPr>
+        <p:spPr/>
+        <p:txBody>
+          <a:bodyPr/>
+          <a:lstStyle/>
+          <a:p>
+            <a:r>
+              <a:rPr lang="en-US" dirty="0"/>
+              <a:t>Create a node project =&gt; </a:t>
+            </a:r>
+            <a:r>
+              <a:rPr lang="en-US" dirty="0" err="1"/>
+              <a:t>npm</a:t>
+            </a:r>
+            <a:r>
+              <a:rPr lang="en-US" dirty="0"/>
+              <a:t> --</a:t>
+            </a:r>
+            <a:r>
+              <a:rPr lang="en-US" dirty="0" err="1"/>
+              <a:t>init</a:t>
+            </a:r>
+            <a:endParaRPr lang="en-US" dirty="0"/>
+          </a:p>
+          <a:p>
+            <a:r>
+              <a:rPr lang="en-US" dirty="0"/>
+              <a:t>Install typescript locally =&gt; </a:t>
+            </a:r>
+            <a:r>
+              <a:rPr lang="en-US" dirty="0" err="1"/>
+              <a:t>npm</a:t>
+            </a:r>
+            <a:r>
+              <a:rPr lang="en-US" dirty="0"/>
+              <a:t> – </a:t>
+            </a:r>
+            <a:r>
+              <a:rPr lang="en-US" dirty="0" err="1"/>
+              <a:t>i</a:t>
+            </a:r>
+            <a:r>
+              <a:rPr lang="en-US" dirty="0"/>
+              <a:t> typescript build-dev</a:t>
+            </a:r>
+          </a:p>
+          <a:p>
+            <a:r>
+              <a:rPr lang="en-US" dirty="0"/>
+              <a:t>Create a typescript project =&gt; </a:t>
+            </a:r>
+            <a:r>
+              <a:rPr lang="en-US" dirty="0" err="1"/>
+              <a:t>tsc</a:t>
+            </a:r>
+            <a:r>
+              <a:rPr lang="en-US" dirty="0"/>
+              <a:t> –</a:t>
+            </a:r>
+            <a:r>
+              <a:rPr lang="en-US" dirty="0" err="1"/>
+              <a:t>init</a:t>
+            </a:r>
+            <a:r>
+              <a:rPr lang="en-US" dirty="0"/>
+              <a:t> </a:t>
+            </a:r>
+          </a:p>
+          <a:p>
+            <a:r>
+              <a:rPr lang="en-US" dirty="0"/>
+              <a:t>Show </a:t>
+            </a:r>
+            <a:r>
+              <a:rPr lang="en-US" dirty="0" err="1"/>
+              <a:t>tsconfig</a:t>
+            </a:r>
+            <a:endParaRPr lang="en-US" dirty="0"/>
+          </a:p>
+          <a:p>
+            <a:r>
+              <a:rPr lang="en-US" dirty="0"/>
+              <a:t>Create a </a:t>
+            </a:r>
+            <a:r>
+              <a:rPr lang="en-US" dirty="0" err="1"/>
+              <a:t>Program.tsx</a:t>
+            </a:r>
+            <a:r>
+              <a:rPr lang="en-US" dirty="0"/>
+              <a:t> file</a:t>
+            </a:r>
+          </a:p>
+          <a:p>
+            <a:r>
+              <a:rPr lang="en-US" dirty="0"/>
+              <a:t>Create an </a:t>
+            </a:r>
+            <a:r>
+              <a:rPr lang="en-US" dirty="0" err="1"/>
+              <a:t>index.html</a:t>
+            </a:r>
+            <a:r>
+              <a:rPr lang="en-US" dirty="0"/>
+              <a:t> page</a:t>
+            </a:r>
+          </a:p>
+          <a:p>
+            <a:r>
+              <a:rPr lang="en-US" dirty="0"/>
+              <a:t>Link </a:t>
+            </a:r>
+            <a:r>
+              <a:rPr lang="en-US" dirty="0" err="1"/>
+              <a:t>Program.js</a:t>
+            </a:r>
+            <a:r>
+              <a:rPr lang="en-US" dirty="0"/>
+              <a:t> to </a:t>
+            </a:r>
+            <a:r>
+              <a:rPr lang="en-US" dirty="0" err="1"/>
+              <a:t>index.html</a:t>
+            </a:r>
+            <a:endParaRPr lang="en-US" dirty="0"/>
+          </a:p>
+          <a:p>
+            <a:endParaRPr lang="en-US" dirty="0"/>
+          </a:p>
+        </p:txBody>
+      </p:sp>
+    </p:spTree>
+    <p:extLst>
+      <p:ext uri="{BB962C8B-B14F-4D97-AF65-F5344CB8AC3E}">
+        <p14:creationId xmlns:p14="http://schemas.microsoft.com/office/powerpoint/2010/main" val="2435107708"/>
+      </p:ext>
+    </p:extLst>
+  </p:cSld>
+  <p:clrMapOvr>
+    <a:masterClrMapping/>
+  </p:clrMapOvr>
+</p:notes>
+</file>
+
+<file path=ppt/notesSlides/notesSlide2.xml><?xml version="1.0" encoding="utf-8"?>
+<p:notes xmlns:a="http://schemas.openxmlformats.org/drawingml/2006/main" xmlns:r="http://schemas.openxmlformats.org/officeDocument/2006/relationships" xmlns:p="http://schemas.openxmlformats.org/presentationml/2006/main">
+  <p:cSld>
+    <p:spTree>
+      <p:nvGrpSpPr>
+        <p:cNvPr id="1" name=""/>
+        <p:cNvGrpSpPr/>
+        <p:nvPr/>
+      </p:nvGrpSpPr>
+      <p:grpSpPr>
+        <a:xfrm>
+          <a:off x="0" y="0"/>
+          <a:ext cx="0" cy="0"/>
+          <a:chOff x="0" y="0"/>
+          <a:chExt cx="0" cy="0"/>
+        </a:xfrm>
+      </p:grpSpPr>
+      <p:sp>
+        <p:nvSpPr>
+          <p:cNvPr id="2" name="Slide Image Placeholder 1"/>
+          <p:cNvSpPr>
+            <a:spLocks noGrp="1" noRot="1" noChangeAspect="1"/>
+          </p:cNvSpPr>
+          <p:nvPr>
+            <p:ph type="sldImg"/>
+          </p:nvPr>
+        </p:nvSpPr>
+        <p:spPr/>
+      </p:sp>
+      <p:sp>
+        <p:nvSpPr>
+          <p:cNvPr id="3" name="Notes Placeholder 2"/>
+          <p:cNvSpPr>
+            <a:spLocks noGrp="1"/>
+          </p:cNvSpPr>
+          <p:nvPr>
+            <p:ph type="body" idx="1"/>
+          </p:nvPr>
+        </p:nvSpPr>
+        <p:spPr/>
+        <p:txBody>
+          <a:bodyPr/>
+          <a:lstStyle/>
+          <a:p>
+            <a:r>
+              <a:rPr lang="en-US" dirty="0"/>
+              <a:t>Show an example of a pipeline for </a:t>
+            </a:r>
+            <a:r>
+              <a:rPr lang="en-US" dirty="0" err="1"/>
+              <a:t>incr</a:t>
+            </a:r>
+            <a:r>
+              <a:rPr lang="en-US" dirty="0"/>
+              <a:t>, double and </a:t>
+            </a:r>
+            <a:r>
+              <a:rPr lang="en-US"/>
+              <a:t>divide functions</a:t>
+            </a:r>
+          </a:p>
+        </p:txBody>
+      </p:sp>
+    </p:spTree>
+    <p:extLst>
+      <p:ext uri="{BB962C8B-B14F-4D97-AF65-F5344CB8AC3E}">
+        <p14:creationId xmlns:p14="http://schemas.microsoft.com/office/powerpoint/2010/main" val="3486199398"/>
+      </p:ext>
+    </p:extLst>
+  </p:cSld>
+  <p:clrMapOvr>
+    <a:masterClrMapping/>
+  </p:clrMapOvr>
+</p:notes>
 </file>
 
 <file path=ppt/slideLayouts/slideLayout1.xml><?xml version="1.0" encoding="utf-8"?>
@@ -4004,126 +4275,6 @@
             </a:r>
           </a:p>
           <a:p>
-            <a:pPr lvl="1" fontAlgn="base">
-              <a:lnSpc>
-                <a:spcPct val="150000"/>
-              </a:lnSpc>
-              <a:spcBef>
-                <a:spcPts val="1000"/>
-              </a:spcBef>
-            </a:pPr>
-            <a:r>
-              <a:rPr lang="en-US" sz="2000" dirty="0">
-                <a:solidFill>
-                  <a:srgbClr val="434343"/>
-                </a:solidFill>
-                <a:latin typeface="Calibri" panose="020F0502020204030204" pitchFamily="34" charset="0"/>
-                <a:cs typeface="Calibri" panose="020F0502020204030204" pitchFamily="34" charset="0"/>
-              </a:rPr>
-              <a:t>JS code can </a:t>
-            </a:r>
-            <a:r>
-              <a:rPr lang="en-US" sz="2000" b="1" dirty="0">
-                <a:solidFill>
-                  <a:srgbClr val="434343"/>
-                </a:solidFill>
-                <a:latin typeface="Calibri" panose="020F0502020204030204" pitchFamily="34" charset="0"/>
-                <a:cs typeface="Calibri" panose="020F0502020204030204" pitchFamily="34" charset="0"/>
-              </a:rPr>
-              <a:t>edit</a:t>
-            </a:r>
-            <a:r>
-              <a:rPr lang="en-US" sz="2000" dirty="0">
-                <a:solidFill>
-                  <a:srgbClr val="434343"/>
-                </a:solidFill>
-                <a:latin typeface="Calibri" panose="020F0502020204030204" pitchFamily="34" charset="0"/>
-                <a:cs typeface="Calibri" panose="020F0502020204030204" pitchFamily="34" charset="0"/>
-              </a:rPr>
-              <a:t> the attributes of these nodes to change the attributes of an element</a:t>
-            </a:r>
-          </a:p>
-          <a:p>
-            <a:pPr lvl="2" fontAlgn="base">
-              <a:lnSpc>
-                <a:spcPct val="150000"/>
-              </a:lnSpc>
-              <a:spcBef>
-                <a:spcPts val="1000"/>
-              </a:spcBef>
-            </a:pPr>
-            <a:r>
-              <a:rPr lang="en-US" sz="2000" dirty="0">
-                <a:solidFill>
-                  <a:srgbClr val="434343"/>
-                </a:solidFill>
-                <a:latin typeface="Calibri" panose="020F0502020204030204" pitchFamily="34" charset="0"/>
-                <a:cs typeface="Calibri" panose="020F0502020204030204" pitchFamily="34" charset="0"/>
-              </a:rPr>
-              <a:t>(e.g. to toggle a style or to change the contents of an &lt;h1&gt; tag)</a:t>
-            </a:r>
-          </a:p>
-          <a:p>
-            <a:pPr lvl="1" fontAlgn="base">
-              <a:lnSpc>
-                <a:spcPct val="150000"/>
-              </a:lnSpc>
-              <a:spcBef>
-                <a:spcPts val="1000"/>
-              </a:spcBef>
-            </a:pPr>
-            <a:r>
-              <a:rPr lang="en-US" sz="2000" dirty="0">
-                <a:solidFill>
-                  <a:srgbClr val="434343"/>
-                </a:solidFill>
-                <a:latin typeface="Calibri" panose="020F0502020204030204" pitchFamily="34" charset="0"/>
-                <a:cs typeface="Calibri" panose="020F0502020204030204" pitchFamily="34" charset="0"/>
-              </a:rPr>
-              <a:t>JS code can </a:t>
-            </a:r>
-            <a:r>
-              <a:rPr lang="en-US" sz="2000" b="1" dirty="0">
-                <a:solidFill>
-                  <a:srgbClr val="434343"/>
-                </a:solidFill>
-                <a:latin typeface="Calibri" panose="020F0502020204030204" pitchFamily="34" charset="0"/>
-                <a:cs typeface="Calibri" panose="020F0502020204030204" pitchFamily="34" charset="0"/>
-              </a:rPr>
-              <a:t>add elements</a:t>
-            </a:r>
-            <a:r>
-              <a:rPr lang="en-US" sz="2000" dirty="0">
-                <a:solidFill>
-                  <a:srgbClr val="434343"/>
-                </a:solidFill>
-                <a:latin typeface="Calibri" panose="020F0502020204030204" pitchFamily="34" charset="0"/>
-                <a:cs typeface="Calibri" panose="020F0502020204030204" pitchFamily="34" charset="0"/>
-              </a:rPr>
-              <a:t> to and </a:t>
-            </a:r>
-            <a:r>
-              <a:rPr lang="en-US" sz="2000" b="1" dirty="0">
-                <a:solidFill>
-                  <a:srgbClr val="434343"/>
-                </a:solidFill>
-                <a:latin typeface="Calibri" panose="020F0502020204030204" pitchFamily="34" charset="0"/>
-                <a:cs typeface="Calibri" panose="020F0502020204030204" pitchFamily="34" charset="0"/>
-              </a:rPr>
-              <a:t>remove elements</a:t>
-            </a:r>
-            <a:r>
-              <a:rPr lang="en-US" sz="2000" dirty="0">
-                <a:solidFill>
-                  <a:srgbClr val="434343"/>
-                </a:solidFill>
-                <a:latin typeface="Calibri" panose="020F0502020204030204" pitchFamily="34" charset="0"/>
-                <a:cs typeface="Calibri" panose="020F0502020204030204" pitchFamily="34" charset="0"/>
-              </a:rPr>
-              <a:t> from a web page by adding and removing nodes from the DOM</a:t>
-            </a:r>
-          </a:p>
-          <a:p>
             <a:pPr>
               <a:lnSpc>
                 <a:spcPct val="150000"/>
@@ -4224,21 +4375,63 @@
           </a:bodyPr>
           <a:lstStyle/>
           <a:p>
-            <a:pPr marL="0" indent="0">
-              <a:spcBef>
-                <a:spcPts val="0"/>
-              </a:spcBef>
-              <a:buNone/>
-            </a:pPr>
-            <a:r>
-              <a:rPr lang="en-US" sz="2000" dirty="0">
-                <a:solidFill>
-                  <a:srgbClr val="38761D"/>
-                </a:solidFill>
-                <a:latin typeface="Calibri" panose="020F0502020204030204" pitchFamily="34" charset="0"/>
-                <a:cs typeface="Calibri" panose="020F0502020204030204" pitchFamily="34" charset="0"/>
-              </a:rPr>
-              <a:t>// Returns the DOM object for the HTML element</a:t>
+            <a:pPr>
+              <a:lnSpc>
+                <a:spcPct val="150000"/>
+              </a:lnSpc>
+              <a:spcBef>
+                <a:spcPts val="0"/>
+              </a:spcBef>
+            </a:pPr>
+            <a:r>
+              <a:rPr lang="en-US" sz="2000" dirty="0">
+                <a:solidFill>
+                  <a:srgbClr val="434343"/>
+                </a:solidFill>
+                <a:latin typeface="Calibri" panose="020F0502020204030204" pitchFamily="34" charset="0"/>
+                <a:cs typeface="Calibri" panose="020F0502020204030204" pitchFamily="34" charset="0"/>
+              </a:rPr>
+              <a:t>How does JavaScript perform a change to a DOM element?</a:t>
+            </a:r>
+          </a:p>
+          <a:p>
+            <a:pPr lvl="1">
+              <a:lnSpc>
+                <a:spcPct val="150000"/>
+              </a:lnSpc>
+              <a:spcBef>
+                <a:spcPts val="0"/>
+              </a:spcBef>
+            </a:pPr>
+            <a:r>
+              <a:rPr lang="en-US" sz="2000" dirty="0">
+                <a:solidFill>
+                  <a:srgbClr val="434343"/>
+                </a:solidFill>
+                <a:latin typeface="Calibri" panose="020F0502020204030204" pitchFamily="34" charset="0"/>
+                <a:cs typeface="Calibri" panose="020F0502020204030204" pitchFamily="34" charset="0"/>
+              </a:rPr>
+              <a:t>We know that the DOM is a tree of node objects </a:t>
+            </a:r>
+          </a:p>
+          <a:p>
+            <a:pPr lvl="1">
+              <a:lnSpc>
+                <a:spcPct val="150000"/>
+              </a:lnSpc>
+              <a:spcBef>
+                <a:spcPts val="0"/>
+              </a:spcBef>
+            </a:pPr>
+            <a:r>
+              <a:rPr lang="en-US" sz="2000" dirty="0">
+                <a:solidFill>
+                  <a:srgbClr val="434343"/>
+                </a:solidFill>
+                <a:latin typeface="Calibri" panose="020F0502020204030204" pitchFamily="34" charset="0"/>
+                <a:cs typeface="Calibri" panose="020F0502020204030204" pitchFamily="34" charset="0"/>
+              </a:rPr>
+              <a:t>Each Node object corresponds to the HTML elements on a page.</a:t>
             </a:r>
             <a:endParaRPr lang="en-US" sz="2000" dirty="0">
               <a:latin typeface="Calibri" panose="020F0502020204030204" pitchFamily="34" charset="0"/>
@@ -4246,298 +4439,132 @@
             </a:endParaRPr>
           </a:p>
           <a:p>
-            <a:pPr marL="0" indent="0">
-              <a:spcBef>
-                <a:spcPts val="0"/>
-              </a:spcBef>
-              <a:buNone/>
-            </a:pPr>
-            <a:r>
-              <a:rPr lang="en-US" sz="2000" dirty="0">
-                <a:solidFill>
-                  <a:srgbClr val="38761D"/>
-                </a:solidFill>
-                <a:latin typeface="Calibri" panose="020F0502020204030204" pitchFamily="34" charset="0"/>
-                <a:cs typeface="Calibri" panose="020F0502020204030204" pitchFamily="34" charset="0"/>
-              </a:rPr>
-              <a:t>// with id="button", or null if none exists.</a:t>
-            </a:r>
+            <a:pPr lvl="1" fontAlgn="base">
+              <a:lnSpc>
+                <a:spcPct val="150000"/>
+              </a:lnSpc>
+              <a:spcBef>
+                <a:spcPts val="1000"/>
+              </a:spcBef>
+            </a:pPr>
+            <a:r>
+              <a:rPr lang="en-US" sz="2000" dirty="0">
+                <a:solidFill>
+                  <a:srgbClr val="434343"/>
+                </a:solidFill>
+                <a:latin typeface="Calibri" panose="020F0502020204030204" pitchFamily="34" charset="0"/>
+                <a:cs typeface="Calibri" panose="020F0502020204030204" pitchFamily="34" charset="0"/>
+              </a:rPr>
+              <a:t>JS code can </a:t>
+            </a:r>
+            <a:r>
+              <a:rPr lang="en-US" sz="2000" b="1" dirty="0">
+                <a:solidFill>
+                  <a:srgbClr val="434343"/>
+                </a:solidFill>
+                <a:latin typeface="Calibri" panose="020F0502020204030204" pitchFamily="34" charset="0"/>
+                <a:cs typeface="Calibri" panose="020F0502020204030204" pitchFamily="34" charset="0"/>
+              </a:rPr>
+              <a:t>examine</a:t>
+            </a:r>
+            <a:r>
+              <a:rPr lang="en-US" sz="2000" dirty="0">
+                <a:solidFill>
+                  <a:srgbClr val="434343"/>
+                </a:solidFill>
+                <a:latin typeface="Calibri" panose="020F0502020204030204" pitchFamily="34" charset="0"/>
+                <a:cs typeface="Calibri" panose="020F0502020204030204" pitchFamily="34" charset="0"/>
+              </a:rPr>
+              <a:t> these nodes to see the state of an element</a:t>
+            </a:r>
+          </a:p>
+          <a:p>
+            <a:pPr lvl="2" fontAlgn="base">
+              <a:lnSpc>
+                <a:spcPct val="150000"/>
+              </a:lnSpc>
+              <a:spcBef>
+                <a:spcPts val="1000"/>
+              </a:spcBef>
+            </a:pPr>
+            <a:r>
+              <a:rPr lang="en-US" sz="2000" dirty="0">
+                <a:solidFill>
+                  <a:srgbClr val="434343"/>
+                </a:solidFill>
+                <a:latin typeface="Calibri" panose="020F0502020204030204" pitchFamily="34" charset="0"/>
+                <a:cs typeface="Calibri" panose="020F0502020204030204" pitchFamily="34" charset="0"/>
+              </a:rPr>
+              <a:t>(e.g. to get what the user typed in a text box)</a:t>
+            </a:r>
+          </a:p>
+          <a:p>
+            <a:pPr lvl="1" fontAlgn="base">
+              <a:lnSpc>
+                <a:spcPct val="150000"/>
+              </a:lnSpc>
+              <a:spcBef>
+                <a:spcPts val="1000"/>
+              </a:spcBef>
+            </a:pPr>
+            <a:r>
+              <a:rPr lang="en-US" sz="2000" dirty="0">
+                <a:solidFill>
+                  <a:srgbClr val="434343"/>
+                </a:solidFill>
+                <a:latin typeface="Calibri" panose="020F0502020204030204" pitchFamily="34" charset="0"/>
+                <a:cs typeface="Calibri" panose="020F0502020204030204" pitchFamily="34" charset="0"/>
+              </a:rPr>
+              <a:t>JS code can </a:t>
+            </a:r>
+            <a:r>
+              <a:rPr lang="en-US" sz="2000" b="1" dirty="0">
+                <a:solidFill>
+                  <a:srgbClr val="434343"/>
+                </a:solidFill>
+                <a:latin typeface="Calibri" panose="020F0502020204030204" pitchFamily="34" charset="0"/>
+                <a:cs typeface="Calibri" panose="020F0502020204030204" pitchFamily="34" charset="0"/>
+              </a:rPr>
+              <a:t>edit</a:t>
+            </a:r>
+            <a:r>
+              <a:rPr lang="en-US" sz="2000" dirty="0">
+                <a:solidFill>
+                  <a:srgbClr val="434343"/>
+                </a:solidFill>
+                <a:latin typeface="Calibri" panose="020F0502020204030204" pitchFamily="34" charset="0"/>
+                <a:cs typeface="Calibri" panose="020F0502020204030204" pitchFamily="34" charset="0"/>
+              </a:rPr>
+              <a:t> the attributes of these nodes to change the attributes of an element</a:t>
+            </a:r>
+          </a:p>
+          <a:p>
+            <a:pPr lvl="2" fontAlgn="base">
+              <a:lnSpc>
+                <a:spcPct val="150000"/>
+              </a:lnSpc>
+              <a:spcBef>
+                <a:spcPts val="1000"/>
+              </a:spcBef>
+            </a:pPr>
+            <a:r>
+              <a:rPr lang="en-US" sz="2000" dirty="0">
+                <a:solidFill>
+                  <a:srgbClr val="434343"/>
+                </a:solidFill>
+                <a:latin typeface="Calibri" panose="020F0502020204030204" pitchFamily="34" charset="0"/>
+                <a:cs typeface="Calibri" panose="020F0502020204030204" pitchFamily="34" charset="0"/>
+              </a:rPr>
+              <a:t>(e.g. to toggle a style or to change the contents of an &lt;h1&gt; tag)</a:t>
+            </a:r>
+          </a:p>
+          <a:p>
+            <a:pPr>
+              <a:lnSpc>
+                <a:spcPct val="150000"/>
+              </a:lnSpc>
+            </a:pPr>
             <a:endParaRPr lang="en-US" sz="2000" dirty="0">
-              <a:latin typeface="Calibri" panose="020F0502020204030204" pitchFamily="34" charset="0"/>
-              <a:cs typeface="Calibri" panose="020F0502020204030204" pitchFamily="34" charset="0"/>
-            </a:endParaRPr>
-          </a:p>
-          <a:p>
-            <a:pPr marL="0" indent="0">
-              <a:spcBef>
-                <a:spcPts val="0"/>
-              </a:spcBef>
-              <a:buNone/>
-            </a:pPr>
-            <a:r>
-              <a:rPr lang="en-US" sz="2000" dirty="0">
-                <a:solidFill>
-                  <a:srgbClr val="8959A8"/>
-                </a:solidFill>
-                <a:latin typeface="Calibri" panose="020F0502020204030204" pitchFamily="34" charset="0"/>
-                <a:ea typeface="Menlo"/>
-                <a:cs typeface="Calibri" panose="020F0502020204030204" pitchFamily="34" charset="0"/>
-              </a:rPr>
-              <a:t>let</a:t>
-            </a:r>
-            <a:r>
-              <a:rPr lang="en-US" sz="2000" dirty="0">
-                <a:solidFill>
-                  <a:srgbClr val="434343"/>
-                </a:solidFill>
-                <a:latin typeface="Calibri" panose="020F0502020204030204" pitchFamily="34" charset="0"/>
-                <a:cs typeface="Calibri" panose="020F0502020204030204" pitchFamily="34" charset="0"/>
-              </a:rPr>
-              <a:t> element = </a:t>
-            </a:r>
-            <a:r>
-              <a:rPr lang="en-US" sz="2000" dirty="0" err="1">
-                <a:solidFill>
-                  <a:srgbClr val="0000FF"/>
-                </a:solidFill>
-                <a:latin typeface="Calibri" panose="020F0502020204030204" pitchFamily="34" charset="0"/>
-                <a:cs typeface="Calibri" panose="020F0502020204030204" pitchFamily="34" charset="0"/>
-              </a:rPr>
-              <a:t>document.querySelector</a:t>
-            </a:r>
-            <a:r>
-              <a:rPr lang="en-US" sz="2000" dirty="0">
-                <a:solidFill>
-                  <a:schemeClr val="accent3">
-                    <a:lumMod val="50000"/>
-                  </a:schemeClr>
-                </a:solidFill>
-                <a:latin typeface="Calibri" panose="020F0502020204030204" pitchFamily="34" charset="0"/>
-                <a:cs typeface="Calibri" panose="020F0502020204030204" pitchFamily="34" charset="0"/>
-              </a:rPr>
-              <a:t>( </a:t>
-            </a:r>
-            <a:r>
-              <a:rPr lang="en-US" sz="2000" dirty="0">
-                <a:solidFill>
-                  <a:srgbClr val="FFC000"/>
-                </a:solidFill>
-                <a:latin typeface="Calibri" panose="020F0502020204030204" pitchFamily="34" charset="0"/>
-                <a:cs typeface="Calibri" panose="020F0502020204030204" pitchFamily="34" charset="0"/>
-              </a:rPr>
-              <a:t>‘#button’ </a:t>
-            </a:r>
-            <a:r>
-              <a:rPr lang="en-US" sz="2000" dirty="0">
-                <a:solidFill>
-                  <a:schemeClr val="accent3">
-                    <a:lumMod val="50000"/>
-                  </a:schemeClr>
-                </a:solidFill>
-                <a:latin typeface="Calibri" panose="020F0502020204030204" pitchFamily="34" charset="0"/>
-                <a:cs typeface="Calibri" panose="020F0502020204030204" pitchFamily="34" charset="0"/>
-              </a:rPr>
-              <a:t>);</a:t>
-            </a:r>
-          </a:p>
-          <a:p>
-            <a:pPr marL="0" indent="0">
-              <a:spcBef>
-                <a:spcPts val="0"/>
-              </a:spcBef>
-              <a:buNone/>
-            </a:pPr>
-            <a:br>
-              <a:rPr lang="en-US" sz="2000" dirty="0">
-                <a:latin typeface="Calibri" panose="020F0502020204030204" pitchFamily="34" charset="0"/>
-                <a:cs typeface="Calibri" panose="020F0502020204030204" pitchFamily="34" charset="0"/>
-              </a:rPr>
-            </a:br>
-            <a:br>
-              <a:rPr lang="en-US" sz="2000" dirty="0">
-                <a:latin typeface="Calibri" panose="020F0502020204030204" pitchFamily="34" charset="0"/>
-                <a:cs typeface="Calibri" panose="020F0502020204030204" pitchFamily="34" charset="0"/>
-              </a:rPr>
-            </a:br>
-            <a:r>
-              <a:rPr lang="en-US" sz="2000" dirty="0">
-                <a:solidFill>
-                  <a:srgbClr val="38761D"/>
-                </a:solidFill>
-                <a:latin typeface="Calibri" panose="020F0502020204030204" pitchFamily="34" charset="0"/>
-                <a:cs typeface="Calibri" panose="020F0502020204030204" pitchFamily="34" charset="0"/>
-              </a:rPr>
-              <a:t>// Returns a list of DOM objects containing all </a:t>
-            </a:r>
-            <a:endParaRPr lang="en-US" sz="2000" dirty="0">
-              <a:latin typeface="Calibri" panose="020F0502020204030204" pitchFamily="34" charset="0"/>
-              <a:cs typeface="Calibri" panose="020F0502020204030204" pitchFamily="34" charset="0"/>
-            </a:endParaRPr>
-          </a:p>
-          <a:p>
-            <a:pPr marL="0" indent="0">
-              <a:spcBef>
-                <a:spcPts val="0"/>
-              </a:spcBef>
-              <a:buNone/>
-            </a:pPr>
-            <a:r>
-              <a:rPr lang="en-US" sz="2000" dirty="0">
-                <a:solidFill>
-                  <a:srgbClr val="38761D"/>
-                </a:solidFill>
-                <a:latin typeface="Calibri" panose="020F0502020204030204" pitchFamily="34" charset="0"/>
-                <a:cs typeface="Calibri" panose="020F0502020204030204" pitchFamily="34" charset="0"/>
-              </a:rPr>
-              <a:t>// elements that have a "quote" class AND all</a:t>
-            </a:r>
-            <a:endParaRPr lang="en-US" sz="2000" dirty="0">
-              <a:latin typeface="Calibri" panose="020F0502020204030204" pitchFamily="34" charset="0"/>
-              <a:cs typeface="Calibri" panose="020F0502020204030204" pitchFamily="34" charset="0"/>
-            </a:endParaRPr>
-          </a:p>
-          <a:p>
-            <a:pPr marL="0" indent="0">
-              <a:spcBef>
-                <a:spcPts val="0"/>
-              </a:spcBef>
-              <a:buNone/>
-            </a:pPr>
-            <a:r>
-              <a:rPr lang="en-US" sz="2000" dirty="0">
-                <a:solidFill>
-                  <a:srgbClr val="38761D"/>
-                </a:solidFill>
-                <a:latin typeface="Calibri" panose="020F0502020204030204" pitchFamily="34" charset="0"/>
-                <a:cs typeface="Calibri" panose="020F0502020204030204" pitchFamily="34" charset="0"/>
-              </a:rPr>
-              <a:t>// elements that have a "comment" class.</a:t>
-            </a:r>
-            <a:endParaRPr lang="en-US" sz="2000" dirty="0">
-              <a:latin typeface="Calibri" panose="020F0502020204030204" pitchFamily="34" charset="0"/>
-              <a:cs typeface="Calibri" panose="020F0502020204030204" pitchFamily="34" charset="0"/>
-            </a:endParaRPr>
-          </a:p>
-          <a:p>
-            <a:pPr marL="0" indent="0">
-              <a:spcBef>
-                <a:spcPts val="0"/>
-              </a:spcBef>
-              <a:buNone/>
-            </a:pPr>
-            <a:r>
-              <a:rPr lang="en-US" sz="2000" dirty="0">
-                <a:solidFill>
-                  <a:srgbClr val="8959A8"/>
-                </a:solidFill>
-                <a:latin typeface="Calibri" panose="020F0502020204030204" pitchFamily="34" charset="0"/>
-                <a:ea typeface="Menlo"/>
-                <a:cs typeface="Calibri" panose="020F0502020204030204" pitchFamily="34" charset="0"/>
-              </a:rPr>
-              <a:t>let</a:t>
-            </a:r>
-            <a:r>
-              <a:rPr lang="en-US" sz="2000" dirty="0">
-                <a:solidFill>
-                  <a:srgbClr val="434343"/>
-                </a:solidFill>
-                <a:latin typeface="Calibri" panose="020F0502020204030204" pitchFamily="34" charset="0"/>
-                <a:cs typeface="Calibri" panose="020F0502020204030204" pitchFamily="34" charset="0"/>
-              </a:rPr>
-              <a:t> </a:t>
-            </a:r>
-            <a:r>
-              <a:rPr lang="en-US" sz="2000" dirty="0" err="1">
-                <a:solidFill>
-                  <a:srgbClr val="434343"/>
-                </a:solidFill>
-                <a:latin typeface="Calibri" panose="020F0502020204030204" pitchFamily="34" charset="0"/>
-                <a:cs typeface="Calibri" panose="020F0502020204030204" pitchFamily="34" charset="0"/>
-              </a:rPr>
-              <a:t>elementList</a:t>
-            </a:r>
-            <a:r>
-              <a:rPr lang="en-US" sz="2000" dirty="0">
-                <a:solidFill>
-                  <a:srgbClr val="434343"/>
-                </a:solidFill>
-                <a:latin typeface="Calibri" panose="020F0502020204030204" pitchFamily="34" charset="0"/>
-                <a:cs typeface="Calibri" panose="020F0502020204030204" pitchFamily="34" charset="0"/>
-              </a:rPr>
-              <a:t> </a:t>
-            </a:r>
-            <a:r>
-              <a:rPr lang="en-US" sz="2000" dirty="0">
-                <a:solidFill>
-                  <a:srgbClr val="0000FF"/>
-                </a:solidFill>
-                <a:latin typeface="Calibri" panose="020F0502020204030204" pitchFamily="34" charset="0"/>
-                <a:cs typeface="Calibri" panose="020F0502020204030204" pitchFamily="34" charset="0"/>
-              </a:rPr>
-              <a:t>=  </a:t>
-            </a:r>
-            <a:r>
-              <a:rPr lang="en-US" sz="2000" dirty="0" err="1">
-                <a:solidFill>
-                  <a:srgbClr val="0000FF"/>
-                </a:solidFill>
-                <a:latin typeface="Calibri" panose="020F0502020204030204" pitchFamily="34" charset="0"/>
-                <a:cs typeface="Calibri" panose="020F0502020204030204" pitchFamily="34" charset="0"/>
-              </a:rPr>
-              <a:t>document.querySelectorAll</a:t>
-            </a:r>
-            <a:r>
-              <a:rPr lang="en-US" sz="2000" dirty="0">
-                <a:solidFill>
-                  <a:srgbClr val="434343"/>
-                </a:solidFill>
-                <a:latin typeface="Calibri" panose="020F0502020204030204" pitchFamily="34" charset="0"/>
-                <a:cs typeface="Calibri" panose="020F0502020204030204" pitchFamily="34" charset="0"/>
-              </a:rPr>
-              <a:t>( </a:t>
-            </a:r>
-            <a:r>
-              <a:rPr lang="en-US" sz="2000" dirty="0">
-                <a:solidFill>
-                  <a:srgbClr val="FFC000"/>
-                </a:solidFill>
-                <a:latin typeface="Calibri" panose="020F0502020204030204" pitchFamily="34" charset="0"/>
-                <a:cs typeface="Calibri" panose="020F0502020204030204" pitchFamily="34" charset="0"/>
-              </a:rPr>
-              <a:t>'.quote, .comment’ </a:t>
-            </a:r>
-            <a:r>
-              <a:rPr lang="en-US" sz="2000" dirty="0">
-                <a:solidFill>
-                  <a:srgbClr val="434343"/>
-                </a:solidFill>
-                <a:latin typeface="Calibri" panose="020F0502020204030204" pitchFamily="34" charset="0"/>
-                <a:cs typeface="Calibri" panose="020F0502020204030204" pitchFamily="34" charset="0"/>
-              </a:rPr>
-              <a:t>);</a:t>
-            </a:r>
-            <a:br>
-              <a:rPr lang="en-US" sz="2000" dirty="0">
-                <a:latin typeface="Calibri" panose="020F0502020204030204" pitchFamily="34" charset="0"/>
-                <a:cs typeface="Calibri" panose="020F0502020204030204" pitchFamily="34" charset="0"/>
-              </a:rPr>
-            </a:br>
-            <a:br>
-              <a:rPr lang="en-US" sz="2000" dirty="0">
-                <a:latin typeface="Calibri" panose="020F0502020204030204" pitchFamily="34" charset="0"/>
-                <a:cs typeface="Calibri" panose="020F0502020204030204" pitchFamily="34" charset="0"/>
-              </a:rPr>
-            </a:br>
-            <a:br>
-              <a:rPr lang="en-US" sz="2000" dirty="0">
-                <a:latin typeface="Calibri" panose="020F0502020204030204" pitchFamily="34" charset="0"/>
-                <a:cs typeface="Calibri" panose="020F0502020204030204" pitchFamily="34" charset="0"/>
-              </a:rPr>
-            </a:br>
-            <a:endParaRPr lang="en-US" sz="2000" dirty="0">
-              <a:solidFill>
-                <a:srgbClr val="434343"/>
-              </a:solidFill>
               <a:latin typeface="Calibri" panose="020F0502020204030204" pitchFamily="34" charset="0"/>
               <a:cs typeface="Calibri" panose="020F0502020204030204" pitchFamily="34" charset="0"/>
             </a:endParaRPr>
@@ -4547,7 +4574,7 @@
     </p:spTree>
     <p:extLst>
       <p:ext uri="{BB962C8B-B14F-4D97-AF65-F5344CB8AC3E}">
-        <p14:creationId xmlns:p14="http://schemas.microsoft.com/office/powerpoint/2010/main" val="624604603"/>
+        <p14:creationId xmlns:p14="http://schemas.microsoft.com/office/powerpoint/2010/main" val="3392186395"/>
       </p:ext>
     </p:extLst>
   </p:cSld>
@@ -4603,7 +4630,7 @@
                 <a:latin typeface="Calibri" panose="020F0502020204030204" pitchFamily="34" charset="0"/>
                 <a:cs typeface="Calibri" panose="020F0502020204030204" pitchFamily="34" charset="0"/>
               </a:rPr>
-              <a:t>JavaScript</a:t>
+              <a:t>Document Object Model (DOM)……</a:t>
             </a:r>
             <a:endParaRPr lang="en-US" sz="4000" dirty="0"/>
           </a:p>
@@ -4648,7 +4675,231 @@
                 <a:latin typeface="Calibri" panose="020F0502020204030204" pitchFamily="34" charset="0"/>
                 <a:cs typeface="Calibri" panose="020F0502020204030204" pitchFamily="34" charset="0"/>
               </a:rPr>
-              <a:t>JavaScript is an interpreted programming language. </a:t>
+              <a:t>How does JavaScript perform a change to a DOM element?</a:t>
+            </a:r>
+          </a:p>
+          <a:p>
+            <a:pPr lvl="1">
+              <a:lnSpc>
+                <a:spcPct val="150000"/>
+              </a:lnSpc>
+              <a:spcBef>
+                <a:spcPts val="0"/>
+              </a:spcBef>
+            </a:pPr>
+            <a:r>
+              <a:rPr lang="en-US" sz="2000" dirty="0">
+                <a:solidFill>
+                  <a:srgbClr val="434343"/>
+                </a:solidFill>
+                <a:latin typeface="Calibri" panose="020F0502020204030204" pitchFamily="34" charset="0"/>
+                <a:cs typeface="Calibri" panose="020F0502020204030204" pitchFamily="34" charset="0"/>
+              </a:rPr>
+              <a:t>We know that the DOM is a tree of node objects </a:t>
+            </a:r>
+          </a:p>
+          <a:p>
+            <a:pPr lvl="1">
+              <a:lnSpc>
+                <a:spcPct val="150000"/>
+              </a:lnSpc>
+              <a:spcBef>
+                <a:spcPts val="0"/>
+              </a:spcBef>
+            </a:pPr>
+            <a:r>
+              <a:rPr lang="en-US" sz="2000" dirty="0">
+                <a:solidFill>
+                  <a:srgbClr val="434343"/>
+                </a:solidFill>
+                <a:latin typeface="Calibri" panose="020F0502020204030204" pitchFamily="34" charset="0"/>
+                <a:cs typeface="Calibri" panose="020F0502020204030204" pitchFamily="34" charset="0"/>
+              </a:rPr>
+              <a:t>Each Node object corresponds to the HTML elements on a page.</a:t>
+            </a:r>
+            <a:endParaRPr lang="en-US" sz="2000" dirty="0">
+              <a:latin typeface="Calibri" panose="020F0502020204030204" pitchFamily="34" charset="0"/>
+              <a:cs typeface="Calibri" panose="020F0502020204030204" pitchFamily="34" charset="0"/>
+            </a:endParaRPr>
+          </a:p>
+          <a:p>
+            <a:pPr lvl="1" fontAlgn="base">
+              <a:lnSpc>
+                <a:spcPct val="150000"/>
+              </a:lnSpc>
+              <a:spcBef>
+                <a:spcPts val="1000"/>
+              </a:spcBef>
+            </a:pPr>
+            <a:r>
+              <a:rPr lang="en-US" sz="2000" dirty="0">
+                <a:solidFill>
+                  <a:srgbClr val="434343"/>
+                </a:solidFill>
+                <a:latin typeface="Calibri" panose="020F0502020204030204" pitchFamily="34" charset="0"/>
+                <a:cs typeface="Calibri" panose="020F0502020204030204" pitchFamily="34" charset="0"/>
+              </a:rPr>
+              <a:t>JS code can </a:t>
+            </a:r>
+            <a:r>
+              <a:rPr lang="en-US" sz="2000" b="1" dirty="0">
+                <a:solidFill>
+                  <a:srgbClr val="434343"/>
+                </a:solidFill>
+                <a:latin typeface="Calibri" panose="020F0502020204030204" pitchFamily="34" charset="0"/>
+                <a:cs typeface="Calibri" panose="020F0502020204030204" pitchFamily="34" charset="0"/>
+              </a:rPr>
+              <a:t>examine</a:t>
+            </a:r>
+            <a:r>
+              <a:rPr lang="en-US" sz="2000" dirty="0">
+                <a:solidFill>
+                  <a:srgbClr val="434343"/>
+                </a:solidFill>
+                <a:latin typeface="Calibri" panose="020F0502020204030204" pitchFamily="34" charset="0"/>
+                <a:cs typeface="Calibri" panose="020F0502020204030204" pitchFamily="34" charset="0"/>
+              </a:rPr>
+              <a:t> these nodes to see the state of an element</a:t>
+            </a:r>
+          </a:p>
+          <a:p>
+            <a:pPr lvl="2" fontAlgn="base">
+              <a:lnSpc>
+                <a:spcPct val="150000"/>
+              </a:lnSpc>
+              <a:spcBef>
+                <a:spcPts val="1000"/>
+              </a:spcBef>
+            </a:pPr>
+            <a:r>
+              <a:rPr lang="en-US" sz="2000" dirty="0">
+                <a:solidFill>
+                  <a:srgbClr val="434343"/>
+                </a:solidFill>
+                <a:latin typeface="Calibri" panose="020F0502020204030204" pitchFamily="34" charset="0"/>
+                <a:cs typeface="Calibri" panose="020F0502020204030204" pitchFamily="34" charset="0"/>
+              </a:rPr>
+              <a:t>(e.g. to get what the user typed in a text box)</a:t>
+            </a:r>
+          </a:p>
+          <a:p>
+            <a:pPr lvl="1" fontAlgn="base">
+              <a:lnSpc>
+                <a:spcPct val="150000"/>
+              </a:lnSpc>
+              <a:spcBef>
+                <a:spcPts val="1000"/>
+              </a:spcBef>
+            </a:pPr>
+            <a:r>
+              <a:rPr lang="en-US" sz="2000" dirty="0">
+                <a:solidFill>
+                  <a:srgbClr val="434343"/>
+                </a:solidFill>
+                <a:latin typeface="Calibri" panose="020F0502020204030204" pitchFamily="34" charset="0"/>
+                <a:cs typeface="Calibri" panose="020F0502020204030204" pitchFamily="34" charset="0"/>
+              </a:rPr>
+              <a:t>JS code can </a:t>
+            </a:r>
+            <a:r>
+              <a:rPr lang="en-US" sz="2000" b="1" dirty="0">
+                <a:solidFill>
+                  <a:srgbClr val="434343"/>
+                </a:solidFill>
+                <a:latin typeface="Calibri" panose="020F0502020204030204" pitchFamily="34" charset="0"/>
+                <a:cs typeface="Calibri" panose="020F0502020204030204" pitchFamily="34" charset="0"/>
+              </a:rPr>
+              <a:t>edit</a:t>
+            </a:r>
+            <a:r>
+              <a:rPr lang="en-US" sz="2000" dirty="0">
+                <a:solidFill>
+                  <a:srgbClr val="434343"/>
+                </a:solidFill>
+                <a:latin typeface="Calibri" panose="020F0502020204030204" pitchFamily="34" charset="0"/>
+                <a:cs typeface="Calibri" panose="020F0502020204030204" pitchFamily="34" charset="0"/>
+              </a:rPr>
+              <a:t> the attributes of these nodes to change the attributes of an element</a:t>
+            </a:r>
+          </a:p>
+          <a:p>
+            <a:pPr lvl="2" fontAlgn="base">
+              <a:lnSpc>
+                <a:spcPct val="150000"/>
+              </a:lnSpc>
+              <a:spcBef>
+                <a:spcPts val="1000"/>
+              </a:spcBef>
+            </a:pPr>
+            <a:r>
+              <a:rPr lang="en-US" sz="2000" dirty="0">
+                <a:solidFill>
+                  <a:srgbClr val="434343"/>
+                </a:solidFill>
+                <a:latin typeface="Calibri" panose="020F0502020204030204" pitchFamily="34" charset="0"/>
+                <a:cs typeface="Calibri" panose="020F0502020204030204" pitchFamily="34" charset="0"/>
+              </a:rPr>
+              <a:t>(e.g. to toggle a style or to change the contents of an &lt;h1&gt; tag)</a:t>
+            </a:r>
+          </a:p>
+          <a:p>
+            <a:pPr lvl="1" fontAlgn="base">
+              <a:lnSpc>
+                <a:spcPct val="150000"/>
+              </a:lnSpc>
+              <a:spcBef>
+                <a:spcPts val="1000"/>
+              </a:spcBef>
+            </a:pPr>
+            <a:r>
+              <a:rPr lang="en-US" sz="2000" dirty="0">
+                <a:solidFill>
+                  <a:srgbClr val="434343"/>
+                </a:solidFill>
+                <a:latin typeface="Calibri" panose="020F0502020204030204" pitchFamily="34" charset="0"/>
+                <a:cs typeface="Calibri" panose="020F0502020204030204" pitchFamily="34" charset="0"/>
+              </a:rPr>
+              <a:t>JS code can </a:t>
+            </a:r>
+            <a:r>
+              <a:rPr lang="en-US" sz="2000" b="1" dirty="0">
+                <a:solidFill>
+                  <a:srgbClr val="434343"/>
+                </a:solidFill>
+                <a:latin typeface="Calibri" panose="020F0502020204030204" pitchFamily="34" charset="0"/>
+                <a:cs typeface="Calibri" panose="020F0502020204030204" pitchFamily="34" charset="0"/>
+              </a:rPr>
+              <a:t>add elements</a:t>
+            </a:r>
+            <a:r>
+              <a:rPr lang="en-US" sz="2000" dirty="0">
+                <a:solidFill>
+                  <a:srgbClr val="434343"/>
+                </a:solidFill>
+                <a:latin typeface="Calibri" panose="020F0502020204030204" pitchFamily="34" charset="0"/>
+                <a:cs typeface="Calibri" panose="020F0502020204030204" pitchFamily="34" charset="0"/>
+              </a:rPr>
+              <a:t> to and </a:t>
+            </a:r>
+            <a:r>
+              <a:rPr lang="en-US" sz="2000" b="1" dirty="0">
+                <a:solidFill>
+                  <a:srgbClr val="434343"/>
+                </a:solidFill>
+                <a:latin typeface="Calibri" panose="020F0502020204030204" pitchFamily="34" charset="0"/>
+                <a:cs typeface="Calibri" panose="020F0502020204030204" pitchFamily="34" charset="0"/>
+              </a:rPr>
+              <a:t>remove elements</a:t>
+            </a:r>
+            <a:r>
+              <a:rPr lang="en-US" sz="2000" dirty="0">
+                <a:solidFill>
+                  <a:srgbClr val="434343"/>
+                </a:solidFill>
+                <a:latin typeface="Calibri" panose="020F0502020204030204" pitchFamily="34" charset="0"/>
+                <a:cs typeface="Calibri" panose="020F0502020204030204" pitchFamily="34" charset="0"/>
+              </a:rPr>
+              <a:t> from a web page by adding and removing nodes from the DOM</a:t>
             </a:r>
           </a:p>
           <a:p>
@@ -4656,10 +4907,163 @@
               <a:lnSpc>
                 <a:spcPct val="150000"/>
               </a:lnSpc>
-              <a:spcBef>
-                <a:spcPts val="0"/>
-              </a:spcBef>
-            </a:pPr>
+            </a:pPr>
+            <a:endParaRPr lang="en-US" sz="2000" dirty="0">
+              <a:latin typeface="Calibri" panose="020F0502020204030204" pitchFamily="34" charset="0"/>
+              <a:cs typeface="Calibri" panose="020F0502020204030204" pitchFamily="34" charset="0"/>
+            </a:endParaRPr>
+          </a:p>
+        </p:txBody>
+      </p:sp>
+    </p:spTree>
+    <p:extLst>
+      <p:ext uri="{BB962C8B-B14F-4D97-AF65-F5344CB8AC3E}">
+        <p14:creationId xmlns:p14="http://schemas.microsoft.com/office/powerpoint/2010/main" val="1707334250"/>
+      </p:ext>
+    </p:extLst>
+  </p:cSld>
+  <p:clrMapOvr>
+    <a:masterClrMapping/>
+  </p:clrMapOvr>
+  <p:transition spd="med"/>
+</p:sld>
+</file>
+
+<file path=ppt/slides/slide15.xml><?xml version="1.0" encoding="utf-8"?>
+<p:sld xmlns:a="http://schemas.openxmlformats.org/drawingml/2006/main" xmlns:r="http://schemas.openxmlformats.org/officeDocument/2006/relationships" xmlns:p="http://schemas.openxmlformats.org/presentationml/2006/main">
+  <p:cSld>
+    <p:spTree>
+      <p:nvGrpSpPr>
+        <p:cNvPr id="1" name=""/>
+        <p:cNvGrpSpPr/>
+        <p:nvPr/>
+      </p:nvGrpSpPr>
+      <p:grpSpPr>
+        <a:xfrm>
+          <a:off x="0" y="0"/>
+          <a:ext cx="0" cy="0"/>
+          <a:chOff x="0" y="0"/>
+          <a:chExt cx="0" cy="0"/>
+        </a:xfrm>
+      </p:grpSpPr>
+      <p:sp>
+        <p:nvSpPr>
+          <p:cNvPr id="5" name="Title 4">
+            <a:extLst>
+              <a:ext uri="{FF2B5EF4-FFF2-40B4-BE49-F238E27FC236}">
+                <a16:creationId xmlns:a16="http://schemas.microsoft.com/office/drawing/2014/main" id="{B5B47666-51E4-6F4E-8E54-4C44DA8215C4}"/>
+              </a:ext>
+            </a:extLst>
+          </p:cNvPr>
+          <p:cNvSpPr>
+            <a:spLocks noGrp="1"/>
+          </p:cNvSpPr>
+          <p:nvPr>
+            <p:ph type="title"/>
+          </p:nvPr>
+        </p:nvSpPr>
+        <p:spPr/>
+        <p:txBody>
+          <a:bodyPr>
+            <a:normAutofit/>
+          </a:bodyPr>
+          <a:lstStyle/>
+          <a:p>
+            <a:r>
+              <a:rPr lang="en-US" sz="4000" dirty="0">
+                <a:latin typeface="Calibri" panose="020F0502020204030204" pitchFamily="34" charset="0"/>
+                <a:cs typeface="Calibri" panose="020F0502020204030204" pitchFamily="34" charset="0"/>
+              </a:rPr>
+              <a:t>Document Object Model (DOM)……</a:t>
+            </a:r>
+            <a:endParaRPr lang="en-US" sz="4000" dirty="0"/>
+          </a:p>
+        </p:txBody>
+      </p:sp>
+      <p:sp>
+        <p:nvSpPr>
+          <p:cNvPr id="6" name="Text Placeholder 5">
+            <a:extLst>
+              <a:ext uri="{FF2B5EF4-FFF2-40B4-BE49-F238E27FC236}">
+                <a16:creationId xmlns:a16="http://schemas.microsoft.com/office/drawing/2014/main" id="{810C8F93-16F5-AA46-88E2-15A98C7B6706}"/>
+              </a:ext>
+            </a:extLst>
+          </p:cNvPr>
+          <p:cNvSpPr>
+            <a:spLocks noGrp="1"/>
+          </p:cNvSpPr>
+          <p:nvPr>
+            <p:ph type="body" idx="1"/>
+          </p:nvPr>
+        </p:nvSpPr>
+        <p:spPr/>
+        <p:txBody>
+          <a:bodyPr anchor="t">
+            <a:normAutofit/>
+          </a:bodyPr>
+          <a:lstStyle/>
+          <a:p>
+            <a:pPr marL="0" indent="0">
+              <a:spcBef>
+                <a:spcPts val="0"/>
+              </a:spcBef>
+              <a:buNone/>
+            </a:pPr>
+            <a:r>
+              <a:rPr lang="en-US" sz="2000" dirty="0">
+                <a:solidFill>
+                  <a:srgbClr val="38761D"/>
+                </a:solidFill>
+                <a:latin typeface="Calibri" panose="020F0502020204030204" pitchFamily="34" charset="0"/>
+                <a:cs typeface="Calibri" panose="020F0502020204030204" pitchFamily="34" charset="0"/>
+              </a:rPr>
+              <a:t>// Returns the DOM object for the HTML element</a:t>
+            </a:r>
+            <a:endParaRPr lang="en-US" sz="2000" dirty="0">
+              <a:latin typeface="Calibri" panose="020F0502020204030204" pitchFamily="34" charset="0"/>
+              <a:cs typeface="Calibri" panose="020F0502020204030204" pitchFamily="34" charset="0"/>
+            </a:endParaRPr>
+          </a:p>
+          <a:p>
+            <a:pPr marL="0" indent="0">
+              <a:spcBef>
+                <a:spcPts val="0"/>
+              </a:spcBef>
+              <a:buNone/>
+            </a:pPr>
+            <a:r>
+              <a:rPr lang="en-US" sz="2000" dirty="0">
+                <a:solidFill>
+                  <a:srgbClr val="38761D"/>
+                </a:solidFill>
+                <a:latin typeface="Calibri" panose="020F0502020204030204" pitchFamily="34" charset="0"/>
+                <a:cs typeface="Calibri" panose="020F0502020204030204" pitchFamily="34" charset="0"/>
+              </a:rPr>
+              <a:t>// with id="button", or null if none exists.</a:t>
+            </a:r>
+            <a:endParaRPr lang="en-US" sz="2000" dirty="0">
+              <a:latin typeface="Calibri" panose="020F0502020204030204" pitchFamily="34" charset="0"/>
+              <a:cs typeface="Calibri" panose="020F0502020204030204" pitchFamily="34" charset="0"/>
+            </a:endParaRPr>
+          </a:p>
+          <a:p>
+            <a:pPr marL="0" indent="0">
+              <a:spcBef>
+                <a:spcPts val="0"/>
+              </a:spcBef>
+              <a:buNone/>
+            </a:pPr>
+            <a:r>
+              <a:rPr lang="en-US" sz="2000" dirty="0">
+                <a:solidFill>
+                  <a:srgbClr val="8959A8"/>
+                </a:solidFill>
+                <a:latin typeface="Calibri" panose="020F0502020204030204" pitchFamily="34" charset="0"/>
+                <a:ea typeface="Menlo"/>
+                <a:cs typeface="Calibri" panose="020F0502020204030204" pitchFamily="34" charset="0"/>
+              </a:rPr>
+              <a:t>let</a:t>
+            </a:r>
             <a:r>
               <a:rPr lang="en-US" sz="2000" dirty="0">
                 <a:solidFill>
@@ -4668,39 +5072,18 @@
                 <a:latin typeface="Calibri" panose="020F0502020204030204" pitchFamily="34" charset="0"/>
                 <a:cs typeface="Calibri" panose="020F0502020204030204" pitchFamily="34" charset="0"/>
               </a:rPr>
-              <a:t>It is also dynamically typed</a:t>
-            </a:r>
-          </a:p>
-          <a:p>
-            <a:pPr lvl="1">
-              <a:lnSpc>
-                <a:spcPct val="150000"/>
-              </a:lnSpc>
-              <a:spcBef>
-                <a:spcPts val="0"/>
-              </a:spcBef>
-            </a:pPr>
-            <a:r>
-              <a:rPr lang="en-US" sz="2000" dirty="0">
-                <a:solidFill>
-                  <a:srgbClr val="434343"/>
-                </a:solidFill>
-                <a:latin typeface="Calibri" panose="020F0502020204030204" pitchFamily="34" charset="0"/>
-                <a:cs typeface="Calibri" panose="020F0502020204030204" pitchFamily="34" charset="0"/>
-              </a:rPr>
-              <a:t>Type modification happens at runtime</a:t>
-            </a:r>
-          </a:p>
-          <a:p>
-            <a:pPr marL="0" indent="0">
-              <a:lnSpc>
-                <a:spcPct val="150000"/>
-              </a:lnSpc>
-              <a:spcBef>
-                <a:spcPts val="0"/>
-              </a:spcBef>
-              <a:buNone/>
-            </a:pPr>
+              <a:t> element = </a:t>
+            </a:r>
+            <a:r>
+              <a:rPr lang="en-US" sz="2000" dirty="0" err="1">
+                <a:solidFill>
+                  <a:srgbClr val="0000FF"/>
+                </a:solidFill>
+                <a:latin typeface="Calibri" panose="020F0502020204030204" pitchFamily="34" charset="0"/>
+                <a:cs typeface="Calibri" panose="020F0502020204030204" pitchFamily="34" charset="0"/>
+              </a:rPr>
+              <a:t>document.querySelector</a:t>
+            </a:r>
             <a:r>
               <a:rPr lang="en-US" sz="2000" dirty="0">
                 <a:solidFill>
@@ -4711,50 +5094,18 @@
                 <a:latin typeface="Calibri" panose="020F0502020204030204" pitchFamily="34" charset="0"/>
                 <a:cs typeface="Calibri" panose="020F0502020204030204" pitchFamily="34" charset="0"/>
               </a:rPr>
-              <a:t>// Type of x is integer</a:t>
-            </a:r>
-          </a:p>
-          <a:p>
-            <a:pPr marL="0" indent="0">
-              <a:lnSpc>
-                <a:spcPct val="150000"/>
-              </a:lnSpc>
-              <a:spcBef>
-                <a:spcPts val="0"/>
-              </a:spcBef>
-              <a:buNone/>
-            </a:pPr>
-            <a:r>
-              <a:rPr lang="en-US" sz="2000" dirty="0" err="1">
-                <a:solidFill>
-                  <a:srgbClr val="7030A0"/>
-                </a:solidFill>
-                <a:latin typeface="Calibri" panose="020F0502020204030204" pitchFamily="34" charset="0"/>
-                <a:cs typeface="Calibri" panose="020F0502020204030204" pitchFamily="34" charset="0"/>
-              </a:rPr>
-              <a:t>var</a:t>
-            </a:r>
-            <a:r>
-              <a:rPr lang="en-US" sz="2000" dirty="0">
-                <a:solidFill>
-                  <a:srgbClr val="434343"/>
-                </a:solidFill>
-                <a:latin typeface="Calibri" panose="020F0502020204030204" pitchFamily="34" charset="0"/>
-                <a:cs typeface="Calibri" panose="020F0502020204030204" pitchFamily="34" charset="0"/>
-              </a:rPr>
-              <a:t> foo = 123;</a:t>
-            </a:r>
-          </a:p>
-          <a:p>
-            <a:pPr marL="0" indent="0">
-              <a:lnSpc>
-                <a:spcPct val="150000"/>
-              </a:lnSpc>
-              <a:spcBef>
-                <a:spcPts val="0"/>
-              </a:spcBef>
-              <a:buNone/>
-            </a:pPr>
+              <a:t>( </a:t>
+            </a:r>
+            <a:r>
+              <a:rPr lang="en-US" sz="2000" dirty="0">
+                <a:solidFill>
+                  <a:srgbClr val="FFC000"/>
+                </a:solidFill>
+                <a:latin typeface="Calibri" panose="020F0502020204030204" pitchFamily="34" charset="0"/>
+                <a:cs typeface="Calibri" panose="020F0502020204030204" pitchFamily="34" charset="0"/>
+              </a:rPr>
+              <a:t>‘#button’ </a:t>
+            </a:r>
             <a:r>
               <a:rPr lang="en-US" sz="2000" dirty="0">
                 <a:solidFill>
@@ -4765,6 +5116,921 @@
                 <a:latin typeface="Calibri" panose="020F0502020204030204" pitchFamily="34" charset="0"/>
                 <a:cs typeface="Calibri" panose="020F0502020204030204" pitchFamily="34" charset="0"/>
               </a:rPr>
+              <a:t>);</a:t>
+            </a:r>
+          </a:p>
+          <a:p>
+            <a:pPr marL="0" indent="0">
+              <a:spcBef>
+                <a:spcPts val="0"/>
+              </a:spcBef>
+              <a:buNone/>
+            </a:pPr>
+            <a:endParaRPr lang="en-US" sz="2000" dirty="0">
+              <a:solidFill>
+                <a:schemeClr val="accent3">
+                  <a:lumMod val="50000"/>
+                </a:schemeClr>
+              </a:solidFill>
+              <a:latin typeface="Calibri" panose="020F0502020204030204" pitchFamily="34" charset="0"/>
+              <a:cs typeface="Calibri" panose="020F0502020204030204" pitchFamily="34" charset="0"/>
+            </a:endParaRPr>
+          </a:p>
+          <a:p>
+            <a:pPr marL="0" indent="0">
+              <a:spcBef>
+                <a:spcPts val="0"/>
+              </a:spcBef>
+              <a:buNone/>
+            </a:pPr>
+            <a:r>
+              <a:rPr lang="en-US" sz="2000" dirty="0">
+                <a:solidFill>
+                  <a:srgbClr val="7030A0"/>
+                </a:solidFill>
+                <a:latin typeface="Calibri" panose="020F0502020204030204" pitchFamily="34" charset="0"/>
+                <a:cs typeface="Calibri" panose="020F0502020204030204" pitchFamily="34" charset="0"/>
+              </a:rPr>
+              <a:t>&lt;button id= </a:t>
+            </a:r>
+            <a:r>
+              <a:rPr lang="en-US" sz="2000" dirty="0">
+                <a:solidFill>
+                  <a:srgbClr val="FFC000"/>
+                </a:solidFill>
+                <a:latin typeface="Calibri" panose="020F0502020204030204" pitchFamily="34" charset="0"/>
+                <a:cs typeface="Calibri" panose="020F0502020204030204" pitchFamily="34" charset="0"/>
+              </a:rPr>
+              <a:t>“button”</a:t>
+            </a:r>
+            <a:r>
+              <a:rPr lang="en-US" sz="2000" dirty="0">
+                <a:solidFill>
+                  <a:srgbClr val="7030A0"/>
+                </a:solidFill>
+                <a:latin typeface="Calibri" panose="020F0502020204030204" pitchFamily="34" charset="0"/>
+                <a:cs typeface="Calibri" panose="020F0502020204030204" pitchFamily="34" charset="0"/>
+              </a:rPr>
+              <a:t> &gt;</a:t>
+            </a:r>
+            <a:r>
+              <a:rPr lang="en-US" sz="2000" dirty="0">
+                <a:solidFill>
+                  <a:schemeClr val="tx1"/>
+                </a:solidFill>
+                <a:latin typeface="Calibri" panose="020F0502020204030204" pitchFamily="34" charset="0"/>
+                <a:cs typeface="Calibri" panose="020F0502020204030204" pitchFamily="34" charset="0"/>
+              </a:rPr>
+              <a:t>Send</a:t>
+            </a:r>
+            <a:r>
+              <a:rPr lang="en-US" sz="2000" dirty="0">
+                <a:solidFill>
+                  <a:srgbClr val="7030A0"/>
+                </a:solidFill>
+                <a:latin typeface="Calibri" panose="020F0502020204030204" pitchFamily="34" charset="0"/>
+                <a:cs typeface="Calibri" panose="020F0502020204030204" pitchFamily="34" charset="0"/>
+              </a:rPr>
+              <a:t>&lt;/button&gt;</a:t>
+            </a:r>
+          </a:p>
+          <a:p>
+            <a:pPr marL="0" indent="0">
+              <a:spcBef>
+                <a:spcPts val="0"/>
+              </a:spcBef>
+              <a:buNone/>
+            </a:pPr>
+            <a:endParaRPr lang="en-US" sz="2000" dirty="0">
+              <a:solidFill>
+                <a:srgbClr val="434343"/>
+              </a:solidFill>
+              <a:latin typeface="Calibri" panose="020F0502020204030204" pitchFamily="34" charset="0"/>
+              <a:cs typeface="Calibri" panose="020F0502020204030204" pitchFamily="34" charset="0"/>
+            </a:endParaRPr>
+          </a:p>
+        </p:txBody>
+      </p:sp>
+    </p:spTree>
+    <p:extLst>
+      <p:ext uri="{BB962C8B-B14F-4D97-AF65-F5344CB8AC3E}">
+        <p14:creationId xmlns:p14="http://schemas.microsoft.com/office/powerpoint/2010/main" val="624604603"/>
+      </p:ext>
+    </p:extLst>
+  </p:cSld>
+  <p:clrMapOvr>
+    <a:masterClrMapping/>
+  </p:clrMapOvr>
+  <p:transition spd="med"/>
+</p:sld>
+</file>
+
+<file path=ppt/slides/slide16.xml><?xml version="1.0" encoding="utf-8"?>
+<p:sld xmlns:a="http://schemas.openxmlformats.org/drawingml/2006/main" xmlns:r="http://schemas.openxmlformats.org/officeDocument/2006/relationships" xmlns:p="http://schemas.openxmlformats.org/presentationml/2006/main">
+  <p:cSld>
+    <p:spTree>
+      <p:nvGrpSpPr>
+        <p:cNvPr id="1" name=""/>
+        <p:cNvGrpSpPr/>
+        <p:nvPr/>
+      </p:nvGrpSpPr>
+      <p:grpSpPr>
+        <a:xfrm>
+          <a:off x="0" y="0"/>
+          <a:ext cx="0" cy="0"/>
+          <a:chOff x="0" y="0"/>
+          <a:chExt cx="0" cy="0"/>
+        </a:xfrm>
+      </p:grpSpPr>
+      <p:sp>
+        <p:nvSpPr>
+          <p:cNvPr id="5" name="Title 4">
+            <a:extLst>
+              <a:ext uri="{FF2B5EF4-FFF2-40B4-BE49-F238E27FC236}">
+                <a16:creationId xmlns:a16="http://schemas.microsoft.com/office/drawing/2014/main" id="{B5B47666-51E4-6F4E-8E54-4C44DA8215C4}"/>
+              </a:ext>
+            </a:extLst>
+          </p:cNvPr>
+          <p:cNvSpPr>
+            <a:spLocks noGrp="1"/>
+          </p:cNvSpPr>
+          <p:nvPr>
+            <p:ph type="title"/>
+          </p:nvPr>
+        </p:nvSpPr>
+        <p:spPr/>
+        <p:txBody>
+          <a:bodyPr>
+            <a:normAutofit/>
+          </a:bodyPr>
+          <a:lstStyle/>
+          <a:p>
+            <a:r>
+              <a:rPr lang="en-US" sz="4000" dirty="0">
+                <a:latin typeface="Calibri" panose="020F0502020204030204" pitchFamily="34" charset="0"/>
+                <a:cs typeface="Calibri" panose="020F0502020204030204" pitchFamily="34" charset="0"/>
+              </a:rPr>
+              <a:t>Document Object Model (DOM)……</a:t>
+            </a:r>
+            <a:endParaRPr lang="en-US" sz="4000" dirty="0"/>
+          </a:p>
+        </p:txBody>
+      </p:sp>
+      <p:sp>
+        <p:nvSpPr>
+          <p:cNvPr id="6" name="Text Placeholder 5">
+            <a:extLst>
+              <a:ext uri="{FF2B5EF4-FFF2-40B4-BE49-F238E27FC236}">
+                <a16:creationId xmlns:a16="http://schemas.microsoft.com/office/drawing/2014/main" id="{810C8F93-16F5-AA46-88E2-15A98C7B6706}"/>
+              </a:ext>
+            </a:extLst>
+          </p:cNvPr>
+          <p:cNvSpPr>
+            <a:spLocks noGrp="1"/>
+          </p:cNvSpPr>
+          <p:nvPr>
+            <p:ph type="body" idx="1"/>
+          </p:nvPr>
+        </p:nvSpPr>
+        <p:spPr/>
+        <p:txBody>
+          <a:bodyPr anchor="t">
+            <a:normAutofit/>
+          </a:bodyPr>
+          <a:lstStyle/>
+          <a:p>
+            <a:pPr marL="0" indent="0">
+              <a:spcBef>
+                <a:spcPts val="0"/>
+              </a:spcBef>
+              <a:buNone/>
+            </a:pPr>
+            <a:r>
+              <a:rPr lang="en-US" sz="2000" dirty="0">
+                <a:solidFill>
+                  <a:srgbClr val="38761D"/>
+                </a:solidFill>
+                <a:latin typeface="Calibri" panose="020F0502020204030204" pitchFamily="34" charset="0"/>
+                <a:cs typeface="Calibri" panose="020F0502020204030204" pitchFamily="34" charset="0"/>
+              </a:rPr>
+              <a:t>// Returns the DOM object for the HTML element</a:t>
+            </a:r>
+            <a:endParaRPr lang="en-US" sz="2000" dirty="0">
+              <a:latin typeface="Calibri" panose="020F0502020204030204" pitchFamily="34" charset="0"/>
+              <a:cs typeface="Calibri" panose="020F0502020204030204" pitchFamily="34" charset="0"/>
+            </a:endParaRPr>
+          </a:p>
+          <a:p>
+            <a:pPr marL="0" indent="0">
+              <a:spcBef>
+                <a:spcPts val="0"/>
+              </a:spcBef>
+              <a:buNone/>
+            </a:pPr>
+            <a:r>
+              <a:rPr lang="en-US" sz="2000" dirty="0">
+                <a:solidFill>
+                  <a:srgbClr val="38761D"/>
+                </a:solidFill>
+                <a:latin typeface="Calibri" panose="020F0502020204030204" pitchFamily="34" charset="0"/>
+                <a:cs typeface="Calibri" panose="020F0502020204030204" pitchFamily="34" charset="0"/>
+              </a:rPr>
+              <a:t>// with id="button", or null if none exists.</a:t>
+            </a:r>
+            <a:endParaRPr lang="en-US" sz="2000" dirty="0">
+              <a:latin typeface="Calibri" panose="020F0502020204030204" pitchFamily="34" charset="0"/>
+              <a:cs typeface="Calibri" panose="020F0502020204030204" pitchFamily="34" charset="0"/>
+            </a:endParaRPr>
+          </a:p>
+          <a:p>
+            <a:pPr marL="0" indent="0">
+              <a:spcBef>
+                <a:spcPts val="0"/>
+              </a:spcBef>
+              <a:buNone/>
+            </a:pPr>
+            <a:r>
+              <a:rPr lang="en-US" sz="2000" dirty="0">
+                <a:solidFill>
+                  <a:srgbClr val="8959A8"/>
+                </a:solidFill>
+                <a:latin typeface="Calibri" panose="020F0502020204030204" pitchFamily="34" charset="0"/>
+                <a:ea typeface="Menlo"/>
+                <a:cs typeface="Calibri" panose="020F0502020204030204" pitchFamily="34" charset="0"/>
+              </a:rPr>
+              <a:t>let</a:t>
+            </a:r>
+            <a:r>
+              <a:rPr lang="en-US" sz="2000" dirty="0">
+                <a:solidFill>
+                  <a:srgbClr val="434343"/>
+                </a:solidFill>
+                <a:latin typeface="Calibri" panose="020F0502020204030204" pitchFamily="34" charset="0"/>
+                <a:cs typeface="Calibri" panose="020F0502020204030204" pitchFamily="34" charset="0"/>
+              </a:rPr>
+              <a:t> element = </a:t>
+            </a:r>
+            <a:r>
+              <a:rPr lang="en-US" sz="2000" dirty="0" err="1">
+                <a:solidFill>
+                  <a:srgbClr val="0000FF"/>
+                </a:solidFill>
+                <a:latin typeface="Calibri" panose="020F0502020204030204" pitchFamily="34" charset="0"/>
+                <a:cs typeface="Calibri" panose="020F0502020204030204" pitchFamily="34" charset="0"/>
+              </a:rPr>
+              <a:t>document.querySelector</a:t>
+            </a:r>
+            <a:r>
+              <a:rPr lang="en-US" sz="2000" dirty="0">
+                <a:solidFill>
+                  <a:schemeClr val="accent3">
+                    <a:lumMod val="50000"/>
+                  </a:schemeClr>
+                </a:solidFill>
+                <a:latin typeface="Calibri" panose="020F0502020204030204" pitchFamily="34" charset="0"/>
+                <a:cs typeface="Calibri" panose="020F0502020204030204" pitchFamily="34" charset="0"/>
+              </a:rPr>
+              <a:t>( </a:t>
+            </a:r>
+            <a:r>
+              <a:rPr lang="en-US" sz="2000" dirty="0">
+                <a:solidFill>
+                  <a:srgbClr val="FFC000"/>
+                </a:solidFill>
+                <a:latin typeface="Calibri" panose="020F0502020204030204" pitchFamily="34" charset="0"/>
+                <a:cs typeface="Calibri" panose="020F0502020204030204" pitchFamily="34" charset="0"/>
+              </a:rPr>
+              <a:t>‘#button’ </a:t>
+            </a:r>
+            <a:r>
+              <a:rPr lang="en-US" sz="2000" dirty="0">
+                <a:solidFill>
+                  <a:schemeClr val="accent3">
+                    <a:lumMod val="50000"/>
+                  </a:schemeClr>
+                </a:solidFill>
+                <a:latin typeface="Calibri" panose="020F0502020204030204" pitchFamily="34" charset="0"/>
+                <a:cs typeface="Calibri" panose="020F0502020204030204" pitchFamily="34" charset="0"/>
+              </a:rPr>
+              <a:t>);</a:t>
+            </a:r>
+          </a:p>
+          <a:p>
+            <a:pPr marL="0" indent="0">
+              <a:spcBef>
+                <a:spcPts val="0"/>
+              </a:spcBef>
+              <a:buNone/>
+            </a:pPr>
+            <a:endParaRPr lang="en-US" sz="2000" dirty="0">
+              <a:solidFill>
+                <a:schemeClr val="accent3">
+                  <a:lumMod val="50000"/>
+                </a:schemeClr>
+              </a:solidFill>
+              <a:latin typeface="Calibri" panose="020F0502020204030204" pitchFamily="34" charset="0"/>
+              <a:cs typeface="Calibri" panose="020F0502020204030204" pitchFamily="34" charset="0"/>
+            </a:endParaRPr>
+          </a:p>
+          <a:p>
+            <a:pPr marL="0" indent="0">
+              <a:spcBef>
+                <a:spcPts val="0"/>
+              </a:spcBef>
+              <a:buNone/>
+            </a:pPr>
+            <a:r>
+              <a:rPr lang="en-US" sz="2000" dirty="0">
+                <a:solidFill>
+                  <a:srgbClr val="7030A0"/>
+                </a:solidFill>
+                <a:latin typeface="Calibri" panose="020F0502020204030204" pitchFamily="34" charset="0"/>
+                <a:cs typeface="Calibri" panose="020F0502020204030204" pitchFamily="34" charset="0"/>
+              </a:rPr>
+              <a:t>&lt;button id= </a:t>
+            </a:r>
+            <a:r>
+              <a:rPr lang="en-US" sz="2000" dirty="0">
+                <a:solidFill>
+                  <a:srgbClr val="FFC000"/>
+                </a:solidFill>
+                <a:latin typeface="Calibri" panose="020F0502020204030204" pitchFamily="34" charset="0"/>
+                <a:cs typeface="Calibri" panose="020F0502020204030204" pitchFamily="34" charset="0"/>
+              </a:rPr>
+              <a:t>“button”</a:t>
+            </a:r>
+            <a:r>
+              <a:rPr lang="en-US" sz="2000" dirty="0">
+                <a:solidFill>
+                  <a:srgbClr val="7030A0"/>
+                </a:solidFill>
+                <a:latin typeface="Calibri" panose="020F0502020204030204" pitchFamily="34" charset="0"/>
+                <a:cs typeface="Calibri" panose="020F0502020204030204" pitchFamily="34" charset="0"/>
+              </a:rPr>
+              <a:t> &gt;</a:t>
+            </a:r>
+            <a:r>
+              <a:rPr lang="en-US" sz="2000" dirty="0">
+                <a:solidFill>
+                  <a:schemeClr val="tx1"/>
+                </a:solidFill>
+                <a:latin typeface="Calibri" panose="020F0502020204030204" pitchFamily="34" charset="0"/>
+                <a:cs typeface="Calibri" panose="020F0502020204030204" pitchFamily="34" charset="0"/>
+              </a:rPr>
+              <a:t>Send</a:t>
+            </a:r>
+            <a:r>
+              <a:rPr lang="en-US" sz="2000" dirty="0">
+                <a:solidFill>
+                  <a:srgbClr val="7030A0"/>
+                </a:solidFill>
+                <a:latin typeface="Calibri" panose="020F0502020204030204" pitchFamily="34" charset="0"/>
+                <a:cs typeface="Calibri" panose="020F0502020204030204" pitchFamily="34" charset="0"/>
+              </a:rPr>
+              <a:t>&lt;/button&gt;</a:t>
+            </a:r>
+          </a:p>
+          <a:p>
+            <a:pPr marL="0" indent="0">
+              <a:spcBef>
+                <a:spcPts val="0"/>
+              </a:spcBef>
+              <a:buNone/>
+            </a:pPr>
+            <a:br>
+              <a:rPr lang="en-US" sz="2000" dirty="0">
+                <a:latin typeface="Calibri" panose="020F0502020204030204" pitchFamily="34" charset="0"/>
+                <a:cs typeface="Calibri" panose="020F0502020204030204" pitchFamily="34" charset="0"/>
+              </a:rPr>
+            </a:br>
+            <a:br>
+              <a:rPr lang="en-US" sz="2000" dirty="0">
+                <a:latin typeface="Calibri" panose="020F0502020204030204" pitchFamily="34" charset="0"/>
+                <a:cs typeface="Calibri" panose="020F0502020204030204" pitchFamily="34" charset="0"/>
+              </a:rPr>
+            </a:br>
+            <a:r>
+              <a:rPr lang="en-US" sz="2000" dirty="0">
+                <a:solidFill>
+                  <a:srgbClr val="38761D"/>
+                </a:solidFill>
+                <a:latin typeface="Calibri" panose="020F0502020204030204" pitchFamily="34" charset="0"/>
+                <a:cs typeface="Calibri" panose="020F0502020204030204" pitchFamily="34" charset="0"/>
+              </a:rPr>
+              <a:t>// Returns a list of DOM objects containing all </a:t>
+            </a:r>
+            <a:endParaRPr lang="en-US" sz="2000" dirty="0">
+              <a:latin typeface="Calibri" panose="020F0502020204030204" pitchFamily="34" charset="0"/>
+              <a:cs typeface="Calibri" panose="020F0502020204030204" pitchFamily="34" charset="0"/>
+            </a:endParaRPr>
+          </a:p>
+          <a:p>
+            <a:pPr marL="0" indent="0">
+              <a:spcBef>
+                <a:spcPts val="0"/>
+              </a:spcBef>
+              <a:buNone/>
+            </a:pPr>
+            <a:r>
+              <a:rPr lang="en-US" sz="2000" dirty="0">
+                <a:solidFill>
+                  <a:srgbClr val="38761D"/>
+                </a:solidFill>
+                <a:latin typeface="Calibri" panose="020F0502020204030204" pitchFamily="34" charset="0"/>
+                <a:cs typeface="Calibri" panose="020F0502020204030204" pitchFamily="34" charset="0"/>
+              </a:rPr>
+              <a:t>// elements that have a "quote" class AND all</a:t>
+            </a:r>
+            <a:endParaRPr lang="en-US" sz="2000" dirty="0">
+              <a:latin typeface="Calibri" panose="020F0502020204030204" pitchFamily="34" charset="0"/>
+              <a:cs typeface="Calibri" panose="020F0502020204030204" pitchFamily="34" charset="0"/>
+            </a:endParaRPr>
+          </a:p>
+          <a:p>
+            <a:pPr marL="0" indent="0">
+              <a:spcBef>
+                <a:spcPts val="0"/>
+              </a:spcBef>
+              <a:buNone/>
+            </a:pPr>
+            <a:r>
+              <a:rPr lang="en-US" sz="2000" dirty="0">
+                <a:solidFill>
+                  <a:srgbClr val="38761D"/>
+                </a:solidFill>
+                <a:latin typeface="Calibri" panose="020F0502020204030204" pitchFamily="34" charset="0"/>
+                <a:cs typeface="Calibri" panose="020F0502020204030204" pitchFamily="34" charset="0"/>
+              </a:rPr>
+              <a:t>// elements that have a "comment" class.</a:t>
+            </a:r>
+            <a:endParaRPr lang="en-US" sz="2000" dirty="0">
+              <a:latin typeface="Calibri" panose="020F0502020204030204" pitchFamily="34" charset="0"/>
+              <a:cs typeface="Calibri" panose="020F0502020204030204" pitchFamily="34" charset="0"/>
+            </a:endParaRPr>
+          </a:p>
+          <a:p>
+            <a:pPr marL="0" indent="0">
+              <a:spcBef>
+                <a:spcPts val="0"/>
+              </a:spcBef>
+              <a:buNone/>
+            </a:pPr>
+            <a:r>
+              <a:rPr lang="en-US" sz="2000" dirty="0">
+                <a:solidFill>
+                  <a:srgbClr val="8959A8"/>
+                </a:solidFill>
+                <a:latin typeface="Calibri" panose="020F0502020204030204" pitchFamily="34" charset="0"/>
+                <a:ea typeface="Menlo"/>
+                <a:cs typeface="Calibri" panose="020F0502020204030204" pitchFamily="34" charset="0"/>
+              </a:rPr>
+              <a:t>let</a:t>
+            </a:r>
+            <a:r>
+              <a:rPr lang="en-US" sz="2000" dirty="0">
+                <a:solidFill>
+                  <a:srgbClr val="434343"/>
+                </a:solidFill>
+                <a:latin typeface="Calibri" panose="020F0502020204030204" pitchFamily="34" charset="0"/>
+                <a:cs typeface="Calibri" panose="020F0502020204030204" pitchFamily="34" charset="0"/>
+              </a:rPr>
+              <a:t> </a:t>
+            </a:r>
+            <a:r>
+              <a:rPr lang="en-US" sz="2000" dirty="0" err="1">
+                <a:solidFill>
+                  <a:srgbClr val="434343"/>
+                </a:solidFill>
+                <a:latin typeface="Calibri" panose="020F0502020204030204" pitchFamily="34" charset="0"/>
+                <a:cs typeface="Calibri" panose="020F0502020204030204" pitchFamily="34" charset="0"/>
+              </a:rPr>
+              <a:t>elementList</a:t>
+            </a:r>
+            <a:r>
+              <a:rPr lang="en-US" sz="2000" dirty="0">
+                <a:solidFill>
+                  <a:srgbClr val="434343"/>
+                </a:solidFill>
+                <a:latin typeface="Calibri" panose="020F0502020204030204" pitchFamily="34" charset="0"/>
+                <a:cs typeface="Calibri" panose="020F0502020204030204" pitchFamily="34" charset="0"/>
+              </a:rPr>
+              <a:t> </a:t>
+            </a:r>
+            <a:r>
+              <a:rPr lang="en-US" sz="2000" dirty="0">
+                <a:solidFill>
+                  <a:srgbClr val="0000FF"/>
+                </a:solidFill>
+                <a:latin typeface="Calibri" panose="020F0502020204030204" pitchFamily="34" charset="0"/>
+                <a:cs typeface="Calibri" panose="020F0502020204030204" pitchFamily="34" charset="0"/>
+              </a:rPr>
+              <a:t>=  </a:t>
+            </a:r>
+            <a:r>
+              <a:rPr lang="en-US" sz="2000" dirty="0" err="1">
+                <a:solidFill>
+                  <a:srgbClr val="0000FF"/>
+                </a:solidFill>
+                <a:latin typeface="Calibri" panose="020F0502020204030204" pitchFamily="34" charset="0"/>
+                <a:cs typeface="Calibri" panose="020F0502020204030204" pitchFamily="34" charset="0"/>
+              </a:rPr>
+              <a:t>document.querySelectorAll</a:t>
+            </a:r>
+            <a:r>
+              <a:rPr lang="en-US" sz="2000" dirty="0">
+                <a:solidFill>
+                  <a:srgbClr val="434343"/>
+                </a:solidFill>
+                <a:latin typeface="Calibri" panose="020F0502020204030204" pitchFamily="34" charset="0"/>
+                <a:cs typeface="Calibri" panose="020F0502020204030204" pitchFamily="34" charset="0"/>
+              </a:rPr>
+              <a:t>( </a:t>
+            </a:r>
+            <a:r>
+              <a:rPr lang="en-US" sz="2000" dirty="0">
+                <a:solidFill>
+                  <a:srgbClr val="FFC000"/>
+                </a:solidFill>
+                <a:latin typeface="Calibri" panose="020F0502020204030204" pitchFamily="34" charset="0"/>
+                <a:cs typeface="Calibri" panose="020F0502020204030204" pitchFamily="34" charset="0"/>
+              </a:rPr>
+              <a:t>'.quote, .comment’ </a:t>
+            </a:r>
+            <a:r>
+              <a:rPr lang="en-US" sz="2000" dirty="0">
+                <a:solidFill>
+                  <a:srgbClr val="434343"/>
+                </a:solidFill>
+                <a:latin typeface="Calibri" panose="020F0502020204030204" pitchFamily="34" charset="0"/>
+                <a:cs typeface="Calibri" panose="020F0502020204030204" pitchFamily="34" charset="0"/>
+              </a:rPr>
+              <a:t>);</a:t>
+            </a:r>
+            <a:br>
+              <a:rPr lang="en-US" sz="2000" dirty="0">
+                <a:latin typeface="Calibri" panose="020F0502020204030204" pitchFamily="34" charset="0"/>
+                <a:cs typeface="Calibri" panose="020F0502020204030204" pitchFamily="34" charset="0"/>
+              </a:rPr>
+            </a:br>
+            <a:br>
+              <a:rPr lang="en-US" sz="2000" dirty="0">
+                <a:latin typeface="Calibri" panose="020F0502020204030204" pitchFamily="34" charset="0"/>
+                <a:cs typeface="Calibri" panose="020F0502020204030204" pitchFamily="34" charset="0"/>
+              </a:rPr>
+            </a:br>
+            <a:br>
+              <a:rPr lang="en-US" sz="2000" dirty="0">
+                <a:latin typeface="Calibri" panose="020F0502020204030204" pitchFamily="34" charset="0"/>
+                <a:cs typeface="Calibri" panose="020F0502020204030204" pitchFamily="34" charset="0"/>
+              </a:rPr>
+            </a:br>
+            <a:r>
+              <a:rPr lang="en-US" sz="2000" dirty="0">
+                <a:solidFill>
+                  <a:srgbClr val="7030A0"/>
+                </a:solidFill>
+                <a:latin typeface="Calibri" panose="020F0502020204030204" pitchFamily="34" charset="0"/>
+                <a:cs typeface="Calibri" panose="020F0502020204030204" pitchFamily="34" charset="0"/>
+              </a:rPr>
+              <a:t>&lt;button class= </a:t>
+            </a:r>
+            <a:r>
+              <a:rPr lang="en-US" sz="2000" dirty="0">
+                <a:solidFill>
+                  <a:srgbClr val="FFC000"/>
+                </a:solidFill>
+                <a:latin typeface="Calibri" panose="020F0502020204030204" pitchFamily="34" charset="0"/>
+                <a:cs typeface="Calibri" panose="020F0502020204030204" pitchFamily="34" charset="0"/>
+              </a:rPr>
+              <a:t>“button”</a:t>
+            </a:r>
+            <a:r>
+              <a:rPr lang="en-US" sz="2000" dirty="0">
+                <a:solidFill>
+                  <a:srgbClr val="7030A0"/>
+                </a:solidFill>
+                <a:latin typeface="Calibri" panose="020F0502020204030204" pitchFamily="34" charset="0"/>
+                <a:cs typeface="Calibri" panose="020F0502020204030204" pitchFamily="34" charset="0"/>
+              </a:rPr>
+              <a:t> &gt;</a:t>
+            </a:r>
+            <a:r>
+              <a:rPr lang="en-US" sz="2000" dirty="0">
+                <a:solidFill>
+                  <a:schemeClr val="tx1"/>
+                </a:solidFill>
+                <a:latin typeface="Calibri" panose="020F0502020204030204" pitchFamily="34" charset="0"/>
+                <a:cs typeface="Calibri" panose="020F0502020204030204" pitchFamily="34" charset="0"/>
+              </a:rPr>
+              <a:t>Send</a:t>
+            </a:r>
+            <a:r>
+              <a:rPr lang="en-US" sz="2000" dirty="0">
+                <a:solidFill>
+                  <a:srgbClr val="7030A0"/>
+                </a:solidFill>
+                <a:latin typeface="Calibri" panose="020F0502020204030204" pitchFamily="34" charset="0"/>
+                <a:cs typeface="Calibri" panose="020F0502020204030204" pitchFamily="34" charset="0"/>
+              </a:rPr>
+              <a:t>&lt;/button&gt;</a:t>
+            </a:r>
+          </a:p>
+          <a:p>
+            <a:pPr marL="0" indent="0">
+              <a:spcBef>
+                <a:spcPts val="0"/>
+              </a:spcBef>
+              <a:buNone/>
+            </a:pPr>
+            <a:r>
+              <a:rPr lang="en-US" sz="2000" dirty="0">
+                <a:solidFill>
+                  <a:srgbClr val="7030A0"/>
+                </a:solidFill>
+                <a:latin typeface="Calibri" panose="020F0502020204030204" pitchFamily="34" charset="0"/>
+                <a:cs typeface="Calibri" panose="020F0502020204030204" pitchFamily="34" charset="0"/>
+              </a:rPr>
+              <a:t>&lt;button class= </a:t>
+            </a:r>
+            <a:r>
+              <a:rPr lang="en-US" sz="2000" dirty="0">
+                <a:solidFill>
+                  <a:srgbClr val="FFC000"/>
+                </a:solidFill>
+                <a:latin typeface="Calibri" panose="020F0502020204030204" pitchFamily="34" charset="0"/>
+                <a:cs typeface="Calibri" panose="020F0502020204030204" pitchFamily="34" charset="0"/>
+              </a:rPr>
+              <a:t>“button”</a:t>
+            </a:r>
+            <a:r>
+              <a:rPr lang="en-US" sz="2000" dirty="0">
+                <a:solidFill>
+                  <a:srgbClr val="7030A0"/>
+                </a:solidFill>
+                <a:latin typeface="Calibri" panose="020F0502020204030204" pitchFamily="34" charset="0"/>
+                <a:cs typeface="Calibri" panose="020F0502020204030204" pitchFamily="34" charset="0"/>
+              </a:rPr>
+              <a:t> &gt;</a:t>
+            </a:r>
+            <a:r>
+              <a:rPr lang="en-US" sz="2000" dirty="0">
+                <a:solidFill>
+                  <a:schemeClr val="tx1"/>
+                </a:solidFill>
+                <a:latin typeface="Calibri" panose="020F0502020204030204" pitchFamily="34" charset="0"/>
+                <a:cs typeface="Calibri" panose="020F0502020204030204" pitchFamily="34" charset="0"/>
+              </a:rPr>
+              <a:t>Send</a:t>
+            </a:r>
+            <a:r>
+              <a:rPr lang="en-US" sz="2000" dirty="0">
+                <a:solidFill>
+                  <a:srgbClr val="7030A0"/>
+                </a:solidFill>
+                <a:latin typeface="Calibri" panose="020F0502020204030204" pitchFamily="34" charset="0"/>
+                <a:cs typeface="Calibri" panose="020F0502020204030204" pitchFamily="34" charset="0"/>
+              </a:rPr>
+              <a:t>&lt;/button&gt;</a:t>
+            </a:r>
+          </a:p>
+          <a:p>
+            <a:pPr marL="0" indent="0">
+              <a:spcBef>
+                <a:spcPts val="0"/>
+              </a:spcBef>
+              <a:buNone/>
+            </a:pPr>
+            <a:endParaRPr lang="en-US" sz="2000" dirty="0">
+              <a:solidFill>
+                <a:srgbClr val="434343"/>
+              </a:solidFill>
+              <a:latin typeface="Calibri" panose="020F0502020204030204" pitchFamily="34" charset="0"/>
+              <a:cs typeface="Calibri" panose="020F0502020204030204" pitchFamily="34" charset="0"/>
+            </a:endParaRPr>
+          </a:p>
+        </p:txBody>
+      </p:sp>
+    </p:spTree>
+    <p:extLst>
+      <p:ext uri="{BB962C8B-B14F-4D97-AF65-F5344CB8AC3E}">
+        <p14:creationId xmlns:p14="http://schemas.microsoft.com/office/powerpoint/2010/main" val="2247797859"/>
+      </p:ext>
+    </p:extLst>
+  </p:cSld>
+  <p:clrMapOvr>
+    <a:masterClrMapping/>
+  </p:clrMapOvr>
+  <p:transition spd="med"/>
+</p:sld>
+</file>
+
+<file path=ppt/slides/slide17.xml><?xml version="1.0" encoding="utf-8"?>
+<p:sld xmlns:a="http://schemas.openxmlformats.org/drawingml/2006/main" xmlns:r="http://schemas.openxmlformats.org/officeDocument/2006/relationships" xmlns:p="http://schemas.openxmlformats.org/presentationml/2006/main">
+  <p:cSld>
+    <p:spTree>
+      <p:nvGrpSpPr>
+        <p:cNvPr id="1" name=""/>
+        <p:cNvGrpSpPr/>
+        <p:nvPr/>
+      </p:nvGrpSpPr>
+      <p:grpSpPr>
+        <a:xfrm>
+          <a:off x="0" y="0"/>
+          <a:ext cx="0" cy="0"/>
+          <a:chOff x="0" y="0"/>
+          <a:chExt cx="0" cy="0"/>
+        </a:xfrm>
+      </p:grpSpPr>
+      <p:sp>
+        <p:nvSpPr>
+          <p:cNvPr id="5" name="Title 4">
+            <a:extLst>
+              <a:ext uri="{FF2B5EF4-FFF2-40B4-BE49-F238E27FC236}">
+                <a16:creationId xmlns:a16="http://schemas.microsoft.com/office/drawing/2014/main" id="{B5B47666-51E4-6F4E-8E54-4C44DA8215C4}"/>
+              </a:ext>
+            </a:extLst>
+          </p:cNvPr>
+          <p:cNvSpPr>
+            <a:spLocks noGrp="1"/>
+          </p:cNvSpPr>
+          <p:nvPr>
+            <p:ph type="title"/>
+          </p:nvPr>
+        </p:nvSpPr>
+        <p:spPr/>
+        <p:txBody>
+          <a:bodyPr>
+            <a:normAutofit/>
+          </a:bodyPr>
+          <a:lstStyle/>
+          <a:p>
+            <a:r>
+              <a:rPr lang="en-US" sz="4000" dirty="0">
+                <a:latin typeface="Calibri" panose="020F0502020204030204" pitchFamily="34" charset="0"/>
+                <a:cs typeface="Calibri" panose="020F0502020204030204" pitchFamily="34" charset="0"/>
+              </a:rPr>
+              <a:t>JavaScript</a:t>
+            </a:r>
+            <a:endParaRPr lang="en-US" sz="4000" dirty="0"/>
+          </a:p>
+        </p:txBody>
+      </p:sp>
+      <p:sp>
+        <p:nvSpPr>
+          <p:cNvPr id="6" name="Text Placeholder 5">
+            <a:extLst>
+              <a:ext uri="{FF2B5EF4-FFF2-40B4-BE49-F238E27FC236}">
+                <a16:creationId xmlns:a16="http://schemas.microsoft.com/office/drawing/2014/main" id="{810C8F93-16F5-AA46-88E2-15A98C7B6706}"/>
+              </a:ext>
+            </a:extLst>
+          </p:cNvPr>
+          <p:cNvSpPr>
+            <a:spLocks noGrp="1"/>
+          </p:cNvSpPr>
+          <p:nvPr>
+            <p:ph type="body" idx="1"/>
+          </p:nvPr>
+        </p:nvSpPr>
+        <p:spPr/>
+        <p:txBody>
+          <a:bodyPr anchor="t">
+            <a:normAutofit/>
+          </a:bodyPr>
+          <a:lstStyle/>
+          <a:p>
+            <a:pPr>
+              <a:lnSpc>
+                <a:spcPct val="150000"/>
+              </a:lnSpc>
+              <a:spcBef>
+                <a:spcPts val="0"/>
+              </a:spcBef>
+            </a:pPr>
+            <a:r>
+              <a:rPr lang="en-US" sz="2000" dirty="0">
+                <a:solidFill>
+                  <a:srgbClr val="434343"/>
+                </a:solidFill>
+                <a:latin typeface="Calibri" panose="020F0502020204030204" pitchFamily="34" charset="0"/>
+                <a:cs typeface="Calibri" panose="020F0502020204030204" pitchFamily="34" charset="0"/>
+              </a:rPr>
+              <a:t>JavaScript is an interpreted programming language. </a:t>
+            </a:r>
+          </a:p>
+          <a:p>
+            <a:pPr>
+              <a:lnSpc>
+                <a:spcPct val="150000"/>
+              </a:lnSpc>
+              <a:spcBef>
+                <a:spcPts val="0"/>
+              </a:spcBef>
+            </a:pPr>
+            <a:r>
+              <a:rPr lang="en-US" sz="2000" dirty="0">
+                <a:solidFill>
+                  <a:srgbClr val="434343"/>
+                </a:solidFill>
+                <a:latin typeface="Calibri" panose="020F0502020204030204" pitchFamily="34" charset="0"/>
+                <a:cs typeface="Calibri" panose="020F0502020204030204" pitchFamily="34" charset="0"/>
+              </a:rPr>
+              <a:t>It is also dynamically typed</a:t>
+            </a:r>
+          </a:p>
+          <a:p>
+            <a:pPr lvl="1">
+              <a:lnSpc>
+                <a:spcPct val="150000"/>
+              </a:lnSpc>
+              <a:spcBef>
+                <a:spcPts val="0"/>
+              </a:spcBef>
+            </a:pPr>
+            <a:r>
+              <a:rPr lang="en-US" sz="2000" dirty="0">
+                <a:solidFill>
+                  <a:srgbClr val="434343"/>
+                </a:solidFill>
+                <a:latin typeface="Calibri" panose="020F0502020204030204" pitchFamily="34" charset="0"/>
+                <a:cs typeface="Calibri" panose="020F0502020204030204" pitchFamily="34" charset="0"/>
+              </a:rPr>
+              <a:t>Type modification happens at runtime</a:t>
+            </a:r>
+          </a:p>
+          <a:p>
+            <a:pPr marL="0" indent="0">
+              <a:lnSpc>
+                <a:spcPct val="150000"/>
+              </a:lnSpc>
+              <a:spcBef>
+                <a:spcPts val="0"/>
+              </a:spcBef>
+              <a:buNone/>
+            </a:pPr>
+            <a:r>
+              <a:rPr lang="en-US" sz="2000" dirty="0">
+                <a:solidFill>
+                  <a:schemeClr val="accent3">
+                    <a:lumMod val="50000"/>
+                  </a:schemeClr>
+                </a:solidFill>
+                <a:latin typeface="Calibri" panose="020F0502020204030204" pitchFamily="34" charset="0"/>
+                <a:cs typeface="Calibri" panose="020F0502020204030204" pitchFamily="34" charset="0"/>
+              </a:rPr>
+              <a:t>// Type of x is integer</a:t>
+            </a:r>
+          </a:p>
+          <a:p>
+            <a:pPr marL="0" indent="0">
+              <a:lnSpc>
+                <a:spcPct val="150000"/>
+              </a:lnSpc>
+              <a:spcBef>
+                <a:spcPts val="0"/>
+              </a:spcBef>
+              <a:buNone/>
+            </a:pPr>
+            <a:r>
+              <a:rPr lang="en-US" sz="2000" dirty="0" err="1">
+                <a:solidFill>
+                  <a:srgbClr val="7030A0"/>
+                </a:solidFill>
+                <a:latin typeface="Calibri" panose="020F0502020204030204" pitchFamily="34" charset="0"/>
+                <a:cs typeface="Calibri" panose="020F0502020204030204" pitchFamily="34" charset="0"/>
+              </a:rPr>
+              <a:t>var</a:t>
+            </a:r>
+            <a:r>
+              <a:rPr lang="en-US" sz="2000" dirty="0">
+                <a:solidFill>
+                  <a:srgbClr val="434343"/>
+                </a:solidFill>
+                <a:latin typeface="Calibri" panose="020F0502020204030204" pitchFamily="34" charset="0"/>
+                <a:cs typeface="Calibri" panose="020F0502020204030204" pitchFamily="34" charset="0"/>
+              </a:rPr>
+              <a:t> foo = 123;</a:t>
+            </a:r>
+          </a:p>
+          <a:p>
+            <a:pPr marL="0" indent="0">
+              <a:lnSpc>
+                <a:spcPct val="150000"/>
+              </a:lnSpc>
+              <a:spcBef>
+                <a:spcPts val="0"/>
+              </a:spcBef>
+              <a:buNone/>
+            </a:pPr>
+            <a:r>
+              <a:rPr lang="en-US" sz="2000" dirty="0">
+                <a:solidFill>
+                  <a:schemeClr val="accent3">
+                    <a:lumMod val="50000"/>
+                  </a:schemeClr>
+                </a:solidFill>
+                <a:latin typeface="Calibri" panose="020F0502020204030204" pitchFamily="34" charset="0"/>
+                <a:cs typeface="Calibri" panose="020F0502020204030204" pitchFamily="34" charset="0"/>
+              </a:rPr>
               <a:t>// Type of x is now string</a:t>
             </a:r>
           </a:p>
@@ -4791,14 +6057,22 @@
             <a:r>
               <a:rPr lang="en-US" sz="2000" dirty="0">
                 <a:solidFill>
-                  <a:schemeClr val="accent3">
-                    <a:lumMod val="75000"/>
-                  </a:schemeClr>
-                </a:solidFill>
-                <a:latin typeface="Calibri" panose="020F0502020204030204" pitchFamily="34" charset="0"/>
-                <a:cs typeface="Calibri" panose="020F0502020204030204" pitchFamily="34" charset="0"/>
-              </a:rPr>
-              <a:t>‘567’;  </a:t>
+                  <a:srgbClr val="FFC000"/>
+                </a:solidFill>
+                <a:latin typeface="Calibri" panose="020F0502020204030204" pitchFamily="34" charset="0"/>
+                <a:cs typeface="Calibri" panose="020F0502020204030204" pitchFamily="34" charset="0"/>
+              </a:rPr>
+              <a:t>‘567’</a:t>
+            </a:r>
+            <a:r>
+              <a:rPr lang="en-US" sz="2000" dirty="0">
+                <a:solidFill>
+                  <a:schemeClr val="tx1"/>
+                </a:solidFill>
+                <a:latin typeface="Calibri" panose="020F0502020204030204" pitchFamily="34" charset="0"/>
+                <a:cs typeface="Calibri" panose="020F0502020204030204" pitchFamily="34" charset="0"/>
+              </a:rPr>
+              <a:t>;  </a:t>
             </a:r>
           </a:p>
           <a:p>
@@ -4886,7 +6160,7 @@
 </p:sld>
 </file>
 
-<file path=ppt/slides/slide15.xml><?xml version="1.0" encoding="utf-8"?>
+<file path=ppt/slides/slide18.xml><?xml version="1.0" encoding="utf-8"?>
 <p:sld xmlns:a="http://schemas.openxmlformats.org/drawingml/2006/main" xmlns:r="http://schemas.openxmlformats.org/officeDocument/2006/relationships" xmlns:p="http://schemas.openxmlformats.org/presentationml/2006/main">
   <p:cSld>
     <p:spTree>
@@ -5153,7 +6427,7 @@
 </p:sld>
 </file>
 
-<file path=ppt/slides/slide16.xml><?xml version="1.0" encoding="utf-8"?>
+<file path=ppt/slides/slide19.xml><?xml version="1.0" encoding="utf-8"?>
 <p:sld xmlns:a="http://schemas.openxmlformats.org/drawingml/2006/main" xmlns:r="http://schemas.openxmlformats.org/officeDocument/2006/relationships" xmlns:p="http://schemas.openxmlformats.org/presentationml/2006/main">
   <p:cSld>
     <p:spTree>
@@ -5424,923 +6698,6 @@
                 <a:cs typeface="Calibri" panose="020F0502020204030204" pitchFamily="34" charset="0"/>
               </a:rPr>
               <a:t>.</a:t>
-            </a:r>
-          </a:p>
-        </p:txBody>
-      </p:sp>
-    </p:spTree>
-  </p:cSld>
-  <p:clrMapOvr>
-    <a:masterClrMapping/>
-  </p:clrMapOvr>
-  <p:transition spd="med"/>
-</p:sld>
-</file>
-
-<file path=ppt/slides/slide17.xml><?xml version="1.0" encoding="utf-8"?>
-<p:sld xmlns:a="http://schemas.openxmlformats.org/drawingml/2006/main" xmlns:r="http://schemas.openxmlformats.org/officeDocument/2006/relationships" xmlns:p="http://schemas.openxmlformats.org/presentationml/2006/main">
-  <p:cSld>
-    <p:spTree>
-      <p:nvGrpSpPr>
-        <p:cNvPr id="1" name=""/>
-        <p:cNvGrpSpPr/>
-        <p:nvPr/>
-      </p:nvGrpSpPr>
-      <p:grpSpPr>
-        <a:xfrm>
-          <a:off x="0" y="0"/>
-          <a:ext cx="0" cy="0"/>
-          <a:chOff x="0" y="0"/>
-          <a:chExt cx="0" cy="0"/>
-        </a:xfrm>
-      </p:grpSpPr>
-      <p:sp>
-        <p:nvSpPr>
-          <p:cNvPr id="141" name="Types in Typescript"/>
-          <p:cNvSpPr txBox="1">
-            <a:spLocks noGrp="1"/>
-          </p:cNvSpPr>
-          <p:nvPr>
-            <p:ph type="title"/>
-          </p:nvPr>
-        </p:nvSpPr>
-        <p:spPr>
-          <a:prstGeom prst="rect">
-            <a:avLst/>
-          </a:prstGeom>
-        </p:spPr>
-        <p:txBody>
-          <a:bodyPr>
-            <a:normAutofit/>
-          </a:bodyPr>
-          <a:lstStyle/>
-          <a:p>
-            <a:r>
-              <a:rPr sz="4000" dirty="0">
-                <a:latin typeface="Calibri" panose="020F0502020204030204" pitchFamily="34" charset="0"/>
-                <a:cs typeface="Calibri" panose="020F0502020204030204" pitchFamily="34" charset="0"/>
-              </a:rPr>
-              <a:t>Types in Typescript</a:t>
-            </a:r>
-          </a:p>
-        </p:txBody>
-      </p:sp>
-      <p:sp>
-        <p:nvSpPr>
-          <p:cNvPr id="142" name="Types can be Implicit…"/>
-          <p:cNvSpPr txBox="1">
-            <a:spLocks noGrp="1"/>
-          </p:cNvSpPr>
-          <p:nvPr>
-            <p:ph type="body" idx="1"/>
-          </p:nvPr>
-        </p:nvSpPr>
-        <p:spPr>
-          <a:prstGeom prst="rect">
-            <a:avLst/>
-          </a:prstGeom>
-        </p:spPr>
-        <p:txBody>
-          <a:bodyPr anchor="t">
-            <a:noAutofit/>
-          </a:bodyPr>
-          <a:lstStyle/>
-          <a:p>
-            <a:pPr marL="250031" indent="-250031" defTabSz="457200">
-              <a:lnSpc>
-                <a:spcPct val="150000"/>
-              </a:lnSpc>
-              <a:spcBef>
-                <a:spcPts val="1500"/>
-              </a:spcBef>
-              <a:defRPr b="1">
-                <a:solidFill>
-                  <a:srgbClr val="333333"/>
-                </a:solidFill>
-              </a:defRPr>
-            </a:pPr>
-            <a:r>
-              <a:rPr sz="2000" dirty="0">
-                <a:latin typeface="Calibri" panose="020F0502020204030204" pitchFamily="34" charset="0"/>
-                <a:cs typeface="Calibri" panose="020F0502020204030204" pitchFamily="34" charset="0"/>
-              </a:rPr>
-              <a:t>Types can be Implicit</a:t>
-            </a:r>
-          </a:p>
-          <a:p>
-            <a:pPr marL="0" indent="0" defTabSz="457200">
-              <a:lnSpc>
-                <a:spcPct val="150000"/>
-              </a:lnSpc>
-              <a:spcBef>
-                <a:spcPts val="0"/>
-              </a:spcBef>
-              <a:buSzTx/>
-              <a:buNone/>
-              <a:defRPr>
-                <a:solidFill>
-                  <a:srgbClr val="333333"/>
-                </a:solidFill>
-                <a:latin typeface="Menlo"/>
-                <a:ea typeface="Menlo"/>
-                <a:cs typeface="Menlo"/>
-                <a:sym typeface="Menlo"/>
-              </a:defRPr>
-            </a:pPr>
-            <a:r>
-              <a:rPr sz="2000" dirty="0" err="1">
-                <a:solidFill>
-                  <a:srgbClr val="8959A8"/>
-                </a:solidFill>
-                <a:latin typeface="Calibri" panose="020F0502020204030204" pitchFamily="34" charset="0"/>
-                <a:cs typeface="Calibri" panose="020F0502020204030204" pitchFamily="34" charset="0"/>
-              </a:rPr>
-              <a:t>var</a:t>
-            </a:r>
-            <a:r>
-              <a:rPr sz="2000" dirty="0">
-                <a:latin typeface="Calibri" panose="020F0502020204030204" pitchFamily="34" charset="0"/>
-                <a:cs typeface="Calibri" panose="020F0502020204030204" pitchFamily="34" charset="0"/>
-              </a:rPr>
-              <a:t> foo = </a:t>
-            </a:r>
-            <a:r>
-              <a:rPr sz="2000" dirty="0">
-                <a:solidFill>
-                  <a:srgbClr val="F5871F"/>
-                </a:solidFill>
-                <a:latin typeface="Calibri" panose="020F0502020204030204" pitchFamily="34" charset="0"/>
-                <a:cs typeface="Calibri" panose="020F0502020204030204" pitchFamily="34" charset="0"/>
-              </a:rPr>
-              <a:t>123</a:t>
-            </a:r>
-            <a:r>
-              <a:rPr sz="2000" dirty="0">
-                <a:latin typeface="Calibri" panose="020F0502020204030204" pitchFamily="34" charset="0"/>
-                <a:cs typeface="Calibri" panose="020F0502020204030204" pitchFamily="34" charset="0"/>
-              </a:rPr>
-              <a:t>;</a:t>
-            </a:r>
-          </a:p>
-          <a:p>
-            <a:pPr marL="0" indent="0" defTabSz="457200">
-              <a:lnSpc>
-                <a:spcPct val="150000"/>
-              </a:lnSpc>
-              <a:spcBef>
-                <a:spcPts val="0"/>
-              </a:spcBef>
-              <a:buSzTx/>
-              <a:buNone/>
-              <a:defRPr>
-                <a:solidFill>
-                  <a:srgbClr val="8E908C"/>
-                </a:solidFill>
-                <a:latin typeface="Menlo"/>
-                <a:ea typeface="Menlo"/>
-                <a:cs typeface="Menlo"/>
-                <a:sym typeface="Menlo"/>
-              </a:defRPr>
-            </a:pPr>
-            <a:r>
-              <a:rPr sz="2000" dirty="0">
-                <a:solidFill>
-                  <a:srgbClr val="333333"/>
-                </a:solidFill>
-                <a:latin typeface="Calibri" panose="020F0502020204030204" pitchFamily="34" charset="0"/>
-                <a:cs typeface="Calibri" panose="020F0502020204030204" pitchFamily="34" charset="0"/>
-              </a:rPr>
-              <a:t>foo = </a:t>
-            </a:r>
-            <a:r>
-              <a:rPr sz="2000" dirty="0">
-                <a:solidFill>
-                  <a:srgbClr val="718C00"/>
-                </a:solidFill>
-                <a:latin typeface="Calibri" panose="020F0502020204030204" pitchFamily="34" charset="0"/>
-                <a:cs typeface="Calibri" panose="020F0502020204030204" pitchFamily="34" charset="0"/>
-              </a:rPr>
-              <a:t>'456'</a:t>
-            </a:r>
-            <a:r>
-              <a:rPr sz="2000" dirty="0">
-                <a:solidFill>
-                  <a:srgbClr val="333333"/>
-                </a:solidFill>
-                <a:latin typeface="Calibri" panose="020F0502020204030204" pitchFamily="34" charset="0"/>
-                <a:cs typeface="Calibri" panose="020F0502020204030204" pitchFamily="34" charset="0"/>
-              </a:rPr>
-              <a:t>; </a:t>
-            </a:r>
-            <a:r>
-              <a:rPr sz="2000" dirty="0">
-                <a:latin typeface="Calibri" panose="020F0502020204030204" pitchFamily="34" charset="0"/>
-                <a:cs typeface="Calibri" panose="020F0502020204030204" pitchFamily="34" charset="0"/>
-              </a:rPr>
-              <a:t>// Error: cannot assign `string` to `number</a:t>
-            </a:r>
-            <a:endParaRPr sz="2000" dirty="0">
-              <a:solidFill>
-                <a:srgbClr val="333333"/>
-              </a:solidFill>
-              <a:latin typeface="Calibri" panose="020F0502020204030204" pitchFamily="34" charset="0"/>
-              <a:cs typeface="Calibri" panose="020F0502020204030204" pitchFamily="34" charset="0"/>
-            </a:endParaRPr>
-          </a:p>
-          <a:p>
-            <a:pPr marL="0" indent="0" defTabSz="457200">
-              <a:lnSpc>
-                <a:spcPct val="150000"/>
-              </a:lnSpc>
-              <a:spcBef>
-                <a:spcPts val="0"/>
-              </a:spcBef>
-              <a:buSzTx/>
-              <a:buNone/>
-              <a:defRPr>
-                <a:solidFill>
-                  <a:srgbClr val="8E908C"/>
-                </a:solidFill>
-                <a:latin typeface="Menlo"/>
-                <a:ea typeface="Menlo"/>
-                <a:cs typeface="Menlo"/>
-                <a:sym typeface="Menlo"/>
-              </a:defRPr>
-            </a:pPr>
-            <a:endParaRPr sz="2000" dirty="0">
-              <a:solidFill>
-                <a:srgbClr val="333333"/>
-              </a:solidFill>
-              <a:latin typeface="Calibri" panose="020F0502020204030204" pitchFamily="34" charset="0"/>
-              <a:cs typeface="Calibri" panose="020F0502020204030204" pitchFamily="34" charset="0"/>
-            </a:endParaRPr>
-          </a:p>
-        </p:txBody>
-      </p:sp>
-    </p:spTree>
-  </p:cSld>
-  <p:clrMapOvr>
-    <a:masterClrMapping/>
-  </p:clrMapOvr>
-  <p:transition spd="med"/>
-</p:sld>
-</file>
-
-<file path=ppt/slides/slide18.xml><?xml version="1.0" encoding="utf-8"?>
-<p:sld xmlns:a="http://schemas.openxmlformats.org/drawingml/2006/main" xmlns:r="http://schemas.openxmlformats.org/officeDocument/2006/relationships" xmlns:p="http://schemas.openxmlformats.org/presentationml/2006/main">
-  <p:cSld>
-    <p:spTree>
-      <p:nvGrpSpPr>
-        <p:cNvPr id="1" name=""/>
-        <p:cNvGrpSpPr/>
-        <p:nvPr/>
-      </p:nvGrpSpPr>
-      <p:grpSpPr>
-        <a:xfrm>
-          <a:off x="0" y="0"/>
-          <a:ext cx="0" cy="0"/>
-          <a:chOff x="0" y="0"/>
-          <a:chExt cx="0" cy="0"/>
-        </a:xfrm>
-      </p:grpSpPr>
-      <p:sp>
-        <p:nvSpPr>
-          <p:cNvPr id="141" name="Types in Typescript"/>
-          <p:cNvSpPr txBox="1">
-            <a:spLocks noGrp="1"/>
-          </p:cNvSpPr>
-          <p:nvPr>
-            <p:ph type="title"/>
-          </p:nvPr>
-        </p:nvSpPr>
-        <p:spPr>
-          <a:prstGeom prst="rect">
-            <a:avLst/>
-          </a:prstGeom>
-        </p:spPr>
-        <p:txBody>
-          <a:bodyPr>
-            <a:normAutofit/>
-          </a:bodyPr>
-          <a:lstStyle/>
-          <a:p>
-            <a:r>
-              <a:rPr sz="4000" dirty="0">
-                <a:latin typeface="Calibri" panose="020F0502020204030204" pitchFamily="34" charset="0"/>
-                <a:cs typeface="Calibri" panose="020F0502020204030204" pitchFamily="34" charset="0"/>
-              </a:rPr>
-              <a:t>Types in Typescript</a:t>
-            </a:r>
-          </a:p>
-        </p:txBody>
-      </p:sp>
-      <p:sp>
-        <p:nvSpPr>
-          <p:cNvPr id="142" name="Types can be Implicit…"/>
-          <p:cNvSpPr txBox="1">
-            <a:spLocks noGrp="1"/>
-          </p:cNvSpPr>
-          <p:nvPr>
-            <p:ph type="body" idx="1"/>
-          </p:nvPr>
-        </p:nvSpPr>
-        <p:spPr>
-          <a:prstGeom prst="rect">
-            <a:avLst/>
-          </a:prstGeom>
-        </p:spPr>
-        <p:txBody>
-          <a:bodyPr anchor="t">
-            <a:noAutofit/>
-          </a:bodyPr>
-          <a:lstStyle/>
-          <a:p>
-            <a:pPr marL="250031" indent="-250031" defTabSz="457200">
-              <a:lnSpc>
-                <a:spcPct val="150000"/>
-              </a:lnSpc>
-              <a:spcBef>
-                <a:spcPts val="1500"/>
-              </a:spcBef>
-              <a:defRPr b="1">
-                <a:solidFill>
-                  <a:srgbClr val="333333"/>
-                </a:solidFill>
-              </a:defRPr>
-            </a:pPr>
-            <a:r>
-              <a:rPr sz="2000" dirty="0">
-                <a:latin typeface="Calibri" panose="020F0502020204030204" pitchFamily="34" charset="0"/>
-                <a:cs typeface="Calibri" panose="020F0502020204030204" pitchFamily="34" charset="0"/>
-              </a:rPr>
-              <a:t>Types can be Implicit</a:t>
-            </a:r>
-          </a:p>
-          <a:p>
-            <a:pPr marL="0" indent="0" defTabSz="457200">
-              <a:lnSpc>
-                <a:spcPct val="150000"/>
-              </a:lnSpc>
-              <a:spcBef>
-                <a:spcPts val="0"/>
-              </a:spcBef>
-              <a:buSzTx/>
-              <a:buNone/>
-              <a:defRPr>
-                <a:solidFill>
-                  <a:srgbClr val="333333"/>
-                </a:solidFill>
-                <a:latin typeface="Menlo"/>
-                <a:ea typeface="Menlo"/>
-                <a:cs typeface="Menlo"/>
-                <a:sym typeface="Menlo"/>
-              </a:defRPr>
-            </a:pPr>
-            <a:r>
-              <a:rPr sz="2000" dirty="0" err="1">
-                <a:solidFill>
-                  <a:srgbClr val="8959A8"/>
-                </a:solidFill>
-                <a:latin typeface="Calibri" panose="020F0502020204030204" pitchFamily="34" charset="0"/>
-                <a:cs typeface="Calibri" panose="020F0502020204030204" pitchFamily="34" charset="0"/>
-              </a:rPr>
-              <a:t>var</a:t>
-            </a:r>
-            <a:r>
-              <a:rPr sz="2000" dirty="0">
-                <a:latin typeface="Calibri" panose="020F0502020204030204" pitchFamily="34" charset="0"/>
-                <a:cs typeface="Calibri" panose="020F0502020204030204" pitchFamily="34" charset="0"/>
-              </a:rPr>
-              <a:t> foo = </a:t>
-            </a:r>
-            <a:r>
-              <a:rPr sz="2000" dirty="0">
-                <a:solidFill>
-                  <a:srgbClr val="F5871F"/>
-                </a:solidFill>
-                <a:latin typeface="Calibri" panose="020F0502020204030204" pitchFamily="34" charset="0"/>
-                <a:cs typeface="Calibri" panose="020F0502020204030204" pitchFamily="34" charset="0"/>
-              </a:rPr>
-              <a:t>123</a:t>
-            </a:r>
-            <a:r>
-              <a:rPr sz="2000" dirty="0">
-                <a:latin typeface="Calibri" panose="020F0502020204030204" pitchFamily="34" charset="0"/>
-                <a:cs typeface="Calibri" panose="020F0502020204030204" pitchFamily="34" charset="0"/>
-              </a:rPr>
-              <a:t>;</a:t>
-            </a:r>
-          </a:p>
-          <a:p>
-            <a:pPr marL="0" indent="0" defTabSz="457200">
-              <a:lnSpc>
-                <a:spcPct val="150000"/>
-              </a:lnSpc>
-              <a:spcBef>
-                <a:spcPts val="0"/>
-              </a:spcBef>
-              <a:buSzTx/>
-              <a:buNone/>
-              <a:defRPr>
-                <a:solidFill>
-                  <a:srgbClr val="8E908C"/>
-                </a:solidFill>
-                <a:latin typeface="Menlo"/>
-                <a:ea typeface="Menlo"/>
-                <a:cs typeface="Menlo"/>
-                <a:sym typeface="Menlo"/>
-              </a:defRPr>
-            </a:pPr>
-            <a:r>
-              <a:rPr sz="2000" dirty="0">
-                <a:solidFill>
-                  <a:srgbClr val="333333"/>
-                </a:solidFill>
-                <a:latin typeface="Calibri" panose="020F0502020204030204" pitchFamily="34" charset="0"/>
-                <a:cs typeface="Calibri" panose="020F0502020204030204" pitchFamily="34" charset="0"/>
-              </a:rPr>
-              <a:t>foo = </a:t>
-            </a:r>
-            <a:r>
-              <a:rPr sz="2000" dirty="0">
-                <a:solidFill>
-                  <a:srgbClr val="718C00"/>
-                </a:solidFill>
-                <a:latin typeface="Calibri" panose="020F0502020204030204" pitchFamily="34" charset="0"/>
-                <a:cs typeface="Calibri" panose="020F0502020204030204" pitchFamily="34" charset="0"/>
-              </a:rPr>
-              <a:t>'456'</a:t>
-            </a:r>
-            <a:r>
-              <a:rPr sz="2000" dirty="0">
-                <a:solidFill>
-                  <a:srgbClr val="333333"/>
-                </a:solidFill>
-                <a:latin typeface="Calibri" panose="020F0502020204030204" pitchFamily="34" charset="0"/>
-                <a:cs typeface="Calibri" panose="020F0502020204030204" pitchFamily="34" charset="0"/>
-              </a:rPr>
-              <a:t>; </a:t>
-            </a:r>
-            <a:r>
-              <a:rPr sz="2000" dirty="0">
-                <a:latin typeface="Calibri" panose="020F0502020204030204" pitchFamily="34" charset="0"/>
-                <a:cs typeface="Calibri" panose="020F0502020204030204" pitchFamily="34" charset="0"/>
-              </a:rPr>
-              <a:t>// Error: cannot assign `string` to `number</a:t>
-            </a:r>
-            <a:endParaRPr lang="en-US" sz="2000" dirty="0">
-              <a:solidFill>
-                <a:srgbClr val="333333"/>
-              </a:solidFill>
-              <a:latin typeface="Calibri" panose="020F0502020204030204" pitchFamily="34" charset="0"/>
-              <a:cs typeface="Calibri" panose="020F0502020204030204" pitchFamily="34" charset="0"/>
-            </a:endParaRPr>
-          </a:p>
-          <a:p>
-            <a:pPr marL="250031" indent="-250031" defTabSz="457200">
-              <a:lnSpc>
-                <a:spcPct val="150000"/>
-              </a:lnSpc>
-              <a:spcBef>
-                <a:spcPts val="1500"/>
-              </a:spcBef>
-              <a:defRPr b="1">
-                <a:solidFill>
-                  <a:srgbClr val="333333"/>
-                </a:solidFill>
-              </a:defRPr>
-            </a:pPr>
-            <a:r>
-              <a:rPr lang="en-US" sz="2000" dirty="0">
-                <a:latin typeface="Calibri" panose="020F0502020204030204" pitchFamily="34" charset="0"/>
-                <a:cs typeface="Calibri" panose="020F0502020204030204" pitchFamily="34" charset="0"/>
-              </a:rPr>
-              <a:t>Types can be Explicit</a:t>
-            </a:r>
-          </a:p>
-          <a:p>
-            <a:pPr marL="0" indent="0" defTabSz="457200">
-              <a:lnSpc>
-                <a:spcPct val="150000"/>
-              </a:lnSpc>
-              <a:spcBef>
-                <a:spcPts val="0"/>
-              </a:spcBef>
-              <a:buSzTx/>
-              <a:buNone/>
-              <a:defRPr>
-                <a:solidFill>
-                  <a:srgbClr val="333333"/>
-                </a:solidFill>
-                <a:latin typeface="Menlo"/>
-                <a:ea typeface="Menlo"/>
-                <a:cs typeface="Menlo"/>
-                <a:sym typeface="Menlo"/>
-              </a:defRPr>
-            </a:pPr>
-            <a:r>
-              <a:rPr lang="en-US" sz="2000" dirty="0" err="1">
-                <a:solidFill>
-                  <a:srgbClr val="8959A8"/>
-                </a:solidFill>
-                <a:latin typeface="Calibri" panose="020F0502020204030204" pitchFamily="34" charset="0"/>
-                <a:cs typeface="Calibri" panose="020F0502020204030204" pitchFamily="34" charset="0"/>
-              </a:rPr>
-              <a:t>var</a:t>
-            </a:r>
-            <a:r>
-              <a:rPr lang="en-US" sz="2000" dirty="0">
-                <a:latin typeface="Calibri" panose="020F0502020204030204" pitchFamily="34" charset="0"/>
-                <a:cs typeface="Calibri" panose="020F0502020204030204" pitchFamily="34" charset="0"/>
-              </a:rPr>
-              <a:t> foo: </a:t>
-            </a:r>
-            <a:r>
-              <a:rPr lang="en-US" sz="2000" dirty="0">
-                <a:solidFill>
-                  <a:srgbClr val="F5871F"/>
-                </a:solidFill>
-                <a:latin typeface="Calibri" panose="020F0502020204030204" pitchFamily="34" charset="0"/>
-                <a:cs typeface="Calibri" panose="020F0502020204030204" pitchFamily="34" charset="0"/>
-              </a:rPr>
-              <a:t>number</a:t>
-            </a:r>
-            <a:r>
-              <a:rPr lang="en-US" sz="2000" dirty="0">
-                <a:latin typeface="Calibri" panose="020F0502020204030204" pitchFamily="34" charset="0"/>
-                <a:cs typeface="Calibri" panose="020F0502020204030204" pitchFamily="34" charset="0"/>
-              </a:rPr>
-              <a:t> = </a:t>
-            </a:r>
-            <a:r>
-              <a:rPr lang="en-US" sz="2000" dirty="0">
-                <a:solidFill>
-                  <a:srgbClr val="F5871F"/>
-                </a:solidFill>
-                <a:latin typeface="Calibri" panose="020F0502020204030204" pitchFamily="34" charset="0"/>
-                <a:cs typeface="Calibri" panose="020F0502020204030204" pitchFamily="34" charset="0"/>
-              </a:rPr>
-              <a:t>123</a:t>
-            </a:r>
-            <a:r>
-              <a:rPr lang="en-US" sz="2000" dirty="0">
-                <a:latin typeface="Calibri" panose="020F0502020204030204" pitchFamily="34" charset="0"/>
-                <a:cs typeface="Calibri" panose="020F0502020204030204" pitchFamily="34" charset="0"/>
-              </a:rPr>
-              <a:t>;</a:t>
-            </a:r>
-          </a:p>
-          <a:p>
-            <a:pPr marL="0" indent="0" defTabSz="457200">
-              <a:lnSpc>
-                <a:spcPct val="150000"/>
-              </a:lnSpc>
-              <a:spcBef>
-                <a:spcPts val="0"/>
-              </a:spcBef>
-              <a:buSzTx/>
-              <a:buNone/>
-              <a:defRPr>
-                <a:solidFill>
-                  <a:srgbClr val="8E908C"/>
-                </a:solidFill>
-                <a:latin typeface="Menlo"/>
-                <a:ea typeface="Menlo"/>
-                <a:cs typeface="Menlo"/>
-                <a:sym typeface="Menlo"/>
-              </a:defRPr>
-            </a:pPr>
-            <a:r>
-              <a:rPr lang="en-US" sz="2000" dirty="0" err="1">
-                <a:solidFill>
-                  <a:srgbClr val="8959A8"/>
-                </a:solidFill>
-                <a:latin typeface="Calibri" panose="020F0502020204030204" pitchFamily="34" charset="0"/>
-                <a:cs typeface="Calibri" panose="020F0502020204030204" pitchFamily="34" charset="0"/>
-              </a:rPr>
-              <a:t>var</a:t>
-            </a:r>
-            <a:r>
-              <a:rPr lang="en-US" sz="2000" dirty="0">
-                <a:solidFill>
-                  <a:srgbClr val="333333"/>
-                </a:solidFill>
-                <a:latin typeface="Calibri" panose="020F0502020204030204" pitchFamily="34" charset="0"/>
-                <a:cs typeface="Calibri" panose="020F0502020204030204" pitchFamily="34" charset="0"/>
-              </a:rPr>
-              <a:t> foo: </a:t>
-            </a:r>
-            <a:r>
-              <a:rPr lang="en-US" sz="2000" dirty="0">
-                <a:solidFill>
-                  <a:srgbClr val="F5871F"/>
-                </a:solidFill>
-                <a:latin typeface="Calibri" panose="020F0502020204030204" pitchFamily="34" charset="0"/>
-                <a:cs typeface="Calibri" panose="020F0502020204030204" pitchFamily="34" charset="0"/>
-              </a:rPr>
-              <a:t>number</a:t>
-            </a:r>
-            <a:r>
-              <a:rPr lang="en-US" sz="2000" dirty="0">
-                <a:solidFill>
-                  <a:srgbClr val="333333"/>
-                </a:solidFill>
-                <a:latin typeface="Calibri" panose="020F0502020204030204" pitchFamily="34" charset="0"/>
-                <a:cs typeface="Calibri" panose="020F0502020204030204" pitchFamily="34" charset="0"/>
-              </a:rPr>
-              <a:t> = </a:t>
-            </a:r>
-            <a:r>
-              <a:rPr lang="en-US" sz="2000" dirty="0">
-                <a:solidFill>
-                  <a:srgbClr val="718C00"/>
-                </a:solidFill>
-                <a:latin typeface="Calibri" panose="020F0502020204030204" pitchFamily="34" charset="0"/>
-                <a:cs typeface="Calibri" panose="020F0502020204030204" pitchFamily="34" charset="0"/>
-              </a:rPr>
-              <a:t>'123'</a:t>
-            </a:r>
-            <a:r>
-              <a:rPr lang="en-US" sz="2000" dirty="0">
-                <a:solidFill>
-                  <a:srgbClr val="333333"/>
-                </a:solidFill>
-                <a:latin typeface="Calibri" panose="020F0502020204030204" pitchFamily="34" charset="0"/>
-                <a:cs typeface="Calibri" panose="020F0502020204030204" pitchFamily="34" charset="0"/>
-              </a:rPr>
-              <a:t>; </a:t>
-            </a:r>
-            <a:r>
-              <a:rPr lang="en-US" sz="2000" dirty="0">
-                <a:latin typeface="Calibri" panose="020F0502020204030204" pitchFamily="34" charset="0"/>
-                <a:cs typeface="Calibri" panose="020F0502020204030204" pitchFamily="34" charset="0"/>
-              </a:rPr>
-              <a:t>// Error: cannot assign a `string` to a `number`</a:t>
-            </a:r>
-            <a:endParaRPr lang="en-US" sz="2000" dirty="0">
-              <a:solidFill>
-                <a:srgbClr val="333333"/>
-              </a:solidFill>
-              <a:latin typeface="Calibri" panose="020F0502020204030204" pitchFamily="34" charset="0"/>
-              <a:cs typeface="Calibri" panose="020F0502020204030204" pitchFamily="34" charset="0"/>
-            </a:endParaRPr>
-          </a:p>
-          <a:p>
-            <a:pPr marL="0" indent="0" defTabSz="457200">
-              <a:lnSpc>
-                <a:spcPct val="150000"/>
-              </a:lnSpc>
-              <a:spcBef>
-                <a:spcPts val="0"/>
-              </a:spcBef>
-              <a:buSzTx/>
-              <a:buNone/>
-              <a:defRPr>
-                <a:solidFill>
-                  <a:srgbClr val="8E908C"/>
-                </a:solidFill>
-                <a:latin typeface="Menlo"/>
-                <a:ea typeface="Menlo"/>
-                <a:cs typeface="Menlo"/>
-                <a:sym typeface="Menlo"/>
-              </a:defRPr>
-            </a:pPr>
-            <a:endParaRPr sz="2000" dirty="0">
-              <a:solidFill>
-                <a:srgbClr val="333333"/>
-              </a:solidFill>
-              <a:latin typeface="Calibri" panose="020F0502020204030204" pitchFamily="34" charset="0"/>
-              <a:cs typeface="Calibri" panose="020F0502020204030204" pitchFamily="34" charset="0"/>
-            </a:endParaRPr>
-          </a:p>
-        </p:txBody>
-      </p:sp>
-    </p:spTree>
-    <p:extLst>
-      <p:ext uri="{BB962C8B-B14F-4D97-AF65-F5344CB8AC3E}">
-        <p14:creationId xmlns:p14="http://schemas.microsoft.com/office/powerpoint/2010/main" val="1984492712"/>
-      </p:ext>
-    </p:extLst>
-  </p:cSld>
-  <p:clrMapOvr>
-    <a:masterClrMapping/>
-  </p:clrMapOvr>
-  <p:transition spd="med"/>
-</p:sld>
-</file>
-
-<file path=ppt/slides/slide19.xml><?xml version="1.0" encoding="utf-8"?>
-<p:sld xmlns:a="http://schemas.openxmlformats.org/drawingml/2006/main" xmlns:r="http://schemas.openxmlformats.org/officeDocument/2006/relationships" xmlns:p="http://schemas.openxmlformats.org/presentationml/2006/main">
-  <p:cSld>
-    <p:spTree>
-      <p:nvGrpSpPr>
-        <p:cNvPr id="1" name=""/>
-        <p:cNvGrpSpPr/>
-        <p:nvPr/>
-      </p:nvGrpSpPr>
-      <p:grpSpPr>
-        <a:xfrm>
-          <a:off x="0" y="0"/>
-          <a:ext cx="0" cy="0"/>
-          <a:chOff x="0" y="0"/>
-          <a:chExt cx="0" cy="0"/>
-        </a:xfrm>
-      </p:grpSpPr>
-      <p:sp>
-        <p:nvSpPr>
-          <p:cNvPr id="144" name="Types in Typescript"/>
-          <p:cNvSpPr txBox="1">
-            <a:spLocks noGrp="1"/>
-          </p:cNvSpPr>
-          <p:nvPr>
-            <p:ph type="title"/>
-          </p:nvPr>
-        </p:nvSpPr>
-        <p:spPr>
-          <a:prstGeom prst="rect">
-            <a:avLst/>
-          </a:prstGeom>
-        </p:spPr>
-        <p:txBody>
-          <a:bodyPr>
-            <a:normAutofit/>
-          </a:bodyPr>
-          <a:lstStyle/>
-          <a:p>
-            <a:r>
-              <a:rPr sz="4000" dirty="0">
-                <a:latin typeface="Calibri" panose="020F0502020204030204" pitchFamily="34" charset="0"/>
-                <a:cs typeface="Calibri" panose="020F0502020204030204" pitchFamily="34" charset="0"/>
-              </a:rPr>
-              <a:t>Types in Typescript</a:t>
-            </a:r>
-            <a:r>
-              <a:rPr lang="en-US" sz="4000" dirty="0">
-                <a:latin typeface="Calibri" panose="020F0502020204030204" pitchFamily="34" charset="0"/>
-                <a:cs typeface="Calibri" panose="020F0502020204030204" pitchFamily="34" charset="0"/>
-              </a:rPr>
-              <a:t>.</a:t>
-            </a:r>
-            <a:endParaRPr sz="4000" dirty="0">
-              <a:latin typeface="Calibri" panose="020F0502020204030204" pitchFamily="34" charset="0"/>
-              <a:cs typeface="Calibri" panose="020F0502020204030204" pitchFamily="34" charset="0"/>
-            </a:endParaRPr>
-          </a:p>
-        </p:txBody>
-      </p:sp>
-      <p:sp>
-        <p:nvSpPr>
-          <p:cNvPr id="145" name="There are additional types that we don’t have in  languages such as Java and C#…"/>
-          <p:cNvSpPr txBox="1">
-            <a:spLocks noGrp="1"/>
-          </p:cNvSpPr>
-          <p:nvPr>
-            <p:ph type="body" idx="1"/>
-          </p:nvPr>
-        </p:nvSpPr>
-        <p:spPr>
-          <a:prstGeom prst="rect">
-            <a:avLst/>
-          </a:prstGeom>
-        </p:spPr>
-        <p:txBody>
-          <a:bodyPr anchor="t">
-            <a:normAutofit/>
-          </a:bodyPr>
-          <a:lstStyle/>
-          <a:p>
-            <a:pPr marL="324485" indent="-324485" defTabSz="426466">
-              <a:spcBef>
-                <a:spcPts val="3000"/>
-              </a:spcBef>
-              <a:defRPr sz="2336">
-                <a:latin typeface="Helvetica"/>
-                <a:ea typeface="Helvetica"/>
-                <a:cs typeface="Helvetica"/>
-                <a:sym typeface="Helvetica"/>
-              </a:defRPr>
-            </a:pPr>
-            <a:r>
-              <a:rPr sz="2000" dirty="0">
-                <a:latin typeface="Calibri" panose="020F0502020204030204" pitchFamily="34" charset="0"/>
-                <a:cs typeface="Calibri" panose="020F0502020204030204" pitchFamily="34" charset="0"/>
-              </a:rPr>
-              <a:t>There are additional types that we don’t have in  languages such as Java and C#</a:t>
-            </a:r>
-          </a:p>
-          <a:p>
-            <a:pPr marL="324485" indent="-324485" defTabSz="426466">
-              <a:spcBef>
-                <a:spcPts val="3000"/>
-              </a:spcBef>
-              <a:defRPr sz="2336" u="sng">
-                <a:latin typeface="Helvetica"/>
-                <a:ea typeface="Helvetica"/>
-                <a:cs typeface="Helvetica"/>
-                <a:sym typeface="Helvetica"/>
-              </a:defRPr>
-            </a:pPr>
-            <a:r>
-              <a:rPr sz="2000" dirty="0">
-                <a:latin typeface="Calibri" panose="020F0502020204030204" pitchFamily="34" charset="0"/>
-                <a:cs typeface="Calibri" panose="020F0502020204030204" pitchFamily="34" charset="0"/>
-              </a:rPr>
-              <a:t>Union types</a:t>
-            </a:r>
-          </a:p>
-          <a:p>
-            <a:pPr marL="648970" lvl="1" indent="-324485" defTabSz="426466">
-              <a:spcBef>
-                <a:spcPts val="3000"/>
-              </a:spcBef>
-              <a:defRPr sz="2336"/>
-            </a:pPr>
-            <a:r>
-              <a:rPr sz="2000" dirty="0">
-                <a:latin typeface="Calibri" panose="020F0502020204030204" pitchFamily="34" charset="0"/>
-                <a:cs typeface="Calibri" panose="020F0502020204030204" pitchFamily="34" charset="0"/>
-              </a:rPr>
-              <a:t>we can join types together, obtaining all values of both types:</a:t>
-            </a:r>
-          </a:p>
-          <a:p>
-            <a:pPr marL="0" lvl="5" indent="834390" defTabSz="426466">
-              <a:spcBef>
-                <a:spcPts val="3000"/>
-              </a:spcBef>
-              <a:buSzTx/>
-              <a:buNone/>
-              <a:defRPr sz="2336"/>
-            </a:pPr>
-            <a:r>
-              <a:rPr sz="2000" dirty="0">
-                <a:solidFill>
-                  <a:schemeClr val="accent1">
-                    <a:hueOff val="114395"/>
-                    <a:lumOff val="-24975"/>
-                  </a:schemeClr>
-                </a:solidFill>
-                <a:latin typeface="Calibri" panose="020F0502020204030204" pitchFamily="34" charset="0"/>
-                <a:cs typeface="Calibri" panose="020F0502020204030204" pitchFamily="34" charset="0"/>
-              </a:rPr>
-              <a:t>let</a:t>
-            </a:r>
-            <a:r>
-              <a:rPr sz="2000" dirty="0">
-                <a:latin typeface="Calibri" panose="020F0502020204030204" pitchFamily="34" charset="0"/>
-                <a:cs typeface="Calibri" panose="020F0502020204030204" pitchFamily="34" charset="0"/>
-              </a:rPr>
-              <a:t> x1: number | </a:t>
-            </a:r>
-            <a:r>
-              <a:rPr sz="2000" dirty="0">
-                <a:solidFill>
-                  <a:schemeClr val="accent5">
-                    <a:lumOff val="-29866"/>
-                  </a:schemeClr>
-                </a:solidFill>
-                <a:latin typeface="Calibri" panose="020F0502020204030204" pitchFamily="34" charset="0"/>
-                <a:cs typeface="Calibri" panose="020F0502020204030204" pitchFamily="34" charset="0"/>
-              </a:rPr>
-              <a:t>"loading"</a:t>
-            </a:r>
-            <a:r>
-              <a:rPr sz="2000" dirty="0">
-                <a:latin typeface="Calibri" panose="020F0502020204030204" pitchFamily="34" charset="0"/>
-                <a:cs typeface="Calibri" panose="020F0502020204030204" pitchFamily="34" charset="0"/>
-              </a:rPr>
-              <a:t> | </a:t>
-            </a:r>
-            <a:r>
-              <a:rPr sz="2000" dirty="0">
-                <a:solidFill>
-                  <a:schemeClr val="accent5">
-                    <a:lumOff val="-29866"/>
-                  </a:schemeClr>
-                </a:solidFill>
-                <a:latin typeface="Calibri" panose="020F0502020204030204" pitchFamily="34" charset="0"/>
-                <a:cs typeface="Calibri" panose="020F0502020204030204" pitchFamily="34" charset="0"/>
-              </a:rPr>
-              <a:t>"error" </a:t>
-            </a:r>
-            <a:r>
-              <a:rPr sz="2000" dirty="0">
-                <a:latin typeface="Calibri" panose="020F0502020204030204" pitchFamily="34" charset="0"/>
-                <a:cs typeface="Calibri" panose="020F0502020204030204" pitchFamily="34" charset="0"/>
-              </a:rPr>
-              <a:t>= </a:t>
-            </a:r>
-            <a:r>
-              <a:rPr sz="2000" dirty="0">
-                <a:solidFill>
-                  <a:schemeClr val="accent5">
-                    <a:lumOff val="-29866"/>
-                  </a:schemeClr>
-                </a:solidFill>
-                <a:latin typeface="Calibri" panose="020F0502020204030204" pitchFamily="34" charset="0"/>
-                <a:cs typeface="Calibri" panose="020F0502020204030204" pitchFamily="34" charset="0"/>
-              </a:rPr>
-              <a:t>"loading"</a:t>
             </a:r>
           </a:p>
         </p:txBody>
@@ -6570,7 +6927,7 @@
       </p:grpSpPr>
       <p:sp>
         <p:nvSpPr>
-          <p:cNvPr id="144" name="Types in Typescript"/>
+          <p:cNvPr id="141" name="Types in Typescript"/>
           <p:cNvSpPr txBox="1">
             <a:spLocks noGrp="1"/>
           </p:cNvSpPr>
@@ -6596,23 +6953,12 @@
               </a:rPr>
               <a:t>Types in Typescript</a:t>
             </a:r>
-            <a:r>
-              <a:rPr lang="en-US" sz="4000" dirty="0">
-                <a:latin typeface="Calibri" panose="020F0502020204030204" pitchFamily="34" charset="0"/>
-                <a:cs typeface="Calibri" panose="020F0502020204030204" pitchFamily="34" charset="0"/>
-              </a:rPr>
-              <a:t>.</a:t>
-            </a:r>
-            <a:endParaRPr sz="4000" dirty="0">
-              <a:latin typeface="Calibri" panose="020F0502020204030204" pitchFamily="34" charset="0"/>
-              <a:cs typeface="Calibri" panose="020F0502020204030204" pitchFamily="34" charset="0"/>
-            </a:endParaRPr>
           </a:p>
         </p:txBody>
       </p:sp>
       <p:sp>
         <p:nvSpPr>
-          <p:cNvPr id="145" name="There are additional types that we don’t have in  languages such as Java and C#…"/>
+          <p:cNvPr id="142" name="Types can be Implicit…"/>
           <p:cNvSpPr txBox="1">
             <a:spLocks noGrp="1"/>
           </p:cNvSpPr>
@@ -6627,19 +6973,21 @@
         </p:spPr>
         <p:txBody>
           <a:bodyPr anchor="t">
-            <a:normAutofit/>
+            <a:noAutofit/>
           </a:bodyPr>
           <a:lstStyle/>
           <a:p>
-            <a:pPr marL="324485" indent="-324485" defTabSz="426466">
-              <a:spcBef>
-                <a:spcPts val="3000"/>
-              </a:spcBef>
-              <a:defRPr sz="2336">
-                <a:latin typeface="Helvetica"/>
-                <a:ea typeface="Helvetica"/>
-                <a:cs typeface="Helvetica"/>
-                <a:sym typeface="Helvetica"/>
+            <a:pPr marL="250031" indent="-250031" defTabSz="457200">
+              <a:lnSpc>
+                <a:spcPct val="150000"/>
+              </a:lnSpc>
+              <a:spcBef>
+                <a:spcPts val="1500"/>
+              </a:spcBef>
+              <a:defRPr b="1">
+                <a:solidFill>
+                  <a:srgbClr val="333333"/>
+                </a:solidFill>
               </a:defRPr>
             </a:pPr>
             <a:r>
@@ -6647,207 +6995,600 @@
                 <a:latin typeface="Calibri" panose="020F0502020204030204" pitchFamily="34" charset="0"/>
                 <a:cs typeface="Calibri" panose="020F0502020204030204" pitchFamily="34" charset="0"/>
               </a:rPr>
-              <a:t>There are additional types that we don’t have in  languages such as Java and C#</a:t>
-            </a:r>
-          </a:p>
-          <a:p>
-            <a:pPr marL="324485" indent="-324485" defTabSz="426466">
-              <a:spcBef>
-                <a:spcPts val="3000"/>
-              </a:spcBef>
-              <a:defRPr sz="2336" u="sng">
-                <a:latin typeface="Helvetica"/>
-                <a:ea typeface="Helvetica"/>
-                <a:cs typeface="Helvetica"/>
-                <a:sym typeface="Helvetica"/>
-              </a:defRPr>
-            </a:pPr>
-            <a:r>
-              <a:rPr sz="2000" dirty="0">
-                <a:latin typeface="Calibri" panose="020F0502020204030204" pitchFamily="34" charset="0"/>
-                <a:cs typeface="Calibri" panose="020F0502020204030204" pitchFamily="34" charset="0"/>
-              </a:rPr>
-              <a:t>Union types</a:t>
-            </a:r>
-          </a:p>
-          <a:p>
-            <a:pPr marL="648970" lvl="1" indent="-324485" defTabSz="426466">
-              <a:spcBef>
-                <a:spcPts val="3000"/>
-              </a:spcBef>
-              <a:defRPr sz="2336"/>
-            </a:pPr>
-            <a:r>
-              <a:rPr sz="2000" dirty="0">
-                <a:latin typeface="Calibri" panose="020F0502020204030204" pitchFamily="34" charset="0"/>
-                <a:cs typeface="Calibri" panose="020F0502020204030204" pitchFamily="34" charset="0"/>
-              </a:rPr>
-              <a:t>we can join types together, obtaining all values of both types:</a:t>
-            </a:r>
-          </a:p>
-          <a:p>
-            <a:pPr marL="0" lvl="5" indent="834390" defTabSz="426466">
-              <a:spcBef>
-                <a:spcPts val="3000"/>
+              <a:t>Types can be Implicit</a:t>
+            </a:r>
+          </a:p>
+          <a:p>
+            <a:pPr marL="0" indent="0" defTabSz="457200">
+              <a:lnSpc>
+                <a:spcPct val="150000"/>
+              </a:lnSpc>
+              <a:spcBef>
+                <a:spcPts val="0"/>
               </a:spcBef>
               <a:buSzTx/>
               <a:buNone/>
-              <a:defRPr sz="2336"/>
-            </a:pPr>
+              <a:defRPr>
+                <a:solidFill>
+                  <a:srgbClr val="333333"/>
+                </a:solidFill>
+                <a:latin typeface="Menlo"/>
+                <a:ea typeface="Menlo"/>
+                <a:cs typeface="Menlo"/>
+                <a:sym typeface="Menlo"/>
+              </a:defRPr>
+            </a:pPr>
+            <a:r>
+              <a:rPr sz="2000" dirty="0" err="1">
+                <a:solidFill>
+                  <a:srgbClr val="8959A8"/>
+                </a:solidFill>
+                <a:latin typeface="Calibri" panose="020F0502020204030204" pitchFamily="34" charset="0"/>
+                <a:cs typeface="Calibri" panose="020F0502020204030204" pitchFamily="34" charset="0"/>
+              </a:rPr>
+              <a:t>var</a:t>
+            </a:r>
             <a:r>
               <a:rPr sz="2000" dirty="0">
-                <a:solidFill>
-                  <a:schemeClr val="accent1">
-                    <a:hueOff val="114395"/>
-                    <a:lumOff val="-24975"/>
-                  </a:schemeClr>
-                </a:solidFill>
-                <a:latin typeface="Calibri" panose="020F0502020204030204" pitchFamily="34" charset="0"/>
-                <a:cs typeface="Calibri" panose="020F0502020204030204" pitchFamily="34" charset="0"/>
-              </a:rPr>
-              <a:t>let</a:t>
+                <a:latin typeface="Calibri" panose="020F0502020204030204" pitchFamily="34" charset="0"/>
+                <a:cs typeface="Calibri" panose="020F0502020204030204" pitchFamily="34" charset="0"/>
+              </a:rPr>
+              <a:t> foo = </a:t>
+            </a:r>
+            <a:r>
+              <a:rPr lang="en-US" sz="2000" dirty="0">
+                <a:solidFill>
+                  <a:schemeClr val="tx1"/>
+                </a:solidFill>
+                <a:latin typeface="Calibri" panose="020F0502020204030204" pitchFamily="34" charset="0"/>
+                <a:cs typeface="Calibri" panose="020F0502020204030204" pitchFamily="34" charset="0"/>
+              </a:rPr>
+              <a:t>123</a:t>
             </a:r>
             <a:r>
               <a:rPr sz="2000" dirty="0">
                 <a:latin typeface="Calibri" panose="020F0502020204030204" pitchFamily="34" charset="0"/>
                 <a:cs typeface="Calibri" panose="020F0502020204030204" pitchFamily="34" charset="0"/>
               </a:rPr>
-              <a:t> x1: number | </a:t>
-            </a:r>
+              <a:t>;</a:t>
+            </a:r>
+          </a:p>
+          <a:p>
+            <a:pPr marL="0" indent="0" defTabSz="457200">
+              <a:lnSpc>
+                <a:spcPct val="150000"/>
+              </a:lnSpc>
+              <a:spcBef>
+                <a:spcPts val="0"/>
+              </a:spcBef>
+              <a:buSzTx/>
+              <a:buNone/>
+              <a:defRPr>
+                <a:solidFill>
+                  <a:srgbClr val="8E908C"/>
+                </a:solidFill>
+                <a:latin typeface="Menlo"/>
+                <a:ea typeface="Menlo"/>
+                <a:cs typeface="Menlo"/>
+                <a:sym typeface="Menlo"/>
+              </a:defRPr>
+            </a:pPr>
             <a:r>
               <a:rPr sz="2000" dirty="0">
                 <a:solidFill>
-                  <a:schemeClr val="accent5">
-                    <a:lumOff val="-29866"/>
-                  </a:schemeClr>
-                </a:solidFill>
-                <a:latin typeface="Calibri" panose="020F0502020204030204" pitchFamily="34" charset="0"/>
-                <a:cs typeface="Calibri" panose="020F0502020204030204" pitchFamily="34" charset="0"/>
-              </a:rPr>
-              <a:t>"loading"</a:t>
+                  <a:srgbClr val="333333"/>
+                </a:solidFill>
+                <a:latin typeface="Calibri" panose="020F0502020204030204" pitchFamily="34" charset="0"/>
+                <a:cs typeface="Calibri" panose="020F0502020204030204" pitchFamily="34" charset="0"/>
+              </a:rPr>
+              <a:t>foo = </a:t>
             </a:r>
             <a:r>
               <a:rPr sz="2000" dirty="0">
-                <a:latin typeface="Calibri" panose="020F0502020204030204" pitchFamily="34" charset="0"/>
-                <a:cs typeface="Calibri" panose="020F0502020204030204" pitchFamily="34" charset="0"/>
-              </a:rPr>
-              <a:t> | </a:t>
+                <a:solidFill>
+                  <a:srgbClr val="FFC000"/>
+                </a:solidFill>
+                <a:latin typeface="Calibri" panose="020F0502020204030204" pitchFamily="34" charset="0"/>
+                <a:cs typeface="Calibri" panose="020F0502020204030204" pitchFamily="34" charset="0"/>
+              </a:rPr>
+              <a:t>'456'</a:t>
             </a:r>
             <a:r>
               <a:rPr sz="2000" dirty="0">
                 <a:solidFill>
-                  <a:schemeClr val="accent5">
-                    <a:lumOff val="-29866"/>
-                  </a:schemeClr>
-                </a:solidFill>
-                <a:latin typeface="Calibri" panose="020F0502020204030204" pitchFamily="34" charset="0"/>
-                <a:cs typeface="Calibri" panose="020F0502020204030204" pitchFamily="34" charset="0"/>
-              </a:rPr>
-              <a:t>"error" </a:t>
+                  <a:srgbClr val="333333"/>
+                </a:solidFill>
+                <a:latin typeface="Calibri" panose="020F0502020204030204" pitchFamily="34" charset="0"/>
+                <a:cs typeface="Calibri" panose="020F0502020204030204" pitchFamily="34" charset="0"/>
+              </a:rPr>
+              <a:t>; </a:t>
+            </a:r>
+            <a:r>
+              <a:rPr lang="en-US" sz="2000" dirty="0">
+                <a:solidFill>
+                  <a:srgbClr val="333333"/>
+                </a:solidFill>
+                <a:latin typeface="Calibri" panose="020F0502020204030204" pitchFamily="34" charset="0"/>
+                <a:cs typeface="Calibri" panose="020F0502020204030204" pitchFamily="34" charset="0"/>
+              </a:rPr>
+              <a:t> </a:t>
             </a:r>
             <a:r>
               <a:rPr sz="2000" dirty="0">
                 <a:latin typeface="Calibri" panose="020F0502020204030204" pitchFamily="34" charset="0"/>
                 <a:cs typeface="Calibri" panose="020F0502020204030204" pitchFamily="34" charset="0"/>
               </a:rPr>
-              <a:t>= </a:t>
-            </a:r>
-            <a:r>
-              <a:rPr sz="2000" dirty="0">
-                <a:solidFill>
-                  <a:schemeClr val="accent5">
-                    <a:lumOff val="-29866"/>
-                  </a:schemeClr>
-                </a:solidFill>
-                <a:latin typeface="Calibri" panose="020F0502020204030204" pitchFamily="34" charset="0"/>
-                <a:cs typeface="Calibri" panose="020F0502020204030204" pitchFamily="34" charset="0"/>
-              </a:rPr>
-              <a:t>"loading"</a:t>
-            </a:r>
-            <a:endParaRPr lang="en-US" sz="2000" dirty="0">
+              <a:t>// Error: cannot assign `string` to `number</a:t>
+            </a:r>
+            <a:endParaRPr sz="2000" dirty="0">
               <a:solidFill>
-                <a:schemeClr val="accent5">
-                  <a:lumOff val="-29866"/>
-                </a:schemeClr>
+                <a:srgbClr val="333333"/>
               </a:solidFill>
               <a:latin typeface="Calibri" panose="020F0502020204030204" pitchFamily="34" charset="0"/>
               <a:cs typeface="Calibri" panose="020F0502020204030204" pitchFamily="34" charset="0"/>
             </a:endParaRPr>
           </a:p>
           <a:p>
-            <a:pPr marL="648970" lvl="1" indent="-324485" defTabSz="426466">
-              <a:spcBef>
-                <a:spcPts val="3000"/>
-              </a:spcBef>
-              <a:defRPr sz="2336"/>
-            </a:pPr>
-            <a:r>
-              <a:rPr lang="en-US" sz="2000" dirty="0">
-                <a:latin typeface="Calibri" panose="020F0502020204030204" pitchFamily="34" charset="0"/>
-                <a:cs typeface="Calibri" panose="020F0502020204030204" pitchFamily="34" charset="0"/>
-              </a:rPr>
-              <a:t>we can also join more complex types together</a:t>
-            </a:r>
-          </a:p>
-          <a:p>
-            <a:pPr marL="0" lvl="5" indent="834390" defTabSz="426466">
-              <a:spcBef>
-                <a:spcPts val="3000"/>
+            <a:pPr marL="0" indent="0" defTabSz="457200">
+              <a:lnSpc>
+                <a:spcPct val="150000"/>
+              </a:lnSpc>
+              <a:spcBef>
+                <a:spcPts val="0"/>
               </a:spcBef>
               <a:buSzTx/>
               <a:buNone/>
-              <a:defRPr sz="2336"/>
-            </a:pPr>
-            <a:r>
-              <a:rPr lang="en-US" sz="2000" dirty="0">
-                <a:solidFill>
-                  <a:schemeClr val="accent1">
-                    <a:hueOff val="114395"/>
-                    <a:lumOff val="-24975"/>
-                  </a:schemeClr>
-                </a:solidFill>
-                <a:latin typeface="Calibri" panose="020F0502020204030204" pitchFamily="34" charset="0"/>
-                <a:cs typeface="Calibri" panose="020F0502020204030204" pitchFamily="34" charset="0"/>
-              </a:rPr>
-              <a:t>type</a:t>
-            </a:r>
-            <a:r>
-              <a:rPr lang="en-US" sz="2000" dirty="0">
-                <a:latin typeface="Calibri" panose="020F0502020204030204" pitchFamily="34" charset="0"/>
-                <a:cs typeface="Calibri" panose="020F0502020204030204" pitchFamily="34" charset="0"/>
-              </a:rPr>
-              <a:t> Person = Student | Teacher</a:t>
-            </a:r>
-          </a:p>
-          <a:p>
-            <a:pPr marL="648970" lvl="1" indent="-324485" defTabSz="426466">
-              <a:spcBef>
-                <a:spcPts val="3000"/>
-              </a:spcBef>
-              <a:defRPr sz="2336"/>
-            </a:pPr>
-            <a:r>
-              <a:rPr lang="en-US" sz="2000" dirty="0">
-                <a:latin typeface="Calibri" panose="020F0502020204030204" pitchFamily="34" charset="0"/>
-                <a:cs typeface="Calibri" panose="020F0502020204030204" pitchFamily="34" charset="0"/>
-              </a:rPr>
-              <a:t>to recover the original type information, we can use a discriminated union</a:t>
-            </a:r>
-          </a:p>
-          <a:p>
-            <a:pPr marL="0" lvl="5" indent="834390" defTabSz="426466">
-              <a:spcBef>
-                <a:spcPts val="3000"/>
+              <a:defRPr>
+                <a:solidFill>
+                  <a:srgbClr val="8E908C"/>
+                </a:solidFill>
+                <a:latin typeface="Menlo"/>
+                <a:ea typeface="Menlo"/>
+                <a:cs typeface="Menlo"/>
+                <a:sym typeface="Menlo"/>
+              </a:defRPr>
+            </a:pPr>
+            <a:endParaRPr sz="2000" dirty="0">
+              <a:solidFill>
+                <a:srgbClr val="333333"/>
+              </a:solidFill>
+              <a:latin typeface="Calibri" panose="020F0502020204030204" pitchFamily="34" charset="0"/>
+              <a:cs typeface="Calibri" panose="020F0502020204030204" pitchFamily="34" charset="0"/>
+            </a:endParaRPr>
+          </a:p>
+        </p:txBody>
+      </p:sp>
+    </p:spTree>
+  </p:cSld>
+  <p:clrMapOvr>
+    <a:masterClrMapping/>
+  </p:clrMapOvr>
+  <p:transition spd="med"/>
+</p:sld>
+</file>
+
+<file path=ppt/slides/slide21.xml><?xml version="1.0" encoding="utf-8"?>
+<p:sld xmlns:a="http://schemas.openxmlformats.org/drawingml/2006/main" xmlns:r="http://schemas.openxmlformats.org/officeDocument/2006/relationships" xmlns:p="http://schemas.openxmlformats.org/presentationml/2006/main">
+  <p:cSld>
+    <p:spTree>
+      <p:nvGrpSpPr>
+        <p:cNvPr id="1" name=""/>
+        <p:cNvGrpSpPr/>
+        <p:nvPr/>
+      </p:nvGrpSpPr>
+      <p:grpSpPr>
+        <a:xfrm>
+          <a:off x="0" y="0"/>
+          <a:ext cx="0" cy="0"/>
+          <a:chOff x="0" y="0"/>
+          <a:chExt cx="0" cy="0"/>
+        </a:xfrm>
+      </p:grpSpPr>
+      <p:sp>
+        <p:nvSpPr>
+          <p:cNvPr id="141" name="Types in Typescript"/>
+          <p:cNvSpPr txBox="1">
+            <a:spLocks noGrp="1"/>
+          </p:cNvSpPr>
+          <p:nvPr>
+            <p:ph type="title"/>
+          </p:nvPr>
+        </p:nvSpPr>
+        <p:spPr>
+          <a:prstGeom prst="rect">
+            <a:avLst/>
+          </a:prstGeom>
+        </p:spPr>
+        <p:txBody>
+          <a:bodyPr>
+            <a:normAutofit/>
+          </a:bodyPr>
+          <a:lstStyle/>
+          <a:p>
+            <a:r>
+              <a:rPr sz="4000" dirty="0">
+                <a:latin typeface="Calibri" panose="020F0502020204030204" pitchFamily="34" charset="0"/>
+                <a:cs typeface="Calibri" panose="020F0502020204030204" pitchFamily="34" charset="0"/>
+              </a:rPr>
+              <a:t>Types in Typescript</a:t>
+            </a:r>
+          </a:p>
+        </p:txBody>
+      </p:sp>
+      <p:sp>
+        <p:nvSpPr>
+          <p:cNvPr id="142" name="Types can be Implicit…"/>
+          <p:cNvSpPr txBox="1">
+            <a:spLocks noGrp="1"/>
+          </p:cNvSpPr>
+          <p:nvPr>
+            <p:ph type="body" idx="1"/>
+          </p:nvPr>
+        </p:nvSpPr>
+        <p:spPr>
+          <a:prstGeom prst="rect">
+            <a:avLst/>
+          </a:prstGeom>
+        </p:spPr>
+        <p:txBody>
+          <a:bodyPr anchor="t">
+            <a:noAutofit/>
+          </a:bodyPr>
+          <a:lstStyle/>
+          <a:p>
+            <a:pPr marL="250031" indent="-250031" defTabSz="457200">
+              <a:lnSpc>
+                <a:spcPct val="150000"/>
+              </a:lnSpc>
+              <a:spcBef>
+                <a:spcPts val="1500"/>
+              </a:spcBef>
+              <a:defRPr b="1">
+                <a:solidFill>
+                  <a:srgbClr val="333333"/>
+                </a:solidFill>
+              </a:defRPr>
+            </a:pPr>
+            <a:r>
+              <a:rPr sz="2000" dirty="0">
+                <a:latin typeface="Calibri" panose="020F0502020204030204" pitchFamily="34" charset="0"/>
+                <a:cs typeface="Calibri" panose="020F0502020204030204" pitchFamily="34" charset="0"/>
+              </a:rPr>
+              <a:t>Types can be Implicit</a:t>
+            </a:r>
+          </a:p>
+          <a:p>
+            <a:pPr marL="0" indent="0" defTabSz="457200">
+              <a:lnSpc>
+                <a:spcPct val="150000"/>
+              </a:lnSpc>
+              <a:spcBef>
+                <a:spcPts val="0"/>
               </a:spcBef>
               <a:buSzTx/>
               <a:buNone/>
-              <a:defRPr sz="2336"/>
+              <a:defRPr>
+                <a:solidFill>
+                  <a:srgbClr val="333333"/>
+                </a:solidFill>
+                <a:latin typeface="Menlo"/>
+                <a:ea typeface="Menlo"/>
+                <a:cs typeface="Menlo"/>
+                <a:sym typeface="Menlo"/>
+              </a:defRPr>
+            </a:pPr>
+            <a:r>
+              <a:rPr sz="2000" dirty="0" err="1">
+                <a:solidFill>
+                  <a:srgbClr val="8959A8"/>
+                </a:solidFill>
+                <a:latin typeface="Calibri" panose="020F0502020204030204" pitchFamily="34" charset="0"/>
+                <a:cs typeface="Calibri" panose="020F0502020204030204" pitchFamily="34" charset="0"/>
+              </a:rPr>
+              <a:t>var</a:t>
+            </a:r>
+            <a:r>
+              <a:rPr sz="2000" dirty="0">
+                <a:latin typeface="Calibri" panose="020F0502020204030204" pitchFamily="34" charset="0"/>
+                <a:cs typeface="Calibri" panose="020F0502020204030204" pitchFamily="34" charset="0"/>
+              </a:rPr>
+              <a:t> foo = </a:t>
+            </a:r>
+            <a:r>
+              <a:rPr sz="2000" dirty="0">
+                <a:solidFill>
+                  <a:srgbClr val="F5871F"/>
+                </a:solidFill>
+                <a:latin typeface="Calibri" panose="020F0502020204030204" pitchFamily="34" charset="0"/>
+                <a:cs typeface="Calibri" panose="020F0502020204030204" pitchFamily="34" charset="0"/>
+              </a:rPr>
+              <a:t>123</a:t>
+            </a:r>
+            <a:r>
+              <a:rPr sz="2000" dirty="0">
+                <a:latin typeface="Calibri" panose="020F0502020204030204" pitchFamily="34" charset="0"/>
+                <a:cs typeface="Calibri" panose="020F0502020204030204" pitchFamily="34" charset="0"/>
+              </a:rPr>
+              <a:t>;</a:t>
+            </a:r>
+          </a:p>
+          <a:p>
+            <a:pPr marL="0" indent="0" defTabSz="457200">
+              <a:lnSpc>
+                <a:spcPct val="150000"/>
+              </a:lnSpc>
+              <a:spcBef>
+                <a:spcPts val="0"/>
+              </a:spcBef>
+              <a:buSzTx/>
+              <a:buNone/>
+              <a:defRPr>
+                <a:solidFill>
+                  <a:srgbClr val="8E908C"/>
+                </a:solidFill>
+                <a:latin typeface="Menlo"/>
+                <a:ea typeface="Menlo"/>
+                <a:cs typeface="Menlo"/>
+                <a:sym typeface="Menlo"/>
+              </a:defRPr>
+            </a:pPr>
+            <a:r>
+              <a:rPr sz="2000" dirty="0">
+                <a:solidFill>
+                  <a:srgbClr val="333333"/>
+                </a:solidFill>
+                <a:latin typeface="Calibri" panose="020F0502020204030204" pitchFamily="34" charset="0"/>
+                <a:cs typeface="Calibri" panose="020F0502020204030204" pitchFamily="34" charset="0"/>
+              </a:rPr>
+              <a:t>foo = </a:t>
+            </a:r>
+            <a:r>
+              <a:rPr sz="2000" dirty="0">
+                <a:solidFill>
+                  <a:srgbClr val="718C00"/>
+                </a:solidFill>
+                <a:latin typeface="Calibri" panose="020F0502020204030204" pitchFamily="34" charset="0"/>
+                <a:cs typeface="Calibri" panose="020F0502020204030204" pitchFamily="34" charset="0"/>
+              </a:rPr>
+              <a:t>'456'</a:t>
+            </a:r>
+            <a:r>
+              <a:rPr sz="2000" dirty="0">
+                <a:solidFill>
+                  <a:srgbClr val="333333"/>
+                </a:solidFill>
+                <a:latin typeface="Calibri" panose="020F0502020204030204" pitchFamily="34" charset="0"/>
+                <a:cs typeface="Calibri" panose="020F0502020204030204" pitchFamily="34" charset="0"/>
+              </a:rPr>
+              <a:t>; </a:t>
+            </a:r>
+            <a:r>
+              <a:rPr sz="2000" dirty="0">
+                <a:latin typeface="Calibri" panose="020F0502020204030204" pitchFamily="34" charset="0"/>
+                <a:cs typeface="Calibri" panose="020F0502020204030204" pitchFamily="34" charset="0"/>
+              </a:rPr>
+              <a:t>// Error: cannot assign `string` to `number</a:t>
+            </a:r>
+            <a:endParaRPr lang="en-US" sz="2000" dirty="0">
+              <a:solidFill>
+                <a:srgbClr val="333333"/>
+              </a:solidFill>
+              <a:latin typeface="Calibri" panose="020F0502020204030204" pitchFamily="34" charset="0"/>
+              <a:cs typeface="Calibri" panose="020F0502020204030204" pitchFamily="34" charset="0"/>
+            </a:endParaRPr>
+          </a:p>
+          <a:p>
+            <a:pPr marL="250031" indent="-250031" defTabSz="457200">
+              <a:lnSpc>
+                <a:spcPct val="150000"/>
+              </a:lnSpc>
+              <a:spcBef>
+                <a:spcPts val="1500"/>
+              </a:spcBef>
+              <a:defRPr b="1">
+                <a:solidFill>
+                  <a:srgbClr val="333333"/>
+                </a:solidFill>
+              </a:defRPr>
+            </a:pPr>
+            <a:r>
+              <a:rPr lang="en-US" sz="2000" dirty="0">
+                <a:latin typeface="Calibri" panose="020F0502020204030204" pitchFamily="34" charset="0"/>
+                <a:cs typeface="Calibri" panose="020F0502020204030204" pitchFamily="34" charset="0"/>
+              </a:rPr>
+              <a:t>Types can be Explicit</a:t>
+            </a:r>
+          </a:p>
+          <a:p>
+            <a:pPr marL="0" indent="0" defTabSz="457200">
+              <a:lnSpc>
+                <a:spcPct val="150000"/>
+              </a:lnSpc>
+              <a:spcBef>
+                <a:spcPts val="0"/>
+              </a:spcBef>
+              <a:buSzTx/>
+              <a:buNone/>
+              <a:defRPr>
+                <a:solidFill>
+                  <a:srgbClr val="333333"/>
+                </a:solidFill>
+                <a:latin typeface="Menlo"/>
+                <a:ea typeface="Menlo"/>
+                <a:cs typeface="Menlo"/>
+                <a:sym typeface="Menlo"/>
+              </a:defRPr>
+            </a:pPr>
+            <a:r>
+              <a:rPr lang="en-US" sz="2000" dirty="0" err="1">
+                <a:solidFill>
+                  <a:srgbClr val="8959A8"/>
+                </a:solidFill>
+                <a:latin typeface="Calibri" panose="020F0502020204030204" pitchFamily="34" charset="0"/>
+                <a:cs typeface="Calibri" panose="020F0502020204030204" pitchFamily="34" charset="0"/>
+              </a:rPr>
+              <a:t>var</a:t>
+            </a:r>
+            <a:r>
+              <a:rPr lang="en-US" sz="2000" dirty="0">
+                <a:latin typeface="Calibri" panose="020F0502020204030204" pitchFamily="34" charset="0"/>
+                <a:cs typeface="Calibri" panose="020F0502020204030204" pitchFamily="34" charset="0"/>
+              </a:rPr>
+              <a:t> foo: </a:t>
+            </a:r>
+            <a:r>
+              <a:rPr lang="en-US" sz="2000" dirty="0">
+                <a:solidFill>
+                  <a:srgbClr val="F5871F"/>
+                </a:solidFill>
+                <a:latin typeface="Calibri" panose="020F0502020204030204" pitchFamily="34" charset="0"/>
+                <a:cs typeface="Calibri" panose="020F0502020204030204" pitchFamily="34" charset="0"/>
+              </a:rPr>
+              <a:t>number</a:t>
+            </a:r>
+            <a:r>
+              <a:rPr lang="en-US" sz="2000" dirty="0">
+                <a:latin typeface="Calibri" panose="020F0502020204030204" pitchFamily="34" charset="0"/>
+                <a:cs typeface="Calibri" panose="020F0502020204030204" pitchFamily="34" charset="0"/>
+              </a:rPr>
+              <a:t> = </a:t>
+            </a:r>
+            <a:r>
+              <a:rPr lang="en-US" sz="2000" dirty="0">
+                <a:solidFill>
+                  <a:srgbClr val="F5871F"/>
+                </a:solidFill>
+                <a:latin typeface="Calibri" panose="020F0502020204030204" pitchFamily="34" charset="0"/>
+                <a:cs typeface="Calibri" panose="020F0502020204030204" pitchFamily="34" charset="0"/>
+              </a:rPr>
+              <a:t>123</a:t>
+            </a:r>
+            <a:r>
+              <a:rPr lang="en-US" sz="2000" dirty="0">
+                <a:latin typeface="Calibri" panose="020F0502020204030204" pitchFamily="34" charset="0"/>
+                <a:cs typeface="Calibri" panose="020F0502020204030204" pitchFamily="34" charset="0"/>
+              </a:rPr>
+              <a:t>;</a:t>
+            </a:r>
+          </a:p>
+          <a:p>
+            <a:pPr marL="0" indent="0" defTabSz="457200">
+              <a:lnSpc>
+                <a:spcPct val="150000"/>
+              </a:lnSpc>
+              <a:spcBef>
+                <a:spcPts val="0"/>
+              </a:spcBef>
+              <a:buSzTx/>
+              <a:buNone/>
+              <a:defRPr>
+                <a:solidFill>
+                  <a:srgbClr val="8E908C"/>
+                </a:solidFill>
+                <a:latin typeface="Menlo"/>
+                <a:ea typeface="Menlo"/>
+                <a:cs typeface="Menlo"/>
+                <a:sym typeface="Menlo"/>
+              </a:defRPr>
+            </a:pPr>
+            <a:r>
+              <a:rPr lang="en-US" sz="2000" dirty="0" err="1">
+                <a:solidFill>
+                  <a:srgbClr val="8959A8"/>
+                </a:solidFill>
+                <a:latin typeface="Calibri" panose="020F0502020204030204" pitchFamily="34" charset="0"/>
+                <a:cs typeface="Calibri" panose="020F0502020204030204" pitchFamily="34" charset="0"/>
+              </a:rPr>
+              <a:t>var</a:t>
+            </a:r>
+            <a:r>
+              <a:rPr lang="en-US" sz="2000" dirty="0">
+                <a:solidFill>
+                  <a:srgbClr val="333333"/>
+                </a:solidFill>
+                <a:latin typeface="Calibri" panose="020F0502020204030204" pitchFamily="34" charset="0"/>
+                <a:cs typeface="Calibri" panose="020F0502020204030204" pitchFamily="34" charset="0"/>
+              </a:rPr>
+              <a:t> foo: </a:t>
+            </a:r>
+            <a:r>
+              <a:rPr lang="en-US" sz="2000" dirty="0">
+                <a:solidFill>
+                  <a:srgbClr val="F5871F"/>
+                </a:solidFill>
+                <a:latin typeface="Calibri" panose="020F0502020204030204" pitchFamily="34" charset="0"/>
+                <a:cs typeface="Calibri" panose="020F0502020204030204" pitchFamily="34" charset="0"/>
+              </a:rPr>
+              <a:t>number</a:t>
+            </a:r>
+            <a:r>
+              <a:rPr lang="en-US" sz="2000" dirty="0">
+                <a:solidFill>
+                  <a:srgbClr val="333333"/>
+                </a:solidFill>
+                <a:latin typeface="Calibri" panose="020F0502020204030204" pitchFamily="34" charset="0"/>
+                <a:cs typeface="Calibri" panose="020F0502020204030204" pitchFamily="34" charset="0"/>
+              </a:rPr>
+              <a:t> = </a:t>
+            </a:r>
+            <a:r>
+              <a:rPr lang="en-US" sz="2000" dirty="0">
+                <a:solidFill>
+                  <a:srgbClr val="718C00"/>
+                </a:solidFill>
+                <a:latin typeface="Calibri" panose="020F0502020204030204" pitchFamily="34" charset="0"/>
+                <a:cs typeface="Calibri" panose="020F0502020204030204" pitchFamily="34" charset="0"/>
+              </a:rPr>
+              <a:t>'123'</a:t>
+            </a:r>
+            <a:r>
+              <a:rPr lang="en-US" sz="2000" dirty="0">
+                <a:solidFill>
+                  <a:srgbClr val="333333"/>
+                </a:solidFill>
+                <a:latin typeface="Calibri" panose="020F0502020204030204" pitchFamily="34" charset="0"/>
+                <a:cs typeface="Calibri" panose="020F0502020204030204" pitchFamily="34" charset="0"/>
+              </a:rPr>
+              <a:t>; </a:t>
+            </a:r>
+            <a:r>
+              <a:rPr lang="en-US" sz="2000" dirty="0">
+                <a:latin typeface="Calibri" panose="020F0502020204030204" pitchFamily="34" charset="0"/>
+                <a:cs typeface="Calibri" panose="020F0502020204030204" pitchFamily="34" charset="0"/>
+              </a:rPr>
+              <a:t>// Error: cannot assign a `string` to a `number`</a:t>
+            </a:r>
+            <a:endParaRPr lang="en-US" sz="2000" dirty="0">
+              <a:solidFill>
+                <a:srgbClr val="333333"/>
+              </a:solidFill>
+              <a:latin typeface="Calibri" panose="020F0502020204030204" pitchFamily="34" charset="0"/>
+              <a:cs typeface="Calibri" panose="020F0502020204030204" pitchFamily="34" charset="0"/>
+            </a:endParaRPr>
+          </a:p>
+          <a:p>
+            <a:pPr marL="0" indent="0" defTabSz="457200">
+              <a:lnSpc>
+                <a:spcPct val="150000"/>
+              </a:lnSpc>
+              <a:spcBef>
+                <a:spcPts val="0"/>
+              </a:spcBef>
+              <a:buSzTx/>
+              <a:buNone/>
+              <a:defRPr>
+                <a:solidFill>
+                  <a:srgbClr val="8E908C"/>
+                </a:solidFill>
+                <a:latin typeface="Menlo"/>
+                <a:ea typeface="Menlo"/>
+                <a:cs typeface="Menlo"/>
+                <a:sym typeface="Menlo"/>
+              </a:defRPr>
             </a:pPr>
             <a:endParaRPr sz="2000" dirty="0">
               <a:solidFill>
-                <a:schemeClr val="accent5">
-                  <a:lumOff val="-29866"/>
-                </a:schemeClr>
+                <a:srgbClr val="333333"/>
               </a:solidFill>
               <a:latin typeface="Calibri" panose="020F0502020204030204" pitchFamily="34" charset="0"/>
               <a:cs typeface="Calibri" panose="020F0502020204030204" pitchFamily="34" charset="0"/>
@@ -6858,7 +7599,7 @@
     </p:spTree>
     <p:extLst>
       <p:ext uri="{BB962C8B-B14F-4D97-AF65-F5344CB8AC3E}">
-        <p14:creationId xmlns:p14="http://schemas.microsoft.com/office/powerpoint/2010/main" val="1661145459"/>
+        <p14:creationId xmlns:p14="http://schemas.microsoft.com/office/powerpoint/2010/main" val="1984492712"/>
       </p:ext>
     </p:extLst>
   </p:cSld>
@@ -6869,7 +7610,124 @@
 </p:sld>
 </file>
 
-<file path=ppt/slides/slide21.xml><?xml version="1.0" encoding="utf-8"?>
+<file path=ppt/slides/slide22.xml><?xml version="1.0" encoding="utf-8"?>
+<p:sld xmlns:a="http://schemas.openxmlformats.org/drawingml/2006/main" xmlns:r="http://schemas.openxmlformats.org/officeDocument/2006/relationships" xmlns:p="http://schemas.openxmlformats.org/presentationml/2006/main">
+  <p:cSld>
+    <p:spTree>
+      <p:nvGrpSpPr>
+        <p:cNvPr id="1" name=""/>
+        <p:cNvGrpSpPr/>
+        <p:nvPr/>
+      </p:nvGrpSpPr>
+      <p:grpSpPr>
+        <a:xfrm>
+          <a:off x="0" y="0"/>
+          <a:ext cx="0" cy="0"/>
+          <a:chOff x="0" y="0"/>
+          <a:chExt cx="0" cy="0"/>
+        </a:xfrm>
+      </p:grpSpPr>
+      <p:sp>
+        <p:nvSpPr>
+          <p:cNvPr id="141" name="Types in Typescript"/>
+          <p:cNvSpPr txBox="1">
+            <a:spLocks noGrp="1"/>
+          </p:cNvSpPr>
+          <p:nvPr>
+            <p:ph type="title"/>
+          </p:nvPr>
+        </p:nvSpPr>
+        <p:spPr>
+          <a:prstGeom prst="rect">
+            <a:avLst/>
+          </a:prstGeom>
+        </p:spPr>
+        <p:txBody>
+          <a:bodyPr>
+            <a:normAutofit/>
+          </a:bodyPr>
+          <a:lstStyle/>
+          <a:p>
+            <a:r>
+              <a:rPr lang="en-US" sz="4000" dirty="0">
+                <a:latin typeface="Calibri" panose="020F0502020204030204" pitchFamily="34" charset="0"/>
+                <a:cs typeface="Calibri" panose="020F0502020204030204" pitchFamily="34" charset="0"/>
+              </a:rPr>
+              <a:t>Example</a:t>
+            </a:r>
+            <a:endParaRPr sz="4000" dirty="0">
+              <a:latin typeface="Calibri" panose="020F0502020204030204" pitchFamily="34" charset="0"/>
+              <a:cs typeface="Calibri" panose="020F0502020204030204" pitchFamily="34" charset="0"/>
+            </a:endParaRPr>
+          </a:p>
+        </p:txBody>
+      </p:sp>
+      <p:sp>
+        <p:nvSpPr>
+          <p:cNvPr id="142" name="Types can be Implicit…"/>
+          <p:cNvSpPr txBox="1">
+            <a:spLocks noGrp="1"/>
+          </p:cNvSpPr>
+          <p:nvPr>
+            <p:ph type="body" idx="1"/>
+          </p:nvPr>
+        </p:nvSpPr>
+        <p:spPr>
+          <a:prstGeom prst="rect">
+            <a:avLst/>
+          </a:prstGeom>
+        </p:spPr>
+        <p:txBody>
+          <a:bodyPr anchor="t">
+            <a:noAutofit/>
+          </a:bodyPr>
+          <a:lstStyle/>
+          <a:p>
+            <a:pPr marL="250031" indent="-250031" defTabSz="457200">
+              <a:lnSpc>
+                <a:spcPct val="150000"/>
+              </a:lnSpc>
+              <a:spcBef>
+                <a:spcPts val="1500"/>
+              </a:spcBef>
+              <a:defRPr b="1">
+                <a:solidFill>
+                  <a:srgbClr val="333333"/>
+                </a:solidFill>
+              </a:defRPr>
+            </a:pPr>
+            <a:r>
+              <a:rPr lang="en-US" sz="2000" dirty="0">
+                <a:latin typeface="Calibri" panose="020F0502020204030204" pitchFamily="34" charset="0"/>
+                <a:cs typeface="Calibri" panose="020F0502020204030204" pitchFamily="34" charset="0"/>
+              </a:rPr>
+              <a:t>Demo</a:t>
+            </a:r>
+            <a:endParaRPr sz="2000" dirty="0">
+              <a:solidFill>
+                <a:srgbClr val="333333"/>
+              </a:solidFill>
+              <a:latin typeface="Calibri" panose="020F0502020204030204" pitchFamily="34" charset="0"/>
+              <a:cs typeface="Calibri" panose="020F0502020204030204" pitchFamily="34" charset="0"/>
+            </a:endParaRPr>
+          </a:p>
+        </p:txBody>
+      </p:sp>
+    </p:spTree>
+    <p:extLst>
+      <p:ext uri="{BB962C8B-B14F-4D97-AF65-F5344CB8AC3E}">
+        <p14:creationId xmlns:p14="http://schemas.microsoft.com/office/powerpoint/2010/main" val="2383841777"/>
+      </p:ext>
+    </p:extLst>
+  </p:cSld>
+  <p:clrMapOvr>
+    <a:masterClrMapping/>
+  </p:clrMapOvr>
+  <p:transition spd="med"/>
+</p:sld>
+</file>
+
+<file path=ppt/slides/slide23.xml><?xml version="1.0" encoding="utf-8"?>
 <p:sld xmlns:a="http://schemas.openxmlformats.org/drawingml/2006/main" xmlns:r="http://schemas.openxmlformats.org/officeDocument/2006/relationships" xmlns:p="http://schemas.openxmlformats.org/presentationml/2006/main">
   <p:cSld>
     <p:spTree>
@@ -7082,6 +7940,231 @@
               </a:rPr>
               <a:t>"loading"</a:t>
             </a:r>
+          </a:p>
+        </p:txBody>
+      </p:sp>
+    </p:spTree>
+  </p:cSld>
+  <p:clrMapOvr>
+    <a:masterClrMapping/>
+  </p:clrMapOvr>
+  <p:transition spd="med"/>
+</p:sld>
+</file>
+
+<file path=ppt/slides/slide24.xml><?xml version="1.0" encoding="utf-8"?>
+<p:sld xmlns:a="http://schemas.openxmlformats.org/drawingml/2006/main" xmlns:r="http://schemas.openxmlformats.org/officeDocument/2006/relationships" xmlns:p="http://schemas.openxmlformats.org/presentationml/2006/main">
+  <p:cSld>
+    <p:spTree>
+      <p:nvGrpSpPr>
+        <p:cNvPr id="1" name=""/>
+        <p:cNvGrpSpPr/>
+        <p:nvPr/>
+      </p:nvGrpSpPr>
+      <p:grpSpPr>
+        <a:xfrm>
+          <a:off x="0" y="0"/>
+          <a:ext cx="0" cy="0"/>
+          <a:chOff x="0" y="0"/>
+          <a:chExt cx="0" cy="0"/>
+        </a:xfrm>
+      </p:grpSpPr>
+      <p:sp>
+        <p:nvSpPr>
+          <p:cNvPr id="144" name="Types in Typescript"/>
+          <p:cNvSpPr txBox="1">
+            <a:spLocks noGrp="1"/>
+          </p:cNvSpPr>
+          <p:nvPr>
+            <p:ph type="title"/>
+          </p:nvPr>
+        </p:nvSpPr>
+        <p:spPr>
+          <a:prstGeom prst="rect">
+            <a:avLst/>
+          </a:prstGeom>
+        </p:spPr>
+        <p:txBody>
+          <a:bodyPr>
+            <a:normAutofit/>
+          </a:bodyPr>
+          <a:lstStyle/>
+          <a:p>
+            <a:r>
+              <a:rPr sz="4000" dirty="0">
+                <a:latin typeface="Calibri" panose="020F0502020204030204" pitchFamily="34" charset="0"/>
+                <a:cs typeface="Calibri" panose="020F0502020204030204" pitchFamily="34" charset="0"/>
+              </a:rPr>
+              <a:t>Types in Typescript</a:t>
+            </a:r>
+            <a:r>
+              <a:rPr lang="en-US" sz="4000" dirty="0">
+                <a:latin typeface="Calibri" panose="020F0502020204030204" pitchFamily="34" charset="0"/>
+                <a:cs typeface="Calibri" panose="020F0502020204030204" pitchFamily="34" charset="0"/>
+              </a:rPr>
+              <a:t>.</a:t>
+            </a:r>
+            <a:endParaRPr sz="4000" dirty="0">
+              <a:latin typeface="Calibri" panose="020F0502020204030204" pitchFamily="34" charset="0"/>
+              <a:cs typeface="Calibri" panose="020F0502020204030204" pitchFamily="34" charset="0"/>
+            </a:endParaRPr>
+          </a:p>
+        </p:txBody>
+      </p:sp>
+      <p:sp>
+        <p:nvSpPr>
+          <p:cNvPr id="145" name="There are additional types that we don’t have in  languages such as Java and C#…"/>
+          <p:cNvSpPr txBox="1">
+            <a:spLocks noGrp="1"/>
+          </p:cNvSpPr>
+          <p:nvPr>
+            <p:ph type="body" idx="1"/>
+          </p:nvPr>
+        </p:nvSpPr>
+        <p:spPr>
+          <a:prstGeom prst="rect">
+            <a:avLst/>
+          </a:prstGeom>
+        </p:spPr>
+        <p:txBody>
+          <a:bodyPr anchor="t">
+            <a:normAutofit/>
+          </a:bodyPr>
+          <a:lstStyle/>
+          <a:p>
+            <a:pPr marL="324485" indent="-324485" defTabSz="426466">
+              <a:spcBef>
+                <a:spcPts val="3000"/>
+              </a:spcBef>
+              <a:defRPr sz="2336">
+                <a:latin typeface="Helvetica"/>
+                <a:ea typeface="Helvetica"/>
+                <a:cs typeface="Helvetica"/>
+                <a:sym typeface="Helvetica"/>
+              </a:defRPr>
+            </a:pPr>
+            <a:r>
+              <a:rPr sz="2000" dirty="0">
+                <a:latin typeface="Calibri" panose="020F0502020204030204" pitchFamily="34" charset="0"/>
+                <a:cs typeface="Calibri" panose="020F0502020204030204" pitchFamily="34" charset="0"/>
+              </a:rPr>
+              <a:t>There are additional types that we don’t have in  languages such as Java and C#</a:t>
+            </a:r>
+          </a:p>
+          <a:p>
+            <a:pPr marL="324485" indent="-324485" defTabSz="426466">
+              <a:spcBef>
+                <a:spcPts val="3000"/>
+              </a:spcBef>
+              <a:defRPr sz="2336" u="sng">
+                <a:latin typeface="Helvetica"/>
+                <a:ea typeface="Helvetica"/>
+                <a:cs typeface="Helvetica"/>
+                <a:sym typeface="Helvetica"/>
+              </a:defRPr>
+            </a:pPr>
+            <a:r>
+              <a:rPr sz="2000" dirty="0">
+                <a:latin typeface="Calibri" panose="020F0502020204030204" pitchFamily="34" charset="0"/>
+                <a:cs typeface="Calibri" panose="020F0502020204030204" pitchFamily="34" charset="0"/>
+              </a:rPr>
+              <a:t>Union types</a:t>
+            </a:r>
+          </a:p>
+          <a:p>
+            <a:pPr marL="648970" lvl="1" indent="-324485" defTabSz="426466">
+              <a:spcBef>
+                <a:spcPts val="3000"/>
+              </a:spcBef>
+              <a:defRPr sz="2336"/>
+            </a:pPr>
+            <a:r>
+              <a:rPr sz="2000" dirty="0">
+                <a:latin typeface="Calibri" panose="020F0502020204030204" pitchFamily="34" charset="0"/>
+                <a:cs typeface="Calibri" panose="020F0502020204030204" pitchFamily="34" charset="0"/>
+              </a:rPr>
+              <a:t>we can join types together, obtaining all values of both types:</a:t>
+            </a:r>
+          </a:p>
+          <a:p>
+            <a:pPr marL="0" lvl="5" indent="834390" defTabSz="426466">
+              <a:spcBef>
+                <a:spcPts val="3000"/>
+              </a:spcBef>
+              <a:buSzTx/>
+              <a:buNone/>
+              <a:defRPr sz="2336"/>
+            </a:pPr>
+            <a:r>
+              <a:rPr sz="2000" dirty="0">
+                <a:solidFill>
+                  <a:schemeClr val="accent1">
+                    <a:hueOff val="114395"/>
+                    <a:lumOff val="-24975"/>
+                  </a:schemeClr>
+                </a:solidFill>
+                <a:latin typeface="Calibri" panose="020F0502020204030204" pitchFamily="34" charset="0"/>
+                <a:cs typeface="Calibri" panose="020F0502020204030204" pitchFamily="34" charset="0"/>
+              </a:rPr>
+              <a:t>let</a:t>
+            </a:r>
+            <a:r>
+              <a:rPr sz="2000" dirty="0">
+                <a:latin typeface="Calibri" panose="020F0502020204030204" pitchFamily="34" charset="0"/>
+                <a:cs typeface="Calibri" panose="020F0502020204030204" pitchFamily="34" charset="0"/>
+              </a:rPr>
+              <a:t> x1: number | </a:t>
+            </a:r>
+            <a:r>
+              <a:rPr sz="2000" dirty="0">
+                <a:solidFill>
+                  <a:schemeClr val="accent5">
+                    <a:lumOff val="-29866"/>
+                  </a:schemeClr>
+                </a:solidFill>
+                <a:latin typeface="Calibri" panose="020F0502020204030204" pitchFamily="34" charset="0"/>
+                <a:cs typeface="Calibri" panose="020F0502020204030204" pitchFamily="34" charset="0"/>
+              </a:rPr>
+              <a:t>"loading"</a:t>
+            </a:r>
+            <a:r>
+              <a:rPr sz="2000" dirty="0">
+                <a:latin typeface="Calibri" panose="020F0502020204030204" pitchFamily="34" charset="0"/>
+                <a:cs typeface="Calibri" panose="020F0502020204030204" pitchFamily="34" charset="0"/>
+              </a:rPr>
+              <a:t> | </a:t>
+            </a:r>
+            <a:r>
+              <a:rPr sz="2000" dirty="0">
+                <a:solidFill>
+                  <a:schemeClr val="accent5">
+                    <a:lumOff val="-29866"/>
+                  </a:schemeClr>
+                </a:solidFill>
+                <a:latin typeface="Calibri" panose="020F0502020204030204" pitchFamily="34" charset="0"/>
+                <a:cs typeface="Calibri" panose="020F0502020204030204" pitchFamily="34" charset="0"/>
+              </a:rPr>
+              <a:t>"error" </a:t>
+            </a:r>
+            <a:r>
+              <a:rPr sz="2000" dirty="0">
+                <a:latin typeface="Calibri" panose="020F0502020204030204" pitchFamily="34" charset="0"/>
+                <a:cs typeface="Calibri" panose="020F0502020204030204" pitchFamily="34" charset="0"/>
+              </a:rPr>
+              <a:t>= </a:t>
+            </a:r>
+            <a:r>
+              <a:rPr sz="2000" dirty="0">
+                <a:solidFill>
+                  <a:schemeClr val="accent5">
+                    <a:lumOff val="-29866"/>
+                  </a:schemeClr>
+                </a:solidFill>
+                <a:latin typeface="Calibri" panose="020F0502020204030204" pitchFamily="34" charset="0"/>
+                <a:cs typeface="Calibri" panose="020F0502020204030204" pitchFamily="34" charset="0"/>
+              </a:rPr>
+              <a:t>"loading"</a:t>
+            </a:r>
             <a:endParaRPr lang="en-US" sz="2000" dirty="0">
               <a:solidFill>
                 <a:schemeClr val="accent5">
@@ -7134,7 +8217,325 @@
                 <a:latin typeface="Calibri" panose="020F0502020204030204" pitchFamily="34" charset="0"/>
                 <a:cs typeface="Calibri" panose="020F0502020204030204" pitchFamily="34" charset="0"/>
               </a:rPr>
-              <a:t> Person = Student | Teacher</a:t>
+              <a:t> Person = Movie | Actor</a:t>
+            </a:r>
+          </a:p>
+          <a:p>
+            <a:pPr marL="648970" lvl="1" indent="-324485" defTabSz="426466">
+              <a:spcBef>
+                <a:spcPts val="3000"/>
+              </a:spcBef>
+              <a:defRPr sz="2336"/>
+            </a:pPr>
+            <a:r>
+              <a:rPr lang="en-US" sz="2000" dirty="0">
+                <a:latin typeface="Calibri" panose="020F0502020204030204" pitchFamily="34" charset="0"/>
+                <a:cs typeface="Calibri" panose="020F0502020204030204" pitchFamily="34" charset="0"/>
+              </a:rPr>
+              <a:t>to recover the original type information, we can use a discriminated union</a:t>
+            </a:r>
+          </a:p>
+          <a:p>
+            <a:pPr marL="0" lvl="5" indent="834390" defTabSz="426466">
+              <a:spcBef>
+                <a:spcPts val="3000"/>
+              </a:spcBef>
+              <a:buSzTx/>
+              <a:buNone/>
+              <a:defRPr sz="2336"/>
+            </a:pPr>
+            <a:endParaRPr sz="2000" dirty="0">
+              <a:solidFill>
+                <a:schemeClr val="accent5">
+                  <a:lumOff val="-29866"/>
+                </a:schemeClr>
+              </a:solidFill>
+              <a:latin typeface="Calibri" panose="020F0502020204030204" pitchFamily="34" charset="0"/>
+              <a:cs typeface="Calibri" panose="020F0502020204030204" pitchFamily="34" charset="0"/>
+            </a:endParaRPr>
+          </a:p>
+        </p:txBody>
+      </p:sp>
+    </p:spTree>
+    <p:extLst>
+      <p:ext uri="{BB962C8B-B14F-4D97-AF65-F5344CB8AC3E}">
+        <p14:creationId xmlns:p14="http://schemas.microsoft.com/office/powerpoint/2010/main" val="1661145459"/>
+      </p:ext>
+    </p:extLst>
+  </p:cSld>
+  <p:clrMapOvr>
+    <a:masterClrMapping/>
+  </p:clrMapOvr>
+  <p:transition spd="med"/>
+</p:sld>
+</file>
+
+<file path=ppt/slides/slide25.xml><?xml version="1.0" encoding="utf-8"?>
+<p:sld xmlns:a="http://schemas.openxmlformats.org/drawingml/2006/main" xmlns:r="http://schemas.openxmlformats.org/officeDocument/2006/relationships" xmlns:p="http://schemas.openxmlformats.org/presentationml/2006/main">
+  <p:cSld>
+    <p:spTree>
+      <p:nvGrpSpPr>
+        <p:cNvPr id="1" name=""/>
+        <p:cNvGrpSpPr/>
+        <p:nvPr/>
+      </p:nvGrpSpPr>
+      <p:grpSpPr>
+        <a:xfrm>
+          <a:off x="0" y="0"/>
+          <a:ext cx="0" cy="0"/>
+          <a:chOff x="0" y="0"/>
+          <a:chExt cx="0" cy="0"/>
+        </a:xfrm>
+      </p:grpSpPr>
+      <p:sp>
+        <p:nvSpPr>
+          <p:cNvPr id="144" name="Types in Typescript"/>
+          <p:cNvSpPr txBox="1">
+            <a:spLocks noGrp="1"/>
+          </p:cNvSpPr>
+          <p:nvPr>
+            <p:ph type="title"/>
+          </p:nvPr>
+        </p:nvSpPr>
+        <p:spPr>
+          <a:prstGeom prst="rect">
+            <a:avLst/>
+          </a:prstGeom>
+        </p:spPr>
+        <p:txBody>
+          <a:bodyPr>
+            <a:normAutofit/>
+          </a:bodyPr>
+          <a:lstStyle/>
+          <a:p>
+            <a:r>
+              <a:rPr sz="4000" dirty="0">
+                <a:latin typeface="Calibri" panose="020F0502020204030204" pitchFamily="34" charset="0"/>
+                <a:cs typeface="Calibri" panose="020F0502020204030204" pitchFamily="34" charset="0"/>
+              </a:rPr>
+              <a:t>Types in Typescript</a:t>
+            </a:r>
+            <a:r>
+              <a:rPr lang="en-US" sz="4000" dirty="0">
+                <a:latin typeface="Calibri" panose="020F0502020204030204" pitchFamily="34" charset="0"/>
+                <a:cs typeface="Calibri" panose="020F0502020204030204" pitchFamily="34" charset="0"/>
+              </a:rPr>
+              <a:t>.</a:t>
+            </a:r>
+            <a:endParaRPr sz="4000" dirty="0">
+              <a:latin typeface="Calibri" panose="020F0502020204030204" pitchFamily="34" charset="0"/>
+              <a:cs typeface="Calibri" panose="020F0502020204030204" pitchFamily="34" charset="0"/>
+            </a:endParaRPr>
+          </a:p>
+        </p:txBody>
+      </p:sp>
+      <p:sp>
+        <p:nvSpPr>
+          <p:cNvPr id="145" name="There are additional types that we don’t have in  languages such as Java and C#…"/>
+          <p:cNvSpPr txBox="1">
+            <a:spLocks noGrp="1"/>
+          </p:cNvSpPr>
+          <p:nvPr>
+            <p:ph type="body" idx="1"/>
+          </p:nvPr>
+        </p:nvSpPr>
+        <p:spPr>
+          <a:prstGeom prst="rect">
+            <a:avLst/>
+          </a:prstGeom>
+        </p:spPr>
+        <p:txBody>
+          <a:bodyPr anchor="t">
+            <a:normAutofit/>
+          </a:bodyPr>
+          <a:lstStyle/>
+          <a:p>
+            <a:pPr marL="324485" indent="-324485" defTabSz="426466">
+              <a:spcBef>
+                <a:spcPts val="3000"/>
+              </a:spcBef>
+              <a:defRPr sz="2336">
+                <a:latin typeface="Helvetica"/>
+                <a:ea typeface="Helvetica"/>
+                <a:cs typeface="Helvetica"/>
+                <a:sym typeface="Helvetica"/>
+              </a:defRPr>
+            </a:pPr>
+            <a:r>
+              <a:rPr sz="2000" dirty="0">
+                <a:latin typeface="Calibri" panose="020F0502020204030204" pitchFamily="34" charset="0"/>
+                <a:cs typeface="Calibri" panose="020F0502020204030204" pitchFamily="34" charset="0"/>
+              </a:rPr>
+              <a:t>There are additional types that we don’t have in  languages such as Java and C#</a:t>
+            </a:r>
+          </a:p>
+          <a:p>
+            <a:pPr marL="324485" indent="-324485" defTabSz="426466">
+              <a:spcBef>
+                <a:spcPts val="3000"/>
+              </a:spcBef>
+              <a:defRPr sz="2336" u="sng">
+                <a:latin typeface="Helvetica"/>
+                <a:ea typeface="Helvetica"/>
+                <a:cs typeface="Helvetica"/>
+                <a:sym typeface="Helvetica"/>
+              </a:defRPr>
+            </a:pPr>
+            <a:r>
+              <a:rPr sz="2000" dirty="0">
+                <a:latin typeface="Calibri" panose="020F0502020204030204" pitchFamily="34" charset="0"/>
+                <a:cs typeface="Calibri" panose="020F0502020204030204" pitchFamily="34" charset="0"/>
+              </a:rPr>
+              <a:t>Union types</a:t>
+            </a:r>
+          </a:p>
+          <a:p>
+            <a:pPr marL="648970" lvl="1" indent="-324485" defTabSz="426466">
+              <a:spcBef>
+                <a:spcPts val="3000"/>
+              </a:spcBef>
+              <a:defRPr sz="2336"/>
+            </a:pPr>
+            <a:r>
+              <a:rPr sz="2000" dirty="0">
+                <a:latin typeface="Calibri" panose="020F0502020204030204" pitchFamily="34" charset="0"/>
+                <a:cs typeface="Calibri" panose="020F0502020204030204" pitchFamily="34" charset="0"/>
+              </a:rPr>
+              <a:t>we can join types together, obtaining all values of both types:</a:t>
+            </a:r>
+          </a:p>
+          <a:p>
+            <a:pPr marL="0" lvl="5" indent="834390" defTabSz="426466">
+              <a:spcBef>
+                <a:spcPts val="3000"/>
+              </a:spcBef>
+              <a:buSzTx/>
+              <a:buNone/>
+              <a:defRPr sz="2336"/>
+            </a:pPr>
+            <a:r>
+              <a:rPr sz="2000" dirty="0">
+                <a:solidFill>
+                  <a:schemeClr val="accent1">
+                    <a:hueOff val="114395"/>
+                    <a:lumOff val="-24975"/>
+                  </a:schemeClr>
+                </a:solidFill>
+                <a:latin typeface="Calibri" panose="020F0502020204030204" pitchFamily="34" charset="0"/>
+                <a:cs typeface="Calibri" panose="020F0502020204030204" pitchFamily="34" charset="0"/>
+              </a:rPr>
+              <a:t>let</a:t>
+            </a:r>
+            <a:r>
+              <a:rPr sz="2000" dirty="0">
+                <a:latin typeface="Calibri" panose="020F0502020204030204" pitchFamily="34" charset="0"/>
+                <a:cs typeface="Calibri" panose="020F0502020204030204" pitchFamily="34" charset="0"/>
+              </a:rPr>
+              <a:t> x1: number | </a:t>
+            </a:r>
+            <a:r>
+              <a:rPr sz="2000" dirty="0">
+                <a:solidFill>
+                  <a:schemeClr val="accent5">
+                    <a:lumOff val="-29866"/>
+                  </a:schemeClr>
+                </a:solidFill>
+                <a:latin typeface="Calibri" panose="020F0502020204030204" pitchFamily="34" charset="0"/>
+                <a:cs typeface="Calibri" panose="020F0502020204030204" pitchFamily="34" charset="0"/>
+              </a:rPr>
+              <a:t>"loading"</a:t>
+            </a:r>
+            <a:r>
+              <a:rPr sz="2000" dirty="0">
+                <a:latin typeface="Calibri" panose="020F0502020204030204" pitchFamily="34" charset="0"/>
+                <a:cs typeface="Calibri" panose="020F0502020204030204" pitchFamily="34" charset="0"/>
+              </a:rPr>
+              <a:t> | </a:t>
+            </a:r>
+            <a:r>
+              <a:rPr sz="2000" dirty="0">
+                <a:solidFill>
+                  <a:schemeClr val="accent5">
+                    <a:lumOff val="-29866"/>
+                  </a:schemeClr>
+                </a:solidFill>
+                <a:latin typeface="Calibri" panose="020F0502020204030204" pitchFamily="34" charset="0"/>
+                <a:cs typeface="Calibri" panose="020F0502020204030204" pitchFamily="34" charset="0"/>
+              </a:rPr>
+              <a:t>"error" </a:t>
+            </a:r>
+            <a:r>
+              <a:rPr sz="2000" dirty="0">
+                <a:latin typeface="Calibri" panose="020F0502020204030204" pitchFamily="34" charset="0"/>
+                <a:cs typeface="Calibri" panose="020F0502020204030204" pitchFamily="34" charset="0"/>
+              </a:rPr>
+              <a:t>= </a:t>
+            </a:r>
+            <a:r>
+              <a:rPr sz="2000" dirty="0">
+                <a:solidFill>
+                  <a:schemeClr val="accent5">
+                    <a:lumOff val="-29866"/>
+                  </a:schemeClr>
+                </a:solidFill>
+                <a:latin typeface="Calibri" panose="020F0502020204030204" pitchFamily="34" charset="0"/>
+                <a:cs typeface="Calibri" panose="020F0502020204030204" pitchFamily="34" charset="0"/>
+              </a:rPr>
+              <a:t>"loading"</a:t>
+            </a:r>
+            <a:endParaRPr lang="en-US" sz="2000" dirty="0">
+              <a:solidFill>
+                <a:schemeClr val="accent5">
+                  <a:lumOff val="-29866"/>
+                </a:schemeClr>
+              </a:solidFill>
+              <a:latin typeface="Calibri" panose="020F0502020204030204" pitchFamily="34" charset="0"/>
+              <a:cs typeface="Calibri" panose="020F0502020204030204" pitchFamily="34" charset="0"/>
+            </a:endParaRPr>
+          </a:p>
+          <a:p>
+            <a:pPr marL="648970" lvl="1" indent="-324485" defTabSz="426466">
+              <a:spcBef>
+                <a:spcPts val="3000"/>
+              </a:spcBef>
+              <a:defRPr sz="2336"/>
+            </a:pPr>
+            <a:r>
+              <a:rPr lang="en-US" sz="2000" dirty="0">
+                <a:latin typeface="Calibri" panose="020F0502020204030204" pitchFamily="34" charset="0"/>
+                <a:cs typeface="Calibri" panose="020F0502020204030204" pitchFamily="34" charset="0"/>
+              </a:rPr>
+              <a:t>we can also join more complex types together</a:t>
+            </a:r>
+          </a:p>
+          <a:p>
+            <a:pPr marL="0" lvl="5" indent="834390" defTabSz="426466">
+              <a:spcBef>
+                <a:spcPts val="3000"/>
+              </a:spcBef>
+              <a:buSzTx/>
+              <a:buNone/>
+              <a:defRPr sz="2336"/>
+            </a:pPr>
+            <a:r>
+              <a:rPr lang="en-US" sz="2000" dirty="0">
+                <a:solidFill>
+                  <a:schemeClr val="accent1">
+                    <a:hueOff val="114395"/>
+                    <a:lumOff val="-24975"/>
+                  </a:schemeClr>
+                </a:solidFill>
+                <a:latin typeface="Calibri" panose="020F0502020204030204" pitchFamily="34" charset="0"/>
+                <a:cs typeface="Calibri" panose="020F0502020204030204" pitchFamily="34" charset="0"/>
+              </a:rPr>
+              <a:t>type</a:t>
+            </a:r>
+            <a:r>
+              <a:rPr lang="en-US" sz="2000" dirty="0">
+                <a:latin typeface="Calibri" panose="020F0502020204030204" pitchFamily="34" charset="0"/>
+                <a:cs typeface="Calibri" panose="020F0502020204030204" pitchFamily="34" charset="0"/>
+              </a:rPr>
+              <a:t> Record = Movie | Actor</a:t>
             </a:r>
           </a:p>
           <a:p>
@@ -7209,7 +8610,7 @@
 </p:sld>
 </file>
 
-<file path=ppt/slides/slide22.xml><?xml version="1.0" encoding="utf-8"?>
+<file path=ppt/slides/slide26.xml><?xml version="1.0" encoding="utf-8"?>
 <p:sld xmlns:a="http://schemas.openxmlformats.org/drawingml/2006/main" xmlns:r="http://schemas.openxmlformats.org/officeDocument/2006/relationships" xmlns:p="http://schemas.openxmlformats.org/presentationml/2006/main">
   <p:cSld>
     <p:spTree>
@@ -7400,7 +8801,21 @@
                 <a:latin typeface="Calibri" panose="020F0502020204030204" pitchFamily="34" charset="0"/>
                 <a:cs typeface="Calibri" panose="020F0502020204030204" pitchFamily="34" charset="0"/>
               </a:rPr>
-              <a:t> Person = Student &amp; { kind: </a:t>
+              <a:t> </a:t>
+            </a:r>
+            <a:r>
+              <a:rPr lang="en-US" sz="2000" dirty="0">
+                <a:latin typeface="Calibri" panose="020F0502020204030204" pitchFamily="34" charset="0"/>
+                <a:cs typeface="Calibri" panose="020F0502020204030204" pitchFamily="34" charset="0"/>
+              </a:rPr>
+              <a:t>Record</a:t>
+            </a:r>
+            <a:r>
+              <a:rPr sz="2000" dirty="0">
+                <a:latin typeface="Calibri" panose="020F0502020204030204" pitchFamily="34" charset="0"/>
+                <a:cs typeface="Calibri" panose="020F0502020204030204" pitchFamily="34" charset="0"/>
+              </a:rPr>
+              <a:t> = Student &amp; { kind: </a:t>
             </a:r>
             <a:r>
               <a:rPr sz="2000" dirty="0">
@@ -7412,17 +8827,10 @@
                 <a:latin typeface="Calibri" panose="020F0502020204030204" pitchFamily="34" charset="0"/>
                 <a:cs typeface="Calibri" panose="020F0502020204030204" pitchFamily="34" charset="0"/>
               </a:rPr>
-              <a:t>"student"</a:t>
-            </a:r>
-            <a:r>
-              <a:rPr sz="2000" dirty="0">
-                <a:latin typeface="Calibri" panose="020F0502020204030204" pitchFamily="34" charset="0"/>
-                <a:cs typeface="Calibri" panose="020F0502020204030204" pitchFamily="34" charset="0"/>
-              </a:rPr>
-              <a:t> } | Teacher &amp; { kind: </a:t>
-            </a:r>
-            <a:r>
-              <a:rPr sz="2000" dirty="0">
+              <a:t>"</a:t>
+            </a:r>
+            <a:r>
+              <a:rPr lang="en-US" sz="2000" dirty="0">
                 <a:solidFill>
                   <a:schemeClr val="accent5">
                     <a:lumOff val="-29866"/>
@@ -7431,7 +8839,62 @@
                 <a:latin typeface="Calibri" panose="020F0502020204030204" pitchFamily="34" charset="0"/>
                 <a:cs typeface="Calibri" panose="020F0502020204030204" pitchFamily="34" charset="0"/>
               </a:rPr>
-              <a:t>"teacher" </a:t>
+              <a:t>Movie</a:t>
+            </a:r>
+            <a:r>
+              <a:rPr sz="2000" dirty="0">
+                <a:solidFill>
+                  <a:schemeClr val="accent5">
+                    <a:lumOff val="-29866"/>
+                  </a:schemeClr>
+                </a:solidFill>
+                <a:latin typeface="Calibri" panose="020F0502020204030204" pitchFamily="34" charset="0"/>
+                <a:cs typeface="Calibri" panose="020F0502020204030204" pitchFamily="34" charset="0"/>
+              </a:rPr>
+              <a:t>"</a:t>
+            </a:r>
+            <a:r>
+              <a:rPr sz="2000" dirty="0">
+                <a:latin typeface="Calibri" panose="020F0502020204030204" pitchFamily="34" charset="0"/>
+                <a:cs typeface="Calibri" panose="020F0502020204030204" pitchFamily="34" charset="0"/>
+              </a:rPr>
+              <a:t> } | Teacher &amp; { kind: </a:t>
+            </a:r>
+            <a:r>
+              <a:rPr sz="2000" dirty="0">
+                <a:solidFill>
+                  <a:schemeClr val="accent5">
+                    <a:lumOff val="-29866"/>
+                  </a:schemeClr>
+                </a:solidFill>
+                <a:latin typeface="Calibri" panose="020F0502020204030204" pitchFamily="34" charset="0"/>
+                <a:cs typeface="Calibri" panose="020F0502020204030204" pitchFamily="34" charset="0"/>
+              </a:rPr>
+              <a:t>"</a:t>
+            </a:r>
+            <a:r>
+              <a:rPr lang="en-US" sz="2000" dirty="0">
+                <a:solidFill>
+                  <a:schemeClr val="accent5">
+                    <a:lumOff val="-29866"/>
+                  </a:schemeClr>
+                </a:solidFill>
+                <a:latin typeface="Calibri" panose="020F0502020204030204" pitchFamily="34" charset="0"/>
+                <a:cs typeface="Calibri" panose="020F0502020204030204" pitchFamily="34" charset="0"/>
+              </a:rPr>
+              <a:t>Actor</a:t>
+            </a:r>
+            <a:r>
+              <a:rPr sz="2000" dirty="0">
+                <a:solidFill>
+                  <a:schemeClr val="accent5">
+                    <a:lumOff val="-29866"/>
+                  </a:schemeClr>
+                </a:solidFill>
+                <a:latin typeface="Calibri" panose="020F0502020204030204" pitchFamily="34" charset="0"/>
+                <a:cs typeface="Calibri" panose="020F0502020204030204" pitchFamily="34" charset="0"/>
+              </a:rPr>
+              <a:t>" </a:t>
             </a:r>
             <a:r>
               <a:rPr sz="2000" dirty="0">
@@ -7452,7 +8915,7 @@
 </p:sld>
 </file>
 
-<file path=ppt/slides/slide23.xml><?xml version="1.0" encoding="utf-8"?>
+<file path=ppt/slides/slide27.xml><?xml version="1.0" encoding="utf-8"?>
 <p:sld xmlns:a="http://schemas.openxmlformats.org/drawingml/2006/main" xmlns:r="http://schemas.openxmlformats.org/officeDocument/2006/relationships" xmlns:p="http://schemas.openxmlformats.org/presentationml/2006/main">
   <p:cSld>
     <p:spTree>
@@ -7873,7 +9336,7 @@
 </p:sld>
 </file>
 
-<file path=ppt/slides/slide24.xml><?xml version="1.0" encoding="utf-8"?>
+<file path=ppt/slides/slide28.xml><?xml version="1.0" encoding="utf-8"?>
 <p:sld xmlns:a="http://schemas.openxmlformats.org/drawingml/2006/main" xmlns:r="http://schemas.openxmlformats.org/officeDocument/2006/relationships" xmlns:p="http://schemas.openxmlformats.org/presentationml/2006/main">
   <p:cSld>
     <p:spTree>
@@ -8280,7 +9743,7 @@
                 <a:latin typeface="Calibri" panose="020F0502020204030204" pitchFamily="34" charset="0"/>
                 <a:cs typeface="Calibri" panose="020F0502020204030204" pitchFamily="34" charset="0"/>
               </a:rPr>
-              <a:t>values of A | B are { x:"A1" }, { x:"A2" }, but also { y:"B1" }, etc. There are five of them;</a:t>
+              <a:t>Values of A | B are { x:"A1" }, { x:"A2" }, but also { y:"B1" }, etc. There are five of them;</a:t>
             </a:r>
           </a:p>
         </p:txBody>
@@ -8299,7 +9762,7 @@
 </p:sld>
 </file>
 
-<file path=ppt/slides/slide25.xml><?xml version="1.0" encoding="utf-8"?>
+<file path=ppt/slides/slide29.xml><?xml version="1.0" encoding="utf-8"?>
 <p:sld xmlns:a="http://schemas.openxmlformats.org/drawingml/2006/main" xmlns:r="http://schemas.openxmlformats.org/officeDocument/2006/relationships" xmlns:p="http://schemas.openxmlformats.org/presentationml/2006/main">
   <p:cSld>
     <p:spTree>
@@ -8702,11 +10165,18 @@
               </a:defRPr>
             </a:pPr>
             <a:r>
+              <a:rPr lang="en-US" sz="2000" dirty="0">
+                <a:latin typeface="Calibri" panose="020F0502020204030204" pitchFamily="34" charset="0"/>
+                <a:cs typeface="Calibri" panose="020F0502020204030204" pitchFamily="34" charset="0"/>
+              </a:rPr>
+              <a:t>V</a:t>
+            </a:r>
+            <a:r>
               <a:rPr sz="2000" dirty="0">
                 <a:latin typeface="Calibri" panose="020F0502020204030204" pitchFamily="34" charset="0"/>
                 <a:cs typeface="Calibri" panose="020F0502020204030204" pitchFamily="34" charset="0"/>
               </a:rPr>
-              <a:t>values of A | B are { x:"A1" }, { x:"A2" }, but also { y:"B1" }, etc. There are five of them;</a:t>
+              <a:t>alues of A | B are { x:"A1" }, { x:"A2" }, but also { y:"B1" }, etc. There are five of them;</a:t>
             </a:r>
             <a:endParaRPr lang="en-US" sz="2000" dirty="0">
               <a:latin typeface="Calibri" panose="020F0502020204030204" pitchFamily="34" charset="0"/>
@@ -9023,750 +10493,6 @@
     <p:extLst>
       <p:ext uri="{BB962C8B-B14F-4D97-AF65-F5344CB8AC3E}">
         <p14:creationId xmlns:p14="http://schemas.microsoft.com/office/powerpoint/2010/main" val="962924757"/>
-      </p:ext>
-    </p:extLst>
-  </p:cSld>
-  <p:clrMapOvr>
-    <a:masterClrMapping/>
-  </p:clrMapOvr>
-  <p:transition spd="med"/>
-</p:sld>
-</file>
-
-<file path=ppt/slides/slide26.xml><?xml version="1.0" encoding="utf-8"?>
-<p:sld xmlns:a="http://schemas.openxmlformats.org/drawingml/2006/main" xmlns:r="http://schemas.openxmlformats.org/officeDocument/2006/relationships" xmlns:p="http://schemas.openxmlformats.org/presentationml/2006/main">
-  <p:cSld>
-    <p:spTree>
-      <p:nvGrpSpPr>
-        <p:cNvPr id="1" name=""/>
-        <p:cNvGrpSpPr/>
-        <p:nvPr/>
-      </p:nvGrpSpPr>
-      <p:grpSpPr>
-        <a:xfrm>
-          <a:off x="0" y="0"/>
-          <a:ext cx="0" cy="0"/>
-          <a:chOff x="0" y="0"/>
-          <a:chExt cx="0" cy="0"/>
-        </a:xfrm>
-      </p:grpSpPr>
-      <p:sp>
-        <p:nvSpPr>
-          <p:cNvPr id="150" name="Types in Typescript"/>
-          <p:cNvSpPr txBox="1">
-            <a:spLocks noGrp="1"/>
-          </p:cNvSpPr>
-          <p:nvPr>
-            <p:ph type="title"/>
-          </p:nvPr>
-        </p:nvSpPr>
-        <p:spPr>
-          <a:prstGeom prst="rect">
-            <a:avLst/>
-          </a:prstGeom>
-        </p:spPr>
-        <p:txBody>
-          <a:bodyPr>
-            <a:normAutofit/>
-          </a:bodyPr>
-          <a:lstStyle/>
-          <a:p>
-            <a:r>
-              <a:rPr sz="4000" dirty="0">
-                <a:latin typeface="Calibri" panose="020F0502020204030204" pitchFamily="34" charset="0"/>
-                <a:cs typeface="Calibri" panose="020F0502020204030204" pitchFamily="34" charset="0"/>
-              </a:rPr>
-              <a:t>Types </a:t>
-            </a:r>
-            <a:r>
-              <a:rPr sz="4000">
-                <a:latin typeface="Calibri" panose="020F0502020204030204" pitchFamily="34" charset="0"/>
-                <a:cs typeface="Calibri" panose="020F0502020204030204" pitchFamily="34" charset="0"/>
-              </a:rPr>
-              <a:t>in Typescript</a:t>
-            </a:r>
-            <a:r>
-              <a:rPr lang="en-US" sz="4000">
-                <a:latin typeface="Calibri" panose="020F0502020204030204" pitchFamily="34" charset="0"/>
-                <a:cs typeface="Calibri" panose="020F0502020204030204" pitchFamily="34" charset="0"/>
-              </a:rPr>
-              <a:t>..</a:t>
-            </a:r>
-            <a:endParaRPr sz="4000" dirty="0">
-              <a:latin typeface="Calibri" panose="020F0502020204030204" pitchFamily="34" charset="0"/>
-              <a:cs typeface="Calibri" panose="020F0502020204030204" pitchFamily="34" charset="0"/>
-            </a:endParaRPr>
-          </a:p>
-        </p:txBody>
-      </p:sp>
-      <p:sp>
-        <p:nvSpPr>
-          <p:cNvPr id="151" name="Union is a sort of sum, or set union:…"/>
-          <p:cNvSpPr txBox="1">
-            <a:spLocks noGrp="1"/>
-          </p:cNvSpPr>
-          <p:nvPr>
-            <p:ph type="body" idx="1"/>
-          </p:nvPr>
-        </p:nvSpPr>
-        <p:spPr>
-          <a:xfrm>
-            <a:off x="952500" y="2590800"/>
-            <a:ext cx="11099800" cy="6286500"/>
-          </a:xfrm>
-          <a:prstGeom prst="rect">
-            <a:avLst/>
-          </a:prstGeom>
-        </p:spPr>
-        <p:txBody>
-          <a:bodyPr anchor="t">
-            <a:noAutofit/>
-          </a:bodyPr>
-          <a:lstStyle/>
-          <a:p>
-            <a:pPr marL="284479" indent="-284479" defTabSz="292607">
-              <a:lnSpc>
-                <a:spcPts val="3700"/>
-              </a:lnSpc>
-              <a:spcBef>
-                <a:spcPts val="0"/>
-              </a:spcBef>
-              <a:tabLst>
-                <a:tab pos="88900" algn="l"/>
-                <a:tab pos="292100" algn="l"/>
-              </a:tabLst>
-              <a:defRPr sz="2048">
-                <a:latin typeface="Helvetica"/>
-                <a:ea typeface="Helvetica"/>
-                <a:cs typeface="Helvetica"/>
-                <a:sym typeface="Helvetica"/>
-              </a:defRPr>
-            </a:pPr>
-            <a:r>
-              <a:rPr sz="2000" dirty="0">
-                <a:latin typeface="Calibri" panose="020F0502020204030204" pitchFamily="34" charset="0"/>
-                <a:cs typeface="Calibri" panose="020F0502020204030204" pitchFamily="34" charset="0"/>
-              </a:rPr>
-              <a:t>U</a:t>
-            </a:r>
-            <a:r>
-              <a:rPr sz="2000" u="sng" dirty="0">
-                <a:latin typeface="Calibri" panose="020F0502020204030204" pitchFamily="34" charset="0"/>
-                <a:cs typeface="Calibri" panose="020F0502020204030204" pitchFamily="34" charset="0"/>
-              </a:rPr>
-              <a:t>nion</a:t>
-            </a:r>
-            <a:r>
-              <a:rPr sz="2000" dirty="0">
-                <a:latin typeface="Calibri" panose="020F0502020204030204" pitchFamily="34" charset="0"/>
-                <a:cs typeface="Calibri" panose="020F0502020204030204" pitchFamily="34" charset="0"/>
-              </a:rPr>
-              <a:t> is a sort of sum, or set union: </a:t>
-            </a:r>
-          </a:p>
-          <a:p>
-            <a:pPr marL="568959" lvl="1" indent="-284479" defTabSz="292607">
-              <a:lnSpc>
-                <a:spcPts val="3700"/>
-              </a:lnSpc>
-              <a:spcBef>
-                <a:spcPts val="0"/>
-              </a:spcBef>
-              <a:tabLst>
-                <a:tab pos="88900" algn="l"/>
-                <a:tab pos="292100" algn="l"/>
-              </a:tabLst>
-              <a:defRPr sz="2048">
-                <a:latin typeface="Helvetica"/>
-                <a:ea typeface="Helvetica"/>
-                <a:cs typeface="Helvetica"/>
-                <a:sym typeface="Helvetica"/>
-              </a:defRPr>
-            </a:pPr>
-            <a:r>
-              <a:rPr sz="2000" dirty="0">
-                <a:latin typeface="Calibri" panose="020F0502020204030204" pitchFamily="34" charset="0"/>
-                <a:cs typeface="Calibri" panose="020F0502020204030204" pitchFamily="34" charset="0"/>
-              </a:rPr>
-              <a:t>A | B is a type that contains:</a:t>
-            </a:r>
-          </a:p>
-          <a:p>
-            <a:pPr marL="853439" lvl="2" indent="-284479" defTabSz="292607">
-              <a:lnSpc>
-                <a:spcPts val="3700"/>
-              </a:lnSpc>
-              <a:spcBef>
-                <a:spcPts val="0"/>
-              </a:spcBef>
-              <a:tabLst>
-                <a:tab pos="88900" algn="l"/>
-                <a:tab pos="292100" algn="l"/>
-              </a:tabLst>
-              <a:defRPr sz="2048">
-                <a:latin typeface="Helvetica"/>
-                <a:ea typeface="Helvetica"/>
-                <a:cs typeface="Helvetica"/>
-                <a:sym typeface="Helvetica"/>
-              </a:defRPr>
-            </a:pPr>
-            <a:r>
-              <a:rPr sz="2000" dirty="0">
-                <a:latin typeface="Calibri" panose="020F0502020204030204" pitchFamily="34" charset="0"/>
-                <a:cs typeface="Calibri" panose="020F0502020204030204" pitchFamily="34" charset="0"/>
-              </a:rPr>
-              <a:t>all the values of A, </a:t>
-            </a:r>
-          </a:p>
-          <a:p>
-            <a:pPr marL="853439" lvl="2" indent="-284479" defTabSz="292607">
-              <a:lnSpc>
-                <a:spcPts val="3700"/>
-              </a:lnSpc>
-              <a:spcBef>
-                <a:spcPts val="0"/>
-              </a:spcBef>
-              <a:tabLst>
-                <a:tab pos="88900" algn="l"/>
-                <a:tab pos="292100" algn="l"/>
-              </a:tabLst>
-              <a:defRPr sz="2048">
-                <a:latin typeface="Helvetica"/>
-                <a:ea typeface="Helvetica"/>
-                <a:cs typeface="Helvetica"/>
-                <a:sym typeface="Helvetica"/>
-              </a:defRPr>
-            </a:pPr>
-            <a:r>
-              <a:rPr sz="2000" dirty="0">
-                <a:latin typeface="Calibri" panose="020F0502020204030204" pitchFamily="34" charset="0"/>
-                <a:cs typeface="Calibri" panose="020F0502020204030204" pitchFamily="34" charset="0"/>
-              </a:rPr>
-              <a:t>and all the values of B, one next to each other;</a:t>
-            </a:r>
-          </a:p>
-          <a:p>
-            <a:pPr marL="0" lvl="5" indent="731519" defTabSz="292607">
-              <a:lnSpc>
-                <a:spcPts val="3400"/>
-              </a:lnSpc>
-              <a:spcBef>
-                <a:spcPts val="0"/>
-              </a:spcBef>
-              <a:buSzTx/>
-              <a:buNone/>
-              <a:defRPr sz="2048">
-                <a:latin typeface="Helvetica"/>
-                <a:ea typeface="Helvetica"/>
-                <a:cs typeface="Helvetica"/>
-                <a:sym typeface="Helvetica"/>
-              </a:defRPr>
-            </a:pPr>
-            <a:r>
-              <a:rPr sz="2000" dirty="0">
-                <a:solidFill>
-                  <a:schemeClr val="accent1">
-                    <a:hueOff val="114395"/>
-                    <a:lumOff val="-24975"/>
-                  </a:schemeClr>
-                </a:solidFill>
-                <a:latin typeface="Calibri" panose="020F0502020204030204" pitchFamily="34" charset="0"/>
-                <a:cs typeface="Calibri" panose="020F0502020204030204" pitchFamily="34" charset="0"/>
-              </a:rPr>
-              <a:t>type</a:t>
-            </a:r>
-            <a:r>
-              <a:rPr sz="2000" dirty="0">
-                <a:latin typeface="Calibri" panose="020F0502020204030204" pitchFamily="34" charset="0"/>
-                <a:cs typeface="Calibri" panose="020F0502020204030204" pitchFamily="34" charset="0"/>
-              </a:rPr>
-              <a:t> A = { x:</a:t>
-            </a:r>
-            <a:r>
-              <a:rPr sz="2000" dirty="0">
-                <a:solidFill>
-                  <a:schemeClr val="accent5">
-                    <a:lumOff val="-29866"/>
-                  </a:schemeClr>
-                </a:solidFill>
-                <a:latin typeface="Calibri" panose="020F0502020204030204" pitchFamily="34" charset="0"/>
-                <a:cs typeface="Calibri" panose="020F0502020204030204" pitchFamily="34" charset="0"/>
-              </a:rPr>
-              <a:t>"A1"</a:t>
-            </a:r>
-            <a:r>
-              <a:rPr sz="2000" dirty="0">
-                <a:latin typeface="Calibri" panose="020F0502020204030204" pitchFamily="34" charset="0"/>
-                <a:cs typeface="Calibri" panose="020F0502020204030204" pitchFamily="34" charset="0"/>
-              </a:rPr>
-              <a:t> | </a:t>
-            </a:r>
-            <a:r>
-              <a:rPr sz="2000" dirty="0">
-                <a:solidFill>
-                  <a:schemeClr val="accent5">
-                    <a:lumOff val="-29866"/>
-                  </a:schemeClr>
-                </a:solidFill>
-                <a:latin typeface="Calibri" panose="020F0502020204030204" pitchFamily="34" charset="0"/>
-                <a:cs typeface="Calibri" panose="020F0502020204030204" pitchFamily="34" charset="0"/>
-              </a:rPr>
-              <a:t>"A2"</a:t>
-            </a:r>
-            <a:r>
-              <a:rPr sz="2000" dirty="0">
-                <a:latin typeface="Calibri" panose="020F0502020204030204" pitchFamily="34" charset="0"/>
-                <a:cs typeface="Calibri" panose="020F0502020204030204" pitchFamily="34" charset="0"/>
-              </a:rPr>
-              <a:t> } </a:t>
-            </a:r>
-          </a:p>
-          <a:p>
-            <a:pPr marL="0" lvl="5" indent="731519" defTabSz="292607">
-              <a:lnSpc>
-                <a:spcPts val="3400"/>
-              </a:lnSpc>
-              <a:spcBef>
-                <a:spcPts val="0"/>
-              </a:spcBef>
-              <a:buSzTx/>
-              <a:buNone/>
-              <a:defRPr sz="2048">
-                <a:latin typeface="Helvetica"/>
-                <a:ea typeface="Helvetica"/>
-                <a:cs typeface="Helvetica"/>
-                <a:sym typeface="Helvetica"/>
-              </a:defRPr>
-            </a:pPr>
-            <a:r>
-              <a:rPr sz="2000" dirty="0">
-                <a:solidFill>
-                  <a:schemeClr val="accent1">
-                    <a:hueOff val="114395"/>
-                    <a:lumOff val="-24975"/>
-                  </a:schemeClr>
-                </a:solidFill>
-                <a:latin typeface="Calibri" panose="020F0502020204030204" pitchFamily="34" charset="0"/>
-                <a:cs typeface="Calibri" panose="020F0502020204030204" pitchFamily="34" charset="0"/>
-              </a:rPr>
-              <a:t>type</a:t>
-            </a:r>
-            <a:r>
-              <a:rPr sz="2000" dirty="0">
-                <a:latin typeface="Calibri" panose="020F0502020204030204" pitchFamily="34" charset="0"/>
-                <a:cs typeface="Calibri" panose="020F0502020204030204" pitchFamily="34" charset="0"/>
-              </a:rPr>
-              <a:t> B = { y:</a:t>
-            </a:r>
-            <a:r>
-              <a:rPr sz="2000" dirty="0">
-                <a:solidFill>
-                  <a:schemeClr val="accent5">
-                    <a:lumOff val="-29866"/>
-                  </a:schemeClr>
-                </a:solidFill>
-                <a:latin typeface="Calibri" panose="020F0502020204030204" pitchFamily="34" charset="0"/>
-                <a:cs typeface="Calibri" panose="020F0502020204030204" pitchFamily="34" charset="0"/>
-              </a:rPr>
-              <a:t>"B1"</a:t>
-            </a:r>
-            <a:r>
-              <a:rPr sz="2000" dirty="0">
-                <a:latin typeface="Calibri" panose="020F0502020204030204" pitchFamily="34" charset="0"/>
-                <a:cs typeface="Calibri" panose="020F0502020204030204" pitchFamily="34" charset="0"/>
-              </a:rPr>
-              <a:t> | </a:t>
-            </a:r>
-            <a:r>
-              <a:rPr sz="2000" dirty="0">
-                <a:solidFill>
-                  <a:schemeClr val="accent5">
-                    <a:lumOff val="-29866"/>
-                  </a:schemeClr>
-                </a:solidFill>
-                <a:latin typeface="Calibri" panose="020F0502020204030204" pitchFamily="34" charset="0"/>
-                <a:cs typeface="Calibri" panose="020F0502020204030204" pitchFamily="34" charset="0"/>
-              </a:rPr>
-              <a:t>"B2"</a:t>
-            </a:r>
-            <a:r>
-              <a:rPr sz="2000" dirty="0">
-                <a:latin typeface="Calibri" panose="020F0502020204030204" pitchFamily="34" charset="0"/>
-                <a:cs typeface="Calibri" panose="020F0502020204030204" pitchFamily="34" charset="0"/>
-              </a:rPr>
-              <a:t> | </a:t>
-            </a:r>
-            <a:r>
-              <a:rPr sz="2000" dirty="0">
-                <a:solidFill>
-                  <a:schemeClr val="accent5">
-                    <a:lumOff val="-29866"/>
-                  </a:schemeClr>
-                </a:solidFill>
-                <a:latin typeface="Calibri" panose="020F0502020204030204" pitchFamily="34" charset="0"/>
-                <a:cs typeface="Calibri" panose="020F0502020204030204" pitchFamily="34" charset="0"/>
-              </a:rPr>
-              <a:t>"B3"</a:t>
-            </a:r>
-            <a:r>
-              <a:rPr sz="2000" dirty="0">
-                <a:latin typeface="Calibri" panose="020F0502020204030204" pitchFamily="34" charset="0"/>
-                <a:cs typeface="Calibri" panose="020F0502020204030204" pitchFamily="34" charset="0"/>
-              </a:rPr>
-              <a:t> }</a:t>
-            </a:r>
-          </a:p>
-          <a:p>
-            <a:pPr marL="853439" lvl="2" indent="-284479" defTabSz="292607">
-              <a:lnSpc>
-                <a:spcPts val="3700"/>
-              </a:lnSpc>
-              <a:spcBef>
-                <a:spcPts val="0"/>
-              </a:spcBef>
-              <a:tabLst>
-                <a:tab pos="88900" algn="l"/>
-                <a:tab pos="292100" algn="l"/>
-              </a:tabLst>
-              <a:defRPr sz="2048">
-                <a:latin typeface="Helvetica"/>
-                <a:ea typeface="Helvetica"/>
-                <a:cs typeface="Helvetica"/>
-                <a:sym typeface="Helvetica"/>
-              </a:defRPr>
-            </a:pPr>
-            <a:r>
-              <a:rPr sz="2000" dirty="0">
-                <a:latin typeface="Calibri" panose="020F0502020204030204" pitchFamily="34" charset="0"/>
-                <a:cs typeface="Calibri" panose="020F0502020204030204" pitchFamily="34" charset="0"/>
-              </a:rPr>
-              <a:t>values of A | B are { x:"A1" }, { x:"A2" }, but also { y:"B1" }, etc. There are five of them;</a:t>
-            </a:r>
-            <a:endParaRPr lang="en-US" sz="2000" dirty="0">
-              <a:latin typeface="Calibri" panose="020F0502020204030204" pitchFamily="34" charset="0"/>
-              <a:cs typeface="Calibri" panose="020F0502020204030204" pitchFamily="34" charset="0"/>
-            </a:endParaRPr>
-          </a:p>
-          <a:p>
-            <a:pPr marL="284479" indent="-284479" defTabSz="292607">
-              <a:lnSpc>
-                <a:spcPts val="3700"/>
-              </a:lnSpc>
-              <a:spcBef>
-                <a:spcPts val="0"/>
-              </a:spcBef>
-              <a:tabLst>
-                <a:tab pos="88900" algn="l"/>
-                <a:tab pos="292100" algn="l"/>
-              </a:tabLst>
-              <a:defRPr sz="2048">
-                <a:latin typeface="Helvetica"/>
-                <a:ea typeface="Helvetica"/>
-                <a:cs typeface="Helvetica"/>
-                <a:sym typeface="Helvetica"/>
-              </a:defRPr>
-            </a:pPr>
-            <a:r>
-              <a:rPr lang="en-US" sz="2000" dirty="0">
-                <a:latin typeface="Calibri" panose="020F0502020204030204" pitchFamily="34" charset="0"/>
-                <a:cs typeface="Calibri" panose="020F0502020204030204" pitchFamily="34" charset="0"/>
-              </a:rPr>
-              <a:t>	I</a:t>
-            </a:r>
-            <a:r>
-              <a:rPr lang="en-US" sz="2000" u="sng" dirty="0">
-                <a:latin typeface="Calibri" panose="020F0502020204030204" pitchFamily="34" charset="0"/>
-                <a:cs typeface="Calibri" panose="020F0502020204030204" pitchFamily="34" charset="0"/>
-              </a:rPr>
-              <a:t>ntersection</a:t>
-            </a:r>
-            <a:r>
-              <a:rPr lang="en-US" sz="2000" dirty="0">
-                <a:latin typeface="Calibri" panose="020F0502020204030204" pitchFamily="34" charset="0"/>
-                <a:cs typeface="Calibri" panose="020F0502020204030204" pitchFamily="34" charset="0"/>
-              </a:rPr>
-              <a:t> is a sort of product, or cartesian product over sets:</a:t>
-            </a:r>
-          </a:p>
-          <a:p>
-            <a:pPr marL="568959" lvl="1" indent="-284479" defTabSz="292607">
-              <a:lnSpc>
-                <a:spcPts val="3700"/>
-              </a:lnSpc>
-              <a:spcBef>
-                <a:spcPts val="0"/>
-              </a:spcBef>
-              <a:tabLst>
-                <a:tab pos="88900" algn="l"/>
-                <a:tab pos="292100" algn="l"/>
-              </a:tabLst>
-              <a:defRPr sz="2048">
-                <a:latin typeface="Helvetica"/>
-                <a:ea typeface="Helvetica"/>
-                <a:cs typeface="Helvetica"/>
-                <a:sym typeface="Helvetica"/>
-              </a:defRPr>
-            </a:pPr>
-            <a:r>
-              <a:rPr lang="en-US" sz="2000" dirty="0">
-                <a:latin typeface="Calibri" panose="020F0502020204030204" pitchFamily="34" charset="0"/>
-                <a:cs typeface="Calibri" panose="020F0502020204030204" pitchFamily="34" charset="0"/>
-              </a:rPr>
-              <a:t> A &amp; B is a type that contains all the </a:t>
-            </a:r>
-            <a:r>
-              <a:rPr lang="en-US" sz="2000" i="1" dirty="0">
-                <a:latin typeface="Calibri" panose="020F0502020204030204" pitchFamily="34" charset="0"/>
-                <a:cs typeface="Calibri" panose="020F0502020204030204" pitchFamily="34" charset="0"/>
-              </a:rPr>
-              <a:t>combinations</a:t>
-            </a:r>
-            <a:r>
-              <a:rPr lang="en-US" sz="2000" dirty="0">
-                <a:latin typeface="Calibri" panose="020F0502020204030204" pitchFamily="34" charset="0"/>
-                <a:cs typeface="Calibri" panose="020F0502020204030204" pitchFamily="34" charset="0"/>
-              </a:rPr>
-              <a:t> of values of A and B at the same time:</a:t>
-            </a:r>
-          </a:p>
-          <a:p>
-            <a:pPr marL="0" lvl="5" indent="731519" defTabSz="292607">
-              <a:lnSpc>
-                <a:spcPts val="3400"/>
-              </a:lnSpc>
-              <a:spcBef>
-                <a:spcPts val="0"/>
-              </a:spcBef>
-              <a:buSzTx/>
-              <a:buNone/>
-              <a:defRPr sz="2048">
-                <a:latin typeface="Helvetica"/>
-                <a:ea typeface="Helvetica"/>
-                <a:cs typeface="Helvetica"/>
-                <a:sym typeface="Helvetica"/>
-              </a:defRPr>
-            </a:pPr>
-            <a:r>
-              <a:rPr lang="en-US" sz="2000" dirty="0">
-                <a:solidFill>
-                  <a:schemeClr val="accent1">
-                    <a:hueOff val="114395"/>
-                    <a:lumOff val="-24975"/>
-                  </a:schemeClr>
-                </a:solidFill>
-                <a:latin typeface="Calibri" panose="020F0502020204030204" pitchFamily="34" charset="0"/>
-                <a:cs typeface="Calibri" panose="020F0502020204030204" pitchFamily="34" charset="0"/>
-              </a:rPr>
-              <a:t>type</a:t>
-            </a:r>
-            <a:r>
-              <a:rPr lang="en-US" sz="2000" dirty="0">
-                <a:latin typeface="Calibri" panose="020F0502020204030204" pitchFamily="34" charset="0"/>
-                <a:cs typeface="Calibri" panose="020F0502020204030204" pitchFamily="34" charset="0"/>
-              </a:rPr>
-              <a:t> A = { x:</a:t>
-            </a:r>
-            <a:r>
-              <a:rPr lang="en-US" sz="2000" dirty="0">
-                <a:solidFill>
-                  <a:schemeClr val="accent5">
-                    <a:lumOff val="-29866"/>
-                  </a:schemeClr>
-                </a:solidFill>
-                <a:latin typeface="Calibri" panose="020F0502020204030204" pitchFamily="34" charset="0"/>
-                <a:cs typeface="Calibri" panose="020F0502020204030204" pitchFamily="34" charset="0"/>
-              </a:rPr>
-              <a:t>"A1"</a:t>
-            </a:r>
-            <a:r>
-              <a:rPr lang="en-US" sz="2000" dirty="0">
-                <a:latin typeface="Calibri" panose="020F0502020204030204" pitchFamily="34" charset="0"/>
-                <a:cs typeface="Calibri" panose="020F0502020204030204" pitchFamily="34" charset="0"/>
-              </a:rPr>
-              <a:t> | </a:t>
-            </a:r>
-            <a:r>
-              <a:rPr lang="en-US" sz="2000" dirty="0">
-                <a:solidFill>
-                  <a:schemeClr val="accent5">
-                    <a:lumOff val="-29866"/>
-                  </a:schemeClr>
-                </a:solidFill>
-                <a:latin typeface="Calibri" panose="020F0502020204030204" pitchFamily="34" charset="0"/>
-                <a:cs typeface="Calibri" panose="020F0502020204030204" pitchFamily="34" charset="0"/>
-              </a:rPr>
-              <a:t>"A2"</a:t>
-            </a:r>
-            <a:r>
-              <a:rPr lang="en-US" sz="2000" dirty="0">
-                <a:latin typeface="Calibri" panose="020F0502020204030204" pitchFamily="34" charset="0"/>
-                <a:cs typeface="Calibri" panose="020F0502020204030204" pitchFamily="34" charset="0"/>
-              </a:rPr>
-              <a:t> } </a:t>
-            </a:r>
-          </a:p>
-          <a:p>
-            <a:pPr marL="0" lvl="5" indent="731519" defTabSz="292607">
-              <a:lnSpc>
-                <a:spcPts val="3400"/>
-              </a:lnSpc>
-              <a:spcBef>
-                <a:spcPts val="0"/>
-              </a:spcBef>
-              <a:buSzTx/>
-              <a:buNone/>
-              <a:defRPr sz="2048">
-                <a:latin typeface="Helvetica"/>
-                <a:ea typeface="Helvetica"/>
-                <a:cs typeface="Helvetica"/>
-                <a:sym typeface="Helvetica"/>
-              </a:defRPr>
-            </a:pPr>
-            <a:r>
-              <a:rPr lang="en-US" sz="2000" dirty="0">
-                <a:solidFill>
-                  <a:schemeClr val="accent1">
-                    <a:hueOff val="114395"/>
-                    <a:lumOff val="-24975"/>
-                  </a:schemeClr>
-                </a:solidFill>
-                <a:latin typeface="Calibri" panose="020F0502020204030204" pitchFamily="34" charset="0"/>
-                <a:cs typeface="Calibri" panose="020F0502020204030204" pitchFamily="34" charset="0"/>
-              </a:rPr>
-              <a:t>type</a:t>
-            </a:r>
-            <a:r>
-              <a:rPr lang="en-US" sz="2000" dirty="0">
-                <a:latin typeface="Calibri" panose="020F0502020204030204" pitchFamily="34" charset="0"/>
-                <a:cs typeface="Calibri" panose="020F0502020204030204" pitchFamily="34" charset="0"/>
-              </a:rPr>
-              <a:t> B = { y:</a:t>
-            </a:r>
-            <a:r>
-              <a:rPr lang="en-US" sz="2000" dirty="0">
-                <a:solidFill>
-                  <a:schemeClr val="accent5">
-                    <a:lumOff val="-29866"/>
-                  </a:schemeClr>
-                </a:solidFill>
-                <a:latin typeface="Calibri" panose="020F0502020204030204" pitchFamily="34" charset="0"/>
-                <a:cs typeface="Calibri" panose="020F0502020204030204" pitchFamily="34" charset="0"/>
-              </a:rPr>
-              <a:t>"B1"</a:t>
-            </a:r>
-            <a:r>
-              <a:rPr lang="en-US" sz="2000" dirty="0">
-                <a:latin typeface="Calibri" panose="020F0502020204030204" pitchFamily="34" charset="0"/>
-                <a:cs typeface="Calibri" panose="020F0502020204030204" pitchFamily="34" charset="0"/>
-              </a:rPr>
-              <a:t> | </a:t>
-            </a:r>
-            <a:r>
-              <a:rPr lang="en-US" sz="2000" dirty="0">
-                <a:solidFill>
-                  <a:schemeClr val="accent5">
-                    <a:lumOff val="-29866"/>
-                  </a:schemeClr>
-                </a:solidFill>
-                <a:latin typeface="Calibri" panose="020F0502020204030204" pitchFamily="34" charset="0"/>
-                <a:cs typeface="Calibri" panose="020F0502020204030204" pitchFamily="34" charset="0"/>
-              </a:rPr>
-              <a:t>"B2"</a:t>
-            </a:r>
-            <a:r>
-              <a:rPr lang="en-US" sz="2000" dirty="0">
-                <a:latin typeface="Calibri" panose="020F0502020204030204" pitchFamily="34" charset="0"/>
-                <a:cs typeface="Calibri" panose="020F0502020204030204" pitchFamily="34" charset="0"/>
-              </a:rPr>
-              <a:t> | </a:t>
-            </a:r>
-            <a:r>
-              <a:rPr lang="en-US" sz="2000" dirty="0">
-                <a:solidFill>
-                  <a:schemeClr val="accent5">
-                    <a:lumOff val="-29866"/>
-                  </a:schemeClr>
-                </a:solidFill>
-                <a:latin typeface="Calibri" panose="020F0502020204030204" pitchFamily="34" charset="0"/>
-                <a:cs typeface="Calibri" panose="020F0502020204030204" pitchFamily="34" charset="0"/>
-              </a:rPr>
-              <a:t>"B3"</a:t>
-            </a:r>
-            <a:r>
-              <a:rPr lang="en-US" sz="2000" dirty="0">
-                <a:latin typeface="Calibri" panose="020F0502020204030204" pitchFamily="34" charset="0"/>
-                <a:cs typeface="Calibri" panose="020F0502020204030204" pitchFamily="34" charset="0"/>
-              </a:rPr>
-              <a:t> }</a:t>
-            </a:r>
-          </a:p>
-          <a:p>
-            <a:pPr marL="568959" lvl="1" indent="-284479" defTabSz="292607">
-              <a:lnSpc>
-                <a:spcPts val="3700"/>
-              </a:lnSpc>
-              <a:spcBef>
-                <a:spcPts val="0"/>
-              </a:spcBef>
-              <a:tabLst>
-                <a:tab pos="88900" algn="l"/>
-                <a:tab pos="292100" algn="l"/>
-              </a:tabLst>
-              <a:defRPr sz="2048">
-                <a:latin typeface="Helvetica"/>
-                <a:ea typeface="Helvetica"/>
-                <a:cs typeface="Helvetica"/>
-                <a:sym typeface="Helvetica"/>
-              </a:defRPr>
-            </a:pPr>
-            <a:r>
-              <a:rPr lang="en-US" sz="2000" dirty="0">
-                <a:latin typeface="Calibri" panose="020F0502020204030204" pitchFamily="34" charset="0"/>
-                <a:cs typeface="Calibri" panose="020F0502020204030204" pitchFamily="34" charset="0"/>
-              </a:rPr>
-              <a:t>	values of A &amp; B are { x:"A1", y:"B1" }, { x:"A1", y:"B2" }, etc. There are six of them;</a:t>
-            </a:r>
-            <a:br>
-              <a:rPr lang="en-US" sz="2000" dirty="0">
-                <a:latin typeface="Calibri" panose="020F0502020204030204" pitchFamily="34" charset="0"/>
-                <a:cs typeface="Calibri" panose="020F0502020204030204" pitchFamily="34" charset="0"/>
-              </a:rPr>
-            </a:br>
-            <a:endParaRPr lang="en-US" sz="2000" dirty="0">
-              <a:latin typeface="Calibri" panose="020F0502020204030204" pitchFamily="34" charset="0"/>
-              <a:cs typeface="Calibri" panose="020F0502020204030204" pitchFamily="34" charset="0"/>
-            </a:endParaRPr>
-          </a:p>
-          <a:p>
-            <a:pPr marL="853439" lvl="2" indent="-284479" defTabSz="292607">
-              <a:lnSpc>
-                <a:spcPts val="3700"/>
-              </a:lnSpc>
-              <a:spcBef>
-                <a:spcPts val="0"/>
-              </a:spcBef>
-              <a:tabLst>
-                <a:tab pos="88900" algn="l"/>
-                <a:tab pos="292100" algn="l"/>
-              </a:tabLst>
-              <a:defRPr sz="2048">
-                <a:latin typeface="Helvetica"/>
-                <a:ea typeface="Helvetica"/>
-                <a:cs typeface="Helvetica"/>
-                <a:sym typeface="Helvetica"/>
-              </a:defRPr>
-            </a:pPr>
-            <a:endParaRPr sz="2000" dirty="0">
-              <a:latin typeface="Calibri" panose="020F0502020204030204" pitchFamily="34" charset="0"/>
-              <a:cs typeface="Calibri" panose="020F0502020204030204" pitchFamily="34" charset="0"/>
-            </a:endParaRPr>
-          </a:p>
-        </p:txBody>
-      </p:sp>
-    </p:spTree>
-    <p:extLst>
-      <p:ext uri="{BB962C8B-B14F-4D97-AF65-F5344CB8AC3E}">
-        <p14:creationId xmlns:p14="http://schemas.microsoft.com/office/powerpoint/2010/main" val="3636484696"/>
       </p:ext>
     </p:extLst>
   </p:cSld>
@@ -9913,6 +10639,2970 @@
         </p:txBody>
       </p:sp>
     </p:spTree>
+  </p:cSld>
+  <p:clrMapOvr>
+    <a:masterClrMapping/>
+  </p:clrMapOvr>
+  <p:transition spd="med"/>
+</p:sld>
+</file>
+
+<file path=ppt/slides/slide30.xml><?xml version="1.0" encoding="utf-8"?>
+<p:sld xmlns:a="http://schemas.openxmlformats.org/drawingml/2006/main" xmlns:r="http://schemas.openxmlformats.org/officeDocument/2006/relationships" xmlns:p="http://schemas.openxmlformats.org/presentationml/2006/main">
+  <p:cSld>
+    <p:spTree>
+      <p:nvGrpSpPr>
+        <p:cNvPr id="1" name=""/>
+        <p:cNvGrpSpPr/>
+        <p:nvPr/>
+      </p:nvGrpSpPr>
+      <p:grpSpPr>
+        <a:xfrm>
+          <a:off x="0" y="0"/>
+          <a:ext cx="0" cy="0"/>
+          <a:chOff x="0" y="0"/>
+          <a:chExt cx="0" cy="0"/>
+        </a:xfrm>
+      </p:grpSpPr>
+      <p:sp>
+        <p:nvSpPr>
+          <p:cNvPr id="150" name="Types in Typescript"/>
+          <p:cNvSpPr txBox="1">
+            <a:spLocks noGrp="1"/>
+          </p:cNvSpPr>
+          <p:nvPr>
+            <p:ph type="title"/>
+          </p:nvPr>
+        </p:nvSpPr>
+        <p:spPr>
+          <a:prstGeom prst="rect">
+            <a:avLst/>
+          </a:prstGeom>
+        </p:spPr>
+        <p:txBody>
+          <a:bodyPr>
+            <a:normAutofit/>
+          </a:bodyPr>
+          <a:lstStyle/>
+          <a:p>
+            <a:r>
+              <a:rPr sz="4000" dirty="0">
+                <a:latin typeface="Calibri" panose="020F0502020204030204" pitchFamily="34" charset="0"/>
+                <a:cs typeface="Calibri" panose="020F0502020204030204" pitchFamily="34" charset="0"/>
+              </a:rPr>
+              <a:t>Types </a:t>
+            </a:r>
+            <a:r>
+              <a:rPr sz="4000">
+                <a:latin typeface="Calibri" panose="020F0502020204030204" pitchFamily="34" charset="0"/>
+                <a:cs typeface="Calibri" panose="020F0502020204030204" pitchFamily="34" charset="0"/>
+              </a:rPr>
+              <a:t>in Typescript</a:t>
+            </a:r>
+            <a:r>
+              <a:rPr lang="en-US" sz="4000">
+                <a:latin typeface="Calibri" panose="020F0502020204030204" pitchFamily="34" charset="0"/>
+                <a:cs typeface="Calibri" panose="020F0502020204030204" pitchFamily="34" charset="0"/>
+              </a:rPr>
+              <a:t>..</a:t>
+            </a:r>
+            <a:endParaRPr sz="4000" dirty="0">
+              <a:latin typeface="Calibri" panose="020F0502020204030204" pitchFamily="34" charset="0"/>
+              <a:cs typeface="Calibri" panose="020F0502020204030204" pitchFamily="34" charset="0"/>
+            </a:endParaRPr>
+          </a:p>
+        </p:txBody>
+      </p:sp>
+      <p:sp>
+        <p:nvSpPr>
+          <p:cNvPr id="151" name="Union is a sort of sum, or set union:…"/>
+          <p:cNvSpPr txBox="1">
+            <a:spLocks noGrp="1"/>
+          </p:cNvSpPr>
+          <p:nvPr>
+            <p:ph type="body" idx="1"/>
+          </p:nvPr>
+        </p:nvSpPr>
+        <p:spPr>
+          <a:xfrm>
+            <a:off x="952500" y="2590800"/>
+            <a:ext cx="11099800" cy="6286500"/>
+          </a:xfrm>
+          <a:prstGeom prst="rect">
+            <a:avLst/>
+          </a:prstGeom>
+        </p:spPr>
+        <p:txBody>
+          <a:bodyPr anchor="t">
+            <a:noAutofit/>
+          </a:bodyPr>
+          <a:lstStyle/>
+          <a:p>
+            <a:pPr marL="284479" indent="-284479" defTabSz="292607">
+              <a:lnSpc>
+                <a:spcPts val="3700"/>
+              </a:lnSpc>
+              <a:spcBef>
+                <a:spcPts val="0"/>
+              </a:spcBef>
+              <a:tabLst>
+                <a:tab pos="88900" algn="l"/>
+                <a:tab pos="292100" algn="l"/>
+              </a:tabLst>
+              <a:defRPr sz="2048">
+                <a:latin typeface="Helvetica"/>
+                <a:ea typeface="Helvetica"/>
+                <a:cs typeface="Helvetica"/>
+                <a:sym typeface="Helvetica"/>
+              </a:defRPr>
+            </a:pPr>
+            <a:r>
+              <a:rPr sz="2000" dirty="0">
+                <a:latin typeface="Calibri" panose="020F0502020204030204" pitchFamily="34" charset="0"/>
+                <a:cs typeface="Calibri" panose="020F0502020204030204" pitchFamily="34" charset="0"/>
+              </a:rPr>
+              <a:t>U</a:t>
+            </a:r>
+            <a:r>
+              <a:rPr sz="2000" u="sng" dirty="0">
+                <a:latin typeface="Calibri" panose="020F0502020204030204" pitchFamily="34" charset="0"/>
+                <a:cs typeface="Calibri" panose="020F0502020204030204" pitchFamily="34" charset="0"/>
+              </a:rPr>
+              <a:t>nion</a:t>
+            </a:r>
+            <a:r>
+              <a:rPr sz="2000" dirty="0">
+                <a:latin typeface="Calibri" panose="020F0502020204030204" pitchFamily="34" charset="0"/>
+                <a:cs typeface="Calibri" panose="020F0502020204030204" pitchFamily="34" charset="0"/>
+              </a:rPr>
+              <a:t> is a sort of sum, or set union: </a:t>
+            </a:r>
+          </a:p>
+          <a:p>
+            <a:pPr marL="568959" lvl="1" indent="-284479" defTabSz="292607">
+              <a:lnSpc>
+                <a:spcPts val="3700"/>
+              </a:lnSpc>
+              <a:spcBef>
+                <a:spcPts val="0"/>
+              </a:spcBef>
+              <a:tabLst>
+                <a:tab pos="88900" algn="l"/>
+                <a:tab pos="292100" algn="l"/>
+              </a:tabLst>
+              <a:defRPr sz="2048">
+                <a:latin typeface="Helvetica"/>
+                <a:ea typeface="Helvetica"/>
+                <a:cs typeface="Helvetica"/>
+                <a:sym typeface="Helvetica"/>
+              </a:defRPr>
+            </a:pPr>
+            <a:r>
+              <a:rPr sz="2000" dirty="0">
+                <a:latin typeface="Calibri" panose="020F0502020204030204" pitchFamily="34" charset="0"/>
+                <a:cs typeface="Calibri" panose="020F0502020204030204" pitchFamily="34" charset="0"/>
+              </a:rPr>
+              <a:t>A | B is a type that contains:</a:t>
+            </a:r>
+          </a:p>
+          <a:p>
+            <a:pPr marL="853439" lvl="2" indent="-284479" defTabSz="292607">
+              <a:lnSpc>
+                <a:spcPts val="3700"/>
+              </a:lnSpc>
+              <a:spcBef>
+                <a:spcPts val="0"/>
+              </a:spcBef>
+              <a:tabLst>
+                <a:tab pos="88900" algn="l"/>
+                <a:tab pos="292100" algn="l"/>
+              </a:tabLst>
+              <a:defRPr sz="2048">
+                <a:latin typeface="Helvetica"/>
+                <a:ea typeface="Helvetica"/>
+                <a:cs typeface="Helvetica"/>
+                <a:sym typeface="Helvetica"/>
+              </a:defRPr>
+            </a:pPr>
+            <a:r>
+              <a:rPr sz="2000" dirty="0">
+                <a:latin typeface="Calibri" panose="020F0502020204030204" pitchFamily="34" charset="0"/>
+                <a:cs typeface="Calibri" panose="020F0502020204030204" pitchFamily="34" charset="0"/>
+              </a:rPr>
+              <a:t>all the values of A, </a:t>
+            </a:r>
+          </a:p>
+          <a:p>
+            <a:pPr marL="853439" lvl="2" indent="-284479" defTabSz="292607">
+              <a:lnSpc>
+                <a:spcPts val="3700"/>
+              </a:lnSpc>
+              <a:spcBef>
+                <a:spcPts val="0"/>
+              </a:spcBef>
+              <a:tabLst>
+                <a:tab pos="88900" algn="l"/>
+                <a:tab pos="292100" algn="l"/>
+              </a:tabLst>
+              <a:defRPr sz="2048">
+                <a:latin typeface="Helvetica"/>
+                <a:ea typeface="Helvetica"/>
+                <a:cs typeface="Helvetica"/>
+                <a:sym typeface="Helvetica"/>
+              </a:defRPr>
+            </a:pPr>
+            <a:r>
+              <a:rPr sz="2000" dirty="0">
+                <a:latin typeface="Calibri" panose="020F0502020204030204" pitchFamily="34" charset="0"/>
+                <a:cs typeface="Calibri" panose="020F0502020204030204" pitchFamily="34" charset="0"/>
+              </a:rPr>
+              <a:t>and all the values of B, one next to each other;</a:t>
+            </a:r>
+          </a:p>
+          <a:p>
+            <a:pPr marL="0" lvl="5" indent="731519" defTabSz="292607">
+              <a:lnSpc>
+                <a:spcPts val="3400"/>
+              </a:lnSpc>
+              <a:spcBef>
+                <a:spcPts val="0"/>
+              </a:spcBef>
+              <a:buSzTx/>
+              <a:buNone/>
+              <a:defRPr sz="2048">
+                <a:latin typeface="Helvetica"/>
+                <a:ea typeface="Helvetica"/>
+                <a:cs typeface="Helvetica"/>
+                <a:sym typeface="Helvetica"/>
+              </a:defRPr>
+            </a:pPr>
+            <a:r>
+              <a:rPr sz="2000" dirty="0">
+                <a:solidFill>
+                  <a:schemeClr val="accent1">
+                    <a:hueOff val="114395"/>
+                    <a:lumOff val="-24975"/>
+                  </a:schemeClr>
+                </a:solidFill>
+                <a:latin typeface="Calibri" panose="020F0502020204030204" pitchFamily="34" charset="0"/>
+                <a:cs typeface="Calibri" panose="020F0502020204030204" pitchFamily="34" charset="0"/>
+              </a:rPr>
+              <a:t>type</a:t>
+            </a:r>
+            <a:r>
+              <a:rPr sz="2000" dirty="0">
+                <a:latin typeface="Calibri" panose="020F0502020204030204" pitchFamily="34" charset="0"/>
+                <a:cs typeface="Calibri" panose="020F0502020204030204" pitchFamily="34" charset="0"/>
+              </a:rPr>
+              <a:t> A = { x:</a:t>
+            </a:r>
+            <a:r>
+              <a:rPr sz="2000" dirty="0">
+                <a:solidFill>
+                  <a:schemeClr val="accent5">
+                    <a:lumOff val="-29866"/>
+                  </a:schemeClr>
+                </a:solidFill>
+                <a:latin typeface="Calibri" panose="020F0502020204030204" pitchFamily="34" charset="0"/>
+                <a:cs typeface="Calibri" panose="020F0502020204030204" pitchFamily="34" charset="0"/>
+              </a:rPr>
+              <a:t>"A1"</a:t>
+            </a:r>
+            <a:r>
+              <a:rPr sz="2000" dirty="0">
+                <a:latin typeface="Calibri" panose="020F0502020204030204" pitchFamily="34" charset="0"/>
+                <a:cs typeface="Calibri" panose="020F0502020204030204" pitchFamily="34" charset="0"/>
+              </a:rPr>
+              <a:t> | </a:t>
+            </a:r>
+            <a:r>
+              <a:rPr sz="2000" dirty="0">
+                <a:solidFill>
+                  <a:schemeClr val="accent5">
+                    <a:lumOff val="-29866"/>
+                  </a:schemeClr>
+                </a:solidFill>
+                <a:latin typeface="Calibri" panose="020F0502020204030204" pitchFamily="34" charset="0"/>
+                <a:cs typeface="Calibri" panose="020F0502020204030204" pitchFamily="34" charset="0"/>
+              </a:rPr>
+              <a:t>"A2"</a:t>
+            </a:r>
+            <a:r>
+              <a:rPr sz="2000" dirty="0">
+                <a:latin typeface="Calibri" panose="020F0502020204030204" pitchFamily="34" charset="0"/>
+                <a:cs typeface="Calibri" panose="020F0502020204030204" pitchFamily="34" charset="0"/>
+              </a:rPr>
+              <a:t> } </a:t>
+            </a:r>
+          </a:p>
+          <a:p>
+            <a:pPr marL="0" lvl="5" indent="731519" defTabSz="292607">
+              <a:lnSpc>
+                <a:spcPts val="3400"/>
+              </a:lnSpc>
+              <a:spcBef>
+                <a:spcPts val="0"/>
+              </a:spcBef>
+              <a:buSzTx/>
+              <a:buNone/>
+              <a:defRPr sz="2048">
+                <a:latin typeface="Helvetica"/>
+                <a:ea typeface="Helvetica"/>
+                <a:cs typeface="Helvetica"/>
+                <a:sym typeface="Helvetica"/>
+              </a:defRPr>
+            </a:pPr>
+            <a:r>
+              <a:rPr sz="2000" dirty="0">
+                <a:solidFill>
+                  <a:schemeClr val="accent1">
+                    <a:hueOff val="114395"/>
+                    <a:lumOff val="-24975"/>
+                  </a:schemeClr>
+                </a:solidFill>
+                <a:latin typeface="Calibri" panose="020F0502020204030204" pitchFamily="34" charset="0"/>
+                <a:cs typeface="Calibri" panose="020F0502020204030204" pitchFamily="34" charset="0"/>
+              </a:rPr>
+              <a:t>type</a:t>
+            </a:r>
+            <a:r>
+              <a:rPr sz="2000" dirty="0">
+                <a:latin typeface="Calibri" panose="020F0502020204030204" pitchFamily="34" charset="0"/>
+                <a:cs typeface="Calibri" panose="020F0502020204030204" pitchFamily="34" charset="0"/>
+              </a:rPr>
+              <a:t> B = { y:</a:t>
+            </a:r>
+            <a:r>
+              <a:rPr sz="2000" dirty="0">
+                <a:solidFill>
+                  <a:schemeClr val="accent5">
+                    <a:lumOff val="-29866"/>
+                  </a:schemeClr>
+                </a:solidFill>
+                <a:latin typeface="Calibri" panose="020F0502020204030204" pitchFamily="34" charset="0"/>
+                <a:cs typeface="Calibri" panose="020F0502020204030204" pitchFamily="34" charset="0"/>
+              </a:rPr>
+              <a:t>"B1"</a:t>
+            </a:r>
+            <a:r>
+              <a:rPr sz="2000" dirty="0">
+                <a:latin typeface="Calibri" panose="020F0502020204030204" pitchFamily="34" charset="0"/>
+                <a:cs typeface="Calibri" panose="020F0502020204030204" pitchFamily="34" charset="0"/>
+              </a:rPr>
+              <a:t> | </a:t>
+            </a:r>
+            <a:r>
+              <a:rPr sz="2000" dirty="0">
+                <a:solidFill>
+                  <a:schemeClr val="accent5">
+                    <a:lumOff val="-29866"/>
+                  </a:schemeClr>
+                </a:solidFill>
+                <a:latin typeface="Calibri" panose="020F0502020204030204" pitchFamily="34" charset="0"/>
+                <a:cs typeface="Calibri" panose="020F0502020204030204" pitchFamily="34" charset="0"/>
+              </a:rPr>
+              <a:t>"B2"</a:t>
+            </a:r>
+            <a:r>
+              <a:rPr sz="2000" dirty="0">
+                <a:latin typeface="Calibri" panose="020F0502020204030204" pitchFamily="34" charset="0"/>
+                <a:cs typeface="Calibri" panose="020F0502020204030204" pitchFamily="34" charset="0"/>
+              </a:rPr>
+              <a:t> | </a:t>
+            </a:r>
+            <a:r>
+              <a:rPr sz="2000" dirty="0">
+                <a:solidFill>
+                  <a:schemeClr val="accent5">
+                    <a:lumOff val="-29866"/>
+                  </a:schemeClr>
+                </a:solidFill>
+                <a:latin typeface="Calibri" panose="020F0502020204030204" pitchFamily="34" charset="0"/>
+                <a:cs typeface="Calibri" panose="020F0502020204030204" pitchFamily="34" charset="0"/>
+              </a:rPr>
+              <a:t>"B3"</a:t>
+            </a:r>
+            <a:r>
+              <a:rPr sz="2000" dirty="0">
+                <a:latin typeface="Calibri" panose="020F0502020204030204" pitchFamily="34" charset="0"/>
+                <a:cs typeface="Calibri" panose="020F0502020204030204" pitchFamily="34" charset="0"/>
+              </a:rPr>
+              <a:t> }</a:t>
+            </a:r>
+          </a:p>
+          <a:p>
+            <a:pPr marL="853439" lvl="2" indent="-284479" defTabSz="292607">
+              <a:lnSpc>
+                <a:spcPts val="3700"/>
+              </a:lnSpc>
+              <a:spcBef>
+                <a:spcPts val="0"/>
+              </a:spcBef>
+              <a:tabLst>
+                <a:tab pos="88900" algn="l"/>
+                <a:tab pos="292100" algn="l"/>
+              </a:tabLst>
+              <a:defRPr sz="2048">
+                <a:latin typeface="Helvetica"/>
+                <a:ea typeface="Helvetica"/>
+                <a:cs typeface="Helvetica"/>
+                <a:sym typeface="Helvetica"/>
+              </a:defRPr>
+            </a:pPr>
+            <a:r>
+              <a:rPr lang="en-US" sz="2000" dirty="0">
+                <a:latin typeface="Calibri" panose="020F0502020204030204" pitchFamily="34" charset="0"/>
+                <a:cs typeface="Calibri" panose="020F0502020204030204" pitchFamily="34" charset="0"/>
+              </a:rPr>
+              <a:t>V</a:t>
+            </a:r>
+            <a:r>
+              <a:rPr sz="2000" dirty="0">
+                <a:latin typeface="Calibri" panose="020F0502020204030204" pitchFamily="34" charset="0"/>
+                <a:cs typeface="Calibri" panose="020F0502020204030204" pitchFamily="34" charset="0"/>
+              </a:rPr>
+              <a:t>alues of A | B are { x:"A1" }, { x:"A2" }, but also { y:"B1" }, etc. There are five of them;</a:t>
+            </a:r>
+            <a:endParaRPr lang="en-US" sz="2000" dirty="0">
+              <a:latin typeface="Calibri" panose="020F0502020204030204" pitchFamily="34" charset="0"/>
+              <a:cs typeface="Calibri" panose="020F0502020204030204" pitchFamily="34" charset="0"/>
+            </a:endParaRPr>
+          </a:p>
+          <a:p>
+            <a:pPr marL="284479" indent="-284479" defTabSz="292607">
+              <a:lnSpc>
+                <a:spcPts val="3700"/>
+              </a:lnSpc>
+              <a:spcBef>
+                <a:spcPts val="0"/>
+              </a:spcBef>
+              <a:tabLst>
+                <a:tab pos="88900" algn="l"/>
+                <a:tab pos="292100" algn="l"/>
+              </a:tabLst>
+              <a:defRPr sz="2048">
+                <a:latin typeface="Helvetica"/>
+                <a:ea typeface="Helvetica"/>
+                <a:cs typeface="Helvetica"/>
+                <a:sym typeface="Helvetica"/>
+              </a:defRPr>
+            </a:pPr>
+            <a:r>
+              <a:rPr lang="en-US" sz="2000" dirty="0">
+                <a:latin typeface="Calibri" panose="020F0502020204030204" pitchFamily="34" charset="0"/>
+                <a:cs typeface="Calibri" panose="020F0502020204030204" pitchFamily="34" charset="0"/>
+              </a:rPr>
+              <a:t>	I</a:t>
+            </a:r>
+            <a:r>
+              <a:rPr lang="en-US" sz="2000" u="sng" dirty="0">
+                <a:latin typeface="Calibri" panose="020F0502020204030204" pitchFamily="34" charset="0"/>
+                <a:cs typeface="Calibri" panose="020F0502020204030204" pitchFamily="34" charset="0"/>
+              </a:rPr>
+              <a:t>ntersection</a:t>
+            </a:r>
+            <a:r>
+              <a:rPr lang="en-US" sz="2000" dirty="0">
+                <a:latin typeface="Calibri" panose="020F0502020204030204" pitchFamily="34" charset="0"/>
+                <a:cs typeface="Calibri" panose="020F0502020204030204" pitchFamily="34" charset="0"/>
+              </a:rPr>
+              <a:t> is a sort of product, or cartesian product over sets:</a:t>
+            </a:r>
+          </a:p>
+          <a:p>
+            <a:pPr marL="568959" lvl="1" indent="-284479" defTabSz="292607">
+              <a:lnSpc>
+                <a:spcPts val="3700"/>
+              </a:lnSpc>
+              <a:spcBef>
+                <a:spcPts val="0"/>
+              </a:spcBef>
+              <a:tabLst>
+                <a:tab pos="88900" algn="l"/>
+                <a:tab pos="292100" algn="l"/>
+              </a:tabLst>
+              <a:defRPr sz="2048">
+                <a:latin typeface="Helvetica"/>
+                <a:ea typeface="Helvetica"/>
+                <a:cs typeface="Helvetica"/>
+                <a:sym typeface="Helvetica"/>
+              </a:defRPr>
+            </a:pPr>
+            <a:r>
+              <a:rPr lang="en-US" sz="2000" dirty="0">
+                <a:latin typeface="Calibri" panose="020F0502020204030204" pitchFamily="34" charset="0"/>
+                <a:cs typeface="Calibri" panose="020F0502020204030204" pitchFamily="34" charset="0"/>
+              </a:rPr>
+              <a:t> A &amp; B is a type that contains all the </a:t>
+            </a:r>
+            <a:r>
+              <a:rPr lang="en-US" sz="2000" i="1" dirty="0">
+                <a:latin typeface="Calibri" panose="020F0502020204030204" pitchFamily="34" charset="0"/>
+                <a:cs typeface="Calibri" panose="020F0502020204030204" pitchFamily="34" charset="0"/>
+              </a:rPr>
+              <a:t>combinations</a:t>
+            </a:r>
+            <a:r>
+              <a:rPr lang="en-US" sz="2000" dirty="0">
+                <a:latin typeface="Calibri" panose="020F0502020204030204" pitchFamily="34" charset="0"/>
+                <a:cs typeface="Calibri" panose="020F0502020204030204" pitchFamily="34" charset="0"/>
+              </a:rPr>
+              <a:t> of values of A and B at the same time:</a:t>
+            </a:r>
+          </a:p>
+          <a:p>
+            <a:pPr marL="0" lvl="5" indent="731519" defTabSz="292607">
+              <a:lnSpc>
+                <a:spcPts val="3400"/>
+              </a:lnSpc>
+              <a:spcBef>
+                <a:spcPts val="0"/>
+              </a:spcBef>
+              <a:buSzTx/>
+              <a:buNone/>
+              <a:defRPr sz="2048">
+                <a:latin typeface="Helvetica"/>
+                <a:ea typeface="Helvetica"/>
+                <a:cs typeface="Helvetica"/>
+                <a:sym typeface="Helvetica"/>
+              </a:defRPr>
+            </a:pPr>
+            <a:r>
+              <a:rPr lang="en-US" sz="2000" dirty="0">
+                <a:solidFill>
+                  <a:schemeClr val="accent1">
+                    <a:hueOff val="114395"/>
+                    <a:lumOff val="-24975"/>
+                  </a:schemeClr>
+                </a:solidFill>
+                <a:latin typeface="Calibri" panose="020F0502020204030204" pitchFamily="34" charset="0"/>
+                <a:cs typeface="Calibri" panose="020F0502020204030204" pitchFamily="34" charset="0"/>
+              </a:rPr>
+              <a:t>type</a:t>
+            </a:r>
+            <a:r>
+              <a:rPr lang="en-US" sz="2000" dirty="0">
+                <a:latin typeface="Calibri" panose="020F0502020204030204" pitchFamily="34" charset="0"/>
+                <a:cs typeface="Calibri" panose="020F0502020204030204" pitchFamily="34" charset="0"/>
+              </a:rPr>
+              <a:t> A = { x:</a:t>
+            </a:r>
+            <a:r>
+              <a:rPr lang="en-US" sz="2000" dirty="0">
+                <a:solidFill>
+                  <a:schemeClr val="accent5">
+                    <a:lumOff val="-29866"/>
+                  </a:schemeClr>
+                </a:solidFill>
+                <a:latin typeface="Calibri" panose="020F0502020204030204" pitchFamily="34" charset="0"/>
+                <a:cs typeface="Calibri" panose="020F0502020204030204" pitchFamily="34" charset="0"/>
+              </a:rPr>
+              <a:t>"A1"</a:t>
+            </a:r>
+            <a:r>
+              <a:rPr lang="en-US" sz="2000" dirty="0">
+                <a:latin typeface="Calibri" panose="020F0502020204030204" pitchFamily="34" charset="0"/>
+                <a:cs typeface="Calibri" panose="020F0502020204030204" pitchFamily="34" charset="0"/>
+              </a:rPr>
+              <a:t> | </a:t>
+            </a:r>
+            <a:r>
+              <a:rPr lang="en-US" sz="2000" dirty="0">
+                <a:solidFill>
+                  <a:schemeClr val="accent5">
+                    <a:lumOff val="-29866"/>
+                  </a:schemeClr>
+                </a:solidFill>
+                <a:latin typeface="Calibri" panose="020F0502020204030204" pitchFamily="34" charset="0"/>
+                <a:cs typeface="Calibri" panose="020F0502020204030204" pitchFamily="34" charset="0"/>
+              </a:rPr>
+              <a:t>"A2"</a:t>
+            </a:r>
+            <a:r>
+              <a:rPr lang="en-US" sz="2000" dirty="0">
+                <a:latin typeface="Calibri" panose="020F0502020204030204" pitchFamily="34" charset="0"/>
+                <a:cs typeface="Calibri" panose="020F0502020204030204" pitchFamily="34" charset="0"/>
+              </a:rPr>
+              <a:t> } </a:t>
+            </a:r>
+          </a:p>
+          <a:p>
+            <a:pPr marL="0" lvl="5" indent="731519" defTabSz="292607">
+              <a:lnSpc>
+                <a:spcPts val="3400"/>
+              </a:lnSpc>
+              <a:spcBef>
+                <a:spcPts val="0"/>
+              </a:spcBef>
+              <a:buSzTx/>
+              <a:buNone/>
+              <a:defRPr sz="2048">
+                <a:latin typeface="Helvetica"/>
+                <a:ea typeface="Helvetica"/>
+                <a:cs typeface="Helvetica"/>
+                <a:sym typeface="Helvetica"/>
+              </a:defRPr>
+            </a:pPr>
+            <a:r>
+              <a:rPr lang="en-US" sz="2000" dirty="0">
+                <a:solidFill>
+                  <a:schemeClr val="accent1">
+                    <a:hueOff val="114395"/>
+                    <a:lumOff val="-24975"/>
+                  </a:schemeClr>
+                </a:solidFill>
+                <a:latin typeface="Calibri" panose="020F0502020204030204" pitchFamily="34" charset="0"/>
+                <a:cs typeface="Calibri" panose="020F0502020204030204" pitchFamily="34" charset="0"/>
+              </a:rPr>
+              <a:t>type</a:t>
+            </a:r>
+            <a:r>
+              <a:rPr lang="en-US" sz="2000" dirty="0">
+                <a:latin typeface="Calibri" panose="020F0502020204030204" pitchFamily="34" charset="0"/>
+                <a:cs typeface="Calibri" panose="020F0502020204030204" pitchFamily="34" charset="0"/>
+              </a:rPr>
+              <a:t> B = { y:</a:t>
+            </a:r>
+            <a:r>
+              <a:rPr lang="en-US" sz="2000" dirty="0">
+                <a:solidFill>
+                  <a:schemeClr val="accent5">
+                    <a:lumOff val="-29866"/>
+                  </a:schemeClr>
+                </a:solidFill>
+                <a:latin typeface="Calibri" panose="020F0502020204030204" pitchFamily="34" charset="0"/>
+                <a:cs typeface="Calibri" panose="020F0502020204030204" pitchFamily="34" charset="0"/>
+              </a:rPr>
+              <a:t>"B1"</a:t>
+            </a:r>
+            <a:r>
+              <a:rPr lang="en-US" sz="2000" dirty="0">
+                <a:latin typeface="Calibri" panose="020F0502020204030204" pitchFamily="34" charset="0"/>
+                <a:cs typeface="Calibri" panose="020F0502020204030204" pitchFamily="34" charset="0"/>
+              </a:rPr>
+              <a:t> | </a:t>
+            </a:r>
+            <a:r>
+              <a:rPr lang="en-US" sz="2000" dirty="0">
+                <a:solidFill>
+                  <a:schemeClr val="accent5">
+                    <a:lumOff val="-29866"/>
+                  </a:schemeClr>
+                </a:solidFill>
+                <a:latin typeface="Calibri" panose="020F0502020204030204" pitchFamily="34" charset="0"/>
+                <a:cs typeface="Calibri" panose="020F0502020204030204" pitchFamily="34" charset="0"/>
+              </a:rPr>
+              <a:t>"B2"</a:t>
+            </a:r>
+            <a:r>
+              <a:rPr lang="en-US" sz="2000" dirty="0">
+                <a:latin typeface="Calibri" panose="020F0502020204030204" pitchFamily="34" charset="0"/>
+                <a:cs typeface="Calibri" panose="020F0502020204030204" pitchFamily="34" charset="0"/>
+              </a:rPr>
+              <a:t> | </a:t>
+            </a:r>
+            <a:r>
+              <a:rPr lang="en-US" sz="2000" dirty="0">
+                <a:solidFill>
+                  <a:schemeClr val="accent5">
+                    <a:lumOff val="-29866"/>
+                  </a:schemeClr>
+                </a:solidFill>
+                <a:latin typeface="Calibri" panose="020F0502020204030204" pitchFamily="34" charset="0"/>
+                <a:cs typeface="Calibri" panose="020F0502020204030204" pitchFamily="34" charset="0"/>
+              </a:rPr>
+              <a:t>"B3"</a:t>
+            </a:r>
+            <a:r>
+              <a:rPr lang="en-US" sz="2000" dirty="0">
+                <a:latin typeface="Calibri" panose="020F0502020204030204" pitchFamily="34" charset="0"/>
+                <a:cs typeface="Calibri" panose="020F0502020204030204" pitchFamily="34" charset="0"/>
+              </a:rPr>
+              <a:t> }</a:t>
+            </a:r>
+          </a:p>
+          <a:p>
+            <a:pPr marL="568959" lvl="1" indent="-284479" defTabSz="292607">
+              <a:lnSpc>
+                <a:spcPts val="3700"/>
+              </a:lnSpc>
+              <a:spcBef>
+                <a:spcPts val="0"/>
+              </a:spcBef>
+              <a:tabLst>
+                <a:tab pos="88900" algn="l"/>
+                <a:tab pos="292100" algn="l"/>
+              </a:tabLst>
+              <a:defRPr sz="2048">
+                <a:latin typeface="Helvetica"/>
+                <a:ea typeface="Helvetica"/>
+                <a:cs typeface="Helvetica"/>
+                <a:sym typeface="Helvetica"/>
+              </a:defRPr>
+            </a:pPr>
+            <a:r>
+              <a:rPr lang="en-US" sz="2000" dirty="0">
+                <a:latin typeface="Calibri" panose="020F0502020204030204" pitchFamily="34" charset="0"/>
+                <a:cs typeface="Calibri" panose="020F0502020204030204" pitchFamily="34" charset="0"/>
+              </a:rPr>
+              <a:t>	Values of A &amp; B are { x:"A1", y:"B1" }, { x:"A1", y:"B2" }, etc. There are six of them;</a:t>
+            </a:r>
+            <a:br>
+              <a:rPr lang="en-US" sz="2000" dirty="0">
+                <a:latin typeface="Calibri" panose="020F0502020204030204" pitchFamily="34" charset="0"/>
+                <a:cs typeface="Calibri" panose="020F0502020204030204" pitchFamily="34" charset="0"/>
+              </a:rPr>
+            </a:br>
+            <a:endParaRPr lang="en-US" sz="2000" dirty="0">
+              <a:latin typeface="Calibri" panose="020F0502020204030204" pitchFamily="34" charset="0"/>
+              <a:cs typeface="Calibri" panose="020F0502020204030204" pitchFamily="34" charset="0"/>
+            </a:endParaRPr>
+          </a:p>
+          <a:p>
+            <a:pPr marL="853439" lvl="2" indent="-284479" defTabSz="292607">
+              <a:lnSpc>
+                <a:spcPts val="3700"/>
+              </a:lnSpc>
+              <a:spcBef>
+                <a:spcPts val="0"/>
+              </a:spcBef>
+              <a:tabLst>
+                <a:tab pos="88900" algn="l"/>
+                <a:tab pos="292100" algn="l"/>
+              </a:tabLst>
+              <a:defRPr sz="2048">
+                <a:latin typeface="Helvetica"/>
+                <a:ea typeface="Helvetica"/>
+                <a:cs typeface="Helvetica"/>
+                <a:sym typeface="Helvetica"/>
+              </a:defRPr>
+            </a:pPr>
+            <a:endParaRPr sz="2000" dirty="0">
+              <a:latin typeface="Calibri" panose="020F0502020204030204" pitchFamily="34" charset="0"/>
+              <a:cs typeface="Calibri" panose="020F0502020204030204" pitchFamily="34" charset="0"/>
+            </a:endParaRPr>
+          </a:p>
+        </p:txBody>
+      </p:sp>
+    </p:spTree>
+    <p:extLst>
+      <p:ext uri="{BB962C8B-B14F-4D97-AF65-F5344CB8AC3E}">
+        <p14:creationId xmlns:p14="http://schemas.microsoft.com/office/powerpoint/2010/main" val="3636484696"/>
+      </p:ext>
+    </p:extLst>
+  </p:cSld>
+  <p:clrMapOvr>
+    <a:masterClrMapping/>
+  </p:clrMapOvr>
+  <p:transition spd="med"/>
+</p:sld>
+</file>
+
+<file path=ppt/slides/slide31.xml><?xml version="1.0" encoding="utf-8"?>
+<p:sld xmlns:a="http://schemas.openxmlformats.org/drawingml/2006/main" xmlns:r="http://schemas.openxmlformats.org/officeDocument/2006/relationships" xmlns:p="http://schemas.openxmlformats.org/presentationml/2006/main">
+  <p:cSld>
+    <p:spTree>
+      <p:nvGrpSpPr>
+        <p:cNvPr id="1" name=""/>
+        <p:cNvGrpSpPr/>
+        <p:nvPr/>
+      </p:nvGrpSpPr>
+      <p:grpSpPr>
+        <a:xfrm>
+          <a:off x="0" y="0"/>
+          <a:ext cx="0" cy="0"/>
+          <a:chOff x="0" y="0"/>
+          <a:chExt cx="0" cy="0"/>
+        </a:xfrm>
+      </p:grpSpPr>
+      <p:sp>
+        <p:nvSpPr>
+          <p:cNvPr id="150" name="Types in Typescript"/>
+          <p:cNvSpPr txBox="1">
+            <a:spLocks noGrp="1"/>
+          </p:cNvSpPr>
+          <p:nvPr>
+            <p:ph type="title"/>
+          </p:nvPr>
+        </p:nvSpPr>
+        <p:spPr>
+          <a:prstGeom prst="rect">
+            <a:avLst/>
+          </a:prstGeom>
+        </p:spPr>
+        <p:txBody>
+          <a:bodyPr>
+            <a:normAutofit/>
+          </a:bodyPr>
+          <a:lstStyle/>
+          <a:p>
+            <a:r>
+              <a:rPr lang="en-US" sz="4000" dirty="0">
+                <a:latin typeface="Calibri" panose="020F0502020204030204" pitchFamily="34" charset="0"/>
+                <a:cs typeface="Calibri" panose="020F0502020204030204" pitchFamily="34" charset="0"/>
+              </a:rPr>
+              <a:t>Example</a:t>
+            </a:r>
+            <a:endParaRPr sz="4000" dirty="0">
+              <a:latin typeface="Calibri" panose="020F0502020204030204" pitchFamily="34" charset="0"/>
+              <a:cs typeface="Calibri" panose="020F0502020204030204" pitchFamily="34" charset="0"/>
+            </a:endParaRPr>
+          </a:p>
+        </p:txBody>
+      </p:sp>
+      <p:sp>
+        <p:nvSpPr>
+          <p:cNvPr id="151" name="Union is a sort of sum, or set union:…"/>
+          <p:cNvSpPr txBox="1">
+            <a:spLocks noGrp="1"/>
+          </p:cNvSpPr>
+          <p:nvPr>
+            <p:ph type="body" idx="1"/>
+          </p:nvPr>
+        </p:nvSpPr>
+        <p:spPr>
+          <a:xfrm>
+            <a:off x="952500" y="2590800"/>
+            <a:ext cx="11099800" cy="6286500"/>
+          </a:xfrm>
+          <a:prstGeom prst="rect">
+            <a:avLst/>
+          </a:prstGeom>
+        </p:spPr>
+        <p:txBody>
+          <a:bodyPr anchor="t">
+            <a:noAutofit/>
+          </a:bodyPr>
+          <a:lstStyle/>
+          <a:p>
+            <a:pPr marL="284479" indent="-284479" defTabSz="292607">
+              <a:lnSpc>
+                <a:spcPts val="3700"/>
+              </a:lnSpc>
+              <a:spcBef>
+                <a:spcPts val="0"/>
+              </a:spcBef>
+              <a:tabLst>
+                <a:tab pos="88900" algn="l"/>
+                <a:tab pos="292100" algn="l"/>
+              </a:tabLst>
+              <a:defRPr sz="2048">
+                <a:latin typeface="Helvetica"/>
+                <a:ea typeface="Helvetica"/>
+                <a:cs typeface="Helvetica"/>
+                <a:sym typeface="Helvetica"/>
+              </a:defRPr>
+            </a:pPr>
+            <a:r>
+              <a:rPr lang="en-US" sz="2000" dirty="0">
+                <a:latin typeface="Calibri" panose="020F0502020204030204" pitchFamily="34" charset="0"/>
+                <a:cs typeface="Calibri" panose="020F0502020204030204" pitchFamily="34" charset="0"/>
+              </a:rPr>
+              <a:t>Demo</a:t>
+            </a:r>
+          </a:p>
+          <a:p>
+            <a:pPr marL="853439" lvl="2" indent="-284479" defTabSz="292607">
+              <a:lnSpc>
+                <a:spcPts val="3700"/>
+              </a:lnSpc>
+              <a:spcBef>
+                <a:spcPts val="0"/>
+              </a:spcBef>
+              <a:tabLst>
+                <a:tab pos="88900" algn="l"/>
+                <a:tab pos="292100" algn="l"/>
+              </a:tabLst>
+              <a:defRPr sz="2048">
+                <a:latin typeface="Helvetica"/>
+                <a:ea typeface="Helvetica"/>
+                <a:cs typeface="Helvetica"/>
+                <a:sym typeface="Helvetica"/>
+              </a:defRPr>
+            </a:pPr>
+            <a:endParaRPr sz="2000" dirty="0">
+              <a:latin typeface="Calibri" panose="020F0502020204030204" pitchFamily="34" charset="0"/>
+              <a:cs typeface="Calibri" panose="020F0502020204030204" pitchFamily="34" charset="0"/>
+            </a:endParaRPr>
+          </a:p>
+        </p:txBody>
+      </p:sp>
+    </p:spTree>
+    <p:extLst>
+      <p:ext uri="{BB962C8B-B14F-4D97-AF65-F5344CB8AC3E}">
+        <p14:creationId xmlns:p14="http://schemas.microsoft.com/office/powerpoint/2010/main" val="2295734143"/>
+      </p:ext>
+    </p:extLst>
+  </p:cSld>
+  <p:clrMapOvr>
+    <a:masterClrMapping/>
+  </p:clrMapOvr>
+  <p:transition spd="med"/>
+</p:sld>
+</file>
+
+<file path=ppt/slides/slide32.xml><?xml version="1.0" encoding="utf-8"?>
+<p:sld xmlns:a="http://schemas.openxmlformats.org/drawingml/2006/main" xmlns:r="http://schemas.openxmlformats.org/officeDocument/2006/relationships" xmlns:p="http://schemas.openxmlformats.org/presentationml/2006/main">
+  <p:cSld>
+    <p:spTree>
+      <p:nvGrpSpPr>
+        <p:cNvPr id="1" name=""/>
+        <p:cNvGrpSpPr/>
+        <p:nvPr/>
+      </p:nvGrpSpPr>
+      <p:grpSpPr>
+        <a:xfrm>
+          <a:off x="0" y="0"/>
+          <a:ext cx="0" cy="0"/>
+          <a:chOff x="0" y="0"/>
+          <a:chExt cx="0" cy="0"/>
+        </a:xfrm>
+      </p:grpSpPr>
+      <p:sp>
+        <p:nvSpPr>
+          <p:cNvPr id="150" name="Types in Typescript"/>
+          <p:cNvSpPr txBox="1">
+            <a:spLocks noGrp="1"/>
+          </p:cNvSpPr>
+          <p:nvPr>
+            <p:ph type="title"/>
+          </p:nvPr>
+        </p:nvSpPr>
+        <p:spPr>
+          <a:prstGeom prst="rect">
+            <a:avLst/>
+          </a:prstGeom>
+        </p:spPr>
+        <p:txBody>
+          <a:bodyPr>
+            <a:normAutofit/>
+          </a:bodyPr>
+          <a:lstStyle/>
+          <a:p>
+            <a:r>
+              <a:rPr lang="en-US" sz="4000" dirty="0">
+                <a:latin typeface="Calibri" panose="020F0502020204030204" pitchFamily="34" charset="0"/>
+                <a:cs typeface="Calibri" panose="020F0502020204030204" pitchFamily="34" charset="0"/>
+              </a:rPr>
+              <a:t>Currying in Typescript</a:t>
+            </a:r>
+            <a:endParaRPr sz="4000" dirty="0">
+              <a:latin typeface="Calibri" panose="020F0502020204030204" pitchFamily="34" charset="0"/>
+              <a:cs typeface="Calibri" panose="020F0502020204030204" pitchFamily="34" charset="0"/>
+            </a:endParaRPr>
+          </a:p>
+        </p:txBody>
+      </p:sp>
+      <p:sp>
+        <p:nvSpPr>
+          <p:cNvPr id="151" name="Union is a sort of sum, or set union:…"/>
+          <p:cNvSpPr txBox="1">
+            <a:spLocks noGrp="1"/>
+          </p:cNvSpPr>
+          <p:nvPr>
+            <p:ph type="body" idx="1"/>
+          </p:nvPr>
+        </p:nvSpPr>
+        <p:spPr>
+          <a:xfrm>
+            <a:off x="952500" y="2590800"/>
+            <a:ext cx="11099800" cy="6286500"/>
+          </a:xfrm>
+          <a:prstGeom prst="rect">
+            <a:avLst/>
+          </a:prstGeom>
+        </p:spPr>
+        <p:txBody>
+          <a:bodyPr anchor="t">
+            <a:noAutofit/>
+          </a:bodyPr>
+          <a:lstStyle/>
+          <a:p>
+            <a:pPr marL="284479" indent="-284479" defTabSz="292607">
+              <a:lnSpc>
+                <a:spcPts val="3700"/>
+              </a:lnSpc>
+              <a:spcBef>
+                <a:spcPts val="0"/>
+              </a:spcBef>
+              <a:tabLst>
+                <a:tab pos="88900" algn="l"/>
+                <a:tab pos="292100" algn="l"/>
+              </a:tabLst>
+              <a:defRPr sz="2048">
+                <a:latin typeface="Helvetica"/>
+                <a:ea typeface="Helvetica"/>
+                <a:cs typeface="Helvetica"/>
+                <a:sym typeface="Helvetica"/>
+              </a:defRPr>
+            </a:pPr>
+            <a:r>
+              <a:rPr lang="en-US" sz="2000" dirty="0">
+                <a:latin typeface="Calibri" panose="020F0502020204030204" pitchFamily="34" charset="0"/>
+                <a:cs typeface="Calibri" panose="020F0502020204030204" pitchFamily="34" charset="0"/>
+              </a:rPr>
+              <a:t>Currying is the technique of translating the evaluation of a function that takes multiple arguments into evaluating a sequence of functions</a:t>
+            </a:r>
+          </a:p>
+          <a:p>
+            <a:pPr marL="284479" indent="-284479" defTabSz="292607">
+              <a:lnSpc>
+                <a:spcPts val="3700"/>
+              </a:lnSpc>
+              <a:spcBef>
+                <a:spcPts val="0"/>
+              </a:spcBef>
+              <a:tabLst>
+                <a:tab pos="88900" algn="l"/>
+                <a:tab pos="292100" algn="l"/>
+              </a:tabLst>
+              <a:defRPr sz="2048">
+                <a:latin typeface="Helvetica"/>
+                <a:ea typeface="Helvetica"/>
+                <a:cs typeface="Helvetica"/>
+                <a:sym typeface="Helvetica"/>
+              </a:defRPr>
+            </a:pPr>
+            <a:endParaRPr lang="en-US" sz="2000" dirty="0">
+              <a:latin typeface="Calibri" panose="020F0502020204030204" pitchFamily="34" charset="0"/>
+              <a:cs typeface="Calibri" panose="020F0502020204030204" pitchFamily="34" charset="0"/>
+            </a:endParaRPr>
+          </a:p>
+          <a:p>
+            <a:pPr marL="853439" lvl="2" indent="-284479" defTabSz="292607">
+              <a:lnSpc>
+                <a:spcPts val="3700"/>
+              </a:lnSpc>
+              <a:spcBef>
+                <a:spcPts val="0"/>
+              </a:spcBef>
+              <a:tabLst>
+                <a:tab pos="88900" algn="l"/>
+                <a:tab pos="292100" algn="l"/>
+              </a:tabLst>
+              <a:defRPr sz="2048">
+                <a:latin typeface="Helvetica"/>
+                <a:ea typeface="Helvetica"/>
+                <a:cs typeface="Helvetica"/>
+                <a:sym typeface="Helvetica"/>
+              </a:defRPr>
+            </a:pPr>
+            <a:endParaRPr sz="2000" dirty="0">
+              <a:latin typeface="Calibri" panose="020F0502020204030204" pitchFamily="34" charset="0"/>
+              <a:cs typeface="Calibri" panose="020F0502020204030204" pitchFamily="34" charset="0"/>
+            </a:endParaRPr>
+          </a:p>
+        </p:txBody>
+      </p:sp>
+    </p:spTree>
+    <p:extLst>
+      <p:ext uri="{BB962C8B-B14F-4D97-AF65-F5344CB8AC3E}">
+        <p14:creationId xmlns:p14="http://schemas.microsoft.com/office/powerpoint/2010/main" val="3465514236"/>
+      </p:ext>
+    </p:extLst>
+  </p:cSld>
+  <p:clrMapOvr>
+    <a:masterClrMapping/>
+  </p:clrMapOvr>
+  <p:transition spd="med"/>
+</p:sld>
+</file>
+
+<file path=ppt/slides/slide33.xml><?xml version="1.0" encoding="utf-8"?>
+<p:sld xmlns:a="http://schemas.openxmlformats.org/drawingml/2006/main" xmlns:r="http://schemas.openxmlformats.org/officeDocument/2006/relationships" xmlns:p="http://schemas.openxmlformats.org/presentationml/2006/main">
+  <p:cSld>
+    <p:spTree>
+      <p:nvGrpSpPr>
+        <p:cNvPr id="1" name=""/>
+        <p:cNvGrpSpPr/>
+        <p:nvPr/>
+      </p:nvGrpSpPr>
+      <p:grpSpPr>
+        <a:xfrm>
+          <a:off x="0" y="0"/>
+          <a:ext cx="0" cy="0"/>
+          <a:chOff x="0" y="0"/>
+          <a:chExt cx="0" cy="0"/>
+        </a:xfrm>
+      </p:grpSpPr>
+      <p:sp>
+        <p:nvSpPr>
+          <p:cNvPr id="150" name="Types in Typescript"/>
+          <p:cNvSpPr txBox="1">
+            <a:spLocks noGrp="1"/>
+          </p:cNvSpPr>
+          <p:nvPr>
+            <p:ph type="title"/>
+          </p:nvPr>
+        </p:nvSpPr>
+        <p:spPr>
+          <a:prstGeom prst="rect">
+            <a:avLst/>
+          </a:prstGeom>
+        </p:spPr>
+        <p:txBody>
+          <a:bodyPr>
+            <a:normAutofit/>
+          </a:bodyPr>
+          <a:lstStyle/>
+          <a:p>
+            <a:r>
+              <a:rPr lang="en-US" sz="4000" dirty="0">
+                <a:latin typeface="Calibri" panose="020F0502020204030204" pitchFamily="34" charset="0"/>
+                <a:cs typeface="Calibri" panose="020F0502020204030204" pitchFamily="34" charset="0"/>
+              </a:rPr>
+              <a:t>Currying in Typescript.</a:t>
+            </a:r>
+            <a:endParaRPr sz="4000" dirty="0">
+              <a:latin typeface="Calibri" panose="020F0502020204030204" pitchFamily="34" charset="0"/>
+              <a:cs typeface="Calibri" panose="020F0502020204030204" pitchFamily="34" charset="0"/>
+            </a:endParaRPr>
+          </a:p>
+        </p:txBody>
+      </p:sp>
+      <p:sp>
+        <p:nvSpPr>
+          <p:cNvPr id="151" name="Union is a sort of sum, or set union:…"/>
+          <p:cNvSpPr txBox="1">
+            <a:spLocks noGrp="1"/>
+          </p:cNvSpPr>
+          <p:nvPr>
+            <p:ph type="body" idx="1"/>
+          </p:nvPr>
+        </p:nvSpPr>
+        <p:spPr>
+          <a:xfrm>
+            <a:off x="952500" y="2590800"/>
+            <a:ext cx="11099800" cy="6286500"/>
+          </a:xfrm>
+          <a:prstGeom prst="rect">
+            <a:avLst/>
+          </a:prstGeom>
+        </p:spPr>
+        <p:txBody>
+          <a:bodyPr anchor="t">
+            <a:noAutofit/>
+          </a:bodyPr>
+          <a:lstStyle/>
+          <a:p>
+            <a:pPr marL="284479" indent="-284479" defTabSz="292607">
+              <a:lnSpc>
+                <a:spcPts val="3700"/>
+              </a:lnSpc>
+              <a:spcBef>
+                <a:spcPts val="0"/>
+              </a:spcBef>
+              <a:tabLst>
+                <a:tab pos="88900" algn="l"/>
+                <a:tab pos="292100" algn="l"/>
+              </a:tabLst>
+              <a:defRPr sz="2048">
+                <a:latin typeface="Helvetica"/>
+                <a:ea typeface="Helvetica"/>
+                <a:cs typeface="Helvetica"/>
+                <a:sym typeface="Helvetica"/>
+              </a:defRPr>
+            </a:pPr>
+            <a:r>
+              <a:rPr lang="en-US" sz="2000" dirty="0">
+                <a:latin typeface="Calibri" panose="020F0502020204030204" pitchFamily="34" charset="0"/>
+                <a:cs typeface="Calibri" panose="020F0502020204030204" pitchFamily="34" charset="0"/>
+              </a:rPr>
+              <a:t>Currying is the technique of translating the evaluation of a function that takes multiple arguments into evaluating a sequence of functions</a:t>
+            </a:r>
+          </a:p>
+          <a:p>
+            <a:pPr marL="284479" indent="-284479" defTabSz="292607">
+              <a:lnSpc>
+                <a:spcPts val="3700"/>
+              </a:lnSpc>
+              <a:spcBef>
+                <a:spcPts val="0"/>
+              </a:spcBef>
+              <a:tabLst>
+                <a:tab pos="88900" algn="l"/>
+                <a:tab pos="292100" algn="l"/>
+              </a:tabLst>
+              <a:defRPr sz="2048">
+                <a:latin typeface="Helvetica"/>
+                <a:ea typeface="Helvetica"/>
+                <a:cs typeface="Helvetica"/>
+                <a:sym typeface="Helvetica"/>
+              </a:defRPr>
+            </a:pPr>
+            <a:r>
+              <a:rPr lang="en-US" sz="2000" dirty="0">
+                <a:latin typeface="Calibri" panose="020F0502020204030204" pitchFamily="34" charset="0"/>
+                <a:cs typeface="Calibri" panose="020F0502020204030204" pitchFamily="34" charset="0"/>
+                <a:sym typeface="Helvetica"/>
+              </a:rPr>
+              <a:t>Each function with a single argument</a:t>
+            </a:r>
+          </a:p>
+          <a:p>
+            <a:pPr marL="0" indent="0" defTabSz="292607">
+              <a:lnSpc>
+                <a:spcPts val="3700"/>
+              </a:lnSpc>
+              <a:spcBef>
+                <a:spcPts val="0"/>
+              </a:spcBef>
+              <a:buNone/>
+              <a:tabLst>
+                <a:tab pos="88900" algn="l"/>
+                <a:tab pos="292100" algn="l"/>
+              </a:tabLst>
+              <a:defRPr sz="2048">
+                <a:latin typeface="Helvetica"/>
+                <a:ea typeface="Helvetica"/>
+                <a:cs typeface="Helvetica"/>
+                <a:sym typeface="Helvetica"/>
+              </a:defRPr>
+            </a:pPr>
+            <a:endParaRPr lang="en-US" sz="2000" dirty="0">
+              <a:latin typeface="Calibri" panose="020F0502020204030204" pitchFamily="34" charset="0"/>
+              <a:cs typeface="Calibri" panose="020F0502020204030204" pitchFamily="34" charset="0"/>
+            </a:endParaRPr>
+          </a:p>
+          <a:p>
+            <a:pPr marL="0" indent="-320040" defTabSz="292607">
+              <a:lnSpc>
+                <a:spcPts val="3700"/>
+              </a:lnSpc>
+              <a:spcBef>
+                <a:spcPts val="0"/>
+              </a:spcBef>
+              <a:tabLst>
+                <a:tab pos="88900" algn="l"/>
+                <a:tab pos="292100" algn="l"/>
+              </a:tabLst>
+              <a:defRPr sz="2048">
+                <a:latin typeface="Helvetica"/>
+                <a:ea typeface="Helvetica"/>
+                <a:cs typeface="Helvetica"/>
+                <a:sym typeface="Helvetica"/>
+              </a:defRPr>
+            </a:pPr>
+            <a:endParaRPr sz="2000" dirty="0">
+              <a:latin typeface="Calibri" panose="020F0502020204030204" pitchFamily="34" charset="0"/>
+              <a:cs typeface="Calibri" panose="020F0502020204030204" pitchFamily="34" charset="0"/>
+            </a:endParaRPr>
+          </a:p>
+        </p:txBody>
+      </p:sp>
+    </p:spTree>
+    <p:extLst>
+      <p:ext uri="{BB962C8B-B14F-4D97-AF65-F5344CB8AC3E}">
+        <p14:creationId xmlns:p14="http://schemas.microsoft.com/office/powerpoint/2010/main" val="1414048649"/>
+      </p:ext>
+    </p:extLst>
+  </p:cSld>
+  <p:clrMapOvr>
+    <a:masterClrMapping/>
+  </p:clrMapOvr>
+  <p:transition spd="med"/>
+</p:sld>
+</file>
+
+<file path=ppt/slides/slide34.xml><?xml version="1.0" encoding="utf-8"?>
+<p:sld xmlns:a="http://schemas.openxmlformats.org/drawingml/2006/main" xmlns:r="http://schemas.openxmlformats.org/officeDocument/2006/relationships" xmlns:p="http://schemas.openxmlformats.org/presentationml/2006/main">
+  <p:cSld>
+    <p:spTree>
+      <p:nvGrpSpPr>
+        <p:cNvPr id="1" name=""/>
+        <p:cNvGrpSpPr/>
+        <p:nvPr/>
+      </p:nvGrpSpPr>
+      <p:grpSpPr>
+        <a:xfrm>
+          <a:off x="0" y="0"/>
+          <a:ext cx="0" cy="0"/>
+          <a:chOff x="0" y="0"/>
+          <a:chExt cx="0" cy="0"/>
+        </a:xfrm>
+      </p:grpSpPr>
+      <p:sp>
+        <p:nvSpPr>
+          <p:cNvPr id="150" name="Types in Typescript"/>
+          <p:cNvSpPr txBox="1">
+            <a:spLocks noGrp="1"/>
+          </p:cNvSpPr>
+          <p:nvPr>
+            <p:ph type="title"/>
+          </p:nvPr>
+        </p:nvSpPr>
+        <p:spPr>
+          <a:prstGeom prst="rect">
+            <a:avLst/>
+          </a:prstGeom>
+        </p:spPr>
+        <p:txBody>
+          <a:bodyPr>
+            <a:normAutofit/>
+          </a:bodyPr>
+          <a:lstStyle/>
+          <a:p>
+            <a:r>
+              <a:rPr lang="en-US" sz="4000" dirty="0">
+                <a:latin typeface="Calibri" panose="020F0502020204030204" pitchFamily="34" charset="0"/>
+                <a:cs typeface="Calibri" panose="020F0502020204030204" pitchFamily="34" charset="0"/>
+              </a:rPr>
+              <a:t>Currying in Typescript..</a:t>
+            </a:r>
+            <a:endParaRPr sz="4000" dirty="0">
+              <a:latin typeface="Calibri" panose="020F0502020204030204" pitchFamily="34" charset="0"/>
+              <a:cs typeface="Calibri" panose="020F0502020204030204" pitchFamily="34" charset="0"/>
+            </a:endParaRPr>
+          </a:p>
+        </p:txBody>
+      </p:sp>
+      <p:sp>
+        <p:nvSpPr>
+          <p:cNvPr id="151" name="Union is a sort of sum, or set union:…"/>
+          <p:cNvSpPr txBox="1">
+            <a:spLocks noGrp="1"/>
+          </p:cNvSpPr>
+          <p:nvPr>
+            <p:ph type="body" idx="1"/>
+          </p:nvPr>
+        </p:nvSpPr>
+        <p:spPr>
+          <a:xfrm>
+            <a:off x="952500" y="2590800"/>
+            <a:ext cx="11099800" cy="6286500"/>
+          </a:xfrm>
+          <a:prstGeom prst="rect">
+            <a:avLst/>
+          </a:prstGeom>
+        </p:spPr>
+        <p:txBody>
+          <a:bodyPr anchor="t">
+            <a:noAutofit/>
+          </a:bodyPr>
+          <a:lstStyle/>
+          <a:p>
+            <a:pPr marL="284479" indent="-284479" defTabSz="292607">
+              <a:lnSpc>
+                <a:spcPts val="3700"/>
+              </a:lnSpc>
+              <a:spcBef>
+                <a:spcPts val="0"/>
+              </a:spcBef>
+              <a:tabLst>
+                <a:tab pos="88900" algn="l"/>
+                <a:tab pos="292100" algn="l"/>
+              </a:tabLst>
+              <a:defRPr sz="2048">
+                <a:latin typeface="Helvetica"/>
+                <a:ea typeface="Helvetica"/>
+                <a:cs typeface="Helvetica"/>
+                <a:sym typeface="Helvetica"/>
+              </a:defRPr>
+            </a:pPr>
+            <a:r>
+              <a:rPr lang="en-US" sz="2000" dirty="0">
+                <a:latin typeface="Calibri" panose="020F0502020204030204" pitchFamily="34" charset="0"/>
+                <a:cs typeface="Calibri" panose="020F0502020204030204" pitchFamily="34" charset="0"/>
+              </a:rPr>
+              <a:t>Currying is the technique of translating the evaluation of a function that takes multiple arguments into evaluating a sequence of functions</a:t>
+            </a:r>
+          </a:p>
+          <a:p>
+            <a:pPr marL="284479" indent="-284479" defTabSz="292607">
+              <a:lnSpc>
+                <a:spcPts val="3700"/>
+              </a:lnSpc>
+              <a:spcBef>
+                <a:spcPts val="0"/>
+              </a:spcBef>
+              <a:tabLst>
+                <a:tab pos="88900" algn="l"/>
+                <a:tab pos="292100" algn="l"/>
+              </a:tabLst>
+              <a:defRPr sz="2048">
+                <a:latin typeface="Helvetica"/>
+                <a:ea typeface="Helvetica"/>
+                <a:cs typeface="Helvetica"/>
+                <a:sym typeface="Helvetica"/>
+              </a:defRPr>
+            </a:pPr>
+            <a:r>
+              <a:rPr lang="en-US" sz="2000" dirty="0">
+                <a:latin typeface="Calibri" panose="020F0502020204030204" pitchFamily="34" charset="0"/>
+                <a:cs typeface="Calibri" panose="020F0502020204030204" pitchFamily="34" charset="0"/>
+                <a:sym typeface="Helvetica"/>
+              </a:rPr>
+              <a:t>Each function with a single argument</a:t>
+            </a:r>
+          </a:p>
+          <a:p>
+            <a:pPr marL="0" indent="0" defTabSz="292607">
+              <a:lnSpc>
+                <a:spcPts val="3700"/>
+              </a:lnSpc>
+              <a:spcBef>
+                <a:spcPts val="0"/>
+              </a:spcBef>
+              <a:buNone/>
+              <a:tabLst>
+                <a:tab pos="88900" algn="l"/>
+                <a:tab pos="292100" algn="l"/>
+              </a:tabLst>
+              <a:defRPr sz="2048">
+                <a:latin typeface="Helvetica"/>
+                <a:ea typeface="Helvetica"/>
+                <a:cs typeface="Helvetica"/>
+                <a:sym typeface="Helvetica"/>
+              </a:defRPr>
+            </a:pPr>
+            <a:endParaRPr lang="en-US" sz="2000" dirty="0">
+              <a:latin typeface="Calibri" panose="020F0502020204030204" pitchFamily="34" charset="0"/>
+              <a:cs typeface="Calibri" panose="020F0502020204030204" pitchFamily="34" charset="0"/>
+            </a:endParaRPr>
+          </a:p>
+        </p:txBody>
+      </p:sp>
+    </p:spTree>
+    <p:extLst>
+      <p:ext uri="{BB962C8B-B14F-4D97-AF65-F5344CB8AC3E}">
+        <p14:creationId xmlns:p14="http://schemas.microsoft.com/office/powerpoint/2010/main" val="2709800195"/>
+      </p:ext>
+    </p:extLst>
+  </p:cSld>
+  <p:clrMapOvr>
+    <a:masterClrMapping/>
+  </p:clrMapOvr>
+  <p:transition spd="med"/>
+</p:sld>
+</file>
+
+<file path=ppt/slides/slide35.xml><?xml version="1.0" encoding="utf-8"?>
+<p:sld xmlns:a="http://schemas.openxmlformats.org/drawingml/2006/main" xmlns:r="http://schemas.openxmlformats.org/officeDocument/2006/relationships" xmlns:p="http://schemas.openxmlformats.org/presentationml/2006/main">
+  <p:cSld>
+    <p:spTree>
+      <p:nvGrpSpPr>
+        <p:cNvPr id="1" name=""/>
+        <p:cNvGrpSpPr/>
+        <p:nvPr/>
+      </p:nvGrpSpPr>
+      <p:grpSpPr>
+        <a:xfrm>
+          <a:off x="0" y="0"/>
+          <a:ext cx="0" cy="0"/>
+          <a:chOff x="0" y="0"/>
+          <a:chExt cx="0" cy="0"/>
+        </a:xfrm>
+      </p:grpSpPr>
+      <p:sp>
+        <p:nvSpPr>
+          <p:cNvPr id="150" name="Types in Typescript"/>
+          <p:cNvSpPr txBox="1">
+            <a:spLocks noGrp="1"/>
+          </p:cNvSpPr>
+          <p:nvPr>
+            <p:ph type="title"/>
+          </p:nvPr>
+        </p:nvSpPr>
+        <p:spPr>
+          <a:prstGeom prst="rect">
+            <a:avLst/>
+          </a:prstGeom>
+        </p:spPr>
+        <p:txBody>
+          <a:bodyPr>
+            <a:normAutofit/>
+          </a:bodyPr>
+          <a:lstStyle/>
+          <a:p>
+            <a:r>
+              <a:rPr lang="en-US" sz="4000" dirty="0">
+                <a:latin typeface="Calibri" panose="020F0502020204030204" pitchFamily="34" charset="0"/>
+                <a:cs typeface="Calibri" panose="020F0502020204030204" pitchFamily="34" charset="0"/>
+              </a:rPr>
+              <a:t>Currying in Typescript…</a:t>
+            </a:r>
+            <a:endParaRPr sz="4000" dirty="0">
+              <a:latin typeface="Calibri" panose="020F0502020204030204" pitchFamily="34" charset="0"/>
+              <a:cs typeface="Calibri" panose="020F0502020204030204" pitchFamily="34" charset="0"/>
+            </a:endParaRPr>
+          </a:p>
+        </p:txBody>
+      </p:sp>
+      <p:sp>
+        <p:nvSpPr>
+          <p:cNvPr id="151" name="Union is a sort of sum, or set union:…"/>
+          <p:cNvSpPr txBox="1">
+            <a:spLocks noGrp="1"/>
+          </p:cNvSpPr>
+          <p:nvPr>
+            <p:ph type="body" idx="1"/>
+          </p:nvPr>
+        </p:nvSpPr>
+        <p:spPr>
+          <a:xfrm>
+            <a:off x="952500" y="2590800"/>
+            <a:ext cx="11099800" cy="6286500"/>
+          </a:xfrm>
+          <a:prstGeom prst="rect">
+            <a:avLst/>
+          </a:prstGeom>
+        </p:spPr>
+        <p:txBody>
+          <a:bodyPr anchor="t">
+            <a:noAutofit/>
+          </a:bodyPr>
+          <a:lstStyle/>
+          <a:p>
+            <a:pPr marL="284479" indent="-284479" defTabSz="292607">
+              <a:lnSpc>
+                <a:spcPts val="3700"/>
+              </a:lnSpc>
+              <a:spcBef>
+                <a:spcPts val="0"/>
+              </a:spcBef>
+              <a:tabLst>
+                <a:tab pos="88900" algn="l"/>
+                <a:tab pos="292100" algn="l"/>
+              </a:tabLst>
+              <a:defRPr sz="2048">
+                <a:latin typeface="Helvetica"/>
+                <a:ea typeface="Helvetica"/>
+                <a:cs typeface="Helvetica"/>
+                <a:sym typeface="Helvetica"/>
+              </a:defRPr>
+            </a:pPr>
+            <a:r>
+              <a:rPr lang="en-US" sz="2000" dirty="0">
+                <a:latin typeface="Calibri" panose="020F0502020204030204" pitchFamily="34" charset="0"/>
+                <a:cs typeface="Calibri" panose="020F0502020204030204" pitchFamily="34" charset="0"/>
+              </a:rPr>
+              <a:t>Currying is the technique of translating the evaluation of a function that takes multiple arguments into evaluating a sequence of functions</a:t>
+            </a:r>
+          </a:p>
+          <a:p>
+            <a:pPr marL="284479" indent="-284479" defTabSz="292607">
+              <a:lnSpc>
+                <a:spcPts val="3700"/>
+              </a:lnSpc>
+              <a:spcBef>
+                <a:spcPts val="0"/>
+              </a:spcBef>
+              <a:tabLst>
+                <a:tab pos="88900" algn="l"/>
+                <a:tab pos="292100" algn="l"/>
+              </a:tabLst>
+              <a:defRPr sz="2048">
+                <a:latin typeface="Helvetica"/>
+                <a:ea typeface="Helvetica"/>
+                <a:cs typeface="Helvetica"/>
+                <a:sym typeface="Helvetica"/>
+              </a:defRPr>
+            </a:pPr>
+            <a:r>
+              <a:rPr lang="en-US" sz="2000" dirty="0">
+                <a:latin typeface="Calibri" panose="020F0502020204030204" pitchFamily="34" charset="0"/>
+                <a:cs typeface="Calibri" panose="020F0502020204030204" pitchFamily="34" charset="0"/>
+                <a:sym typeface="Helvetica"/>
+              </a:rPr>
+              <a:t>Each function with a single argument</a:t>
+            </a:r>
+          </a:p>
+          <a:p>
+            <a:pPr marL="284479" indent="-284479" defTabSz="292607">
+              <a:lnSpc>
+                <a:spcPts val="3700"/>
+              </a:lnSpc>
+              <a:spcBef>
+                <a:spcPts val="0"/>
+              </a:spcBef>
+              <a:tabLst>
+                <a:tab pos="88900" algn="l"/>
+                <a:tab pos="292100" algn="l"/>
+              </a:tabLst>
+              <a:defRPr sz="2048">
+                <a:latin typeface="Helvetica"/>
+                <a:ea typeface="Helvetica"/>
+                <a:cs typeface="Helvetica"/>
+                <a:sym typeface="Helvetica"/>
+              </a:defRPr>
+            </a:pPr>
+            <a:r>
+              <a:rPr lang="en-US" sz="2048" dirty="0">
+                <a:sym typeface="Helvetica"/>
+              </a:rPr>
+              <a:t>f (n, m) --&gt; f’ (n)(m)</a:t>
+            </a:r>
+          </a:p>
+          <a:p>
+            <a:pPr marL="284479" indent="-284479" defTabSz="292607">
+              <a:lnSpc>
+                <a:spcPts val="3700"/>
+              </a:lnSpc>
+              <a:spcBef>
+                <a:spcPts val="0"/>
+              </a:spcBef>
+              <a:tabLst>
+                <a:tab pos="88900" algn="l"/>
+                <a:tab pos="292100" algn="l"/>
+              </a:tabLst>
+              <a:defRPr sz="2048">
+                <a:latin typeface="Helvetica"/>
+                <a:ea typeface="Helvetica"/>
+                <a:cs typeface="Helvetica"/>
+                <a:sym typeface="Helvetica"/>
+              </a:defRPr>
+            </a:pPr>
+            <a:r>
+              <a:rPr lang="en-US" sz="2048" dirty="0">
+                <a:latin typeface="Calibri" panose="020F0502020204030204" pitchFamily="34" charset="0"/>
+                <a:cs typeface="Calibri" panose="020F0502020204030204" pitchFamily="34" charset="0"/>
+                <a:sym typeface="Helvetica"/>
+              </a:rPr>
+              <a:t>Example: add (</a:t>
+            </a:r>
+            <a:r>
+              <a:rPr lang="en-US" sz="2048" dirty="0" err="1">
+                <a:latin typeface="Calibri" panose="020F0502020204030204" pitchFamily="34" charset="0"/>
+                <a:cs typeface="Calibri" panose="020F0502020204030204" pitchFamily="34" charset="0"/>
+                <a:sym typeface="Helvetica"/>
+              </a:rPr>
+              <a:t>x,b</a:t>
+            </a:r>
+            <a:r>
+              <a:rPr lang="en-US" sz="2048" dirty="0">
+                <a:latin typeface="Calibri" panose="020F0502020204030204" pitchFamily="34" charset="0"/>
+                <a:cs typeface="Calibri" panose="020F0502020204030204" pitchFamily="34" charset="0"/>
+                <a:sym typeface="Helvetica"/>
+              </a:rPr>
+              <a:t>) =&gt; add (a)(b)</a:t>
+            </a:r>
+          </a:p>
+          <a:p>
+            <a:pPr marL="284479" indent="-284479" defTabSz="292607">
+              <a:lnSpc>
+                <a:spcPts val="3700"/>
+              </a:lnSpc>
+              <a:spcBef>
+                <a:spcPts val="0"/>
+              </a:spcBef>
+              <a:tabLst>
+                <a:tab pos="88900" algn="l"/>
+                <a:tab pos="292100" algn="l"/>
+              </a:tabLst>
+              <a:defRPr sz="2048">
+                <a:latin typeface="Helvetica"/>
+                <a:ea typeface="Helvetica"/>
+                <a:cs typeface="Helvetica"/>
+                <a:sym typeface="Helvetica"/>
+              </a:defRPr>
+            </a:pPr>
+            <a:endParaRPr lang="en-US" sz="2000" dirty="0">
+              <a:latin typeface="Calibri" panose="020F0502020204030204" pitchFamily="34" charset="0"/>
+              <a:cs typeface="Calibri" panose="020F0502020204030204" pitchFamily="34" charset="0"/>
+            </a:endParaRPr>
+          </a:p>
+        </p:txBody>
+      </p:sp>
+    </p:spTree>
+    <p:extLst>
+      <p:ext uri="{BB962C8B-B14F-4D97-AF65-F5344CB8AC3E}">
+        <p14:creationId xmlns:p14="http://schemas.microsoft.com/office/powerpoint/2010/main" val="287850967"/>
+      </p:ext>
+    </p:extLst>
+  </p:cSld>
+  <p:clrMapOvr>
+    <a:masterClrMapping/>
+  </p:clrMapOvr>
+  <p:transition spd="med"/>
+</p:sld>
+</file>
+
+<file path=ppt/slides/slide36.xml><?xml version="1.0" encoding="utf-8"?>
+<p:sld xmlns:a="http://schemas.openxmlformats.org/drawingml/2006/main" xmlns:r="http://schemas.openxmlformats.org/officeDocument/2006/relationships" xmlns:p="http://schemas.openxmlformats.org/presentationml/2006/main">
+  <p:cSld>
+    <p:spTree>
+      <p:nvGrpSpPr>
+        <p:cNvPr id="1" name=""/>
+        <p:cNvGrpSpPr/>
+        <p:nvPr/>
+      </p:nvGrpSpPr>
+      <p:grpSpPr>
+        <a:xfrm>
+          <a:off x="0" y="0"/>
+          <a:ext cx="0" cy="0"/>
+          <a:chOff x="0" y="0"/>
+          <a:chExt cx="0" cy="0"/>
+        </a:xfrm>
+      </p:grpSpPr>
+      <p:sp>
+        <p:nvSpPr>
+          <p:cNvPr id="150" name="Types in Typescript"/>
+          <p:cNvSpPr txBox="1">
+            <a:spLocks noGrp="1"/>
+          </p:cNvSpPr>
+          <p:nvPr>
+            <p:ph type="title"/>
+          </p:nvPr>
+        </p:nvSpPr>
+        <p:spPr>
+          <a:prstGeom prst="rect">
+            <a:avLst/>
+          </a:prstGeom>
+        </p:spPr>
+        <p:txBody>
+          <a:bodyPr>
+            <a:normAutofit/>
+          </a:bodyPr>
+          <a:lstStyle/>
+          <a:p>
+            <a:r>
+              <a:rPr lang="en-US" sz="4000" dirty="0">
+                <a:latin typeface="Calibri" panose="020F0502020204030204" pitchFamily="34" charset="0"/>
+                <a:cs typeface="Calibri" panose="020F0502020204030204" pitchFamily="34" charset="0"/>
+              </a:rPr>
+              <a:t>Currying in Typescript….</a:t>
+            </a:r>
+            <a:endParaRPr sz="4000" dirty="0">
+              <a:latin typeface="Calibri" panose="020F0502020204030204" pitchFamily="34" charset="0"/>
+              <a:cs typeface="Calibri" panose="020F0502020204030204" pitchFamily="34" charset="0"/>
+            </a:endParaRPr>
+          </a:p>
+        </p:txBody>
+      </p:sp>
+      <p:sp>
+        <p:nvSpPr>
+          <p:cNvPr id="151" name="Union is a sort of sum, or set union:…"/>
+          <p:cNvSpPr txBox="1">
+            <a:spLocks noGrp="1"/>
+          </p:cNvSpPr>
+          <p:nvPr>
+            <p:ph type="body" idx="1"/>
+          </p:nvPr>
+        </p:nvSpPr>
+        <p:spPr>
+          <a:xfrm>
+            <a:off x="952500" y="2590800"/>
+            <a:ext cx="11099800" cy="6286500"/>
+          </a:xfrm>
+          <a:prstGeom prst="rect">
+            <a:avLst/>
+          </a:prstGeom>
+        </p:spPr>
+        <p:txBody>
+          <a:bodyPr anchor="t">
+            <a:noAutofit/>
+          </a:bodyPr>
+          <a:lstStyle/>
+          <a:p>
+            <a:pPr marL="284479" indent="-284479" defTabSz="292607">
+              <a:lnSpc>
+                <a:spcPts val="3700"/>
+              </a:lnSpc>
+              <a:spcBef>
+                <a:spcPts val="0"/>
+              </a:spcBef>
+              <a:tabLst>
+                <a:tab pos="88900" algn="l"/>
+                <a:tab pos="292100" algn="l"/>
+              </a:tabLst>
+              <a:defRPr sz="2048">
+                <a:latin typeface="Helvetica"/>
+                <a:ea typeface="Helvetica"/>
+                <a:cs typeface="Helvetica"/>
+                <a:sym typeface="Helvetica"/>
+              </a:defRPr>
+            </a:pPr>
+            <a:r>
+              <a:rPr lang="en-US" sz="2000" dirty="0">
+                <a:latin typeface="Calibri" panose="020F0502020204030204" pitchFamily="34" charset="0"/>
+                <a:cs typeface="Calibri" panose="020F0502020204030204" pitchFamily="34" charset="0"/>
+              </a:rPr>
+              <a:t>Currying is the technique of translating the evaluation of a function that takes multiple arguments into evaluating a sequence of functions</a:t>
+            </a:r>
+          </a:p>
+          <a:p>
+            <a:pPr marL="284479" indent="-284479" defTabSz="292607">
+              <a:lnSpc>
+                <a:spcPts val="3700"/>
+              </a:lnSpc>
+              <a:spcBef>
+                <a:spcPts val="0"/>
+              </a:spcBef>
+              <a:tabLst>
+                <a:tab pos="88900" algn="l"/>
+                <a:tab pos="292100" algn="l"/>
+              </a:tabLst>
+              <a:defRPr sz="2048">
+                <a:latin typeface="Helvetica"/>
+                <a:ea typeface="Helvetica"/>
+                <a:cs typeface="Helvetica"/>
+                <a:sym typeface="Helvetica"/>
+              </a:defRPr>
+            </a:pPr>
+            <a:r>
+              <a:rPr lang="en-US" sz="2000" dirty="0">
+                <a:latin typeface="Calibri" panose="020F0502020204030204" pitchFamily="34" charset="0"/>
+                <a:cs typeface="Calibri" panose="020F0502020204030204" pitchFamily="34" charset="0"/>
+                <a:sym typeface="Helvetica"/>
+              </a:rPr>
+              <a:t>Each function with a single argument</a:t>
+            </a:r>
+          </a:p>
+          <a:p>
+            <a:pPr marL="284479" indent="-284479" defTabSz="292607">
+              <a:lnSpc>
+                <a:spcPts val="3700"/>
+              </a:lnSpc>
+              <a:spcBef>
+                <a:spcPts val="0"/>
+              </a:spcBef>
+              <a:tabLst>
+                <a:tab pos="88900" algn="l"/>
+                <a:tab pos="292100" algn="l"/>
+              </a:tabLst>
+              <a:defRPr sz="2048">
+                <a:latin typeface="Helvetica"/>
+                <a:ea typeface="Helvetica"/>
+                <a:cs typeface="Helvetica"/>
+                <a:sym typeface="Helvetica"/>
+              </a:defRPr>
+            </a:pPr>
+            <a:r>
+              <a:rPr lang="en-US" sz="2048" dirty="0">
+                <a:sym typeface="Helvetica"/>
+              </a:rPr>
+              <a:t>f (n, m) --&gt; f’ (n)(m)</a:t>
+            </a:r>
+          </a:p>
+          <a:p>
+            <a:pPr marL="284479" indent="-284479" defTabSz="292607">
+              <a:lnSpc>
+                <a:spcPts val="3700"/>
+              </a:lnSpc>
+              <a:spcBef>
+                <a:spcPts val="0"/>
+              </a:spcBef>
+              <a:tabLst>
+                <a:tab pos="88900" algn="l"/>
+                <a:tab pos="292100" algn="l"/>
+              </a:tabLst>
+              <a:defRPr sz="2048">
+                <a:latin typeface="Helvetica"/>
+                <a:ea typeface="Helvetica"/>
+                <a:cs typeface="Helvetica"/>
+                <a:sym typeface="Helvetica"/>
+              </a:defRPr>
+            </a:pPr>
+            <a:r>
+              <a:rPr lang="en-US" sz="2048" dirty="0">
+                <a:latin typeface="Calibri" panose="020F0502020204030204" pitchFamily="34" charset="0"/>
+                <a:cs typeface="Calibri" panose="020F0502020204030204" pitchFamily="34" charset="0"/>
+                <a:sym typeface="Helvetica"/>
+              </a:rPr>
+              <a:t>Example: add (</a:t>
+            </a:r>
+            <a:r>
+              <a:rPr lang="en-US" sz="2048" dirty="0" err="1">
+                <a:latin typeface="Calibri" panose="020F0502020204030204" pitchFamily="34" charset="0"/>
+                <a:cs typeface="Calibri" panose="020F0502020204030204" pitchFamily="34" charset="0"/>
+                <a:sym typeface="Helvetica"/>
+              </a:rPr>
+              <a:t>x,b</a:t>
+            </a:r>
+            <a:r>
+              <a:rPr lang="en-US" sz="2048" dirty="0">
+                <a:latin typeface="Calibri" panose="020F0502020204030204" pitchFamily="34" charset="0"/>
+                <a:cs typeface="Calibri" panose="020F0502020204030204" pitchFamily="34" charset="0"/>
+                <a:sym typeface="Helvetica"/>
+              </a:rPr>
+              <a:t>) =&gt; add (a)(b)</a:t>
+            </a:r>
+          </a:p>
+          <a:p>
+            <a:pPr marL="284479" indent="-284479" defTabSz="292607">
+              <a:lnSpc>
+                <a:spcPts val="3700"/>
+              </a:lnSpc>
+              <a:spcBef>
+                <a:spcPts val="0"/>
+              </a:spcBef>
+              <a:tabLst>
+                <a:tab pos="88900" algn="l"/>
+                <a:tab pos="292100" algn="l"/>
+              </a:tabLst>
+              <a:defRPr sz="2048">
+                <a:latin typeface="Helvetica"/>
+                <a:ea typeface="Helvetica"/>
+                <a:cs typeface="Helvetica"/>
+                <a:sym typeface="Helvetica"/>
+              </a:defRPr>
+            </a:pPr>
+            <a:r>
+              <a:rPr lang="en-US" sz="2048" dirty="0">
+                <a:latin typeface="Calibri" panose="020F0502020204030204" pitchFamily="34" charset="0"/>
+                <a:cs typeface="Calibri" panose="020F0502020204030204" pitchFamily="34" charset="0"/>
+                <a:sym typeface="Helvetica"/>
+              </a:rPr>
+              <a:t>Using </a:t>
+            </a:r>
+            <a:r>
+              <a:rPr lang="en-US" sz="2048" dirty="0">
+                <a:sym typeface="Helvetica"/>
+              </a:rPr>
+              <a:t>higher order functions (functions accepting other functions as parameters) can also be combined with generics leading to complex constructions</a:t>
+            </a:r>
+          </a:p>
+          <a:p>
+            <a:pPr marL="728979" lvl="1" indent="-284479" defTabSz="292607">
+              <a:lnSpc>
+                <a:spcPts val="3700"/>
+              </a:lnSpc>
+              <a:spcBef>
+                <a:spcPts val="0"/>
+              </a:spcBef>
+              <a:tabLst>
+                <a:tab pos="88900" algn="l"/>
+                <a:tab pos="292100" algn="l"/>
+              </a:tabLst>
+              <a:defRPr sz="2048">
+                <a:latin typeface="Helvetica"/>
+                <a:ea typeface="Helvetica"/>
+                <a:cs typeface="Helvetica"/>
+                <a:sym typeface="Helvetica"/>
+              </a:defRPr>
+            </a:pPr>
+            <a:endParaRPr lang="en-US" sz="2048" dirty="0">
+              <a:sym typeface="Helvetica"/>
+            </a:endParaRPr>
+          </a:p>
+          <a:p>
+            <a:pPr marL="284479" indent="-284479" defTabSz="292607">
+              <a:lnSpc>
+                <a:spcPts val="3700"/>
+              </a:lnSpc>
+              <a:spcBef>
+                <a:spcPts val="0"/>
+              </a:spcBef>
+              <a:tabLst>
+                <a:tab pos="88900" algn="l"/>
+                <a:tab pos="292100" algn="l"/>
+              </a:tabLst>
+              <a:defRPr sz="2048">
+                <a:latin typeface="Helvetica"/>
+                <a:ea typeface="Helvetica"/>
+                <a:cs typeface="Helvetica"/>
+                <a:sym typeface="Helvetica"/>
+              </a:defRPr>
+            </a:pPr>
+            <a:endParaRPr lang="en-US" sz="2048" dirty="0">
+              <a:sym typeface="Helvetica"/>
+            </a:endParaRPr>
+          </a:p>
+          <a:p>
+            <a:pPr marL="284479" indent="-284479" defTabSz="292607">
+              <a:lnSpc>
+                <a:spcPts val="3700"/>
+              </a:lnSpc>
+              <a:spcBef>
+                <a:spcPts val="0"/>
+              </a:spcBef>
+              <a:tabLst>
+                <a:tab pos="88900" algn="l"/>
+                <a:tab pos="292100" algn="l"/>
+              </a:tabLst>
+              <a:defRPr sz="2048">
+                <a:latin typeface="Helvetica"/>
+                <a:ea typeface="Helvetica"/>
+                <a:cs typeface="Helvetica"/>
+                <a:sym typeface="Helvetica"/>
+              </a:defRPr>
+            </a:pPr>
+            <a:endParaRPr lang="en-US" sz="2048" dirty="0">
+              <a:latin typeface="Calibri" panose="020F0502020204030204" pitchFamily="34" charset="0"/>
+              <a:cs typeface="Calibri" panose="020F0502020204030204" pitchFamily="34" charset="0"/>
+              <a:sym typeface="Helvetica"/>
+            </a:endParaRPr>
+          </a:p>
+          <a:p>
+            <a:pPr marL="284479" indent="-284479" defTabSz="292607">
+              <a:lnSpc>
+                <a:spcPts val="3700"/>
+              </a:lnSpc>
+              <a:spcBef>
+                <a:spcPts val="0"/>
+              </a:spcBef>
+              <a:tabLst>
+                <a:tab pos="88900" algn="l"/>
+                <a:tab pos="292100" algn="l"/>
+              </a:tabLst>
+              <a:defRPr sz="2048">
+                <a:latin typeface="Helvetica"/>
+                <a:ea typeface="Helvetica"/>
+                <a:cs typeface="Helvetica"/>
+                <a:sym typeface="Helvetica"/>
+              </a:defRPr>
+            </a:pPr>
+            <a:endParaRPr lang="en-US" sz="2000" dirty="0">
+              <a:latin typeface="Calibri" panose="020F0502020204030204" pitchFamily="34" charset="0"/>
+              <a:cs typeface="Calibri" panose="020F0502020204030204" pitchFamily="34" charset="0"/>
+            </a:endParaRPr>
+          </a:p>
+        </p:txBody>
+      </p:sp>
+    </p:spTree>
+    <p:extLst>
+      <p:ext uri="{BB962C8B-B14F-4D97-AF65-F5344CB8AC3E}">
+        <p14:creationId xmlns:p14="http://schemas.microsoft.com/office/powerpoint/2010/main" val="1236830383"/>
+      </p:ext>
+    </p:extLst>
+  </p:cSld>
+  <p:clrMapOvr>
+    <a:masterClrMapping/>
+  </p:clrMapOvr>
+  <p:transition spd="med"/>
+</p:sld>
+</file>
+
+<file path=ppt/slides/slide37.xml><?xml version="1.0" encoding="utf-8"?>
+<p:sld xmlns:a="http://schemas.openxmlformats.org/drawingml/2006/main" xmlns:r="http://schemas.openxmlformats.org/officeDocument/2006/relationships" xmlns:p="http://schemas.openxmlformats.org/presentationml/2006/main">
+  <p:cSld>
+    <p:spTree>
+      <p:nvGrpSpPr>
+        <p:cNvPr id="1" name=""/>
+        <p:cNvGrpSpPr/>
+        <p:nvPr/>
+      </p:nvGrpSpPr>
+      <p:grpSpPr>
+        <a:xfrm>
+          <a:off x="0" y="0"/>
+          <a:ext cx="0" cy="0"/>
+          <a:chOff x="0" y="0"/>
+          <a:chExt cx="0" cy="0"/>
+        </a:xfrm>
+      </p:grpSpPr>
+      <p:sp>
+        <p:nvSpPr>
+          <p:cNvPr id="150" name="Types in Typescript"/>
+          <p:cNvSpPr txBox="1">
+            <a:spLocks noGrp="1"/>
+          </p:cNvSpPr>
+          <p:nvPr>
+            <p:ph type="title"/>
+          </p:nvPr>
+        </p:nvSpPr>
+        <p:spPr>
+          <a:prstGeom prst="rect">
+            <a:avLst/>
+          </a:prstGeom>
+        </p:spPr>
+        <p:txBody>
+          <a:bodyPr>
+            <a:normAutofit/>
+          </a:bodyPr>
+          <a:lstStyle/>
+          <a:p>
+            <a:r>
+              <a:rPr lang="en-US" sz="4000" dirty="0">
+                <a:latin typeface="Calibri" panose="020F0502020204030204" pitchFamily="34" charset="0"/>
+                <a:cs typeface="Calibri" panose="020F0502020204030204" pitchFamily="34" charset="0"/>
+              </a:rPr>
+              <a:t>Currying in Typescript…..</a:t>
+            </a:r>
+            <a:endParaRPr sz="4000" dirty="0">
+              <a:latin typeface="Calibri" panose="020F0502020204030204" pitchFamily="34" charset="0"/>
+              <a:cs typeface="Calibri" panose="020F0502020204030204" pitchFamily="34" charset="0"/>
+            </a:endParaRPr>
+          </a:p>
+        </p:txBody>
+      </p:sp>
+      <p:sp>
+        <p:nvSpPr>
+          <p:cNvPr id="151" name="Union is a sort of sum, or set union:…"/>
+          <p:cNvSpPr txBox="1">
+            <a:spLocks noGrp="1"/>
+          </p:cNvSpPr>
+          <p:nvPr>
+            <p:ph type="body" idx="1"/>
+          </p:nvPr>
+        </p:nvSpPr>
+        <p:spPr>
+          <a:xfrm>
+            <a:off x="952500" y="2590800"/>
+            <a:ext cx="11099800" cy="6286500"/>
+          </a:xfrm>
+          <a:prstGeom prst="rect">
+            <a:avLst/>
+          </a:prstGeom>
+        </p:spPr>
+        <p:txBody>
+          <a:bodyPr anchor="t">
+            <a:noAutofit/>
+          </a:bodyPr>
+          <a:lstStyle/>
+          <a:p>
+            <a:pPr marL="284479" indent="-284479" defTabSz="292607">
+              <a:lnSpc>
+                <a:spcPts val="3700"/>
+              </a:lnSpc>
+              <a:spcBef>
+                <a:spcPts val="0"/>
+              </a:spcBef>
+              <a:tabLst>
+                <a:tab pos="88900" algn="l"/>
+                <a:tab pos="292100" algn="l"/>
+              </a:tabLst>
+              <a:defRPr sz="2048">
+                <a:latin typeface="Helvetica"/>
+                <a:ea typeface="Helvetica"/>
+                <a:cs typeface="Helvetica"/>
+                <a:sym typeface="Helvetica"/>
+              </a:defRPr>
+            </a:pPr>
+            <a:r>
+              <a:rPr lang="en-US" sz="2000" dirty="0">
+                <a:latin typeface="Calibri" panose="020F0502020204030204" pitchFamily="34" charset="0"/>
+                <a:cs typeface="Calibri" panose="020F0502020204030204" pitchFamily="34" charset="0"/>
+              </a:rPr>
+              <a:t>Currying is the technique of translating the evaluation of a function that takes multiple arguments into evaluating a sequence of functions</a:t>
+            </a:r>
+          </a:p>
+          <a:p>
+            <a:pPr marL="284479" indent="-284479" defTabSz="292607">
+              <a:lnSpc>
+                <a:spcPts val="3700"/>
+              </a:lnSpc>
+              <a:spcBef>
+                <a:spcPts val="0"/>
+              </a:spcBef>
+              <a:tabLst>
+                <a:tab pos="88900" algn="l"/>
+                <a:tab pos="292100" algn="l"/>
+              </a:tabLst>
+              <a:defRPr sz="2048">
+                <a:latin typeface="Helvetica"/>
+                <a:ea typeface="Helvetica"/>
+                <a:cs typeface="Helvetica"/>
+                <a:sym typeface="Helvetica"/>
+              </a:defRPr>
+            </a:pPr>
+            <a:r>
+              <a:rPr lang="en-US" sz="2000" dirty="0">
+                <a:latin typeface="Calibri" panose="020F0502020204030204" pitchFamily="34" charset="0"/>
+                <a:cs typeface="Calibri" panose="020F0502020204030204" pitchFamily="34" charset="0"/>
+                <a:sym typeface="Helvetica"/>
+              </a:rPr>
+              <a:t>Each function with a single argument</a:t>
+            </a:r>
+          </a:p>
+          <a:p>
+            <a:pPr marL="284479" indent="-284479" defTabSz="292607">
+              <a:lnSpc>
+                <a:spcPts val="3700"/>
+              </a:lnSpc>
+              <a:spcBef>
+                <a:spcPts val="0"/>
+              </a:spcBef>
+              <a:tabLst>
+                <a:tab pos="88900" algn="l"/>
+                <a:tab pos="292100" algn="l"/>
+              </a:tabLst>
+              <a:defRPr sz="2048">
+                <a:latin typeface="Helvetica"/>
+                <a:ea typeface="Helvetica"/>
+                <a:cs typeface="Helvetica"/>
+                <a:sym typeface="Helvetica"/>
+              </a:defRPr>
+            </a:pPr>
+            <a:r>
+              <a:rPr lang="en-US" sz="2048" dirty="0">
+                <a:sym typeface="Helvetica"/>
+              </a:rPr>
+              <a:t>f (n, m) --&gt; f’ (n)(m)</a:t>
+            </a:r>
+          </a:p>
+          <a:p>
+            <a:pPr marL="284479" indent="-284479" defTabSz="292607">
+              <a:lnSpc>
+                <a:spcPts val="3700"/>
+              </a:lnSpc>
+              <a:spcBef>
+                <a:spcPts val="0"/>
+              </a:spcBef>
+              <a:tabLst>
+                <a:tab pos="88900" algn="l"/>
+                <a:tab pos="292100" algn="l"/>
+              </a:tabLst>
+              <a:defRPr sz="2048">
+                <a:latin typeface="Helvetica"/>
+                <a:ea typeface="Helvetica"/>
+                <a:cs typeface="Helvetica"/>
+                <a:sym typeface="Helvetica"/>
+              </a:defRPr>
+            </a:pPr>
+            <a:r>
+              <a:rPr lang="en-US" sz="2048" dirty="0">
+                <a:latin typeface="Calibri" panose="020F0502020204030204" pitchFamily="34" charset="0"/>
+                <a:cs typeface="Calibri" panose="020F0502020204030204" pitchFamily="34" charset="0"/>
+                <a:sym typeface="Helvetica"/>
+              </a:rPr>
+              <a:t>Example: add (</a:t>
+            </a:r>
+            <a:r>
+              <a:rPr lang="en-US" sz="2048" dirty="0" err="1">
+                <a:latin typeface="Calibri" panose="020F0502020204030204" pitchFamily="34" charset="0"/>
+                <a:cs typeface="Calibri" panose="020F0502020204030204" pitchFamily="34" charset="0"/>
+                <a:sym typeface="Helvetica"/>
+              </a:rPr>
+              <a:t>x,b</a:t>
+            </a:r>
+            <a:r>
+              <a:rPr lang="en-US" sz="2048" dirty="0">
+                <a:latin typeface="Calibri" panose="020F0502020204030204" pitchFamily="34" charset="0"/>
+                <a:cs typeface="Calibri" panose="020F0502020204030204" pitchFamily="34" charset="0"/>
+                <a:sym typeface="Helvetica"/>
+              </a:rPr>
+              <a:t>) =&gt; add (a)(b)</a:t>
+            </a:r>
+          </a:p>
+          <a:p>
+            <a:pPr marL="284479" indent="-284479" defTabSz="292607">
+              <a:lnSpc>
+                <a:spcPts val="3700"/>
+              </a:lnSpc>
+              <a:spcBef>
+                <a:spcPts val="0"/>
+              </a:spcBef>
+              <a:tabLst>
+                <a:tab pos="88900" algn="l"/>
+                <a:tab pos="292100" algn="l"/>
+              </a:tabLst>
+              <a:defRPr sz="2048">
+                <a:latin typeface="Helvetica"/>
+                <a:ea typeface="Helvetica"/>
+                <a:cs typeface="Helvetica"/>
+                <a:sym typeface="Helvetica"/>
+              </a:defRPr>
+            </a:pPr>
+            <a:r>
+              <a:rPr lang="en-US" sz="2048" dirty="0">
+                <a:latin typeface="Calibri" panose="020F0502020204030204" pitchFamily="34" charset="0"/>
+                <a:cs typeface="Calibri" panose="020F0502020204030204" pitchFamily="34" charset="0"/>
+                <a:sym typeface="Helvetica"/>
+              </a:rPr>
+              <a:t>Using </a:t>
+            </a:r>
+            <a:r>
+              <a:rPr lang="en-US" sz="2048" dirty="0">
+                <a:sym typeface="Helvetica"/>
+              </a:rPr>
+              <a:t>higher order functions (functions accepting other functions as parameters) can also be combined with generics leading to complex constructions</a:t>
+            </a:r>
+          </a:p>
+          <a:p>
+            <a:pPr marL="444500" lvl="1" indent="0" defTabSz="292607">
+              <a:lnSpc>
+                <a:spcPts val="3700"/>
+              </a:lnSpc>
+              <a:spcBef>
+                <a:spcPts val="0"/>
+              </a:spcBef>
+              <a:buNone/>
+              <a:tabLst>
+                <a:tab pos="88900" algn="l"/>
+                <a:tab pos="292100" algn="l"/>
+              </a:tabLst>
+              <a:defRPr sz="2048">
+                <a:latin typeface="Helvetica"/>
+                <a:ea typeface="Helvetica"/>
+                <a:cs typeface="Helvetica"/>
+                <a:sym typeface="Helvetica"/>
+              </a:defRPr>
+            </a:pPr>
+            <a:r>
+              <a:rPr lang="en-US" sz="2048" dirty="0">
+                <a:solidFill>
+                  <a:srgbClr val="0070C0"/>
+                </a:solidFill>
+                <a:sym typeface="Helvetica"/>
+              </a:rPr>
+              <a:t>type</a:t>
+            </a:r>
+            <a:r>
+              <a:rPr lang="en-US" sz="2048" dirty="0">
+                <a:sym typeface="Helvetica"/>
+              </a:rPr>
+              <a:t> Fun&lt;A,B&gt; = (_:A) =&gt; B</a:t>
+            </a:r>
+          </a:p>
+          <a:p>
+            <a:pPr marL="284479" indent="-284479" defTabSz="292607">
+              <a:lnSpc>
+                <a:spcPts val="3700"/>
+              </a:lnSpc>
+              <a:spcBef>
+                <a:spcPts val="0"/>
+              </a:spcBef>
+              <a:tabLst>
+                <a:tab pos="88900" algn="l"/>
+                <a:tab pos="292100" algn="l"/>
+              </a:tabLst>
+              <a:defRPr sz="2048">
+                <a:latin typeface="Helvetica"/>
+                <a:ea typeface="Helvetica"/>
+                <a:cs typeface="Helvetica"/>
+                <a:sym typeface="Helvetica"/>
+              </a:defRPr>
+            </a:pPr>
+            <a:endParaRPr lang="en-US" sz="2048" dirty="0">
+              <a:sym typeface="Helvetica"/>
+            </a:endParaRPr>
+          </a:p>
+          <a:p>
+            <a:pPr marL="284479" indent="-284479" defTabSz="292607">
+              <a:lnSpc>
+                <a:spcPts val="3700"/>
+              </a:lnSpc>
+              <a:spcBef>
+                <a:spcPts val="0"/>
+              </a:spcBef>
+              <a:tabLst>
+                <a:tab pos="88900" algn="l"/>
+                <a:tab pos="292100" algn="l"/>
+              </a:tabLst>
+              <a:defRPr sz="2048">
+                <a:latin typeface="Helvetica"/>
+                <a:ea typeface="Helvetica"/>
+                <a:cs typeface="Helvetica"/>
+                <a:sym typeface="Helvetica"/>
+              </a:defRPr>
+            </a:pPr>
+            <a:endParaRPr lang="en-US" sz="2048" dirty="0">
+              <a:latin typeface="Calibri" panose="020F0502020204030204" pitchFamily="34" charset="0"/>
+              <a:cs typeface="Calibri" panose="020F0502020204030204" pitchFamily="34" charset="0"/>
+              <a:sym typeface="Helvetica"/>
+            </a:endParaRPr>
+          </a:p>
+          <a:p>
+            <a:pPr marL="284479" indent="-284479" defTabSz="292607">
+              <a:lnSpc>
+                <a:spcPts val="3700"/>
+              </a:lnSpc>
+              <a:spcBef>
+                <a:spcPts val="0"/>
+              </a:spcBef>
+              <a:tabLst>
+                <a:tab pos="88900" algn="l"/>
+                <a:tab pos="292100" algn="l"/>
+              </a:tabLst>
+              <a:defRPr sz="2048">
+                <a:latin typeface="Helvetica"/>
+                <a:ea typeface="Helvetica"/>
+                <a:cs typeface="Helvetica"/>
+                <a:sym typeface="Helvetica"/>
+              </a:defRPr>
+            </a:pPr>
+            <a:endParaRPr lang="en-US" sz="2000" dirty="0">
+              <a:latin typeface="Calibri" panose="020F0502020204030204" pitchFamily="34" charset="0"/>
+              <a:cs typeface="Calibri" panose="020F0502020204030204" pitchFamily="34" charset="0"/>
+            </a:endParaRPr>
+          </a:p>
+        </p:txBody>
+      </p:sp>
+    </p:spTree>
+    <p:extLst>
+      <p:ext uri="{BB962C8B-B14F-4D97-AF65-F5344CB8AC3E}">
+        <p14:creationId xmlns:p14="http://schemas.microsoft.com/office/powerpoint/2010/main" val="1694829221"/>
+      </p:ext>
+    </p:extLst>
+  </p:cSld>
+  <p:clrMapOvr>
+    <a:masterClrMapping/>
+  </p:clrMapOvr>
+  <p:transition spd="med"/>
+</p:sld>
+</file>
+
+<file path=ppt/slides/slide38.xml><?xml version="1.0" encoding="utf-8"?>
+<p:sld xmlns:a="http://schemas.openxmlformats.org/drawingml/2006/main" xmlns:r="http://schemas.openxmlformats.org/officeDocument/2006/relationships" xmlns:p="http://schemas.openxmlformats.org/presentationml/2006/main">
+  <p:cSld>
+    <p:spTree>
+      <p:nvGrpSpPr>
+        <p:cNvPr id="1" name=""/>
+        <p:cNvGrpSpPr/>
+        <p:nvPr/>
+      </p:nvGrpSpPr>
+      <p:grpSpPr>
+        <a:xfrm>
+          <a:off x="0" y="0"/>
+          <a:ext cx="0" cy="0"/>
+          <a:chOff x="0" y="0"/>
+          <a:chExt cx="0" cy="0"/>
+        </a:xfrm>
+      </p:grpSpPr>
+      <p:sp>
+        <p:nvSpPr>
+          <p:cNvPr id="150" name="Types in Typescript"/>
+          <p:cNvSpPr txBox="1">
+            <a:spLocks noGrp="1"/>
+          </p:cNvSpPr>
+          <p:nvPr>
+            <p:ph type="title"/>
+          </p:nvPr>
+        </p:nvSpPr>
+        <p:spPr>
+          <a:prstGeom prst="rect">
+            <a:avLst/>
+          </a:prstGeom>
+        </p:spPr>
+        <p:txBody>
+          <a:bodyPr>
+            <a:normAutofit/>
+          </a:bodyPr>
+          <a:lstStyle/>
+          <a:p>
+            <a:r>
+              <a:rPr lang="en-US" sz="4000" dirty="0">
+                <a:latin typeface="Calibri" panose="020F0502020204030204" pitchFamily="34" charset="0"/>
+                <a:cs typeface="Calibri" panose="020F0502020204030204" pitchFamily="34" charset="0"/>
+              </a:rPr>
+              <a:t>Currying in Typescript……</a:t>
+            </a:r>
+            <a:endParaRPr sz="4000" dirty="0">
+              <a:latin typeface="Calibri" panose="020F0502020204030204" pitchFamily="34" charset="0"/>
+              <a:cs typeface="Calibri" panose="020F0502020204030204" pitchFamily="34" charset="0"/>
+            </a:endParaRPr>
+          </a:p>
+        </p:txBody>
+      </p:sp>
+      <p:sp>
+        <p:nvSpPr>
+          <p:cNvPr id="151" name="Union is a sort of sum, or set union:…"/>
+          <p:cNvSpPr txBox="1">
+            <a:spLocks noGrp="1"/>
+          </p:cNvSpPr>
+          <p:nvPr>
+            <p:ph type="body" idx="1"/>
+          </p:nvPr>
+        </p:nvSpPr>
+        <p:spPr>
+          <a:xfrm>
+            <a:off x="952500" y="2590800"/>
+            <a:ext cx="11099800" cy="6286500"/>
+          </a:xfrm>
+          <a:prstGeom prst="rect">
+            <a:avLst/>
+          </a:prstGeom>
+        </p:spPr>
+        <p:txBody>
+          <a:bodyPr anchor="t">
+            <a:noAutofit/>
+          </a:bodyPr>
+          <a:lstStyle/>
+          <a:p>
+            <a:pPr marL="284479" indent="-284479" defTabSz="292607">
+              <a:lnSpc>
+                <a:spcPts val="3700"/>
+              </a:lnSpc>
+              <a:spcBef>
+                <a:spcPts val="0"/>
+              </a:spcBef>
+              <a:tabLst>
+                <a:tab pos="88900" algn="l"/>
+                <a:tab pos="292100" algn="l"/>
+              </a:tabLst>
+              <a:defRPr sz="2048">
+                <a:latin typeface="Helvetica"/>
+                <a:ea typeface="Helvetica"/>
+                <a:cs typeface="Helvetica"/>
+                <a:sym typeface="Helvetica"/>
+              </a:defRPr>
+            </a:pPr>
+            <a:r>
+              <a:rPr lang="en-US" sz="2000" dirty="0">
+                <a:latin typeface="Calibri" panose="020F0502020204030204" pitchFamily="34" charset="0"/>
+                <a:cs typeface="Calibri" panose="020F0502020204030204" pitchFamily="34" charset="0"/>
+              </a:rPr>
+              <a:t>Currying is the technique of translating the evaluation of a function that takes multiple arguments into evaluating a sequence of functions</a:t>
+            </a:r>
+          </a:p>
+          <a:p>
+            <a:pPr marL="284479" indent="-284479" defTabSz="292607">
+              <a:lnSpc>
+                <a:spcPts val="3700"/>
+              </a:lnSpc>
+              <a:spcBef>
+                <a:spcPts val="0"/>
+              </a:spcBef>
+              <a:tabLst>
+                <a:tab pos="88900" algn="l"/>
+                <a:tab pos="292100" algn="l"/>
+              </a:tabLst>
+              <a:defRPr sz="2048">
+                <a:latin typeface="Helvetica"/>
+                <a:ea typeface="Helvetica"/>
+                <a:cs typeface="Helvetica"/>
+                <a:sym typeface="Helvetica"/>
+              </a:defRPr>
+            </a:pPr>
+            <a:r>
+              <a:rPr lang="en-US" sz="2000" dirty="0">
+                <a:latin typeface="Calibri" panose="020F0502020204030204" pitchFamily="34" charset="0"/>
+                <a:cs typeface="Calibri" panose="020F0502020204030204" pitchFamily="34" charset="0"/>
+                <a:sym typeface="Helvetica"/>
+              </a:rPr>
+              <a:t>Each function with a single argument</a:t>
+            </a:r>
+          </a:p>
+          <a:p>
+            <a:pPr marL="284479" indent="-284479" defTabSz="292607">
+              <a:lnSpc>
+                <a:spcPts val="3700"/>
+              </a:lnSpc>
+              <a:spcBef>
+                <a:spcPts val="0"/>
+              </a:spcBef>
+              <a:tabLst>
+                <a:tab pos="88900" algn="l"/>
+                <a:tab pos="292100" algn="l"/>
+              </a:tabLst>
+              <a:defRPr sz="2048">
+                <a:latin typeface="Helvetica"/>
+                <a:ea typeface="Helvetica"/>
+                <a:cs typeface="Helvetica"/>
+                <a:sym typeface="Helvetica"/>
+              </a:defRPr>
+            </a:pPr>
+            <a:r>
+              <a:rPr lang="en-US" sz="2048" dirty="0">
+                <a:sym typeface="Helvetica"/>
+              </a:rPr>
+              <a:t>f (n, m) --&gt; f’ (n)(m)</a:t>
+            </a:r>
+          </a:p>
+          <a:p>
+            <a:pPr marL="284479" indent="-284479" defTabSz="292607">
+              <a:lnSpc>
+                <a:spcPts val="3700"/>
+              </a:lnSpc>
+              <a:spcBef>
+                <a:spcPts val="0"/>
+              </a:spcBef>
+              <a:tabLst>
+                <a:tab pos="88900" algn="l"/>
+                <a:tab pos="292100" algn="l"/>
+              </a:tabLst>
+              <a:defRPr sz="2048">
+                <a:latin typeface="Helvetica"/>
+                <a:ea typeface="Helvetica"/>
+                <a:cs typeface="Helvetica"/>
+                <a:sym typeface="Helvetica"/>
+              </a:defRPr>
+            </a:pPr>
+            <a:r>
+              <a:rPr lang="en-US" sz="2048" dirty="0">
+                <a:latin typeface="Calibri" panose="020F0502020204030204" pitchFamily="34" charset="0"/>
+                <a:cs typeface="Calibri" panose="020F0502020204030204" pitchFamily="34" charset="0"/>
+                <a:sym typeface="Helvetica"/>
+              </a:rPr>
+              <a:t>Example: add (</a:t>
+            </a:r>
+            <a:r>
+              <a:rPr lang="en-US" sz="2048" dirty="0" err="1">
+                <a:latin typeface="Calibri" panose="020F0502020204030204" pitchFamily="34" charset="0"/>
+                <a:cs typeface="Calibri" panose="020F0502020204030204" pitchFamily="34" charset="0"/>
+                <a:sym typeface="Helvetica"/>
+              </a:rPr>
+              <a:t>x,b</a:t>
+            </a:r>
+            <a:r>
+              <a:rPr lang="en-US" sz="2048" dirty="0">
+                <a:latin typeface="Calibri" panose="020F0502020204030204" pitchFamily="34" charset="0"/>
+                <a:cs typeface="Calibri" panose="020F0502020204030204" pitchFamily="34" charset="0"/>
+                <a:sym typeface="Helvetica"/>
+              </a:rPr>
+              <a:t>) =&gt; add (a)(b)</a:t>
+            </a:r>
+          </a:p>
+          <a:p>
+            <a:pPr marL="284479" indent="-284479" defTabSz="292607">
+              <a:lnSpc>
+                <a:spcPts val="3700"/>
+              </a:lnSpc>
+              <a:spcBef>
+                <a:spcPts val="0"/>
+              </a:spcBef>
+              <a:tabLst>
+                <a:tab pos="88900" algn="l"/>
+                <a:tab pos="292100" algn="l"/>
+              </a:tabLst>
+              <a:defRPr sz="2048">
+                <a:latin typeface="Helvetica"/>
+                <a:ea typeface="Helvetica"/>
+                <a:cs typeface="Helvetica"/>
+                <a:sym typeface="Helvetica"/>
+              </a:defRPr>
+            </a:pPr>
+            <a:r>
+              <a:rPr lang="en-US" sz="2048" dirty="0">
+                <a:latin typeface="Calibri" panose="020F0502020204030204" pitchFamily="34" charset="0"/>
+                <a:cs typeface="Calibri" panose="020F0502020204030204" pitchFamily="34" charset="0"/>
+                <a:sym typeface="Helvetica"/>
+              </a:rPr>
+              <a:t>Using </a:t>
+            </a:r>
+            <a:r>
+              <a:rPr lang="en-US" sz="2048" dirty="0">
+                <a:sym typeface="Helvetica"/>
+              </a:rPr>
+              <a:t>higher order functions (functions accepting other functions as parameters) can also be combined with generics leading to complex constructions</a:t>
+            </a:r>
+          </a:p>
+          <a:p>
+            <a:pPr marL="444500" lvl="1" indent="0" defTabSz="292607">
+              <a:lnSpc>
+                <a:spcPts val="3700"/>
+              </a:lnSpc>
+              <a:spcBef>
+                <a:spcPts val="0"/>
+              </a:spcBef>
+              <a:buNone/>
+              <a:tabLst>
+                <a:tab pos="88900" algn="l"/>
+                <a:tab pos="292100" algn="l"/>
+              </a:tabLst>
+              <a:defRPr sz="2048">
+                <a:latin typeface="Helvetica"/>
+                <a:ea typeface="Helvetica"/>
+                <a:cs typeface="Helvetica"/>
+                <a:sym typeface="Helvetica"/>
+              </a:defRPr>
+            </a:pPr>
+            <a:r>
+              <a:rPr lang="en-US" sz="2048" dirty="0">
+                <a:solidFill>
+                  <a:srgbClr val="0070C0"/>
+                </a:solidFill>
+                <a:sym typeface="Helvetica"/>
+              </a:rPr>
+              <a:t>type</a:t>
+            </a:r>
+            <a:r>
+              <a:rPr lang="en-US" sz="2048" dirty="0">
+                <a:sym typeface="Helvetica"/>
+              </a:rPr>
+              <a:t> Fun&lt;A,B&gt; = (_:A) =&gt; B</a:t>
+            </a:r>
+          </a:p>
+          <a:p>
+            <a:pPr marL="444500" lvl="1" indent="0" defTabSz="292607">
+              <a:lnSpc>
+                <a:spcPts val="3700"/>
+              </a:lnSpc>
+              <a:spcBef>
+                <a:spcPts val="0"/>
+              </a:spcBef>
+              <a:buNone/>
+              <a:tabLst>
+                <a:tab pos="88900" algn="l"/>
+                <a:tab pos="292100" algn="l"/>
+              </a:tabLst>
+              <a:defRPr sz="2048">
+                <a:latin typeface="Helvetica"/>
+                <a:ea typeface="Helvetica"/>
+                <a:cs typeface="Helvetica"/>
+                <a:sym typeface="Helvetica"/>
+              </a:defRPr>
+            </a:pPr>
+            <a:r>
+              <a:rPr lang="en-US" sz="2048" dirty="0">
+                <a:solidFill>
+                  <a:srgbClr val="0070C0"/>
+                </a:solidFill>
+                <a:sym typeface="Helvetica"/>
+              </a:rPr>
+              <a:t>let</a:t>
+            </a:r>
+            <a:r>
+              <a:rPr lang="en-US" sz="2048" dirty="0">
+                <a:sym typeface="Helvetica"/>
+              </a:rPr>
+              <a:t> pipeline : &lt;A,B,C&gt;(_:Fun&lt;A,B&gt;) =&gt; (_:Fun&lt;B,C&gt;) =&gt; Fun&lt;A,C&gt; = f =&gt; g =&gt; (x =&gt; g(f(x)))</a:t>
+            </a:r>
+          </a:p>
+          <a:p>
+            <a:pPr marL="284479" indent="-284479" defTabSz="292607">
+              <a:lnSpc>
+                <a:spcPts val="3700"/>
+              </a:lnSpc>
+              <a:spcBef>
+                <a:spcPts val="0"/>
+              </a:spcBef>
+              <a:tabLst>
+                <a:tab pos="88900" algn="l"/>
+                <a:tab pos="292100" algn="l"/>
+              </a:tabLst>
+              <a:defRPr sz="2048">
+                <a:latin typeface="Helvetica"/>
+                <a:ea typeface="Helvetica"/>
+                <a:cs typeface="Helvetica"/>
+                <a:sym typeface="Helvetica"/>
+              </a:defRPr>
+            </a:pPr>
+            <a:endParaRPr lang="en-US" sz="2048" dirty="0">
+              <a:sym typeface="Helvetica"/>
+            </a:endParaRPr>
+          </a:p>
+          <a:p>
+            <a:pPr marL="284479" indent="-284479" defTabSz="292607">
+              <a:lnSpc>
+                <a:spcPts val="3700"/>
+              </a:lnSpc>
+              <a:spcBef>
+                <a:spcPts val="0"/>
+              </a:spcBef>
+              <a:tabLst>
+                <a:tab pos="88900" algn="l"/>
+                <a:tab pos="292100" algn="l"/>
+              </a:tabLst>
+              <a:defRPr sz="2048">
+                <a:latin typeface="Helvetica"/>
+                <a:ea typeface="Helvetica"/>
+                <a:cs typeface="Helvetica"/>
+                <a:sym typeface="Helvetica"/>
+              </a:defRPr>
+            </a:pPr>
+            <a:endParaRPr lang="en-US" sz="2048" dirty="0">
+              <a:latin typeface="Calibri" panose="020F0502020204030204" pitchFamily="34" charset="0"/>
+              <a:cs typeface="Calibri" panose="020F0502020204030204" pitchFamily="34" charset="0"/>
+              <a:sym typeface="Helvetica"/>
+            </a:endParaRPr>
+          </a:p>
+          <a:p>
+            <a:pPr marL="284479" indent="-284479" defTabSz="292607">
+              <a:lnSpc>
+                <a:spcPts val="3700"/>
+              </a:lnSpc>
+              <a:spcBef>
+                <a:spcPts val="0"/>
+              </a:spcBef>
+              <a:tabLst>
+                <a:tab pos="88900" algn="l"/>
+                <a:tab pos="292100" algn="l"/>
+              </a:tabLst>
+              <a:defRPr sz="2048">
+                <a:latin typeface="Helvetica"/>
+                <a:ea typeface="Helvetica"/>
+                <a:cs typeface="Helvetica"/>
+                <a:sym typeface="Helvetica"/>
+              </a:defRPr>
+            </a:pPr>
+            <a:endParaRPr lang="en-US" sz="2000" dirty="0">
+              <a:latin typeface="Calibri" panose="020F0502020204030204" pitchFamily="34" charset="0"/>
+              <a:cs typeface="Calibri" panose="020F0502020204030204" pitchFamily="34" charset="0"/>
+            </a:endParaRPr>
+          </a:p>
+        </p:txBody>
+      </p:sp>
+    </p:spTree>
+    <p:extLst>
+      <p:ext uri="{BB962C8B-B14F-4D97-AF65-F5344CB8AC3E}">
+        <p14:creationId xmlns:p14="http://schemas.microsoft.com/office/powerpoint/2010/main" val="545311591"/>
+      </p:ext>
+    </p:extLst>
+  </p:cSld>
+  <p:clrMapOvr>
+    <a:masterClrMapping/>
+  </p:clrMapOvr>
+  <p:transition spd="med"/>
+</p:sld>
+</file>
+
+<file path=ppt/slides/slide39.xml><?xml version="1.0" encoding="utf-8"?>
+<p:sld xmlns:a="http://schemas.openxmlformats.org/drawingml/2006/main" xmlns:r="http://schemas.openxmlformats.org/officeDocument/2006/relationships" xmlns:p="http://schemas.openxmlformats.org/presentationml/2006/main">
+  <p:cSld>
+    <p:spTree>
+      <p:nvGrpSpPr>
+        <p:cNvPr id="1" name=""/>
+        <p:cNvGrpSpPr/>
+        <p:nvPr/>
+      </p:nvGrpSpPr>
+      <p:grpSpPr>
+        <a:xfrm>
+          <a:off x="0" y="0"/>
+          <a:ext cx="0" cy="0"/>
+          <a:chOff x="0" y="0"/>
+          <a:chExt cx="0" cy="0"/>
+        </a:xfrm>
+      </p:grpSpPr>
+      <p:sp>
+        <p:nvSpPr>
+          <p:cNvPr id="150" name="Types in Typescript"/>
+          <p:cNvSpPr txBox="1">
+            <a:spLocks noGrp="1"/>
+          </p:cNvSpPr>
+          <p:nvPr>
+            <p:ph type="title"/>
+          </p:nvPr>
+        </p:nvSpPr>
+        <p:spPr>
+          <a:prstGeom prst="rect">
+            <a:avLst/>
+          </a:prstGeom>
+        </p:spPr>
+        <p:txBody>
+          <a:bodyPr>
+            <a:normAutofit/>
+          </a:bodyPr>
+          <a:lstStyle/>
+          <a:p>
+            <a:r>
+              <a:rPr lang="en-US" sz="4000" dirty="0">
+                <a:latin typeface="Calibri" panose="020F0502020204030204" pitchFamily="34" charset="0"/>
+                <a:cs typeface="Calibri" panose="020F0502020204030204" pitchFamily="34" charset="0"/>
+              </a:rPr>
+              <a:t>Example</a:t>
+            </a:r>
+            <a:endParaRPr sz="4000" dirty="0">
+              <a:latin typeface="Calibri" panose="020F0502020204030204" pitchFamily="34" charset="0"/>
+              <a:cs typeface="Calibri" panose="020F0502020204030204" pitchFamily="34" charset="0"/>
+            </a:endParaRPr>
+          </a:p>
+        </p:txBody>
+      </p:sp>
+      <p:sp>
+        <p:nvSpPr>
+          <p:cNvPr id="151" name="Union is a sort of sum, or set union:…"/>
+          <p:cNvSpPr txBox="1">
+            <a:spLocks noGrp="1"/>
+          </p:cNvSpPr>
+          <p:nvPr>
+            <p:ph type="body" idx="1"/>
+          </p:nvPr>
+        </p:nvSpPr>
+        <p:spPr>
+          <a:xfrm>
+            <a:off x="952500" y="2590800"/>
+            <a:ext cx="11099800" cy="6286500"/>
+          </a:xfrm>
+          <a:prstGeom prst="rect">
+            <a:avLst/>
+          </a:prstGeom>
+        </p:spPr>
+        <p:txBody>
+          <a:bodyPr anchor="t">
+            <a:noAutofit/>
+          </a:bodyPr>
+          <a:lstStyle/>
+          <a:p>
+            <a:pPr marL="284479" indent="-284479" defTabSz="292607">
+              <a:lnSpc>
+                <a:spcPts val="3700"/>
+              </a:lnSpc>
+              <a:spcBef>
+                <a:spcPts val="0"/>
+              </a:spcBef>
+              <a:tabLst>
+                <a:tab pos="88900" algn="l"/>
+                <a:tab pos="292100" algn="l"/>
+              </a:tabLst>
+              <a:defRPr sz="2048">
+                <a:latin typeface="Helvetica"/>
+                <a:ea typeface="Helvetica"/>
+                <a:cs typeface="Helvetica"/>
+                <a:sym typeface="Helvetica"/>
+              </a:defRPr>
+            </a:pPr>
+            <a:r>
+              <a:rPr lang="en-US" sz="2000" dirty="0">
+                <a:latin typeface="Calibri" panose="020F0502020204030204" pitchFamily="34" charset="0"/>
+                <a:cs typeface="Calibri" panose="020F0502020204030204" pitchFamily="34" charset="0"/>
+              </a:rPr>
+              <a:t>Demo</a:t>
+            </a:r>
+            <a:endParaRPr lang="en-US" sz="2048" dirty="0">
+              <a:sym typeface="Helvetica"/>
+            </a:endParaRPr>
+          </a:p>
+          <a:p>
+            <a:pPr marL="284479" indent="-284479" defTabSz="292607">
+              <a:lnSpc>
+                <a:spcPts val="3700"/>
+              </a:lnSpc>
+              <a:spcBef>
+                <a:spcPts val="0"/>
+              </a:spcBef>
+              <a:tabLst>
+                <a:tab pos="88900" algn="l"/>
+                <a:tab pos="292100" algn="l"/>
+              </a:tabLst>
+              <a:defRPr sz="2048">
+                <a:latin typeface="Helvetica"/>
+                <a:ea typeface="Helvetica"/>
+                <a:cs typeface="Helvetica"/>
+                <a:sym typeface="Helvetica"/>
+              </a:defRPr>
+            </a:pPr>
+            <a:endParaRPr lang="en-US" sz="2048" dirty="0">
+              <a:sym typeface="Helvetica"/>
+            </a:endParaRPr>
+          </a:p>
+          <a:p>
+            <a:pPr marL="284479" indent="-284479" defTabSz="292607">
+              <a:lnSpc>
+                <a:spcPts val="3700"/>
+              </a:lnSpc>
+              <a:spcBef>
+                <a:spcPts val="0"/>
+              </a:spcBef>
+              <a:tabLst>
+                <a:tab pos="88900" algn="l"/>
+                <a:tab pos="292100" algn="l"/>
+              </a:tabLst>
+              <a:defRPr sz="2048">
+                <a:latin typeface="Helvetica"/>
+                <a:ea typeface="Helvetica"/>
+                <a:cs typeface="Helvetica"/>
+                <a:sym typeface="Helvetica"/>
+              </a:defRPr>
+            </a:pPr>
+            <a:endParaRPr lang="en-US" sz="2048" dirty="0">
+              <a:latin typeface="Calibri" panose="020F0502020204030204" pitchFamily="34" charset="0"/>
+              <a:cs typeface="Calibri" panose="020F0502020204030204" pitchFamily="34" charset="0"/>
+              <a:sym typeface="Helvetica"/>
+            </a:endParaRPr>
+          </a:p>
+          <a:p>
+            <a:pPr marL="284479" indent="-284479" defTabSz="292607">
+              <a:lnSpc>
+                <a:spcPts val="3700"/>
+              </a:lnSpc>
+              <a:spcBef>
+                <a:spcPts val="0"/>
+              </a:spcBef>
+              <a:tabLst>
+                <a:tab pos="88900" algn="l"/>
+                <a:tab pos="292100" algn="l"/>
+              </a:tabLst>
+              <a:defRPr sz="2048">
+                <a:latin typeface="Helvetica"/>
+                <a:ea typeface="Helvetica"/>
+                <a:cs typeface="Helvetica"/>
+                <a:sym typeface="Helvetica"/>
+              </a:defRPr>
+            </a:pPr>
+            <a:endParaRPr lang="en-US" sz="2000" dirty="0">
+              <a:latin typeface="Calibri" panose="020F0502020204030204" pitchFamily="34" charset="0"/>
+              <a:cs typeface="Calibri" panose="020F0502020204030204" pitchFamily="34" charset="0"/>
+            </a:endParaRPr>
+          </a:p>
+        </p:txBody>
+      </p:sp>
+    </p:spTree>
+    <p:extLst>
+      <p:ext uri="{BB962C8B-B14F-4D97-AF65-F5344CB8AC3E}">
+        <p14:creationId xmlns:p14="http://schemas.microsoft.com/office/powerpoint/2010/main" val="2045104322"/>
+      </p:ext>
+    </p:extLst>
   </p:cSld>
   <p:clrMapOvr>
     <a:masterClrMapping/>

--- a/Lectures/Lecture5/lesson5.pptx
+++ b/Lectures/Lecture5/lesson5.pptx
@@ -2442,7 +2442,7 @@
           </a:ln>
           <a:extLst>
             <a:ext uri="{C572A759-6A51-4108-AA02-DFA0A04FC94B}">
-              <ma14:wrappingTextBoxFlag xmlns="" xmlns:ma14="http://schemas.microsoft.com/office/mac/drawingml/2011/main" val="1"/>
+              <ma14:wrappingTextBoxFlag xmlns:ma14="http://schemas.microsoft.com/office/mac/drawingml/2011/main" xmlns="" val="1"/>
             </a:ext>
           </a:extLst>
         </p:spPr>
@@ -2481,7 +2481,7 @@
           </a:ln>
           <a:extLst>
             <a:ext uri="{C572A759-6A51-4108-AA02-DFA0A04FC94B}">
-              <ma14:wrappingTextBoxFlag xmlns="" xmlns:ma14="http://schemas.microsoft.com/office/mac/drawingml/2011/main" val="1"/>
+              <ma14:wrappingTextBoxFlag xmlns:ma14="http://schemas.microsoft.com/office/mac/drawingml/2011/main" xmlns="" val="1"/>
             </a:ext>
           </a:extLst>
         </p:spPr>
@@ -8217,7 +8217,21 @@
                 <a:latin typeface="Calibri" panose="020F0502020204030204" pitchFamily="34" charset="0"/>
                 <a:cs typeface="Calibri" panose="020F0502020204030204" pitchFamily="34" charset="0"/>
               </a:rPr>
-              <a:t> Person = Movie | Actor</a:t>
+              <a:t> </a:t>
+            </a:r>
+            <a:r>
+              <a:rPr lang="en-US" sz="2000" dirty="0" err="1">
+                <a:latin typeface="Calibri" panose="020F0502020204030204" pitchFamily="34" charset="0"/>
+                <a:cs typeface="Calibri" panose="020F0502020204030204" pitchFamily="34" charset="0"/>
+              </a:rPr>
+              <a:t>Recor</a:t>
+            </a:r>
+            <a:r>
+              <a:rPr lang="en-US" sz="2000" dirty="0">
+                <a:latin typeface="Calibri" panose="020F0502020204030204" pitchFamily="34" charset="0"/>
+                <a:cs typeface="Calibri" panose="020F0502020204030204" pitchFamily="34" charset="0"/>
+              </a:rPr>
+              <a:t> = Movie | Actor</a:t>
             </a:r>
           </a:p>
           <a:p>
@@ -8784,7 +8798,7 @@
               </a:defRPr>
             </a:pPr>
             <a:r>
-              <a:rPr sz="2000" dirty="0">
+              <a:rPr lang="en-US" sz="2000" dirty="0">
                 <a:solidFill>
                   <a:schemeClr val="accent1">
                     <a:hueOff val="114395"/>
@@ -8797,28 +8811,14 @@
               <a:t>type</a:t>
             </a:r>
             <a:r>
-              <a:rPr sz="2000" dirty="0">
-                <a:latin typeface="Calibri" panose="020F0502020204030204" pitchFamily="34" charset="0"/>
-                <a:cs typeface="Calibri" panose="020F0502020204030204" pitchFamily="34" charset="0"/>
-              </a:rPr>
-              <a:t> </a:t>
-            </a:r>
-            <a:r>
-              <a:rPr lang="en-US" sz="2000" dirty="0">
-                <a:latin typeface="Calibri" panose="020F0502020204030204" pitchFamily="34" charset="0"/>
-                <a:cs typeface="Calibri" panose="020F0502020204030204" pitchFamily="34" charset="0"/>
-              </a:rPr>
-              <a:t>Record</a:t>
-            </a:r>
-            <a:r>
-              <a:rPr sz="2000" dirty="0">
-                <a:latin typeface="Calibri" panose="020F0502020204030204" pitchFamily="34" charset="0"/>
-                <a:cs typeface="Calibri" panose="020F0502020204030204" pitchFamily="34" charset="0"/>
-              </a:rPr>
-              <a:t> = Student &amp; { kind: </a:t>
-            </a:r>
-            <a:r>
-              <a:rPr sz="2000" dirty="0">
+              <a:rPr lang="en-US" sz="2000" dirty="0">
+                <a:latin typeface="Calibri" panose="020F0502020204030204" pitchFamily="34" charset="0"/>
+                <a:cs typeface="Calibri" panose="020F0502020204030204" pitchFamily="34" charset="0"/>
+              </a:rPr>
+              <a:t> Record = Movie &amp; { kind: </a:t>
+            </a:r>
+            <a:r>
+              <a:rPr lang="en-US" sz="2000" dirty="0">
                 <a:solidFill>
                   <a:schemeClr val="accent5">
                     <a:lumOff val="-29866"/>
@@ -8827,7 +8827,14 @@
                 <a:latin typeface="Calibri" panose="020F0502020204030204" pitchFamily="34" charset="0"/>
                 <a:cs typeface="Calibri" panose="020F0502020204030204" pitchFamily="34" charset="0"/>
               </a:rPr>
-              <a:t>"</a:t>
+              <a:t>"Movie"</a:t>
+            </a:r>
+            <a:r>
+              <a:rPr lang="en-US" sz="2000" dirty="0">
+                <a:latin typeface="Calibri" panose="020F0502020204030204" pitchFamily="34" charset="0"/>
+                <a:cs typeface="Calibri" panose="020F0502020204030204" pitchFamily="34" charset="0"/>
+              </a:rPr>
+              <a:t> } | Actor &amp; { kind: </a:t>
             </a:r>
             <a:r>
               <a:rPr lang="en-US" sz="2000" dirty="0">
@@ -8839,70 +8846,19 @@
                 <a:latin typeface="Calibri" panose="020F0502020204030204" pitchFamily="34" charset="0"/>
                 <a:cs typeface="Calibri" panose="020F0502020204030204" pitchFamily="34" charset="0"/>
               </a:rPr>
-              <a:t>Movie</a:t>
-            </a:r>
-            <a:r>
-              <a:rPr sz="2000" dirty="0">
-                <a:solidFill>
-                  <a:schemeClr val="accent5">
-                    <a:lumOff val="-29866"/>
-                  </a:schemeClr>
-                </a:solidFill>
-                <a:latin typeface="Calibri" panose="020F0502020204030204" pitchFamily="34" charset="0"/>
-                <a:cs typeface="Calibri" panose="020F0502020204030204" pitchFamily="34" charset="0"/>
-              </a:rPr>
-              <a:t>"</a:t>
-            </a:r>
-            <a:r>
-              <a:rPr sz="2000" dirty="0">
-                <a:latin typeface="Calibri" panose="020F0502020204030204" pitchFamily="34" charset="0"/>
-                <a:cs typeface="Calibri" panose="020F0502020204030204" pitchFamily="34" charset="0"/>
-              </a:rPr>
-              <a:t> } | Teacher &amp; { kind: </a:t>
-            </a:r>
-            <a:r>
-              <a:rPr sz="2000" dirty="0">
-                <a:solidFill>
-                  <a:schemeClr val="accent5">
-                    <a:lumOff val="-29866"/>
-                  </a:schemeClr>
-                </a:solidFill>
-                <a:latin typeface="Calibri" panose="020F0502020204030204" pitchFamily="34" charset="0"/>
-                <a:cs typeface="Calibri" panose="020F0502020204030204" pitchFamily="34" charset="0"/>
-              </a:rPr>
-              <a:t>"</a:t>
-            </a:r>
-            <a:r>
-              <a:rPr lang="en-US" sz="2000" dirty="0">
-                <a:solidFill>
-                  <a:schemeClr val="accent5">
-                    <a:lumOff val="-29866"/>
-                  </a:schemeClr>
-                </a:solidFill>
-                <a:latin typeface="Calibri" panose="020F0502020204030204" pitchFamily="34" charset="0"/>
-                <a:cs typeface="Calibri" panose="020F0502020204030204" pitchFamily="34" charset="0"/>
-              </a:rPr>
-              <a:t>Actor</a:t>
-            </a:r>
-            <a:r>
-              <a:rPr sz="2000" dirty="0">
-                <a:solidFill>
-                  <a:schemeClr val="accent5">
-                    <a:lumOff val="-29866"/>
-                  </a:schemeClr>
-                </a:solidFill>
-                <a:latin typeface="Calibri" panose="020F0502020204030204" pitchFamily="34" charset="0"/>
-                <a:cs typeface="Calibri" panose="020F0502020204030204" pitchFamily="34" charset="0"/>
-              </a:rPr>
-              <a:t>" </a:t>
-            </a:r>
-            <a:r>
-              <a:rPr sz="2000" dirty="0">
+              <a:t>"Actor" </a:t>
+            </a:r>
+            <a:r>
+              <a:rPr lang="en-US" sz="2000" dirty="0">
                 <a:latin typeface="Calibri" panose="020F0502020204030204" pitchFamily="34" charset="0"/>
                 <a:cs typeface="Calibri" panose="020F0502020204030204" pitchFamily="34" charset="0"/>
               </a:rPr>
               <a:t>}</a:t>
             </a:r>
+            <a:endParaRPr sz="2000" dirty="0">
+              <a:latin typeface="Calibri" panose="020F0502020204030204" pitchFamily="34" charset="0"/>
+              <a:cs typeface="Calibri" panose="020F0502020204030204" pitchFamily="34" charset="0"/>
+            </a:endParaRPr>
           </a:p>
         </p:txBody>
       </p:sp>
@@ -10460,7 +10416,21 @@
                 <a:latin typeface="Calibri" panose="020F0502020204030204" pitchFamily="34" charset="0"/>
                 <a:cs typeface="Calibri" panose="020F0502020204030204" pitchFamily="34" charset="0"/>
               </a:rPr>
-              <a:t>What are possible values of A  B?</a:t>
+              <a:t>What are possible values of </a:t>
+            </a:r>
+            <a:r>
+              <a:rPr lang="en-US" sz="2000">
+                <a:latin typeface="Calibri" panose="020F0502020204030204" pitchFamily="34" charset="0"/>
+                <a:cs typeface="Calibri" panose="020F0502020204030204" pitchFamily="34" charset="0"/>
+              </a:rPr>
+              <a:t>A  &amp; B</a:t>
+            </a:r>
+            <a:r>
+              <a:rPr lang="en-US" sz="2000" dirty="0">
+                <a:latin typeface="Calibri" panose="020F0502020204030204" pitchFamily="34" charset="0"/>
+                <a:cs typeface="Calibri" panose="020F0502020204030204" pitchFamily="34" charset="0"/>
+              </a:rPr>
+              <a:t>?</a:t>
             </a:r>
           </a:p>
           <a:p>
@@ -13820,7 +13790,7 @@
           </a:ln>
           <a:extLst>
             <a:ext uri="{C572A759-6A51-4108-AA02-DFA0A04FC94B}">
-              <ma14:wrappingTextBoxFlag xmlns="" xmlns:ma14="http://schemas.microsoft.com/office/mac/drawingml/2011/main" val="1"/>
+              <ma14:wrappingTextBoxFlag xmlns:ma14="http://schemas.microsoft.com/office/mac/drawingml/2011/main" xmlns="" val="1"/>
             </a:ext>
           </a:extLst>
         </p:spPr>
@@ -14223,7 +14193,7 @@
           </a:ln>
           <a:extLst>
             <a:ext uri="{C572A759-6A51-4108-AA02-DFA0A04FC94B}">
-              <ma14:wrappingTextBoxFlag xmlns="" xmlns:ma14="http://schemas.microsoft.com/office/mac/drawingml/2011/main" val="1"/>
+              <ma14:wrappingTextBoxFlag xmlns:ma14="http://schemas.microsoft.com/office/mac/drawingml/2011/main" xmlns="" val="1"/>
             </a:ext>
           </a:extLst>
         </p:spPr>
@@ -14258,7 +14228,7 @@
           </a:ln>
           <a:extLst>
             <a:ext uri="{C572A759-6A51-4108-AA02-DFA0A04FC94B}">
-              <ma14:wrappingTextBoxFlag xmlns="" xmlns:ma14="http://schemas.microsoft.com/office/mac/drawingml/2011/main" val="1"/>
+              <ma14:wrappingTextBoxFlag xmlns:ma14="http://schemas.microsoft.com/office/mac/drawingml/2011/main" xmlns="" val="1"/>
             </a:ext>
           </a:extLst>
         </p:spPr>
